--- a/ProjectExecution/BA/SpecsWireframes/003TeacherAppWireframes.pptx
+++ b/ProjectExecution/BA/SpecsWireframes/003TeacherAppWireframes.pptx
@@ -5,7 +5,7 @@
     <p:sldMasterId id="2147483648" r:id="rId1"/>
   </p:sldMasterIdLst>
   <p:notesMasterIdLst>
-    <p:notesMasterId r:id="rId11"/>
+    <p:notesMasterId r:id="rId10"/>
   </p:notesMasterIdLst>
   <p:sldIdLst>
     <p:sldId id="259" r:id="rId2"/>
@@ -15,8 +15,7 @@
     <p:sldId id="268" r:id="rId6"/>
     <p:sldId id="266" r:id="rId7"/>
     <p:sldId id="269" r:id="rId8"/>
-    <p:sldId id="270" r:id="rId9"/>
-    <p:sldId id="265" r:id="rId10"/>
+    <p:sldId id="265" r:id="rId9"/>
   </p:sldIdLst>
   <p:sldSz cx="9144000" cy="6858000" type="screen4x3"/>
   <p:notesSz cx="6858000" cy="9144000"/>
@@ -117,7 +116,7 @@
   </p:defaultTextStyle>
   <p:extLst>
     <p:ext uri="{EFAFB233-063F-42B5-8137-9DF3F51BA10A}">
-      <p15:sldGuideLst xmlns:p15="http://schemas.microsoft.com/office/powerpoint/2012/main">
+      <p15:sldGuideLst xmlns:p15="http://schemas.microsoft.com/office/powerpoint/2012/main" xmlns="">
         <p15:guide id="1" orient="horz" pos="2160">
           <p15:clr>
             <a:srgbClr val="A4A3A4"/>
@@ -6073,6 +6072,60 @@
           </a:ln>
         </p:spPr>
       </p:pic>
+      <p:pic>
+        <p:nvPicPr>
+          <p:cNvPr id="1026" name="Picture 2"/>
+          <p:cNvPicPr>
+            <a:picLocks noChangeAspect="1" noChangeArrowheads="1"/>
+          </p:cNvPicPr>
+          <p:nvPr/>
+        </p:nvPicPr>
+        <p:blipFill>
+          <a:blip r:embed="rId4">
+            <a:extLst>
+              <a:ext uri="{28A0092B-C50C-407E-A947-70E740481C1C}">
+                <a14:useLocalDpi xmlns:a14="http://schemas.microsoft.com/office/drawing/2010/main" val="0"/>
+              </a:ext>
+            </a:extLst>
+          </a:blip>
+          <a:srcRect/>
+          <a:stretch>
+            <a:fillRect/>
+          </a:stretch>
+        </p:blipFill>
+        <p:spPr bwMode="auto">
+          <a:xfrm>
+            <a:off x="2586038" y="1833563"/>
+            <a:ext cx="3971925" cy="3190875"/>
+          </a:xfrm>
+          <a:prstGeom prst="rect">
+            <a:avLst/>
+          </a:prstGeom>
+          <a:noFill/>
+          <a:ln>
+            <a:noFill/>
+          </a:ln>
+          <a:extLst>
+            <a:ext uri="{909E8E84-426E-40DD-AFC4-6F175D3DCCD1}">
+              <a14:hiddenFill xmlns:a14="http://schemas.microsoft.com/office/drawing/2010/main">
+                <a:solidFill>
+                  <a:schemeClr val="accent1"/>
+                </a:solidFill>
+              </a14:hiddenFill>
+            </a:ext>
+            <a:ext uri="{91240B29-F687-4F45-9708-019B960494DF}">
+              <a14:hiddenLine xmlns:a14="http://schemas.microsoft.com/office/drawing/2010/main" w="9525">
+                <a:solidFill>
+                  <a:schemeClr val="tx1"/>
+                </a:solidFill>
+                <a:miter lim="800000"/>
+                <a:headEnd/>
+                <a:tailEnd/>
+              </a14:hiddenLine>
+            </a:ext>
+          </a:extLst>
+        </p:spPr>
+      </p:pic>
     </p:spTree>
     <p:extLst>
       <p:ext uri="{BB962C8B-B14F-4D97-AF65-F5344CB8AC3E}">
@@ -6158,14 +6211,7 @@
                 <a:latin typeface="Arial" panose="020B0604020202020204" pitchFamily="34" charset="0"/>
                 <a:ea typeface="Arial" panose="020B0604020202020204" pitchFamily="34" charset="0"/>
               </a:rPr>
-              <a:t>Signup </a:t>
-            </a:r>
-            <a:r>
-              <a:rPr lang="en-US" sz="2400" b="1" dirty="0" smtClean="0">
-                <a:latin typeface="Arial" panose="020B0604020202020204" pitchFamily="34" charset="0"/>
-                <a:ea typeface="Arial" panose="020B0604020202020204" pitchFamily="34" charset="0"/>
-              </a:rPr>
-              <a:t>– Teacher Details page</a:t>
+              <a:t>Signup – Teacher Details page</a:t>
             </a:r>
             <a:endParaRPr lang="en-AU" sz="2400" dirty="0">
               <a:effectLst/>
@@ -6354,14 +6400,7 @@
                 <a:latin typeface="Arial" panose="020B0604020202020204" pitchFamily="34" charset="0"/>
                 <a:ea typeface="Arial" panose="020B0604020202020204" pitchFamily="34" charset="0"/>
               </a:rPr>
-              <a:t>Signup </a:t>
-            </a:r>
-            <a:r>
-              <a:rPr lang="en-US" sz="2400" b="1" dirty="0" smtClean="0">
-                <a:latin typeface="Arial" panose="020B0604020202020204" pitchFamily="34" charset="0"/>
-                <a:ea typeface="Arial" panose="020B0604020202020204" pitchFamily="34" charset="0"/>
-              </a:rPr>
-              <a:t>– Teacher Details page contd.</a:t>
+              <a:t>Signup – Teacher Details page contd.</a:t>
             </a:r>
             <a:endParaRPr lang="en-AU" sz="2400" dirty="0">
               <a:effectLst/>
@@ -6550,14 +6589,7 @@
                 <a:latin typeface="Arial" panose="020B0604020202020204" pitchFamily="34" charset="0"/>
                 <a:ea typeface="Arial" panose="020B0604020202020204" pitchFamily="34" charset="0"/>
               </a:rPr>
-              <a:t>Signup </a:t>
-            </a:r>
-            <a:r>
-              <a:rPr lang="en-US" sz="2400" b="1" dirty="0" smtClean="0">
-                <a:latin typeface="Arial" panose="020B0604020202020204" pitchFamily="34" charset="0"/>
-                <a:ea typeface="Arial" panose="020B0604020202020204" pitchFamily="34" charset="0"/>
-              </a:rPr>
-              <a:t>– Teacher Details page contd.</a:t>
+              <a:t>Signup – Teacher Details page contd.</a:t>
             </a:r>
             <a:endParaRPr lang="en-AU" sz="2400" dirty="0">
               <a:effectLst/>
@@ -6746,14 +6778,7 @@
                 <a:latin typeface="Arial" panose="020B0604020202020204" pitchFamily="34" charset="0"/>
                 <a:ea typeface="Arial" panose="020B0604020202020204" pitchFamily="34" charset="0"/>
               </a:rPr>
-              <a:t>Signup - Confirm </a:t>
-            </a:r>
-            <a:r>
-              <a:rPr lang="en-US" sz="2400" b="1" dirty="0" smtClean="0">
-                <a:latin typeface="Arial" panose="020B0604020202020204" pitchFamily="34" charset="0"/>
-                <a:ea typeface="Arial" panose="020B0604020202020204" pitchFamily="34" charset="0"/>
-              </a:rPr>
-              <a:t>Password page</a:t>
+              <a:t>Signup - Confirm Password page</a:t>
             </a:r>
             <a:endParaRPr lang="en-AU" sz="2400" dirty="0">
               <a:effectLst/>
@@ -6830,26 +6855,56 @@
       </p:sp>
       <p:pic>
         <p:nvPicPr>
-          <p:cNvPr id="4" name="Picture 3"/>
+          <p:cNvPr id="4098" name="Picture 2"/>
           <p:cNvPicPr>
-            <a:picLocks noChangeAspect="1"/>
+            <a:picLocks noChangeAspect="1" noChangeArrowheads="1"/>
           </p:cNvPicPr>
           <p:nvPr/>
         </p:nvPicPr>
         <p:blipFill>
-          <a:blip r:embed="rId3"/>
+          <a:blip r:embed="rId3">
+            <a:extLst>
+              <a:ext uri="{28A0092B-C50C-407E-A947-70E740481C1C}">
+                <a14:useLocalDpi xmlns:a14="http://schemas.microsoft.com/office/drawing/2010/main" val="0"/>
+              </a:ext>
+            </a:extLst>
+          </a:blip>
+          <a:srcRect/>
           <a:stretch>
             <a:fillRect/>
           </a:stretch>
         </p:blipFill>
-        <p:spPr>
+        <p:spPr bwMode="auto">
           <a:xfrm>
-            <a:off x="2628900" y="2038350"/>
+            <a:off x="2610644" y="2038350"/>
             <a:ext cx="3886200" cy="2781300"/>
           </a:xfrm>
           <a:prstGeom prst="rect">
             <a:avLst/>
           </a:prstGeom>
+          <a:noFill/>
+          <a:ln>
+            <a:noFill/>
+          </a:ln>
+          <a:extLst>
+            <a:ext uri="{909E8E84-426E-40DD-AFC4-6F175D3DCCD1}">
+              <a14:hiddenFill xmlns:a14="http://schemas.microsoft.com/office/drawing/2010/main">
+                <a:solidFill>
+                  <a:schemeClr val="accent1"/>
+                </a:solidFill>
+              </a14:hiddenFill>
+            </a:ext>
+            <a:ext uri="{91240B29-F687-4F45-9708-019B960494DF}">
+              <a14:hiddenLine xmlns:a14="http://schemas.microsoft.com/office/drawing/2010/main" w="9525">
+                <a:solidFill>
+                  <a:schemeClr val="tx1"/>
+                </a:solidFill>
+                <a:miter lim="800000"/>
+                <a:headEnd/>
+                <a:tailEnd/>
+              </a14:hiddenLine>
+            </a:ext>
+          </a:extLst>
         </p:spPr>
       </p:pic>
     </p:spTree>
@@ -6897,8 +6952,8 @@
         </p:nvSpPr>
         <p:spPr>
           <a:xfrm>
-            <a:off x="1011788" y="332656"/>
-            <a:ext cx="6883039" cy="480901"/>
+            <a:off x="276814" y="332656"/>
+            <a:ext cx="8352992" cy="517065"/>
           </a:xfrm>
           <a:prstGeom prst="rect">
             <a:avLst/>
@@ -6937,14 +6992,28 @@
                 <a:latin typeface="Arial" panose="020B0604020202020204" pitchFamily="34" charset="0"/>
                 <a:ea typeface="Arial" panose="020B0604020202020204" pitchFamily="34" charset="0"/>
               </a:rPr>
-              <a:t>Signup </a:t>
+              <a:t>Signup – </a:t>
             </a:r>
             <a:r>
               <a:rPr lang="en-US" sz="2400" b="1" dirty="0" smtClean="0">
                 <a:latin typeface="Arial" panose="020B0604020202020204" pitchFamily="34" charset="0"/>
                 <a:ea typeface="Arial" panose="020B0604020202020204" pitchFamily="34" charset="0"/>
               </a:rPr>
-              <a:t>– Forget Password page</a:t>
+              <a:t>Forget/Change </a:t>
+            </a:r>
+            <a:r>
+              <a:rPr lang="en-US" sz="2400" b="1" dirty="0" smtClean="0">
+                <a:latin typeface="Arial" panose="020B0604020202020204" pitchFamily="34" charset="0"/>
+                <a:ea typeface="Arial" panose="020B0604020202020204" pitchFamily="34" charset="0"/>
+              </a:rPr>
+              <a:t>Password </a:t>
+            </a:r>
+            <a:r>
+              <a:rPr lang="en-US" sz="2400" b="1" dirty="0" smtClean="0">
+                <a:latin typeface="Arial" panose="020B0604020202020204" pitchFamily="34" charset="0"/>
+                <a:ea typeface="Arial" panose="020B0604020202020204" pitchFamily="34" charset="0"/>
+              </a:rPr>
+              <a:t>page</a:t>
             </a:r>
             <a:endParaRPr lang="en-AU" sz="2400" dirty="0">
               <a:effectLst/>
@@ -7021,26 +7090,56 @@
       </p:sp>
       <p:pic>
         <p:nvPicPr>
-          <p:cNvPr id="5" name="Picture 4"/>
+          <p:cNvPr id="2050" name="Picture 2"/>
           <p:cNvPicPr>
-            <a:picLocks noChangeAspect="1"/>
+            <a:picLocks noChangeAspect="1" noChangeArrowheads="1"/>
           </p:cNvPicPr>
           <p:nvPr/>
         </p:nvPicPr>
         <p:blipFill>
-          <a:blip r:embed="rId3"/>
+          <a:blip r:embed="rId3">
+            <a:extLst>
+              <a:ext uri="{28A0092B-C50C-407E-A947-70E740481C1C}">
+                <a14:useLocalDpi xmlns:a14="http://schemas.microsoft.com/office/drawing/2010/main" val="0"/>
+              </a:ext>
+            </a:extLst>
+          </a:blip>
+          <a:srcRect/>
           <a:stretch>
             <a:fillRect/>
           </a:stretch>
         </p:blipFill>
-        <p:spPr>
+        <p:spPr bwMode="auto">
           <a:xfrm>
-            <a:off x="2629143" y="1848047"/>
-            <a:ext cx="3885714" cy="3161905"/>
+            <a:off x="2510207" y="1916832"/>
+            <a:ext cx="3886200" cy="3162300"/>
           </a:xfrm>
           <a:prstGeom prst="rect">
             <a:avLst/>
           </a:prstGeom>
+          <a:noFill/>
+          <a:ln>
+            <a:noFill/>
+          </a:ln>
+          <a:extLst>
+            <a:ext uri="{909E8E84-426E-40DD-AFC4-6F175D3DCCD1}">
+              <a14:hiddenFill xmlns:a14="http://schemas.microsoft.com/office/drawing/2010/main">
+                <a:solidFill>
+                  <a:schemeClr val="accent1"/>
+                </a:solidFill>
+              </a14:hiddenFill>
+            </a:ext>
+            <a:ext uri="{91240B29-F687-4F45-9708-019B960494DF}">
+              <a14:hiddenLine xmlns:a14="http://schemas.microsoft.com/office/drawing/2010/main" w="9525">
+                <a:solidFill>
+                  <a:schemeClr val="tx1"/>
+                </a:solidFill>
+                <a:miter lim="800000"/>
+                <a:headEnd/>
+                <a:tailEnd/>
+              </a14:hiddenLine>
+            </a:ext>
+          </a:extLst>
         </p:spPr>
       </p:pic>
     </p:spTree>
@@ -7064,202 +7163,6 @@
 </file>
 
 <file path=ppt/slides/slide8.xml><?xml version="1.0" encoding="utf-8"?>
-<p:sld xmlns:a="http://schemas.openxmlformats.org/drawingml/2006/main" xmlns:r="http://schemas.openxmlformats.org/officeDocument/2006/relationships" xmlns:p="http://schemas.openxmlformats.org/presentationml/2006/main">
-  <p:cSld>
-    <p:spTree>
-      <p:nvGrpSpPr>
-        <p:cNvPr id="1" name=""/>
-        <p:cNvGrpSpPr/>
-        <p:nvPr/>
-      </p:nvGrpSpPr>
-      <p:grpSpPr>
-        <a:xfrm>
-          <a:off x="0" y="0"/>
-          <a:ext cx="0" cy="0"/>
-          <a:chOff x="0" y="0"/>
-          <a:chExt cx="0" cy="0"/>
-        </a:xfrm>
-      </p:grpSpPr>
-      <p:sp>
-        <p:nvSpPr>
-          <p:cNvPr id="2" name="Rectangle 1"/>
-          <p:cNvSpPr/>
-          <p:nvPr/>
-        </p:nvSpPr>
-        <p:spPr>
-          <a:xfrm>
-            <a:off x="926028" y="332656"/>
-            <a:ext cx="7054560" cy="480901"/>
-          </a:xfrm>
-          <a:prstGeom prst="rect">
-            <a:avLst/>
-          </a:prstGeom>
-        </p:spPr>
-        <p:txBody>
-          <a:bodyPr wrap="none">
-            <a:spAutoFit/>
-          </a:bodyPr>
-          <a:lstStyle/>
-          <a:p>
-            <a:pPr algn="ctr">
-              <a:lnSpc>
-                <a:spcPct val="115000"/>
-              </a:lnSpc>
-              <a:spcAft>
-                <a:spcPts val="0"/>
-              </a:spcAft>
-            </a:pPr>
-            <a:r>
-              <a:rPr lang="en-US" sz="2400" b="1" dirty="0" smtClean="0">
-                <a:latin typeface="Arial" panose="020B0604020202020204" pitchFamily="34" charset="0"/>
-                <a:ea typeface="Arial" panose="020B0604020202020204" pitchFamily="34" charset="0"/>
-              </a:rPr>
-              <a:t>Teacher App</a:t>
-            </a:r>
-            <a:r>
-              <a:rPr lang="en-US" sz="2400" b="1" dirty="0">
-                <a:latin typeface="Arial" panose="020B0604020202020204" pitchFamily="34" charset="0"/>
-                <a:ea typeface="Arial" panose="020B0604020202020204" pitchFamily="34" charset="0"/>
-              </a:rPr>
-              <a:t>: </a:t>
-            </a:r>
-            <a:r>
-              <a:rPr lang="en-US" sz="2400" b="1" dirty="0" smtClean="0">
-                <a:latin typeface="Arial" panose="020B0604020202020204" pitchFamily="34" charset="0"/>
-                <a:ea typeface="Arial" panose="020B0604020202020204" pitchFamily="34" charset="0"/>
-              </a:rPr>
-              <a:t>Signup </a:t>
-            </a:r>
-            <a:r>
-              <a:rPr lang="en-US" sz="2400" b="1" dirty="0" smtClean="0">
-                <a:latin typeface="Arial" panose="020B0604020202020204" pitchFamily="34" charset="0"/>
-                <a:ea typeface="Arial" panose="020B0604020202020204" pitchFamily="34" charset="0"/>
-              </a:rPr>
-              <a:t>– Change Password page</a:t>
-            </a:r>
-            <a:endParaRPr lang="en-AU" sz="2400" dirty="0">
-              <a:effectLst/>
-              <a:latin typeface="Arial" panose="020B0604020202020204" pitchFamily="34" charset="0"/>
-              <a:ea typeface="Arial" panose="020B0604020202020204" pitchFamily="34" charset="0"/>
-            </a:endParaRPr>
-          </a:p>
-        </p:txBody>
-      </p:sp>
-      <p:sp>
-        <p:nvSpPr>
-          <p:cNvPr id="3" name="Rectangle 2"/>
-          <p:cNvSpPr/>
-          <p:nvPr/>
-        </p:nvSpPr>
-        <p:spPr>
-          <a:xfrm>
-            <a:off x="431032" y="849721"/>
-            <a:ext cx="8245424" cy="307777"/>
-          </a:xfrm>
-          <a:prstGeom prst="rect">
-            <a:avLst/>
-          </a:prstGeom>
-        </p:spPr>
-        <p:txBody>
-          <a:bodyPr wrap="square">
-            <a:spAutoFit/>
-          </a:bodyPr>
-          <a:lstStyle/>
-          <a:p>
-            <a:pPr algn="ctr"/>
-            <a:r>
-              <a:rPr lang="en-US" sz="1400" dirty="0">
-                <a:latin typeface="Arial" panose="020B0604020202020204" pitchFamily="34" charset="0"/>
-                <a:ea typeface="Arial" panose="020B0604020202020204" pitchFamily="34" charset="0"/>
-              </a:rPr>
-              <a:t>Link: </a:t>
-            </a:r>
-            <a:r>
-              <a:rPr lang="en-US" sz="1400" u="sng" dirty="0">
-                <a:solidFill>
-                  <a:srgbClr val="0000FF"/>
-                </a:solidFill>
-                <a:latin typeface="Arial" panose="020B0604020202020204" pitchFamily="34" charset="0"/>
-                <a:ea typeface="Arial" panose="020B0604020202020204" pitchFamily="34" charset="0"/>
-                <a:hlinkClick r:id="rId2"/>
-              </a:rPr>
-              <a:t>https</a:t>
-            </a:r>
-            <a:r>
-              <a:rPr lang="en-US" sz="1400" u="sng" dirty="0" smtClean="0">
-                <a:solidFill>
-                  <a:srgbClr val="0000FF"/>
-                </a:solidFill>
-                <a:latin typeface="Arial" panose="020B0604020202020204" pitchFamily="34" charset="0"/>
-                <a:ea typeface="Arial" panose="020B0604020202020204" pitchFamily="34" charset="0"/>
-                <a:hlinkClick r:id="rId2"/>
-              </a:rPr>
-              <a:t>://</a:t>
-            </a:r>
-            <a:r>
-              <a:rPr lang="en-US" sz="1400" u="sng" dirty="0" smtClean="0">
-                <a:solidFill>
-                  <a:srgbClr val="0000FF"/>
-                </a:solidFill>
-                <a:latin typeface="Arial" panose="020B0604020202020204" pitchFamily="34" charset="0"/>
-                <a:ea typeface="Arial" panose="020B0604020202020204" pitchFamily="34" charset="0"/>
-              </a:rPr>
-              <a:t>anodiam.com/teacher</a:t>
-            </a:r>
-            <a:endParaRPr lang="en-AU" sz="1400" dirty="0"/>
-          </a:p>
-        </p:txBody>
-      </p:sp>
-      <p:pic>
-        <p:nvPicPr>
-          <p:cNvPr id="5" name="Picture 4"/>
-          <p:cNvPicPr>
-            <a:picLocks noChangeAspect="1"/>
-          </p:cNvPicPr>
-          <p:nvPr/>
-        </p:nvPicPr>
-        <p:blipFill>
-          <a:blip r:embed="rId3"/>
-          <a:stretch>
-            <a:fillRect/>
-          </a:stretch>
-        </p:blipFill>
-        <p:spPr>
-          <a:xfrm>
-            <a:off x="2652952" y="1800428"/>
-            <a:ext cx="3838095" cy="3257143"/>
-          </a:xfrm>
-          <a:prstGeom prst="rect">
-            <a:avLst/>
-          </a:prstGeom>
-          <a:ln w="28575">
-            <a:solidFill>
-              <a:srgbClr val="2F2FAF"/>
-            </a:solidFill>
-          </a:ln>
-        </p:spPr>
-      </p:pic>
-    </p:spTree>
-    <p:extLst>
-      <p:ext uri="{BB962C8B-B14F-4D97-AF65-F5344CB8AC3E}">
-        <p14:creationId xmlns:p14="http://schemas.microsoft.com/office/powerpoint/2010/main" val="1660166950"/>
-      </p:ext>
-    </p:extLst>
-  </p:cSld>
-  <p:clrMapOvr>
-    <a:masterClrMapping/>
-  </p:clrMapOvr>
-  <p:timing>
-    <p:tnLst>
-      <p:par>
-        <p:cTn id="1" dur="indefinite" restart="never" nodeType="tmRoot"/>
-      </p:par>
-    </p:tnLst>
-  </p:timing>
-</p:sld>
-</file>
-
-<file path=ppt/slides/slide9.xml><?xml version="1.0" encoding="utf-8"?>
 <p:sld xmlns:a="http://schemas.openxmlformats.org/drawingml/2006/main" xmlns:r="http://schemas.openxmlformats.org/officeDocument/2006/relationships" xmlns:p="http://schemas.openxmlformats.org/presentationml/2006/main">
   <p:cSld>
     <p:spTree>

--- a/ProjectExecution/BA/SpecsWireframes/003TeacherAppWireframes.pptx
+++ b/ProjectExecution/BA/SpecsWireframes/003TeacherAppWireframes.pptx
@@ -5,7 +5,7 @@
     <p:sldMasterId id="2147483648" r:id="rId1"/>
   </p:sldMasterIdLst>
   <p:notesMasterIdLst>
-    <p:notesMasterId r:id="rId11"/>
+    <p:notesMasterId r:id="rId12"/>
   </p:notesMasterIdLst>
   <p:sldIdLst>
     <p:sldId id="259" r:id="rId2"/>
@@ -17,6 +17,7 @@
     <p:sldId id="269" r:id="rId8"/>
     <p:sldId id="270" r:id="rId9"/>
     <p:sldId id="265" r:id="rId10"/>
+    <p:sldId id="271" r:id="rId11"/>
   </p:sldIdLst>
   <p:sldSz cx="9144000" cy="6858000" type="screen4x3"/>
   <p:notesSz cx="6858000" cy="9144000"/>
@@ -5908,6 +5909,209 @@
 </p:sld>
 </file>
 
+<file path=ppt/slides/slide10.xml><?xml version="1.0" encoding="utf-8"?>
+<p:sld xmlns:a="http://schemas.openxmlformats.org/drawingml/2006/main" xmlns:r="http://schemas.openxmlformats.org/officeDocument/2006/relationships" xmlns:p="http://schemas.openxmlformats.org/presentationml/2006/main">
+  <p:cSld>
+    <p:spTree>
+      <p:nvGrpSpPr>
+        <p:cNvPr id="1" name=""/>
+        <p:cNvGrpSpPr/>
+        <p:nvPr/>
+      </p:nvGrpSpPr>
+      <p:grpSpPr>
+        <a:xfrm>
+          <a:off x="0" y="0"/>
+          <a:ext cx="0" cy="0"/>
+          <a:chOff x="0" y="0"/>
+          <a:chExt cx="0" cy="0"/>
+        </a:xfrm>
+      </p:grpSpPr>
+      <p:sp>
+        <p:nvSpPr>
+          <p:cNvPr id="2" name="Rectangle 1"/>
+          <p:cNvSpPr/>
+          <p:nvPr/>
+        </p:nvSpPr>
+        <p:spPr>
+          <a:xfrm>
+            <a:off x="1593875" y="332656"/>
+            <a:ext cx="5718873" cy="480901"/>
+          </a:xfrm>
+          <a:prstGeom prst="rect">
+            <a:avLst/>
+          </a:prstGeom>
+        </p:spPr>
+        <p:txBody>
+          <a:bodyPr wrap="none">
+            <a:spAutoFit/>
+          </a:bodyPr>
+          <a:lstStyle/>
+          <a:p>
+            <a:pPr algn="ctr">
+              <a:lnSpc>
+                <a:spcPct val="115000"/>
+              </a:lnSpc>
+              <a:spcAft>
+                <a:spcPts val="0"/>
+              </a:spcAft>
+            </a:pPr>
+            <a:r>
+              <a:rPr lang="en-US" sz="2400" b="1" dirty="0" smtClean="0">
+                <a:latin typeface="Arial" panose="020B0604020202020204" pitchFamily="34" charset="0"/>
+                <a:ea typeface="Arial" panose="020B0604020202020204" pitchFamily="34" charset="0"/>
+              </a:rPr>
+              <a:t>Teacher App</a:t>
+            </a:r>
+            <a:r>
+              <a:rPr lang="en-US" sz="2400" b="1" dirty="0">
+                <a:latin typeface="Arial" panose="020B0604020202020204" pitchFamily="34" charset="0"/>
+                <a:ea typeface="Arial" panose="020B0604020202020204" pitchFamily="34" charset="0"/>
+              </a:rPr>
+              <a:t>: </a:t>
+            </a:r>
+            <a:r>
+              <a:rPr lang="en-US" sz="2400" b="1" dirty="0" smtClean="0">
+                <a:latin typeface="Arial" panose="020B0604020202020204" pitchFamily="34" charset="0"/>
+                <a:ea typeface="Arial" panose="020B0604020202020204" pitchFamily="34" charset="0"/>
+              </a:rPr>
+              <a:t>My </a:t>
+            </a:r>
+            <a:r>
+              <a:rPr lang="en-US" sz="2400" b="1" smtClean="0">
+                <a:latin typeface="Arial" panose="020B0604020202020204" pitchFamily="34" charset="0"/>
+                <a:ea typeface="Arial" panose="020B0604020202020204" pitchFamily="34" charset="0"/>
+              </a:rPr>
+              <a:t>Teacher </a:t>
+            </a:r>
+            <a:r>
+              <a:rPr lang="en-US" sz="2400" b="1" smtClean="0">
+                <a:latin typeface="Arial" panose="020B0604020202020204" pitchFamily="34" charset="0"/>
+                <a:ea typeface="Arial" panose="020B0604020202020204" pitchFamily="34" charset="0"/>
+              </a:rPr>
+              <a:t>Profile page</a:t>
+            </a:r>
+            <a:endParaRPr lang="en-AU" sz="2400" dirty="0">
+              <a:effectLst/>
+              <a:latin typeface="Arial" panose="020B0604020202020204" pitchFamily="34" charset="0"/>
+              <a:ea typeface="Arial" panose="020B0604020202020204" pitchFamily="34" charset="0"/>
+            </a:endParaRPr>
+          </a:p>
+        </p:txBody>
+      </p:sp>
+      <p:sp>
+        <p:nvSpPr>
+          <p:cNvPr id="3" name="Rectangle 2"/>
+          <p:cNvSpPr/>
+          <p:nvPr/>
+        </p:nvSpPr>
+        <p:spPr>
+          <a:xfrm>
+            <a:off x="431032" y="849721"/>
+            <a:ext cx="8245424" cy="307777"/>
+          </a:xfrm>
+          <a:prstGeom prst="rect">
+            <a:avLst/>
+          </a:prstGeom>
+        </p:spPr>
+        <p:txBody>
+          <a:bodyPr wrap="square">
+            <a:spAutoFit/>
+          </a:bodyPr>
+          <a:lstStyle/>
+          <a:p>
+            <a:pPr algn="ctr"/>
+            <a:r>
+              <a:rPr lang="en-US" sz="1400" dirty="0">
+                <a:latin typeface="Arial" panose="020B0604020202020204" pitchFamily="34" charset="0"/>
+                <a:ea typeface="Arial" panose="020B0604020202020204" pitchFamily="34" charset="0"/>
+              </a:rPr>
+              <a:t>Link: </a:t>
+            </a:r>
+            <a:r>
+              <a:rPr lang="en-US" sz="1400" u="sng" dirty="0">
+                <a:solidFill>
+                  <a:srgbClr val="0000FF"/>
+                </a:solidFill>
+                <a:latin typeface="Arial" panose="020B0604020202020204" pitchFamily="34" charset="0"/>
+                <a:ea typeface="Arial" panose="020B0604020202020204" pitchFamily="34" charset="0"/>
+                <a:hlinkClick r:id="rId2"/>
+              </a:rPr>
+              <a:t>https</a:t>
+            </a:r>
+            <a:r>
+              <a:rPr lang="en-US" sz="1400" u="sng" dirty="0" smtClean="0">
+                <a:solidFill>
+                  <a:srgbClr val="0000FF"/>
+                </a:solidFill>
+                <a:latin typeface="Arial" panose="020B0604020202020204" pitchFamily="34" charset="0"/>
+                <a:ea typeface="Arial" panose="020B0604020202020204" pitchFamily="34" charset="0"/>
+                <a:hlinkClick r:id="rId2"/>
+              </a:rPr>
+              <a:t>://</a:t>
+            </a:r>
+            <a:r>
+              <a:rPr lang="en-US" sz="1400" u="sng" dirty="0" smtClean="0">
+                <a:solidFill>
+                  <a:srgbClr val="0000FF"/>
+                </a:solidFill>
+                <a:latin typeface="Arial" panose="020B0604020202020204" pitchFamily="34" charset="0"/>
+                <a:ea typeface="Arial" panose="020B0604020202020204" pitchFamily="34" charset="0"/>
+              </a:rPr>
+              <a:t>anodiam.com/teacher</a:t>
+            </a:r>
+            <a:endParaRPr lang="en-AU" sz="1400" dirty="0"/>
+          </a:p>
+        </p:txBody>
+      </p:sp>
+      <p:pic>
+        <p:nvPicPr>
+          <p:cNvPr id="4" name="Picture 3"/>
+          <p:cNvPicPr>
+            <a:picLocks noChangeAspect="1"/>
+          </p:cNvPicPr>
+          <p:nvPr/>
+        </p:nvPicPr>
+        <p:blipFill>
+          <a:blip r:embed="rId3"/>
+          <a:stretch>
+            <a:fillRect/>
+          </a:stretch>
+        </p:blipFill>
+        <p:spPr>
+          <a:xfrm>
+            <a:off x="899592" y="1677272"/>
+            <a:ext cx="7409524" cy="4200000"/>
+          </a:xfrm>
+          <a:prstGeom prst="rect">
+            <a:avLst/>
+          </a:prstGeom>
+          <a:ln w="28575">
+            <a:solidFill>
+              <a:srgbClr val="2F2FAF"/>
+            </a:solidFill>
+          </a:ln>
+        </p:spPr>
+      </p:pic>
+    </p:spTree>
+    <p:extLst>
+      <p:ext uri="{BB962C8B-B14F-4D97-AF65-F5344CB8AC3E}">
+        <p14:creationId xmlns:p14="http://schemas.microsoft.com/office/powerpoint/2010/main" val="3854951127"/>
+      </p:ext>
+    </p:extLst>
+  </p:cSld>
+  <p:clrMapOvr>
+    <a:masterClrMapping/>
+  </p:clrMapOvr>
+  <p:timing>
+    <p:tnLst>
+      <p:par>
+        <p:cTn id="1" dur="indefinite" restart="never" nodeType="tmRoot"/>
+      </p:par>
+    </p:tnLst>
+  </p:timing>
+</p:sld>
+</file>
+
 <file path=ppt/slides/slide2.xml><?xml version="1.0" encoding="utf-8"?>
 <p:sld xmlns:a="http://schemas.openxmlformats.org/drawingml/2006/main" xmlns:r="http://schemas.openxmlformats.org/officeDocument/2006/relationships" xmlns:p="http://schemas.openxmlformats.org/presentationml/2006/main">
   <p:cSld>
@@ -6158,14 +6362,7 @@
                 <a:latin typeface="Arial" panose="020B0604020202020204" pitchFamily="34" charset="0"/>
                 <a:ea typeface="Arial" panose="020B0604020202020204" pitchFamily="34" charset="0"/>
               </a:rPr>
-              <a:t>Signup </a:t>
-            </a:r>
-            <a:r>
-              <a:rPr lang="en-US" sz="2400" b="1" dirty="0" smtClean="0">
-                <a:latin typeface="Arial" panose="020B0604020202020204" pitchFamily="34" charset="0"/>
-                <a:ea typeface="Arial" panose="020B0604020202020204" pitchFamily="34" charset="0"/>
-              </a:rPr>
-              <a:t>– Teacher Details page</a:t>
+              <a:t>Signup – Teacher Details page</a:t>
             </a:r>
             <a:endParaRPr lang="en-AU" sz="2400" dirty="0">
               <a:effectLst/>
@@ -6354,14 +6551,7 @@
                 <a:latin typeface="Arial" panose="020B0604020202020204" pitchFamily="34" charset="0"/>
                 <a:ea typeface="Arial" panose="020B0604020202020204" pitchFamily="34" charset="0"/>
               </a:rPr>
-              <a:t>Signup </a:t>
-            </a:r>
-            <a:r>
-              <a:rPr lang="en-US" sz="2400" b="1" dirty="0" smtClean="0">
-                <a:latin typeface="Arial" panose="020B0604020202020204" pitchFamily="34" charset="0"/>
-                <a:ea typeface="Arial" panose="020B0604020202020204" pitchFamily="34" charset="0"/>
-              </a:rPr>
-              <a:t>– Teacher Details page contd.</a:t>
+              <a:t>Signup – Teacher Details page contd.</a:t>
             </a:r>
             <a:endParaRPr lang="en-AU" sz="2400" dirty="0">
               <a:effectLst/>
@@ -6550,14 +6740,7 @@
                 <a:latin typeface="Arial" panose="020B0604020202020204" pitchFamily="34" charset="0"/>
                 <a:ea typeface="Arial" panose="020B0604020202020204" pitchFamily="34" charset="0"/>
               </a:rPr>
-              <a:t>Signup </a:t>
-            </a:r>
-            <a:r>
-              <a:rPr lang="en-US" sz="2400" b="1" dirty="0" smtClean="0">
-                <a:latin typeface="Arial" panose="020B0604020202020204" pitchFamily="34" charset="0"/>
-                <a:ea typeface="Arial" panose="020B0604020202020204" pitchFamily="34" charset="0"/>
-              </a:rPr>
-              <a:t>– Teacher Details page contd.</a:t>
+              <a:t>Signup – Teacher Details page contd.</a:t>
             </a:r>
             <a:endParaRPr lang="en-AU" sz="2400" dirty="0">
               <a:effectLst/>
@@ -6746,14 +6929,7 @@
                 <a:latin typeface="Arial" panose="020B0604020202020204" pitchFamily="34" charset="0"/>
                 <a:ea typeface="Arial" panose="020B0604020202020204" pitchFamily="34" charset="0"/>
               </a:rPr>
-              <a:t>Signup - Confirm </a:t>
-            </a:r>
-            <a:r>
-              <a:rPr lang="en-US" sz="2400" b="1" dirty="0" smtClean="0">
-                <a:latin typeface="Arial" panose="020B0604020202020204" pitchFamily="34" charset="0"/>
-                <a:ea typeface="Arial" panose="020B0604020202020204" pitchFamily="34" charset="0"/>
-              </a:rPr>
-              <a:t>Password page</a:t>
+              <a:t>Signup - Confirm Password page</a:t>
             </a:r>
             <a:endParaRPr lang="en-AU" sz="2400" dirty="0">
               <a:effectLst/>
@@ -6937,14 +7113,7 @@
                 <a:latin typeface="Arial" panose="020B0604020202020204" pitchFamily="34" charset="0"/>
                 <a:ea typeface="Arial" panose="020B0604020202020204" pitchFamily="34" charset="0"/>
               </a:rPr>
-              <a:t>Signup </a:t>
-            </a:r>
-            <a:r>
-              <a:rPr lang="en-US" sz="2400" b="1" dirty="0" smtClean="0">
-                <a:latin typeface="Arial" panose="020B0604020202020204" pitchFamily="34" charset="0"/>
-                <a:ea typeface="Arial" panose="020B0604020202020204" pitchFamily="34" charset="0"/>
-              </a:rPr>
-              <a:t>– Forget Password page</a:t>
+              <a:t>Signup – Forget Password page</a:t>
             </a:r>
             <a:endParaRPr lang="en-AU" sz="2400" dirty="0">
               <a:effectLst/>
@@ -7128,14 +7297,7 @@
                 <a:latin typeface="Arial" panose="020B0604020202020204" pitchFamily="34" charset="0"/>
                 <a:ea typeface="Arial" panose="020B0604020202020204" pitchFamily="34" charset="0"/>
               </a:rPr>
-              <a:t>Signup </a:t>
-            </a:r>
-            <a:r>
-              <a:rPr lang="en-US" sz="2400" b="1" dirty="0" smtClean="0">
-                <a:latin typeface="Arial" panose="020B0604020202020204" pitchFamily="34" charset="0"/>
-                <a:ea typeface="Arial" panose="020B0604020202020204" pitchFamily="34" charset="0"/>
-              </a:rPr>
-              <a:t>– Change Password page</a:t>
+              <a:t>Signup – Change Password page</a:t>
             </a:r>
             <a:endParaRPr lang="en-AU" sz="2400" dirty="0">
               <a:effectLst/>

--- a/ProjectExecution/BA/SpecsWireframes/003TeacherAppWireframes.pptx
+++ b/ProjectExecution/BA/SpecsWireframes/003TeacherAppWireframes.pptx
@@ -5,7 +5,7 @@
     <p:sldMasterId id="2147483648" r:id="rId1"/>
   </p:sldMasterIdLst>
   <p:notesMasterIdLst>
-    <p:notesMasterId r:id="rId11"/>
+    <p:notesMasterId r:id="rId10"/>
   </p:notesMasterIdLst>
   <p:sldIdLst>
     <p:sldId id="259" r:id="rId2"/>
@@ -13,10 +13,9 @@
     <p:sldId id="264" r:id="rId4"/>
     <p:sldId id="267" r:id="rId5"/>
     <p:sldId id="268" r:id="rId6"/>
-    <p:sldId id="266" r:id="rId7"/>
+    <p:sldId id="270" r:id="rId7"/>
     <p:sldId id="269" r:id="rId8"/>
-    <p:sldId id="270" r:id="rId9"/>
-    <p:sldId id="265" r:id="rId10"/>
+    <p:sldId id="265" r:id="rId9"/>
   </p:sldIdLst>
   <p:sldSz cx="9144000" cy="6858000" type="screen4x3"/>
   <p:notesSz cx="6858000" cy="9144000"/>
@@ -6043,7 +6042,7 @@
       </p:sp>
       <p:pic>
         <p:nvPicPr>
-          <p:cNvPr id="6" name="Picture 5"/>
+          <p:cNvPr id="4" name="Picture 3"/>
           <p:cNvPicPr>
             <a:picLocks noChangeAspect="1"/>
           </p:cNvPicPr>
@@ -6057,20 +6056,12 @@
         </p:blipFill>
         <p:spPr>
           <a:xfrm>
-            <a:off x="2614612" y="1862137"/>
-            <a:ext cx="3914775" cy="3133725"/>
+            <a:off x="2586037" y="1833562"/>
+            <a:ext cx="3971925" cy="3190875"/>
           </a:xfrm>
           <a:prstGeom prst="rect">
             <a:avLst/>
           </a:prstGeom>
-          <a:ln w="28575">
-            <a:solidFill>
-              <a:schemeClr val="tx2">
-                <a:lumMod val="60000"/>
-                <a:lumOff val="40000"/>
-              </a:schemeClr>
-            </a:solidFill>
-          </a:ln>
         </p:spPr>
       </p:pic>
     </p:spTree>
@@ -6158,14 +6149,7 @@
                 <a:latin typeface="Arial" panose="020B0604020202020204" pitchFamily="34" charset="0"/>
                 <a:ea typeface="Arial" panose="020B0604020202020204" pitchFamily="34" charset="0"/>
               </a:rPr>
-              <a:t>Signup </a:t>
-            </a:r>
-            <a:r>
-              <a:rPr lang="en-US" sz="2400" b="1" dirty="0" smtClean="0">
-                <a:latin typeface="Arial" panose="020B0604020202020204" pitchFamily="34" charset="0"/>
-                <a:ea typeface="Arial" panose="020B0604020202020204" pitchFamily="34" charset="0"/>
-              </a:rPr>
-              <a:t>– Teacher Details page</a:t>
+              <a:t>Signup – Teacher Details page</a:t>
             </a:r>
             <a:endParaRPr lang="en-AU" sz="2400" dirty="0">
               <a:effectLst/>
@@ -6354,14 +6338,7 @@
                 <a:latin typeface="Arial" panose="020B0604020202020204" pitchFamily="34" charset="0"/>
                 <a:ea typeface="Arial" panose="020B0604020202020204" pitchFamily="34" charset="0"/>
               </a:rPr>
-              <a:t>Signup </a:t>
-            </a:r>
-            <a:r>
-              <a:rPr lang="en-US" sz="2400" b="1" dirty="0" smtClean="0">
-                <a:latin typeface="Arial" panose="020B0604020202020204" pitchFamily="34" charset="0"/>
-                <a:ea typeface="Arial" panose="020B0604020202020204" pitchFamily="34" charset="0"/>
-              </a:rPr>
-              <a:t>– Teacher Details page contd.</a:t>
+              <a:t>Signup – Teacher Details page contd.</a:t>
             </a:r>
             <a:endParaRPr lang="en-AU" sz="2400" dirty="0">
               <a:effectLst/>
@@ -6550,14 +6527,7 @@
                 <a:latin typeface="Arial" panose="020B0604020202020204" pitchFamily="34" charset="0"/>
                 <a:ea typeface="Arial" panose="020B0604020202020204" pitchFamily="34" charset="0"/>
               </a:rPr>
-              <a:t>Signup </a:t>
-            </a:r>
-            <a:r>
-              <a:rPr lang="en-US" sz="2400" b="1" dirty="0" smtClean="0">
-                <a:latin typeface="Arial" panose="020B0604020202020204" pitchFamily="34" charset="0"/>
-                <a:ea typeface="Arial" panose="020B0604020202020204" pitchFamily="34" charset="0"/>
-              </a:rPr>
-              <a:t>– Teacher Details page contd.</a:t>
+              <a:t>Signup – Teacher Details page contd.</a:t>
             </a:r>
             <a:endParaRPr lang="en-AU" sz="2400" dirty="0">
               <a:effectLst/>
@@ -6706,8 +6676,8 @@
         </p:nvSpPr>
         <p:spPr>
           <a:xfrm>
-            <a:off x="934844" y="332656"/>
-            <a:ext cx="7036926" cy="517065"/>
+            <a:off x="1010186" y="332656"/>
+            <a:ext cx="6886245" cy="517065"/>
           </a:xfrm>
           <a:prstGeom prst="rect">
             <a:avLst/>
@@ -6746,7 +6716,14 @@
                 <a:latin typeface="Arial" panose="020B0604020202020204" pitchFamily="34" charset="0"/>
                 <a:ea typeface="Arial" panose="020B0604020202020204" pitchFamily="34" charset="0"/>
               </a:rPr>
-              <a:t>Signup - Confirm </a:t>
+              <a:t>Signup – </a:t>
+            </a:r>
+            <a:r>
+              <a:rPr lang="en-US" sz="2400" b="1" dirty="0" smtClean="0">
+                <a:latin typeface="Arial" panose="020B0604020202020204" pitchFamily="34" charset="0"/>
+                <a:ea typeface="Arial" panose="020B0604020202020204" pitchFamily="34" charset="0"/>
+              </a:rPr>
+              <a:t>Create </a:t>
             </a:r>
             <a:r>
               <a:rPr lang="en-US" sz="2400" b="1" dirty="0" smtClean="0">
@@ -6844,8 +6821,8 @@
         </p:blipFill>
         <p:spPr>
           <a:xfrm>
-            <a:off x="2628900" y="2038350"/>
-            <a:ext cx="3886200" cy="2781300"/>
+            <a:off x="2629143" y="2171857"/>
+            <a:ext cx="3885714" cy="2514286"/>
           </a:xfrm>
           <a:prstGeom prst="rect">
             <a:avLst/>
@@ -6855,7 +6832,7 @@
     </p:spTree>
     <p:extLst>
       <p:ext uri="{BB962C8B-B14F-4D97-AF65-F5344CB8AC3E}">
-        <p14:creationId xmlns:p14="http://schemas.microsoft.com/office/powerpoint/2010/main" val="1494049277"/>
+        <p14:creationId xmlns:p14="http://schemas.microsoft.com/office/powerpoint/2010/main" val="1660166950"/>
       </p:ext>
     </p:extLst>
   </p:cSld>
@@ -6897,8 +6874,8 @@
         </p:nvSpPr>
         <p:spPr>
           <a:xfrm>
-            <a:off x="1011788" y="332656"/>
-            <a:ext cx="6883039" cy="480901"/>
+            <a:off x="320096" y="332656"/>
+            <a:ext cx="8266430" cy="517065"/>
           </a:xfrm>
           <a:prstGeom prst="rect">
             <a:avLst/>
@@ -6937,14 +6914,21 @@
                 <a:latin typeface="Arial" panose="020B0604020202020204" pitchFamily="34" charset="0"/>
                 <a:ea typeface="Arial" panose="020B0604020202020204" pitchFamily="34" charset="0"/>
               </a:rPr>
-              <a:t>Signup </a:t>
+              <a:t>Signup – Forget </a:t>
             </a:r>
             <a:r>
               <a:rPr lang="en-US" sz="2400" b="1" dirty="0" smtClean="0">
                 <a:latin typeface="Arial" panose="020B0604020202020204" pitchFamily="34" charset="0"/>
                 <a:ea typeface="Arial" panose="020B0604020202020204" pitchFamily="34" charset="0"/>
               </a:rPr>
-              <a:t>– Forget Password page</a:t>
+              <a:t>/ Change Password </a:t>
+            </a:r>
+            <a:r>
+              <a:rPr lang="en-US" sz="2400" b="1" dirty="0" smtClean="0">
+                <a:latin typeface="Arial" panose="020B0604020202020204" pitchFamily="34" charset="0"/>
+                <a:ea typeface="Arial" panose="020B0604020202020204" pitchFamily="34" charset="0"/>
+              </a:rPr>
+              <a:t>page</a:t>
             </a:r>
             <a:endParaRPr lang="en-AU" sz="2400" dirty="0">
               <a:effectLst/>
@@ -7021,7 +7005,7 @@
       </p:sp>
       <p:pic>
         <p:nvPicPr>
-          <p:cNvPr id="5" name="Picture 4"/>
+          <p:cNvPr id="4" name="Picture 3"/>
           <p:cNvPicPr>
             <a:picLocks noChangeAspect="1"/>
           </p:cNvPicPr>
@@ -7064,202 +7048,6 @@
 </file>
 
 <file path=ppt/slides/slide8.xml><?xml version="1.0" encoding="utf-8"?>
-<p:sld xmlns:a="http://schemas.openxmlformats.org/drawingml/2006/main" xmlns:r="http://schemas.openxmlformats.org/officeDocument/2006/relationships" xmlns:p="http://schemas.openxmlformats.org/presentationml/2006/main">
-  <p:cSld>
-    <p:spTree>
-      <p:nvGrpSpPr>
-        <p:cNvPr id="1" name=""/>
-        <p:cNvGrpSpPr/>
-        <p:nvPr/>
-      </p:nvGrpSpPr>
-      <p:grpSpPr>
-        <a:xfrm>
-          <a:off x="0" y="0"/>
-          <a:ext cx="0" cy="0"/>
-          <a:chOff x="0" y="0"/>
-          <a:chExt cx="0" cy="0"/>
-        </a:xfrm>
-      </p:grpSpPr>
-      <p:sp>
-        <p:nvSpPr>
-          <p:cNvPr id="2" name="Rectangle 1"/>
-          <p:cNvSpPr/>
-          <p:nvPr/>
-        </p:nvSpPr>
-        <p:spPr>
-          <a:xfrm>
-            <a:off x="926028" y="332656"/>
-            <a:ext cx="7054560" cy="480901"/>
-          </a:xfrm>
-          <a:prstGeom prst="rect">
-            <a:avLst/>
-          </a:prstGeom>
-        </p:spPr>
-        <p:txBody>
-          <a:bodyPr wrap="none">
-            <a:spAutoFit/>
-          </a:bodyPr>
-          <a:lstStyle/>
-          <a:p>
-            <a:pPr algn="ctr">
-              <a:lnSpc>
-                <a:spcPct val="115000"/>
-              </a:lnSpc>
-              <a:spcAft>
-                <a:spcPts val="0"/>
-              </a:spcAft>
-            </a:pPr>
-            <a:r>
-              <a:rPr lang="en-US" sz="2400" b="1" dirty="0" smtClean="0">
-                <a:latin typeface="Arial" panose="020B0604020202020204" pitchFamily="34" charset="0"/>
-                <a:ea typeface="Arial" panose="020B0604020202020204" pitchFamily="34" charset="0"/>
-              </a:rPr>
-              <a:t>Teacher App</a:t>
-            </a:r>
-            <a:r>
-              <a:rPr lang="en-US" sz="2400" b="1" dirty="0">
-                <a:latin typeface="Arial" panose="020B0604020202020204" pitchFamily="34" charset="0"/>
-                <a:ea typeface="Arial" panose="020B0604020202020204" pitchFamily="34" charset="0"/>
-              </a:rPr>
-              <a:t>: </a:t>
-            </a:r>
-            <a:r>
-              <a:rPr lang="en-US" sz="2400" b="1" dirty="0" smtClean="0">
-                <a:latin typeface="Arial" panose="020B0604020202020204" pitchFamily="34" charset="0"/>
-                <a:ea typeface="Arial" panose="020B0604020202020204" pitchFamily="34" charset="0"/>
-              </a:rPr>
-              <a:t>Signup </a:t>
-            </a:r>
-            <a:r>
-              <a:rPr lang="en-US" sz="2400" b="1" dirty="0" smtClean="0">
-                <a:latin typeface="Arial" panose="020B0604020202020204" pitchFamily="34" charset="0"/>
-                <a:ea typeface="Arial" panose="020B0604020202020204" pitchFamily="34" charset="0"/>
-              </a:rPr>
-              <a:t>– Change Password page</a:t>
-            </a:r>
-            <a:endParaRPr lang="en-AU" sz="2400" dirty="0">
-              <a:effectLst/>
-              <a:latin typeface="Arial" panose="020B0604020202020204" pitchFamily="34" charset="0"/>
-              <a:ea typeface="Arial" panose="020B0604020202020204" pitchFamily="34" charset="0"/>
-            </a:endParaRPr>
-          </a:p>
-        </p:txBody>
-      </p:sp>
-      <p:sp>
-        <p:nvSpPr>
-          <p:cNvPr id="3" name="Rectangle 2"/>
-          <p:cNvSpPr/>
-          <p:nvPr/>
-        </p:nvSpPr>
-        <p:spPr>
-          <a:xfrm>
-            <a:off x="431032" y="849721"/>
-            <a:ext cx="8245424" cy="307777"/>
-          </a:xfrm>
-          <a:prstGeom prst="rect">
-            <a:avLst/>
-          </a:prstGeom>
-        </p:spPr>
-        <p:txBody>
-          <a:bodyPr wrap="square">
-            <a:spAutoFit/>
-          </a:bodyPr>
-          <a:lstStyle/>
-          <a:p>
-            <a:pPr algn="ctr"/>
-            <a:r>
-              <a:rPr lang="en-US" sz="1400" dirty="0">
-                <a:latin typeface="Arial" panose="020B0604020202020204" pitchFamily="34" charset="0"/>
-                <a:ea typeface="Arial" panose="020B0604020202020204" pitchFamily="34" charset="0"/>
-              </a:rPr>
-              <a:t>Link: </a:t>
-            </a:r>
-            <a:r>
-              <a:rPr lang="en-US" sz="1400" u="sng" dirty="0">
-                <a:solidFill>
-                  <a:srgbClr val="0000FF"/>
-                </a:solidFill>
-                <a:latin typeface="Arial" panose="020B0604020202020204" pitchFamily="34" charset="0"/>
-                <a:ea typeface="Arial" panose="020B0604020202020204" pitchFamily="34" charset="0"/>
-                <a:hlinkClick r:id="rId2"/>
-              </a:rPr>
-              <a:t>https</a:t>
-            </a:r>
-            <a:r>
-              <a:rPr lang="en-US" sz="1400" u="sng" dirty="0" smtClean="0">
-                <a:solidFill>
-                  <a:srgbClr val="0000FF"/>
-                </a:solidFill>
-                <a:latin typeface="Arial" panose="020B0604020202020204" pitchFamily="34" charset="0"/>
-                <a:ea typeface="Arial" panose="020B0604020202020204" pitchFamily="34" charset="0"/>
-                <a:hlinkClick r:id="rId2"/>
-              </a:rPr>
-              <a:t>://</a:t>
-            </a:r>
-            <a:r>
-              <a:rPr lang="en-US" sz="1400" u="sng" dirty="0" smtClean="0">
-                <a:solidFill>
-                  <a:srgbClr val="0000FF"/>
-                </a:solidFill>
-                <a:latin typeface="Arial" panose="020B0604020202020204" pitchFamily="34" charset="0"/>
-                <a:ea typeface="Arial" panose="020B0604020202020204" pitchFamily="34" charset="0"/>
-              </a:rPr>
-              <a:t>anodiam.com/teacher</a:t>
-            </a:r>
-            <a:endParaRPr lang="en-AU" sz="1400" dirty="0"/>
-          </a:p>
-        </p:txBody>
-      </p:sp>
-      <p:pic>
-        <p:nvPicPr>
-          <p:cNvPr id="5" name="Picture 4"/>
-          <p:cNvPicPr>
-            <a:picLocks noChangeAspect="1"/>
-          </p:cNvPicPr>
-          <p:nvPr/>
-        </p:nvPicPr>
-        <p:blipFill>
-          <a:blip r:embed="rId3"/>
-          <a:stretch>
-            <a:fillRect/>
-          </a:stretch>
-        </p:blipFill>
-        <p:spPr>
-          <a:xfrm>
-            <a:off x="2652952" y="1800428"/>
-            <a:ext cx="3838095" cy="3257143"/>
-          </a:xfrm>
-          <a:prstGeom prst="rect">
-            <a:avLst/>
-          </a:prstGeom>
-          <a:ln w="28575">
-            <a:solidFill>
-              <a:srgbClr val="2F2FAF"/>
-            </a:solidFill>
-          </a:ln>
-        </p:spPr>
-      </p:pic>
-    </p:spTree>
-    <p:extLst>
-      <p:ext uri="{BB962C8B-B14F-4D97-AF65-F5344CB8AC3E}">
-        <p14:creationId xmlns:p14="http://schemas.microsoft.com/office/powerpoint/2010/main" val="1660166950"/>
-      </p:ext>
-    </p:extLst>
-  </p:cSld>
-  <p:clrMapOvr>
-    <a:masterClrMapping/>
-  </p:clrMapOvr>
-  <p:timing>
-    <p:tnLst>
-      <p:par>
-        <p:cTn id="1" dur="indefinite" restart="never" nodeType="tmRoot"/>
-      </p:par>
-    </p:tnLst>
-  </p:timing>
-</p:sld>
-</file>
-
-<file path=ppt/slides/slide9.xml><?xml version="1.0" encoding="utf-8"?>
 <p:sld xmlns:a="http://schemas.openxmlformats.org/drawingml/2006/main" xmlns:r="http://schemas.openxmlformats.org/officeDocument/2006/relationships" xmlns:p="http://schemas.openxmlformats.org/presentationml/2006/main">
   <p:cSld>
     <p:spTree>

--- a/ProjectExecution/BA/SpecsWireframes/003TeacherAppWireframes.pptx
+++ b/ProjectExecution/BA/SpecsWireframes/003TeacherAppWireframes.pptx
@@ -6109,8 +6109,8 @@
         </p:nvSpPr>
         <p:spPr>
           <a:xfrm>
-            <a:off x="1133009" y="332656"/>
-            <a:ext cx="6640600" cy="480901"/>
+            <a:off x="910993" y="332656"/>
+            <a:ext cx="7084633" cy="517065"/>
           </a:xfrm>
           <a:prstGeom prst="rect">
             <a:avLst/>
@@ -6149,7 +6149,14 @@
                 <a:latin typeface="Arial" panose="020B0604020202020204" pitchFamily="34" charset="0"/>
                 <a:ea typeface="Arial" panose="020B0604020202020204" pitchFamily="34" charset="0"/>
               </a:rPr>
-              <a:t>Signup – Teacher Details page</a:t>
+              <a:t>Signup – Teacher Details </a:t>
+            </a:r>
+            <a:r>
+              <a:rPr lang="en-US" sz="2400" b="1" dirty="0" smtClean="0">
+                <a:latin typeface="Arial" panose="020B0604020202020204" pitchFamily="34" charset="0"/>
+                <a:ea typeface="Arial" panose="020B0604020202020204" pitchFamily="34" charset="0"/>
+              </a:rPr>
+              <a:t>page - 1</a:t>
             </a:r>
             <a:endParaRPr lang="en-AU" sz="2400" dirty="0">
               <a:effectLst/>
@@ -6218,7 +6225,7 @@
                 <a:latin typeface="Arial" panose="020B0604020202020204" pitchFamily="34" charset="0"/>
                 <a:ea typeface="Arial" panose="020B0604020202020204" pitchFamily="34" charset="0"/>
               </a:rPr>
-              <a:t>anodiam.com/teacher</a:t>
+              <a:t>anodiam.com/teacher/signup</a:t>
             </a:r>
             <a:endParaRPr lang="en-AU" sz="1400" dirty="0"/>
           </a:p>
@@ -6298,8 +6305,8 @@
         </p:nvSpPr>
         <p:spPr>
           <a:xfrm>
-            <a:off x="629667" y="332656"/>
-            <a:ext cx="7647286" cy="480901"/>
+            <a:off x="407653" y="332656"/>
+            <a:ext cx="8091318" cy="480901"/>
           </a:xfrm>
           <a:prstGeom prst="rect">
             <a:avLst/>
@@ -6338,78 +6345,20 @@
                 <a:latin typeface="Arial" panose="020B0604020202020204" pitchFamily="34" charset="0"/>
                 <a:ea typeface="Arial" panose="020B0604020202020204" pitchFamily="34" charset="0"/>
               </a:rPr>
-              <a:t>Signup – Teacher Details page contd.</a:t>
+              <a:t>Signup – Teacher Details page </a:t>
+            </a:r>
+            <a:r>
+              <a:rPr lang="en-US" sz="2400" b="1" dirty="0" smtClean="0">
+                <a:latin typeface="Arial" panose="020B0604020202020204" pitchFamily="34" charset="0"/>
+                <a:ea typeface="Arial" panose="020B0604020202020204" pitchFamily="34" charset="0"/>
+              </a:rPr>
+              <a:t>contd. - 2</a:t>
             </a:r>
             <a:endParaRPr lang="en-AU" sz="2400" dirty="0">
               <a:effectLst/>
               <a:latin typeface="Arial" panose="020B0604020202020204" pitchFamily="34" charset="0"/>
               <a:ea typeface="Arial" panose="020B0604020202020204" pitchFamily="34" charset="0"/>
             </a:endParaRPr>
-          </a:p>
-        </p:txBody>
-      </p:sp>
-      <p:sp>
-        <p:nvSpPr>
-          <p:cNvPr id="3" name="Rectangle 2"/>
-          <p:cNvSpPr/>
-          <p:nvPr/>
-        </p:nvSpPr>
-        <p:spPr>
-          <a:xfrm>
-            <a:off x="431032" y="849721"/>
-            <a:ext cx="8245424" cy="307777"/>
-          </a:xfrm>
-          <a:prstGeom prst="rect">
-            <a:avLst/>
-          </a:prstGeom>
-        </p:spPr>
-        <p:txBody>
-          <a:bodyPr wrap="square">
-            <a:spAutoFit/>
-          </a:bodyPr>
-          <a:lstStyle/>
-          <a:p>
-            <a:pPr algn="ctr"/>
-            <a:r>
-              <a:rPr lang="en-US" sz="1400" dirty="0">
-                <a:latin typeface="Arial" panose="020B0604020202020204" pitchFamily="34" charset="0"/>
-                <a:ea typeface="Arial" panose="020B0604020202020204" pitchFamily="34" charset="0"/>
-              </a:rPr>
-              <a:t>Link: </a:t>
-            </a:r>
-            <a:r>
-              <a:rPr lang="en-US" sz="1400" u="sng" dirty="0">
-                <a:solidFill>
-                  <a:srgbClr val="0000FF"/>
-                </a:solidFill>
-                <a:latin typeface="Arial" panose="020B0604020202020204" pitchFamily="34" charset="0"/>
-                <a:ea typeface="Arial" panose="020B0604020202020204" pitchFamily="34" charset="0"/>
-                <a:hlinkClick r:id="rId2"/>
-              </a:rPr>
-              <a:t>https</a:t>
-            </a:r>
-            <a:r>
-              <a:rPr lang="en-US" sz="1400" u="sng" dirty="0" smtClean="0">
-                <a:solidFill>
-                  <a:srgbClr val="0000FF"/>
-                </a:solidFill>
-                <a:latin typeface="Arial" panose="020B0604020202020204" pitchFamily="34" charset="0"/>
-                <a:ea typeface="Arial" panose="020B0604020202020204" pitchFamily="34" charset="0"/>
-                <a:hlinkClick r:id="rId2"/>
-              </a:rPr>
-              <a:t>://</a:t>
-            </a:r>
-            <a:r>
-              <a:rPr lang="en-US" sz="1400" u="sng" dirty="0" smtClean="0">
-                <a:solidFill>
-                  <a:srgbClr val="0000FF"/>
-                </a:solidFill>
-                <a:latin typeface="Arial" panose="020B0604020202020204" pitchFamily="34" charset="0"/>
-                <a:ea typeface="Arial" panose="020B0604020202020204" pitchFamily="34" charset="0"/>
-              </a:rPr>
-              <a:t>anodiam.com/teacher</a:t>
-            </a:r>
-            <a:endParaRPr lang="en-AU" sz="1400" dirty="0"/>
           </a:p>
         </p:txBody>
       </p:sp>
@@ -6422,14 +6371,14 @@
           <p:nvPr/>
         </p:nvPicPr>
         <p:blipFill>
-          <a:blip r:embed="rId3"/>
+          <a:blip r:embed="rId2"/>
           <a:stretch>
             <a:fillRect/>
           </a:stretch>
         </p:blipFill>
         <p:spPr>
           <a:xfrm>
-            <a:off x="881524" y="1514714"/>
+            <a:off x="881524" y="1544645"/>
             <a:ext cx="7380952" cy="3828571"/>
           </a:xfrm>
           <a:prstGeom prst="rect">
@@ -6442,6 +6391,71 @@
           </a:ln>
         </p:spPr>
       </p:pic>
+      <p:sp>
+        <p:nvSpPr>
+          <p:cNvPr id="6" name="Rectangle 5"/>
+          <p:cNvSpPr/>
+          <p:nvPr/>
+        </p:nvSpPr>
+        <p:spPr>
+          <a:xfrm>
+            <a:off x="431032" y="849721"/>
+            <a:ext cx="8245424" cy="307777"/>
+          </a:xfrm>
+          <a:prstGeom prst="rect">
+            <a:avLst/>
+          </a:prstGeom>
+        </p:spPr>
+        <p:txBody>
+          <a:bodyPr wrap="square">
+            <a:spAutoFit/>
+          </a:bodyPr>
+          <a:lstStyle/>
+          <a:p>
+            <a:pPr algn="ctr"/>
+            <a:r>
+              <a:rPr lang="en-US" sz="1400" dirty="0">
+                <a:latin typeface="Arial" panose="020B0604020202020204" pitchFamily="34" charset="0"/>
+                <a:ea typeface="Arial" panose="020B0604020202020204" pitchFamily="34" charset="0"/>
+              </a:rPr>
+              <a:t>Link: </a:t>
+            </a:r>
+            <a:r>
+              <a:rPr lang="en-US" sz="1400" u="sng" dirty="0">
+                <a:solidFill>
+                  <a:srgbClr val="0000FF"/>
+                </a:solidFill>
+                <a:latin typeface="Arial" panose="020B0604020202020204" pitchFamily="34" charset="0"/>
+                <a:ea typeface="Arial" panose="020B0604020202020204" pitchFamily="34" charset="0"/>
+                <a:hlinkClick r:id="rId3"/>
+              </a:rPr>
+              <a:t>https</a:t>
+            </a:r>
+            <a:r>
+              <a:rPr lang="en-US" sz="1400" u="sng" dirty="0" smtClean="0">
+                <a:solidFill>
+                  <a:srgbClr val="0000FF"/>
+                </a:solidFill>
+                <a:latin typeface="Arial" panose="020B0604020202020204" pitchFamily="34" charset="0"/>
+                <a:ea typeface="Arial" panose="020B0604020202020204" pitchFamily="34" charset="0"/>
+                <a:hlinkClick r:id="rId3"/>
+              </a:rPr>
+              <a:t>://</a:t>
+            </a:r>
+            <a:r>
+              <a:rPr lang="en-US" sz="1400" u="sng" dirty="0" smtClean="0">
+                <a:solidFill>
+                  <a:srgbClr val="0000FF"/>
+                </a:solidFill>
+                <a:latin typeface="Arial" panose="020B0604020202020204" pitchFamily="34" charset="0"/>
+                <a:ea typeface="Arial" panose="020B0604020202020204" pitchFamily="34" charset="0"/>
+              </a:rPr>
+              <a:t>anodiam.com/teacher/signup</a:t>
+            </a:r>
+            <a:endParaRPr lang="en-AU" sz="1400" dirty="0"/>
+          </a:p>
+        </p:txBody>
+      </p:sp>
     </p:spTree>
     <p:extLst>
       <p:ext uri="{BB962C8B-B14F-4D97-AF65-F5344CB8AC3E}">
@@ -6487,8 +6501,8 @@
         </p:nvSpPr>
         <p:spPr>
           <a:xfrm>
-            <a:off x="629667" y="332656"/>
-            <a:ext cx="7647286" cy="480901"/>
+            <a:off x="407653" y="332656"/>
+            <a:ext cx="8091318" cy="480901"/>
           </a:xfrm>
           <a:prstGeom prst="rect">
             <a:avLst/>
@@ -6527,78 +6541,20 @@
                 <a:latin typeface="Arial" panose="020B0604020202020204" pitchFamily="34" charset="0"/>
                 <a:ea typeface="Arial" panose="020B0604020202020204" pitchFamily="34" charset="0"/>
               </a:rPr>
-              <a:t>Signup – Teacher Details page contd.</a:t>
+              <a:t>Signup – Teacher Details page contd</a:t>
+            </a:r>
+            <a:r>
+              <a:rPr lang="en-US" sz="2400" b="1" dirty="0" smtClean="0">
+                <a:latin typeface="Arial" panose="020B0604020202020204" pitchFamily="34" charset="0"/>
+                <a:ea typeface="Arial" panose="020B0604020202020204" pitchFamily="34" charset="0"/>
+              </a:rPr>
+              <a:t>. - 3</a:t>
             </a:r>
             <a:endParaRPr lang="en-AU" sz="2400" dirty="0">
               <a:effectLst/>
               <a:latin typeface="Arial" panose="020B0604020202020204" pitchFamily="34" charset="0"/>
               <a:ea typeface="Arial" panose="020B0604020202020204" pitchFamily="34" charset="0"/>
             </a:endParaRPr>
-          </a:p>
-        </p:txBody>
-      </p:sp>
-      <p:sp>
-        <p:nvSpPr>
-          <p:cNvPr id="3" name="Rectangle 2"/>
-          <p:cNvSpPr/>
-          <p:nvPr/>
-        </p:nvSpPr>
-        <p:spPr>
-          <a:xfrm>
-            <a:off x="431032" y="849721"/>
-            <a:ext cx="8245424" cy="307777"/>
-          </a:xfrm>
-          <a:prstGeom prst="rect">
-            <a:avLst/>
-          </a:prstGeom>
-        </p:spPr>
-        <p:txBody>
-          <a:bodyPr wrap="square">
-            <a:spAutoFit/>
-          </a:bodyPr>
-          <a:lstStyle/>
-          <a:p>
-            <a:pPr algn="ctr"/>
-            <a:r>
-              <a:rPr lang="en-US" sz="1400" dirty="0">
-                <a:latin typeface="Arial" panose="020B0604020202020204" pitchFamily="34" charset="0"/>
-                <a:ea typeface="Arial" panose="020B0604020202020204" pitchFamily="34" charset="0"/>
-              </a:rPr>
-              <a:t>Link: </a:t>
-            </a:r>
-            <a:r>
-              <a:rPr lang="en-US" sz="1400" u="sng" dirty="0">
-                <a:solidFill>
-                  <a:srgbClr val="0000FF"/>
-                </a:solidFill>
-                <a:latin typeface="Arial" panose="020B0604020202020204" pitchFamily="34" charset="0"/>
-                <a:ea typeface="Arial" panose="020B0604020202020204" pitchFamily="34" charset="0"/>
-                <a:hlinkClick r:id="rId2"/>
-              </a:rPr>
-              <a:t>https</a:t>
-            </a:r>
-            <a:r>
-              <a:rPr lang="en-US" sz="1400" u="sng" dirty="0" smtClean="0">
-                <a:solidFill>
-                  <a:srgbClr val="0000FF"/>
-                </a:solidFill>
-                <a:latin typeface="Arial" panose="020B0604020202020204" pitchFamily="34" charset="0"/>
-                <a:ea typeface="Arial" panose="020B0604020202020204" pitchFamily="34" charset="0"/>
-                <a:hlinkClick r:id="rId2"/>
-              </a:rPr>
-              <a:t>://</a:t>
-            </a:r>
-            <a:r>
-              <a:rPr lang="en-US" sz="1400" u="sng" dirty="0" smtClean="0">
-                <a:solidFill>
-                  <a:srgbClr val="0000FF"/>
-                </a:solidFill>
-                <a:latin typeface="Arial" panose="020B0604020202020204" pitchFamily="34" charset="0"/>
-                <a:ea typeface="Arial" panose="020B0604020202020204" pitchFamily="34" charset="0"/>
-              </a:rPr>
-              <a:t>anodiam.com/teacher</a:t>
-            </a:r>
-            <a:endParaRPr lang="en-AU" sz="1400" dirty="0"/>
           </a:p>
         </p:txBody>
       </p:sp>
@@ -6611,7 +6567,7 @@
           <p:nvPr/>
         </p:nvPicPr>
         <p:blipFill>
-          <a:blip r:embed="rId3"/>
+          <a:blip r:embed="rId2"/>
           <a:stretch>
             <a:fillRect/>
           </a:stretch>
@@ -6631,6 +6587,71 @@
           </a:ln>
         </p:spPr>
       </p:pic>
+      <p:sp>
+        <p:nvSpPr>
+          <p:cNvPr id="5" name="Rectangle 4"/>
+          <p:cNvSpPr/>
+          <p:nvPr/>
+        </p:nvSpPr>
+        <p:spPr>
+          <a:xfrm>
+            <a:off x="431032" y="849721"/>
+            <a:ext cx="8245424" cy="307777"/>
+          </a:xfrm>
+          <a:prstGeom prst="rect">
+            <a:avLst/>
+          </a:prstGeom>
+        </p:spPr>
+        <p:txBody>
+          <a:bodyPr wrap="square">
+            <a:spAutoFit/>
+          </a:bodyPr>
+          <a:lstStyle/>
+          <a:p>
+            <a:pPr algn="ctr"/>
+            <a:r>
+              <a:rPr lang="en-US" sz="1400" dirty="0">
+                <a:latin typeface="Arial" panose="020B0604020202020204" pitchFamily="34" charset="0"/>
+                <a:ea typeface="Arial" panose="020B0604020202020204" pitchFamily="34" charset="0"/>
+              </a:rPr>
+              <a:t>Link: </a:t>
+            </a:r>
+            <a:r>
+              <a:rPr lang="en-US" sz="1400" u="sng" dirty="0">
+                <a:solidFill>
+                  <a:srgbClr val="0000FF"/>
+                </a:solidFill>
+                <a:latin typeface="Arial" panose="020B0604020202020204" pitchFamily="34" charset="0"/>
+                <a:ea typeface="Arial" panose="020B0604020202020204" pitchFamily="34" charset="0"/>
+                <a:hlinkClick r:id="rId3"/>
+              </a:rPr>
+              <a:t>https</a:t>
+            </a:r>
+            <a:r>
+              <a:rPr lang="en-US" sz="1400" u="sng" dirty="0" smtClean="0">
+                <a:solidFill>
+                  <a:srgbClr val="0000FF"/>
+                </a:solidFill>
+                <a:latin typeface="Arial" panose="020B0604020202020204" pitchFamily="34" charset="0"/>
+                <a:ea typeface="Arial" panose="020B0604020202020204" pitchFamily="34" charset="0"/>
+                <a:hlinkClick r:id="rId3"/>
+              </a:rPr>
+              <a:t>://</a:t>
+            </a:r>
+            <a:r>
+              <a:rPr lang="en-US" sz="1400" u="sng" dirty="0" smtClean="0">
+                <a:solidFill>
+                  <a:srgbClr val="0000FF"/>
+                </a:solidFill>
+                <a:latin typeface="Arial" panose="020B0604020202020204" pitchFamily="34" charset="0"/>
+                <a:ea typeface="Arial" panose="020B0604020202020204" pitchFamily="34" charset="0"/>
+              </a:rPr>
+              <a:t>anodiam.com/teacher/signup</a:t>
+            </a:r>
+            <a:endParaRPr lang="en-AU" sz="1400" dirty="0"/>
+          </a:p>
+        </p:txBody>
+      </p:sp>
     </p:spTree>
     <p:extLst>
       <p:ext uri="{BB962C8B-B14F-4D97-AF65-F5344CB8AC3E}">
@@ -6716,21 +6737,7 @@
                 <a:latin typeface="Arial" panose="020B0604020202020204" pitchFamily="34" charset="0"/>
                 <a:ea typeface="Arial" panose="020B0604020202020204" pitchFamily="34" charset="0"/>
               </a:rPr>
-              <a:t>Signup – </a:t>
-            </a:r>
-            <a:r>
-              <a:rPr lang="en-US" sz="2400" b="1" dirty="0" smtClean="0">
-                <a:latin typeface="Arial" panose="020B0604020202020204" pitchFamily="34" charset="0"/>
-                <a:ea typeface="Arial" panose="020B0604020202020204" pitchFamily="34" charset="0"/>
-              </a:rPr>
-              <a:t>Create </a:t>
-            </a:r>
-            <a:r>
-              <a:rPr lang="en-US" sz="2400" b="1" dirty="0" smtClean="0">
-                <a:latin typeface="Arial" panose="020B0604020202020204" pitchFamily="34" charset="0"/>
-                <a:ea typeface="Arial" panose="020B0604020202020204" pitchFamily="34" charset="0"/>
-              </a:rPr>
-              <a:t>Password page</a:t>
+              <a:t>Signup – Create Password page</a:t>
             </a:r>
             <a:endParaRPr lang="en-AU" sz="2400" dirty="0">
               <a:effectLst/>
@@ -6799,7 +6806,7 @@
                 <a:latin typeface="Arial" panose="020B0604020202020204" pitchFamily="34" charset="0"/>
                 <a:ea typeface="Arial" panose="020B0604020202020204" pitchFamily="34" charset="0"/>
               </a:rPr>
-              <a:t>anodiam.com/teacher</a:t>
+              <a:t>anodiam.com/teacher/createpassword/{userid}</a:t>
             </a:r>
             <a:endParaRPr lang="en-AU" sz="1400" dirty="0"/>
           </a:p>
@@ -6914,21 +6921,7 @@
                 <a:latin typeface="Arial" panose="020B0604020202020204" pitchFamily="34" charset="0"/>
                 <a:ea typeface="Arial" panose="020B0604020202020204" pitchFamily="34" charset="0"/>
               </a:rPr>
-              <a:t>Signup – Forget </a:t>
-            </a:r>
-            <a:r>
-              <a:rPr lang="en-US" sz="2400" b="1" dirty="0" smtClean="0">
-                <a:latin typeface="Arial" panose="020B0604020202020204" pitchFamily="34" charset="0"/>
-                <a:ea typeface="Arial" panose="020B0604020202020204" pitchFamily="34" charset="0"/>
-              </a:rPr>
-              <a:t>/ Change Password </a:t>
-            </a:r>
-            <a:r>
-              <a:rPr lang="en-US" sz="2400" b="1" dirty="0" smtClean="0">
-                <a:latin typeface="Arial" panose="020B0604020202020204" pitchFamily="34" charset="0"/>
-                <a:ea typeface="Arial" panose="020B0604020202020204" pitchFamily="34" charset="0"/>
-              </a:rPr>
-              <a:t>page</a:t>
+              <a:t>Signup – Forget / Change Password page</a:t>
             </a:r>
             <a:endParaRPr lang="en-AU" sz="2400" dirty="0">
               <a:effectLst/>
@@ -6997,7 +6990,7 @@
                 <a:latin typeface="Arial" panose="020B0604020202020204" pitchFamily="34" charset="0"/>
                 <a:ea typeface="Arial" panose="020B0604020202020204" pitchFamily="34" charset="0"/>
               </a:rPr>
-              <a:t>anodiam.com/teacher</a:t>
+              <a:t>anodiam.com/teacher/changepassword/{userid)</a:t>
             </a:r>
             <a:endParaRPr lang="en-AU" sz="1400" dirty="0"/>
           </a:p>
@@ -7181,9 +7174,8 @@
                 <a:latin typeface="Arial" panose="020B0604020202020204" pitchFamily="34" charset="0"/>
                 <a:ea typeface="Arial" panose="020B0604020202020204" pitchFamily="34" charset="0"/>
               </a:rPr>
-              <a:t>anodiam.com/teacher</a:t>
-            </a:r>
-            <a:endParaRPr lang="en-AU" sz="1400" dirty="0"/>
+              <a:t>anodiam.com/teacher/{userid}</a:t>
+            </a:r>
           </a:p>
         </p:txBody>
       </p:sp>

--- a/ProjectExecution/BA/SpecsWireframes/003TeacherAppWireframes.pptx
+++ b/ProjectExecution/BA/SpecsWireframes/003TeacherAppWireframes.pptx
@@ -5,7 +5,7 @@
     <p:sldMasterId id="2147483648" r:id="rId1"/>
   </p:sldMasterIdLst>
   <p:notesMasterIdLst>
-    <p:notesMasterId r:id="rId10"/>
+    <p:notesMasterId r:id="rId13"/>
   </p:notesMasterIdLst>
   <p:sldIdLst>
     <p:sldId id="259" r:id="rId2"/>
@@ -15,7 +15,10 @@
     <p:sldId id="268" r:id="rId6"/>
     <p:sldId id="270" r:id="rId7"/>
     <p:sldId id="269" r:id="rId8"/>
-    <p:sldId id="265" r:id="rId9"/>
+    <p:sldId id="271" r:id="rId9"/>
+    <p:sldId id="265" r:id="rId10"/>
+    <p:sldId id="273" r:id="rId11"/>
+    <p:sldId id="272" r:id="rId12"/>
   </p:sldIdLst>
   <p:sldSz cx="9144000" cy="6858000" type="screen4x3"/>
   <p:notesSz cx="6858000" cy="9144000"/>
@@ -4603,7 +4606,7 @@
                           <a:spcPts val="0"/>
                         </a:spcAft>
                       </a:pPr>
-                      <a:endParaRPr lang="en-AU" sz="1200">
+                      <a:endParaRPr lang="en-AU" sz="1200" dirty="0">
                         <a:effectLst/>
                         <a:latin typeface="Arial" panose="020B0604020202020204" pitchFamily="34" charset="0"/>
                         <a:ea typeface="Arial" panose="020B0604020202020204" pitchFamily="34" charset="0"/>
@@ -5907,6 +5910,344 @@
 </p:sld>
 </file>
 
+<file path=ppt/slides/slide10.xml><?xml version="1.0" encoding="utf-8"?>
+<p:sld xmlns:a="http://schemas.openxmlformats.org/drawingml/2006/main" xmlns:r="http://schemas.openxmlformats.org/officeDocument/2006/relationships" xmlns:p="http://schemas.openxmlformats.org/presentationml/2006/main">
+  <p:cSld>
+    <p:spTree>
+      <p:nvGrpSpPr>
+        <p:cNvPr id="1" name=""/>
+        <p:cNvGrpSpPr/>
+        <p:nvPr/>
+      </p:nvGrpSpPr>
+      <p:grpSpPr>
+        <a:xfrm>
+          <a:off x="0" y="0"/>
+          <a:ext cx="0" cy="0"/>
+          <a:chOff x="0" y="0"/>
+          <a:chExt cx="0" cy="0"/>
+        </a:xfrm>
+      </p:grpSpPr>
+      <p:sp>
+        <p:nvSpPr>
+          <p:cNvPr id="2" name="Rectangle 1"/>
+          <p:cNvSpPr/>
+          <p:nvPr/>
+        </p:nvSpPr>
+        <p:spPr>
+          <a:xfrm>
+            <a:off x="1506323" y="332656"/>
+            <a:ext cx="5893986" cy="480901"/>
+          </a:xfrm>
+          <a:prstGeom prst="rect">
+            <a:avLst/>
+          </a:prstGeom>
+        </p:spPr>
+        <p:txBody>
+          <a:bodyPr wrap="none">
+            <a:spAutoFit/>
+          </a:bodyPr>
+          <a:lstStyle/>
+          <a:p>
+            <a:pPr algn="ctr">
+              <a:lnSpc>
+                <a:spcPct val="115000"/>
+              </a:lnSpc>
+              <a:spcAft>
+                <a:spcPts val="0"/>
+              </a:spcAft>
+            </a:pPr>
+            <a:r>
+              <a:rPr lang="en-US" sz="2400" b="1" dirty="0" smtClean="0">
+                <a:latin typeface="Arial" panose="020B0604020202020204" pitchFamily="34" charset="0"/>
+                <a:ea typeface="Arial" panose="020B0604020202020204" pitchFamily="34" charset="0"/>
+              </a:rPr>
+              <a:t>Teacher App</a:t>
+            </a:r>
+            <a:r>
+              <a:rPr lang="en-US" sz="2400" b="1" dirty="0">
+                <a:latin typeface="Arial" panose="020B0604020202020204" pitchFamily="34" charset="0"/>
+                <a:ea typeface="Arial" panose="020B0604020202020204" pitchFamily="34" charset="0"/>
+              </a:rPr>
+              <a:t>: </a:t>
+            </a:r>
+            <a:r>
+              <a:rPr lang="en-US" sz="2400" b="1" dirty="0" smtClean="0">
+                <a:latin typeface="Arial" panose="020B0604020202020204" pitchFamily="34" charset="0"/>
+                <a:ea typeface="Arial" panose="020B0604020202020204" pitchFamily="34" charset="0"/>
+              </a:rPr>
+              <a:t>Professional Profile page</a:t>
+            </a:r>
+            <a:endParaRPr lang="en-AU" sz="2400" dirty="0">
+              <a:effectLst/>
+              <a:latin typeface="Arial" panose="020B0604020202020204" pitchFamily="34" charset="0"/>
+              <a:ea typeface="Arial" panose="020B0604020202020204" pitchFamily="34" charset="0"/>
+            </a:endParaRPr>
+          </a:p>
+        </p:txBody>
+      </p:sp>
+      <p:sp>
+        <p:nvSpPr>
+          <p:cNvPr id="3" name="Rectangle 2"/>
+          <p:cNvSpPr/>
+          <p:nvPr/>
+        </p:nvSpPr>
+        <p:spPr>
+          <a:xfrm>
+            <a:off x="431032" y="849721"/>
+            <a:ext cx="8245424" cy="307777"/>
+          </a:xfrm>
+          <a:prstGeom prst="rect">
+            <a:avLst/>
+          </a:prstGeom>
+        </p:spPr>
+        <p:txBody>
+          <a:bodyPr wrap="square">
+            <a:spAutoFit/>
+          </a:bodyPr>
+          <a:lstStyle/>
+          <a:p>
+            <a:pPr algn="ctr"/>
+            <a:r>
+              <a:rPr lang="en-US" sz="1400" dirty="0">
+                <a:latin typeface="Arial" panose="020B0604020202020204" pitchFamily="34" charset="0"/>
+                <a:ea typeface="Arial" panose="020B0604020202020204" pitchFamily="34" charset="0"/>
+              </a:rPr>
+              <a:t>Link: </a:t>
+            </a:r>
+            <a:r>
+              <a:rPr lang="en-US" sz="1400" u="sng" dirty="0">
+                <a:solidFill>
+                  <a:srgbClr val="0000FF"/>
+                </a:solidFill>
+                <a:latin typeface="Arial" panose="020B0604020202020204" pitchFamily="34" charset="0"/>
+                <a:ea typeface="Arial" panose="020B0604020202020204" pitchFamily="34" charset="0"/>
+                <a:hlinkClick r:id="rId2"/>
+              </a:rPr>
+              <a:t>https</a:t>
+            </a:r>
+            <a:r>
+              <a:rPr lang="en-US" sz="1400" u="sng" dirty="0" smtClean="0">
+                <a:solidFill>
+                  <a:srgbClr val="0000FF"/>
+                </a:solidFill>
+                <a:latin typeface="Arial" panose="020B0604020202020204" pitchFamily="34" charset="0"/>
+                <a:ea typeface="Arial" panose="020B0604020202020204" pitchFamily="34" charset="0"/>
+                <a:hlinkClick r:id="rId2"/>
+              </a:rPr>
+              <a:t>://</a:t>
+            </a:r>
+            <a:r>
+              <a:rPr lang="en-US" sz="1400" u="sng" dirty="0" smtClean="0">
+                <a:solidFill>
+                  <a:srgbClr val="0000FF"/>
+                </a:solidFill>
+                <a:latin typeface="Arial" panose="020B0604020202020204" pitchFamily="34" charset="0"/>
+                <a:ea typeface="Arial" panose="020B0604020202020204" pitchFamily="34" charset="0"/>
+              </a:rPr>
+              <a:t>anodiam.com/teacher/myprofile/professional</a:t>
+            </a:r>
+            <a:r>
+              <a:rPr lang="en-US" sz="1400" u="sng" dirty="0" smtClean="0">
+                <a:solidFill>
+                  <a:srgbClr val="0000FF"/>
+                </a:solidFill>
+                <a:latin typeface="Arial" panose="020B0604020202020204" pitchFamily="34" charset="0"/>
+                <a:ea typeface="Arial" panose="020B0604020202020204" pitchFamily="34" charset="0"/>
+              </a:rPr>
+              <a:t>/{userid}</a:t>
+            </a:r>
+          </a:p>
+        </p:txBody>
+      </p:sp>
+    </p:spTree>
+    <p:extLst>
+      <p:ext uri="{BB962C8B-B14F-4D97-AF65-F5344CB8AC3E}">
+        <p14:creationId xmlns:p14="http://schemas.microsoft.com/office/powerpoint/2010/main" val="1687650685"/>
+      </p:ext>
+    </p:extLst>
+  </p:cSld>
+  <p:clrMapOvr>
+    <a:masterClrMapping/>
+  </p:clrMapOvr>
+  <p:timing>
+    <p:tnLst>
+      <p:par>
+        <p:cTn id="1" dur="indefinite" restart="never" nodeType="tmRoot"/>
+      </p:par>
+    </p:tnLst>
+  </p:timing>
+</p:sld>
+</file>
+
+<file path=ppt/slides/slide11.xml><?xml version="1.0" encoding="utf-8"?>
+<p:sld xmlns:a="http://schemas.openxmlformats.org/drawingml/2006/main" xmlns:r="http://schemas.openxmlformats.org/officeDocument/2006/relationships" xmlns:p="http://schemas.openxmlformats.org/presentationml/2006/main">
+  <p:cSld>
+    <p:spTree>
+      <p:nvGrpSpPr>
+        <p:cNvPr id="1" name=""/>
+        <p:cNvGrpSpPr/>
+        <p:nvPr/>
+      </p:nvGrpSpPr>
+      <p:grpSpPr>
+        <a:xfrm>
+          <a:off x="0" y="0"/>
+          <a:ext cx="0" cy="0"/>
+          <a:chOff x="0" y="0"/>
+          <a:chExt cx="0" cy="0"/>
+        </a:xfrm>
+      </p:grpSpPr>
+      <p:sp>
+        <p:nvSpPr>
+          <p:cNvPr id="2" name="Rectangle 1"/>
+          <p:cNvSpPr/>
+          <p:nvPr/>
+        </p:nvSpPr>
+        <p:spPr>
+          <a:xfrm>
+            <a:off x="1763604" y="332656"/>
+            <a:ext cx="5379421" cy="480901"/>
+          </a:xfrm>
+          <a:prstGeom prst="rect">
+            <a:avLst/>
+          </a:prstGeom>
+        </p:spPr>
+        <p:txBody>
+          <a:bodyPr wrap="none">
+            <a:spAutoFit/>
+          </a:bodyPr>
+          <a:lstStyle/>
+          <a:p>
+            <a:pPr algn="ctr">
+              <a:lnSpc>
+                <a:spcPct val="115000"/>
+              </a:lnSpc>
+              <a:spcAft>
+                <a:spcPts val="0"/>
+              </a:spcAft>
+            </a:pPr>
+            <a:r>
+              <a:rPr lang="en-US" sz="2400" b="1" dirty="0" smtClean="0">
+                <a:latin typeface="Arial" panose="020B0604020202020204" pitchFamily="34" charset="0"/>
+                <a:ea typeface="Arial" panose="020B0604020202020204" pitchFamily="34" charset="0"/>
+              </a:rPr>
+              <a:t>Teacher App</a:t>
+            </a:r>
+            <a:r>
+              <a:rPr lang="en-US" sz="2400" b="1" dirty="0">
+                <a:latin typeface="Arial" panose="020B0604020202020204" pitchFamily="34" charset="0"/>
+                <a:ea typeface="Arial" panose="020B0604020202020204" pitchFamily="34" charset="0"/>
+              </a:rPr>
+              <a:t>: </a:t>
+            </a:r>
+            <a:r>
+              <a:rPr lang="en-US" sz="2400" b="1" dirty="0" smtClean="0">
+                <a:latin typeface="Arial" panose="020B0604020202020204" pitchFamily="34" charset="0"/>
+                <a:ea typeface="Arial" panose="020B0604020202020204" pitchFamily="34" charset="0"/>
+              </a:rPr>
+              <a:t>Financial Profile page</a:t>
+            </a:r>
+            <a:endParaRPr lang="en-AU" sz="2400" dirty="0">
+              <a:effectLst/>
+              <a:latin typeface="Arial" panose="020B0604020202020204" pitchFamily="34" charset="0"/>
+              <a:ea typeface="Arial" panose="020B0604020202020204" pitchFamily="34" charset="0"/>
+            </a:endParaRPr>
+          </a:p>
+        </p:txBody>
+      </p:sp>
+      <p:sp>
+        <p:nvSpPr>
+          <p:cNvPr id="3" name="Rectangle 2"/>
+          <p:cNvSpPr/>
+          <p:nvPr/>
+        </p:nvSpPr>
+        <p:spPr>
+          <a:xfrm>
+            <a:off x="431032" y="849721"/>
+            <a:ext cx="8245424" cy="307777"/>
+          </a:xfrm>
+          <a:prstGeom prst="rect">
+            <a:avLst/>
+          </a:prstGeom>
+        </p:spPr>
+        <p:txBody>
+          <a:bodyPr wrap="square">
+            <a:spAutoFit/>
+          </a:bodyPr>
+          <a:lstStyle/>
+          <a:p>
+            <a:pPr algn="ctr"/>
+            <a:r>
+              <a:rPr lang="en-US" sz="1400" dirty="0">
+                <a:latin typeface="Arial" panose="020B0604020202020204" pitchFamily="34" charset="0"/>
+                <a:ea typeface="Arial" panose="020B0604020202020204" pitchFamily="34" charset="0"/>
+              </a:rPr>
+              <a:t>Link: </a:t>
+            </a:r>
+            <a:r>
+              <a:rPr lang="en-US" sz="1400" u="sng" dirty="0">
+                <a:solidFill>
+                  <a:srgbClr val="0000FF"/>
+                </a:solidFill>
+                <a:latin typeface="Arial" panose="020B0604020202020204" pitchFamily="34" charset="0"/>
+                <a:ea typeface="Arial" panose="020B0604020202020204" pitchFamily="34" charset="0"/>
+                <a:hlinkClick r:id="rId2"/>
+              </a:rPr>
+              <a:t>https</a:t>
+            </a:r>
+            <a:r>
+              <a:rPr lang="en-US" sz="1400" u="sng" dirty="0" smtClean="0">
+                <a:solidFill>
+                  <a:srgbClr val="0000FF"/>
+                </a:solidFill>
+                <a:latin typeface="Arial" panose="020B0604020202020204" pitchFamily="34" charset="0"/>
+                <a:ea typeface="Arial" panose="020B0604020202020204" pitchFamily="34" charset="0"/>
+                <a:hlinkClick r:id="rId2"/>
+              </a:rPr>
+              <a:t>://</a:t>
+            </a:r>
+            <a:r>
+              <a:rPr lang="en-US" sz="1400" u="sng" dirty="0" smtClean="0">
+                <a:solidFill>
+                  <a:srgbClr val="0000FF"/>
+                </a:solidFill>
+                <a:latin typeface="Arial" panose="020B0604020202020204" pitchFamily="34" charset="0"/>
+                <a:ea typeface="Arial" panose="020B0604020202020204" pitchFamily="34" charset="0"/>
+              </a:rPr>
+              <a:t>anodiam.com/teacher/myprofile/financial</a:t>
+            </a:r>
+            <a:r>
+              <a:rPr lang="en-US" sz="1400" u="sng" dirty="0" smtClean="0">
+                <a:solidFill>
+                  <a:srgbClr val="0000FF"/>
+                </a:solidFill>
+                <a:latin typeface="Arial" panose="020B0604020202020204" pitchFamily="34" charset="0"/>
+                <a:ea typeface="Arial" panose="020B0604020202020204" pitchFamily="34" charset="0"/>
+              </a:rPr>
+              <a:t>/{userid}</a:t>
+            </a:r>
+          </a:p>
+        </p:txBody>
+      </p:sp>
+    </p:spTree>
+    <p:extLst>
+      <p:ext uri="{BB962C8B-B14F-4D97-AF65-F5344CB8AC3E}">
+        <p14:creationId xmlns:p14="http://schemas.microsoft.com/office/powerpoint/2010/main" val="3461176707"/>
+      </p:ext>
+    </p:extLst>
+  </p:cSld>
+  <p:clrMapOvr>
+    <a:masterClrMapping/>
+  </p:clrMapOvr>
+  <p:timing>
+    <p:tnLst>
+      <p:par>
+        <p:cTn id="1" dur="indefinite" restart="never" nodeType="tmRoot"/>
+      </p:par>
+    </p:tnLst>
+  </p:timing>
+</p:sld>
+</file>
+
 <file path=ppt/slides/slide2.xml><?xml version="1.0" encoding="utf-8"?>
 <p:sld xmlns:a="http://schemas.openxmlformats.org/drawingml/2006/main" xmlns:r="http://schemas.openxmlformats.org/officeDocument/2006/relationships" xmlns:p="http://schemas.openxmlformats.org/presentationml/2006/main">
   <p:cSld>
@@ -6149,14 +6490,7 @@
                 <a:latin typeface="Arial" panose="020B0604020202020204" pitchFamily="34" charset="0"/>
                 <a:ea typeface="Arial" panose="020B0604020202020204" pitchFamily="34" charset="0"/>
               </a:rPr>
-              <a:t>Signup – Teacher Details </a:t>
-            </a:r>
-            <a:r>
-              <a:rPr lang="en-US" sz="2400" b="1" dirty="0" smtClean="0">
-                <a:latin typeface="Arial" panose="020B0604020202020204" pitchFamily="34" charset="0"/>
-                <a:ea typeface="Arial" panose="020B0604020202020204" pitchFamily="34" charset="0"/>
-              </a:rPr>
-              <a:t>page - 1</a:t>
+              <a:t>Signup – Teacher Details page - 1</a:t>
             </a:r>
             <a:endParaRPr lang="en-AU" sz="2400" dirty="0">
               <a:effectLst/>
@@ -6233,7 +6567,7 @@
       </p:sp>
       <p:pic>
         <p:nvPicPr>
-          <p:cNvPr id="6" name="Picture 5"/>
+          <p:cNvPr id="4" name="Picture 3"/>
           <p:cNvPicPr>
             <a:picLocks noChangeAspect="1"/>
           </p:cNvPicPr>
@@ -6247,17 +6581,12 @@
         </p:blipFill>
         <p:spPr>
           <a:xfrm>
-            <a:off x="881524" y="1271857"/>
-            <a:ext cx="7380952" cy="4314286"/>
+            <a:off x="857250" y="1247775"/>
+            <a:ext cx="7429500" cy="4362450"/>
           </a:xfrm>
           <a:prstGeom prst="rect">
             <a:avLst/>
           </a:prstGeom>
-          <a:ln w="28575">
-            <a:solidFill>
-              <a:srgbClr val="2F2FAF"/>
-            </a:solidFill>
-          </a:ln>
         </p:spPr>
       </p:pic>
     </p:spTree>
@@ -6345,14 +6674,7 @@
                 <a:latin typeface="Arial" panose="020B0604020202020204" pitchFamily="34" charset="0"/>
                 <a:ea typeface="Arial" panose="020B0604020202020204" pitchFamily="34" charset="0"/>
               </a:rPr>
-              <a:t>Signup – Teacher Details page </a:t>
-            </a:r>
-            <a:r>
-              <a:rPr lang="en-US" sz="2400" b="1" dirty="0" smtClean="0">
-                <a:latin typeface="Arial" panose="020B0604020202020204" pitchFamily="34" charset="0"/>
-                <a:ea typeface="Arial" panose="020B0604020202020204" pitchFamily="34" charset="0"/>
-              </a:rPr>
-              <a:t>contd. - 2</a:t>
+              <a:t>Signup – Teacher Details page contd. - 2</a:t>
             </a:r>
             <a:endParaRPr lang="en-AU" sz="2400" dirty="0">
               <a:effectLst/>
@@ -6362,35 +6684,6 @@
           </a:p>
         </p:txBody>
       </p:sp>
-      <p:pic>
-        <p:nvPicPr>
-          <p:cNvPr id="5" name="Picture 4"/>
-          <p:cNvPicPr>
-            <a:picLocks noChangeAspect="1"/>
-          </p:cNvPicPr>
-          <p:nvPr/>
-        </p:nvPicPr>
-        <p:blipFill>
-          <a:blip r:embed="rId2"/>
-          <a:stretch>
-            <a:fillRect/>
-          </a:stretch>
-        </p:blipFill>
-        <p:spPr>
-          <a:xfrm>
-            <a:off x="881524" y="1544645"/>
-            <a:ext cx="7380952" cy="3828571"/>
-          </a:xfrm>
-          <a:prstGeom prst="rect">
-            <a:avLst/>
-          </a:prstGeom>
-          <a:ln w="28575">
-            <a:solidFill>
-              <a:srgbClr val="2F2FAF"/>
-            </a:solidFill>
-          </a:ln>
-        </p:spPr>
-      </p:pic>
       <p:sp>
         <p:nvSpPr>
           <p:cNvPr id="6" name="Rectangle 5"/>
@@ -6427,7 +6720,7 @@
                 </a:solidFill>
                 <a:latin typeface="Arial" panose="020B0604020202020204" pitchFamily="34" charset="0"/>
                 <a:ea typeface="Arial" panose="020B0604020202020204" pitchFamily="34" charset="0"/>
-                <a:hlinkClick r:id="rId3"/>
+                <a:hlinkClick r:id="rId2"/>
               </a:rPr>
               <a:t>https</a:t>
             </a:r>
@@ -6438,7 +6731,7 @@
                 </a:solidFill>
                 <a:latin typeface="Arial" panose="020B0604020202020204" pitchFamily="34" charset="0"/>
                 <a:ea typeface="Arial" panose="020B0604020202020204" pitchFamily="34" charset="0"/>
-                <a:hlinkClick r:id="rId3"/>
+                <a:hlinkClick r:id="rId2"/>
               </a:rPr>
               <a:t>://</a:t>
             </a:r>
@@ -6456,6 +6749,30 @@
           </a:p>
         </p:txBody>
       </p:sp>
+      <p:pic>
+        <p:nvPicPr>
+          <p:cNvPr id="3" name="Picture 2"/>
+          <p:cNvPicPr>
+            <a:picLocks noChangeAspect="1"/>
+          </p:cNvPicPr>
+          <p:nvPr/>
+        </p:nvPicPr>
+        <p:blipFill>
+          <a:blip r:embed="rId3"/>
+          <a:stretch>
+            <a:fillRect/>
+          </a:stretch>
+        </p:blipFill>
+        <p:spPr>
+          <a:xfrm>
+            <a:off x="857250" y="1485900"/>
+            <a:ext cx="7429500" cy="3886200"/>
+          </a:xfrm>
+          <a:prstGeom prst="rect">
+            <a:avLst/>
+          </a:prstGeom>
+        </p:spPr>
+      </p:pic>
     </p:spTree>
     <p:extLst>
       <p:ext uri="{BB962C8B-B14F-4D97-AF65-F5344CB8AC3E}">
@@ -6541,14 +6858,7 @@
                 <a:latin typeface="Arial" panose="020B0604020202020204" pitchFamily="34" charset="0"/>
                 <a:ea typeface="Arial" panose="020B0604020202020204" pitchFamily="34" charset="0"/>
               </a:rPr>
-              <a:t>Signup – Teacher Details page contd</a:t>
-            </a:r>
-            <a:r>
-              <a:rPr lang="en-US" sz="2400" b="1" dirty="0" smtClean="0">
-                <a:latin typeface="Arial" panose="020B0604020202020204" pitchFamily="34" charset="0"/>
-                <a:ea typeface="Arial" panose="020B0604020202020204" pitchFamily="34" charset="0"/>
-              </a:rPr>
-              <a:t>. - 3</a:t>
+              <a:t>Signup – Teacher Details page contd. - 3</a:t>
             </a:r>
             <a:endParaRPr lang="en-AU" sz="2400" dirty="0">
               <a:effectLst/>
@@ -7174,14 +7484,14 @@
                 <a:latin typeface="Arial" panose="020B0604020202020204" pitchFamily="34" charset="0"/>
                 <a:ea typeface="Arial" panose="020B0604020202020204" pitchFamily="34" charset="0"/>
               </a:rPr>
-              <a:t>anodiam.com/teacher/{userid}</a:t>
+              <a:t>anodiam.com/teacher/myhome/{userid}</a:t>
             </a:r>
           </a:p>
         </p:txBody>
       </p:sp>
       <p:pic>
         <p:nvPicPr>
-          <p:cNvPr id="4" name="Picture 3"/>
+          <p:cNvPr id="5" name="Picture 4"/>
           <p:cNvPicPr>
             <a:picLocks noChangeAspect="1"/>
           </p:cNvPicPr>
@@ -7195,17 +7505,195 @@
         </p:blipFill>
         <p:spPr>
           <a:xfrm>
-            <a:off x="899592" y="1677272"/>
-            <a:ext cx="7409524" cy="4200000"/>
+            <a:off x="838666" y="1628800"/>
+            <a:ext cx="7466667" cy="4257143"/>
           </a:xfrm>
           <a:prstGeom prst="rect">
             <a:avLst/>
           </a:prstGeom>
-          <a:ln w="28575">
-            <a:solidFill>
-              <a:srgbClr val="2F2FAF"/>
-            </a:solidFill>
-          </a:ln>
+        </p:spPr>
+      </p:pic>
+    </p:spTree>
+    <p:extLst>
+      <p:ext uri="{BB962C8B-B14F-4D97-AF65-F5344CB8AC3E}">
+        <p14:creationId xmlns:p14="http://schemas.microsoft.com/office/powerpoint/2010/main" val="2902766637"/>
+      </p:ext>
+    </p:extLst>
+  </p:cSld>
+  <p:clrMapOvr>
+    <a:masterClrMapping/>
+  </p:clrMapOvr>
+  <p:timing>
+    <p:tnLst>
+      <p:par>
+        <p:cTn id="1" dur="indefinite" restart="never" nodeType="tmRoot"/>
+      </p:par>
+    </p:tnLst>
+  </p:timing>
+</p:sld>
+</file>
+
+<file path=ppt/slides/slide9.xml><?xml version="1.0" encoding="utf-8"?>
+<p:sld xmlns:a="http://schemas.openxmlformats.org/drawingml/2006/main" xmlns:r="http://schemas.openxmlformats.org/officeDocument/2006/relationships" xmlns:p="http://schemas.openxmlformats.org/presentationml/2006/main">
+  <p:cSld>
+    <p:spTree>
+      <p:nvGrpSpPr>
+        <p:cNvPr id="1" name=""/>
+        <p:cNvGrpSpPr/>
+        <p:nvPr/>
+      </p:nvGrpSpPr>
+      <p:grpSpPr>
+        <a:xfrm>
+          <a:off x="0" y="0"/>
+          <a:ext cx="0" cy="0"/>
+          <a:chOff x="0" y="0"/>
+          <a:chExt cx="0" cy="0"/>
+        </a:xfrm>
+      </p:grpSpPr>
+      <p:sp>
+        <p:nvSpPr>
+          <p:cNvPr id="2" name="Rectangle 1"/>
+          <p:cNvSpPr/>
+          <p:nvPr/>
+        </p:nvSpPr>
+        <p:spPr>
+          <a:xfrm>
+            <a:off x="1779633" y="332656"/>
+            <a:ext cx="5347361" cy="480901"/>
+          </a:xfrm>
+          <a:prstGeom prst="rect">
+            <a:avLst/>
+          </a:prstGeom>
+        </p:spPr>
+        <p:txBody>
+          <a:bodyPr wrap="none">
+            <a:spAutoFit/>
+          </a:bodyPr>
+          <a:lstStyle/>
+          <a:p>
+            <a:pPr algn="ctr">
+              <a:lnSpc>
+                <a:spcPct val="115000"/>
+              </a:lnSpc>
+              <a:spcAft>
+                <a:spcPts val="0"/>
+              </a:spcAft>
+            </a:pPr>
+            <a:r>
+              <a:rPr lang="en-US" sz="2400" b="1" dirty="0" smtClean="0">
+                <a:latin typeface="Arial" panose="020B0604020202020204" pitchFamily="34" charset="0"/>
+                <a:ea typeface="Arial" panose="020B0604020202020204" pitchFamily="34" charset="0"/>
+              </a:rPr>
+              <a:t>Teacher App</a:t>
+            </a:r>
+            <a:r>
+              <a:rPr lang="en-US" sz="2400" b="1" dirty="0">
+                <a:latin typeface="Arial" panose="020B0604020202020204" pitchFamily="34" charset="0"/>
+                <a:ea typeface="Arial" panose="020B0604020202020204" pitchFamily="34" charset="0"/>
+              </a:rPr>
+              <a:t>: </a:t>
+            </a:r>
+            <a:r>
+              <a:rPr lang="en-US" sz="2400" b="1" dirty="0" smtClean="0">
+                <a:latin typeface="Arial" panose="020B0604020202020204" pitchFamily="34" charset="0"/>
+                <a:ea typeface="Arial" panose="020B0604020202020204" pitchFamily="34" charset="0"/>
+              </a:rPr>
+              <a:t>Personal Profile page</a:t>
+            </a:r>
+            <a:endParaRPr lang="en-AU" sz="2400" dirty="0">
+              <a:effectLst/>
+              <a:latin typeface="Arial" panose="020B0604020202020204" pitchFamily="34" charset="0"/>
+              <a:ea typeface="Arial" panose="020B0604020202020204" pitchFamily="34" charset="0"/>
+            </a:endParaRPr>
+          </a:p>
+        </p:txBody>
+      </p:sp>
+      <p:sp>
+        <p:nvSpPr>
+          <p:cNvPr id="3" name="Rectangle 2"/>
+          <p:cNvSpPr/>
+          <p:nvPr/>
+        </p:nvSpPr>
+        <p:spPr>
+          <a:xfrm>
+            <a:off x="431032" y="849721"/>
+            <a:ext cx="8245424" cy="307777"/>
+          </a:xfrm>
+          <a:prstGeom prst="rect">
+            <a:avLst/>
+          </a:prstGeom>
+        </p:spPr>
+        <p:txBody>
+          <a:bodyPr wrap="square">
+            <a:spAutoFit/>
+          </a:bodyPr>
+          <a:lstStyle/>
+          <a:p>
+            <a:pPr algn="ctr"/>
+            <a:r>
+              <a:rPr lang="en-US" sz="1400" dirty="0">
+                <a:latin typeface="Arial" panose="020B0604020202020204" pitchFamily="34" charset="0"/>
+                <a:ea typeface="Arial" panose="020B0604020202020204" pitchFamily="34" charset="0"/>
+              </a:rPr>
+              <a:t>Link: </a:t>
+            </a:r>
+            <a:r>
+              <a:rPr lang="en-US" sz="1400" u="sng" dirty="0">
+                <a:solidFill>
+                  <a:srgbClr val="0000FF"/>
+                </a:solidFill>
+                <a:latin typeface="Arial" panose="020B0604020202020204" pitchFamily="34" charset="0"/>
+                <a:ea typeface="Arial" panose="020B0604020202020204" pitchFamily="34" charset="0"/>
+                <a:hlinkClick r:id="rId2"/>
+              </a:rPr>
+              <a:t>https</a:t>
+            </a:r>
+            <a:r>
+              <a:rPr lang="en-US" sz="1400" u="sng" dirty="0" smtClean="0">
+                <a:solidFill>
+                  <a:srgbClr val="0000FF"/>
+                </a:solidFill>
+                <a:latin typeface="Arial" panose="020B0604020202020204" pitchFamily="34" charset="0"/>
+                <a:ea typeface="Arial" panose="020B0604020202020204" pitchFamily="34" charset="0"/>
+                <a:hlinkClick r:id="rId2"/>
+              </a:rPr>
+              <a:t>://</a:t>
+            </a:r>
+            <a:r>
+              <a:rPr lang="en-US" sz="1400" u="sng" dirty="0" smtClean="0">
+                <a:solidFill>
+                  <a:srgbClr val="0000FF"/>
+                </a:solidFill>
+                <a:latin typeface="Arial" panose="020B0604020202020204" pitchFamily="34" charset="0"/>
+                <a:ea typeface="Arial" panose="020B0604020202020204" pitchFamily="34" charset="0"/>
+              </a:rPr>
+              <a:t>anodiam.com/teacher/myprofile/personal/{userid}</a:t>
+            </a:r>
+          </a:p>
+        </p:txBody>
+      </p:sp>
+      <p:pic>
+        <p:nvPicPr>
+          <p:cNvPr id="5" name="Picture 4"/>
+          <p:cNvPicPr>
+            <a:picLocks noChangeAspect="1"/>
+          </p:cNvPicPr>
+          <p:nvPr/>
+        </p:nvPicPr>
+        <p:blipFill>
+          <a:blip r:embed="rId3"/>
+          <a:stretch>
+            <a:fillRect/>
+          </a:stretch>
+        </p:blipFill>
+        <p:spPr>
+          <a:xfrm>
+            <a:off x="838200" y="1340768"/>
+            <a:ext cx="7467600" cy="5257800"/>
+          </a:xfrm>
+          <a:prstGeom prst="rect">
+            <a:avLst/>
+          </a:prstGeom>
         </p:spPr>
       </p:pic>
     </p:spTree>

--- a/ProjectExecution/BA/SpecsWireframes/003TeacherAppWireframes.pptx
+++ b/ProjectExecution/BA/SpecsWireframes/003TeacherAppWireframes.pptx
@@ -5,7 +5,7 @@
     <p:sldMasterId id="2147483648" r:id="rId1"/>
   </p:sldMasterIdLst>
   <p:notesMasterIdLst>
-    <p:notesMasterId r:id="rId13"/>
+    <p:notesMasterId r:id="rId14"/>
   </p:notesMasterIdLst>
   <p:sldIdLst>
     <p:sldId id="259" r:id="rId2"/>
@@ -19,6 +19,7 @@
     <p:sldId id="265" r:id="rId10"/>
     <p:sldId id="273" r:id="rId11"/>
     <p:sldId id="272" r:id="rId12"/>
+    <p:sldId id="274" r:id="rId13"/>
   </p:sldIdLst>
   <p:sldSz cx="9144000" cy="6858000" type="screen4x3"/>
   <p:notesSz cx="6858000" cy="9144000"/>
@@ -218,7 +219,7 @@
           <a:p>
             <a:fld id="{26483215-80E3-4A52-98A5-4C379A79CA39}" type="datetimeFigureOut">
               <a:rPr lang="en-AU" smtClean="0"/>
-              <a:t>16/11/2020</a:t>
+              <a:t>17/11/2020</a:t>
             </a:fld>
             <a:endParaRPr lang="en-AU"/>
           </a:p>
@@ -667,7 +668,7 @@
           <a:p>
             <a:fld id="{BB2A88D7-68F7-4681-80B5-BDD492DE1B81}" type="datetimeFigureOut">
               <a:rPr lang="en-AU" smtClean="0"/>
-              <a:t>16/11/2020</a:t>
+              <a:t>17/11/2020</a:t>
             </a:fld>
             <a:endParaRPr lang="en-AU"/>
           </a:p>
@@ -837,7 +838,7 @@
           <a:p>
             <a:fld id="{BB2A88D7-68F7-4681-80B5-BDD492DE1B81}" type="datetimeFigureOut">
               <a:rPr lang="en-AU" smtClean="0"/>
-              <a:t>16/11/2020</a:t>
+              <a:t>17/11/2020</a:t>
             </a:fld>
             <a:endParaRPr lang="en-AU"/>
           </a:p>
@@ -1017,7 +1018,7 @@
           <a:p>
             <a:fld id="{BB2A88D7-68F7-4681-80B5-BDD492DE1B81}" type="datetimeFigureOut">
               <a:rPr lang="en-AU" smtClean="0"/>
-              <a:t>16/11/2020</a:t>
+              <a:t>17/11/2020</a:t>
             </a:fld>
             <a:endParaRPr lang="en-AU"/>
           </a:p>
@@ -1187,7 +1188,7 @@
           <a:p>
             <a:fld id="{BB2A88D7-68F7-4681-80B5-BDD492DE1B81}" type="datetimeFigureOut">
               <a:rPr lang="en-AU" smtClean="0"/>
-              <a:t>16/11/2020</a:t>
+              <a:t>17/11/2020</a:t>
             </a:fld>
             <a:endParaRPr lang="en-AU"/>
           </a:p>
@@ -1433,7 +1434,7 @@
           <a:p>
             <a:fld id="{BB2A88D7-68F7-4681-80B5-BDD492DE1B81}" type="datetimeFigureOut">
               <a:rPr lang="en-AU" smtClean="0"/>
-              <a:t>16/11/2020</a:t>
+              <a:t>17/11/2020</a:t>
             </a:fld>
             <a:endParaRPr lang="en-AU"/>
           </a:p>
@@ -1721,7 +1722,7 @@
           <a:p>
             <a:fld id="{BB2A88D7-68F7-4681-80B5-BDD492DE1B81}" type="datetimeFigureOut">
               <a:rPr lang="en-AU" smtClean="0"/>
-              <a:t>16/11/2020</a:t>
+              <a:t>17/11/2020</a:t>
             </a:fld>
             <a:endParaRPr lang="en-AU"/>
           </a:p>
@@ -2143,7 +2144,7 @@
           <a:p>
             <a:fld id="{BB2A88D7-68F7-4681-80B5-BDD492DE1B81}" type="datetimeFigureOut">
               <a:rPr lang="en-AU" smtClean="0"/>
-              <a:t>16/11/2020</a:t>
+              <a:t>17/11/2020</a:t>
             </a:fld>
             <a:endParaRPr lang="en-AU"/>
           </a:p>
@@ -2261,7 +2262,7 @@
           <a:p>
             <a:fld id="{BB2A88D7-68F7-4681-80B5-BDD492DE1B81}" type="datetimeFigureOut">
               <a:rPr lang="en-AU" smtClean="0"/>
-              <a:t>16/11/2020</a:t>
+              <a:t>17/11/2020</a:t>
             </a:fld>
             <a:endParaRPr lang="en-AU"/>
           </a:p>
@@ -2356,7 +2357,7 @@
           <a:p>
             <a:fld id="{BB2A88D7-68F7-4681-80B5-BDD492DE1B81}" type="datetimeFigureOut">
               <a:rPr lang="en-AU" smtClean="0"/>
-              <a:t>16/11/2020</a:t>
+              <a:t>17/11/2020</a:t>
             </a:fld>
             <a:endParaRPr lang="en-AU"/>
           </a:p>
@@ -2633,7 +2634,7 @@
           <a:p>
             <a:fld id="{BB2A88D7-68F7-4681-80B5-BDD492DE1B81}" type="datetimeFigureOut">
               <a:rPr lang="en-AU" smtClean="0"/>
-              <a:t>16/11/2020</a:t>
+              <a:t>17/11/2020</a:t>
             </a:fld>
             <a:endParaRPr lang="en-AU"/>
           </a:p>
@@ -2886,7 +2887,7 @@
           <a:p>
             <a:fld id="{BB2A88D7-68F7-4681-80B5-BDD492DE1B81}" type="datetimeFigureOut">
               <a:rPr lang="en-AU" smtClean="0"/>
-              <a:t>16/11/2020</a:t>
+              <a:t>17/11/2020</a:t>
             </a:fld>
             <a:endParaRPr lang="en-AU"/>
           </a:p>
@@ -3099,7 +3100,7 @@
           <a:p>
             <a:fld id="{BB2A88D7-68F7-4681-80B5-BDD492DE1B81}" type="datetimeFigureOut">
               <a:rPr lang="en-AU" smtClean="0"/>
-              <a:t>16/11/2020</a:t>
+              <a:t>17/11/2020</a:t>
             </a:fld>
             <a:endParaRPr lang="en-AU"/>
           </a:p>
@@ -6044,21 +6045,35 @@
                 <a:latin typeface="Arial" panose="020B0604020202020204" pitchFamily="34" charset="0"/>
                 <a:ea typeface="Arial" panose="020B0604020202020204" pitchFamily="34" charset="0"/>
               </a:rPr>
-              <a:t>anodiam.com/teacher/myprofile/professional</a:t>
-            </a:r>
-            <a:r>
-              <a:rPr lang="en-US" sz="1400" u="sng" dirty="0" smtClean="0">
-                <a:solidFill>
-                  <a:srgbClr val="0000FF"/>
-                </a:solidFill>
-                <a:latin typeface="Arial" panose="020B0604020202020204" pitchFamily="34" charset="0"/>
-                <a:ea typeface="Arial" panose="020B0604020202020204" pitchFamily="34" charset="0"/>
-              </a:rPr>
-              <a:t>/{userid}</a:t>
-            </a:r>
-          </a:p>
-        </p:txBody>
-      </p:sp>
+              <a:t>anodiam.com/teacher/myprofile/professional/{userid}</a:t>
+            </a:r>
+          </a:p>
+        </p:txBody>
+      </p:sp>
+      <p:pic>
+        <p:nvPicPr>
+          <p:cNvPr id="6" name="Picture 5"/>
+          <p:cNvPicPr>
+            <a:picLocks noChangeAspect="1"/>
+          </p:cNvPicPr>
+          <p:nvPr/>
+        </p:nvPicPr>
+        <p:blipFill>
+          <a:blip r:embed="rId3"/>
+          <a:stretch>
+            <a:fillRect/>
+          </a:stretch>
+        </p:blipFill>
+        <p:spPr>
+          <a:xfrm>
+            <a:off x="838200" y="1771997"/>
+            <a:ext cx="7467600" cy="4105275"/>
+          </a:xfrm>
+          <a:prstGeom prst="rect">
+            <a:avLst/>
+          </a:prstGeom>
+        </p:spPr>
+      </p:pic>
     </p:spTree>
     <p:extLst>
       <p:ext uri="{BB962C8B-B14F-4D97-AF65-F5344CB8AC3E}">
@@ -6213,7 +6228,187 @@
                 <a:latin typeface="Arial" panose="020B0604020202020204" pitchFamily="34" charset="0"/>
                 <a:ea typeface="Arial" panose="020B0604020202020204" pitchFamily="34" charset="0"/>
               </a:rPr>
-              <a:t>anodiam.com/teacher/myprofile/financial</a:t>
+              <a:t>anodiam.com/teacher/myprofile/financial/{userid}</a:t>
+            </a:r>
+          </a:p>
+        </p:txBody>
+      </p:sp>
+      <p:pic>
+        <p:nvPicPr>
+          <p:cNvPr id="6" name="Picture 5"/>
+          <p:cNvPicPr>
+            <a:picLocks noChangeAspect="1"/>
+          </p:cNvPicPr>
+          <p:nvPr/>
+        </p:nvPicPr>
+        <p:blipFill>
+          <a:blip r:embed="rId3"/>
+          <a:stretch>
+            <a:fillRect/>
+          </a:stretch>
+        </p:blipFill>
+        <p:spPr>
+          <a:xfrm>
+            <a:off x="838200" y="1266825"/>
+            <a:ext cx="7467600" cy="4324350"/>
+          </a:xfrm>
+          <a:prstGeom prst="rect">
+            <a:avLst/>
+          </a:prstGeom>
+        </p:spPr>
+      </p:pic>
+    </p:spTree>
+    <p:extLst>
+      <p:ext uri="{BB962C8B-B14F-4D97-AF65-F5344CB8AC3E}">
+        <p14:creationId xmlns:p14="http://schemas.microsoft.com/office/powerpoint/2010/main" val="3461176707"/>
+      </p:ext>
+    </p:extLst>
+  </p:cSld>
+  <p:clrMapOvr>
+    <a:masterClrMapping/>
+  </p:clrMapOvr>
+  <p:timing>
+    <p:tnLst>
+      <p:par>
+        <p:cTn id="1" dur="indefinite" restart="never" nodeType="tmRoot"/>
+      </p:par>
+    </p:tnLst>
+  </p:timing>
+</p:sld>
+</file>
+
+<file path=ppt/slides/slide12.xml><?xml version="1.0" encoding="utf-8"?>
+<p:sld xmlns:a="http://schemas.openxmlformats.org/drawingml/2006/main" xmlns:r="http://schemas.openxmlformats.org/officeDocument/2006/relationships" xmlns:p="http://schemas.openxmlformats.org/presentationml/2006/main">
+  <p:cSld>
+    <p:spTree>
+      <p:nvGrpSpPr>
+        <p:cNvPr id="1" name=""/>
+        <p:cNvGrpSpPr/>
+        <p:nvPr/>
+      </p:nvGrpSpPr>
+      <p:grpSpPr>
+        <a:xfrm>
+          <a:off x="0" y="0"/>
+          <a:ext cx="0" cy="0"/>
+          <a:chOff x="0" y="0"/>
+          <a:chExt cx="0" cy="0"/>
+        </a:xfrm>
+      </p:grpSpPr>
+      <p:sp>
+        <p:nvSpPr>
+          <p:cNvPr id="2" name="Rectangle 1"/>
+          <p:cNvSpPr/>
+          <p:nvPr/>
+        </p:nvSpPr>
+        <p:spPr>
+          <a:xfrm>
+            <a:off x="1813300" y="332656"/>
+            <a:ext cx="5280035" cy="517065"/>
+          </a:xfrm>
+          <a:prstGeom prst="rect">
+            <a:avLst/>
+          </a:prstGeom>
+        </p:spPr>
+        <p:txBody>
+          <a:bodyPr wrap="none">
+            <a:spAutoFit/>
+          </a:bodyPr>
+          <a:lstStyle/>
+          <a:p>
+            <a:pPr algn="ctr">
+              <a:lnSpc>
+                <a:spcPct val="115000"/>
+              </a:lnSpc>
+              <a:spcAft>
+                <a:spcPts val="0"/>
+              </a:spcAft>
+            </a:pPr>
+            <a:r>
+              <a:rPr lang="en-US" sz="2400" b="1" dirty="0" smtClean="0">
+                <a:latin typeface="Arial" panose="020B0604020202020204" pitchFamily="34" charset="0"/>
+                <a:ea typeface="Arial" panose="020B0604020202020204" pitchFamily="34" charset="0"/>
+              </a:rPr>
+              <a:t>Teacher App</a:t>
+            </a:r>
+            <a:r>
+              <a:rPr lang="en-US" sz="2400" b="1" dirty="0">
+                <a:latin typeface="Arial" panose="020B0604020202020204" pitchFamily="34" charset="0"/>
+                <a:ea typeface="Arial" panose="020B0604020202020204" pitchFamily="34" charset="0"/>
+              </a:rPr>
+              <a:t>: </a:t>
+            </a:r>
+            <a:r>
+              <a:rPr lang="en-US" sz="2400" b="1" dirty="0" smtClean="0">
+                <a:latin typeface="Arial" panose="020B0604020202020204" pitchFamily="34" charset="0"/>
+                <a:ea typeface="Arial" panose="020B0604020202020204" pitchFamily="34" charset="0"/>
+              </a:rPr>
+              <a:t>Payout Reports </a:t>
+            </a:r>
+            <a:r>
+              <a:rPr lang="en-US" sz="2400" b="1" dirty="0" smtClean="0">
+                <a:latin typeface="Arial" panose="020B0604020202020204" pitchFamily="34" charset="0"/>
+                <a:ea typeface="Arial" panose="020B0604020202020204" pitchFamily="34" charset="0"/>
+              </a:rPr>
+              <a:t>page</a:t>
+            </a:r>
+            <a:endParaRPr lang="en-AU" sz="2400" dirty="0">
+              <a:effectLst/>
+              <a:latin typeface="Arial" panose="020B0604020202020204" pitchFamily="34" charset="0"/>
+              <a:ea typeface="Arial" panose="020B0604020202020204" pitchFamily="34" charset="0"/>
+            </a:endParaRPr>
+          </a:p>
+        </p:txBody>
+      </p:sp>
+      <p:sp>
+        <p:nvSpPr>
+          <p:cNvPr id="3" name="Rectangle 2"/>
+          <p:cNvSpPr/>
+          <p:nvPr/>
+        </p:nvSpPr>
+        <p:spPr>
+          <a:xfrm>
+            <a:off x="431032" y="849721"/>
+            <a:ext cx="8245424" cy="307777"/>
+          </a:xfrm>
+          <a:prstGeom prst="rect">
+            <a:avLst/>
+          </a:prstGeom>
+        </p:spPr>
+        <p:txBody>
+          <a:bodyPr wrap="square">
+            <a:spAutoFit/>
+          </a:bodyPr>
+          <a:lstStyle/>
+          <a:p>
+            <a:pPr algn="ctr"/>
+            <a:r>
+              <a:rPr lang="en-US" sz="1400" dirty="0">
+                <a:latin typeface="Arial" panose="020B0604020202020204" pitchFamily="34" charset="0"/>
+                <a:ea typeface="Arial" panose="020B0604020202020204" pitchFamily="34" charset="0"/>
+              </a:rPr>
+              <a:t>Link: </a:t>
+            </a:r>
+            <a:r>
+              <a:rPr lang="en-US" sz="1400" u="sng" dirty="0">
+                <a:solidFill>
+                  <a:srgbClr val="0000FF"/>
+                </a:solidFill>
+                <a:latin typeface="Arial" panose="020B0604020202020204" pitchFamily="34" charset="0"/>
+                <a:ea typeface="Arial" panose="020B0604020202020204" pitchFamily="34" charset="0"/>
+                <a:hlinkClick r:id="rId2"/>
+              </a:rPr>
+              <a:t>https</a:t>
+            </a:r>
+            <a:r>
+              <a:rPr lang="en-US" sz="1400" u="sng" dirty="0" smtClean="0">
+                <a:solidFill>
+                  <a:srgbClr val="0000FF"/>
+                </a:solidFill>
+                <a:latin typeface="Arial" panose="020B0604020202020204" pitchFamily="34" charset="0"/>
+                <a:ea typeface="Arial" panose="020B0604020202020204" pitchFamily="34" charset="0"/>
+                <a:hlinkClick r:id="rId2"/>
+              </a:rPr>
+              <a:t>://</a:t>
             </a:r>
             <a:r>
               <a:rPr lang="en-US" sz="1400" u="sng" dirty="0" smtClean="0">
@@ -6223,15 +6418,49 @@
                 <a:latin typeface="Arial" panose="020B0604020202020204" pitchFamily="34" charset="0"/>
                 <a:ea typeface="Arial" panose="020B0604020202020204" pitchFamily="34" charset="0"/>
               </a:rPr>
-              <a:t>/{userid}</a:t>
-            </a:r>
-          </a:p>
-        </p:txBody>
-      </p:sp>
+              <a:t>anodiam.com/teacher/myprofile/payouts/{</a:t>
+            </a:r>
+            <a:r>
+              <a:rPr lang="en-US" sz="1400" u="sng" dirty="0" smtClean="0">
+                <a:solidFill>
+                  <a:srgbClr val="0000FF"/>
+                </a:solidFill>
+                <a:latin typeface="Arial" panose="020B0604020202020204" pitchFamily="34" charset="0"/>
+                <a:ea typeface="Arial" panose="020B0604020202020204" pitchFamily="34" charset="0"/>
+              </a:rPr>
+              <a:t>userid}</a:t>
+            </a:r>
+          </a:p>
+        </p:txBody>
+      </p:sp>
+      <p:pic>
+        <p:nvPicPr>
+          <p:cNvPr id="6" name="Picture 5"/>
+          <p:cNvPicPr>
+            <a:picLocks noChangeAspect="1"/>
+          </p:cNvPicPr>
+          <p:nvPr/>
+        </p:nvPicPr>
+        <p:blipFill>
+          <a:blip r:embed="rId3"/>
+          <a:stretch>
+            <a:fillRect/>
+          </a:stretch>
+        </p:blipFill>
+        <p:spPr>
+          <a:xfrm>
+            <a:off x="838200" y="1340768"/>
+            <a:ext cx="7467600" cy="4762500"/>
+          </a:xfrm>
+          <a:prstGeom prst="rect">
+            <a:avLst/>
+          </a:prstGeom>
+        </p:spPr>
+      </p:pic>
     </p:spTree>
     <p:extLst>
       <p:ext uri="{BB962C8B-B14F-4D97-AF65-F5344CB8AC3E}">
-        <p14:creationId xmlns:p14="http://schemas.microsoft.com/office/powerpoint/2010/main" val="3461176707"/>
+        <p14:creationId xmlns:p14="http://schemas.microsoft.com/office/powerpoint/2010/main" val="3005973504"/>
       </p:ext>
     </p:extLst>
   </p:cSld>
@@ -6751,7 +6980,7 @@
       </p:sp>
       <p:pic>
         <p:nvPicPr>
-          <p:cNvPr id="3" name="Picture 2"/>
+          <p:cNvPr id="5" name="Picture 4"/>
           <p:cNvPicPr>
             <a:picLocks noChangeAspect="1"/>
           </p:cNvPicPr>
@@ -6765,8 +6994,8 @@
         </p:blipFill>
         <p:spPr>
           <a:xfrm>
-            <a:off x="857250" y="1485900"/>
-            <a:ext cx="7429500" cy="3886200"/>
+            <a:off x="857250" y="1362075"/>
+            <a:ext cx="7429500" cy="4133850"/>
           </a:xfrm>
           <a:prstGeom prst="rect">
             <a:avLst/>
@@ -6999,6 +7228,30 @@
           <a:chExt cx="0" cy="0"/>
         </a:xfrm>
       </p:grpSpPr>
+      <p:pic>
+        <p:nvPicPr>
+          <p:cNvPr id="6" name="Picture 5"/>
+          <p:cNvPicPr>
+            <a:picLocks noChangeAspect="1"/>
+          </p:cNvPicPr>
+          <p:nvPr/>
+        </p:nvPicPr>
+        <p:blipFill>
+          <a:blip r:embed="rId2"/>
+          <a:stretch>
+            <a:fillRect/>
+          </a:stretch>
+        </p:blipFill>
+        <p:spPr>
+          <a:xfrm>
+            <a:off x="4644008" y="3722712"/>
+            <a:ext cx="3886200" cy="2514600"/>
+          </a:xfrm>
+          <a:prstGeom prst="rect">
+            <a:avLst/>
+          </a:prstGeom>
+        </p:spPr>
+      </p:pic>
       <p:sp>
         <p:nvSpPr>
           <p:cNvPr id="2" name="Rectangle 1"/>
@@ -7093,7 +7346,7 @@
                 </a:solidFill>
                 <a:latin typeface="Arial" panose="020B0604020202020204" pitchFamily="34" charset="0"/>
                 <a:ea typeface="Arial" panose="020B0604020202020204" pitchFamily="34" charset="0"/>
-                <a:hlinkClick r:id="rId2"/>
+                <a:hlinkClick r:id="rId3"/>
               </a:rPr>
               <a:t>https</a:t>
             </a:r>
@@ -7104,7 +7357,7 @@
                 </a:solidFill>
                 <a:latin typeface="Arial" panose="020B0604020202020204" pitchFamily="34" charset="0"/>
                 <a:ea typeface="Arial" panose="020B0604020202020204" pitchFamily="34" charset="0"/>
-                <a:hlinkClick r:id="rId2"/>
+                <a:hlinkClick r:id="rId3"/>
               </a:rPr>
               <a:t>://</a:t>
             </a:r>
@@ -7131,14 +7384,14 @@
           <p:nvPr/>
         </p:nvPicPr>
         <p:blipFill>
-          <a:blip r:embed="rId3"/>
+          <a:blip r:embed="rId4"/>
           <a:stretch>
             <a:fillRect/>
           </a:stretch>
         </p:blipFill>
         <p:spPr>
           <a:xfrm>
-            <a:off x="2629143" y="2171857"/>
+            <a:off x="567594" y="1552347"/>
             <a:ext cx="3885714" cy="2514286"/>
           </a:xfrm>
           <a:prstGeom prst="rect">
@@ -7146,6 +7399,68 @@
           </a:prstGeom>
         </p:spPr>
       </p:pic>
+      <p:sp>
+        <p:nvSpPr>
+          <p:cNvPr id="5" name="Right Arrow 4"/>
+          <p:cNvSpPr/>
+          <p:nvPr/>
+        </p:nvSpPr>
+        <p:spPr>
+          <a:xfrm>
+            <a:off x="3563888" y="3450800"/>
+            <a:ext cx="1728192" cy="543825"/>
+          </a:xfrm>
+          <a:prstGeom prst="rightArrow">
+            <a:avLst/>
+          </a:prstGeom>
+        </p:spPr>
+        <p:style>
+          <a:lnRef idx="2">
+            <a:schemeClr val="accent1">
+              <a:shade val="50000"/>
+            </a:schemeClr>
+          </a:lnRef>
+          <a:fillRef idx="1">
+            <a:schemeClr val="accent1"/>
+          </a:fillRef>
+          <a:effectRef idx="0">
+            <a:schemeClr val="accent1"/>
+          </a:effectRef>
+          <a:fontRef idx="minor">
+            <a:schemeClr val="lt1"/>
+          </a:fontRef>
+        </p:style>
+        <p:txBody>
+          <a:bodyPr rtlCol="0" anchor="ctr"/>
+          <a:lstStyle/>
+          <a:p>
+            <a:pPr algn="ctr"/>
+            <a:r>
+              <a:rPr lang="en-AU" sz="1600" dirty="0" smtClean="0">
+                <a:ln>
+                  <a:solidFill>
+                    <a:schemeClr val="bg1"/>
+                  </a:solidFill>
+                </a:ln>
+                <a:solidFill>
+                  <a:schemeClr val="bg1"/>
+                </a:solidFill>
+              </a:rPr>
+              <a:t>On Click</a:t>
+            </a:r>
+            <a:endParaRPr lang="en-AU" sz="1600" dirty="0">
+              <a:ln>
+                <a:solidFill>
+                  <a:schemeClr val="bg1"/>
+                </a:solidFill>
+              </a:ln>
+              <a:solidFill>
+                <a:schemeClr val="bg1"/>
+              </a:solidFill>
+            </a:endParaRPr>
+          </a:p>
+        </p:txBody>
+      </p:sp>
     </p:spTree>
     <p:extLst>
       <p:ext uri="{BB962C8B-B14F-4D97-AF65-F5344CB8AC3E}">
@@ -7491,7 +7806,7 @@
       </p:sp>
       <p:pic>
         <p:nvPicPr>
-          <p:cNvPr id="5" name="Picture 4"/>
+          <p:cNvPr id="6" name="Picture 5"/>
           <p:cNvPicPr>
             <a:picLocks noChangeAspect="1"/>
           </p:cNvPicPr>
@@ -7505,8 +7820,8 @@
         </p:blipFill>
         <p:spPr>
           <a:xfrm>
-            <a:off x="838666" y="1628800"/>
-            <a:ext cx="7466667" cy="4257143"/>
+            <a:off x="838200" y="1300162"/>
+            <a:ext cx="7467600" cy="4257675"/>
           </a:xfrm>
           <a:prstGeom prst="rect">
             <a:avLst/>
@@ -7674,7 +7989,7 @@
       </p:sp>
       <p:pic>
         <p:nvPicPr>
-          <p:cNvPr id="5" name="Picture 4"/>
+          <p:cNvPr id="6" name="Picture 5"/>
           <p:cNvPicPr>
             <a:picLocks noChangeAspect="1"/>
           </p:cNvPicPr>
@@ -7688,7 +8003,7 @@
         </p:blipFill>
         <p:spPr>
           <a:xfrm>
-            <a:off x="838200" y="1340768"/>
+            <a:off x="838200" y="1268760"/>
             <a:ext cx="7467600" cy="5257800"/>
           </a:xfrm>
           <a:prstGeom prst="rect">

--- a/ProjectExecution/BA/SpecsWireframes/003TeacherAppWireframes.pptx
+++ b/ProjectExecution/BA/SpecsWireframes/003TeacherAppWireframes.pptx
@@ -5,7 +5,7 @@
     <p:sldMasterId id="2147483648" r:id="rId1"/>
   </p:sldMasterIdLst>
   <p:notesMasterIdLst>
-    <p:notesMasterId r:id="rId14"/>
+    <p:notesMasterId r:id="rId16"/>
   </p:notesMasterIdLst>
   <p:sldIdLst>
     <p:sldId id="259" r:id="rId2"/>
@@ -16,10 +16,12 @@
     <p:sldId id="270" r:id="rId7"/>
     <p:sldId id="269" r:id="rId8"/>
     <p:sldId id="271" r:id="rId9"/>
-    <p:sldId id="265" r:id="rId10"/>
-    <p:sldId id="273" r:id="rId11"/>
-    <p:sldId id="272" r:id="rId12"/>
-    <p:sldId id="274" r:id="rId13"/>
+    <p:sldId id="276" r:id="rId10"/>
+    <p:sldId id="265" r:id="rId11"/>
+    <p:sldId id="273" r:id="rId12"/>
+    <p:sldId id="272" r:id="rId13"/>
+    <p:sldId id="274" r:id="rId14"/>
+    <p:sldId id="275" r:id="rId15"/>
   </p:sldIdLst>
   <p:sldSz cx="9144000" cy="6858000" type="screen4x3"/>
   <p:notesSz cx="6858000" cy="9144000"/>
@@ -5936,8 +5938,8 @@
         </p:nvSpPr>
         <p:spPr>
           <a:xfrm>
-            <a:off x="1506323" y="332656"/>
-            <a:ext cx="5893986" cy="480901"/>
+            <a:off x="1779633" y="332656"/>
+            <a:ext cx="5347361" cy="480901"/>
           </a:xfrm>
           <a:prstGeom prst="rect">
             <a:avLst/>
@@ -5976,7 +5978,7 @@
                 <a:latin typeface="Arial" panose="020B0604020202020204" pitchFamily="34" charset="0"/>
                 <a:ea typeface="Arial" panose="020B0604020202020204" pitchFamily="34" charset="0"/>
               </a:rPr>
-              <a:t>Professional Profile page</a:t>
+              <a:t>Personal Profile page</a:t>
             </a:r>
             <a:endParaRPr lang="en-AU" sz="2400" dirty="0">
               <a:effectLst/>
@@ -6045,7 +6047,7 @@
                 <a:latin typeface="Arial" panose="020B0604020202020204" pitchFamily="34" charset="0"/>
                 <a:ea typeface="Arial" panose="020B0604020202020204" pitchFamily="34" charset="0"/>
               </a:rPr>
-              <a:t>anodiam.com/teacher/myprofile/professional/{userid}</a:t>
+              <a:t>anodiam.com/teacher/myprofile/personal/{userid}</a:t>
             </a:r>
           </a:p>
         </p:txBody>
@@ -6066,8 +6068,8 @@
         </p:blipFill>
         <p:spPr>
           <a:xfrm>
-            <a:off x="838200" y="1771997"/>
-            <a:ext cx="7467600" cy="4105275"/>
+            <a:off x="838200" y="1268760"/>
+            <a:ext cx="7467600" cy="5257800"/>
           </a:xfrm>
           <a:prstGeom prst="rect">
             <a:avLst/>
@@ -6077,7 +6079,7 @@
     </p:spTree>
     <p:extLst>
       <p:ext uri="{BB962C8B-B14F-4D97-AF65-F5344CB8AC3E}">
-        <p14:creationId xmlns:p14="http://schemas.microsoft.com/office/powerpoint/2010/main" val="1687650685"/>
+        <p14:creationId xmlns:p14="http://schemas.microsoft.com/office/powerpoint/2010/main" val="729961998"/>
       </p:ext>
     </p:extLst>
   </p:cSld>
@@ -6119,8 +6121,8 @@
         </p:nvSpPr>
         <p:spPr>
           <a:xfrm>
-            <a:off x="1763604" y="332656"/>
-            <a:ext cx="5379421" cy="480901"/>
+            <a:off x="1506323" y="332656"/>
+            <a:ext cx="5893986" cy="480901"/>
           </a:xfrm>
           <a:prstGeom prst="rect">
             <a:avLst/>
@@ -6159,7 +6161,7 @@
                 <a:latin typeface="Arial" panose="020B0604020202020204" pitchFamily="34" charset="0"/>
                 <a:ea typeface="Arial" panose="020B0604020202020204" pitchFamily="34" charset="0"/>
               </a:rPr>
-              <a:t>Financial Profile page</a:t>
+              <a:t>Professional Profile page</a:t>
             </a:r>
             <a:endParaRPr lang="en-AU" sz="2400" dirty="0">
               <a:effectLst/>
@@ -6228,7 +6230,7 @@
                 <a:latin typeface="Arial" panose="020B0604020202020204" pitchFamily="34" charset="0"/>
                 <a:ea typeface="Arial" panose="020B0604020202020204" pitchFamily="34" charset="0"/>
               </a:rPr>
-              <a:t>anodiam.com/teacher/myprofile/financial/{userid}</a:t>
+              <a:t>anodiam.com/teacher/myprofile/professional/{userid}</a:t>
             </a:r>
           </a:p>
         </p:txBody>
@@ -6249,8 +6251,8 @@
         </p:blipFill>
         <p:spPr>
           <a:xfrm>
-            <a:off x="838200" y="1266825"/>
-            <a:ext cx="7467600" cy="4324350"/>
+            <a:off x="838200" y="1772816"/>
+            <a:ext cx="7467600" cy="4105275"/>
           </a:xfrm>
           <a:prstGeom prst="rect">
             <a:avLst/>
@@ -6260,7 +6262,7 @@
     </p:spTree>
     <p:extLst>
       <p:ext uri="{BB962C8B-B14F-4D97-AF65-F5344CB8AC3E}">
-        <p14:creationId xmlns:p14="http://schemas.microsoft.com/office/powerpoint/2010/main" val="3461176707"/>
+        <p14:creationId xmlns:p14="http://schemas.microsoft.com/office/powerpoint/2010/main" val="1687650685"/>
       </p:ext>
     </p:extLst>
   </p:cSld>
@@ -6302,6 +6304,189 @@
         </p:nvSpPr>
         <p:spPr>
           <a:xfrm>
+            <a:off x="1763604" y="332656"/>
+            <a:ext cx="5379421" cy="480901"/>
+          </a:xfrm>
+          <a:prstGeom prst="rect">
+            <a:avLst/>
+          </a:prstGeom>
+        </p:spPr>
+        <p:txBody>
+          <a:bodyPr wrap="none">
+            <a:spAutoFit/>
+          </a:bodyPr>
+          <a:lstStyle/>
+          <a:p>
+            <a:pPr algn="ctr">
+              <a:lnSpc>
+                <a:spcPct val="115000"/>
+              </a:lnSpc>
+              <a:spcAft>
+                <a:spcPts val="0"/>
+              </a:spcAft>
+            </a:pPr>
+            <a:r>
+              <a:rPr lang="en-US" sz="2400" b="1" dirty="0" smtClean="0">
+                <a:latin typeface="Arial" panose="020B0604020202020204" pitchFamily="34" charset="0"/>
+                <a:ea typeface="Arial" panose="020B0604020202020204" pitchFamily="34" charset="0"/>
+              </a:rPr>
+              <a:t>Teacher App</a:t>
+            </a:r>
+            <a:r>
+              <a:rPr lang="en-US" sz="2400" b="1" dirty="0">
+                <a:latin typeface="Arial" panose="020B0604020202020204" pitchFamily="34" charset="0"/>
+                <a:ea typeface="Arial" panose="020B0604020202020204" pitchFamily="34" charset="0"/>
+              </a:rPr>
+              <a:t>: </a:t>
+            </a:r>
+            <a:r>
+              <a:rPr lang="en-US" sz="2400" b="1" dirty="0" smtClean="0">
+                <a:latin typeface="Arial" panose="020B0604020202020204" pitchFamily="34" charset="0"/>
+                <a:ea typeface="Arial" panose="020B0604020202020204" pitchFamily="34" charset="0"/>
+              </a:rPr>
+              <a:t>Financial Profile page</a:t>
+            </a:r>
+            <a:endParaRPr lang="en-AU" sz="2400" dirty="0">
+              <a:effectLst/>
+              <a:latin typeface="Arial" panose="020B0604020202020204" pitchFamily="34" charset="0"/>
+              <a:ea typeface="Arial" panose="020B0604020202020204" pitchFamily="34" charset="0"/>
+            </a:endParaRPr>
+          </a:p>
+        </p:txBody>
+      </p:sp>
+      <p:sp>
+        <p:nvSpPr>
+          <p:cNvPr id="3" name="Rectangle 2"/>
+          <p:cNvSpPr/>
+          <p:nvPr/>
+        </p:nvSpPr>
+        <p:spPr>
+          <a:xfrm>
+            <a:off x="431032" y="849721"/>
+            <a:ext cx="8245424" cy="307777"/>
+          </a:xfrm>
+          <a:prstGeom prst="rect">
+            <a:avLst/>
+          </a:prstGeom>
+        </p:spPr>
+        <p:txBody>
+          <a:bodyPr wrap="square">
+            <a:spAutoFit/>
+          </a:bodyPr>
+          <a:lstStyle/>
+          <a:p>
+            <a:pPr algn="ctr"/>
+            <a:r>
+              <a:rPr lang="en-US" sz="1400" dirty="0">
+                <a:latin typeface="Arial" panose="020B0604020202020204" pitchFamily="34" charset="0"/>
+                <a:ea typeface="Arial" panose="020B0604020202020204" pitchFamily="34" charset="0"/>
+              </a:rPr>
+              <a:t>Link: </a:t>
+            </a:r>
+            <a:r>
+              <a:rPr lang="en-US" sz="1400" u="sng" dirty="0">
+                <a:solidFill>
+                  <a:srgbClr val="0000FF"/>
+                </a:solidFill>
+                <a:latin typeface="Arial" panose="020B0604020202020204" pitchFamily="34" charset="0"/>
+                <a:ea typeface="Arial" panose="020B0604020202020204" pitchFamily="34" charset="0"/>
+                <a:hlinkClick r:id="rId2"/>
+              </a:rPr>
+              <a:t>https</a:t>
+            </a:r>
+            <a:r>
+              <a:rPr lang="en-US" sz="1400" u="sng" dirty="0" smtClean="0">
+                <a:solidFill>
+                  <a:srgbClr val="0000FF"/>
+                </a:solidFill>
+                <a:latin typeface="Arial" panose="020B0604020202020204" pitchFamily="34" charset="0"/>
+                <a:ea typeface="Arial" panose="020B0604020202020204" pitchFamily="34" charset="0"/>
+                <a:hlinkClick r:id="rId2"/>
+              </a:rPr>
+              <a:t>://</a:t>
+            </a:r>
+            <a:r>
+              <a:rPr lang="en-US" sz="1400" u="sng" dirty="0" smtClean="0">
+                <a:solidFill>
+                  <a:srgbClr val="0000FF"/>
+                </a:solidFill>
+                <a:latin typeface="Arial" panose="020B0604020202020204" pitchFamily="34" charset="0"/>
+                <a:ea typeface="Arial" panose="020B0604020202020204" pitchFamily="34" charset="0"/>
+              </a:rPr>
+              <a:t>anodiam.com/teacher/myprofile/financial/{userid}</a:t>
+            </a:r>
+          </a:p>
+        </p:txBody>
+      </p:sp>
+      <p:pic>
+        <p:nvPicPr>
+          <p:cNvPr id="7" name="Picture 6"/>
+          <p:cNvPicPr>
+            <a:picLocks noChangeAspect="1"/>
+          </p:cNvPicPr>
+          <p:nvPr/>
+        </p:nvPicPr>
+        <p:blipFill>
+          <a:blip r:embed="rId3"/>
+          <a:stretch>
+            <a:fillRect/>
+          </a:stretch>
+        </p:blipFill>
+        <p:spPr>
+          <a:xfrm>
+            <a:off x="838200" y="1768946"/>
+            <a:ext cx="7467600" cy="4324350"/>
+          </a:xfrm>
+          <a:prstGeom prst="rect">
+            <a:avLst/>
+          </a:prstGeom>
+        </p:spPr>
+      </p:pic>
+    </p:spTree>
+    <p:extLst>
+      <p:ext uri="{BB962C8B-B14F-4D97-AF65-F5344CB8AC3E}">
+        <p14:creationId xmlns:p14="http://schemas.microsoft.com/office/powerpoint/2010/main" val="3461176707"/>
+      </p:ext>
+    </p:extLst>
+  </p:cSld>
+  <p:clrMapOvr>
+    <a:masterClrMapping/>
+  </p:clrMapOvr>
+  <p:timing>
+    <p:tnLst>
+      <p:par>
+        <p:cTn id="1" dur="indefinite" restart="never" nodeType="tmRoot"/>
+      </p:par>
+    </p:tnLst>
+  </p:timing>
+</p:sld>
+</file>
+
+<file path=ppt/slides/slide13.xml><?xml version="1.0" encoding="utf-8"?>
+<p:sld xmlns:a="http://schemas.openxmlformats.org/drawingml/2006/main" xmlns:r="http://schemas.openxmlformats.org/officeDocument/2006/relationships" xmlns:p="http://schemas.openxmlformats.org/presentationml/2006/main">
+  <p:cSld>
+    <p:spTree>
+      <p:nvGrpSpPr>
+        <p:cNvPr id="1" name=""/>
+        <p:cNvGrpSpPr/>
+        <p:nvPr/>
+      </p:nvGrpSpPr>
+      <p:grpSpPr>
+        <a:xfrm>
+          <a:off x="0" y="0"/>
+          <a:ext cx="0" cy="0"/>
+          <a:chOff x="0" y="0"/>
+          <a:chExt cx="0" cy="0"/>
+        </a:xfrm>
+      </p:grpSpPr>
+      <p:sp>
+        <p:nvSpPr>
+          <p:cNvPr id="2" name="Rectangle 1"/>
+          <p:cNvSpPr/>
+          <p:nvPr/>
+        </p:nvSpPr>
+        <p:spPr>
+          <a:xfrm>
             <a:off x="1813300" y="332656"/>
             <a:ext cx="5280035" cy="517065"/>
           </a:xfrm>
@@ -6449,7 +6634,7 @@
         </p:blipFill>
         <p:spPr>
           <a:xfrm>
-            <a:off x="838200" y="1340768"/>
+            <a:off x="838200" y="1546820"/>
             <a:ext cx="7467600" cy="4762500"/>
           </a:xfrm>
           <a:prstGeom prst="rect">
@@ -6461,6 +6646,206 @@
     <p:extLst>
       <p:ext uri="{BB962C8B-B14F-4D97-AF65-F5344CB8AC3E}">
         <p14:creationId xmlns:p14="http://schemas.microsoft.com/office/powerpoint/2010/main" val="3005973504"/>
+      </p:ext>
+    </p:extLst>
+  </p:cSld>
+  <p:clrMapOvr>
+    <a:masterClrMapping/>
+  </p:clrMapOvr>
+  <p:timing>
+    <p:tnLst>
+      <p:par>
+        <p:cTn id="1" dur="indefinite" restart="never" nodeType="tmRoot"/>
+      </p:par>
+    </p:tnLst>
+  </p:timing>
+</p:sld>
+</file>
+
+<file path=ppt/slides/slide14.xml><?xml version="1.0" encoding="utf-8"?>
+<p:sld xmlns:a="http://schemas.openxmlformats.org/drawingml/2006/main" xmlns:r="http://schemas.openxmlformats.org/officeDocument/2006/relationships" xmlns:p="http://schemas.openxmlformats.org/presentationml/2006/main">
+  <p:cSld>
+    <p:spTree>
+      <p:nvGrpSpPr>
+        <p:cNvPr id="1" name=""/>
+        <p:cNvGrpSpPr/>
+        <p:nvPr/>
+      </p:nvGrpSpPr>
+      <p:grpSpPr>
+        <a:xfrm>
+          <a:off x="0" y="0"/>
+          <a:ext cx="0" cy="0"/>
+          <a:chOff x="0" y="0"/>
+          <a:chExt cx="0" cy="0"/>
+        </a:xfrm>
+      </p:grpSpPr>
+      <p:sp>
+        <p:nvSpPr>
+          <p:cNvPr id="2" name="Rectangle 1"/>
+          <p:cNvSpPr/>
+          <p:nvPr/>
+        </p:nvSpPr>
+        <p:spPr>
+          <a:xfrm>
+            <a:off x="2271856" y="332656"/>
+            <a:ext cx="4362926" cy="480901"/>
+          </a:xfrm>
+          <a:prstGeom prst="rect">
+            <a:avLst/>
+          </a:prstGeom>
+        </p:spPr>
+        <p:txBody>
+          <a:bodyPr wrap="none">
+            <a:spAutoFit/>
+          </a:bodyPr>
+          <a:lstStyle/>
+          <a:p>
+            <a:pPr algn="ctr">
+              <a:lnSpc>
+                <a:spcPct val="115000"/>
+              </a:lnSpc>
+              <a:spcAft>
+                <a:spcPts val="0"/>
+              </a:spcAft>
+            </a:pPr>
+            <a:r>
+              <a:rPr lang="en-US" sz="2400" b="1" dirty="0" smtClean="0">
+                <a:latin typeface="Arial" panose="020B0604020202020204" pitchFamily="34" charset="0"/>
+                <a:ea typeface="Arial" panose="020B0604020202020204" pitchFamily="34" charset="0"/>
+              </a:rPr>
+              <a:t>Teacher App</a:t>
+            </a:r>
+            <a:r>
+              <a:rPr lang="en-US" sz="2400" b="1" dirty="0">
+                <a:latin typeface="Arial" panose="020B0604020202020204" pitchFamily="34" charset="0"/>
+                <a:ea typeface="Arial" panose="020B0604020202020204" pitchFamily="34" charset="0"/>
+              </a:rPr>
+              <a:t>: </a:t>
+            </a:r>
+            <a:r>
+              <a:rPr lang="en-US" sz="2400" b="1" dirty="0" smtClean="0">
+                <a:latin typeface="Arial" panose="020B0604020202020204" pitchFamily="34" charset="0"/>
+                <a:ea typeface="Arial" panose="020B0604020202020204" pitchFamily="34" charset="0"/>
+              </a:rPr>
+              <a:t>Analytics </a:t>
+            </a:r>
+            <a:r>
+              <a:rPr lang="en-US" sz="2400" b="1" dirty="0" smtClean="0">
+                <a:latin typeface="Arial" panose="020B0604020202020204" pitchFamily="34" charset="0"/>
+                <a:ea typeface="Arial" panose="020B0604020202020204" pitchFamily="34" charset="0"/>
+              </a:rPr>
+              <a:t>page</a:t>
+            </a:r>
+            <a:endParaRPr lang="en-AU" sz="2400" dirty="0">
+              <a:effectLst/>
+              <a:latin typeface="Arial" panose="020B0604020202020204" pitchFamily="34" charset="0"/>
+              <a:ea typeface="Arial" panose="020B0604020202020204" pitchFamily="34" charset="0"/>
+            </a:endParaRPr>
+          </a:p>
+        </p:txBody>
+      </p:sp>
+      <p:sp>
+        <p:nvSpPr>
+          <p:cNvPr id="3" name="Rectangle 2"/>
+          <p:cNvSpPr/>
+          <p:nvPr/>
+        </p:nvSpPr>
+        <p:spPr>
+          <a:xfrm>
+            <a:off x="431032" y="849721"/>
+            <a:ext cx="8245424" cy="307777"/>
+          </a:xfrm>
+          <a:prstGeom prst="rect">
+            <a:avLst/>
+          </a:prstGeom>
+        </p:spPr>
+        <p:txBody>
+          <a:bodyPr wrap="square">
+            <a:spAutoFit/>
+          </a:bodyPr>
+          <a:lstStyle/>
+          <a:p>
+            <a:pPr algn="ctr"/>
+            <a:r>
+              <a:rPr lang="en-US" sz="1400" dirty="0">
+                <a:latin typeface="Arial" panose="020B0604020202020204" pitchFamily="34" charset="0"/>
+                <a:ea typeface="Arial" panose="020B0604020202020204" pitchFamily="34" charset="0"/>
+              </a:rPr>
+              <a:t>Link: </a:t>
+            </a:r>
+            <a:r>
+              <a:rPr lang="en-US" sz="1400" u="sng" dirty="0">
+                <a:solidFill>
+                  <a:srgbClr val="0000FF"/>
+                </a:solidFill>
+                <a:latin typeface="Arial" panose="020B0604020202020204" pitchFamily="34" charset="0"/>
+                <a:ea typeface="Arial" panose="020B0604020202020204" pitchFamily="34" charset="0"/>
+                <a:hlinkClick r:id="rId2"/>
+              </a:rPr>
+              <a:t>https</a:t>
+            </a:r>
+            <a:r>
+              <a:rPr lang="en-US" sz="1400" u="sng" dirty="0" smtClean="0">
+                <a:solidFill>
+                  <a:srgbClr val="0000FF"/>
+                </a:solidFill>
+                <a:latin typeface="Arial" panose="020B0604020202020204" pitchFamily="34" charset="0"/>
+                <a:ea typeface="Arial" panose="020B0604020202020204" pitchFamily="34" charset="0"/>
+                <a:hlinkClick r:id="rId2"/>
+              </a:rPr>
+              <a:t>://</a:t>
+            </a:r>
+            <a:r>
+              <a:rPr lang="en-US" sz="1400" u="sng" dirty="0" smtClean="0">
+                <a:solidFill>
+                  <a:srgbClr val="0000FF"/>
+                </a:solidFill>
+                <a:latin typeface="Arial" panose="020B0604020202020204" pitchFamily="34" charset="0"/>
+                <a:ea typeface="Arial" panose="020B0604020202020204" pitchFamily="34" charset="0"/>
+              </a:rPr>
+              <a:t>anodiam.com/teacher/myprofile/analytics/{</a:t>
+            </a:r>
+            <a:r>
+              <a:rPr lang="en-US" sz="1400" u="sng" dirty="0" smtClean="0">
+                <a:solidFill>
+                  <a:srgbClr val="0000FF"/>
+                </a:solidFill>
+                <a:latin typeface="Arial" panose="020B0604020202020204" pitchFamily="34" charset="0"/>
+                <a:ea typeface="Arial" panose="020B0604020202020204" pitchFamily="34" charset="0"/>
+              </a:rPr>
+              <a:t>userid}</a:t>
+            </a:r>
+          </a:p>
+        </p:txBody>
+      </p:sp>
+      <p:pic>
+        <p:nvPicPr>
+          <p:cNvPr id="4" name="Picture 3"/>
+          <p:cNvPicPr>
+            <a:picLocks noChangeAspect="1"/>
+          </p:cNvPicPr>
+          <p:nvPr/>
+        </p:nvPicPr>
+        <p:blipFill>
+          <a:blip r:embed="rId3"/>
+          <a:stretch>
+            <a:fillRect/>
+          </a:stretch>
+        </p:blipFill>
+        <p:spPr>
+          <a:xfrm>
+            <a:off x="838200" y="1484784"/>
+            <a:ext cx="7467600" cy="4762500"/>
+          </a:xfrm>
+          <a:prstGeom prst="rect">
+            <a:avLst/>
+          </a:prstGeom>
+        </p:spPr>
+      </p:pic>
+    </p:spTree>
+    <p:extLst>
+      <p:ext uri="{BB962C8B-B14F-4D97-AF65-F5344CB8AC3E}">
+        <p14:creationId xmlns:p14="http://schemas.microsoft.com/office/powerpoint/2010/main" val="2724908613"/>
       </p:ext>
     </p:extLst>
   </p:cSld>
@@ -7873,8 +8258,8 @@
         </p:nvSpPr>
         <p:spPr>
           <a:xfrm>
-            <a:off x="1779633" y="332656"/>
-            <a:ext cx="5347361" cy="480901"/>
+            <a:off x="1897452" y="332656"/>
+            <a:ext cx="5111720" cy="517065"/>
           </a:xfrm>
           <a:prstGeom prst="rect">
             <a:avLst/>
@@ -7913,7 +8298,14 @@
                 <a:latin typeface="Arial" panose="020B0604020202020204" pitchFamily="34" charset="0"/>
                 <a:ea typeface="Arial" panose="020B0604020202020204" pitchFamily="34" charset="0"/>
               </a:rPr>
-              <a:t>Personal Profile page</a:t>
+              <a:t>Create Course </a:t>
+            </a:r>
+            <a:r>
+              <a:rPr lang="en-US" sz="2400" b="1" dirty="0" smtClean="0">
+                <a:latin typeface="Arial" panose="020B0604020202020204" pitchFamily="34" charset="0"/>
+                <a:ea typeface="Arial" panose="020B0604020202020204" pitchFamily="34" charset="0"/>
+              </a:rPr>
+              <a:t>page</a:t>
             </a:r>
             <a:endParaRPr lang="en-AU" sz="2400" dirty="0">
               <a:effectLst/>
@@ -7982,14 +8374,51 @@
                 <a:latin typeface="Arial" panose="020B0604020202020204" pitchFamily="34" charset="0"/>
                 <a:ea typeface="Arial" panose="020B0604020202020204" pitchFamily="34" charset="0"/>
               </a:rPr>
-              <a:t>anodiam.com/teacher/myprofile/personal/{userid}</a:t>
-            </a:r>
+              <a:t>anodiam.com/teacher</a:t>
+            </a:r>
+            <a:r>
+              <a:rPr lang="en-US" sz="1400" u="sng" dirty="0" smtClean="0">
+                <a:solidFill>
+                  <a:srgbClr val="0000FF"/>
+                </a:solidFill>
+                <a:latin typeface="Arial" panose="020B0604020202020204" pitchFamily="34" charset="0"/>
+                <a:ea typeface="Arial" panose="020B0604020202020204" pitchFamily="34" charset="0"/>
+              </a:rPr>
+              <a:t>/{</a:t>
+            </a:r>
+            <a:r>
+              <a:rPr lang="en-US" sz="1400" u="sng" dirty="0" smtClean="0">
+                <a:solidFill>
+                  <a:srgbClr val="0000FF"/>
+                </a:solidFill>
+                <a:latin typeface="Arial" panose="020B0604020202020204" pitchFamily="34" charset="0"/>
+                <a:ea typeface="Arial" panose="020B0604020202020204" pitchFamily="34" charset="0"/>
+              </a:rPr>
+              <a:t>userid</a:t>
+            </a:r>
+            <a:r>
+              <a:rPr lang="en-US" sz="1400" u="sng" dirty="0" smtClean="0">
+                <a:solidFill>
+                  <a:srgbClr val="0000FF"/>
+                </a:solidFill>
+                <a:latin typeface="Arial" panose="020B0604020202020204" pitchFamily="34" charset="0"/>
+                <a:ea typeface="Arial" panose="020B0604020202020204" pitchFamily="34" charset="0"/>
+              </a:rPr>
+              <a:t>}/createcourse</a:t>
+            </a:r>
+            <a:endParaRPr lang="en-US" sz="1400" u="sng" dirty="0" smtClean="0">
+              <a:solidFill>
+                <a:srgbClr val="0000FF"/>
+              </a:solidFill>
+              <a:latin typeface="Arial" panose="020B0604020202020204" pitchFamily="34" charset="0"/>
+              <a:ea typeface="Arial" panose="020B0604020202020204" pitchFamily="34" charset="0"/>
+            </a:endParaRPr>
           </a:p>
         </p:txBody>
       </p:sp>
       <p:pic>
         <p:nvPicPr>
-          <p:cNvPr id="6" name="Picture 5"/>
+          <p:cNvPr id="4" name="Picture 3"/>
           <p:cNvPicPr>
             <a:picLocks noChangeAspect="1"/>
           </p:cNvPicPr>
@@ -8003,8 +8432,8 @@
         </p:blipFill>
         <p:spPr>
           <a:xfrm>
-            <a:off x="838200" y="1268760"/>
-            <a:ext cx="7467600" cy="5257800"/>
+            <a:off x="2133999" y="1484784"/>
+            <a:ext cx="4839489" cy="6858000"/>
           </a:xfrm>
           <a:prstGeom prst="rect">
             <a:avLst/>
@@ -8014,7 +8443,7 @@
     </p:spTree>
     <p:extLst>
       <p:ext uri="{BB962C8B-B14F-4D97-AF65-F5344CB8AC3E}">
-        <p14:creationId xmlns:p14="http://schemas.microsoft.com/office/powerpoint/2010/main" val="729961998"/>
+        <p14:creationId xmlns:p14="http://schemas.microsoft.com/office/powerpoint/2010/main" val="3930710153"/>
       </p:ext>
     </p:extLst>
   </p:cSld>

--- a/ProjectExecution/BA/SpecsWireframes/003TeacherAppWireframes.pptx
+++ b/ProjectExecution/BA/SpecsWireframes/003TeacherAppWireframes.pptx
@@ -6527,14 +6527,7 @@
                 <a:latin typeface="Arial" panose="020B0604020202020204" pitchFamily="34" charset="0"/>
                 <a:ea typeface="Arial" panose="020B0604020202020204" pitchFamily="34" charset="0"/>
               </a:rPr>
-              <a:t>Payout Reports </a:t>
-            </a:r>
-            <a:r>
-              <a:rPr lang="en-US" sz="2400" b="1" dirty="0" smtClean="0">
-                <a:latin typeface="Arial" panose="020B0604020202020204" pitchFamily="34" charset="0"/>
-                <a:ea typeface="Arial" panose="020B0604020202020204" pitchFamily="34" charset="0"/>
-              </a:rPr>
-              <a:t>page</a:t>
+              <a:t>Payout Reports page</a:t>
             </a:r>
             <a:endParaRPr lang="en-AU" sz="2400" dirty="0">
               <a:effectLst/>
@@ -6603,17 +6596,7 @@
                 <a:latin typeface="Arial" panose="020B0604020202020204" pitchFamily="34" charset="0"/>
                 <a:ea typeface="Arial" panose="020B0604020202020204" pitchFamily="34" charset="0"/>
               </a:rPr>
-              <a:t>anodiam.com/teacher/myprofile/payouts/{</a:t>
-            </a:r>
-            <a:r>
-              <a:rPr lang="en-US" sz="1400" u="sng" dirty="0" smtClean="0">
-                <a:solidFill>
-                  <a:srgbClr val="0000FF"/>
-                </a:solidFill>
-                <a:latin typeface="Arial" panose="020B0604020202020204" pitchFamily="34" charset="0"/>
-                <a:ea typeface="Arial" panose="020B0604020202020204" pitchFamily="34" charset="0"/>
-              </a:rPr>
-              <a:t>userid}</a:t>
+              <a:t>anodiam.com/teacher/myprofile/payouts/{userid}</a:t>
             </a:r>
           </a:p>
         </p:txBody>
@@ -6727,14 +6710,7 @@
                 <a:latin typeface="Arial" panose="020B0604020202020204" pitchFamily="34" charset="0"/>
                 <a:ea typeface="Arial" panose="020B0604020202020204" pitchFamily="34" charset="0"/>
               </a:rPr>
-              <a:t>Analytics </a:t>
-            </a:r>
-            <a:r>
-              <a:rPr lang="en-US" sz="2400" b="1" dirty="0" smtClean="0">
-                <a:latin typeface="Arial" panose="020B0604020202020204" pitchFamily="34" charset="0"/>
-                <a:ea typeface="Arial" panose="020B0604020202020204" pitchFamily="34" charset="0"/>
-              </a:rPr>
-              <a:t>page</a:t>
+              <a:t>Analytics page</a:t>
             </a:r>
             <a:endParaRPr lang="en-AU" sz="2400" dirty="0">
               <a:effectLst/>
@@ -6803,17 +6779,7 @@
                 <a:latin typeface="Arial" panose="020B0604020202020204" pitchFamily="34" charset="0"/>
                 <a:ea typeface="Arial" panose="020B0604020202020204" pitchFamily="34" charset="0"/>
               </a:rPr>
-              <a:t>anodiam.com/teacher/myprofile/analytics/{</a:t>
-            </a:r>
-            <a:r>
-              <a:rPr lang="en-US" sz="1400" u="sng" dirty="0" smtClean="0">
-                <a:solidFill>
-                  <a:srgbClr val="0000FF"/>
-                </a:solidFill>
-                <a:latin typeface="Arial" panose="020B0604020202020204" pitchFamily="34" charset="0"/>
-                <a:ea typeface="Arial" panose="020B0604020202020204" pitchFamily="34" charset="0"/>
-              </a:rPr>
-              <a:t>userid}</a:t>
+              <a:t>anodiam.com/teacher/myprofile/analytics/{userid}</a:t>
             </a:r>
           </a:p>
         </p:txBody>
@@ -8298,14 +8264,7 @@
                 <a:latin typeface="Arial" panose="020B0604020202020204" pitchFamily="34" charset="0"/>
                 <a:ea typeface="Arial" panose="020B0604020202020204" pitchFamily="34" charset="0"/>
               </a:rPr>
-              <a:t>Create Course </a:t>
-            </a:r>
-            <a:r>
-              <a:rPr lang="en-US" sz="2400" b="1" dirty="0" smtClean="0">
-                <a:latin typeface="Arial" panose="020B0604020202020204" pitchFamily="34" charset="0"/>
-                <a:ea typeface="Arial" panose="020B0604020202020204" pitchFamily="34" charset="0"/>
-              </a:rPr>
-              <a:t>page</a:t>
+              <a:t>Create Course page</a:t>
             </a:r>
             <a:endParaRPr lang="en-AU" sz="2400" dirty="0">
               <a:effectLst/>
@@ -8374,72 +8333,11 @@
                 <a:latin typeface="Arial" panose="020B0604020202020204" pitchFamily="34" charset="0"/>
                 <a:ea typeface="Arial" panose="020B0604020202020204" pitchFamily="34" charset="0"/>
               </a:rPr>
-              <a:t>anodiam.com/teacher</a:t>
-            </a:r>
-            <a:r>
-              <a:rPr lang="en-US" sz="1400" u="sng" dirty="0" smtClean="0">
-                <a:solidFill>
-                  <a:srgbClr val="0000FF"/>
-                </a:solidFill>
-                <a:latin typeface="Arial" panose="020B0604020202020204" pitchFamily="34" charset="0"/>
-                <a:ea typeface="Arial" panose="020B0604020202020204" pitchFamily="34" charset="0"/>
-              </a:rPr>
-              <a:t>/{</a:t>
-            </a:r>
-            <a:r>
-              <a:rPr lang="en-US" sz="1400" u="sng" dirty="0" smtClean="0">
-                <a:solidFill>
-                  <a:srgbClr val="0000FF"/>
-                </a:solidFill>
-                <a:latin typeface="Arial" panose="020B0604020202020204" pitchFamily="34" charset="0"/>
-                <a:ea typeface="Arial" panose="020B0604020202020204" pitchFamily="34" charset="0"/>
-              </a:rPr>
-              <a:t>userid</a:t>
-            </a:r>
-            <a:r>
-              <a:rPr lang="en-US" sz="1400" u="sng" dirty="0" smtClean="0">
-                <a:solidFill>
-                  <a:srgbClr val="0000FF"/>
-                </a:solidFill>
-                <a:latin typeface="Arial" panose="020B0604020202020204" pitchFamily="34" charset="0"/>
-                <a:ea typeface="Arial" panose="020B0604020202020204" pitchFamily="34" charset="0"/>
-              </a:rPr>
-              <a:t>}/createcourse</a:t>
-            </a:r>
-            <a:endParaRPr lang="en-US" sz="1400" u="sng" dirty="0" smtClean="0">
-              <a:solidFill>
-                <a:srgbClr val="0000FF"/>
-              </a:solidFill>
-              <a:latin typeface="Arial" panose="020B0604020202020204" pitchFamily="34" charset="0"/>
-              <a:ea typeface="Arial" panose="020B0604020202020204" pitchFamily="34" charset="0"/>
-            </a:endParaRPr>
-          </a:p>
-        </p:txBody>
-      </p:sp>
-      <p:pic>
-        <p:nvPicPr>
-          <p:cNvPr id="4" name="Picture 3"/>
-          <p:cNvPicPr>
-            <a:picLocks noChangeAspect="1"/>
-          </p:cNvPicPr>
-          <p:nvPr/>
-        </p:nvPicPr>
-        <p:blipFill>
-          <a:blip r:embed="rId3"/>
-          <a:stretch>
-            <a:fillRect/>
-          </a:stretch>
-        </p:blipFill>
-        <p:spPr>
-          <a:xfrm>
-            <a:off x="2133999" y="1484784"/>
-            <a:ext cx="4839489" cy="6858000"/>
-          </a:xfrm>
-          <a:prstGeom prst="rect">
-            <a:avLst/>
-          </a:prstGeom>
-        </p:spPr>
-      </p:pic>
+              <a:t>anodiam.com/teacher/{userid}/createcourse</a:t>
+            </a:r>
+          </a:p>
+        </p:txBody>
+      </p:sp>
     </p:spTree>
     <p:extLst>
       <p:ext uri="{BB962C8B-B14F-4D97-AF65-F5344CB8AC3E}">

--- a/ProjectExecution/BA/SpecsWireframes/003TeacherAppWireframes.pptx
+++ b/ProjectExecution/BA/SpecsWireframes/003TeacherAppWireframes.pptx
@@ -5,7 +5,7 @@
     <p:sldMasterId id="2147483648" r:id="rId1"/>
   </p:sldMasterIdLst>
   <p:notesMasterIdLst>
-    <p:notesMasterId r:id="rId16"/>
+    <p:notesMasterId r:id="rId22"/>
   </p:notesMasterIdLst>
   <p:sldIdLst>
     <p:sldId id="259" r:id="rId2"/>
@@ -16,12 +16,18 @@
     <p:sldId id="270" r:id="rId7"/>
     <p:sldId id="269" r:id="rId8"/>
     <p:sldId id="271" r:id="rId9"/>
-    <p:sldId id="276" r:id="rId10"/>
-    <p:sldId id="265" r:id="rId11"/>
-    <p:sldId id="273" r:id="rId12"/>
-    <p:sldId id="272" r:id="rId13"/>
-    <p:sldId id="274" r:id="rId14"/>
-    <p:sldId id="275" r:id="rId15"/>
+    <p:sldId id="265" r:id="rId10"/>
+    <p:sldId id="273" r:id="rId11"/>
+    <p:sldId id="272" r:id="rId12"/>
+    <p:sldId id="274" r:id="rId13"/>
+    <p:sldId id="275" r:id="rId14"/>
+    <p:sldId id="276" r:id="rId15"/>
+    <p:sldId id="277" r:id="rId16"/>
+    <p:sldId id="279" r:id="rId17"/>
+    <p:sldId id="278" r:id="rId18"/>
+    <p:sldId id="280" r:id="rId19"/>
+    <p:sldId id="281" r:id="rId20"/>
+    <p:sldId id="282" r:id="rId21"/>
   </p:sldIdLst>
   <p:sldSz cx="9144000" cy="6858000" type="screen4x3"/>
   <p:notesSz cx="6858000" cy="9144000"/>
@@ -221,7 +227,7 @@
           <a:p>
             <a:fld id="{26483215-80E3-4A52-98A5-4C379A79CA39}" type="datetimeFigureOut">
               <a:rPr lang="en-AU" smtClean="0"/>
-              <a:t>17/11/2020</a:t>
+              <a:t>18/11/2020</a:t>
             </a:fld>
             <a:endParaRPr lang="en-AU"/>
           </a:p>
@@ -670,7 +676,7 @@
           <a:p>
             <a:fld id="{BB2A88D7-68F7-4681-80B5-BDD492DE1B81}" type="datetimeFigureOut">
               <a:rPr lang="en-AU" smtClean="0"/>
-              <a:t>17/11/2020</a:t>
+              <a:t>18/11/2020</a:t>
             </a:fld>
             <a:endParaRPr lang="en-AU"/>
           </a:p>
@@ -840,7 +846,7 @@
           <a:p>
             <a:fld id="{BB2A88D7-68F7-4681-80B5-BDD492DE1B81}" type="datetimeFigureOut">
               <a:rPr lang="en-AU" smtClean="0"/>
-              <a:t>17/11/2020</a:t>
+              <a:t>18/11/2020</a:t>
             </a:fld>
             <a:endParaRPr lang="en-AU"/>
           </a:p>
@@ -1020,7 +1026,7 @@
           <a:p>
             <a:fld id="{BB2A88D7-68F7-4681-80B5-BDD492DE1B81}" type="datetimeFigureOut">
               <a:rPr lang="en-AU" smtClean="0"/>
-              <a:t>17/11/2020</a:t>
+              <a:t>18/11/2020</a:t>
             </a:fld>
             <a:endParaRPr lang="en-AU"/>
           </a:p>
@@ -1190,7 +1196,7 @@
           <a:p>
             <a:fld id="{BB2A88D7-68F7-4681-80B5-BDD492DE1B81}" type="datetimeFigureOut">
               <a:rPr lang="en-AU" smtClean="0"/>
-              <a:t>17/11/2020</a:t>
+              <a:t>18/11/2020</a:t>
             </a:fld>
             <a:endParaRPr lang="en-AU"/>
           </a:p>
@@ -1436,7 +1442,7 @@
           <a:p>
             <a:fld id="{BB2A88D7-68F7-4681-80B5-BDD492DE1B81}" type="datetimeFigureOut">
               <a:rPr lang="en-AU" smtClean="0"/>
-              <a:t>17/11/2020</a:t>
+              <a:t>18/11/2020</a:t>
             </a:fld>
             <a:endParaRPr lang="en-AU"/>
           </a:p>
@@ -1724,7 +1730,7 @@
           <a:p>
             <a:fld id="{BB2A88D7-68F7-4681-80B5-BDD492DE1B81}" type="datetimeFigureOut">
               <a:rPr lang="en-AU" smtClean="0"/>
-              <a:t>17/11/2020</a:t>
+              <a:t>18/11/2020</a:t>
             </a:fld>
             <a:endParaRPr lang="en-AU"/>
           </a:p>
@@ -2146,7 +2152,7 @@
           <a:p>
             <a:fld id="{BB2A88D7-68F7-4681-80B5-BDD492DE1B81}" type="datetimeFigureOut">
               <a:rPr lang="en-AU" smtClean="0"/>
-              <a:t>17/11/2020</a:t>
+              <a:t>18/11/2020</a:t>
             </a:fld>
             <a:endParaRPr lang="en-AU"/>
           </a:p>
@@ -2264,7 +2270,7 @@
           <a:p>
             <a:fld id="{BB2A88D7-68F7-4681-80B5-BDD492DE1B81}" type="datetimeFigureOut">
               <a:rPr lang="en-AU" smtClean="0"/>
-              <a:t>17/11/2020</a:t>
+              <a:t>18/11/2020</a:t>
             </a:fld>
             <a:endParaRPr lang="en-AU"/>
           </a:p>
@@ -2359,7 +2365,7 @@
           <a:p>
             <a:fld id="{BB2A88D7-68F7-4681-80B5-BDD492DE1B81}" type="datetimeFigureOut">
               <a:rPr lang="en-AU" smtClean="0"/>
-              <a:t>17/11/2020</a:t>
+              <a:t>18/11/2020</a:t>
             </a:fld>
             <a:endParaRPr lang="en-AU"/>
           </a:p>
@@ -2636,7 +2642,7 @@
           <a:p>
             <a:fld id="{BB2A88D7-68F7-4681-80B5-BDD492DE1B81}" type="datetimeFigureOut">
               <a:rPr lang="en-AU" smtClean="0"/>
-              <a:t>17/11/2020</a:t>
+              <a:t>18/11/2020</a:t>
             </a:fld>
             <a:endParaRPr lang="en-AU"/>
           </a:p>
@@ -2889,7 +2895,7 @@
           <a:p>
             <a:fld id="{BB2A88D7-68F7-4681-80B5-BDD492DE1B81}" type="datetimeFigureOut">
               <a:rPr lang="en-AU" smtClean="0"/>
-              <a:t>17/11/2020</a:t>
+              <a:t>18/11/2020</a:t>
             </a:fld>
             <a:endParaRPr lang="en-AU"/>
           </a:p>
@@ -3102,7 +3108,7 @@
           <a:p>
             <a:fld id="{BB2A88D7-68F7-4681-80B5-BDD492DE1B81}" type="datetimeFigureOut">
               <a:rPr lang="en-AU" smtClean="0"/>
-              <a:t>17/11/2020</a:t>
+              <a:t>18/11/2020</a:t>
             </a:fld>
             <a:endParaRPr lang="en-AU"/>
           </a:p>
@@ -5938,8 +5944,8 @@
         </p:nvSpPr>
         <p:spPr>
           <a:xfrm>
-            <a:off x="1779633" y="332656"/>
-            <a:ext cx="5347361" cy="480901"/>
+            <a:off x="1506323" y="332656"/>
+            <a:ext cx="5893986" cy="480901"/>
           </a:xfrm>
           <a:prstGeom prst="rect">
             <a:avLst/>
@@ -5978,7 +5984,7 @@
                 <a:latin typeface="Arial" panose="020B0604020202020204" pitchFamily="34" charset="0"/>
                 <a:ea typeface="Arial" panose="020B0604020202020204" pitchFamily="34" charset="0"/>
               </a:rPr>
-              <a:t>Personal Profile page</a:t>
+              <a:t>Professional Profile page</a:t>
             </a:r>
             <a:endParaRPr lang="en-AU" sz="2400" dirty="0">
               <a:effectLst/>
@@ -6047,197 +6053,14 @@
                 <a:latin typeface="Arial" panose="020B0604020202020204" pitchFamily="34" charset="0"/>
                 <a:ea typeface="Arial" panose="020B0604020202020204" pitchFamily="34" charset="0"/>
               </a:rPr>
-              <a:t>anodiam.com/teacher/myprofile/personal/{userid}</a:t>
+              <a:t>anodiam.com/teacher/myprofile/professional/{userid}</a:t>
             </a:r>
           </a:p>
         </p:txBody>
       </p:sp>
       <p:pic>
         <p:nvPicPr>
-          <p:cNvPr id="6" name="Picture 5"/>
-          <p:cNvPicPr>
-            <a:picLocks noChangeAspect="1"/>
-          </p:cNvPicPr>
-          <p:nvPr/>
-        </p:nvPicPr>
-        <p:blipFill>
-          <a:blip r:embed="rId3"/>
-          <a:stretch>
-            <a:fillRect/>
-          </a:stretch>
-        </p:blipFill>
-        <p:spPr>
-          <a:xfrm>
-            <a:off x="838200" y="1268760"/>
-            <a:ext cx="7467600" cy="5257800"/>
-          </a:xfrm>
-          <a:prstGeom prst="rect">
-            <a:avLst/>
-          </a:prstGeom>
-        </p:spPr>
-      </p:pic>
-    </p:spTree>
-    <p:extLst>
-      <p:ext uri="{BB962C8B-B14F-4D97-AF65-F5344CB8AC3E}">
-        <p14:creationId xmlns:p14="http://schemas.microsoft.com/office/powerpoint/2010/main" val="729961998"/>
-      </p:ext>
-    </p:extLst>
-  </p:cSld>
-  <p:clrMapOvr>
-    <a:masterClrMapping/>
-  </p:clrMapOvr>
-  <p:timing>
-    <p:tnLst>
-      <p:par>
-        <p:cTn id="1" dur="indefinite" restart="never" nodeType="tmRoot"/>
-      </p:par>
-    </p:tnLst>
-  </p:timing>
-</p:sld>
-</file>
-
-<file path=ppt/slides/slide11.xml><?xml version="1.0" encoding="utf-8"?>
-<p:sld xmlns:a="http://schemas.openxmlformats.org/drawingml/2006/main" xmlns:r="http://schemas.openxmlformats.org/officeDocument/2006/relationships" xmlns:p="http://schemas.openxmlformats.org/presentationml/2006/main">
-  <p:cSld>
-    <p:spTree>
-      <p:nvGrpSpPr>
-        <p:cNvPr id="1" name=""/>
-        <p:cNvGrpSpPr/>
-        <p:nvPr/>
-      </p:nvGrpSpPr>
-      <p:grpSpPr>
-        <a:xfrm>
-          <a:off x="0" y="0"/>
-          <a:ext cx="0" cy="0"/>
-          <a:chOff x="0" y="0"/>
-          <a:chExt cx="0" cy="0"/>
-        </a:xfrm>
-      </p:grpSpPr>
-      <p:sp>
-        <p:nvSpPr>
-          <p:cNvPr id="2" name="Rectangle 1"/>
-          <p:cNvSpPr/>
-          <p:nvPr/>
-        </p:nvSpPr>
-        <p:spPr>
-          <a:xfrm>
-            <a:off x="1506323" y="332656"/>
-            <a:ext cx="5893986" cy="480901"/>
-          </a:xfrm>
-          <a:prstGeom prst="rect">
-            <a:avLst/>
-          </a:prstGeom>
-        </p:spPr>
-        <p:txBody>
-          <a:bodyPr wrap="none">
-            <a:spAutoFit/>
-          </a:bodyPr>
-          <a:lstStyle/>
-          <a:p>
-            <a:pPr algn="ctr">
-              <a:lnSpc>
-                <a:spcPct val="115000"/>
-              </a:lnSpc>
-              <a:spcAft>
-                <a:spcPts val="0"/>
-              </a:spcAft>
-            </a:pPr>
-            <a:r>
-              <a:rPr lang="en-US" sz="2400" b="1" dirty="0" smtClean="0">
-                <a:latin typeface="Arial" panose="020B0604020202020204" pitchFamily="34" charset="0"/>
-                <a:ea typeface="Arial" panose="020B0604020202020204" pitchFamily="34" charset="0"/>
-              </a:rPr>
-              <a:t>Teacher App</a:t>
-            </a:r>
-            <a:r>
-              <a:rPr lang="en-US" sz="2400" b="1" dirty="0">
-                <a:latin typeface="Arial" panose="020B0604020202020204" pitchFamily="34" charset="0"/>
-                <a:ea typeface="Arial" panose="020B0604020202020204" pitchFamily="34" charset="0"/>
-              </a:rPr>
-              <a:t>: </a:t>
-            </a:r>
-            <a:r>
-              <a:rPr lang="en-US" sz="2400" b="1" dirty="0" smtClean="0">
-                <a:latin typeface="Arial" panose="020B0604020202020204" pitchFamily="34" charset="0"/>
-                <a:ea typeface="Arial" panose="020B0604020202020204" pitchFamily="34" charset="0"/>
-              </a:rPr>
-              <a:t>Professional Profile page</a:t>
-            </a:r>
-            <a:endParaRPr lang="en-AU" sz="2400" dirty="0">
-              <a:effectLst/>
-              <a:latin typeface="Arial" panose="020B0604020202020204" pitchFamily="34" charset="0"/>
-              <a:ea typeface="Arial" panose="020B0604020202020204" pitchFamily="34" charset="0"/>
-            </a:endParaRPr>
-          </a:p>
-        </p:txBody>
-      </p:sp>
-      <p:sp>
-        <p:nvSpPr>
-          <p:cNvPr id="3" name="Rectangle 2"/>
-          <p:cNvSpPr/>
-          <p:nvPr/>
-        </p:nvSpPr>
-        <p:spPr>
-          <a:xfrm>
-            <a:off x="431032" y="849721"/>
-            <a:ext cx="8245424" cy="307777"/>
-          </a:xfrm>
-          <a:prstGeom prst="rect">
-            <a:avLst/>
-          </a:prstGeom>
-        </p:spPr>
-        <p:txBody>
-          <a:bodyPr wrap="square">
-            <a:spAutoFit/>
-          </a:bodyPr>
-          <a:lstStyle/>
-          <a:p>
-            <a:pPr algn="ctr"/>
-            <a:r>
-              <a:rPr lang="en-US" sz="1400" dirty="0">
-                <a:latin typeface="Arial" panose="020B0604020202020204" pitchFamily="34" charset="0"/>
-                <a:ea typeface="Arial" panose="020B0604020202020204" pitchFamily="34" charset="0"/>
-              </a:rPr>
-              <a:t>Link: </a:t>
-            </a:r>
-            <a:r>
-              <a:rPr lang="en-US" sz="1400" u="sng" dirty="0">
-                <a:solidFill>
-                  <a:srgbClr val="0000FF"/>
-                </a:solidFill>
-                <a:latin typeface="Arial" panose="020B0604020202020204" pitchFamily="34" charset="0"/>
-                <a:ea typeface="Arial" panose="020B0604020202020204" pitchFamily="34" charset="0"/>
-                <a:hlinkClick r:id="rId2"/>
-              </a:rPr>
-              <a:t>https</a:t>
-            </a:r>
-            <a:r>
-              <a:rPr lang="en-US" sz="1400" u="sng" dirty="0" smtClean="0">
-                <a:solidFill>
-                  <a:srgbClr val="0000FF"/>
-                </a:solidFill>
-                <a:latin typeface="Arial" panose="020B0604020202020204" pitchFamily="34" charset="0"/>
-                <a:ea typeface="Arial" panose="020B0604020202020204" pitchFamily="34" charset="0"/>
-                <a:hlinkClick r:id="rId2"/>
-              </a:rPr>
-              <a:t>://</a:t>
-            </a:r>
-            <a:r>
-              <a:rPr lang="en-US" sz="1400" u="sng" dirty="0" smtClean="0">
-                <a:solidFill>
-                  <a:srgbClr val="0000FF"/>
-                </a:solidFill>
-                <a:latin typeface="Arial" panose="020B0604020202020204" pitchFamily="34" charset="0"/>
-                <a:ea typeface="Arial" panose="020B0604020202020204" pitchFamily="34" charset="0"/>
-              </a:rPr>
-              <a:t>anodiam.com/teacher/myprofile/professional/{userid}</a:t>
-            </a:r>
-          </a:p>
-        </p:txBody>
-      </p:sp>
-      <p:pic>
-        <p:nvPicPr>
-          <p:cNvPr id="6" name="Picture 5"/>
+          <p:cNvPr id="4" name="Picture 3"/>
           <p:cNvPicPr>
             <a:picLocks noChangeAspect="1"/>
           </p:cNvPicPr>
@@ -6279,7 +6102,7 @@
 </p:sld>
 </file>
 
-<file path=ppt/slides/slide12.xml><?xml version="1.0" encoding="utf-8"?>
+<file path=ppt/slides/slide11.xml><?xml version="1.0" encoding="utf-8"?>
 <p:sld xmlns:a="http://schemas.openxmlformats.org/drawingml/2006/main" xmlns:r="http://schemas.openxmlformats.org/officeDocument/2006/relationships" xmlns:p="http://schemas.openxmlformats.org/presentationml/2006/main">
   <p:cSld>
     <p:spTree>
@@ -6420,7 +6243,7 @@
       </p:sp>
       <p:pic>
         <p:nvPicPr>
-          <p:cNvPr id="7" name="Picture 6"/>
+          <p:cNvPr id="4" name="Picture 3"/>
           <p:cNvPicPr>
             <a:picLocks noChangeAspect="1"/>
           </p:cNvPicPr>
@@ -6434,7 +6257,7 @@
         </p:blipFill>
         <p:spPr>
           <a:xfrm>
-            <a:off x="838200" y="1768946"/>
+            <a:off x="838200" y="1700808"/>
             <a:ext cx="7467600" cy="4324350"/>
           </a:xfrm>
           <a:prstGeom prst="rect">
@@ -6462,7 +6285,7 @@
 </p:sld>
 </file>
 
-<file path=ppt/slides/slide13.xml><?xml version="1.0" encoding="utf-8"?>
+<file path=ppt/slides/slide12.xml><?xml version="1.0" encoding="utf-8"?>
 <p:sld xmlns:a="http://schemas.openxmlformats.org/drawingml/2006/main" xmlns:r="http://schemas.openxmlformats.org/officeDocument/2006/relationships" xmlns:p="http://schemas.openxmlformats.org/presentationml/2006/main">
   <p:cSld>
     <p:spTree>
@@ -6603,7 +6426,7 @@
       </p:sp>
       <p:pic>
         <p:nvPicPr>
-          <p:cNvPr id="6" name="Picture 5"/>
+          <p:cNvPr id="4" name="Picture 3"/>
           <p:cNvPicPr>
             <a:picLocks noChangeAspect="1"/>
           </p:cNvPicPr>
@@ -6645,6 +6468,189 @@
 </p:sld>
 </file>
 
+<file path=ppt/slides/slide13.xml><?xml version="1.0" encoding="utf-8"?>
+<p:sld xmlns:a="http://schemas.openxmlformats.org/drawingml/2006/main" xmlns:r="http://schemas.openxmlformats.org/officeDocument/2006/relationships" xmlns:p="http://schemas.openxmlformats.org/presentationml/2006/main">
+  <p:cSld>
+    <p:spTree>
+      <p:nvGrpSpPr>
+        <p:cNvPr id="1" name=""/>
+        <p:cNvGrpSpPr/>
+        <p:nvPr/>
+      </p:nvGrpSpPr>
+      <p:grpSpPr>
+        <a:xfrm>
+          <a:off x="0" y="0"/>
+          <a:ext cx="0" cy="0"/>
+          <a:chOff x="0" y="0"/>
+          <a:chExt cx="0" cy="0"/>
+        </a:xfrm>
+      </p:grpSpPr>
+      <p:sp>
+        <p:nvSpPr>
+          <p:cNvPr id="2" name="Rectangle 1"/>
+          <p:cNvSpPr/>
+          <p:nvPr/>
+        </p:nvSpPr>
+        <p:spPr>
+          <a:xfrm>
+            <a:off x="2271856" y="332656"/>
+            <a:ext cx="4362926" cy="480901"/>
+          </a:xfrm>
+          <a:prstGeom prst="rect">
+            <a:avLst/>
+          </a:prstGeom>
+        </p:spPr>
+        <p:txBody>
+          <a:bodyPr wrap="none">
+            <a:spAutoFit/>
+          </a:bodyPr>
+          <a:lstStyle/>
+          <a:p>
+            <a:pPr algn="ctr">
+              <a:lnSpc>
+                <a:spcPct val="115000"/>
+              </a:lnSpc>
+              <a:spcAft>
+                <a:spcPts val="0"/>
+              </a:spcAft>
+            </a:pPr>
+            <a:r>
+              <a:rPr lang="en-US" sz="2400" b="1" dirty="0" smtClean="0">
+                <a:latin typeface="Arial" panose="020B0604020202020204" pitchFamily="34" charset="0"/>
+                <a:ea typeface="Arial" panose="020B0604020202020204" pitchFamily="34" charset="0"/>
+              </a:rPr>
+              <a:t>Teacher App</a:t>
+            </a:r>
+            <a:r>
+              <a:rPr lang="en-US" sz="2400" b="1" dirty="0">
+                <a:latin typeface="Arial" panose="020B0604020202020204" pitchFamily="34" charset="0"/>
+                <a:ea typeface="Arial" panose="020B0604020202020204" pitchFamily="34" charset="0"/>
+              </a:rPr>
+              <a:t>: </a:t>
+            </a:r>
+            <a:r>
+              <a:rPr lang="en-US" sz="2400" b="1" dirty="0" smtClean="0">
+                <a:latin typeface="Arial" panose="020B0604020202020204" pitchFamily="34" charset="0"/>
+                <a:ea typeface="Arial" panose="020B0604020202020204" pitchFamily="34" charset="0"/>
+              </a:rPr>
+              <a:t>Analytics page</a:t>
+            </a:r>
+            <a:endParaRPr lang="en-AU" sz="2400" dirty="0">
+              <a:effectLst/>
+              <a:latin typeface="Arial" panose="020B0604020202020204" pitchFamily="34" charset="0"/>
+              <a:ea typeface="Arial" panose="020B0604020202020204" pitchFamily="34" charset="0"/>
+            </a:endParaRPr>
+          </a:p>
+        </p:txBody>
+      </p:sp>
+      <p:sp>
+        <p:nvSpPr>
+          <p:cNvPr id="3" name="Rectangle 2"/>
+          <p:cNvSpPr/>
+          <p:nvPr/>
+        </p:nvSpPr>
+        <p:spPr>
+          <a:xfrm>
+            <a:off x="431032" y="849721"/>
+            <a:ext cx="8245424" cy="307777"/>
+          </a:xfrm>
+          <a:prstGeom prst="rect">
+            <a:avLst/>
+          </a:prstGeom>
+        </p:spPr>
+        <p:txBody>
+          <a:bodyPr wrap="square">
+            <a:spAutoFit/>
+          </a:bodyPr>
+          <a:lstStyle/>
+          <a:p>
+            <a:pPr algn="ctr"/>
+            <a:r>
+              <a:rPr lang="en-US" sz="1400" dirty="0">
+                <a:latin typeface="Arial" panose="020B0604020202020204" pitchFamily="34" charset="0"/>
+                <a:ea typeface="Arial" panose="020B0604020202020204" pitchFamily="34" charset="0"/>
+              </a:rPr>
+              <a:t>Link: </a:t>
+            </a:r>
+            <a:r>
+              <a:rPr lang="en-US" sz="1400" u="sng" dirty="0">
+                <a:solidFill>
+                  <a:srgbClr val="0000FF"/>
+                </a:solidFill>
+                <a:latin typeface="Arial" panose="020B0604020202020204" pitchFamily="34" charset="0"/>
+                <a:ea typeface="Arial" panose="020B0604020202020204" pitchFamily="34" charset="0"/>
+                <a:hlinkClick r:id="rId2"/>
+              </a:rPr>
+              <a:t>https</a:t>
+            </a:r>
+            <a:r>
+              <a:rPr lang="en-US" sz="1400" u="sng" dirty="0" smtClean="0">
+                <a:solidFill>
+                  <a:srgbClr val="0000FF"/>
+                </a:solidFill>
+                <a:latin typeface="Arial" panose="020B0604020202020204" pitchFamily="34" charset="0"/>
+                <a:ea typeface="Arial" panose="020B0604020202020204" pitchFamily="34" charset="0"/>
+                <a:hlinkClick r:id="rId2"/>
+              </a:rPr>
+              <a:t>://</a:t>
+            </a:r>
+            <a:r>
+              <a:rPr lang="en-US" sz="1400" u="sng" dirty="0" smtClean="0">
+                <a:solidFill>
+                  <a:srgbClr val="0000FF"/>
+                </a:solidFill>
+                <a:latin typeface="Arial" panose="020B0604020202020204" pitchFamily="34" charset="0"/>
+                <a:ea typeface="Arial" panose="020B0604020202020204" pitchFamily="34" charset="0"/>
+              </a:rPr>
+              <a:t>anodiam.com/teacher/myprofile/analytics/{userid}</a:t>
+            </a:r>
+          </a:p>
+        </p:txBody>
+      </p:sp>
+      <p:pic>
+        <p:nvPicPr>
+          <p:cNvPr id="5" name="Picture 4"/>
+          <p:cNvPicPr>
+            <a:picLocks noChangeAspect="1"/>
+          </p:cNvPicPr>
+          <p:nvPr/>
+        </p:nvPicPr>
+        <p:blipFill>
+          <a:blip r:embed="rId3"/>
+          <a:stretch>
+            <a:fillRect/>
+          </a:stretch>
+        </p:blipFill>
+        <p:spPr>
+          <a:xfrm>
+            <a:off x="838200" y="1546820"/>
+            <a:ext cx="7467600" cy="4762500"/>
+          </a:xfrm>
+          <a:prstGeom prst="rect">
+            <a:avLst/>
+          </a:prstGeom>
+        </p:spPr>
+      </p:pic>
+    </p:spTree>
+    <p:extLst>
+      <p:ext uri="{BB962C8B-B14F-4D97-AF65-F5344CB8AC3E}">
+        <p14:creationId xmlns:p14="http://schemas.microsoft.com/office/powerpoint/2010/main" val="2724908613"/>
+      </p:ext>
+    </p:extLst>
+  </p:cSld>
+  <p:clrMapOvr>
+    <a:masterClrMapping/>
+  </p:clrMapOvr>
+  <p:timing>
+    <p:tnLst>
+      <p:par>
+        <p:cTn id="1" dur="indefinite" restart="never" nodeType="tmRoot"/>
+      </p:par>
+    </p:tnLst>
+  </p:timing>
+</p:sld>
+</file>
+
 <file path=ppt/slides/slide14.xml><?xml version="1.0" encoding="utf-8"?>
 <p:sld xmlns:a="http://schemas.openxmlformats.org/drawingml/2006/main" xmlns:r="http://schemas.openxmlformats.org/officeDocument/2006/relationships" xmlns:p="http://schemas.openxmlformats.org/presentationml/2006/main">
   <p:cSld>
@@ -6670,8 +6676,8 @@
         </p:nvSpPr>
         <p:spPr>
           <a:xfrm>
-            <a:off x="2271856" y="332656"/>
-            <a:ext cx="4362926" cy="480901"/>
+            <a:off x="1434997" y="332656"/>
+            <a:ext cx="6036653" cy="480901"/>
           </a:xfrm>
           <a:prstGeom prst="rect">
             <a:avLst/>
@@ -6710,7 +6716,7 @@
                 <a:latin typeface="Arial" panose="020B0604020202020204" pitchFamily="34" charset="0"/>
                 <a:ea typeface="Arial" panose="020B0604020202020204" pitchFamily="34" charset="0"/>
               </a:rPr>
-              <a:t>Analytics page</a:t>
+              <a:t>Notifications &gt; Inbox page</a:t>
             </a:r>
             <a:endParaRPr lang="en-AU" sz="2400" dirty="0">
               <a:effectLst/>
@@ -6779,7 +6785,395 @@
                 <a:latin typeface="Arial" panose="020B0604020202020204" pitchFamily="34" charset="0"/>
                 <a:ea typeface="Arial" panose="020B0604020202020204" pitchFamily="34" charset="0"/>
               </a:rPr>
-              <a:t>anodiam.com/teacher/myprofile/analytics/{userid}</a:t>
+              <a:t>anodiam.com/teacher/inbox/{</a:t>
+            </a:r>
+            <a:r>
+              <a:rPr lang="en-US" sz="1400" u="sng" dirty="0" smtClean="0">
+                <a:solidFill>
+                  <a:srgbClr val="0000FF"/>
+                </a:solidFill>
+                <a:latin typeface="Arial" panose="020B0604020202020204" pitchFamily="34" charset="0"/>
+                <a:ea typeface="Arial" panose="020B0604020202020204" pitchFamily="34" charset="0"/>
+              </a:rPr>
+              <a:t>userid}</a:t>
+            </a:r>
+          </a:p>
+        </p:txBody>
+      </p:sp>
+      <p:pic>
+        <p:nvPicPr>
+          <p:cNvPr id="8" name="Picture 7"/>
+          <p:cNvPicPr>
+            <a:picLocks noChangeAspect="1"/>
+          </p:cNvPicPr>
+          <p:nvPr/>
+        </p:nvPicPr>
+        <p:blipFill>
+          <a:blip r:embed="rId3"/>
+          <a:stretch>
+            <a:fillRect/>
+          </a:stretch>
+        </p:blipFill>
+        <p:spPr>
+          <a:xfrm>
+            <a:off x="838200" y="1835621"/>
+            <a:ext cx="7467600" cy="4257675"/>
+          </a:xfrm>
+          <a:prstGeom prst="rect">
+            <a:avLst/>
+          </a:prstGeom>
+        </p:spPr>
+      </p:pic>
+    </p:spTree>
+    <p:extLst>
+      <p:ext uri="{BB962C8B-B14F-4D97-AF65-F5344CB8AC3E}">
+        <p14:creationId xmlns:p14="http://schemas.microsoft.com/office/powerpoint/2010/main" val="526722271"/>
+      </p:ext>
+    </p:extLst>
+  </p:cSld>
+  <p:clrMapOvr>
+    <a:masterClrMapping/>
+  </p:clrMapOvr>
+  <p:timing>
+    <p:tnLst>
+      <p:par>
+        <p:cTn id="1" dur="indefinite" restart="never" nodeType="tmRoot"/>
+      </p:par>
+    </p:tnLst>
+  </p:timing>
+</p:sld>
+</file>
+
+<file path=ppt/slides/slide15.xml><?xml version="1.0" encoding="utf-8"?>
+<p:sld xmlns:a="http://schemas.openxmlformats.org/drawingml/2006/main" xmlns:r="http://schemas.openxmlformats.org/officeDocument/2006/relationships" xmlns:p="http://schemas.openxmlformats.org/presentationml/2006/main">
+  <p:cSld>
+    <p:spTree>
+      <p:nvGrpSpPr>
+        <p:cNvPr id="1" name=""/>
+        <p:cNvGrpSpPr/>
+        <p:nvPr/>
+      </p:nvGrpSpPr>
+      <p:grpSpPr>
+        <a:xfrm>
+          <a:off x="0" y="0"/>
+          <a:ext cx="0" cy="0"/>
+          <a:chOff x="0" y="0"/>
+          <a:chExt cx="0" cy="0"/>
+        </a:xfrm>
+      </p:grpSpPr>
+      <p:sp>
+        <p:nvSpPr>
+          <p:cNvPr id="2" name="Rectangle 1"/>
+          <p:cNvSpPr/>
+          <p:nvPr/>
+        </p:nvSpPr>
+        <p:spPr>
+          <a:xfrm>
+            <a:off x="609448" y="332656"/>
+            <a:ext cx="7687747" cy="480901"/>
+          </a:xfrm>
+          <a:prstGeom prst="rect">
+            <a:avLst/>
+          </a:prstGeom>
+        </p:spPr>
+        <p:txBody>
+          <a:bodyPr wrap="none">
+            <a:spAutoFit/>
+          </a:bodyPr>
+          <a:lstStyle/>
+          <a:p>
+            <a:pPr algn="ctr">
+              <a:lnSpc>
+                <a:spcPct val="115000"/>
+              </a:lnSpc>
+              <a:spcAft>
+                <a:spcPts val="0"/>
+              </a:spcAft>
+            </a:pPr>
+            <a:r>
+              <a:rPr lang="en-US" sz="2400" b="1" dirty="0">
+                <a:latin typeface="Arial" panose="020B0604020202020204" pitchFamily="34" charset="0"/>
+                <a:ea typeface="Arial" panose="020B0604020202020204" pitchFamily="34" charset="0"/>
+              </a:rPr>
+              <a:t>Teacher App: Notifications &gt; Inbox </a:t>
+            </a:r>
+            <a:r>
+              <a:rPr lang="en-US" sz="2400" b="1" dirty="0" smtClean="0">
+                <a:latin typeface="Arial" panose="020B0604020202020204" pitchFamily="34" charset="0"/>
+                <a:ea typeface="Arial" panose="020B0604020202020204" pitchFamily="34" charset="0"/>
+              </a:rPr>
+              <a:t>&gt; Message page</a:t>
+            </a:r>
+            <a:endParaRPr lang="en-AU" sz="2400" dirty="0">
+              <a:latin typeface="Arial" panose="020B0604020202020204" pitchFamily="34" charset="0"/>
+              <a:ea typeface="Arial" panose="020B0604020202020204" pitchFamily="34" charset="0"/>
+            </a:endParaRPr>
+          </a:p>
+        </p:txBody>
+      </p:sp>
+      <p:sp>
+        <p:nvSpPr>
+          <p:cNvPr id="3" name="Rectangle 2"/>
+          <p:cNvSpPr/>
+          <p:nvPr/>
+        </p:nvSpPr>
+        <p:spPr>
+          <a:xfrm>
+            <a:off x="431032" y="849721"/>
+            <a:ext cx="8245424" cy="307777"/>
+          </a:xfrm>
+          <a:prstGeom prst="rect">
+            <a:avLst/>
+          </a:prstGeom>
+        </p:spPr>
+        <p:txBody>
+          <a:bodyPr wrap="square">
+            <a:spAutoFit/>
+          </a:bodyPr>
+          <a:lstStyle/>
+          <a:p>
+            <a:pPr algn="ctr"/>
+            <a:r>
+              <a:rPr lang="en-US" sz="1400" dirty="0">
+                <a:latin typeface="Arial" panose="020B0604020202020204" pitchFamily="34" charset="0"/>
+                <a:ea typeface="Arial" panose="020B0604020202020204" pitchFamily="34" charset="0"/>
+              </a:rPr>
+              <a:t>Link: </a:t>
+            </a:r>
+            <a:r>
+              <a:rPr lang="en-US" sz="1400" u="sng" dirty="0">
+                <a:solidFill>
+                  <a:srgbClr val="0000FF"/>
+                </a:solidFill>
+                <a:latin typeface="Arial" panose="020B0604020202020204" pitchFamily="34" charset="0"/>
+                <a:ea typeface="Arial" panose="020B0604020202020204" pitchFamily="34" charset="0"/>
+                <a:hlinkClick r:id="rId2"/>
+              </a:rPr>
+              <a:t>https</a:t>
+            </a:r>
+            <a:r>
+              <a:rPr lang="en-US" sz="1400" u="sng" dirty="0" smtClean="0">
+                <a:solidFill>
+                  <a:srgbClr val="0000FF"/>
+                </a:solidFill>
+                <a:latin typeface="Arial" panose="020B0604020202020204" pitchFamily="34" charset="0"/>
+                <a:ea typeface="Arial" panose="020B0604020202020204" pitchFamily="34" charset="0"/>
+                <a:hlinkClick r:id="rId2"/>
+              </a:rPr>
+              <a:t>://</a:t>
+            </a:r>
+            <a:r>
+              <a:rPr lang="en-US" sz="1400" u="sng" dirty="0" smtClean="0">
+                <a:solidFill>
+                  <a:srgbClr val="0000FF"/>
+                </a:solidFill>
+                <a:latin typeface="Arial" panose="020B0604020202020204" pitchFamily="34" charset="0"/>
+                <a:ea typeface="Arial" panose="020B0604020202020204" pitchFamily="34" charset="0"/>
+              </a:rPr>
+              <a:t>anodiam.com/teacher/message/{messageid</a:t>
+            </a:r>
+            <a:r>
+              <a:rPr lang="en-US" sz="1400" u="sng" dirty="0" smtClean="0">
+                <a:solidFill>
+                  <a:srgbClr val="0000FF"/>
+                </a:solidFill>
+                <a:latin typeface="Arial" panose="020B0604020202020204" pitchFamily="34" charset="0"/>
+                <a:ea typeface="Arial" panose="020B0604020202020204" pitchFamily="34" charset="0"/>
+              </a:rPr>
+              <a:t>}</a:t>
+            </a:r>
+          </a:p>
+        </p:txBody>
+      </p:sp>
+      <p:pic>
+        <p:nvPicPr>
+          <p:cNvPr id="6" name="Picture 5"/>
+          <p:cNvPicPr>
+            <a:picLocks noChangeAspect="1"/>
+          </p:cNvPicPr>
+          <p:nvPr/>
+        </p:nvPicPr>
+        <p:blipFill>
+          <a:blip r:embed="rId3"/>
+          <a:stretch>
+            <a:fillRect/>
+          </a:stretch>
+        </p:blipFill>
+        <p:spPr>
+          <a:xfrm>
+            <a:off x="838200" y="1700808"/>
+            <a:ext cx="7467600" cy="4257675"/>
+          </a:xfrm>
+          <a:prstGeom prst="rect">
+            <a:avLst/>
+          </a:prstGeom>
+        </p:spPr>
+      </p:pic>
+    </p:spTree>
+    <p:extLst>
+      <p:ext uri="{BB962C8B-B14F-4D97-AF65-F5344CB8AC3E}">
+        <p14:creationId xmlns:p14="http://schemas.microsoft.com/office/powerpoint/2010/main" val="1743414437"/>
+      </p:ext>
+    </p:extLst>
+  </p:cSld>
+  <p:clrMapOvr>
+    <a:masterClrMapping/>
+  </p:clrMapOvr>
+  <p:timing>
+    <p:tnLst>
+      <p:par>
+        <p:cTn id="1" dur="indefinite" restart="never" nodeType="tmRoot"/>
+      </p:par>
+    </p:tnLst>
+  </p:timing>
+</p:sld>
+</file>
+
+<file path=ppt/slides/slide16.xml><?xml version="1.0" encoding="utf-8"?>
+<p:sld xmlns:a="http://schemas.openxmlformats.org/drawingml/2006/main" xmlns:r="http://schemas.openxmlformats.org/officeDocument/2006/relationships" xmlns:p="http://schemas.openxmlformats.org/presentationml/2006/main">
+  <p:cSld>
+    <p:spTree>
+      <p:nvGrpSpPr>
+        <p:cNvPr id="1" name=""/>
+        <p:cNvGrpSpPr/>
+        <p:nvPr/>
+      </p:nvGrpSpPr>
+      <p:grpSpPr>
+        <a:xfrm>
+          <a:off x="0" y="0"/>
+          <a:ext cx="0" cy="0"/>
+          <a:chOff x="0" y="0"/>
+          <a:chExt cx="0" cy="0"/>
+        </a:xfrm>
+      </p:grpSpPr>
+      <p:sp>
+        <p:nvSpPr>
+          <p:cNvPr id="2" name="Rectangle 1"/>
+          <p:cNvSpPr/>
+          <p:nvPr/>
+        </p:nvSpPr>
+        <p:spPr>
+          <a:xfrm>
+            <a:off x="1271493" y="332656"/>
+            <a:ext cx="6363666" cy="480901"/>
+          </a:xfrm>
+          <a:prstGeom prst="rect">
+            <a:avLst/>
+          </a:prstGeom>
+        </p:spPr>
+        <p:txBody>
+          <a:bodyPr wrap="none">
+            <a:spAutoFit/>
+          </a:bodyPr>
+          <a:lstStyle/>
+          <a:p>
+            <a:pPr algn="ctr">
+              <a:lnSpc>
+                <a:spcPct val="115000"/>
+              </a:lnSpc>
+              <a:spcAft>
+                <a:spcPts val="0"/>
+              </a:spcAft>
+            </a:pPr>
+            <a:r>
+              <a:rPr lang="en-US" sz="2400" b="1" dirty="0" smtClean="0">
+                <a:latin typeface="Arial" panose="020B0604020202020204" pitchFamily="34" charset="0"/>
+                <a:ea typeface="Arial" panose="020B0604020202020204" pitchFamily="34" charset="0"/>
+              </a:rPr>
+              <a:t>Teacher App</a:t>
+            </a:r>
+            <a:r>
+              <a:rPr lang="en-US" sz="2400" b="1" dirty="0">
+                <a:latin typeface="Arial" panose="020B0604020202020204" pitchFamily="34" charset="0"/>
+                <a:ea typeface="Arial" panose="020B0604020202020204" pitchFamily="34" charset="0"/>
+              </a:rPr>
+              <a:t>: </a:t>
+            </a:r>
+            <a:r>
+              <a:rPr lang="en-US" sz="2400" b="1" dirty="0" smtClean="0">
+                <a:latin typeface="Arial" panose="020B0604020202020204" pitchFamily="34" charset="0"/>
+                <a:ea typeface="Arial" panose="020B0604020202020204" pitchFamily="34" charset="0"/>
+              </a:rPr>
+              <a:t>Notifications &gt; Queries page</a:t>
+            </a:r>
+            <a:endParaRPr lang="en-AU" sz="2400" dirty="0">
+              <a:effectLst/>
+              <a:latin typeface="Arial" panose="020B0604020202020204" pitchFamily="34" charset="0"/>
+              <a:ea typeface="Arial" panose="020B0604020202020204" pitchFamily="34" charset="0"/>
+            </a:endParaRPr>
+          </a:p>
+        </p:txBody>
+      </p:sp>
+      <p:sp>
+        <p:nvSpPr>
+          <p:cNvPr id="3" name="Rectangle 2"/>
+          <p:cNvSpPr/>
+          <p:nvPr/>
+        </p:nvSpPr>
+        <p:spPr>
+          <a:xfrm>
+            <a:off x="431032" y="849721"/>
+            <a:ext cx="8245424" cy="307777"/>
+          </a:xfrm>
+          <a:prstGeom prst="rect">
+            <a:avLst/>
+          </a:prstGeom>
+        </p:spPr>
+        <p:txBody>
+          <a:bodyPr wrap="square">
+            <a:spAutoFit/>
+          </a:bodyPr>
+          <a:lstStyle/>
+          <a:p>
+            <a:pPr algn="ctr"/>
+            <a:r>
+              <a:rPr lang="en-US" sz="1400" dirty="0">
+                <a:latin typeface="Arial" panose="020B0604020202020204" pitchFamily="34" charset="0"/>
+                <a:ea typeface="Arial" panose="020B0604020202020204" pitchFamily="34" charset="0"/>
+              </a:rPr>
+              <a:t>Link: </a:t>
+            </a:r>
+            <a:r>
+              <a:rPr lang="en-US" sz="1400" u="sng" dirty="0">
+                <a:solidFill>
+                  <a:srgbClr val="0000FF"/>
+                </a:solidFill>
+                <a:latin typeface="Arial" panose="020B0604020202020204" pitchFamily="34" charset="0"/>
+                <a:ea typeface="Arial" panose="020B0604020202020204" pitchFamily="34" charset="0"/>
+                <a:hlinkClick r:id="rId2"/>
+              </a:rPr>
+              <a:t>https</a:t>
+            </a:r>
+            <a:r>
+              <a:rPr lang="en-US" sz="1400" u="sng" dirty="0" smtClean="0">
+                <a:solidFill>
+                  <a:srgbClr val="0000FF"/>
+                </a:solidFill>
+                <a:latin typeface="Arial" panose="020B0604020202020204" pitchFamily="34" charset="0"/>
+                <a:ea typeface="Arial" panose="020B0604020202020204" pitchFamily="34" charset="0"/>
+                <a:hlinkClick r:id="rId2"/>
+              </a:rPr>
+              <a:t>://</a:t>
+            </a:r>
+            <a:r>
+              <a:rPr lang="en-US" sz="1400" u="sng" dirty="0" smtClean="0">
+                <a:solidFill>
+                  <a:srgbClr val="0000FF"/>
+                </a:solidFill>
+                <a:latin typeface="Arial" panose="020B0604020202020204" pitchFamily="34" charset="0"/>
+                <a:ea typeface="Arial" panose="020B0604020202020204" pitchFamily="34" charset="0"/>
+              </a:rPr>
+              <a:t>anodiam.com/teacher/inbox/{</a:t>
+            </a:r>
+            <a:r>
+              <a:rPr lang="en-US" sz="1400" u="sng" dirty="0" smtClean="0">
+                <a:solidFill>
+                  <a:srgbClr val="0000FF"/>
+                </a:solidFill>
+                <a:latin typeface="Arial" panose="020B0604020202020204" pitchFamily="34" charset="0"/>
+                <a:ea typeface="Arial" panose="020B0604020202020204" pitchFamily="34" charset="0"/>
+              </a:rPr>
+              <a:t>userid}</a:t>
             </a:r>
           </a:p>
         </p:txBody>
@@ -6800,8 +7194,8 @@
         </p:blipFill>
         <p:spPr>
           <a:xfrm>
-            <a:off x="838200" y="1484784"/>
-            <a:ext cx="7467600" cy="4762500"/>
+            <a:off x="838200" y="1691605"/>
+            <a:ext cx="7467600" cy="4257675"/>
           </a:xfrm>
           <a:prstGeom prst="rect">
             <a:avLst/>
@@ -6811,7 +7205,522 @@
     </p:spTree>
     <p:extLst>
       <p:ext uri="{BB962C8B-B14F-4D97-AF65-F5344CB8AC3E}">
-        <p14:creationId xmlns:p14="http://schemas.microsoft.com/office/powerpoint/2010/main" val="2724908613"/>
+        <p14:creationId xmlns:p14="http://schemas.microsoft.com/office/powerpoint/2010/main" val="680381503"/>
+      </p:ext>
+    </p:extLst>
+  </p:cSld>
+  <p:clrMapOvr>
+    <a:masterClrMapping/>
+  </p:clrMapOvr>
+  <p:timing>
+    <p:tnLst>
+      <p:par>
+        <p:cTn id="1" dur="indefinite" restart="never" nodeType="tmRoot"/>
+      </p:par>
+    </p:tnLst>
+  </p:timing>
+</p:sld>
+</file>
+
+<file path=ppt/slides/slide17.xml><?xml version="1.0" encoding="utf-8"?>
+<p:sld xmlns:a="http://schemas.openxmlformats.org/drawingml/2006/main" xmlns:r="http://schemas.openxmlformats.org/officeDocument/2006/relationships" xmlns:p="http://schemas.openxmlformats.org/presentationml/2006/main">
+  <p:cSld>
+    <p:spTree>
+      <p:nvGrpSpPr>
+        <p:cNvPr id="1" name=""/>
+        <p:cNvGrpSpPr/>
+        <p:nvPr/>
+      </p:nvGrpSpPr>
+      <p:grpSpPr>
+        <a:xfrm>
+          <a:off x="0" y="0"/>
+          <a:ext cx="0" cy="0"/>
+          <a:chOff x="0" y="0"/>
+          <a:chExt cx="0" cy="0"/>
+        </a:xfrm>
+      </p:grpSpPr>
+      <p:sp>
+        <p:nvSpPr>
+          <p:cNvPr id="2" name="Rectangle 1"/>
+          <p:cNvSpPr/>
+          <p:nvPr/>
+        </p:nvSpPr>
+        <p:spPr>
+          <a:xfrm>
+            <a:off x="651931" y="332656"/>
+            <a:ext cx="7602787" cy="517065"/>
+          </a:xfrm>
+          <a:prstGeom prst="rect">
+            <a:avLst/>
+          </a:prstGeom>
+        </p:spPr>
+        <p:txBody>
+          <a:bodyPr wrap="none">
+            <a:spAutoFit/>
+          </a:bodyPr>
+          <a:lstStyle/>
+          <a:p>
+            <a:pPr algn="ctr">
+              <a:lnSpc>
+                <a:spcPct val="115000"/>
+              </a:lnSpc>
+              <a:spcAft>
+                <a:spcPts val="0"/>
+              </a:spcAft>
+            </a:pPr>
+            <a:r>
+              <a:rPr lang="en-US" sz="2400" b="1" dirty="0">
+                <a:latin typeface="Arial" panose="020B0604020202020204" pitchFamily="34" charset="0"/>
+                <a:ea typeface="Arial" panose="020B0604020202020204" pitchFamily="34" charset="0"/>
+              </a:rPr>
+              <a:t>Teacher App: Notifications &gt; </a:t>
+            </a:r>
+            <a:r>
+              <a:rPr lang="en-US" sz="2400" b="1" dirty="0" smtClean="0">
+                <a:latin typeface="Arial" panose="020B0604020202020204" pitchFamily="34" charset="0"/>
+                <a:ea typeface="Arial" panose="020B0604020202020204" pitchFamily="34" charset="0"/>
+              </a:rPr>
+              <a:t>Queries &gt; Query page</a:t>
+            </a:r>
+            <a:endParaRPr lang="en-AU" sz="2400" dirty="0">
+              <a:latin typeface="Arial" panose="020B0604020202020204" pitchFamily="34" charset="0"/>
+              <a:ea typeface="Arial" panose="020B0604020202020204" pitchFamily="34" charset="0"/>
+            </a:endParaRPr>
+          </a:p>
+        </p:txBody>
+      </p:sp>
+      <p:sp>
+        <p:nvSpPr>
+          <p:cNvPr id="3" name="Rectangle 2"/>
+          <p:cNvSpPr/>
+          <p:nvPr/>
+        </p:nvSpPr>
+        <p:spPr>
+          <a:xfrm>
+            <a:off x="431032" y="849721"/>
+            <a:ext cx="8245424" cy="307777"/>
+          </a:xfrm>
+          <a:prstGeom prst="rect">
+            <a:avLst/>
+          </a:prstGeom>
+        </p:spPr>
+        <p:txBody>
+          <a:bodyPr wrap="square">
+            <a:spAutoFit/>
+          </a:bodyPr>
+          <a:lstStyle/>
+          <a:p>
+            <a:pPr algn="ctr"/>
+            <a:r>
+              <a:rPr lang="en-US" sz="1400" dirty="0">
+                <a:latin typeface="Arial" panose="020B0604020202020204" pitchFamily="34" charset="0"/>
+                <a:ea typeface="Arial" panose="020B0604020202020204" pitchFamily="34" charset="0"/>
+              </a:rPr>
+              <a:t>Link: </a:t>
+            </a:r>
+            <a:r>
+              <a:rPr lang="en-US" sz="1400" u="sng" dirty="0">
+                <a:solidFill>
+                  <a:srgbClr val="0000FF"/>
+                </a:solidFill>
+                <a:latin typeface="Arial" panose="020B0604020202020204" pitchFamily="34" charset="0"/>
+                <a:ea typeface="Arial" panose="020B0604020202020204" pitchFamily="34" charset="0"/>
+                <a:hlinkClick r:id="rId2"/>
+              </a:rPr>
+              <a:t>https</a:t>
+            </a:r>
+            <a:r>
+              <a:rPr lang="en-US" sz="1400" u="sng" dirty="0" smtClean="0">
+                <a:solidFill>
+                  <a:srgbClr val="0000FF"/>
+                </a:solidFill>
+                <a:latin typeface="Arial" panose="020B0604020202020204" pitchFamily="34" charset="0"/>
+                <a:ea typeface="Arial" panose="020B0604020202020204" pitchFamily="34" charset="0"/>
+                <a:hlinkClick r:id="rId2"/>
+              </a:rPr>
+              <a:t>://</a:t>
+            </a:r>
+            <a:r>
+              <a:rPr lang="en-US" sz="1400" u="sng" dirty="0" smtClean="0">
+                <a:solidFill>
+                  <a:srgbClr val="0000FF"/>
+                </a:solidFill>
+                <a:latin typeface="Arial" panose="020B0604020202020204" pitchFamily="34" charset="0"/>
+                <a:ea typeface="Arial" panose="020B0604020202020204" pitchFamily="34" charset="0"/>
+              </a:rPr>
+              <a:t>anodiam.com/teacher/message/{messageid</a:t>
+            </a:r>
+            <a:r>
+              <a:rPr lang="en-US" sz="1400" u="sng" dirty="0" smtClean="0">
+                <a:solidFill>
+                  <a:srgbClr val="0000FF"/>
+                </a:solidFill>
+                <a:latin typeface="Arial" panose="020B0604020202020204" pitchFamily="34" charset="0"/>
+                <a:ea typeface="Arial" panose="020B0604020202020204" pitchFamily="34" charset="0"/>
+              </a:rPr>
+              <a:t>}</a:t>
+            </a:r>
+          </a:p>
+        </p:txBody>
+      </p:sp>
+    </p:spTree>
+    <p:extLst>
+      <p:ext uri="{BB962C8B-B14F-4D97-AF65-F5344CB8AC3E}">
+        <p14:creationId xmlns:p14="http://schemas.microsoft.com/office/powerpoint/2010/main" val="2182888790"/>
+      </p:ext>
+    </p:extLst>
+  </p:cSld>
+  <p:clrMapOvr>
+    <a:masterClrMapping/>
+  </p:clrMapOvr>
+  <p:timing>
+    <p:tnLst>
+      <p:par>
+        <p:cTn id="1" dur="indefinite" restart="never" nodeType="tmRoot"/>
+      </p:par>
+    </p:tnLst>
+  </p:timing>
+</p:sld>
+</file>
+
+<file path=ppt/slides/slide18.xml><?xml version="1.0" encoding="utf-8"?>
+<p:sld xmlns:a="http://schemas.openxmlformats.org/drawingml/2006/main" xmlns:r="http://schemas.openxmlformats.org/officeDocument/2006/relationships" xmlns:p="http://schemas.openxmlformats.org/presentationml/2006/main">
+  <p:cSld>
+    <p:spTree>
+      <p:nvGrpSpPr>
+        <p:cNvPr id="1" name=""/>
+        <p:cNvGrpSpPr/>
+        <p:nvPr/>
+      </p:nvGrpSpPr>
+      <p:grpSpPr>
+        <a:xfrm>
+          <a:off x="0" y="0"/>
+          <a:ext cx="0" cy="0"/>
+          <a:chOff x="0" y="0"/>
+          <a:chExt cx="0" cy="0"/>
+        </a:xfrm>
+      </p:grpSpPr>
+      <p:sp>
+        <p:nvSpPr>
+          <p:cNvPr id="2" name="Rectangle 1"/>
+          <p:cNvSpPr/>
+          <p:nvPr/>
+        </p:nvSpPr>
+        <p:spPr>
+          <a:xfrm>
+            <a:off x="46858" y="332656"/>
+            <a:ext cx="9133654" cy="517065"/>
+          </a:xfrm>
+          <a:prstGeom prst="rect">
+            <a:avLst/>
+          </a:prstGeom>
+        </p:spPr>
+        <p:txBody>
+          <a:bodyPr wrap="none">
+            <a:spAutoFit/>
+          </a:bodyPr>
+          <a:lstStyle/>
+          <a:p>
+            <a:pPr algn="ctr">
+              <a:lnSpc>
+                <a:spcPct val="115000"/>
+              </a:lnSpc>
+              <a:spcAft>
+                <a:spcPts val="0"/>
+              </a:spcAft>
+            </a:pPr>
+            <a:r>
+              <a:rPr lang="en-US" sz="2400" b="1" dirty="0">
+                <a:latin typeface="Arial" panose="020B0604020202020204" pitchFamily="34" charset="0"/>
+                <a:ea typeface="Arial" panose="020B0604020202020204" pitchFamily="34" charset="0"/>
+              </a:rPr>
+              <a:t>Teacher App: Notifications &gt; </a:t>
+            </a:r>
+            <a:r>
+              <a:rPr lang="en-US" sz="2400" b="1" dirty="0" smtClean="0">
+                <a:latin typeface="Arial" panose="020B0604020202020204" pitchFamily="34" charset="0"/>
+                <a:ea typeface="Arial" panose="020B0604020202020204" pitchFamily="34" charset="0"/>
+              </a:rPr>
+              <a:t>Queries &gt; Query &gt; Resolve page</a:t>
+            </a:r>
+            <a:endParaRPr lang="en-AU" sz="2400" dirty="0">
+              <a:latin typeface="Arial" panose="020B0604020202020204" pitchFamily="34" charset="0"/>
+              <a:ea typeface="Arial" panose="020B0604020202020204" pitchFamily="34" charset="0"/>
+            </a:endParaRPr>
+          </a:p>
+        </p:txBody>
+      </p:sp>
+      <p:sp>
+        <p:nvSpPr>
+          <p:cNvPr id="3" name="Rectangle 2"/>
+          <p:cNvSpPr/>
+          <p:nvPr/>
+        </p:nvSpPr>
+        <p:spPr>
+          <a:xfrm>
+            <a:off x="431032" y="849721"/>
+            <a:ext cx="8245424" cy="307777"/>
+          </a:xfrm>
+          <a:prstGeom prst="rect">
+            <a:avLst/>
+          </a:prstGeom>
+        </p:spPr>
+        <p:txBody>
+          <a:bodyPr wrap="square">
+            <a:spAutoFit/>
+          </a:bodyPr>
+          <a:lstStyle/>
+          <a:p>
+            <a:pPr algn="ctr"/>
+            <a:r>
+              <a:rPr lang="en-US" sz="1400" dirty="0">
+                <a:latin typeface="Arial" panose="020B0604020202020204" pitchFamily="34" charset="0"/>
+                <a:ea typeface="Arial" panose="020B0604020202020204" pitchFamily="34" charset="0"/>
+              </a:rPr>
+              <a:t>Link: </a:t>
+            </a:r>
+            <a:r>
+              <a:rPr lang="en-US" sz="1400" u="sng" dirty="0">
+                <a:solidFill>
+                  <a:srgbClr val="0000FF"/>
+                </a:solidFill>
+                <a:latin typeface="Arial" panose="020B0604020202020204" pitchFamily="34" charset="0"/>
+                <a:ea typeface="Arial" panose="020B0604020202020204" pitchFamily="34" charset="0"/>
+                <a:hlinkClick r:id="rId2"/>
+              </a:rPr>
+              <a:t>https</a:t>
+            </a:r>
+            <a:r>
+              <a:rPr lang="en-US" sz="1400" u="sng" dirty="0" smtClean="0">
+                <a:solidFill>
+                  <a:srgbClr val="0000FF"/>
+                </a:solidFill>
+                <a:latin typeface="Arial" panose="020B0604020202020204" pitchFamily="34" charset="0"/>
+                <a:ea typeface="Arial" panose="020B0604020202020204" pitchFamily="34" charset="0"/>
+                <a:hlinkClick r:id="rId2"/>
+              </a:rPr>
+              <a:t>://</a:t>
+            </a:r>
+            <a:r>
+              <a:rPr lang="en-US" sz="1400" u="sng" dirty="0" smtClean="0">
+                <a:solidFill>
+                  <a:srgbClr val="0000FF"/>
+                </a:solidFill>
+                <a:latin typeface="Arial" panose="020B0604020202020204" pitchFamily="34" charset="0"/>
+                <a:ea typeface="Arial" panose="020B0604020202020204" pitchFamily="34" charset="0"/>
+              </a:rPr>
+              <a:t>anodiam.com/teacher/message/{messageid</a:t>
+            </a:r>
+            <a:r>
+              <a:rPr lang="en-US" sz="1400" u="sng" dirty="0" smtClean="0">
+                <a:solidFill>
+                  <a:srgbClr val="0000FF"/>
+                </a:solidFill>
+                <a:latin typeface="Arial" panose="020B0604020202020204" pitchFamily="34" charset="0"/>
+                <a:ea typeface="Arial" panose="020B0604020202020204" pitchFamily="34" charset="0"/>
+              </a:rPr>
+              <a:t>}</a:t>
+            </a:r>
+          </a:p>
+        </p:txBody>
+      </p:sp>
+    </p:spTree>
+    <p:extLst>
+      <p:ext uri="{BB962C8B-B14F-4D97-AF65-F5344CB8AC3E}">
+        <p14:creationId xmlns:p14="http://schemas.microsoft.com/office/powerpoint/2010/main" val="3197739735"/>
+      </p:ext>
+    </p:extLst>
+  </p:cSld>
+  <p:clrMapOvr>
+    <a:masterClrMapping/>
+  </p:clrMapOvr>
+  <p:timing>
+    <p:tnLst>
+      <p:par>
+        <p:cTn id="1" dur="indefinite" restart="never" nodeType="tmRoot"/>
+      </p:par>
+    </p:tnLst>
+  </p:timing>
+</p:sld>
+</file>
+
+<file path=ppt/slides/slide19.xml><?xml version="1.0" encoding="utf-8"?>
+<p:sld xmlns:a="http://schemas.openxmlformats.org/drawingml/2006/main" xmlns:r="http://schemas.openxmlformats.org/officeDocument/2006/relationships" xmlns:p="http://schemas.openxmlformats.org/presentationml/2006/main">
+  <p:cSld>
+    <p:spTree>
+      <p:nvGrpSpPr>
+        <p:cNvPr id="1" name=""/>
+        <p:cNvGrpSpPr/>
+        <p:nvPr/>
+      </p:nvGrpSpPr>
+      <p:grpSpPr>
+        <a:xfrm>
+          <a:off x="0" y="0"/>
+          <a:ext cx="0" cy="0"/>
+          <a:chOff x="0" y="0"/>
+          <a:chExt cx="0" cy="0"/>
+        </a:xfrm>
+      </p:grpSpPr>
+      <p:sp>
+        <p:nvSpPr>
+          <p:cNvPr id="2" name="Rectangle 1"/>
+          <p:cNvSpPr/>
+          <p:nvPr/>
+        </p:nvSpPr>
+        <p:spPr>
+          <a:xfrm>
+            <a:off x="1048678" y="332656"/>
+            <a:ext cx="6809300" cy="480901"/>
+          </a:xfrm>
+          <a:prstGeom prst="rect">
+            <a:avLst/>
+          </a:prstGeom>
+        </p:spPr>
+        <p:txBody>
+          <a:bodyPr wrap="none">
+            <a:spAutoFit/>
+          </a:bodyPr>
+          <a:lstStyle/>
+          <a:p>
+            <a:pPr algn="ctr">
+              <a:lnSpc>
+                <a:spcPct val="115000"/>
+              </a:lnSpc>
+              <a:spcAft>
+                <a:spcPts val="0"/>
+              </a:spcAft>
+            </a:pPr>
+            <a:r>
+              <a:rPr lang="en-US" sz="2400" b="1" dirty="0" smtClean="0">
+                <a:latin typeface="Arial" panose="020B0604020202020204" pitchFamily="34" charset="0"/>
+                <a:ea typeface="Arial" panose="020B0604020202020204" pitchFamily="34" charset="0"/>
+              </a:rPr>
+              <a:t>Teacher App</a:t>
+            </a:r>
+            <a:r>
+              <a:rPr lang="en-US" sz="2400" b="1" dirty="0">
+                <a:latin typeface="Arial" panose="020B0604020202020204" pitchFamily="34" charset="0"/>
+                <a:ea typeface="Arial" panose="020B0604020202020204" pitchFamily="34" charset="0"/>
+              </a:rPr>
+              <a:t>: </a:t>
+            </a:r>
+            <a:r>
+              <a:rPr lang="en-US" sz="2400" b="1" dirty="0" smtClean="0">
+                <a:latin typeface="Arial" panose="020B0604020202020204" pitchFamily="34" charset="0"/>
+                <a:ea typeface="Arial" panose="020B0604020202020204" pitchFamily="34" charset="0"/>
+              </a:rPr>
+              <a:t>Notifications &gt; Comments page</a:t>
+            </a:r>
+            <a:endParaRPr lang="en-AU" sz="2400" dirty="0">
+              <a:effectLst/>
+              <a:latin typeface="Arial" panose="020B0604020202020204" pitchFamily="34" charset="0"/>
+              <a:ea typeface="Arial" panose="020B0604020202020204" pitchFamily="34" charset="0"/>
+            </a:endParaRPr>
+          </a:p>
+        </p:txBody>
+      </p:sp>
+      <p:sp>
+        <p:nvSpPr>
+          <p:cNvPr id="3" name="Rectangle 2"/>
+          <p:cNvSpPr/>
+          <p:nvPr/>
+        </p:nvSpPr>
+        <p:spPr>
+          <a:xfrm>
+            <a:off x="431032" y="849721"/>
+            <a:ext cx="8245424" cy="307777"/>
+          </a:xfrm>
+          <a:prstGeom prst="rect">
+            <a:avLst/>
+          </a:prstGeom>
+        </p:spPr>
+        <p:txBody>
+          <a:bodyPr wrap="square">
+            <a:spAutoFit/>
+          </a:bodyPr>
+          <a:lstStyle/>
+          <a:p>
+            <a:pPr algn="ctr"/>
+            <a:r>
+              <a:rPr lang="en-US" sz="1400" dirty="0">
+                <a:latin typeface="Arial" panose="020B0604020202020204" pitchFamily="34" charset="0"/>
+                <a:ea typeface="Arial" panose="020B0604020202020204" pitchFamily="34" charset="0"/>
+              </a:rPr>
+              <a:t>Link: </a:t>
+            </a:r>
+            <a:r>
+              <a:rPr lang="en-US" sz="1400" u="sng" dirty="0">
+                <a:solidFill>
+                  <a:srgbClr val="0000FF"/>
+                </a:solidFill>
+                <a:latin typeface="Arial" panose="020B0604020202020204" pitchFamily="34" charset="0"/>
+                <a:ea typeface="Arial" panose="020B0604020202020204" pitchFamily="34" charset="0"/>
+                <a:hlinkClick r:id="rId2"/>
+              </a:rPr>
+              <a:t>https</a:t>
+            </a:r>
+            <a:r>
+              <a:rPr lang="en-US" sz="1400" u="sng" dirty="0" smtClean="0">
+                <a:solidFill>
+                  <a:srgbClr val="0000FF"/>
+                </a:solidFill>
+                <a:latin typeface="Arial" panose="020B0604020202020204" pitchFamily="34" charset="0"/>
+                <a:ea typeface="Arial" panose="020B0604020202020204" pitchFamily="34" charset="0"/>
+                <a:hlinkClick r:id="rId2"/>
+              </a:rPr>
+              <a:t>://</a:t>
+            </a:r>
+            <a:r>
+              <a:rPr lang="en-US" sz="1400" u="sng" dirty="0" smtClean="0">
+                <a:solidFill>
+                  <a:srgbClr val="0000FF"/>
+                </a:solidFill>
+                <a:latin typeface="Arial" panose="020B0604020202020204" pitchFamily="34" charset="0"/>
+                <a:ea typeface="Arial" panose="020B0604020202020204" pitchFamily="34" charset="0"/>
+              </a:rPr>
+              <a:t>anodiam.com/teacher/comments/{</a:t>
+            </a:r>
+            <a:r>
+              <a:rPr lang="en-US" sz="1400" u="sng" dirty="0" smtClean="0">
+                <a:solidFill>
+                  <a:srgbClr val="0000FF"/>
+                </a:solidFill>
+                <a:latin typeface="Arial" panose="020B0604020202020204" pitchFamily="34" charset="0"/>
+                <a:ea typeface="Arial" panose="020B0604020202020204" pitchFamily="34" charset="0"/>
+              </a:rPr>
+              <a:t>userid}</a:t>
+            </a:r>
+          </a:p>
+        </p:txBody>
+      </p:sp>
+      <p:pic>
+        <p:nvPicPr>
+          <p:cNvPr id="5" name="Picture 4"/>
+          <p:cNvPicPr>
+            <a:picLocks noChangeAspect="1"/>
+          </p:cNvPicPr>
+          <p:nvPr/>
+        </p:nvPicPr>
+        <p:blipFill>
+          <a:blip r:embed="rId3"/>
+          <a:stretch>
+            <a:fillRect/>
+          </a:stretch>
+        </p:blipFill>
+        <p:spPr>
+          <a:xfrm>
+            <a:off x="838200" y="1763613"/>
+            <a:ext cx="7467600" cy="4257675"/>
+          </a:xfrm>
+          <a:prstGeom prst="rect">
+            <a:avLst/>
+          </a:prstGeom>
+        </p:spPr>
+      </p:pic>
+    </p:spTree>
+    <p:extLst>
+      <p:ext uri="{BB962C8B-B14F-4D97-AF65-F5344CB8AC3E}">
+        <p14:creationId xmlns:p14="http://schemas.microsoft.com/office/powerpoint/2010/main" val="2920446225"/>
       </p:ext>
     </p:extLst>
   </p:cSld>
@@ -6989,6 +7898,191 @@
     <p:extLst>
       <p:ext uri="{BB962C8B-B14F-4D97-AF65-F5344CB8AC3E}">
         <p14:creationId xmlns:p14="http://schemas.microsoft.com/office/powerpoint/2010/main" val="367692653"/>
+      </p:ext>
+    </p:extLst>
+  </p:cSld>
+  <p:clrMapOvr>
+    <a:masterClrMapping/>
+  </p:clrMapOvr>
+  <p:timing>
+    <p:tnLst>
+      <p:par>
+        <p:cTn id="1" dur="indefinite" restart="never" nodeType="tmRoot"/>
+      </p:par>
+    </p:tnLst>
+  </p:timing>
+</p:sld>
+</file>
+
+<file path=ppt/slides/slide20.xml><?xml version="1.0" encoding="utf-8"?>
+<p:sld xmlns:a="http://schemas.openxmlformats.org/drawingml/2006/main" xmlns:r="http://schemas.openxmlformats.org/officeDocument/2006/relationships" xmlns:p="http://schemas.openxmlformats.org/presentationml/2006/main">
+  <p:cSld>
+    <p:spTree>
+      <p:nvGrpSpPr>
+        <p:cNvPr id="1" name=""/>
+        <p:cNvGrpSpPr/>
+        <p:nvPr/>
+      </p:nvGrpSpPr>
+      <p:grpSpPr>
+        <a:xfrm>
+          <a:off x="0" y="0"/>
+          <a:ext cx="0" cy="0"/>
+          <a:chOff x="0" y="0"/>
+          <a:chExt cx="0" cy="0"/>
+        </a:xfrm>
+      </p:grpSpPr>
+      <p:sp>
+        <p:nvSpPr>
+          <p:cNvPr id="2" name="Rectangle 1"/>
+          <p:cNvSpPr/>
+          <p:nvPr/>
+        </p:nvSpPr>
+        <p:spPr>
+          <a:xfrm>
+            <a:off x="163819" y="332656"/>
+            <a:ext cx="8579015" cy="480901"/>
+          </a:xfrm>
+          <a:prstGeom prst="rect">
+            <a:avLst/>
+          </a:prstGeom>
+        </p:spPr>
+        <p:txBody>
+          <a:bodyPr wrap="none">
+            <a:spAutoFit/>
+          </a:bodyPr>
+          <a:lstStyle/>
+          <a:p>
+            <a:pPr algn="ctr">
+              <a:lnSpc>
+                <a:spcPct val="115000"/>
+              </a:lnSpc>
+              <a:spcAft>
+                <a:spcPts val="0"/>
+              </a:spcAft>
+            </a:pPr>
+            <a:r>
+              <a:rPr lang="en-US" sz="2400" b="1" dirty="0">
+                <a:latin typeface="Arial" panose="020B0604020202020204" pitchFamily="34" charset="0"/>
+                <a:ea typeface="Arial" panose="020B0604020202020204" pitchFamily="34" charset="0"/>
+              </a:rPr>
+              <a:t>Teacher App: Notifications &gt; </a:t>
+            </a:r>
+            <a:r>
+              <a:rPr lang="en-US" sz="2400" b="1" dirty="0" smtClean="0">
+                <a:latin typeface="Arial" panose="020B0604020202020204" pitchFamily="34" charset="0"/>
+                <a:ea typeface="Arial" panose="020B0604020202020204" pitchFamily="34" charset="0"/>
+              </a:rPr>
+              <a:t>Comments &gt; Comment page</a:t>
+            </a:r>
+            <a:endParaRPr lang="en-AU" sz="2400" dirty="0">
+              <a:latin typeface="Arial" panose="020B0604020202020204" pitchFamily="34" charset="0"/>
+              <a:ea typeface="Arial" panose="020B0604020202020204" pitchFamily="34" charset="0"/>
+            </a:endParaRPr>
+          </a:p>
+        </p:txBody>
+      </p:sp>
+      <p:sp>
+        <p:nvSpPr>
+          <p:cNvPr id="3" name="Rectangle 2"/>
+          <p:cNvSpPr/>
+          <p:nvPr/>
+        </p:nvSpPr>
+        <p:spPr>
+          <a:xfrm>
+            <a:off x="431032" y="849721"/>
+            <a:ext cx="8245424" cy="307777"/>
+          </a:xfrm>
+          <a:prstGeom prst="rect">
+            <a:avLst/>
+          </a:prstGeom>
+        </p:spPr>
+        <p:txBody>
+          <a:bodyPr wrap="square">
+            <a:spAutoFit/>
+          </a:bodyPr>
+          <a:lstStyle/>
+          <a:p>
+            <a:pPr algn="ctr"/>
+            <a:r>
+              <a:rPr lang="en-US" sz="1400" dirty="0">
+                <a:latin typeface="Arial" panose="020B0604020202020204" pitchFamily="34" charset="0"/>
+                <a:ea typeface="Arial" panose="020B0604020202020204" pitchFamily="34" charset="0"/>
+              </a:rPr>
+              <a:t>Link: </a:t>
+            </a:r>
+            <a:r>
+              <a:rPr lang="en-US" sz="1400" u="sng" dirty="0">
+                <a:solidFill>
+                  <a:srgbClr val="0000FF"/>
+                </a:solidFill>
+                <a:latin typeface="Arial" panose="020B0604020202020204" pitchFamily="34" charset="0"/>
+                <a:ea typeface="Arial" panose="020B0604020202020204" pitchFamily="34" charset="0"/>
+                <a:hlinkClick r:id="rId2"/>
+              </a:rPr>
+              <a:t>https</a:t>
+            </a:r>
+            <a:r>
+              <a:rPr lang="en-US" sz="1400" u="sng" dirty="0" smtClean="0">
+                <a:solidFill>
+                  <a:srgbClr val="0000FF"/>
+                </a:solidFill>
+                <a:latin typeface="Arial" panose="020B0604020202020204" pitchFamily="34" charset="0"/>
+                <a:ea typeface="Arial" panose="020B0604020202020204" pitchFamily="34" charset="0"/>
+                <a:hlinkClick r:id="rId2"/>
+              </a:rPr>
+              <a:t>://</a:t>
+            </a:r>
+            <a:r>
+              <a:rPr lang="en-US" sz="1400" u="sng" dirty="0" smtClean="0">
+                <a:solidFill>
+                  <a:srgbClr val="0000FF"/>
+                </a:solidFill>
+                <a:latin typeface="Arial" panose="020B0604020202020204" pitchFamily="34" charset="0"/>
+                <a:ea typeface="Arial" panose="020B0604020202020204" pitchFamily="34" charset="0"/>
+              </a:rPr>
+              <a:t>anodiam.com/teacher/comment/{commentid</a:t>
+            </a:r>
+            <a:r>
+              <a:rPr lang="en-US" sz="1400" u="sng" dirty="0" smtClean="0">
+                <a:solidFill>
+                  <a:srgbClr val="0000FF"/>
+                </a:solidFill>
+                <a:latin typeface="Arial" panose="020B0604020202020204" pitchFamily="34" charset="0"/>
+                <a:ea typeface="Arial" panose="020B0604020202020204" pitchFamily="34" charset="0"/>
+              </a:rPr>
+              <a:t>}</a:t>
+            </a:r>
+          </a:p>
+        </p:txBody>
+      </p:sp>
+      <p:pic>
+        <p:nvPicPr>
+          <p:cNvPr id="4" name="Picture 3"/>
+          <p:cNvPicPr>
+            <a:picLocks noChangeAspect="1"/>
+          </p:cNvPicPr>
+          <p:nvPr/>
+        </p:nvPicPr>
+        <p:blipFill>
+          <a:blip r:embed="rId3"/>
+          <a:stretch>
+            <a:fillRect/>
+          </a:stretch>
+        </p:blipFill>
+        <p:spPr>
+          <a:xfrm>
+            <a:off x="838200" y="1979637"/>
+            <a:ext cx="7467600" cy="4257675"/>
+          </a:xfrm>
+          <a:prstGeom prst="rect">
+            <a:avLst/>
+          </a:prstGeom>
+        </p:spPr>
+      </p:pic>
+    </p:spTree>
+    <p:extLst>
+      <p:ext uri="{BB962C8B-B14F-4D97-AF65-F5344CB8AC3E}">
+        <p14:creationId xmlns:p14="http://schemas.microsoft.com/office/powerpoint/2010/main" val="2071753737"/>
       </p:ext>
     </p:extLst>
   </p:cSld>
@@ -8157,7 +9251,7 @@
       </p:sp>
       <p:pic>
         <p:nvPicPr>
-          <p:cNvPr id="6" name="Picture 5"/>
+          <p:cNvPr id="4" name="Picture 3"/>
           <p:cNvPicPr>
             <a:picLocks noChangeAspect="1"/>
           </p:cNvPicPr>
@@ -8171,7 +9265,7 @@
         </p:blipFill>
         <p:spPr>
           <a:xfrm>
-            <a:off x="838200" y="1300162"/>
+            <a:off x="838200" y="1763613"/>
             <a:ext cx="7467600" cy="4257675"/>
           </a:xfrm>
           <a:prstGeom prst="rect">
@@ -8224,8 +9318,8 @@
         </p:nvSpPr>
         <p:spPr>
           <a:xfrm>
-            <a:off x="1897452" y="332656"/>
-            <a:ext cx="5111720" cy="517065"/>
+            <a:off x="1779633" y="332656"/>
+            <a:ext cx="5347361" cy="480901"/>
           </a:xfrm>
           <a:prstGeom prst="rect">
             <a:avLst/>
@@ -8264,7 +9358,7 @@
                 <a:latin typeface="Arial" panose="020B0604020202020204" pitchFamily="34" charset="0"/>
                 <a:ea typeface="Arial" panose="020B0604020202020204" pitchFamily="34" charset="0"/>
               </a:rPr>
-              <a:t>Create Course page</a:t>
+              <a:t>Personal Profile page</a:t>
             </a:r>
             <a:endParaRPr lang="en-AU" sz="2400" dirty="0">
               <a:effectLst/>
@@ -8333,15 +9427,39 @@
                 <a:latin typeface="Arial" panose="020B0604020202020204" pitchFamily="34" charset="0"/>
                 <a:ea typeface="Arial" panose="020B0604020202020204" pitchFamily="34" charset="0"/>
               </a:rPr>
-              <a:t>anodiam.com/teacher/{userid}/createcourse</a:t>
-            </a:r>
-          </a:p>
-        </p:txBody>
-      </p:sp>
+              <a:t>anodiam.com/teacher/myprofile/personal/{userid}</a:t>
+            </a:r>
+          </a:p>
+        </p:txBody>
+      </p:sp>
+      <p:pic>
+        <p:nvPicPr>
+          <p:cNvPr id="4" name="Picture 3"/>
+          <p:cNvPicPr>
+            <a:picLocks noChangeAspect="1"/>
+          </p:cNvPicPr>
+          <p:nvPr/>
+        </p:nvPicPr>
+        <p:blipFill>
+          <a:blip r:embed="rId3"/>
+          <a:stretch>
+            <a:fillRect/>
+          </a:stretch>
+        </p:blipFill>
+        <p:spPr>
+          <a:xfrm>
+            <a:off x="838200" y="1339552"/>
+            <a:ext cx="7467600" cy="5257800"/>
+          </a:xfrm>
+          <a:prstGeom prst="rect">
+            <a:avLst/>
+          </a:prstGeom>
+        </p:spPr>
+      </p:pic>
     </p:spTree>
     <p:extLst>
       <p:ext uri="{BB962C8B-B14F-4D97-AF65-F5344CB8AC3E}">
-        <p14:creationId xmlns:p14="http://schemas.microsoft.com/office/powerpoint/2010/main" val="3930710153"/>
+        <p14:creationId xmlns:p14="http://schemas.microsoft.com/office/powerpoint/2010/main" val="729961998"/>
       </p:ext>
     </p:extLst>
   </p:cSld>

--- a/ProjectExecution/BA/SpecsWireframes/003TeacherAppWireframes.pptx
+++ b/ProjectExecution/BA/SpecsWireframes/003TeacherAppWireframes.pptx
@@ -5,7 +5,7 @@
     <p:sldMasterId id="2147483648" r:id="rId1"/>
   </p:sldMasterIdLst>
   <p:notesMasterIdLst>
-    <p:notesMasterId r:id="rId22"/>
+    <p:notesMasterId r:id="rId21"/>
   </p:notesMasterIdLst>
   <p:sldIdLst>
     <p:sldId id="259" r:id="rId2"/>
@@ -24,10 +24,9 @@
     <p:sldId id="276" r:id="rId15"/>
     <p:sldId id="277" r:id="rId16"/>
     <p:sldId id="279" r:id="rId17"/>
-    <p:sldId id="278" r:id="rId18"/>
-    <p:sldId id="280" r:id="rId19"/>
-    <p:sldId id="281" r:id="rId20"/>
-    <p:sldId id="282" r:id="rId21"/>
+    <p:sldId id="280" r:id="rId18"/>
+    <p:sldId id="281" r:id="rId19"/>
+    <p:sldId id="282" r:id="rId20"/>
   </p:sldIdLst>
   <p:sldSz cx="9144000" cy="6858000" type="screen4x3"/>
   <p:notesSz cx="6858000" cy="9144000"/>
@@ -6785,17 +6784,7 @@
                 <a:latin typeface="Arial" panose="020B0604020202020204" pitchFamily="34" charset="0"/>
                 <a:ea typeface="Arial" panose="020B0604020202020204" pitchFamily="34" charset="0"/>
               </a:rPr>
-              <a:t>anodiam.com/teacher/inbox/{</a:t>
-            </a:r>
-            <a:r>
-              <a:rPr lang="en-US" sz="1400" u="sng" dirty="0" smtClean="0">
-                <a:solidFill>
-                  <a:srgbClr val="0000FF"/>
-                </a:solidFill>
-                <a:latin typeface="Arial" panose="020B0604020202020204" pitchFamily="34" charset="0"/>
-                <a:ea typeface="Arial" panose="020B0604020202020204" pitchFamily="34" charset="0"/>
-              </a:rPr>
-              <a:t>userid}</a:t>
+              <a:t>anodiam.com/teacher/inbox/{userid}</a:t>
             </a:r>
           </a:p>
         </p:txBody>
@@ -6970,17 +6959,7 @@
                 <a:latin typeface="Arial" panose="020B0604020202020204" pitchFamily="34" charset="0"/>
                 <a:ea typeface="Arial" panose="020B0604020202020204" pitchFamily="34" charset="0"/>
               </a:rPr>
-              <a:t>anodiam.com/teacher/message/{messageid</a:t>
-            </a:r>
-            <a:r>
-              <a:rPr lang="en-US" sz="1400" u="sng" dirty="0" smtClean="0">
-                <a:solidFill>
-                  <a:srgbClr val="0000FF"/>
-                </a:solidFill>
-                <a:latin typeface="Arial" panose="020B0604020202020204" pitchFamily="34" charset="0"/>
-                <a:ea typeface="Arial" panose="020B0604020202020204" pitchFamily="34" charset="0"/>
-              </a:rPr>
-              <a:t>}</a:t>
+              <a:t>anodiam.com/teacher/message/{messageid}</a:t>
             </a:r>
           </a:p>
         </p:txBody>
@@ -7163,7 +7142,7 @@
                 <a:latin typeface="Arial" panose="020B0604020202020204" pitchFamily="34" charset="0"/>
                 <a:ea typeface="Arial" panose="020B0604020202020204" pitchFamily="34" charset="0"/>
               </a:rPr>
-              <a:t>anodiam.com/teacher/inbox/{</a:t>
+              <a:t>anodiam.com/teacher/queries/{</a:t>
             </a:r>
             <a:r>
               <a:rPr lang="en-US" sz="1400" u="sng" dirty="0" smtClean="0">
@@ -7247,8 +7226,8 @@
         </p:nvSpPr>
         <p:spPr>
           <a:xfrm>
-            <a:off x="651931" y="332656"/>
-            <a:ext cx="7602787" cy="517065"/>
+            <a:off x="46858" y="332656"/>
+            <a:ext cx="9133654" cy="517065"/>
           </a:xfrm>
           <a:prstGeom prst="rect">
             <a:avLst/>
@@ -7280,7 +7259,7 @@
                 <a:latin typeface="Arial" panose="020B0604020202020204" pitchFamily="34" charset="0"/>
                 <a:ea typeface="Arial" panose="020B0604020202020204" pitchFamily="34" charset="0"/>
               </a:rPr>
-              <a:t>Queries &gt; Query page</a:t>
+              <a:t>Queries &gt; Query &gt; Resolve page</a:t>
             </a:r>
             <a:endParaRPr lang="en-AU" sz="2400" dirty="0">
               <a:latin typeface="Arial" panose="020B0604020202020204" pitchFamily="34" charset="0"/>
@@ -7348,7 +7327,7 @@
                 <a:latin typeface="Arial" panose="020B0604020202020204" pitchFamily="34" charset="0"/>
                 <a:ea typeface="Arial" panose="020B0604020202020204" pitchFamily="34" charset="0"/>
               </a:rPr>
-              <a:t>anodiam.com/teacher/message/{messageid</a:t>
+              <a:t>anodiam.com/teacher/query/{queryid</a:t>
             </a:r>
             <a:r>
               <a:rPr lang="en-US" sz="1400" u="sng" dirty="0" smtClean="0">
@@ -7363,10 +7342,34 @@
           </a:p>
         </p:txBody>
       </p:sp>
+      <p:pic>
+        <p:nvPicPr>
+          <p:cNvPr id="4" name="Picture 3"/>
+          <p:cNvPicPr>
+            <a:picLocks noChangeAspect="1"/>
+          </p:cNvPicPr>
+          <p:nvPr/>
+        </p:nvPicPr>
+        <p:blipFill>
+          <a:blip r:embed="rId3"/>
+          <a:stretch>
+            <a:fillRect/>
+          </a:stretch>
+        </p:blipFill>
+        <p:spPr>
+          <a:xfrm>
+            <a:off x="879885" y="1556792"/>
+            <a:ext cx="7467600" cy="4257675"/>
+          </a:xfrm>
+          <a:prstGeom prst="rect">
+            <a:avLst/>
+          </a:prstGeom>
+        </p:spPr>
+      </p:pic>
     </p:spTree>
     <p:extLst>
       <p:ext uri="{BB962C8B-B14F-4D97-AF65-F5344CB8AC3E}">
-        <p14:creationId xmlns:p14="http://schemas.microsoft.com/office/powerpoint/2010/main" val="2182888790"/>
+        <p14:creationId xmlns:p14="http://schemas.microsoft.com/office/powerpoint/2010/main" val="3197739735"/>
       </p:ext>
     </p:extLst>
   </p:cSld>
@@ -7408,8 +7411,8 @@
         </p:nvSpPr>
         <p:spPr>
           <a:xfrm>
-            <a:off x="46858" y="332656"/>
-            <a:ext cx="9133654" cy="517065"/>
+            <a:off x="1048678" y="332656"/>
+            <a:ext cx="6809300" cy="480901"/>
           </a:xfrm>
           <a:prstGeom prst="rect">
             <a:avLst/>
@@ -7430,20 +7433,28 @@
               </a:spcAft>
             </a:pPr>
             <a:r>
+              <a:rPr lang="en-US" sz="2400" b="1" dirty="0" smtClean="0">
+                <a:latin typeface="Arial" panose="020B0604020202020204" pitchFamily="34" charset="0"/>
+                <a:ea typeface="Arial" panose="020B0604020202020204" pitchFamily="34" charset="0"/>
+              </a:rPr>
+              <a:t>Teacher App</a:t>
+            </a:r>
+            <a:r>
               <a:rPr lang="en-US" sz="2400" b="1" dirty="0">
                 <a:latin typeface="Arial" panose="020B0604020202020204" pitchFamily="34" charset="0"/>
                 <a:ea typeface="Arial" panose="020B0604020202020204" pitchFamily="34" charset="0"/>
               </a:rPr>
-              <a:t>Teacher App: Notifications &gt; </a:t>
+              <a:t>: </a:t>
             </a:r>
             <a:r>
               <a:rPr lang="en-US" sz="2400" b="1" dirty="0" smtClean="0">
                 <a:latin typeface="Arial" panose="020B0604020202020204" pitchFamily="34" charset="0"/>
                 <a:ea typeface="Arial" panose="020B0604020202020204" pitchFamily="34" charset="0"/>
               </a:rPr>
-              <a:t>Queries &gt; Query &gt; Resolve page</a:t>
+              <a:t>Notifications &gt; Comments page</a:t>
             </a:r>
             <a:endParaRPr lang="en-AU" sz="2400" dirty="0">
+              <a:effectLst/>
               <a:latin typeface="Arial" panose="020B0604020202020204" pitchFamily="34" charset="0"/>
               <a:ea typeface="Arial" panose="020B0604020202020204" pitchFamily="34" charset="0"/>
             </a:endParaRPr>
@@ -7509,186 +7520,7 @@
                 <a:latin typeface="Arial" panose="020B0604020202020204" pitchFamily="34" charset="0"/>
                 <a:ea typeface="Arial" panose="020B0604020202020204" pitchFamily="34" charset="0"/>
               </a:rPr>
-              <a:t>anodiam.com/teacher/message/{messageid</a:t>
-            </a:r>
-            <a:r>
-              <a:rPr lang="en-US" sz="1400" u="sng" dirty="0" smtClean="0">
-                <a:solidFill>
-                  <a:srgbClr val="0000FF"/>
-                </a:solidFill>
-                <a:latin typeface="Arial" panose="020B0604020202020204" pitchFamily="34" charset="0"/>
-                <a:ea typeface="Arial" panose="020B0604020202020204" pitchFamily="34" charset="0"/>
-              </a:rPr>
-              <a:t>}</a:t>
-            </a:r>
-          </a:p>
-        </p:txBody>
-      </p:sp>
-    </p:spTree>
-    <p:extLst>
-      <p:ext uri="{BB962C8B-B14F-4D97-AF65-F5344CB8AC3E}">
-        <p14:creationId xmlns:p14="http://schemas.microsoft.com/office/powerpoint/2010/main" val="3197739735"/>
-      </p:ext>
-    </p:extLst>
-  </p:cSld>
-  <p:clrMapOvr>
-    <a:masterClrMapping/>
-  </p:clrMapOvr>
-  <p:timing>
-    <p:tnLst>
-      <p:par>
-        <p:cTn id="1" dur="indefinite" restart="never" nodeType="tmRoot"/>
-      </p:par>
-    </p:tnLst>
-  </p:timing>
-</p:sld>
-</file>
-
-<file path=ppt/slides/slide19.xml><?xml version="1.0" encoding="utf-8"?>
-<p:sld xmlns:a="http://schemas.openxmlformats.org/drawingml/2006/main" xmlns:r="http://schemas.openxmlformats.org/officeDocument/2006/relationships" xmlns:p="http://schemas.openxmlformats.org/presentationml/2006/main">
-  <p:cSld>
-    <p:spTree>
-      <p:nvGrpSpPr>
-        <p:cNvPr id="1" name=""/>
-        <p:cNvGrpSpPr/>
-        <p:nvPr/>
-      </p:nvGrpSpPr>
-      <p:grpSpPr>
-        <a:xfrm>
-          <a:off x="0" y="0"/>
-          <a:ext cx="0" cy="0"/>
-          <a:chOff x="0" y="0"/>
-          <a:chExt cx="0" cy="0"/>
-        </a:xfrm>
-      </p:grpSpPr>
-      <p:sp>
-        <p:nvSpPr>
-          <p:cNvPr id="2" name="Rectangle 1"/>
-          <p:cNvSpPr/>
-          <p:nvPr/>
-        </p:nvSpPr>
-        <p:spPr>
-          <a:xfrm>
-            <a:off x="1048678" y="332656"/>
-            <a:ext cx="6809300" cy="480901"/>
-          </a:xfrm>
-          <a:prstGeom prst="rect">
-            <a:avLst/>
-          </a:prstGeom>
-        </p:spPr>
-        <p:txBody>
-          <a:bodyPr wrap="none">
-            <a:spAutoFit/>
-          </a:bodyPr>
-          <a:lstStyle/>
-          <a:p>
-            <a:pPr algn="ctr">
-              <a:lnSpc>
-                <a:spcPct val="115000"/>
-              </a:lnSpc>
-              <a:spcAft>
-                <a:spcPts val="0"/>
-              </a:spcAft>
-            </a:pPr>
-            <a:r>
-              <a:rPr lang="en-US" sz="2400" b="1" dirty="0" smtClean="0">
-                <a:latin typeface="Arial" panose="020B0604020202020204" pitchFamily="34" charset="0"/>
-                <a:ea typeface="Arial" panose="020B0604020202020204" pitchFamily="34" charset="0"/>
-              </a:rPr>
-              <a:t>Teacher App</a:t>
-            </a:r>
-            <a:r>
-              <a:rPr lang="en-US" sz="2400" b="1" dirty="0">
-                <a:latin typeface="Arial" panose="020B0604020202020204" pitchFamily="34" charset="0"/>
-                <a:ea typeface="Arial" panose="020B0604020202020204" pitchFamily="34" charset="0"/>
-              </a:rPr>
-              <a:t>: </a:t>
-            </a:r>
-            <a:r>
-              <a:rPr lang="en-US" sz="2400" b="1" dirty="0" smtClean="0">
-                <a:latin typeface="Arial" panose="020B0604020202020204" pitchFamily="34" charset="0"/>
-                <a:ea typeface="Arial" panose="020B0604020202020204" pitchFamily="34" charset="0"/>
-              </a:rPr>
-              <a:t>Notifications &gt; Comments page</a:t>
-            </a:r>
-            <a:endParaRPr lang="en-AU" sz="2400" dirty="0">
-              <a:effectLst/>
-              <a:latin typeface="Arial" panose="020B0604020202020204" pitchFamily="34" charset="0"/>
-              <a:ea typeface="Arial" panose="020B0604020202020204" pitchFamily="34" charset="0"/>
-            </a:endParaRPr>
-          </a:p>
-        </p:txBody>
-      </p:sp>
-      <p:sp>
-        <p:nvSpPr>
-          <p:cNvPr id="3" name="Rectangle 2"/>
-          <p:cNvSpPr/>
-          <p:nvPr/>
-        </p:nvSpPr>
-        <p:spPr>
-          <a:xfrm>
-            <a:off x="431032" y="849721"/>
-            <a:ext cx="8245424" cy="307777"/>
-          </a:xfrm>
-          <a:prstGeom prst="rect">
-            <a:avLst/>
-          </a:prstGeom>
-        </p:spPr>
-        <p:txBody>
-          <a:bodyPr wrap="square">
-            <a:spAutoFit/>
-          </a:bodyPr>
-          <a:lstStyle/>
-          <a:p>
-            <a:pPr algn="ctr"/>
-            <a:r>
-              <a:rPr lang="en-US" sz="1400" dirty="0">
-                <a:latin typeface="Arial" panose="020B0604020202020204" pitchFamily="34" charset="0"/>
-                <a:ea typeface="Arial" panose="020B0604020202020204" pitchFamily="34" charset="0"/>
-              </a:rPr>
-              <a:t>Link: </a:t>
-            </a:r>
-            <a:r>
-              <a:rPr lang="en-US" sz="1400" u="sng" dirty="0">
-                <a:solidFill>
-                  <a:srgbClr val="0000FF"/>
-                </a:solidFill>
-                <a:latin typeface="Arial" panose="020B0604020202020204" pitchFamily="34" charset="0"/>
-                <a:ea typeface="Arial" panose="020B0604020202020204" pitchFamily="34" charset="0"/>
-                <a:hlinkClick r:id="rId2"/>
-              </a:rPr>
-              <a:t>https</a:t>
-            </a:r>
-            <a:r>
-              <a:rPr lang="en-US" sz="1400" u="sng" dirty="0" smtClean="0">
-                <a:solidFill>
-                  <a:srgbClr val="0000FF"/>
-                </a:solidFill>
-                <a:latin typeface="Arial" panose="020B0604020202020204" pitchFamily="34" charset="0"/>
-                <a:ea typeface="Arial" panose="020B0604020202020204" pitchFamily="34" charset="0"/>
-                <a:hlinkClick r:id="rId2"/>
-              </a:rPr>
-              <a:t>://</a:t>
-            </a:r>
-            <a:r>
-              <a:rPr lang="en-US" sz="1400" u="sng" dirty="0" smtClean="0">
-                <a:solidFill>
-                  <a:srgbClr val="0000FF"/>
-                </a:solidFill>
-                <a:latin typeface="Arial" panose="020B0604020202020204" pitchFamily="34" charset="0"/>
-                <a:ea typeface="Arial" panose="020B0604020202020204" pitchFamily="34" charset="0"/>
-              </a:rPr>
-              <a:t>anodiam.com/teacher/comments/{</a:t>
-            </a:r>
-            <a:r>
-              <a:rPr lang="en-US" sz="1400" u="sng" dirty="0" smtClean="0">
-                <a:solidFill>
-                  <a:srgbClr val="0000FF"/>
-                </a:solidFill>
-                <a:latin typeface="Arial" panose="020B0604020202020204" pitchFamily="34" charset="0"/>
-                <a:ea typeface="Arial" panose="020B0604020202020204" pitchFamily="34" charset="0"/>
-              </a:rPr>
-              <a:t>userid}</a:t>
+              <a:t>anodiam.com/teacher/comments/{userid}</a:t>
             </a:r>
           </a:p>
         </p:txBody>
@@ -7737,6 +7569,181 @@
 </p:sld>
 </file>
 
+<file path=ppt/slides/slide19.xml><?xml version="1.0" encoding="utf-8"?>
+<p:sld xmlns:a="http://schemas.openxmlformats.org/drawingml/2006/main" xmlns:r="http://schemas.openxmlformats.org/officeDocument/2006/relationships" xmlns:p="http://schemas.openxmlformats.org/presentationml/2006/main">
+  <p:cSld>
+    <p:spTree>
+      <p:nvGrpSpPr>
+        <p:cNvPr id="1" name=""/>
+        <p:cNvGrpSpPr/>
+        <p:nvPr/>
+      </p:nvGrpSpPr>
+      <p:grpSpPr>
+        <a:xfrm>
+          <a:off x="0" y="0"/>
+          <a:ext cx="0" cy="0"/>
+          <a:chOff x="0" y="0"/>
+          <a:chExt cx="0" cy="0"/>
+        </a:xfrm>
+      </p:grpSpPr>
+      <p:sp>
+        <p:nvSpPr>
+          <p:cNvPr id="2" name="Rectangle 1"/>
+          <p:cNvSpPr/>
+          <p:nvPr/>
+        </p:nvSpPr>
+        <p:spPr>
+          <a:xfrm>
+            <a:off x="163819" y="332656"/>
+            <a:ext cx="8579015" cy="480901"/>
+          </a:xfrm>
+          <a:prstGeom prst="rect">
+            <a:avLst/>
+          </a:prstGeom>
+        </p:spPr>
+        <p:txBody>
+          <a:bodyPr wrap="none">
+            <a:spAutoFit/>
+          </a:bodyPr>
+          <a:lstStyle/>
+          <a:p>
+            <a:pPr algn="ctr">
+              <a:lnSpc>
+                <a:spcPct val="115000"/>
+              </a:lnSpc>
+              <a:spcAft>
+                <a:spcPts val="0"/>
+              </a:spcAft>
+            </a:pPr>
+            <a:r>
+              <a:rPr lang="en-US" sz="2400" b="1" dirty="0">
+                <a:latin typeface="Arial" panose="020B0604020202020204" pitchFamily="34" charset="0"/>
+                <a:ea typeface="Arial" panose="020B0604020202020204" pitchFamily="34" charset="0"/>
+              </a:rPr>
+              <a:t>Teacher App: Notifications &gt; </a:t>
+            </a:r>
+            <a:r>
+              <a:rPr lang="en-US" sz="2400" b="1" dirty="0" smtClean="0">
+                <a:latin typeface="Arial" panose="020B0604020202020204" pitchFamily="34" charset="0"/>
+                <a:ea typeface="Arial" panose="020B0604020202020204" pitchFamily="34" charset="0"/>
+              </a:rPr>
+              <a:t>Comments &gt; Comment page</a:t>
+            </a:r>
+            <a:endParaRPr lang="en-AU" sz="2400" dirty="0">
+              <a:latin typeface="Arial" panose="020B0604020202020204" pitchFamily="34" charset="0"/>
+              <a:ea typeface="Arial" panose="020B0604020202020204" pitchFamily="34" charset="0"/>
+            </a:endParaRPr>
+          </a:p>
+        </p:txBody>
+      </p:sp>
+      <p:sp>
+        <p:nvSpPr>
+          <p:cNvPr id="3" name="Rectangle 2"/>
+          <p:cNvSpPr/>
+          <p:nvPr/>
+        </p:nvSpPr>
+        <p:spPr>
+          <a:xfrm>
+            <a:off x="431032" y="849721"/>
+            <a:ext cx="8245424" cy="307777"/>
+          </a:xfrm>
+          <a:prstGeom prst="rect">
+            <a:avLst/>
+          </a:prstGeom>
+        </p:spPr>
+        <p:txBody>
+          <a:bodyPr wrap="square">
+            <a:spAutoFit/>
+          </a:bodyPr>
+          <a:lstStyle/>
+          <a:p>
+            <a:pPr algn="ctr"/>
+            <a:r>
+              <a:rPr lang="en-US" sz="1400" dirty="0">
+                <a:latin typeface="Arial" panose="020B0604020202020204" pitchFamily="34" charset="0"/>
+                <a:ea typeface="Arial" panose="020B0604020202020204" pitchFamily="34" charset="0"/>
+              </a:rPr>
+              <a:t>Link: </a:t>
+            </a:r>
+            <a:r>
+              <a:rPr lang="en-US" sz="1400" u="sng" dirty="0">
+                <a:solidFill>
+                  <a:srgbClr val="0000FF"/>
+                </a:solidFill>
+                <a:latin typeface="Arial" panose="020B0604020202020204" pitchFamily="34" charset="0"/>
+                <a:ea typeface="Arial" panose="020B0604020202020204" pitchFamily="34" charset="0"/>
+                <a:hlinkClick r:id="rId2"/>
+              </a:rPr>
+              <a:t>https</a:t>
+            </a:r>
+            <a:r>
+              <a:rPr lang="en-US" sz="1400" u="sng" dirty="0" smtClean="0">
+                <a:solidFill>
+                  <a:srgbClr val="0000FF"/>
+                </a:solidFill>
+                <a:latin typeface="Arial" panose="020B0604020202020204" pitchFamily="34" charset="0"/>
+                <a:ea typeface="Arial" panose="020B0604020202020204" pitchFamily="34" charset="0"/>
+                <a:hlinkClick r:id="rId2"/>
+              </a:rPr>
+              <a:t>://</a:t>
+            </a:r>
+            <a:r>
+              <a:rPr lang="en-US" sz="1400" u="sng" dirty="0" smtClean="0">
+                <a:solidFill>
+                  <a:srgbClr val="0000FF"/>
+                </a:solidFill>
+                <a:latin typeface="Arial" panose="020B0604020202020204" pitchFamily="34" charset="0"/>
+                <a:ea typeface="Arial" panose="020B0604020202020204" pitchFamily="34" charset="0"/>
+              </a:rPr>
+              <a:t>anodiam.com/teacher/comment/{commentid}</a:t>
+            </a:r>
+          </a:p>
+        </p:txBody>
+      </p:sp>
+      <p:pic>
+        <p:nvPicPr>
+          <p:cNvPr id="4" name="Picture 3"/>
+          <p:cNvPicPr>
+            <a:picLocks noChangeAspect="1"/>
+          </p:cNvPicPr>
+          <p:nvPr/>
+        </p:nvPicPr>
+        <p:blipFill>
+          <a:blip r:embed="rId3"/>
+          <a:stretch>
+            <a:fillRect/>
+          </a:stretch>
+        </p:blipFill>
+        <p:spPr>
+          <a:xfrm>
+            <a:off x="838200" y="1979637"/>
+            <a:ext cx="7467600" cy="4257675"/>
+          </a:xfrm>
+          <a:prstGeom prst="rect">
+            <a:avLst/>
+          </a:prstGeom>
+        </p:spPr>
+      </p:pic>
+    </p:spTree>
+    <p:extLst>
+      <p:ext uri="{BB962C8B-B14F-4D97-AF65-F5344CB8AC3E}">
+        <p14:creationId xmlns:p14="http://schemas.microsoft.com/office/powerpoint/2010/main" val="2071753737"/>
+      </p:ext>
+    </p:extLst>
+  </p:cSld>
+  <p:clrMapOvr>
+    <a:masterClrMapping/>
+  </p:clrMapOvr>
+  <p:timing>
+    <p:tnLst>
+      <p:par>
+        <p:cTn id="1" dur="indefinite" restart="never" nodeType="tmRoot"/>
+      </p:par>
+    </p:tnLst>
+  </p:timing>
+</p:sld>
+</file>
+
 <file path=ppt/slides/slide2.xml><?xml version="1.0" encoding="utf-8"?>
 <p:sld xmlns:a="http://schemas.openxmlformats.org/drawingml/2006/main" xmlns:r="http://schemas.openxmlformats.org/officeDocument/2006/relationships" xmlns:p="http://schemas.openxmlformats.org/presentationml/2006/main">
   <p:cSld>
@@ -7898,191 +7905,6 @@
     <p:extLst>
       <p:ext uri="{BB962C8B-B14F-4D97-AF65-F5344CB8AC3E}">
         <p14:creationId xmlns:p14="http://schemas.microsoft.com/office/powerpoint/2010/main" val="367692653"/>
-      </p:ext>
-    </p:extLst>
-  </p:cSld>
-  <p:clrMapOvr>
-    <a:masterClrMapping/>
-  </p:clrMapOvr>
-  <p:timing>
-    <p:tnLst>
-      <p:par>
-        <p:cTn id="1" dur="indefinite" restart="never" nodeType="tmRoot"/>
-      </p:par>
-    </p:tnLst>
-  </p:timing>
-</p:sld>
-</file>
-
-<file path=ppt/slides/slide20.xml><?xml version="1.0" encoding="utf-8"?>
-<p:sld xmlns:a="http://schemas.openxmlformats.org/drawingml/2006/main" xmlns:r="http://schemas.openxmlformats.org/officeDocument/2006/relationships" xmlns:p="http://schemas.openxmlformats.org/presentationml/2006/main">
-  <p:cSld>
-    <p:spTree>
-      <p:nvGrpSpPr>
-        <p:cNvPr id="1" name=""/>
-        <p:cNvGrpSpPr/>
-        <p:nvPr/>
-      </p:nvGrpSpPr>
-      <p:grpSpPr>
-        <a:xfrm>
-          <a:off x="0" y="0"/>
-          <a:ext cx="0" cy="0"/>
-          <a:chOff x="0" y="0"/>
-          <a:chExt cx="0" cy="0"/>
-        </a:xfrm>
-      </p:grpSpPr>
-      <p:sp>
-        <p:nvSpPr>
-          <p:cNvPr id="2" name="Rectangle 1"/>
-          <p:cNvSpPr/>
-          <p:nvPr/>
-        </p:nvSpPr>
-        <p:spPr>
-          <a:xfrm>
-            <a:off x="163819" y="332656"/>
-            <a:ext cx="8579015" cy="480901"/>
-          </a:xfrm>
-          <a:prstGeom prst="rect">
-            <a:avLst/>
-          </a:prstGeom>
-        </p:spPr>
-        <p:txBody>
-          <a:bodyPr wrap="none">
-            <a:spAutoFit/>
-          </a:bodyPr>
-          <a:lstStyle/>
-          <a:p>
-            <a:pPr algn="ctr">
-              <a:lnSpc>
-                <a:spcPct val="115000"/>
-              </a:lnSpc>
-              <a:spcAft>
-                <a:spcPts val="0"/>
-              </a:spcAft>
-            </a:pPr>
-            <a:r>
-              <a:rPr lang="en-US" sz="2400" b="1" dirty="0">
-                <a:latin typeface="Arial" panose="020B0604020202020204" pitchFamily="34" charset="0"/>
-                <a:ea typeface="Arial" panose="020B0604020202020204" pitchFamily="34" charset="0"/>
-              </a:rPr>
-              <a:t>Teacher App: Notifications &gt; </a:t>
-            </a:r>
-            <a:r>
-              <a:rPr lang="en-US" sz="2400" b="1" dirty="0" smtClean="0">
-                <a:latin typeface="Arial" panose="020B0604020202020204" pitchFamily="34" charset="0"/>
-                <a:ea typeface="Arial" panose="020B0604020202020204" pitchFamily="34" charset="0"/>
-              </a:rPr>
-              <a:t>Comments &gt; Comment page</a:t>
-            </a:r>
-            <a:endParaRPr lang="en-AU" sz="2400" dirty="0">
-              <a:latin typeface="Arial" panose="020B0604020202020204" pitchFamily="34" charset="0"/>
-              <a:ea typeface="Arial" panose="020B0604020202020204" pitchFamily="34" charset="0"/>
-            </a:endParaRPr>
-          </a:p>
-        </p:txBody>
-      </p:sp>
-      <p:sp>
-        <p:nvSpPr>
-          <p:cNvPr id="3" name="Rectangle 2"/>
-          <p:cNvSpPr/>
-          <p:nvPr/>
-        </p:nvSpPr>
-        <p:spPr>
-          <a:xfrm>
-            <a:off x="431032" y="849721"/>
-            <a:ext cx="8245424" cy="307777"/>
-          </a:xfrm>
-          <a:prstGeom prst="rect">
-            <a:avLst/>
-          </a:prstGeom>
-        </p:spPr>
-        <p:txBody>
-          <a:bodyPr wrap="square">
-            <a:spAutoFit/>
-          </a:bodyPr>
-          <a:lstStyle/>
-          <a:p>
-            <a:pPr algn="ctr"/>
-            <a:r>
-              <a:rPr lang="en-US" sz="1400" dirty="0">
-                <a:latin typeface="Arial" panose="020B0604020202020204" pitchFamily="34" charset="0"/>
-                <a:ea typeface="Arial" panose="020B0604020202020204" pitchFamily="34" charset="0"/>
-              </a:rPr>
-              <a:t>Link: </a:t>
-            </a:r>
-            <a:r>
-              <a:rPr lang="en-US" sz="1400" u="sng" dirty="0">
-                <a:solidFill>
-                  <a:srgbClr val="0000FF"/>
-                </a:solidFill>
-                <a:latin typeface="Arial" panose="020B0604020202020204" pitchFamily="34" charset="0"/>
-                <a:ea typeface="Arial" panose="020B0604020202020204" pitchFamily="34" charset="0"/>
-                <a:hlinkClick r:id="rId2"/>
-              </a:rPr>
-              <a:t>https</a:t>
-            </a:r>
-            <a:r>
-              <a:rPr lang="en-US" sz="1400" u="sng" dirty="0" smtClean="0">
-                <a:solidFill>
-                  <a:srgbClr val="0000FF"/>
-                </a:solidFill>
-                <a:latin typeface="Arial" panose="020B0604020202020204" pitchFamily="34" charset="0"/>
-                <a:ea typeface="Arial" panose="020B0604020202020204" pitchFamily="34" charset="0"/>
-                <a:hlinkClick r:id="rId2"/>
-              </a:rPr>
-              <a:t>://</a:t>
-            </a:r>
-            <a:r>
-              <a:rPr lang="en-US" sz="1400" u="sng" dirty="0" smtClean="0">
-                <a:solidFill>
-                  <a:srgbClr val="0000FF"/>
-                </a:solidFill>
-                <a:latin typeface="Arial" panose="020B0604020202020204" pitchFamily="34" charset="0"/>
-                <a:ea typeface="Arial" panose="020B0604020202020204" pitchFamily="34" charset="0"/>
-              </a:rPr>
-              <a:t>anodiam.com/teacher/comment/{commentid</a:t>
-            </a:r>
-            <a:r>
-              <a:rPr lang="en-US" sz="1400" u="sng" dirty="0" smtClean="0">
-                <a:solidFill>
-                  <a:srgbClr val="0000FF"/>
-                </a:solidFill>
-                <a:latin typeface="Arial" panose="020B0604020202020204" pitchFamily="34" charset="0"/>
-                <a:ea typeface="Arial" panose="020B0604020202020204" pitchFamily="34" charset="0"/>
-              </a:rPr>
-              <a:t>}</a:t>
-            </a:r>
-          </a:p>
-        </p:txBody>
-      </p:sp>
-      <p:pic>
-        <p:nvPicPr>
-          <p:cNvPr id="4" name="Picture 3"/>
-          <p:cNvPicPr>
-            <a:picLocks noChangeAspect="1"/>
-          </p:cNvPicPr>
-          <p:nvPr/>
-        </p:nvPicPr>
-        <p:blipFill>
-          <a:blip r:embed="rId3"/>
-          <a:stretch>
-            <a:fillRect/>
-          </a:stretch>
-        </p:blipFill>
-        <p:spPr>
-          <a:xfrm>
-            <a:off x="838200" y="1979637"/>
-            <a:ext cx="7467600" cy="4257675"/>
-          </a:xfrm>
-          <a:prstGeom prst="rect">
-            <a:avLst/>
-          </a:prstGeom>
-        </p:spPr>
-      </p:pic>
-    </p:spTree>
-    <p:extLst>
-      <p:ext uri="{BB962C8B-B14F-4D97-AF65-F5344CB8AC3E}">
-        <p14:creationId xmlns:p14="http://schemas.microsoft.com/office/powerpoint/2010/main" val="2071753737"/>
       </p:ext>
     </p:extLst>
   </p:cSld>

--- a/ProjectExecution/BA/SpecsWireframes/003TeacherAppWireframes.pptx
+++ b/ProjectExecution/BA/SpecsWireframes/003TeacherAppWireframes.pptx
@@ -5,7 +5,7 @@
     <p:sldMasterId id="2147483648" r:id="rId1"/>
   </p:sldMasterIdLst>
   <p:notesMasterIdLst>
-    <p:notesMasterId r:id="rId10"/>
+    <p:notesMasterId r:id="rId21"/>
   </p:notesMasterIdLst>
   <p:sldIdLst>
     <p:sldId id="259" r:id="rId2"/>
@@ -13,9 +13,20 @@
     <p:sldId id="264" r:id="rId4"/>
     <p:sldId id="267" r:id="rId5"/>
     <p:sldId id="268" r:id="rId6"/>
-    <p:sldId id="266" r:id="rId7"/>
+    <p:sldId id="270" r:id="rId7"/>
     <p:sldId id="269" r:id="rId8"/>
-    <p:sldId id="265" r:id="rId9"/>
+    <p:sldId id="271" r:id="rId9"/>
+    <p:sldId id="265" r:id="rId10"/>
+    <p:sldId id="273" r:id="rId11"/>
+    <p:sldId id="272" r:id="rId12"/>
+    <p:sldId id="274" r:id="rId13"/>
+    <p:sldId id="275" r:id="rId14"/>
+    <p:sldId id="276" r:id="rId15"/>
+    <p:sldId id="277" r:id="rId16"/>
+    <p:sldId id="279" r:id="rId17"/>
+    <p:sldId id="280" r:id="rId18"/>
+    <p:sldId id="281" r:id="rId19"/>
+    <p:sldId id="282" r:id="rId20"/>
   </p:sldIdLst>
   <p:sldSz cx="9144000" cy="6858000" type="screen4x3"/>
   <p:notesSz cx="6858000" cy="9144000"/>
@@ -116,7 +127,7 @@
   </p:defaultTextStyle>
   <p:extLst>
     <p:ext uri="{EFAFB233-063F-42B5-8137-9DF3F51BA10A}">
-      <p15:sldGuideLst xmlns:p15="http://schemas.microsoft.com/office/powerpoint/2012/main" xmlns="">
+      <p15:sldGuideLst xmlns:p15="http://schemas.microsoft.com/office/powerpoint/2012/main">
         <p15:guide id="1" orient="horz" pos="2160">
           <p15:clr>
             <a:srgbClr val="A4A3A4"/>
@@ -215,7 +226,7 @@
           <a:p>
             <a:fld id="{26483215-80E3-4A52-98A5-4C379A79CA39}" type="datetimeFigureOut">
               <a:rPr lang="en-AU" smtClean="0"/>
-              <a:t>16/11/2020</a:t>
+              <a:t>18/11/2020</a:t>
             </a:fld>
             <a:endParaRPr lang="en-AU"/>
           </a:p>
@@ -664,7 +675,7 @@
           <a:p>
             <a:fld id="{BB2A88D7-68F7-4681-80B5-BDD492DE1B81}" type="datetimeFigureOut">
               <a:rPr lang="en-AU" smtClean="0"/>
-              <a:t>16/11/2020</a:t>
+              <a:t>18/11/2020</a:t>
             </a:fld>
             <a:endParaRPr lang="en-AU"/>
           </a:p>
@@ -834,7 +845,7 @@
           <a:p>
             <a:fld id="{BB2A88D7-68F7-4681-80B5-BDD492DE1B81}" type="datetimeFigureOut">
               <a:rPr lang="en-AU" smtClean="0"/>
-              <a:t>16/11/2020</a:t>
+              <a:t>18/11/2020</a:t>
             </a:fld>
             <a:endParaRPr lang="en-AU"/>
           </a:p>
@@ -1014,7 +1025,7 @@
           <a:p>
             <a:fld id="{BB2A88D7-68F7-4681-80B5-BDD492DE1B81}" type="datetimeFigureOut">
               <a:rPr lang="en-AU" smtClean="0"/>
-              <a:t>16/11/2020</a:t>
+              <a:t>18/11/2020</a:t>
             </a:fld>
             <a:endParaRPr lang="en-AU"/>
           </a:p>
@@ -1184,7 +1195,7 @@
           <a:p>
             <a:fld id="{BB2A88D7-68F7-4681-80B5-BDD492DE1B81}" type="datetimeFigureOut">
               <a:rPr lang="en-AU" smtClean="0"/>
-              <a:t>16/11/2020</a:t>
+              <a:t>18/11/2020</a:t>
             </a:fld>
             <a:endParaRPr lang="en-AU"/>
           </a:p>
@@ -1430,7 +1441,7 @@
           <a:p>
             <a:fld id="{BB2A88D7-68F7-4681-80B5-BDD492DE1B81}" type="datetimeFigureOut">
               <a:rPr lang="en-AU" smtClean="0"/>
-              <a:t>16/11/2020</a:t>
+              <a:t>18/11/2020</a:t>
             </a:fld>
             <a:endParaRPr lang="en-AU"/>
           </a:p>
@@ -1718,7 +1729,7 @@
           <a:p>
             <a:fld id="{BB2A88D7-68F7-4681-80B5-BDD492DE1B81}" type="datetimeFigureOut">
               <a:rPr lang="en-AU" smtClean="0"/>
-              <a:t>16/11/2020</a:t>
+              <a:t>18/11/2020</a:t>
             </a:fld>
             <a:endParaRPr lang="en-AU"/>
           </a:p>
@@ -2140,7 +2151,7 @@
           <a:p>
             <a:fld id="{BB2A88D7-68F7-4681-80B5-BDD492DE1B81}" type="datetimeFigureOut">
               <a:rPr lang="en-AU" smtClean="0"/>
-              <a:t>16/11/2020</a:t>
+              <a:t>18/11/2020</a:t>
             </a:fld>
             <a:endParaRPr lang="en-AU"/>
           </a:p>
@@ -2258,7 +2269,7 @@
           <a:p>
             <a:fld id="{BB2A88D7-68F7-4681-80B5-BDD492DE1B81}" type="datetimeFigureOut">
               <a:rPr lang="en-AU" smtClean="0"/>
-              <a:t>16/11/2020</a:t>
+              <a:t>18/11/2020</a:t>
             </a:fld>
             <a:endParaRPr lang="en-AU"/>
           </a:p>
@@ -2353,7 +2364,7 @@
           <a:p>
             <a:fld id="{BB2A88D7-68F7-4681-80B5-BDD492DE1B81}" type="datetimeFigureOut">
               <a:rPr lang="en-AU" smtClean="0"/>
-              <a:t>16/11/2020</a:t>
+              <a:t>18/11/2020</a:t>
             </a:fld>
             <a:endParaRPr lang="en-AU"/>
           </a:p>
@@ -2630,7 +2641,7 @@
           <a:p>
             <a:fld id="{BB2A88D7-68F7-4681-80B5-BDD492DE1B81}" type="datetimeFigureOut">
               <a:rPr lang="en-AU" smtClean="0"/>
-              <a:t>16/11/2020</a:t>
+              <a:t>18/11/2020</a:t>
             </a:fld>
             <a:endParaRPr lang="en-AU"/>
           </a:p>
@@ -2883,7 +2894,7 @@
           <a:p>
             <a:fld id="{BB2A88D7-68F7-4681-80B5-BDD492DE1B81}" type="datetimeFigureOut">
               <a:rPr lang="en-AU" smtClean="0"/>
-              <a:t>16/11/2020</a:t>
+              <a:t>18/11/2020</a:t>
             </a:fld>
             <a:endParaRPr lang="en-AU"/>
           </a:p>
@@ -3096,7 +3107,7 @@
           <a:p>
             <a:fld id="{BB2A88D7-68F7-4681-80B5-BDD492DE1B81}" type="datetimeFigureOut">
               <a:rPr lang="en-AU" smtClean="0"/>
-              <a:t>16/11/2020</a:t>
+              <a:t>18/11/2020</a:t>
             </a:fld>
             <a:endParaRPr lang="en-AU"/>
           </a:p>
@@ -4603,7 +4614,7 @@
                           <a:spcPts val="0"/>
                         </a:spcAft>
                       </a:pPr>
-                      <a:endParaRPr lang="en-AU" sz="1200">
+                      <a:endParaRPr lang="en-AU" sz="1200" dirty="0">
                         <a:effectLst/>
                         <a:latin typeface="Arial" panose="020B0604020202020204" pitchFamily="34" charset="0"/>
                         <a:ea typeface="Arial" panose="020B0604020202020204" pitchFamily="34" charset="0"/>
@@ -5907,6 +5918,1832 @@
 </p:sld>
 </file>
 
+<file path=ppt/slides/slide10.xml><?xml version="1.0" encoding="utf-8"?>
+<p:sld xmlns:a="http://schemas.openxmlformats.org/drawingml/2006/main" xmlns:r="http://schemas.openxmlformats.org/officeDocument/2006/relationships" xmlns:p="http://schemas.openxmlformats.org/presentationml/2006/main">
+  <p:cSld>
+    <p:spTree>
+      <p:nvGrpSpPr>
+        <p:cNvPr id="1" name=""/>
+        <p:cNvGrpSpPr/>
+        <p:nvPr/>
+      </p:nvGrpSpPr>
+      <p:grpSpPr>
+        <a:xfrm>
+          <a:off x="0" y="0"/>
+          <a:ext cx="0" cy="0"/>
+          <a:chOff x="0" y="0"/>
+          <a:chExt cx="0" cy="0"/>
+        </a:xfrm>
+      </p:grpSpPr>
+      <p:sp>
+        <p:nvSpPr>
+          <p:cNvPr id="2" name="Rectangle 1"/>
+          <p:cNvSpPr/>
+          <p:nvPr/>
+        </p:nvSpPr>
+        <p:spPr>
+          <a:xfrm>
+            <a:off x="1506323" y="332656"/>
+            <a:ext cx="5893986" cy="480901"/>
+          </a:xfrm>
+          <a:prstGeom prst="rect">
+            <a:avLst/>
+          </a:prstGeom>
+        </p:spPr>
+        <p:txBody>
+          <a:bodyPr wrap="none">
+            <a:spAutoFit/>
+          </a:bodyPr>
+          <a:lstStyle/>
+          <a:p>
+            <a:pPr algn="ctr">
+              <a:lnSpc>
+                <a:spcPct val="115000"/>
+              </a:lnSpc>
+              <a:spcAft>
+                <a:spcPts val="0"/>
+              </a:spcAft>
+            </a:pPr>
+            <a:r>
+              <a:rPr lang="en-US" sz="2400" b="1" dirty="0" smtClean="0">
+                <a:latin typeface="Arial" panose="020B0604020202020204" pitchFamily="34" charset="0"/>
+                <a:ea typeface="Arial" panose="020B0604020202020204" pitchFamily="34" charset="0"/>
+              </a:rPr>
+              <a:t>Teacher App</a:t>
+            </a:r>
+            <a:r>
+              <a:rPr lang="en-US" sz="2400" b="1" dirty="0">
+                <a:latin typeface="Arial" panose="020B0604020202020204" pitchFamily="34" charset="0"/>
+                <a:ea typeface="Arial" panose="020B0604020202020204" pitchFamily="34" charset="0"/>
+              </a:rPr>
+              <a:t>: </a:t>
+            </a:r>
+            <a:r>
+              <a:rPr lang="en-US" sz="2400" b="1" dirty="0" smtClean="0">
+                <a:latin typeface="Arial" panose="020B0604020202020204" pitchFamily="34" charset="0"/>
+                <a:ea typeface="Arial" panose="020B0604020202020204" pitchFamily="34" charset="0"/>
+              </a:rPr>
+              <a:t>Professional Profile page</a:t>
+            </a:r>
+            <a:endParaRPr lang="en-AU" sz="2400" dirty="0">
+              <a:effectLst/>
+              <a:latin typeface="Arial" panose="020B0604020202020204" pitchFamily="34" charset="0"/>
+              <a:ea typeface="Arial" panose="020B0604020202020204" pitchFamily="34" charset="0"/>
+            </a:endParaRPr>
+          </a:p>
+        </p:txBody>
+      </p:sp>
+      <p:sp>
+        <p:nvSpPr>
+          <p:cNvPr id="3" name="Rectangle 2"/>
+          <p:cNvSpPr/>
+          <p:nvPr/>
+        </p:nvSpPr>
+        <p:spPr>
+          <a:xfrm>
+            <a:off x="431032" y="849721"/>
+            <a:ext cx="8245424" cy="307777"/>
+          </a:xfrm>
+          <a:prstGeom prst="rect">
+            <a:avLst/>
+          </a:prstGeom>
+        </p:spPr>
+        <p:txBody>
+          <a:bodyPr wrap="square">
+            <a:spAutoFit/>
+          </a:bodyPr>
+          <a:lstStyle/>
+          <a:p>
+            <a:pPr algn="ctr"/>
+            <a:r>
+              <a:rPr lang="en-US" sz="1400" dirty="0">
+                <a:latin typeface="Arial" panose="020B0604020202020204" pitchFamily="34" charset="0"/>
+                <a:ea typeface="Arial" panose="020B0604020202020204" pitchFamily="34" charset="0"/>
+              </a:rPr>
+              <a:t>Link: </a:t>
+            </a:r>
+            <a:r>
+              <a:rPr lang="en-US" sz="1400" u="sng" dirty="0">
+                <a:solidFill>
+                  <a:srgbClr val="0000FF"/>
+                </a:solidFill>
+                <a:latin typeface="Arial" panose="020B0604020202020204" pitchFamily="34" charset="0"/>
+                <a:ea typeface="Arial" panose="020B0604020202020204" pitchFamily="34" charset="0"/>
+                <a:hlinkClick r:id="rId2"/>
+              </a:rPr>
+              <a:t>https</a:t>
+            </a:r>
+            <a:r>
+              <a:rPr lang="en-US" sz="1400" u="sng" dirty="0" smtClean="0">
+                <a:solidFill>
+                  <a:srgbClr val="0000FF"/>
+                </a:solidFill>
+                <a:latin typeface="Arial" panose="020B0604020202020204" pitchFamily="34" charset="0"/>
+                <a:ea typeface="Arial" panose="020B0604020202020204" pitchFamily="34" charset="0"/>
+                <a:hlinkClick r:id="rId2"/>
+              </a:rPr>
+              <a:t>://</a:t>
+            </a:r>
+            <a:r>
+              <a:rPr lang="en-US" sz="1400" u="sng" dirty="0" smtClean="0">
+                <a:solidFill>
+                  <a:srgbClr val="0000FF"/>
+                </a:solidFill>
+                <a:latin typeface="Arial" panose="020B0604020202020204" pitchFamily="34" charset="0"/>
+                <a:ea typeface="Arial" panose="020B0604020202020204" pitchFamily="34" charset="0"/>
+              </a:rPr>
+              <a:t>anodiam.com/teacher/myprofile/professional/{userid}</a:t>
+            </a:r>
+          </a:p>
+        </p:txBody>
+      </p:sp>
+      <p:pic>
+        <p:nvPicPr>
+          <p:cNvPr id="4" name="Picture 3"/>
+          <p:cNvPicPr>
+            <a:picLocks noChangeAspect="1"/>
+          </p:cNvPicPr>
+          <p:nvPr/>
+        </p:nvPicPr>
+        <p:blipFill>
+          <a:blip r:embed="rId3"/>
+          <a:stretch>
+            <a:fillRect/>
+          </a:stretch>
+        </p:blipFill>
+        <p:spPr>
+          <a:xfrm>
+            <a:off x="838200" y="1772816"/>
+            <a:ext cx="7467600" cy="4105275"/>
+          </a:xfrm>
+          <a:prstGeom prst="rect">
+            <a:avLst/>
+          </a:prstGeom>
+        </p:spPr>
+      </p:pic>
+    </p:spTree>
+    <p:extLst>
+      <p:ext uri="{BB962C8B-B14F-4D97-AF65-F5344CB8AC3E}">
+        <p14:creationId xmlns:p14="http://schemas.microsoft.com/office/powerpoint/2010/main" val="1687650685"/>
+      </p:ext>
+    </p:extLst>
+  </p:cSld>
+  <p:clrMapOvr>
+    <a:masterClrMapping/>
+  </p:clrMapOvr>
+  <p:timing>
+    <p:tnLst>
+      <p:par>
+        <p:cTn id="1" dur="indefinite" restart="never" nodeType="tmRoot"/>
+      </p:par>
+    </p:tnLst>
+  </p:timing>
+</p:sld>
+</file>
+
+<file path=ppt/slides/slide11.xml><?xml version="1.0" encoding="utf-8"?>
+<p:sld xmlns:a="http://schemas.openxmlformats.org/drawingml/2006/main" xmlns:r="http://schemas.openxmlformats.org/officeDocument/2006/relationships" xmlns:p="http://schemas.openxmlformats.org/presentationml/2006/main">
+  <p:cSld>
+    <p:spTree>
+      <p:nvGrpSpPr>
+        <p:cNvPr id="1" name=""/>
+        <p:cNvGrpSpPr/>
+        <p:nvPr/>
+      </p:nvGrpSpPr>
+      <p:grpSpPr>
+        <a:xfrm>
+          <a:off x="0" y="0"/>
+          <a:ext cx="0" cy="0"/>
+          <a:chOff x="0" y="0"/>
+          <a:chExt cx="0" cy="0"/>
+        </a:xfrm>
+      </p:grpSpPr>
+      <p:sp>
+        <p:nvSpPr>
+          <p:cNvPr id="2" name="Rectangle 1"/>
+          <p:cNvSpPr/>
+          <p:nvPr/>
+        </p:nvSpPr>
+        <p:spPr>
+          <a:xfrm>
+            <a:off x="1763604" y="332656"/>
+            <a:ext cx="5379421" cy="480901"/>
+          </a:xfrm>
+          <a:prstGeom prst="rect">
+            <a:avLst/>
+          </a:prstGeom>
+        </p:spPr>
+        <p:txBody>
+          <a:bodyPr wrap="none">
+            <a:spAutoFit/>
+          </a:bodyPr>
+          <a:lstStyle/>
+          <a:p>
+            <a:pPr algn="ctr">
+              <a:lnSpc>
+                <a:spcPct val="115000"/>
+              </a:lnSpc>
+              <a:spcAft>
+                <a:spcPts val="0"/>
+              </a:spcAft>
+            </a:pPr>
+            <a:r>
+              <a:rPr lang="en-US" sz="2400" b="1" dirty="0" smtClean="0">
+                <a:latin typeface="Arial" panose="020B0604020202020204" pitchFamily="34" charset="0"/>
+                <a:ea typeface="Arial" panose="020B0604020202020204" pitchFamily="34" charset="0"/>
+              </a:rPr>
+              <a:t>Teacher App</a:t>
+            </a:r>
+            <a:r>
+              <a:rPr lang="en-US" sz="2400" b="1" dirty="0">
+                <a:latin typeface="Arial" panose="020B0604020202020204" pitchFamily="34" charset="0"/>
+                <a:ea typeface="Arial" panose="020B0604020202020204" pitchFamily="34" charset="0"/>
+              </a:rPr>
+              <a:t>: </a:t>
+            </a:r>
+            <a:r>
+              <a:rPr lang="en-US" sz="2400" b="1" dirty="0" smtClean="0">
+                <a:latin typeface="Arial" panose="020B0604020202020204" pitchFamily="34" charset="0"/>
+                <a:ea typeface="Arial" panose="020B0604020202020204" pitchFamily="34" charset="0"/>
+              </a:rPr>
+              <a:t>Financial Profile page</a:t>
+            </a:r>
+            <a:endParaRPr lang="en-AU" sz="2400" dirty="0">
+              <a:effectLst/>
+              <a:latin typeface="Arial" panose="020B0604020202020204" pitchFamily="34" charset="0"/>
+              <a:ea typeface="Arial" panose="020B0604020202020204" pitchFamily="34" charset="0"/>
+            </a:endParaRPr>
+          </a:p>
+        </p:txBody>
+      </p:sp>
+      <p:sp>
+        <p:nvSpPr>
+          <p:cNvPr id="3" name="Rectangle 2"/>
+          <p:cNvSpPr/>
+          <p:nvPr/>
+        </p:nvSpPr>
+        <p:spPr>
+          <a:xfrm>
+            <a:off x="431032" y="849721"/>
+            <a:ext cx="8245424" cy="307777"/>
+          </a:xfrm>
+          <a:prstGeom prst="rect">
+            <a:avLst/>
+          </a:prstGeom>
+        </p:spPr>
+        <p:txBody>
+          <a:bodyPr wrap="square">
+            <a:spAutoFit/>
+          </a:bodyPr>
+          <a:lstStyle/>
+          <a:p>
+            <a:pPr algn="ctr"/>
+            <a:r>
+              <a:rPr lang="en-US" sz="1400" dirty="0">
+                <a:latin typeface="Arial" panose="020B0604020202020204" pitchFamily="34" charset="0"/>
+                <a:ea typeface="Arial" panose="020B0604020202020204" pitchFamily="34" charset="0"/>
+              </a:rPr>
+              <a:t>Link: </a:t>
+            </a:r>
+            <a:r>
+              <a:rPr lang="en-US" sz="1400" u="sng" dirty="0">
+                <a:solidFill>
+                  <a:srgbClr val="0000FF"/>
+                </a:solidFill>
+                <a:latin typeface="Arial" panose="020B0604020202020204" pitchFamily="34" charset="0"/>
+                <a:ea typeface="Arial" panose="020B0604020202020204" pitchFamily="34" charset="0"/>
+                <a:hlinkClick r:id="rId2"/>
+              </a:rPr>
+              <a:t>https</a:t>
+            </a:r>
+            <a:r>
+              <a:rPr lang="en-US" sz="1400" u="sng" dirty="0" smtClean="0">
+                <a:solidFill>
+                  <a:srgbClr val="0000FF"/>
+                </a:solidFill>
+                <a:latin typeface="Arial" panose="020B0604020202020204" pitchFamily="34" charset="0"/>
+                <a:ea typeface="Arial" panose="020B0604020202020204" pitchFamily="34" charset="0"/>
+                <a:hlinkClick r:id="rId2"/>
+              </a:rPr>
+              <a:t>://</a:t>
+            </a:r>
+            <a:r>
+              <a:rPr lang="en-US" sz="1400" u="sng" dirty="0" smtClean="0">
+                <a:solidFill>
+                  <a:srgbClr val="0000FF"/>
+                </a:solidFill>
+                <a:latin typeface="Arial" panose="020B0604020202020204" pitchFamily="34" charset="0"/>
+                <a:ea typeface="Arial" panose="020B0604020202020204" pitchFamily="34" charset="0"/>
+              </a:rPr>
+              <a:t>anodiam.com/teacher/myprofile/financial/{userid}</a:t>
+            </a:r>
+          </a:p>
+        </p:txBody>
+      </p:sp>
+      <p:pic>
+        <p:nvPicPr>
+          <p:cNvPr id="4" name="Picture 3"/>
+          <p:cNvPicPr>
+            <a:picLocks noChangeAspect="1"/>
+          </p:cNvPicPr>
+          <p:nvPr/>
+        </p:nvPicPr>
+        <p:blipFill>
+          <a:blip r:embed="rId3"/>
+          <a:stretch>
+            <a:fillRect/>
+          </a:stretch>
+        </p:blipFill>
+        <p:spPr>
+          <a:xfrm>
+            <a:off x="838200" y="1700808"/>
+            <a:ext cx="7467600" cy="4324350"/>
+          </a:xfrm>
+          <a:prstGeom prst="rect">
+            <a:avLst/>
+          </a:prstGeom>
+        </p:spPr>
+      </p:pic>
+    </p:spTree>
+    <p:extLst>
+      <p:ext uri="{BB962C8B-B14F-4D97-AF65-F5344CB8AC3E}">
+        <p14:creationId xmlns:p14="http://schemas.microsoft.com/office/powerpoint/2010/main" val="3461176707"/>
+      </p:ext>
+    </p:extLst>
+  </p:cSld>
+  <p:clrMapOvr>
+    <a:masterClrMapping/>
+  </p:clrMapOvr>
+  <p:timing>
+    <p:tnLst>
+      <p:par>
+        <p:cTn id="1" dur="indefinite" restart="never" nodeType="tmRoot"/>
+      </p:par>
+    </p:tnLst>
+  </p:timing>
+</p:sld>
+</file>
+
+<file path=ppt/slides/slide12.xml><?xml version="1.0" encoding="utf-8"?>
+<p:sld xmlns:a="http://schemas.openxmlformats.org/drawingml/2006/main" xmlns:r="http://schemas.openxmlformats.org/officeDocument/2006/relationships" xmlns:p="http://schemas.openxmlformats.org/presentationml/2006/main">
+  <p:cSld>
+    <p:spTree>
+      <p:nvGrpSpPr>
+        <p:cNvPr id="1" name=""/>
+        <p:cNvGrpSpPr/>
+        <p:nvPr/>
+      </p:nvGrpSpPr>
+      <p:grpSpPr>
+        <a:xfrm>
+          <a:off x="0" y="0"/>
+          <a:ext cx="0" cy="0"/>
+          <a:chOff x="0" y="0"/>
+          <a:chExt cx="0" cy="0"/>
+        </a:xfrm>
+      </p:grpSpPr>
+      <p:sp>
+        <p:nvSpPr>
+          <p:cNvPr id="2" name="Rectangle 1"/>
+          <p:cNvSpPr/>
+          <p:nvPr/>
+        </p:nvSpPr>
+        <p:spPr>
+          <a:xfrm>
+            <a:off x="1813300" y="332656"/>
+            <a:ext cx="5280035" cy="517065"/>
+          </a:xfrm>
+          <a:prstGeom prst="rect">
+            <a:avLst/>
+          </a:prstGeom>
+        </p:spPr>
+        <p:txBody>
+          <a:bodyPr wrap="none">
+            <a:spAutoFit/>
+          </a:bodyPr>
+          <a:lstStyle/>
+          <a:p>
+            <a:pPr algn="ctr">
+              <a:lnSpc>
+                <a:spcPct val="115000"/>
+              </a:lnSpc>
+              <a:spcAft>
+                <a:spcPts val="0"/>
+              </a:spcAft>
+            </a:pPr>
+            <a:r>
+              <a:rPr lang="en-US" sz="2400" b="1" dirty="0" smtClean="0">
+                <a:latin typeface="Arial" panose="020B0604020202020204" pitchFamily="34" charset="0"/>
+                <a:ea typeface="Arial" panose="020B0604020202020204" pitchFamily="34" charset="0"/>
+              </a:rPr>
+              <a:t>Teacher App</a:t>
+            </a:r>
+            <a:r>
+              <a:rPr lang="en-US" sz="2400" b="1" dirty="0">
+                <a:latin typeface="Arial" panose="020B0604020202020204" pitchFamily="34" charset="0"/>
+                <a:ea typeface="Arial" panose="020B0604020202020204" pitchFamily="34" charset="0"/>
+              </a:rPr>
+              <a:t>: </a:t>
+            </a:r>
+            <a:r>
+              <a:rPr lang="en-US" sz="2400" b="1" dirty="0" smtClean="0">
+                <a:latin typeface="Arial" panose="020B0604020202020204" pitchFamily="34" charset="0"/>
+                <a:ea typeface="Arial" panose="020B0604020202020204" pitchFamily="34" charset="0"/>
+              </a:rPr>
+              <a:t>Payout Reports page</a:t>
+            </a:r>
+            <a:endParaRPr lang="en-AU" sz="2400" dirty="0">
+              <a:effectLst/>
+              <a:latin typeface="Arial" panose="020B0604020202020204" pitchFamily="34" charset="0"/>
+              <a:ea typeface="Arial" panose="020B0604020202020204" pitchFamily="34" charset="0"/>
+            </a:endParaRPr>
+          </a:p>
+        </p:txBody>
+      </p:sp>
+      <p:sp>
+        <p:nvSpPr>
+          <p:cNvPr id="3" name="Rectangle 2"/>
+          <p:cNvSpPr/>
+          <p:nvPr/>
+        </p:nvSpPr>
+        <p:spPr>
+          <a:xfrm>
+            <a:off x="431032" y="849721"/>
+            <a:ext cx="8245424" cy="307777"/>
+          </a:xfrm>
+          <a:prstGeom prst="rect">
+            <a:avLst/>
+          </a:prstGeom>
+        </p:spPr>
+        <p:txBody>
+          <a:bodyPr wrap="square">
+            <a:spAutoFit/>
+          </a:bodyPr>
+          <a:lstStyle/>
+          <a:p>
+            <a:pPr algn="ctr"/>
+            <a:r>
+              <a:rPr lang="en-US" sz="1400" dirty="0">
+                <a:latin typeface="Arial" panose="020B0604020202020204" pitchFamily="34" charset="0"/>
+                <a:ea typeface="Arial" panose="020B0604020202020204" pitchFamily="34" charset="0"/>
+              </a:rPr>
+              <a:t>Link: </a:t>
+            </a:r>
+            <a:r>
+              <a:rPr lang="en-US" sz="1400" u="sng" dirty="0">
+                <a:solidFill>
+                  <a:srgbClr val="0000FF"/>
+                </a:solidFill>
+                <a:latin typeface="Arial" panose="020B0604020202020204" pitchFamily="34" charset="0"/>
+                <a:ea typeface="Arial" panose="020B0604020202020204" pitchFamily="34" charset="0"/>
+                <a:hlinkClick r:id="rId2"/>
+              </a:rPr>
+              <a:t>https</a:t>
+            </a:r>
+            <a:r>
+              <a:rPr lang="en-US" sz="1400" u="sng" dirty="0" smtClean="0">
+                <a:solidFill>
+                  <a:srgbClr val="0000FF"/>
+                </a:solidFill>
+                <a:latin typeface="Arial" panose="020B0604020202020204" pitchFamily="34" charset="0"/>
+                <a:ea typeface="Arial" panose="020B0604020202020204" pitchFamily="34" charset="0"/>
+                <a:hlinkClick r:id="rId2"/>
+              </a:rPr>
+              <a:t>://</a:t>
+            </a:r>
+            <a:r>
+              <a:rPr lang="en-US" sz="1400" u="sng" dirty="0" smtClean="0">
+                <a:solidFill>
+                  <a:srgbClr val="0000FF"/>
+                </a:solidFill>
+                <a:latin typeface="Arial" panose="020B0604020202020204" pitchFamily="34" charset="0"/>
+                <a:ea typeface="Arial" panose="020B0604020202020204" pitchFamily="34" charset="0"/>
+              </a:rPr>
+              <a:t>anodiam.com/teacher/myprofile/payouts/{userid}</a:t>
+            </a:r>
+          </a:p>
+        </p:txBody>
+      </p:sp>
+      <p:pic>
+        <p:nvPicPr>
+          <p:cNvPr id="4" name="Picture 3"/>
+          <p:cNvPicPr>
+            <a:picLocks noChangeAspect="1"/>
+          </p:cNvPicPr>
+          <p:nvPr/>
+        </p:nvPicPr>
+        <p:blipFill>
+          <a:blip r:embed="rId3"/>
+          <a:stretch>
+            <a:fillRect/>
+          </a:stretch>
+        </p:blipFill>
+        <p:spPr>
+          <a:xfrm>
+            <a:off x="838200" y="1546820"/>
+            <a:ext cx="7467600" cy="4762500"/>
+          </a:xfrm>
+          <a:prstGeom prst="rect">
+            <a:avLst/>
+          </a:prstGeom>
+        </p:spPr>
+      </p:pic>
+    </p:spTree>
+    <p:extLst>
+      <p:ext uri="{BB962C8B-B14F-4D97-AF65-F5344CB8AC3E}">
+        <p14:creationId xmlns:p14="http://schemas.microsoft.com/office/powerpoint/2010/main" val="3005973504"/>
+      </p:ext>
+    </p:extLst>
+  </p:cSld>
+  <p:clrMapOvr>
+    <a:masterClrMapping/>
+  </p:clrMapOvr>
+  <p:timing>
+    <p:tnLst>
+      <p:par>
+        <p:cTn id="1" dur="indefinite" restart="never" nodeType="tmRoot"/>
+      </p:par>
+    </p:tnLst>
+  </p:timing>
+</p:sld>
+</file>
+
+<file path=ppt/slides/slide13.xml><?xml version="1.0" encoding="utf-8"?>
+<p:sld xmlns:a="http://schemas.openxmlformats.org/drawingml/2006/main" xmlns:r="http://schemas.openxmlformats.org/officeDocument/2006/relationships" xmlns:p="http://schemas.openxmlformats.org/presentationml/2006/main">
+  <p:cSld>
+    <p:spTree>
+      <p:nvGrpSpPr>
+        <p:cNvPr id="1" name=""/>
+        <p:cNvGrpSpPr/>
+        <p:nvPr/>
+      </p:nvGrpSpPr>
+      <p:grpSpPr>
+        <a:xfrm>
+          <a:off x="0" y="0"/>
+          <a:ext cx="0" cy="0"/>
+          <a:chOff x="0" y="0"/>
+          <a:chExt cx="0" cy="0"/>
+        </a:xfrm>
+      </p:grpSpPr>
+      <p:sp>
+        <p:nvSpPr>
+          <p:cNvPr id="2" name="Rectangle 1"/>
+          <p:cNvSpPr/>
+          <p:nvPr/>
+        </p:nvSpPr>
+        <p:spPr>
+          <a:xfrm>
+            <a:off x="2271856" y="332656"/>
+            <a:ext cx="4362926" cy="480901"/>
+          </a:xfrm>
+          <a:prstGeom prst="rect">
+            <a:avLst/>
+          </a:prstGeom>
+        </p:spPr>
+        <p:txBody>
+          <a:bodyPr wrap="none">
+            <a:spAutoFit/>
+          </a:bodyPr>
+          <a:lstStyle/>
+          <a:p>
+            <a:pPr algn="ctr">
+              <a:lnSpc>
+                <a:spcPct val="115000"/>
+              </a:lnSpc>
+              <a:spcAft>
+                <a:spcPts val="0"/>
+              </a:spcAft>
+            </a:pPr>
+            <a:r>
+              <a:rPr lang="en-US" sz="2400" b="1" dirty="0" smtClean="0">
+                <a:latin typeface="Arial" panose="020B0604020202020204" pitchFamily="34" charset="0"/>
+                <a:ea typeface="Arial" panose="020B0604020202020204" pitchFamily="34" charset="0"/>
+              </a:rPr>
+              <a:t>Teacher App</a:t>
+            </a:r>
+            <a:r>
+              <a:rPr lang="en-US" sz="2400" b="1" dirty="0">
+                <a:latin typeface="Arial" panose="020B0604020202020204" pitchFamily="34" charset="0"/>
+                <a:ea typeface="Arial" panose="020B0604020202020204" pitchFamily="34" charset="0"/>
+              </a:rPr>
+              <a:t>: </a:t>
+            </a:r>
+            <a:r>
+              <a:rPr lang="en-US" sz="2400" b="1" dirty="0" smtClean="0">
+                <a:latin typeface="Arial" panose="020B0604020202020204" pitchFamily="34" charset="0"/>
+                <a:ea typeface="Arial" panose="020B0604020202020204" pitchFamily="34" charset="0"/>
+              </a:rPr>
+              <a:t>Analytics page</a:t>
+            </a:r>
+            <a:endParaRPr lang="en-AU" sz="2400" dirty="0">
+              <a:effectLst/>
+              <a:latin typeface="Arial" panose="020B0604020202020204" pitchFamily="34" charset="0"/>
+              <a:ea typeface="Arial" panose="020B0604020202020204" pitchFamily="34" charset="0"/>
+            </a:endParaRPr>
+          </a:p>
+        </p:txBody>
+      </p:sp>
+      <p:sp>
+        <p:nvSpPr>
+          <p:cNvPr id="3" name="Rectangle 2"/>
+          <p:cNvSpPr/>
+          <p:nvPr/>
+        </p:nvSpPr>
+        <p:spPr>
+          <a:xfrm>
+            <a:off x="431032" y="849721"/>
+            <a:ext cx="8245424" cy="307777"/>
+          </a:xfrm>
+          <a:prstGeom prst="rect">
+            <a:avLst/>
+          </a:prstGeom>
+        </p:spPr>
+        <p:txBody>
+          <a:bodyPr wrap="square">
+            <a:spAutoFit/>
+          </a:bodyPr>
+          <a:lstStyle/>
+          <a:p>
+            <a:pPr algn="ctr"/>
+            <a:r>
+              <a:rPr lang="en-US" sz="1400" dirty="0">
+                <a:latin typeface="Arial" panose="020B0604020202020204" pitchFamily="34" charset="0"/>
+                <a:ea typeface="Arial" panose="020B0604020202020204" pitchFamily="34" charset="0"/>
+              </a:rPr>
+              <a:t>Link: </a:t>
+            </a:r>
+            <a:r>
+              <a:rPr lang="en-US" sz="1400" u="sng" dirty="0">
+                <a:solidFill>
+                  <a:srgbClr val="0000FF"/>
+                </a:solidFill>
+                <a:latin typeface="Arial" panose="020B0604020202020204" pitchFamily="34" charset="0"/>
+                <a:ea typeface="Arial" panose="020B0604020202020204" pitchFamily="34" charset="0"/>
+                <a:hlinkClick r:id="rId2"/>
+              </a:rPr>
+              <a:t>https</a:t>
+            </a:r>
+            <a:r>
+              <a:rPr lang="en-US" sz="1400" u="sng" dirty="0" smtClean="0">
+                <a:solidFill>
+                  <a:srgbClr val="0000FF"/>
+                </a:solidFill>
+                <a:latin typeface="Arial" panose="020B0604020202020204" pitchFamily="34" charset="0"/>
+                <a:ea typeface="Arial" panose="020B0604020202020204" pitchFamily="34" charset="0"/>
+                <a:hlinkClick r:id="rId2"/>
+              </a:rPr>
+              <a:t>://</a:t>
+            </a:r>
+            <a:r>
+              <a:rPr lang="en-US" sz="1400" u="sng" dirty="0" smtClean="0">
+                <a:solidFill>
+                  <a:srgbClr val="0000FF"/>
+                </a:solidFill>
+                <a:latin typeface="Arial" panose="020B0604020202020204" pitchFamily="34" charset="0"/>
+                <a:ea typeface="Arial" panose="020B0604020202020204" pitchFamily="34" charset="0"/>
+              </a:rPr>
+              <a:t>anodiam.com/teacher/myprofile/analytics/{userid}</a:t>
+            </a:r>
+          </a:p>
+        </p:txBody>
+      </p:sp>
+      <p:pic>
+        <p:nvPicPr>
+          <p:cNvPr id="5" name="Picture 4"/>
+          <p:cNvPicPr>
+            <a:picLocks noChangeAspect="1"/>
+          </p:cNvPicPr>
+          <p:nvPr/>
+        </p:nvPicPr>
+        <p:blipFill>
+          <a:blip r:embed="rId3"/>
+          <a:stretch>
+            <a:fillRect/>
+          </a:stretch>
+        </p:blipFill>
+        <p:spPr>
+          <a:xfrm>
+            <a:off x="838200" y="1546820"/>
+            <a:ext cx="7467600" cy="4762500"/>
+          </a:xfrm>
+          <a:prstGeom prst="rect">
+            <a:avLst/>
+          </a:prstGeom>
+        </p:spPr>
+      </p:pic>
+    </p:spTree>
+    <p:extLst>
+      <p:ext uri="{BB962C8B-B14F-4D97-AF65-F5344CB8AC3E}">
+        <p14:creationId xmlns:p14="http://schemas.microsoft.com/office/powerpoint/2010/main" val="2724908613"/>
+      </p:ext>
+    </p:extLst>
+  </p:cSld>
+  <p:clrMapOvr>
+    <a:masterClrMapping/>
+  </p:clrMapOvr>
+  <p:timing>
+    <p:tnLst>
+      <p:par>
+        <p:cTn id="1" dur="indefinite" restart="never" nodeType="tmRoot"/>
+      </p:par>
+    </p:tnLst>
+  </p:timing>
+</p:sld>
+</file>
+
+<file path=ppt/slides/slide14.xml><?xml version="1.0" encoding="utf-8"?>
+<p:sld xmlns:a="http://schemas.openxmlformats.org/drawingml/2006/main" xmlns:r="http://schemas.openxmlformats.org/officeDocument/2006/relationships" xmlns:p="http://schemas.openxmlformats.org/presentationml/2006/main">
+  <p:cSld>
+    <p:spTree>
+      <p:nvGrpSpPr>
+        <p:cNvPr id="1" name=""/>
+        <p:cNvGrpSpPr/>
+        <p:nvPr/>
+      </p:nvGrpSpPr>
+      <p:grpSpPr>
+        <a:xfrm>
+          <a:off x="0" y="0"/>
+          <a:ext cx="0" cy="0"/>
+          <a:chOff x="0" y="0"/>
+          <a:chExt cx="0" cy="0"/>
+        </a:xfrm>
+      </p:grpSpPr>
+      <p:sp>
+        <p:nvSpPr>
+          <p:cNvPr id="2" name="Rectangle 1"/>
+          <p:cNvSpPr/>
+          <p:nvPr/>
+        </p:nvSpPr>
+        <p:spPr>
+          <a:xfrm>
+            <a:off x="1434997" y="332656"/>
+            <a:ext cx="6036653" cy="480901"/>
+          </a:xfrm>
+          <a:prstGeom prst="rect">
+            <a:avLst/>
+          </a:prstGeom>
+        </p:spPr>
+        <p:txBody>
+          <a:bodyPr wrap="none">
+            <a:spAutoFit/>
+          </a:bodyPr>
+          <a:lstStyle/>
+          <a:p>
+            <a:pPr algn="ctr">
+              <a:lnSpc>
+                <a:spcPct val="115000"/>
+              </a:lnSpc>
+              <a:spcAft>
+                <a:spcPts val="0"/>
+              </a:spcAft>
+            </a:pPr>
+            <a:r>
+              <a:rPr lang="en-US" sz="2400" b="1" dirty="0" smtClean="0">
+                <a:latin typeface="Arial" panose="020B0604020202020204" pitchFamily="34" charset="0"/>
+                <a:ea typeface="Arial" panose="020B0604020202020204" pitchFamily="34" charset="0"/>
+              </a:rPr>
+              <a:t>Teacher App</a:t>
+            </a:r>
+            <a:r>
+              <a:rPr lang="en-US" sz="2400" b="1" dirty="0">
+                <a:latin typeface="Arial" panose="020B0604020202020204" pitchFamily="34" charset="0"/>
+                <a:ea typeface="Arial" panose="020B0604020202020204" pitchFamily="34" charset="0"/>
+              </a:rPr>
+              <a:t>: </a:t>
+            </a:r>
+            <a:r>
+              <a:rPr lang="en-US" sz="2400" b="1" dirty="0" smtClean="0">
+                <a:latin typeface="Arial" panose="020B0604020202020204" pitchFamily="34" charset="0"/>
+                <a:ea typeface="Arial" panose="020B0604020202020204" pitchFamily="34" charset="0"/>
+              </a:rPr>
+              <a:t>Notifications &gt; Inbox page</a:t>
+            </a:r>
+            <a:endParaRPr lang="en-AU" sz="2400" dirty="0">
+              <a:effectLst/>
+              <a:latin typeface="Arial" panose="020B0604020202020204" pitchFamily="34" charset="0"/>
+              <a:ea typeface="Arial" panose="020B0604020202020204" pitchFamily="34" charset="0"/>
+            </a:endParaRPr>
+          </a:p>
+        </p:txBody>
+      </p:sp>
+      <p:sp>
+        <p:nvSpPr>
+          <p:cNvPr id="3" name="Rectangle 2"/>
+          <p:cNvSpPr/>
+          <p:nvPr/>
+        </p:nvSpPr>
+        <p:spPr>
+          <a:xfrm>
+            <a:off x="431032" y="849721"/>
+            <a:ext cx="8245424" cy="307777"/>
+          </a:xfrm>
+          <a:prstGeom prst="rect">
+            <a:avLst/>
+          </a:prstGeom>
+        </p:spPr>
+        <p:txBody>
+          <a:bodyPr wrap="square">
+            <a:spAutoFit/>
+          </a:bodyPr>
+          <a:lstStyle/>
+          <a:p>
+            <a:pPr algn="ctr"/>
+            <a:r>
+              <a:rPr lang="en-US" sz="1400" dirty="0">
+                <a:latin typeface="Arial" panose="020B0604020202020204" pitchFamily="34" charset="0"/>
+                <a:ea typeface="Arial" panose="020B0604020202020204" pitchFamily="34" charset="0"/>
+              </a:rPr>
+              <a:t>Link: </a:t>
+            </a:r>
+            <a:r>
+              <a:rPr lang="en-US" sz="1400" u="sng" dirty="0">
+                <a:solidFill>
+                  <a:srgbClr val="0000FF"/>
+                </a:solidFill>
+                <a:latin typeface="Arial" panose="020B0604020202020204" pitchFamily="34" charset="0"/>
+                <a:ea typeface="Arial" panose="020B0604020202020204" pitchFamily="34" charset="0"/>
+                <a:hlinkClick r:id="rId2"/>
+              </a:rPr>
+              <a:t>https</a:t>
+            </a:r>
+            <a:r>
+              <a:rPr lang="en-US" sz="1400" u="sng" dirty="0" smtClean="0">
+                <a:solidFill>
+                  <a:srgbClr val="0000FF"/>
+                </a:solidFill>
+                <a:latin typeface="Arial" panose="020B0604020202020204" pitchFamily="34" charset="0"/>
+                <a:ea typeface="Arial" panose="020B0604020202020204" pitchFamily="34" charset="0"/>
+                <a:hlinkClick r:id="rId2"/>
+              </a:rPr>
+              <a:t>://</a:t>
+            </a:r>
+            <a:r>
+              <a:rPr lang="en-US" sz="1400" u="sng" dirty="0" smtClean="0">
+                <a:solidFill>
+                  <a:srgbClr val="0000FF"/>
+                </a:solidFill>
+                <a:latin typeface="Arial" panose="020B0604020202020204" pitchFamily="34" charset="0"/>
+                <a:ea typeface="Arial" panose="020B0604020202020204" pitchFamily="34" charset="0"/>
+              </a:rPr>
+              <a:t>anodiam.com/teacher/inbox/{userid}</a:t>
+            </a:r>
+          </a:p>
+        </p:txBody>
+      </p:sp>
+      <p:pic>
+        <p:nvPicPr>
+          <p:cNvPr id="8" name="Picture 7"/>
+          <p:cNvPicPr>
+            <a:picLocks noChangeAspect="1"/>
+          </p:cNvPicPr>
+          <p:nvPr/>
+        </p:nvPicPr>
+        <p:blipFill>
+          <a:blip r:embed="rId3"/>
+          <a:stretch>
+            <a:fillRect/>
+          </a:stretch>
+        </p:blipFill>
+        <p:spPr>
+          <a:xfrm>
+            <a:off x="838200" y="1835621"/>
+            <a:ext cx="7467600" cy="4257675"/>
+          </a:xfrm>
+          <a:prstGeom prst="rect">
+            <a:avLst/>
+          </a:prstGeom>
+        </p:spPr>
+      </p:pic>
+    </p:spTree>
+    <p:extLst>
+      <p:ext uri="{BB962C8B-B14F-4D97-AF65-F5344CB8AC3E}">
+        <p14:creationId xmlns:p14="http://schemas.microsoft.com/office/powerpoint/2010/main" val="526722271"/>
+      </p:ext>
+    </p:extLst>
+  </p:cSld>
+  <p:clrMapOvr>
+    <a:masterClrMapping/>
+  </p:clrMapOvr>
+  <p:timing>
+    <p:tnLst>
+      <p:par>
+        <p:cTn id="1" dur="indefinite" restart="never" nodeType="tmRoot"/>
+      </p:par>
+    </p:tnLst>
+  </p:timing>
+</p:sld>
+</file>
+
+<file path=ppt/slides/slide15.xml><?xml version="1.0" encoding="utf-8"?>
+<p:sld xmlns:a="http://schemas.openxmlformats.org/drawingml/2006/main" xmlns:r="http://schemas.openxmlformats.org/officeDocument/2006/relationships" xmlns:p="http://schemas.openxmlformats.org/presentationml/2006/main">
+  <p:cSld>
+    <p:spTree>
+      <p:nvGrpSpPr>
+        <p:cNvPr id="1" name=""/>
+        <p:cNvGrpSpPr/>
+        <p:nvPr/>
+      </p:nvGrpSpPr>
+      <p:grpSpPr>
+        <a:xfrm>
+          <a:off x="0" y="0"/>
+          <a:ext cx="0" cy="0"/>
+          <a:chOff x="0" y="0"/>
+          <a:chExt cx="0" cy="0"/>
+        </a:xfrm>
+      </p:grpSpPr>
+      <p:sp>
+        <p:nvSpPr>
+          <p:cNvPr id="2" name="Rectangle 1"/>
+          <p:cNvSpPr/>
+          <p:nvPr/>
+        </p:nvSpPr>
+        <p:spPr>
+          <a:xfrm>
+            <a:off x="609448" y="332656"/>
+            <a:ext cx="7687747" cy="480901"/>
+          </a:xfrm>
+          <a:prstGeom prst="rect">
+            <a:avLst/>
+          </a:prstGeom>
+        </p:spPr>
+        <p:txBody>
+          <a:bodyPr wrap="none">
+            <a:spAutoFit/>
+          </a:bodyPr>
+          <a:lstStyle/>
+          <a:p>
+            <a:pPr algn="ctr">
+              <a:lnSpc>
+                <a:spcPct val="115000"/>
+              </a:lnSpc>
+              <a:spcAft>
+                <a:spcPts val="0"/>
+              </a:spcAft>
+            </a:pPr>
+            <a:r>
+              <a:rPr lang="en-US" sz="2400" b="1" dirty="0">
+                <a:latin typeface="Arial" panose="020B0604020202020204" pitchFamily="34" charset="0"/>
+                <a:ea typeface="Arial" panose="020B0604020202020204" pitchFamily="34" charset="0"/>
+              </a:rPr>
+              <a:t>Teacher App: Notifications &gt; Inbox </a:t>
+            </a:r>
+            <a:r>
+              <a:rPr lang="en-US" sz="2400" b="1" dirty="0" smtClean="0">
+                <a:latin typeface="Arial" panose="020B0604020202020204" pitchFamily="34" charset="0"/>
+                <a:ea typeface="Arial" panose="020B0604020202020204" pitchFamily="34" charset="0"/>
+              </a:rPr>
+              <a:t>&gt; Message page</a:t>
+            </a:r>
+            <a:endParaRPr lang="en-AU" sz="2400" dirty="0">
+              <a:latin typeface="Arial" panose="020B0604020202020204" pitchFamily="34" charset="0"/>
+              <a:ea typeface="Arial" panose="020B0604020202020204" pitchFamily="34" charset="0"/>
+            </a:endParaRPr>
+          </a:p>
+        </p:txBody>
+      </p:sp>
+      <p:sp>
+        <p:nvSpPr>
+          <p:cNvPr id="3" name="Rectangle 2"/>
+          <p:cNvSpPr/>
+          <p:nvPr/>
+        </p:nvSpPr>
+        <p:spPr>
+          <a:xfrm>
+            <a:off x="431032" y="849721"/>
+            <a:ext cx="8245424" cy="307777"/>
+          </a:xfrm>
+          <a:prstGeom prst="rect">
+            <a:avLst/>
+          </a:prstGeom>
+        </p:spPr>
+        <p:txBody>
+          <a:bodyPr wrap="square">
+            <a:spAutoFit/>
+          </a:bodyPr>
+          <a:lstStyle/>
+          <a:p>
+            <a:pPr algn="ctr"/>
+            <a:r>
+              <a:rPr lang="en-US" sz="1400" dirty="0">
+                <a:latin typeface="Arial" panose="020B0604020202020204" pitchFamily="34" charset="0"/>
+                <a:ea typeface="Arial" panose="020B0604020202020204" pitchFamily="34" charset="0"/>
+              </a:rPr>
+              <a:t>Link: </a:t>
+            </a:r>
+            <a:r>
+              <a:rPr lang="en-US" sz="1400" u="sng" dirty="0">
+                <a:solidFill>
+                  <a:srgbClr val="0000FF"/>
+                </a:solidFill>
+                <a:latin typeface="Arial" panose="020B0604020202020204" pitchFamily="34" charset="0"/>
+                <a:ea typeface="Arial" panose="020B0604020202020204" pitchFamily="34" charset="0"/>
+                <a:hlinkClick r:id="rId2"/>
+              </a:rPr>
+              <a:t>https</a:t>
+            </a:r>
+            <a:r>
+              <a:rPr lang="en-US" sz="1400" u="sng" dirty="0" smtClean="0">
+                <a:solidFill>
+                  <a:srgbClr val="0000FF"/>
+                </a:solidFill>
+                <a:latin typeface="Arial" panose="020B0604020202020204" pitchFamily="34" charset="0"/>
+                <a:ea typeface="Arial" panose="020B0604020202020204" pitchFamily="34" charset="0"/>
+                <a:hlinkClick r:id="rId2"/>
+              </a:rPr>
+              <a:t>://</a:t>
+            </a:r>
+            <a:r>
+              <a:rPr lang="en-US" sz="1400" u="sng" dirty="0" smtClean="0">
+                <a:solidFill>
+                  <a:srgbClr val="0000FF"/>
+                </a:solidFill>
+                <a:latin typeface="Arial" panose="020B0604020202020204" pitchFamily="34" charset="0"/>
+                <a:ea typeface="Arial" panose="020B0604020202020204" pitchFamily="34" charset="0"/>
+              </a:rPr>
+              <a:t>anodiam.com/teacher/message/{messageid}</a:t>
+            </a:r>
+          </a:p>
+        </p:txBody>
+      </p:sp>
+      <p:pic>
+        <p:nvPicPr>
+          <p:cNvPr id="6" name="Picture 5"/>
+          <p:cNvPicPr>
+            <a:picLocks noChangeAspect="1"/>
+          </p:cNvPicPr>
+          <p:nvPr/>
+        </p:nvPicPr>
+        <p:blipFill>
+          <a:blip r:embed="rId3"/>
+          <a:stretch>
+            <a:fillRect/>
+          </a:stretch>
+        </p:blipFill>
+        <p:spPr>
+          <a:xfrm>
+            <a:off x="838200" y="1700808"/>
+            <a:ext cx="7467600" cy="4257675"/>
+          </a:xfrm>
+          <a:prstGeom prst="rect">
+            <a:avLst/>
+          </a:prstGeom>
+        </p:spPr>
+      </p:pic>
+    </p:spTree>
+    <p:extLst>
+      <p:ext uri="{BB962C8B-B14F-4D97-AF65-F5344CB8AC3E}">
+        <p14:creationId xmlns:p14="http://schemas.microsoft.com/office/powerpoint/2010/main" val="1743414437"/>
+      </p:ext>
+    </p:extLst>
+  </p:cSld>
+  <p:clrMapOvr>
+    <a:masterClrMapping/>
+  </p:clrMapOvr>
+  <p:timing>
+    <p:tnLst>
+      <p:par>
+        <p:cTn id="1" dur="indefinite" restart="never" nodeType="tmRoot"/>
+      </p:par>
+    </p:tnLst>
+  </p:timing>
+</p:sld>
+</file>
+
+<file path=ppt/slides/slide16.xml><?xml version="1.0" encoding="utf-8"?>
+<p:sld xmlns:a="http://schemas.openxmlformats.org/drawingml/2006/main" xmlns:r="http://schemas.openxmlformats.org/officeDocument/2006/relationships" xmlns:p="http://schemas.openxmlformats.org/presentationml/2006/main">
+  <p:cSld>
+    <p:spTree>
+      <p:nvGrpSpPr>
+        <p:cNvPr id="1" name=""/>
+        <p:cNvGrpSpPr/>
+        <p:nvPr/>
+      </p:nvGrpSpPr>
+      <p:grpSpPr>
+        <a:xfrm>
+          <a:off x="0" y="0"/>
+          <a:ext cx="0" cy="0"/>
+          <a:chOff x="0" y="0"/>
+          <a:chExt cx="0" cy="0"/>
+        </a:xfrm>
+      </p:grpSpPr>
+      <p:sp>
+        <p:nvSpPr>
+          <p:cNvPr id="2" name="Rectangle 1"/>
+          <p:cNvSpPr/>
+          <p:nvPr/>
+        </p:nvSpPr>
+        <p:spPr>
+          <a:xfrm>
+            <a:off x="1271493" y="332656"/>
+            <a:ext cx="6363666" cy="480901"/>
+          </a:xfrm>
+          <a:prstGeom prst="rect">
+            <a:avLst/>
+          </a:prstGeom>
+        </p:spPr>
+        <p:txBody>
+          <a:bodyPr wrap="none">
+            <a:spAutoFit/>
+          </a:bodyPr>
+          <a:lstStyle/>
+          <a:p>
+            <a:pPr algn="ctr">
+              <a:lnSpc>
+                <a:spcPct val="115000"/>
+              </a:lnSpc>
+              <a:spcAft>
+                <a:spcPts val="0"/>
+              </a:spcAft>
+            </a:pPr>
+            <a:r>
+              <a:rPr lang="en-US" sz="2400" b="1" dirty="0" smtClean="0">
+                <a:latin typeface="Arial" panose="020B0604020202020204" pitchFamily="34" charset="0"/>
+                <a:ea typeface="Arial" panose="020B0604020202020204" pitchFamily="34" charset="0"/>
+              </a:rPr>
+              <a:t>Teacher App</a:t>
+            </a:r>
+            <a:r>
+              <a:rPr lang="en-US" sz="2400" b="1" dirty="0">
+                <a:latin typeface="Arial" panose="020B0604020202020204" pitchFamily="34" charset="0"/>
+                <a:ea typeface="Arial" panose="020B0604020202020204" pitchFamily="34" charset="0"/>
+              </a:rPr>
+              <a:t>: </a:t>
+            </a:r>
+            <a:r>
+              <a:rPr lang="en-US" sz="2400" b="1" dirty="0" smtClean="0">
+                <a:latin typeface="Arial" panose="020B0604020202020204" pitchFamily="34" charset="0"/>
+                <a:ea typeface="Arial" panose="020B0604020202020204" pitchFamily="34" charset="0"/>
+              </a:rPr>
+              <a:t>Notifications &gt; Queries page</a:t>
+            </a:r>
+            <a:endParaRPr lang="en-AU" sz="2400" dirty="0">
+              <a:effectLst/>
+              <a:latin typeface="Arial" panose="020B0604020202020204" pitchFamily="34" charset="0"/>
+              <a:ea typeface="Arial" panose="020B0604020202020204" pitchFamily="34" charset="0"/>
+            </a:endParaRPr>
+          </a:p>
+        </p:txBody>
+      </p:sp>
+      <p:sp>
+        <p:nvSpPr>
+          <p:cNvPr id="3" name="Rectangle 2"/>
+          <p:cNvSpPr/>
+          <p:nvPr/>
+        </p:nvSpPr>
+        <p:spPr>
+          <a:xfrm>
+            <a:off x="431032" y="849721"/>
+            <a:ext cx="8245424" cy="307777"/>
+          </a:xfrm>
+          <a:prstGeom prst="rect">
+            <a:avLst/>
+          </a:prstGeom>
+        </p:spPr>
+        <p:txBody>
+          <a:bodyPr wrap="square">
+            <a:spAutoFit/>
+          </a:bodyPr>
+          <a:lstStyle/>
+          <a:p>
+            <a:pPr algn="ctr"/>
+            <a:r>
+              <a:rPr lang="en-US" sz="1400" dirty="0">
+                <a:latin typeface="Arial" panose="020B0604020202020204" pitchFamily="34" charset="0"/>
+                <a:ea typeface="Arial" panose="020B0604020202020204" pitchFamily="34" charset="0"/>
+              </a:rPr>
+              <a:t>Link: </a:t>
+            </a:r>
+            <a:r>
+              <a:rPr lang="en-US" sz="1400" u="sng" dirty="0">
+                <a:solidFill>
+                  <a:srgbClr val="0000FF"/>
+                </a:solidFill>
+                <a:latin typeface="Arial" panose="020B0604020202020204" pitchFamily="34" charset="0"/>
+                <a:ea typeface="Arial" panose="020B0604020202020204" pitchFamily="34" charset="0"/>
+                <a:hlinkClick r:id="rId2"/>
+              </a:rPr>
+              <a:t>https</a:t>
+            </a:r>
+            <a:r>
+              <a:rPr lang="en-US" sz="1400" u="sng" dirty="0" smtClean="0">
+                <a:solidFill>
+                  <a:srgbClr val="0000FF"/>
+                </a:solidFill>
+                <a:latin typeface="Arial" panose="020B0604020202020204" pitchFamily="34" charset="0"/>
+                <a:ea typeface="Arial" panose="020B0604020202020204" pitchFamily="34" charset="0"/>
+                <a:hlinkClick r:id="rId2"/>
+              </a:rPr>
+              <a:t>://</a:t>
+            </a:r>
+            <a:r>
+              <a:rPr lang="en-US" sz="1400" u="sng" dirty="0" smtClean="0">
+                <a:solidFill>
+                  <a:srgbClr val="0000FF"/>
+                </a:solidFill>
+                <a:latin typeface="Arial" panose="020B0604020202020204" pitchFamily="34" charset="0"/>
+                <a:ea typeface="Arial" panose="020B0604020202020204" pitchFamily="34" charset="0"/>
+              </a:rPr>
+              <a:t>anodiam.com/teacher/queries/{</a:t>
+            </a:r>
+            <a:r>
+              <a:rPr lang="en-US" sz="1400" u="sng" dirty="0" smtClean="0">
+                <a:solidFill>
+                  <a:srgbClr val="0000FF"/>
+                </a:solidFill>
+                <a:latin typeface="Arial" panose="020B0604020202020204" pitchFamily="34" charset="0"/>
+                <a:ea typeface="Arial" panose="020B0604020202020204" pitchFamily="34" charset="0"/>
+              </a:rPr>
+              <a:t>userid}</a:t>
+            </a:r>
+          </a:p>
+        </p:txBody>
+      </p:sp>
+      <p:pic>
+        <p:nvPicPr>
+          <p:cNvPr id="4" name="Picture 3"/>
+          <p:cNvPicPr>
+            <a:picLocks noChangeAspect="1"/>
+          </p:cNvPicPr>
+          <p:nvPr/>
+        </p:nvPicPr>
+        <p:blipFill>
+          <a:blip r:embed="rId3"/>
+          <a:stretch>
+            <a:fillRect/>
+          </a:stretch>
+        </p:blipFill>
+        <p:spPr>
+          <a:xfrm>
+            <a:off x="838200" y="1691605"/>
+            <a:ext cx="7467600" cy="4257675"/>
+          </a:xfrm>
+          <a:prstGeom prst="rect">
+            <a:avLst/>
+          </a:prstGeom>
+        </p:spPr>
+      </p:pic>
+    </p:spTree>
+    <p:extLst>
+      <p:ext uri="{BB962C8B-B14F-4D97-AF65-F5344CB8AC3E}">
+        <p14:creationId xmlns:p14="http://schemas.microsoft.com/office/powerpoint/2010/main" val="680381503"/>
+      </p:ext>
+    </p:extLst>
+  </p:cSld>
+  <p:clrMapOvr>
+    <a:masterClrMapping/>
+  </p:clrMapOvr>
+  <p:timing>
+    <p:tnLst>
+      <p:par>
+        <p:cTn id="1" dur="indefinite" restart="never" nodeType="tmRoot"/>
+      </p:par>
+    </p:tnLst>
+  </p:timing>
+</p:sld>
+</file>
+
+<file path=ppt/slides/slide17.xml><?xml version="1.0" encoding="utf-8"?>
+<p:sld xmlns:a="http://schemas.openxmlformats.org/drawingml/2006/main" xmlns:r="http://schemas.openxmlformats.org/officeDocument/2006/relationships" xmlns:p="http://schemas.openxmlformats.org/presentationml/2006/main">
+  <p:cSld>
+    <p:spTree>
+      <p:nvGrpSpPr>
+        <p:cNvPr id="1" name=""/>
+        <p:cNvGrpSpPr/>
+        <p:nvPr/>
+      </p:nvGrpSpPr>
+      <p:grpSpPr>
+        <a:xfrm>
+          <a:off x="0" y="0"/>
+          <a:ext cx="0" cy="0"/>
+          <a:chOff x="0" y="0"/>
+          <a:chExt cx="0" cy="0"/>
+        </a:xfrm>
+      </p:grpSpPr>
+      <p:sp>
+        <p:nvSpPr>
+          <p:cNvPr id="2" name="Rectangle 1"/>
+          <p:cNvSpPr/>
+          <p:nvPr/>
+        </p:nvSpPr>
+        <p:spPr>
+          <a:xfrm>
+            <a:off x="46858" y="332656"/>
+            <a:ext cx="9133654" cy="517065"/>
+          </a:xfrm>
+          <a:prstGeom prst="rect">
+            <a:avLst/>
+          </a:prstGeom>
+        </p:spPr>
+        <p:txBody>
+          <a:bodyPr wrap="none">
+            <a:spAutoFit/>
+          </a:bodyPr>
+          <a:lstStyle/>
+          <a:p>
+            <a:pPr algn="ctr">
+              <a:lnSpc>
+                <a:spcPct val="115000"/>
+              </a:lnSpc>
+              <a:spcAft>
+                <a:spcPts val="0"/>
+              </a:spcAft>
+            </a:pPr>
+            <a:r>
+              <a:rPr lang="en-US" sz="2400" b="1" dirty="0">
+                <a:latin typeface="Arial" panose="020B0604020202020204" pitchFamily="34" charset="0"/>
+                <a:ea typeface="Arial" panose="020B0604020202020204" pitchFamily="34" charset="0"/>
+              </a:rPr>
+              <a:t>Teacher App: Notifications &gt; </a:t>
+            </a:r>
+            <a:r>
+              <a:rPr lang="en-US" sz="2400" b="1" dirty="0" smtClean="0">
+                <a:latin typeface="Arial" panose="020B0604020202020204" pitchFamily="34" charset="0"/>
+                <a:ea typeface="Arial" panose="020B0604020202020204" pitchFamily="34" charset="0"/>
+              </a:rPr>
+              <a:t>Queries &gt; Query &gt; Resolve page</a:t>
+            </a:r>
+            <a:endParaRPr lang="en-AU" sz="2400" dirty="0">
+              <a:latin typeface="Arial" panose="020B0604020202020204" pitchFamily="34" charset="0"/>
+              <a:ea typeface="Arial" panose="020B0604020202020204" pitchFamily="34" charset="0"/>
+            </a:endParaRPr>
+          </a:p>
+        </p:txBody>
+      </p:sp>
+      <p:sp>
+        <p:nvSpPr>
+          <p:cNvPr id="3" name="Rectangle 2"/>
+          <p:cNvSpPr/>
+          <p:nvPr/>
+        </p:nvSpPr>
+        <p:spPr>
+          <a:xfrm>
+            <a:off x="431032" y="849721"/>
+            <a:ext cx="8245424" cy="307777"/>
+          </a:xfrm>
+          <a:prstGeom prst="rect">
+            <a:avLst/>
+          </a:prstGeom>
+        </p:spPr>
+        <p:txBody>
+          <a:bodyPr wrap="square">
+            <a:spAutoFit/>
+          </a:bodyPr>
+          <a:lstStyle/>
+          <a:p>
+            <a:pPr algn="ctr"/>
+            <a:r>
+              <a:rPr lang="en-US" sz="1400" dirty="0">
+                <a:latin typeface="Arial" panose="020B0604020202020204" pitchFamily="34" charset="0"/>
+                <a:ea typeface="Arial" panose="020B0604020202020204" pitchFamily="34" charset="0"/>
+              </a:rPr>
+              <a:t>Link: </a:t>
+            </a:r>
+            <a:r>
+              <a:rPr lang="en-US" sz="1400" u="sng" dirty="0">
+                <a:solidFill>
+                  <a:srgbClr val="0000FF"/>
+                </a:solidFill>
+                <a:latin typeface="Arial" panose="020B0604020202020204" pitchFamily="34" charset="0"/>
+                <a:ea typeface="Arial" panose="020B0604020202020204" pitchFamily="34" charset="0"/>
+                <a:hlinkClick r:id="rId2"/>
+              </a:rPr>
+              <a:t>https</a:t>
+            </a:r>
+            <a:r>
+              <a:rPr lang="en-US" sz="1400" u="sng" dirty="0" smtClean="0">
+                <a:solidFill>
+                  <a:srgbClr val="0000FF"/>
+                </a:solidFill>
+                <a:latin typeface="Arial" panose="020B0604020202020204" pitchFamily="34" charset="0"/>
+                <a:ea typeface="Arial" panose="020B0604020202020204" pitchFamily="34" charset="0"/>
+                <a:hlinkClick r:id="rId2"/>
+              </a:rPr>
+              <a:t>://</a:t>
+            </a:r>
+            <a:r>
+              <a:rPr lang="en-US" sz="1400" u="sng" dirty="0" smtClean="0">
+                <a:solidFill>
+                  <a:srgbClr val="0000FF"/>
+                </a:solidFill>
+                <a:latin typeface="Arial" panose="020B0604020202020204" pitchFamily="34" charset="0"/>
+                <a:ea typeface="Arial" panose="020B0604020202020204" pitchFamily="34" charset="0"/>
+              </a:rPr>
+              <a:t>anodiam.com/teacher/query/{queryid</a:t>
+            </a:r>
+            <a:r>
+              <a:rPr lang="en-US" sz="1400" u="sng" dirty="0" smtClean="0">
+                <a:solidFill>
+                  <a:srgbClr val="0000FF"/>
+                </a:solidFill>
+                <a:latin typeface="Arial" panose="020B0604020202020204" pitchFamily="34" charset="0"/>
+                <a:ea typeface="Arial" panose="020B0604020202020204" pitchFamily="34" charset="0"/>
+              </a:rPr>
+              <a:t>}</a:t>
+            </a:r>
+          </a:p>
+        </p:txBody>
+      </p:sp>
+      <p:pic>
+        <p:nvPicPr>
+          <p:cNvPr id="4" name="Picture 3"/>
+          <p:cNvPicPr>
+            <a:picLocks noChangeAspect="1"/>
+          </p:cNvPicPr>
+          <p:nvPr/>
+        </p:nvPicPr>
+        <p:blipFill>
+          <a:blip r:embed="rId3"/>
+          <a:stretch>
+            <a:fillRect/>
+          </a:stretch>
+        </p:blipFill>
+        <p:spPr>
+          <a:xfrm>
+            <a:off x="879885" y="1556792"/>
+            <a:ext cx="7467600" cy="4257675"/>
+          </a:xfrm>
+          <a:prstGeom prst="rect">
+            <a:avLst/>
+          </a:prstGeom>
+        </p:spPr>
+      </p:pic>
+    </p:spTree>
+    <p:extLst>
+      <p:ext uri="{BB962C8B-B14F-4D97-AF65-F5344CB8AC3E}">
+        <p14:creationId xmlns:p14="http://schemas.microsoft.com/office/powerpoint/2010/main" val="3197739735"/>
+      </p:ext>
+    </p:extLst>
+  </p:cSld>
+  <p:clrMapOvr>
+    <a:masterClrMapping/>
+  </p:clrMapOvr>
+  <p:timing>
+    <p:tnLst>
+      <p:par>
+        <p:cTn id="1" dur="indefinite" restart="never" nodeType="tmRoot"/>
+      </p:par>
+    </p:tnLst>
+  </p:timing>
+</p:sld>
+</file>
+
+<file path=ppt/slides/slide18.xml><?xml version="1.0" encoding="utf-8"?>
+<p:sld xmlns:a="http://schemas.openxmlformats.org/drawingml/2006/main" xmlns:r="http://schemas.openxmlformats.org/officeDocument/2006/relationships" xmlns:p="http://schemas.openxmlformats.org/presentationml/2006/main">
+  <p:cSld>
+    <p:spTree>
+      <p:nvGrpSpPr>
+        <p:cNvPr id="1" name=""/>
+        <p:cNvGrpSpPr/>
+        <p:nvPr/>
+      </p:nvGrpSpPr>
+      <p:grpSpPr>
+        <a:xfrm>
+          <a:off x="0" y="0"/>
+          <a:ext cx="0" cy="0"/>
+          <a:chOff x="0" y="0"/>
+          <a:chExt cx="0" cy="0"/>
+        </a:xfrm>
+      </p:grpSpPr>
+      <p:sp>
+        <p:nvSpPr>
+          <p:cNvPr id="2" name="Rectangle 1"/>
+          <p:cNvSpPr/>
+          <p:nvPr/>
+        </p:nvSpPr>
+        <p:spPr>
+          <a:xfrm>
+            <a:off x="1048678" y="332656"/>
+            <a:ext cx="6809300" cy="480901"/>
+          </a:xfrm>
+          <a:prstGeom prst="rect">
+            <a:avLst/>
+          </a:prstGeom>
+        </p:spPr>
+        <p:txBody>
+          <a:bodyPr wrap="none">
+            <a:spAutoFit/>
+          </a:bodyPr>
+          <a:lstStyle/>
+          <a:p>
+            <a:pPr algn="ctr">
+              <a:lnSpc>
+                <a:spcPct val="115000"/>
+              </a:lnSpc>
+              <a:spcAft>
+                <a:spcPts val="0"/>
+              </a:spcAft>
+            </a:pPr>
+            <a:r>
+              <a:rPr lang="en-US" sz="2400" b="1" dirty="0" smtClean="0">
+                <a:latin typeface="Arial" panose="020B0604020202020204" pitchFamily="34" charset="0"/>
+                <a:ea typeface="Arial" panose="020B0604020202020204" pitchFamily="34" charset="0"/>
+              </a:rPr>
+              <a:t>Teacher App</a:t>
+            </a:r>
+            <a:r>
+              <a:rPr lang="en-US" sz="2400" b="1" dirty="0">
+                <a:latin typeface="Arial" panose="020B0604020202020204" pitchFamily="34" charset="0"/>
+                <a:ea typeface="Arial" panose="020B0604020202020204" pitchFamily="34" charset="0"/>
+              </a:rPr>
+              <a:t>: </a:t>
+            </a:r>
+            <a:r>
+              <a:rPr lang="en-US" sz="2400" b="1" dirty="0" smtClean="0">
+                <a:latin typeface="Arial" panose="020B0604020202020204" pitchFamily="34" charset="0"/>
+                <a:ea typeface="Arial" panose="020B0604020202020204" pitchFamily="34" charset="0"/>
+              </a:rPr>
+              <a:t>Notifications &gt; Comments page</a:t>
+            </a:r>
+            <a:endParaRPr lang="en-AU" sz="2400" dirty="0">
+              <a:effectLst/>
+              <a:latin typeface="Arial" panose="020B0604020202020204" pitchFamily="34" charset="0"/>
+              <a:ea typeface="Arial" panose="020B0604020202020204" pitchFamily="34" charset="0"/>
+            </a:endParaRPr>
+          </a:p>
+        </p:txBody>
+      </p:sp>
+      <p:sp>
+        <p:nvSpPr>
+          <p:cNvPr id="3" name="Rectangle 2"/>
+          <p:cNvSpPr/>
+          <p:nvPr/>
+        </p:nvSpPr>
+        <p:spPr>
+          <a:xfrm>
+            <a:off x="431032" y="849721"/>
+            <a:ext cx="8245424" cy="307777"/>
+          </a:xfrm>
+          <a:prstGeom prst="rect">
+            <a:avLst/>
+          </a:prstGeom>
+        </p:spPr>
+        <p:txBody>
+          <a:bodyPr wrap="square">
+            <a:spAutoFit/>
+          </a:bodyPr>
+          <a:lstStyle/>
+          <a:p>
+            <a:pPr algn="ctr"/>
+            <a:r>
+              <a:rPr lang="en-US" sz="1400" dirty="0">
+                <a:latin typeface="Arial" panose="020B0604020202020204" pitchFamily="34" charset="0"/>
+                <a:ea typeface="Arial" panose="020B0604020202020204" pitchFamily="34" charset="0"/>
+              </a:rPr>
+              <a:t>Link: </a:t>
+            </a:r>
+            <a:r>
+              <a:rPr lang="en-US" sz="1400" u="sng" dirty="0">
+                <a:solidFill>
+                  <a:srgbClr val="0000FF"/>
+                </a:solidFill>
+                <a:latin typeface="Arial" panose="020B0604020202020204" pitchFamily="34" charset="0"/>
+                <a:ea typeface="Arial" panose="020B0604020202020204" pitchFamily="34" charset="0"/>
+                <a:hlinkClick r:id="rId2"/>
+              </a:rPr>
+              <a:t>https</a:t>
+            </a:r>
+            <a:r>
+              <a:rPr lang="en-US" sz="1400" u="sng" dirty="0" smtClean="0">
+                <a:solidFill>
+                  <a:srgbClr val="0000FF"/>
+                </a:solidFill>
+                <a:latin typeface="Arial" panose="020B0604020202020204" pitchFamily="34" charset="0"/>
+                <a:ea typeface="Arial" panose="020B0604020202020204" pitchFamily="34" charset="0"/>
+                <a:hlinkClick r:id="rId2"/>
+              </a:rPr>
+              <a:t>://</a:t>
+            </a:r>
+            <a:r>
+              <a:rPr lang="en-US" sz="1400" u="sng" dirty="0" smtClean="0">
+                <a:solidFill>
+                  <a:srgbClr val="0000FF"/>
+                </a:solidFill>
+                <a:latin typeface="Arial" panose="020B0604020202020204" pitchFamily="34" charset="0"/>
+                <a:ea typeface="Arial" panose="020B0604020202020204" pitchFamily="34" charset="0"/>
+              </a:rPr>
+              <a:t>anodiam.com/teacher/comments/{userid}</a:t>
+            </a:r>
+          </a:p>
+        </p:txBody>
+      </p:sp>
+      <p:pic>
+        <p:nvPicPr>
+          <p:cNvPr id="5" name="Picture 4"/>
+          <p:cNvPicPr>
+            <a:picLocks noChangeAspect="1"/>
+          </p:cNvPicPr>
+          <p:nvPr/>
+        </p:nvPicPr>
+        <p:blipFill>
+          <a:blip r:embed="rId3"/>
+          <a:stretch>
+            <a:fillRect/>
+          </a:stretch>
+        </p:blipFill>
+        <p:spPr>
+          <a:xfrm>
+            <a:off x="838200" y="1763613"/>
+            <a:ext cx="7467600" cy="4257675"/>
+          </a:xfrm>
+          <a:prstGeom prst="rect">
+            <a:avLst/>
+          </a:prstGeom>
+        </p:spPr>
+      </p:pic>
+    </p:spTree>
+    <p:extLst>
+      <p:ext uri="{BB962C8B-B14F-4D97-AF65-F5344CB8AC3E}">
+        <p14:creationId xmlns:p14="http://schemas.microsoft.com/office/powerpoint/2010/main" val="2920446225"/>
+      </p:ext>
+    </p:extLst>
+  </p:cSld>
+  <p:clrMapOvr>
+    <a:masterClrMapping/>
+  </p:clrMapOvr>
+  <p:timing>
+    <p:tnLst>
+      <p:par>
+        <p:cTn id="1" dur="indefinite" restart="never" nodeType="tmRoot"/>
+      </p:par>
+    </p:tnLst>
+  </p:timing>
+</p:sld>
+</file>
+
+<file path=ppt/slides/slide19.xml><?xml version="1.0" encoding="utf-8"?>
+<p:sld xmlns:a="http://schemas.openxmlformats.org/drawingml/2006/main" xmlns:r="http://schemas.openxmlformats.org/officeDocument/2006/relationships" xmlns:p="http://schemas.openxmlformats.org/presentationml/2006/main">
+  <p:cSld>
+    <p:spTree>
+      <p:nvGrpSpPr>
+        <p:cNvPr id="1" name=""/>
+        <p:cNvGrpSpPr/>
+        <p:nvPr/>
+      </p:nvGrpSpPr>
+      <p:grpSpPr>
+        <a:xfrm>
+          <a:off x="0" y="0"/>
+          <a:ext cx="0" cy="0"/>
+          <a:chOff x="0" y="0"/>
+          <a:chExt cx="0" cy="0"/>
+        </a:xfrm>
+      </p:grpSpPr>
+      <p:sp>
+        <p:nvSpPr>
+          <p:cNvPr id="2" name="Rectangle 1"/>
+          <p:cNvSpPr/>
+          <p:nvPr/>
+        </p:nvSpPr>
+        <p:spPr>
+          <a:xfrm>
+            <a:off x="163819" y="332656"/>
+            <a:ext cx="8579015" cy="480901"/>
+          </a:xfrm>
+          <a:prstGeom prst="rect">
+            <a:avLst/>
+          </a:prstGeom>
+        </p:spPr>
+        <p:txBody>
+          <a:bodyPr wrap="none">
+            <a:spAutoFit/>
+          </a:bodyPr>
+          <a:lstStyle/>
+          <a:p>
+            <a:pPr algn="ctr">
+              <a:lnSpc>
+                <a:spcPct val="115000"/>
+              </a:lnSpc>
+              <a:spcAft>
+                <a:spcPts val="0"/>
+              </a:spcAft>
+            </a:pPr>
+            <a:r>
+              <a:rPr lang="en-US" sz="2400" b="1" dirty="0">
+                <a:latin typeface="Arial" panose="020B0604020202020204" pitchFamily="34" charset="0"/>
+                <a:ea typeface="Arial" panose="020B0604020202020204" pitchFamily="34" charset="0"/>
+              </a:rPr>
+              <a:t>Teacher App: Notifications &gt; </a:t>
+            </a:r>
+            <a:r>
+              <a:rPr lang="en-US" sz="2400" b="1" dirty="0" smtClean="0">
+                <a:latin typeface="Arial" panose="020B0604020202020204" pitchFamily="34" charset="0"/>
+                <a:ea typeface="Arial" panose="020B0604020202020204" pitchFamily="34" charset="0"/>
+              </a:rPr>
+              <a:t>Comments &gt; Comment page</a:t>
+            </a:r>
+            <a:endParaRPr lang="en-AU" sz="2400" dirty="0">
+              <a:latin typeface="Arial" panose="020B0604020202020204" pitchFamily="34" charset="0"/>
+              <a:ea typeface="Arial" panose="020B0604020202020204" pitchFamily="34" charset="0"/>
+            </a:endParaRPr>
+          </a:p>
+        </p:txBody>
+      </p:sp>
+      <p:sp>
+        <p:nvSpPr>
+          <p:cNvPr id="3" name="Rectangle 2"/>
+          <p:cNvSpPr/>
+          <p:nvPr/>
+        </p:nvSpPr>
+        <p:spPr>
+          <a:xfrm>
+            <a:off x="431032" y="849721"/>
+            <a:ext cx="8245424" cy="307777"/>
+          </a:xfrm>
+          <a:prstGeom prst="rect">
+            <a:avLst/>
+          </a:prstGeom>
+        </p:spPr>
+        <p:txBody>
+          <a:bodyPr wrap="square">
+            <a:spAutoFit/>
+          </a:bodyPr>
+          <a:lstStyle/>
+          <a:p>
+            <a:pPr algn="ctr"/>
+            <a:r>
+              <a:rPr lang="en-US" sz="1400" dirty="0">
+                <a:latin typeface="Arial" panose="020B0604020202020204" pitchFamily="34" charset="0"/>
+                <a:ea typeface="Arial" panose="020B0604020202020204" pitchFamily="34" charset="0"/>
+              </a:rPr>
+              <a:t>Link: </a:t>
+            </a:r>
+            <a:r>
+              <a:rPr lang="en-US" sz="1400" u="sng" dirty="0">
+                <a:solidFill>
+                  <a:srgbClr val="0000FF"/>
+                </a:solidFill>
+                <a:latin typeface="Arial" panose="020B0604020202020204" pitchFamily="34" charset="0"/>
+                <a:ea typeface="Arial" panose="020B0604020202020204" pitchFamily="34" charset="0"/>
+                <a:hlinkClick r:id="rId2"/>
+              </a:rPr>
+              <a:t>https</a:t>
+            </a:r>
+            <a:r>
+              <a:rPr lang="en-US" sz="1400" u="sng" dirty="0" smtClean="0">
+                <a:solidFill>
+                  <a:srgbClr val="0000FF"/>
+                </a:solidFill>
+                <a:latin typeface="Arial" panose="020B0604020202020204" pitchFamily="34" charset="0"/>
+                <a:ea typeface="Arial" panose="020B0604020202020204" pitchFamily="34" charset="0"/>
+                <a:hlinkClick r:id="rId2"/>
+              </a:rPr>
+              <a:t>://</a:t>
+            </a:r>
+            <a:r>
+              <a:rPr lang="en-US" sz="1400" u="sng" dirty="0" smtClean="0">
+                <a:solidFill>
+                  <a:srgbClr val="0000FF"/>
+                </a:solidFill>
+                <a:latin typeface="Arial" panose="020B0604020202020204" pitchFamily="34" charset="0"/>
+                <a:ea typeface="Arial" panose="020B0604020202020204" pitchFamily="34" charset="0"/>
+              </a:rPr>
+              <a:t>anodiam.com/teacher/comment/{commentid}</a:t>
+            </a:r>
+          </a:p>
+        </p:txBody>
+      </p:sp>
+      <p:pic>
+        <p:nvPicPr>
+          <p:cNvPr id="4" name="Picture 3"/>
+          <p:cNvPicPr>
+            <a:picLocks noChangeAspect="1"/>
+          </p:cNvPicPr>
+          <p:nvPr/>
+        </p:nvPicPr>
+        <p:blipFill>
+          <a:blip r:embed="rId3"/>
+          <a:stretch>
+            <a:fillRect/>
+          </a:stretch>
+        </p:blipFill>
+        <p:spPr>
+          <a:xfrm>
+            <a:off x="838200" y="1979637"/>
+            <a:ext cx="7467600" cy="4257675"/>
+          </a:xfrm>
+          <a:prstGeom prst="rect">
+            <a:avLst/>
+          </a:prstGeom>
+        </p:spPr>
+      </p:pic>
+    </p:spTree>
+    <p:extLst>
+      <p:ext uri="{BB962C8B-B14F-4D97-AF65-F5344CB8AC3E}">
+        <p14:creationId xmlns:p14="http://schemas.microsoft.com/office/powerpoint/2010/main" val="2071753737"/>
+      </p:ext>
+    </p:extLst>
+  </p:cSld>
+  <p:clrMapOvr>
+    <a:masterClrMapping/>
+  </p:clrMapOvr>
+  <p:timing>
+    <p:tnLst>
+      <p:par>
+        <p:cTn id="1" dur="indefinite" restart="never" nodeType="tmRoot"/>
+      </p:par>
+    </p:tnLst>
+  </p:timing>
+</p:sld>
+</file>
+
 <file path=ppt/slides/slide2.xml><?xml version="1.0" encoding="utf-8"?>
 <p:sld xmlns:a="http://schemas.openxmlformats.org/drawingml/2006/main" xmlns:r="http://schemas.openxmlformats.org/officeDocument/2006/relationships" xmlns:p="http://schemas.openxmlformats.org/presentationml/2006/main">
   <p:cSld>
@@ -6042,7 +7879,7 @@
       </p:sp>
       <p:pic>
         <p:nvPicPr>
-          <p:cNvPr id="6" name="Picture 5"/>
+          <p:cNvPr id="4" name="Picture 3"/>
           <p:cNvPicPr>
             <a:picLocks noChangeAspect="1"/>
           </p:cNvPicPr>
@@ -6056,74 +7893,12 @@
         </p:blipFill>
         <p:spPr>
           <a:xfrm>
-            <a:off x="2614612" y="1862137"/>
-            <a:ext cx="3914775" cy="3133725"/>
-          </a:xfrm>
-          <a:prstGeom prst="rect">
-            <a:avLst/>
-          </a:prstGeom>
-          <a:ln w="28575">
-            <a:solidFill>
-              <a:schemeClr val="tx2">
-                <a:lumMod val="60000"/>
-                <a:lumOff val="40000"/>
-              </a:schemeClr>
-            </a:solidFill>
-          </a:ln>
-        </p:spPr>
-      </p:pic>
-      <p:pic>
-        <p:nvPicPr>
-          <p:cNvPr id="1026" name="Picture 2"/>
-          <p:cNvPicPr>
-            <a:picLocks noChangeAspect="1" noChangeArrowheads="1"/>
-          </p:cNvPicPr>
-          <p:nvPr/>
-        </p:nvPicPr>
-        <p:blipFill>
-          <a:blip r:embed="rId4">
-            <a:extLst>
-              <a:ext uri="{28A0092B-C50C-407E-A947-70E740481C1C}">
-                <a14:useLocalDpi xmlns:a14="http://schemas.microsoft.com/office/drawing/2010/main" val="0"/>
-              </a:ext>
-            </a:extLst>
-          </a:blip>
-          <a:srcRect/>
-          <a:stretch>
-            <a:fillRect/>
-          </a:stretch>
-        </p:blipFill>
-        <p:spPr bwMode="auto">
-          <a:xfrm>
-            <a:off x="2586038" y="1833563"/>
+            <a:off x="2586037" y="1833562"/>
             <a:ext cx="3971925" cy="3190875"/>
           </a:xfrm>
           <a:prstGeom prst="rect">
             <a:avLst/>
           </a:prstGeom>
-          <a:noFill/>
-          <a:ln>
-            <a:noFill/>
-          </a:ln>
-          <a:extLst>
-            <a:ext uri="{909E8E84-426E-40DD-AFC4-6F175D3DCCD1}">
-              <a14:hiddenFill xmlns:a14="http://schemas.microsoft.com/office/drawing/2010/main">
-                <a:solidFill>
-                  <a:schemeClr val="accent1"/>
-                </a:solidFill>
-              </a14:hiddenFill>
-            </a:ext>
-            <a:ext uri="{91240B29-F687-4F45-9708-019B960494DF}">
-              <a14:hiddenLine xmlns:a14="http://schemas.microsoft.com/office/drawing/2010/main" w="9525">
-                <a:solidFill>
-                  <a:schemeClr val="tx1"/>
-                </a:solidFill>
-                <a:miter lim="800000"/>
-                <a:headEnd/>
-                <a:tailEnd/>
-              </a14:hiddenLine>
-            </a:ext>
-          </a:extLst>
         </p:spPr>
       </p:pic>
     </p:spTree>
@@ -6171,8 +7946,8 @@
         </p:nvSpPr>
         <p:spPr>
           <a:xfrm>
-            <a:off x="1133009" y="332656"/>
-            <a:ext cx="6640600" cy="480901"/>
+            <a:off x="910993" y="332656"/>
+            <a:ext cx="7084633" cy="517065"/>
           </a:xfrm>
           <a:prstGeom prst="rect">
             <a:avLst/>
@@ -6211,7 +7986,7 @@
                 <a:latin typeface="Arial" panose="020B0604020202020204" pitchFamily="34" charset="0"/>
                 <a:ea typeface="Arial" panose="020B0604020202020204" pitchFamily="34" charset="0"/>
               </a:rPr>
-              <a:t>Signup – Teacher Details page</a:t>
+              <a:t>Signup – Teacher Details page - 1</a:t>
             </a:r>
             <a:endParaRPr lang="en-AU" sz="2400" dirty="0">
               <a:effectLst/>
@@ -6280,7 +8055,7 @@
                 <a:latin typeface="Arial" panose="020B0604020202020204" pitchFamily="34" charset="0"/>
                 <a:ea typeface="Arial" panose="020B0604020202020204" pitchFamily="34" charset="0"/>
               </a:rPr>
-              <a:t>anodiam.com/teacher</a:t>
+              <a:t>anodiam.com/teacher/signup</a:t>
             </a:r>
             <a:endParaRPr lang="en-AU" sz="1400" dirty="0"/>
           </a:p>
@@ -6288,7 +8063,7 @@
       </p:sp>
       <p:pic>
         <p:nvPicPr>
-          <p:cNvPr id="6" name="Picture 5"/>
+          <p:cNvPr id="4" name="Picture 3"/>
           <p:cNvPicPr>
             <a:picLocks noChangeAspect="1"/>
           </p:cNvPicPr>
@@ -6302,17 +8077,12 @@
         </p:blipFill>
         <p:spPr>
           <a:xfrm>
-            <a:off x="881524" y="1271857"/>
-            <a:ext cx="7380952" cy="4314286"/>
+            <a:off x="857250" y="1247775"/>
+            <a:ext cx="7429500" cy="4362450"/>
           </a:xfrm>
           <a:prstGeom prst="rect">
             <a:avLst/>
           </a:prstGeom>
-          <a:ln w="28575">
-            <a:solidFill>
-              <a:srgbClr val="2F2FAF"/>
-            </a:solidFill>
-          </a:ln>
         </p:spPr>
       </p:pic>
     </p:spTree>
@@ -6360,8 +8130,8 @@
         </p:nvSpPr>
         <p:spPr>
           <a:xfrm>
-            <a:off x="629667" y="332656"/>
-            <a:ext cx="7647286" cy="480901"/>
+            <a:off x="407653" y="332656"/>
+            <a:ext cx="8091318" cy="480901"/>
           </a:xfrm>
           <a:prstGeom prst="rect">
             <a:avLst/>
@@ -6400,7 +8170,7 @@
                 <a:latin typeface="Arial" panose="020B0604020202020204" pitchFamily="34" charset="0"/>
                 <a:ea typeface="Arial" panose="020B0604020202020204" pitchFamily="34" charset="0"/>
               </a:rPr>
-              <a:t>Signup – Teacher Details page contd.</a:t>
+              <a:t>Signup – Teacher Details page contd. - 2</a:t>
             </a:r>
             <a:endParaRPr lang="en-AU" sz="2400" dirty="0">
               <a:effectLst/>
@@ -6412,7 +8182,7 @@
       </p:sp>
       <p:sp>
         <p:nvSpPr>
-          <p:cNvPr id="3" name="Rectangle 2"/>
+          <p:cNvPr id="6" name="Rectangle 5"/>
           <p:cNvSpPr/>
           <p:nvPr/>
         </p:nvSpPr>
@@ -6469,7 +8239,7 @@
                 <a:latin typeface="Arial" panose="020B0604020202020204" pitchFamily="34" charset="0"/>
                 <a:ea typeface="Arial" panose="020B0604020202020204" pitchFamily="34" charset="0"/>
               </a:rPr>
-              <a:t>anodiam.com/teacher</a:t>
+              <a:t>anodiam.com/teacher/signup</a:t>
             </a:r>
             <a:endParaRPr lang="en-AU" sz="1400" dirty="0"/>
           </a:p>
@@ -6491,17 +8261,12 @@
         </p:blipFill>
         <p:spPr>
           <a:xfrm>
-            <a:off x="881524" y="1514714"/>
-            <a:ext cx="7380952" cy="3828571"/>
+            <a:off x="857250" y="1362075"/>
+            <a:ext cx="7429500" cy="4133850"/>
           </a:xfrm>
           <a:prstGeom prst="rect">
             <a:avLst/>
           </a:prstGeom>
-          <a:ln w="28575">
-            <a:solidFill>
-              <a:srgbClr val="2F2FAF"/>
-            </a:solidFill>
-          </a:ln>
         </p:spPr>
       </p:pic>
     </p:spTree>
@@ -6549,8 +8314,8 @@
         </p:nvSpPr>
         <p:spPr>
           <a:xfrm>
-            <a:off x="629667" y="332656"/>
-            <a:ext cx="7647286" cy="480901"/>
+            <a:off x="407653" y="332656"/>
+            <a:ext cx="8091318" cy="480901"/>
           </a:xfrm>
           <a:prstGeom prst="rect">
             <a:avLst/>
@@ -6589,78 +8354,13 @@
                 <a:latin typeface="Arial" panose="020B0604020202020204" pitchFamily="34" charset="0"/>
                 <a:ea typeface="Arial" panose="020B0604020202020204" pitchFamily="34" charset="0"/>
               </a:rPr>
-              <a:t>Signup – Teacher Details page contd.</a:t>
+              <a:t>Signup – Teacher Details page contd. - 3</a:t>
             </a:r>
             <a:endParaRPr lang="en-AU" sz="2400" dirty="0">
               <a:effectLst/>
               <a:latin typeface="Arial" panose="020B0604020202020204" pitchFamily="34" charset="0"/>
               <a:ea typeface="Arial" panose="020B0604020202020204" pitchFamily="34" charset="0"/>
             </a:endParaRPr>
-          </a:p>
-        </p:txBody>
-      </p:sp>
-      <p:sp>
-        <p:nvSpPr>
-          <p:cNvPr id="3" name="Rectangle 2"/>
-          <p:cNvSpPr/>
-          <p:nvPr/>
-        </p:nvSpPr>
-        <p:spPr>
-          <a:xfrm>
-            <a:off x="431032" y="849721"/>
-            <a:ext cx="8245424" cy="307777"/>
-          </a:xfrm>
-          <a:prstGeom prst="rect">
-            <a:avLst/>
-          </a:prstGeom>
-        </p:spPr>
-        <p:txBody>
-          <a:bodyPr wrap="square">
-            <a:spAutoFit/>
-          </a:bodyPr>
-          <a:lstStyle/>
-          <a:p>
-            <a:pPr algn="ctr"/>
-            <a:r>
-              <a:rPr lang="en-US" sz="1400" dirty="0">
-                <a:latin typeface="Arial" panose="020B0604020202020204" pitchFamily="34" charset="0"/>
-                <a:ea typeface="Arial" panose="020B0604020202020204" pitchFamily="34" charset="0"/>
-              </a:rPr>
-              <a:t>Link: </a:t>
-            </a:r>
-            <a:r>
-              <a:rPr lang="en-US" sz="1400" u="sng" dirty="0">
-                <a:solidFill>
-                  <a:srgbClr val="0000FF"/>
-                </a:solidFill>
-                <a:latin typeface="Arial" panose="020B0604020202020204" pitchFamily="34" charset="0"/>
-                <a:ea typeface="Arial" panose="020B0604020202020204" pitchFamily="34" charset="0"/>
-                <a:hlinkClick r:id="rId2"/>
-              </a:rPr>
-              <a:t>https</a:t>
-            </a:r>
-            <a:r>
-              <a:rPr lang="en-US" sz="1400" u="sng" dirty="0" smtClean="0">
-                <a:solidFill>
-                  <a:srgbClr val="0000FF"/>
-                </a:solidFill>
-                <a:latin typeface="Arial" panose="020B0604020202020204" pitchFamily="34" charset="0"/>
-                <a:ea typeface="Arial" panose="020B0604020202020204" pitchFamily="34" charset="0"/>
-                <a:hlinkClick r:id="rId2"/>
-              </a:rPr>
-              <a:t>://</a:t>
-            </a:r>
-            <a:r>
-              <a:rPr lang="en-US" sz="1400" u="sng" dirty="0" smtClean="0">
-                <a:solidFill>
-                  <a:srgbClr val="0000FF"/>
-                </a:solidFill>
-                <a:latin typeface="Arial" panose="020B0604020202020204" pitchFamily="34" charset="0"/>
-                <a:ea typeface="Arial" panose="020B0604020202020204" pitchFamily="34" charset="0"/>
-              </a:rPr>
-              <a:t>anodiam.com/teacher</a:t>
-            </a:r>
-            <a:endParaRPr lang="en-AU" sz="1400" dirty="0"/>
           </a:p>
         </p:txBody>
       </p:sp>
@@ -6673,7 +8373,7 @@
           <p:nvPr/>
         </p:nvPicPr>
         <p:blipFill>
-          <a:blip r:embed="rId3"/>
+          <a:blip r:embed="rId2"/>
           <a:stretch>
             <a:fillRect/>
           </a:stretch>
@@ -6693,6 +8393,71 @@
           </a:ln>
         </p:spPr>
       </p:pic>
+      <p:sp>
+        <p:nvSpPr>
+          <p:cNvPr id="5" name="Rectangle 4"/>
+          <p:cNvSpPr/>
+          <p:nvPr/>
+        </p:nvSpPr>
+        <p:spPr>
+          <a:xfrm>
+            <a:off x="431032" y="849721"/>
+            <a:ext cx="8245424" cy="307777"/>
+          </a:xfrm>
+          <a:prstGeom prst="rect">
+            <a:avLst/>
+          </a:prstGeom>
+        </p:spPr>
+        <p:txBody>
+          <a:bodyPr wrap="square">
+            <a:spAutoFit/>
+          </a:bodyPr>
+          <a:lstStyle/>
+          <a:p>
+            <a:pPr algn="ctr"/>
+            <a:r>
+              <a:rPr lang="en-US" sz="1400" dirty="0">
+                <a:latin typeface="Arial" panose="020B0604020202020204" pitchFamily="34" charset="0"/>
+                <a:ea typeface="Arial" panose="020B0604020202020204" pitchFamily="34" charset="0"/>
+              </a:rPr>
+              <a:t>Link: </a:t>
+            </a:r>
+            <a:r>
+              <a:rPr lang="en-US" sz="1400" u="sng" dirty="0">
+                <a:solidFill>
+                  <a:srgbClr val="0000FF"/>
+                </a:solidFill>
+                <a:latin typeface="Arial" panose="020B0604020202020204" pitchFamily="34" charset="0"/>
+                <a:ea typeface="Arial" panose="020B0604020202020204" pitchFamily="34" charset="0"/>
+                <a:hlinkClick r:id="rId3"/>
+              </a:rPr>
+              <a:t>https</a:t>
+            </a:r>
+            <a:r>
+              <a:rPr lang="en-US" sz="1400" u="sng" dirty="0" smtClean="0">
+                <a:solidFill>
+                  <a:srgbClr val="0000FF"/>
+                </a:solidFill>
+                <a:latin typeface="Arial" panose="020B0604020202020204" pitchFamily="34" charset="0"/>
+                <a:ea typeface="Arial" panose="020B0604020202020204" pitchFamily="34" charset="0"/>
+                <a:hlinkClick r:id="rId3"/>
+              </a:rPr>
+              <a:t>://</a:t>
+            </a:r>
+            <a:r>
+              <a:rPr lang="en-US" sz="1400" u="sng" dirty="0" smtClean="0">
+                <a:solidFill>
+                  <a:srgbClr val="0000FF"/>
+                </a:solidFill>
+                <a:latin typeface="Arial" panose="020B0604020202020204" pitchFamily="34" charset="0"/>
+                <a:ea typeface="Arial" panose="020B0604020202020204" pitchFamily="34" charset="0"/>
+              </a:rPr>
+              <a:t>anodiam.com/teacher/signup</a:t>
+            </a:r>
+            <a:endParaRPr lang="en-AU" sz="1400" dirty="0"/>
+          </a:p>
+        </p:txBody>
+      </p:sp>
     </p:spTree>
     <p:extLst>
       <p:ext uri="{BB962C8B-B14F-4D97-AF65-F5344CB8AC3E}">
@@ -6730,6 +8495,30 @@
           <a:chExt cx="0" cy="0"/>
         </a:xfrm>
       </p:grpSpPr>
+      <p:pic>
+        <p:nvPicPr>
+          <p:cNvPr id="6" name="Picture 5"/>
+          <p:cNvPicPr>
+            <a:picLocks noChangeAspect="1"/>
+          </p:cNvPicPr>
+          <p:nvPr/>
+        </p:nvPicPr>
+        <p:blipFill>
+          <a:blip r:embed="rId2"/>
+          <a:stretch>
+            <a:fillRect/>
+          </a:stretch>
+        </p:blipFill>
+        <p:spPr>
+          <a:xfrm>
+            <a:off x="4644008" y="3722712"/>
+            <a:ext cx="3886200" cy="2514600"/>
+          </a:xfrm>
+          <a:prstGeom prst="rect">
+            <a:avLst/>
+          </a:prstGeom>
+        </p:spPr>
+      </p:pic>
       <p:sp>
         <p:nvSpPr>
           <p:cNvPr id="2" name="Rectangle 1"/>
@@ -6738,8 +8527,8 @@
         </p:nvSpPr>
         <p:spPr>
           <a:xfrm>
-            <a:off x="934844" y="332656"/>
-            <a:ext cx="7036926" cy="517065"/>
+            <a:off x="1010186" y="332656"/>
+            <a:ext cx="6886245" cy="517065"/>
           </a:xfrm>
           <a:prstGeom prst="rect">
             <a:avLst/>
@@ -6778,7 +8567,7 @@
                 <a:latin typeface="Arial" panose="020B0604020202020204" pitchFamily="34" charset="0"/>
                 <a:ea typeface="Arial" panose="020B0604020202020204" pitchFamily="34" charset="0"/>
               </a:rPr>
-              <a:t>Signup - Confirm Password page</a:t>
+              <a:t>Signup – Create Password page</a:t>
             </a:r>
             <a:endParaRPr lang="en-AU" sz="2400" dirty="0">
               <a:effectLst/>
@@ -6824,7 +8613,7 @@
                 </a:solidFill>
                 <a:latin typeface="Arial" panose="020B0604020202020204" pitchFamily="34" charset="0"/>
                 <a:ea typeface="Arial" panose="020B0604020202020204" pitchFamily="34" charset="0"/>
-                <a:hlinkClick r:id="rId2"/>
+                <a:hlinkClick r:id="rId3"/>
               </a:rPr>
               <a:t>https</a:t>
             </a:r>
@@ -6835,7 +8624,7 @@
                 </a:solidFill>
                 <a:latin typeface="Arial" panose="020B0604020202020204" pitchFamily="34" charset="0"/>
                 <a:ea typeface="Arial" panose="020B0604020202020204" pitchFamily="34" charset="0"/>
-                <a:hlinkClick r:id="rId2"/>
+                <a:hlinkClick r:id="rId3"/>
               </a:rPr>
               <a:t>://</a:t>
             </a:r>
@@ -6847,7 +8636,7 @@
                 <a:latin typeface="Arial" panose="020B0604020202020204" pitchFamily="34" charset="0"/>
                 <a:ea typeface="Arial" panose="020B0604020202020204" pitchFamily="34" charset="0"/>
               </a:rPr>
-              <a:t>anodiam.com/teacher</a:t>
+              <a:t>anodiam.com/teacher/createpassword/{userid}</a:t>
             </a:r>
             <a:endParaRPr lang="en-AU" sz="1400" dirty="0"/>
           </a:p>
@@ -6855,62 +8644,94 @@
       </p:sp>
       <p:pic>
         <p:nvPicPr>
-          <p:cNvPr id="4098" name="Picture 2"/>
+          <p:cNvPr id="4" name="Picture 3"/>
           <p:cNvPicPr>
-            <a:picLocks noChangeAspect="1" noChangeArrowheads="1"/>
+            <a:picLocks noChangeAspect="1"/>
           </p:cNvPicPr>
           <p:nvPr/>
         </p:nvPicPr>
         <p:blipFill>
-          <a:blip r:embed="rId3">
-            <a:extLst>
-              <a:ext uri="{28A0092B-C50C-407E-A947-70E740481C1C}">
-                <a14:useLocalDpi xmlns:a14="http://schemas.microsoft.com/office/drawing/2010/main" val="0"/>
-              </a:ext>
-            </a:extLst>
-          </a:blip>
-          <a:srcRect/>
+          <a:blip r:embed="rId4"/>
           <a:stretch>
             <a:fillRect/>
           </a:stretch>
         </p:blipFill>
-        <p:spPr bwMode="auto">
+        <p:spPr>
           <a:xfrm>
-            <a:off x="2610644" y="2038350"/>
-            <a:ext cx="3886200" cy="2781300"/>
+            <a:off x="567594" y="1552347"/>
+            <a:ext cx="3885714" cy="2514286"/>
           </a:xfrm>
           <a:prstGeom prst="rect">
             <a:avLst/>
           </a:prstGeom>
-          <a:noFill/>
-          <a:ln>
-            <a:noFill/>
-          </a:ln>
-          <a:extLst>
-            <a:ext uri="{909E8E84-426E-40DD-AFC4-6F175D3DCCD1}">
-              <a14:hiddenFill xmlns:a14="http://schemas.microsoft.com/office/drawing/2010/main">
-                <a:solidFill>
-                  <a:schemeClr val="accent1"/>
-                </a:solidFill>
-              </a14:hiddenFill>
-            </a:ext>
-            <a:ext uri="{91240B29-F687-4F45-9708-019B960494DF}">
-              <a14:hiddenLine xmlns:a14="http://schemas.microsoft.com/office/drawing/2010/main" w="9525">
-                <a:solidFill>
-                  <a:schemeClr val="tx1"/>
-                </a:solidFill>
-                <a:miter lim="800000"/>
-                <a:headEnd/>
-                <a:tailEnd/>
-              </a14:hiddenLine>
-            </a:ext>
-          </a:extLst>
         </p:spPr>
       </p:pic>
+      <p:sp>
+        <p:nvSpPr>
+          <p:cNvPr id="5" name="Right Arrow 4"/>
+          <p:cNvSpPr/>
+          <p:nvPr/>
+        </p:nvSpPr>
+        <p:spPr>
+          <a:xfrm>
+            <a:off x="3563888" y="3450800"/>
+            <a:ext cx="1728192" cy="543825"/>
+          </a:xfrm>
+          <a:prstGeom prst="rightArrow">
+            <a:avLst/>
+          </a:prstGeom>
+        </p:spPr>
+        <p:style>
+          <a:lnRef idx="2">
+            <a:schemeClr val="accent1">
+              <a:shade val="50000"/>
+            </a:schemeClr>
+          </a:lnRef>
+          <a:fillRef idx="1">
+            <a:schemeClr val="accent1"/>
+          </a:fillRef>
+          <a:effectRef idx="0">
+            <a:schemeClr val="accent1"/>
+          </a:effectRef>
+          <a:fontRef idx="minor">
+            <a:schemeClr val="lt1"/>
+          </a:fontRef>
+        </p:style>
+        <p:txBody>
+          <a:bodyPr rtlCol="0" anchor="ctr"/>
+          <a:lstStyle/>
+          <a:p>
+            <a:pPr algn="ctr"/>
+            <a:r>
+              <a:rPr lang="en-AU" sz="1600" dirty="0" smtClean="0">
+                <a:ln>
+                  <a:solidFill>
+                    <a:schemeClr val="bg1"/>
+                  </a:solidFill>
+                </a:ln>
+                <a:solidFill>
+                  <a:schemeClr val="bg1"/>
+                </a:solidFill>
+              </a:rPr>
+              <a:t>On Click</a:t>
+            </a:r>
+            <a:endParaRPr lang="en-AU" sz="1600" dirty="0">
+              <a:ln>
+                <a:solidFill>
+                  <a:schemeClr val="bg1"/>
+                </a:solidFill>
+              </a:ln>
+              <a:solidFill>
+                <a:schemeClr val="bg1"/>
+              </a:solidFill>
+            </a:endParaRPr>
+          </a:p>
+        </p:txBody>
+      </p:sp>
     </p:spTree>
     <p:extLst>
       <p:ext uri="{BB962C8B-B14F-4D97-AF65-F5344CB8AC3E}">
-        <p14:creationId xmlns:p14="http://schemas.microsoft.com/office/powerpoint/2010/main" val="1494049277"/>
+        <p14:creationId xmlns:p14="http://schemas.microsoft.com/office/powerpoint/2010/main" val="1660166950"/>
       </p:ext>
     </p:extLst>
   </p:cSld>
@@ -6952,8 +8773,8 @@
         </p:nvSpPr>
         <p:spPr>
           <a:xfrm>
-            <a:off x="276814" y="332656"/>
-            <a:ext cx="8352992" cy="517065"/>
+            <a:off x="320096" y="332656"/>
+            <a:ext cx="8266430" cy="517065"/>
           </a:xfrm>
           <a:prstGeom prst="rect">
             <a:avLst/>
@@ -6992,28 +8813,7 @@
                 <a:latin typeface="Arial" panose="020B0604020202020204" pitchFamily="34" charset="0"/>
                 <a:ea typeface="Arial" panose="020B0604020202020204" pitchFamily="34" charset="0"/>
               </a:rPr>
-              <a:t>Signup – </a:t>
-            </a:r>
-            <a:r>
-              <a:rPr lang="en-US" sz="2400" b="1" dirty="0" smtClean="0">
-                <a:latin typeface="Arial" panose="020B0604020202020204" pitchFamily="34" charset="0"/>
-                <a:ea typeface="Arial" panose="020B0604020202020204" pitchFamily="34" charset="0"/>
-              </a:rPr>
-              <a:t>Forget/Change </a:t>
-            </a:r>
-            <a:r>
-              <a:rPr lang="en-US" sz="2400" b="1" dirty="0" smtClean="0">
-                <a:latin typeface="Arial" panose="020B0604020202020204" pitchFamily="34" charset="0"/>
-                <a:ea typeface="Arial" panose="020B0604020202020204" pitchFamily="34" charset="0"/>
-              </a:rPr>
-              <a:t>Password </a:t>
-            </a:r>
-            <a:r>
-              <a:rPr lang="en-US" sz="2400" b="1" dirty="0" smtClean="0">
-                <a:latin typeface="Arial" panose="020B0604020202020204" pitchFamily="34" charset="0"/>
-                <a:ea typeface="Arial" panose="020B0604020202020204" pitchFamily="34" charset="0"/>
-              </a:rPr>
-              <a:t>page</a:t>
+              <a:t>Signup – Forget / Change Password page</a:t>
             </a:r>
             <a:endParaRPr lang="en-AU" sz="2400" dirty="0">
               <a:effectLst/>
@@ -7082,7 +8882,7 @@
                 <a:latin typeface="Arial" panose="020B0604020202020204" pitchFamily="34" charset="0"/>
                 <a:ea typeface="Arial" panose="020B0604020202020204" pitchFamily="34" charset="0"/>
               </a:rPr>
-              <a:t>anodiam.com/teacher</a:t>
+              <a:t>anodiam.com/teacher/changepassword/{userid)</a:t>
             </a:r>
             <a:endParaRPr lang="en-AU" sz="1400" dirty="0"/>
           </a:p>
@@ -7090,56 +8890,26 @@
       </p:sp>
       <p:pic>
         <p:nvPicPr>
-          <p:cNvPr id="2050" name="Picture 2"/>
+          <p:cNvPr id="4" name="Picture 3"/>
           <p:cNvPicPr>
-            <a:picLocks noChangeAspect="1" noChangeArrowheads="1"/>
+            <a:picLocks noChangeAspect="1"/>
           </p:cNvPicPr>
           <p:nvPr/>
         </p:nvPicPr>
         <p:blipFill>
-          <a:blip r:embed="rId3">
-            <a:extLst>
-              <a:ext uri="{28A0092B-C50C-407E-A947-70E740481C1C}">
-                <a14:useLocalDpi xmlns:a14="http://schemas.microsoft.com/office/drawing/2010/main" val="0"/>
-              </a:ext>
-            </a:extLst>
-          </a:blip>
-          <a:srcRect/>
+          <a:blip r:embed="rId3"/>
           <a:stretch>
             <a:fillRect/>
           </a:stretch>
         </p:blipFill>
-        <p:spPr bwMode="auto">
+        <p:spPr>
           <a:xfrm>
-            <a:off x="2510207" y="1916832"/>
-            <a:ext cx="3886200" cy="3162300"/>
+            <a:off x="2629143" y="1848047"/>
+            <a:ext cx="3885714" cy="3161905"/>
           </a:xfrm>
           <a:prstGeom prst="rect">
             <a:avLst/>
           </a:prstGeom>
-          <a:noFill/>
-          <a:ln>
-            <a:noFill/>
-          </a:ln>
-          <a:extLst>
-            <a:ext uri="{909E8E84-426E-40DD-AFC4-6F175D3DCCD1}">
-              <a14:hiddenFill xmlns:a14="http://schemas.microsoft.com/office/drawing/2010/main">
-                <a:solidFill>
-                  <a:schemeClr val="accent1"/>
-                </a:solidFill>
-              </a14:hiddenFill>
-            </a:ext>
-            <a:ext uri="{91240B29-F687-4F45-9708-019B960494DF}">
-              <a14:hiddenLine xmlns:a14="http://schemas.microsoft.com/office/drawing/2010/main" w="9525">
-                <a:solidFill>
-                  <a:schemeClr val="tx1"/>
-                </a:solidFill>
-                <a:miter lim="800000"/>
-                <a:headEnd/>
-                <a:tailEnd/>
-              </a14:hiddenLine>
-            </a:ext>
-          </a:extLst>
         </p:spPr>
       </p:pic>
     </p:spTree>
@@ -7296,9 +9066,8 @@
                 <a:latin typeface="Arial" panose="020B0604020202020204" pitchFamily="34" charset="0"/>
                 <a:ea typeface="Arial" panose="020B0604020202020204" pitchFamily="34" charset="0"/>
               </a:rPr>
-              <a:t>anodiam.com/teacher</a:t>
-            </a:r>
-            <a:endParaRPr lang="en-AU" sz="1400" dirty="0"/>
+              <a:t>anodiam.com/teacher/myhome/{userid}</a:t>
+            </a:r>
           </a:p>
         </p:txBody>
       </p:sp>
@@ -7318,17 +9087,195 @@
         </p:blipFill>
         <p:spPr>
           <a:xfrm>
-            <a:off x="899592" y="1677272"/>
-            <a:ext cx="7409524" cy="4200000"/>
+            <a:off x="838200" y="1763613"/>
+            <a:ext cx="7467600" cy="4257675"/>
           </a:xfrm>
           <a:prstGeom prst="rect">
             <a:avLst/>
           </a:prstGeom>
-          <a:ln w="28575">
-            <a:solidFill>
-              <a:srgbClr val="2F2FAF"/>
-            </a:solidFill>
-          </a:ln>
+        </p:spPr>
+      </p:pic>
+    </p:spTree>
+    <p:extLst>
+      <p:ext uri="{BB962C8B-B14F-4D97-AF65-F5344CB8AC3E}">
+        <p14:creationId xmlns:p14="http://schemas.microsoft.com/office/powerpoint/2010/main" val="2902766637"/>
+      </p:ext>
+    </p:extLst>
+  </p:cSld>
+  <p:clrMapOvr>
+    <a:masterClrMapping/>
+  </p:clrMapOvr>
+  <p:timing>
+    <p:tnLst>
+      <p:par>
+        <p:cTn id="1" dur="indefinite" restart="never" nodeType="tmRoot"/>
+      </p:par>
+    </p:tnLst>
+  </p:timing>
+</p:sld>
+</file>
+
+<file path=ppt/slides/slide9.xml><?xml version="1.0" encoding="utf-8"?>
+<p:sld xmlns:a="http://schemas.openxmlformats.org/drawingml/2006/main" xmlns:r="http://schemas.openxmlformats.org/officeDocument/2006/relationships" xmlns:p="http://schemas.openxmlformats.org/presentationml/2006/main">
+  <p:cSld>
+    <p:spTree>
+      <p:nvGrpSpPr>
+        <p:cNvPr id="1" name=""/>
+        <p:cNvGrpSpPr/>
+        <p:nvPr/>
+      </p:nvGrpSpPr>
+      <p:grpSpPr>
+        <a:xfrm>
+          <a:off x="0" y="0"/>
+          <a:ext cx="0" cy="0"/>
+          <a:chOff x="0" y="0"/>
+          <a:chExt cx="0" cy="0"/>
+        </a:xfrm>
+      </p:grpSpPr>
+      <p:sp>
+        <p:nvSpPr>
+          <p:cNvPr id="2" name="Rectangle 1"/>
+          <p:cNvSpPr/>
+          <p:nvPr/>
+        </p:nvSpPr>
+        <p:spPr>
+          <a:xfrm>
+            <a:off x="1779633" y="332656"/>
+            <a:ext cx="5347361" cy="480901"/>
+          </a:xfrm>
+          <a:prstGeom prst="rect">
+            <a:avLst/>
+          </a:prstGeom>
+        </p:spPr>
+        <p:txBody>
+          <a:bodyPr wrap="none">
+            <a:spAutoFit/>
+          </a:bodyPr>
+          <a:lstStyle/>
+          <a:p>
+            <a:pPr algn="ctr">
+              <a:lnSpc>
+                <a:spcPct val="115000"/>
+              </a:lnSpc>
+              <a:spcAft>
+                <a:spcPts val="0"/>
+              </a:spcAft>
+            </a:pPr>
+            <a:r>
+              <a:rPr lang="en-US" sz="2400" b="1" dirty="0" smtClean="0">
+                <a:latin typeface="Arial" panose="020B0604020202020204" pitchFamily="34" charset="0"/>
+                <a:ea typeface="Arial" panose="020B0604020202020204" pitchFamily="34" charset="0"/>
+              </a:rPr>
+              <a:t>Teacher App</a:t>
+            </a:r>
+            <a:r>
+              <a:rPr lang="en-US" sz="2400" b="1" dirty="0">
+                <a:latin typeface="Arial" panose="020B0604020202020204" pitchFamily="34" charset="0"/>
+                <a:ea typeface="Arial" panose="020B0604020202020204" pitchFamily="34" charset="0"/>
+              </a:rPr>
+              <a:t>: </a:t>
+            </a:r>
+            <a:r>
+              <a:rPr lang="en-US" sz="2400" b="1" dirty="0" smtClean="0">
+                <a:latin typeface="Arial" panose="020B0604020202020204" pitchFamily="34" charset="0"/>
+                <a:ea typeface="Arial" panose="020B0604020202020204" pitchFamily="34" charset="0"/>
+              </a:rPr>
+              <a:t>Personal Profile page</a:t>
+            </a:r>
+            <a:endParaRPr lang="en-AU" sz="2400" dirty="0">
+              <a:effectLst/>
+              <a:latin typeface="Arial" panose="020B0604020202020204" pitchFamily="34" charset="0"/>
+              <a:ea typeface="Arial" panose="020B0604020202020204" pitchFamily="34" charset="0"/>
+            </a:endParaRPr>
+          </a:p>
+        </p:txBody>
+      </p:sp>
+      <p:sp>
+        <p:nvSpPr>
+          <p:cNvPr id="3" name="Rectangle 2"/>
+          <p:cNvSpPr/>
+          <p:nvPr/>
+        </p:nvSpPr>
+        <p:spPr>
+          <a:xfrm>
+            <a:off x="431032" y="849721"/>
+            <a:ext cx="8245424" cy="307777"/>
+          </a:xfrm>
+          <a:prstGeom prst="rect">
+            <a:avLst/>
+          </a:prstGeom>
+        </p:spPr>
+        <p:txBody>
+          <a:bodyPr wrap="square">
+            <a:spAutoFit/>
+          </a:bodyPr>
+          <a:lstStyle/>
+          <a:p>
+            <a:pPr algn="ctr"/>
+            <a:r>
+              <a:rPr lang="en-US" sz="1400" dirty="0">
+                <a:latin typeface="Arial" panose="020B0604020202020204" pitchFamily="34" charset="0"/>
+                <a:ea typeface="Arial" panose="020B0604020202020204" pitchFamily="34" charset="0"/>
+              </a:rPr>
+              <a:t>Link: </a:t>
+            </a:r>
+            <a:r>
+              <a:rPr lang="en-US" sz="1400" u="sng" dirty="0">
+                <a:solidFill>
+                  <a:srgbClr val="0000FF"/>
+                </a:solidFill>
+                <a:latin typeface="Arial" panose="020B0604020202020204" pitchFamily="34" charset="0"/>
+                <a:ea typeface="Arial" panose="020B0604020202020204" pitchFamily="34" charset="0"/>
+                <a:hlinkClick r:id="rId2"/>
+              </a:rPr>
+              <a:t>https</a:t>
+            </a:r>
+            <a:r>
+              <a:rPr lang="en-US" sz="1400" u="sng" dirty="0" smtClean="0">
+                <a:solidFill>
+                  <a:srgbClr val="0000FF"/>
+                </a:solidFill>
+                <a:latin typeface="Arial" panose="020B0604020202020204" pitchFamily="34" charset="0"/>
+                <a:ea typeface="Arial" panose="020B0604020202020204" pitchFamily="34" charset="0"/>
+                <a:hlinkClick r:id="rId2"/>
+              </a:rPr>
+              <a:t>://</a:t>
+            </a:r>
+            <a:r>
+              <a:rPr lang="en-US" sz="1400" u="sng" dirty="0" smtClean="0">
+                <a:solidFill>
+                  <a:srgbClr val="0000FF"/>
+                </a:solidFill>
+                <a:latin typeface="Arial" panose="020B0604020202020204" pitchFamily="34" charset="0"/>
+                <a:ea typeface="Arial" panose="020B0604020202020204" pitchFamily="34" charset="0"/>
+              </a:rPr>
+              <a:t>anodiam.com/teacher/myprofile/personal/{userid}</a:t>
+            </a:r>
+          </a:p>
+        </p:txBody>
+      </p:sp>
+      <p:pic>
+        <p:nvPicPr>
+          <p:cNvPr id="4" name="Picture 3"/>
+          <p:cNvPicPr>
+            <a:picLocks noChangeAspect="1"/>
+          </p:cNvPicPr>
+          <p:nvPr/>
+        </p:nvPicPr>
+        <p:blipFill>
+          <a:blip r:embed="rId3"/>
+          <a:stretch>
+            <a:fillRect/>
+          </a:stretch>
+        </p:blipFill>
+        <p:spPr>
+          <a:xfrm>
+            <a:off x="838200" y="1339552"/>
+            <a:ext cx="7467600" cy="5257800"/>
+          </a:xfrm>
+          <a:prstGeom prst="rect">
+            <a:avLst/>
+          </a:prstGeom>
         </p:spPr>
       </p:pic>
     </p:spTree>

--- a/ProjectExecution/BA/SpecsWireframes/003TeacherAppWireframes.pptx
+++ b/ProjectExecution/BA/SpecsWireframes/003TeacherAppWireframes.pptx
@@ -5,7 +5,7 @@
     <p:sldMasterId id="2147483648" r:id="rId1"/>
   </p:sldMasterIdLst>
   <p:notesMasterIdLst>
-    <p:notesMasterId r:id="rId21"/>
+    <p:notesMasterId r:id="rId22"/>
   </p:notesMasterIdLst>
   <p:sldIdLst>
     <p:sldId id="259" r:id="rId2"/>
@@ -16,17 +16,18 @@
     <p:sldId id="270" r:id="rId7"/>
     <p:sldId id="269" r:id="rId8"/>
     <p:sldId id="271" r:id="rId9"/>
-    <p:sldId id="265" r:id="rId10"/>
-    <p:sldId id="273" r:id="rId11"/>
-    <p:sldId id="272" r:id="rId12"/>
-    <p:sldId id="274" r:id="rId13"/>
-    <p:sldId id="275" r:id="rId14"/>
-    <p:sldId id="276" r:id="rId15"/>
-    <p:sldId id="277" r:id="rId16"/>
-    <p:sldId id="279" r:id="rId17"/>
-    <p:sldId id="280" r:id="rId18"/>
-    <p:sldId id="281" r:id="rId19"/>
-    <p:sldId id="282" r:id="rId20"/>
+    <p:sldId id="283" r:id="rId10"/>
+    <p:sldId id="265" r:id="rId11"/>
+    <p:sldId id="273" r:id="rId12"/>
+    <p:sldId id="272" r:id="rId13"/>
+    <p:sldId id="274" r:id="rId14"/>
+    <p:sldId id="275" r:id="rId15"/>
+    <p:sldId id="276" r:id="rId16"/>
+    <p:sldId id="277" r:id="rId17"/>
+    <p:sldId id="279" r:id="rId18"/>
+    <p:sldId id="280" r:id="rId19"/>
+    <p:sldId id="281" r:id="rId20"/>
+    <p:sldId id="282" r:id="rId21"/>
   </p:sldIdLst>
   <p:sldSz cx="9144000" cy="6858000" type="screen4x3"/>
   <p:notesSz cx="6858000" cy="9144000"/>
@@ -226,7 +227,7 @@
           <a:p>
             <a:fld id="{26483215-80E3-4A52-98A5-4C379A79CA39}" type="datetimeFigureOut">
               <a:rPr lang="en-AU" smtClean="0"/>
-              <a:t>18/11/2020</a:t>
+              <a:t>19/11/2020</a:t>
             </a:fld>
             <a:endParaRPr lang="en-AU"/>
           </a:p>
@@ -675,7 +676,7 @@
           <a:p>
             <a:fld id="{BB2A88D7-68F7-4681-80B5-BDD492DE1B81}" type="datetimeFigureOut">
               <a:rPr lang="en-AU" smtClean="0"/>
-              <a:t>18/11/2020</a:t>
+              <a:t>19/11/2020</a:t>
             </a:fld>
             <a:endParaRPr lang="en-AU"/>
           </a:p>
@@ -845,7 +846,7 @@
           <a:p>
             <a:fld id="{BB2A88D7-68F7-4681-80B5-BDD492DE1B81}" type="datetimeFigureOut">
               <a:rPr lang="en-AU" smtClean="0"/>
-              <a:t>18/11/2020</a:t>
+              <a:t>19/11/2020</a:t>
             </a:fld>
             <a:endParaRPr lang="en-AU"/>
           </a:p>
@@ -1025,7 +1026,7 @@
           <a:p>
             <a:fld id="{BB2A88D7-68F7-4681-80B5-BDD492DE1B81}" type="datetimeFigureOut">
               <a:rPr lang="en-AU" smtClean="0"/>
-              <a:t>18/11/2020</a:t>
+              <a:t>19/11/2020</a:t>
             </a:fld>
             <a:endParaRPr lang="en-AU"/>
           </a:p>
@@ -1195,7 +1196,7 @@
           <a:p>
             <a:fld id="{BB2A88D7-68F7-4681-80B5-BDD492DE1B81}" type="datetimeFigureOut">
               <a:rPr lang="en-AU" smtClean="0"/>
-              <a:t>18/11/2020</a:t>
+              <a:t>19/11/2020</a:t>
             </a:fld>
             <a:endParaRPr lang="en-AU"/>
           </a:p>
@@ -1441,7 +1442,7 @@
           <a:p>
             <a:fld id="{BB2A88D7-68F7-4681-80B5-BDD492DE1B81}" type="datetimeFigureOut">
               <a:rPr lang="en-AU" smtClean="0"/>
-              <a:t>18/11/2020</a:t>
+              <a:t>19/11/2020</a:t>
             </a:fld>
             <a:endParaRPr lang="en-AU"/>
           </a:p>
@@ -1729,7 +1730,7 @@
           <a:p>
             <a:fld id="{BB2A88D7-68F7-4681-80B5-BDD492DE1B81}" type="datetimeFigureOut">
               <a:rPr lang="en-AU" smtClean="0"/>
-              <a:t>18/11/2020</a:t>
+              <a:t>19/11/2020</a:t>
             </a:fld>
             <a:endParaRPr lang="en-AU"/>
           </a:p>
@@ -2151,7 +2152,7 @@
           <a:p>
             <a:fld id="{BB2A88D7-68F7-4681-80B5-BDD492DE1B81}" type="datetimeFigureOut">
               <a:rPr lang="en-AU" smtClean="0"/>
-              <a:t>18/11/2020</a:t>
+              <a:t>19/11/2020</a:t>
             </a:fld>
             <a:endParaRPr lang="en-AU"/>
           </a:p>
@@ -2269,7 +2270,7 @@
           <a:p>
             <a:fld id="{BB2A88D7-68F7-4681-80B5-BDD492DE1B81}" type="datetimeFigureOut">
               <a:rPr lang="en-AU" smtClean="0"/>
-              <a:t>18/11/2020</a:t>
+              <a:t>19/11/2020</a:t>
             </a:fld>
             <a:endParaRPr lang="en-AU"/>
           </a:p>
@@ -2364,7 +2365,7 @@
           <a:p>
             <a:fld id="{BB2A88D7-68F7-4681-80B5-BDD492DE1B81}" type="datetimeFigureOut">
               <a:rPr lang="en-AU" smtClean="0"/>
-              <a:t>18/11/2020</a:t>
+              <a:t>19/11/2020</a:t>
             </a:fld>
             <a:endParaRPr lang="en-AU"/>
           </a:p>
@@ -2641,7 +2642,7 @@
           <a:p>
             <a:fld id="{BB2A88D7-68F7-4681-80B5-BDD492DE1B81}" type="datetimeFigureOut">
               <a:rPr lang="en-AU" smtClean="0"/>
-              <a:t>18/11/2020</a:t>
+              <a:t>19/11/2020</a:t>
             </a:fld>
             <a:endParaRPr lang="en-AU"/>
           </a:p>
@@ -2894,7 +2895,7 @@
           <a:p>
             <a:fld id="{BB2A88D7-68F7-4681-80B5-BDD492DE1B81}" type="datetimeFigureOut">
               <a:rPr lang="en-AU" smtClean="0"/>
-              <a:t>18/11/2020</a:t>
+              <a:t>19/11/2020</a:t>
             </a:fld>
             <a:endParaRPr lang="en-AU"/>
           </a:p>
@@ -3107,7 +3108,7 @@
           <a:p>
             <a:fld id="{BB2A88D7-68F7-4681-80B5-BDD492DE1B81}" type="datetimeFigureOut">
               <a:rPr lang="en-AU" smtClean="0"/>
-              <a:t>18/11/2020</a:t>
+              <a:t>19/11/2020</a:t>
             </a:fld>
             <a:endParaRPr lang="en-AU"/>
           </a:p>
@@ -5943,6 +5944,189 @@
         </p:nvSpPr>
         <p:spPr>
           <a:xfrm>
+            <a:off x="1779633" y="332656"/>
+            <a:ext cx="5347361" cy="480901"/>
+          </a:xfrm>
+          <a:prstGeom prst="rect">
+            <a:avLst/>
+          </a:prstGeom>
+        </p:spPr>
+        <p:txBody>
+          <a:bodyPr wrap="none">
+            <a:spAutoFit/>
+          </a:bodyPr>
+          <a:lstStyle/>
+          <a:p>
+            <a:pPr algn="ctr">
+              <a:lnSpc>
+                <a:spcPct val="115000"/>
+              </a:lnSpc>
+              <a:spcAft>
+                <a:spcPts val="0"/>
+              </a:spcAft>
+            </a:pPr>
+            <a:r>
+              <a:rPr lang="en-US" sz="2400" b="1" dirty="0" smtClean="0">
+                <a:latin typeface="Arial" panose="020B0604020202020204" pitchFamily="34" charset="0"/>
+                <a:ea typeface="Arial" panose="020B0604020202020204" pitchFamily="34" charset="0"/>
+              </a:rPr>
+              <a:t>Teacher App</a:t>
+            </a:r>
+            <a:r>
+              <a:rPr lang="en-US" sz="2400" b="1" dirty="0">
+                <a:latin typeface="Arial" panose="020B0604020202020204" pitchFamily="34" charset="0"/>
+                <a:ea typeface="Arial" panose="020B0604020202020204" pitchFamily="34" charset="0"/>
+              </a:rPr>
+              <a:t>: </a:t>
+            </a:r>
+            <a:r>
+              <a:rPr lang="en-US" sz="2400" b="1" dirty="0" smtClean="0">
+                <a:latin typeface="Arial" panose="020B0604020202020204" pitchFamily="34" charset="0"/>
+                <a:ea typeface="Arial" panose="020B0604020202020204" pitchFamily="34" charset="0"/>
+              </a:rPr>
+              <a:t>Personal Profile page</a:t>
+            </a:r>
+            <a:endParaRPr lang="en-AU" sz="2400" dirty="0">
+              <a:effectLst/>
+              <a:latin typeface="Arial" panose="020B0604020202020204" pitchFamily="34" charset="0"/>
+              <a:ea typeface="Arial" panose="020B0604020202020204" pitchFamily="34" charset="0"/>
+            </a:endParaRPr>
+          </a:p>
+        </p:txBody>
+      </p:sp>
+      <p:sp>
+        <p:nvSpPr>
+          <p:cNvPr id="3" name="Rectangle 2"/>
+          <p:cNvSpPr/>
+          <p:nvPr/>
+        </p:nvSpPr>
+        <p:spPr>
+          <a:xfrm>
+            <a:off x="431032" y="849721"/>
+            <a:ext cx="8245424" cy="307777"/>
+          </a:xfrm>
+          <a:prstGeom prst="rect">
+            <a:avLst/>
+          </a:prstGeom>
+        </p:spPr>
+        <p:txBody>
+          <a:bodyPr wrap="square">
+            <a:spAutoFit/>
+          </a:bodyPr>
+          <a:lstStyle/>
+          <a:p>
+            <a:pPr algn="ctr"/>
+            <a:r>
+              <a:rPr lang="en-US" sz="1400" dirty="0">
+                <a:latin typeface="Arial" panose="020B0604020202020204" pitchFamily="34" charset="0"/>
+                <a:ea typeface="Arial" panose="020B0604020202020204" pitchFamily="34" charset="0"/>
+              </a:rPr>
+              <a:t>Link: </a:t>
+            </a:r>
+            <a:r>
+              <a:rPr lang="en-US" sz="1400" u="sng" dirty="0">
+                <a:solidFill>
+                  <a:srgbClr val="0000FF"/>
+                </a:solidFill>
+                <a:latin typeface="Arial" panose="020B0604020202020204" pitchFamily="34" charset="0"/>
+                <a:ea typeface="Arial" panose="020B0604020202020204" pitchFamily="34" charset="0"/>
+                <a:hlinkClick r:id="rId2"/>
+              </a:rPr>
+              <a:t>https</a:t>
+            </a:r>
+            <a:r>
+              <a:rPr lang="en-US" sz="1400" u="sng" dirty="0" smtClean="0">
+                <a:solidFill>
+                  <a:srgbClr val="0000FF"/>
+                </a:solidFill>
+                <a:latin typeface="Arial" panose="020B0604020202020204" pitchFamily="34" charset="0"/>
+                <a:ea typeface="Arial" panose="020B0604020202020204" pitchFamily="34" charset="0"/>
+                <a:hlinkClick r:id="rId2"/>
+              </a:rPr>
+              <a:t>://</a:t>
+            </a:r>
+            <a:r>
+              <a:rPr lang="en-US" sz="1400" u="sng" dirty="0" smtClean="0">
+                <a:solidFill>
+                  <a:srgbClr val="0000FF"/>
+                </a:solidFill>
+                <a:latin typeface="Arial" panose="020B0604020202020204" pitchFamily="34" charset="0"/>
+                <a:ea typeface="Arial" panose="020B0604020202020204" pitchFamily="34" charset="0"/>
+              </a:rPr>
+              <a:t>anodiam.com/teacher/myprofile/personal/{userid}</a:t>
+            </a:r>
+          </a:p>
+        </p:txBody>
+      </p:sp>
+      <p:pic>
+        <p:nvPicPr>
+          <p:cNvPr id="4" name="Picture 3"/>
+          <p:cNvPicPr>
+            <a:picLocks noChangeAspect="1"/>
+          </p:cNvPicPr>
+          <p:nvPr/>
+        </p:nvPicPr>
+        <p:blipFill>
+          <a:blip r:embed="rId3"/>
+          <a:stretch>
+            <a:fillRect/>
+          </a:stretch>
+        </p:blipFill>
+        <p:spPr>
+          <a:xfrm>
+            <a:off x="838200" y="1339552"/>
+            <a:ext cx="7467600" cy="5257800"/>
+          </a:xfrm>
+          <a:prstGeom prst="rect">
+            <a:avLst/>
+          </a:prstGeom>
+        </p:spPr>
+      </p:pic>
+    </p:spTree>
+    <p:extLst>
+      <p:ext uri="{BB962C8B-B14F-4D97-AF65-F5344CB8AC3E}">
+        <p14:creationId xmlns:p14="http://schemas.microsoft.com/office/powerpoint/2010/main" val="729961998"/>
+      </p:ext>
+    </p:extLst>
+  </p:cSld>
+  <p:clrMapOvr>
+    <a:masterClrMapping/>
+  </p:clrMapOvr>
+  <p:timing>
+    <p:tnLst>
+      <p:par>
+        <p:cTn id="1" dur="indefinite" restart="never" nodeType="tmRoot"/>
+      </p:par>
+    </p:tnLst>
+  </p:timing>
+</p:sld>
+</file>
+
+<file path=ppt/slides/slide11.xml><?xml version="1.0" encoding="utf-8"?>
+<p:sld xmlns:a="http://schemas.openxmlformats.org/drawingml/2006/main" xmlns:r="http://schemas.openxmlformats.org/officeDocument/2006/relationships" xmlns:p="http://schemas.openxmlformats.org/presentationml/2006/main">
+  <p:cSld>
+    <p:spTree>
+      <p:nvGrpSpPr>
+        <p:cNvPr id="1" name=""/>
+        <p:cNvGrpSpPr/>
+        <p:nvPr/>
+      </p:nvGrpSpPr>
+      <p:grpSpPr>
+        <a:xfrm>
+          <a:off x="0" y="0"/>
+          <a:ext cx="0" cy="0"/>
+          <a:chOff x="0" y="0"/>
+          <a:chExt cx="0" cy="0"/>
+        </a:xfrm>
+      </p:grpSpPr>
+      <p:sp>
+        <p:nvSpPr>
+          <p:cNvPr id="2" name="Rectangle 1"/>
+          <p:cNvSpPr/>
+          <p:nvPr/>
+        </p:nvSpPr>
+        <p:spPr>
+          <a:xfrm>
             <a:off x="1506323" y="332656"/>
             <a:ext cx="5893986" cy="480901"/>
           </a:xfrm>
@@ -6101,7 +6285,7 @@
 </p:sld>
 </file>
 
-<file path=ppt/slides/slide11.xml><?xml version="1.0" encoding="utf-8"?>
+<file path=ppt/slides/slide12.xml><?xml version="1.0" encoding="utf-8"?>
 <p:sld xmlns:a="http://schemas.openxmlformats.org/drawingml/2006/main" xmlns:r="http://schemas.openxmlformats.org/officeDocument/2006/relationships" xmlns:p="http://schemas.openxmlformats.org/presentationml/2006/main">
   <p:cSld>
     <p:spTree>
@@ -6284,7 +6468,7 @@
 </p:sld>
 </file>
 
-<file path=ppt/slides/slide12.xml><?xml version="1.0" encoding="utf-8"?>
+<file path=ppt/slides/slide13.xml><?xml version="1.0" encoding="utf-8"?>
 <p:sld xmlns:a="http://schemas.openxmlformats.org/drawingml/2006/main" xmlns:r="http://schemas.openxmlformats.org/officeDocument/2006/relationships" xmlns:p="http://schemas.openxmlformats.org/presentationml/2006/main">
   <p:cSld>
     <p:spTree>
@@ -6467,7 +6651,7 @@
 </p:sld>
 </file>
 
-<file path=ppt/slides/slide13.xml><?xml version="1.0" encoding="utf-8"?>
+<file path=ppt/slides/slide14.xml><?xml version="1.0" encoding="utf-8"?>
 <p:sld xmlns:a="http://schemas.openxmlformats.org/drawingml/2006/main" xmlns:r="http://schemas.openxmlformats.org/officeDocument/2006/relationships" xmlns:p="http://schemas.openxmlformats.org/presentationml/2006/main">
   <p:cSld>
     <p:spTree>
@@ -6650,7 +6834,7 @@
 </p:sld>
 </file>
 
-<file path=ppt/slides/slide14.xml><?xml version="1.0" encoding="utf-8"?>
+<file path=ppt/slides/slide15.xml><?xml version="1.0" encoding="utf-8"?>
 <p:sld xmlns:a="http://schemas.openxmlformats.org/drawingml/2006/main" xmlns:r="http://schemas.openxmlformats.org/officeDocument/2006/relationships" xmlns:p="http://schemas.openxmlformats.org/presentationml/2006/main">
   <p:cSld>
     <p:spTree>
@@ -6833,7 +7017,7 @@
 </p:sld>
 </file>
 
-<file path=ppt/slides/slide15.xml><?xml version="1.0" encoding="utf-8"?>
+<file path=ppt/slides/slide16.xml><?xml version="1.0" encoding="utf-8"?>
 <p:sld xmlns:a="http://schemas.openxmlformats.org/drawingml/2006/main" xmlns:r="http://schemas.openxmlformats.org/officeDocument/2006/relationships" xmlns:p="http://schemas.openxmlformats.org/presentationml/2006/main">
   <p:cSld>
     <p:spTree>
@@ -6966,7 +7150,7 @@
       </p:sp>
       <p:pic>
         <p:nvPicPr>
-          <p:cNvPr id="6" name="Picture 5"/>
+          <p:cNvPr id="4" name="Picture 3"/>
           <p:cNvPicPr>
             <a:picLocks noChangeAspect="1"/>
           </p:cNvPicPr>
@@ -6980,7 +7164,7 @@
         </p:blipFill>
         <p:spPr>
           <a:xfrm>
-            <a:off x="838200" y="1700808"/>
+            <a:off x="848816" y="1907629"/>
             <a:ext cx="7467600" cy="4257675"/>
           </a:xfrm>
           <a:prstGeom prst="rect">
@@ -7008,7 +7192,7 @@
 </p:sld>
 </file>
 
-<file path=ppt/slides/slide16.xml><?xml version="1.0" encoding="utf-8"?>
+<file path=ppt/slides/slide17.xml><?xml version="1.0" encoding="utf-8"?>
 <p:sld xmlns:a="http://schemas.openxmlformats.org/drawingml/2006/main" xmlns:r="http://schemas.openxmlformats.org/officeDocument/2006/relationships" xmlns:p="http://schemas.openxmlformats.org/presentationml/2006/main">
   <p:cSld>
     <p:spTree>
@@ -7142,17 +7326,7 @@
                 <a:latin typeface="Arial" panose="020B0604020202020204" pitchFamily="34" charset="0"/>
                 <a:ea typeface="Arial" panose="020B0604020202020204" pitchFamily="34" charset="0"/>
               </a:rPr>
-              <a:t>anodiam.com/teacher/queries/{</a:t>
-            </a:r>
-            <a:r>
-              <a:rPr lang="en-US" sz="1400" u="sng" dirty="0" smtClean="0">
-                <a:solidFill>
-                  <a:srgbClr val="0000FF"/>
-                </a:solidFill>
-                <a:latin typeface="Arial" panose="020B0604020202020204" pitchFamily="34" charset="0"/>
-                <a:ea typeface="Arial" panose="020B0604020202020204" pitchFamily="34" charset="0"/>
-              </a:rPr>
-              <a:t>userid}</a:t>
+              <a:t>anodiam.com/teacher/queries/{userid}</a:t>
             </a:r>
           </a:p>
         </p:txBody>
@@ -7201,7 +7375,7 @@
 </p:sld>
 </file>
 
-<file path=ppt/slides/slide17.xml><?xml version="1.0" encoding="utf-8"?>
+<file path=ppt/slides/slide18.xml><?xml version="1.0" encoding="utf-8"?>
 <p:sld xmlns:a="http://schemas.openxmlformats.org/drawingml/2006/main" xmlns:r="http://schemas.openxmlformats.org/officeDocument/2006/relationships" xmlns:p="http://schemas.openxmlformats.org/presentationml/2006/main">
   <p:cSld>
     <p:spTree>
@@ -7327,17 +7501,7 @@
                 <a:latin typeface="Arial" panose="020B0604020202020204" pitchFamily="34" charset="0"/>
                 <a:ea typeface="Arial" panose="020B0604020202020204" pitchFamily="34" charset="0"/>
               </a:rPr>
-              <a:t>anodiam.com/teacher/query/{queryid</a:t>
-            </a:r>
-            <a:r>
-              <a:rPr lang="en-US" sz="1400" u="sng" dirty="0" smtClean="0">
-                <a:solidFill>
-                  <a:srgbClr val="0000FF"/>
-                </a:solidFill>
-                <a:latin typeface="Arial" panose="020B0604020202020204" pitchFamily="34" charset="0"/>
-                <a:ea typeface="Arial" panose="020B0604020202020204" pitchFamily="34" charset="0"/>
-              </a:rPr>
-              <a:t>}</a:t>
+              <a:t>anodiam.com/teacher/query/{queryid}</a:t>
             </a:r>
           </a:p>
         </p:txBody>
@@ -7386,7 +7550,7 @@
 </p:sld>
 </file>
 
-<file path=ppt/slides/slide18.xml><?xml version="1.0" encoding="utf-8"?>
+<file path=ppt/slides/slide19.xml><?xml version="1.0" encoding="utf-8"?>
 <p:sld xmlns:a="http://schemas.openxmlformats.org/drawingml/2006/main" xmlns:r="http://schemas.openxmlformats.org/officeDocument/2006/relationships" xmlns:p="http://schemas.openxmlformats.org/presentationml/2006/main">
   <p:cSld>
     <p:spTree>
@@ -7569,7 +7733,184 @@
 </p:sld>
 </file>
 
-<file path=ppt/slides/slide19.xml><?xml version="1.0" encoding="utf-8"?>
+<file path=ppt/slides/slide2.xml><?xml version="1.0" encoding="utf-8"?>
+<p:sld xmlns:a="http://schemas.openxmlformats.org/drawingml/2006/main" xmlns:r="http://schemas.openxmlformats.org/officeDocument/2006/relationships" xmlns:p="http://schemas.openxmlformats.org/presentationml/2006/main">
+  <p:cSld>
+    <p:spTree>
+      <p:nvGrpSpPr>
+        <p:cNvPr id="1" name=""/>
+        <p:cNvGrpSpPr/>
+        <p:nvPr/>
+      </p:nvGrpSpPr>
+      <p:grpSpPr>
+        <a:xfrm>
+          <a:off x="0" y="0"/>
+          <a:ext cx="0" cy="0"/>
+          <a:chOff x="0" y="0"/>
+          <a:chExt cx="0" cy="0"/>
+        </a:xfrm>
+      </p:grpSpPr>
+      <p:sp>
+        <p:nvSpPr>
+          <p:cNvPr id="2" name="Rectangle 1"/>
+          <p:cNvSpPr/>
+          <p:nvPr/>
+        </p:nvSpPr>
+        <p:spPr>
+          <a:xfrm>
+            <a:off x="1885421" y="332656"/>
+            <a:ext cx="5135765" cy="517065"/>
+          </a:xfrm>
+          <a:prstGeom prst="rect">
+            <a:avLst/>
+          </a:prstGeom>
+        </p:spPr>
+        <p:txBody>
+          <a:bodyPr wrap="none">
+            <a:spAutoFit/>
+          </a:bodyPr>
+          <a:lstStyle/>
+          <a:p>
+            <a:pPr algn="ctr">
+              <a:lnSpc>
+                <a:spcPct val="115000"/>
+              </a:lnSpc>
+              <a:spcAft>
+                <a:spcPts val="0"/>
+              </a:spcAft>
+            </a:pPr>
+            <a:r>
+              <a:rPr lang="en-US" sz="2400" b="1" dirty="0" smtClean="0">
+                <a:latin typeface="Arial" panose="020B0604020202020204" pitchFamily="34" charset="0"/>
+                <a:ea typeface="Arial" panose="020B0604020202020204" pitchFamily="34" charset="0"/>
+              </a:rPr>
+              <a:t>Teacher App</a:t>
+            </a:r>
+            <a:r>
+              <a:rPr lang="en-US" sz="2400" b="1" dirty="0">
+                <a:latin typeface="Arial" panose="020B0604020202020204" pitchFamily="34" charset="0"/>
+                <a:ea typeface="Arial" panose="020B0604020202020204" pitchFamily="34" charset="0"/>
+              </a:rPr>
+              <a:t>: Signup / Login page</a:t>
+            </a:r>
+            <a:endParaRPr lang="en-AU" sz="2400" dirty="0">
+              <a:effectLst/>
+              <a:latin typeface="Arial" panose="020B0604020202020204" pitchFamily="34" charset="0"/>
+              <a:ea typeface="Arial" panose="020B0604020202020204" pitchFamily="34" charset="0"/>
+            </a:endParaRPr>
+          </a:p>
+        </p:txBody>
+      </p:sp>
+      <p:sp>
+        <p:nvSpPr>
+          <p:cNvPr id="3" name="Rectangle 2"/>
+          <p:cNvSpPr/>
+          <p:nvPr/>
+        </p:nvSpPr>
+        <p:spPr>
+          <a:xfrm>
+            <a:off x="431032" y="849721"/>
+            <a:ext cx="8245424" cy="307777"/>
+          </a:xfrm>
+          <a:prstGeom prst="rect">
+            <a:avLst/>
+          </a:prstGeom>
+        </p:spPr>
+        <p:txBody>
+          <a:bodyPr wrap="square">
+            <a:spAutoFit/>
+          </a:bodyPr>
+          <a:lstStyle/>
+          <a:p>
+            <a:pPr algn="ctr"/>
+            <a:r>
+              <a:rPr lang="en-US" sz="1400" dirty="0">
+                <a:latin typeface="Arial" panose="020B0604020202020204" pitchFamily="34" charset="0"/>
+                <a:ea typeface="Arial" panose="020B0604020202020204" pitchFamily="34" charset="0"/>
+              </a:rPr>
+              <a:t>Link: </a:t>
+            </a:r>
+            <a:r>
+              <a:rPr lang="en-US" sz="1400" u="sng" dirty="0">
+                <a:solidFill>
+                  <a:srgbClr val="0000FF"/>
+                </a:solidFill>
+                <a:latin typeface="Arial" panose="020B0604020202020204" pitchFamily="34" charset="0"/>
+                <a:ea typeface="Arial" panose="020B0604020202020204" pitchFamily="34" charset="0"/>
+                <a:hlinkClick r:id="rId2"/>
+              </a:rPr>
+              <a:t>https</a:t>
+            </a:r>
+            <a:r>
+              <a:rPr lang="en-US" sz="1400" u="sng" dirty="0" smtClean="0">
+                <a:solidFill>
+                  <a:srgbClr val="0000FF"/>
+                </a:solidFill>
+                <a:latin typeface="Arial" panose="020B0604020202020204" pitchFamily="34" charset="0"/>
+                <a:ea typeface="Arial" panose="020B0604020202020204" pitchFamily="34" charset="0"/>
+                <a:hlinkClick r:id="rId2"/>
+              </a:rPr>
+              <a:t>://</a:t>
+            </a:r>
+            <a:r>
+              <a:rPr lang="en-US" sz="1400" u="sng" dirty="0" smtClean="0">
+                <a:solidFill>
+                  <a:srgbClr val="0000FF"/>
+                </a:solidFill>
+                <a:latin typeface="Arial" panose="020B0604020202020204" pitchFamily="34" charset="0"/>
+                <a:ea typeface="Arial" panose="020B0604020202020204" pitchFamily="34" charset="0"/>
+              </a:rPr>
+              <a:t>anodiam.com/teacher</a:t>
+            </a:r>
+            <a:endParaRPr lang="en-AU" sz="1400" dirty="0"/>
+          </a:p>
+        </p:txBody>
+      </p:sp>
+      <p:pic>
+        <p:nvPicPr>
+          <p:cNvPr id="4" name="Picture 3"/>
+          <p:cNvPicPr>
+            <a:picLocks noChangeAspect="1"/>
+          </p:cNvPicPr>
+          <p:nvPr/>
+        </p:nvPicPr>
+        <p:blipFill>
+          <a:blip r:embed="rId3"/>
+          <a:stretch>
+            <a:fillRect/>
+          </a:stretch>
+        </p:blipFill>
+        <p:spPr>
+          <a:xfrm>
+            <a:off x="2586037" y="1833562"/>
+            <a:ext cx="3971925" cy="3190875"/>
+          </a:xfrm>
+          <a:prstGeom prst="rect">
+            <a:avLst/>
+          </a:prstGeom>
+        </p:spPr>
+      </p:pic>
+    </p:spTree>
+    <p:extLst>
+      <p:ext uri="{BB962C8B-B14F-4D97-AF65-F5344CB8AC3E}">
+        <p14:creationId xmlns:p14="http://schemas.microsoft.com/office/powerpoint/2010/main" val="367692653"/>
+      </p:ext>
+    </p:extLst>
+  </p:cSld>
+  <p:clrMapOvr>
+    <a:masterClrMapping/>
+  </p:clrMapOvr>
+  <p:timing>
+    <p:tnLst>
+      <p:par>
+        <p:cTn id="1" dur="indefinite" restart="never" nodeType="tmRoot"/>
+      </p:par>
+    </p:tnLst>
+  </p:timing>
+</p:sld>
+</file>
+
+<file path=ppt/slides/slide20.xml><?xml version="1.0" encoding="utf-8"?>
 <p:sld xmlns:a="http://schemas.openxmlformats.org/drawingml/2006/main" xmlns:r="http://schemas.openxmlformats.org/officeDocument/2006/relationships" xmlns:p="http://schemas.openxmlformats.org/presentationml/2006/main">
   <p:cSld>
     <p:spTree>
@@ -7744,183 +8085,6 @@
 </p:sld>
 </file>
 
-<file path=ppt/slides/slide2.xml><?xml version="1.0" encoding="utf-8"?>
-<p:sld xmlns:a="http://schemas.openxmlformats.org/drawingml/2006/main" xmlns:r="http://schemas.openxmlformats.org/officeDocument/2006/relationships" xmlns:p="http://schemas.openxmlformats.org/presentationml/2006/main">
-  <p:cSld>
-    <p:spTree>
-      <p:nvGrpSpPr>
-        <p:cNvPr id="1" name=""/>
-        <p:cNvGrpSpPr/>
-        <p:nvPr/>
-      </p:nvGrpSpPr>
-      <p:grpSpPr>
-        <a:xfrm>
-          <a:off x="0" y="0"/>
-          <a:ext cx="0" cy="0"/>
-          <a:chOff x="0" y="0"/>
-          <a:chExt cx="0" cy="0"/>
-        </a:xfrm>
-      </p:grpSpPr>
-      <p:sp>
-        <p:nvSpPr>
-          <p:cNvPr id="2" name="Rectangle 1"/>
-          <p:cNvSpPr/>
-          <p:nvPr/>
-        </p:nvSpPr>
-        <p:spPr>
-          <a:xfrm>
-            <a:off x="1885421" y="332656"/>
-            <a:ext cx="5135765" cy="517065"/>
-          </a:xfrm>
-          <a:prstGeom prst="rect">
-            <a:avLst/>
-          </a:prstGeom>
-        </p:spPr>
-        <p:txBody>
-          <a:bodyPr wrap="none">
-            <a:spAutoFit/>
-          </a:bodyPr>
-          <a:lstStyle/>
-          <a:p>
-            <a:pPr algn="ctr">
-              <a:lnSpc>
-                <a:spcPct val="115000"/>
-              </a:lnSpc>
-              <a:spcAft>
-                <a:spcPts val="0"/>
-              </a:spcAft>
-            </a:pPr>
-            <a:r>
-              <a:rPr lang="en-US" sz="2400" b="1" dirty="0" smtClean="0">
-                <a:latin typeface="Arial" panose="020B0604020202020204" pitchFamily="34" charset="0"/>
-                <a:ea typeface="Arial" panose="020B0604020202020204" pitchFamily="34" charset="0"/>
-              </a:rPr>
-              <a:t>Teacher App</a:t>
-            </a:r>
-            <a:r>
-              <a:rPr lang="en-US" sz="2400" b="1" dirty="0">
-                <a:latin typeface="Arial" panose="020B0604020202020204" pitchFamily="34" charset="0"/>
-                <a:ea typeface="Arial" panose="020B0604020202020204" pitchFamily="34" charset="0"/>
-              </a:rPr>
-              <a:t>: Signup / Login page</a:t>
-            </a:r>
-            <a:endParaRPr lang="en-AU" sz="2400" dirty="0">
-              <a:effectLst/>
-              <a:latin typeface="Arial" panose="020B0604020202020204" pitchFamily="34" charset="0"/>
-              <a:ea typeface="Arial" panose="020B0604020202020204" pitchFamily="34" charset="0"/>
-            </a:endParaRPr>
-          </a:p>
-        </p:txBody>
-      </p:sp>
-      <p:sp>
-        <p:nvSpPr>
-          <p:cNvPr id="3" name="Rectangle 2"/>
-          <p:cNvSpPr/>
-          <p:nvPr/>
-        </p:nvSpPr>
-        <p:spPr>
-          <a:xfrm>
-            <a:off x="431032" y="849721"/>
-            <a:ext cx="8245424" cy="307777"/>
-          </a:xfrm>
-          <a:prstGeom prst="rect">
-            <a:avLst/>
-          </a:prstGeom>
-        </p:spPr>
-        <p:txBody>
-          <a:bodyPr wrap="square">
-            <a:spAutoFit/>
-          </a:bodyPr>
-          <a:lstStyle/>
-          <a:p>
-            <a:pPr algn="ctr"/>
-            <a:r>
-              <a:rPr lang="en-US" sz="1400" dirty="0">
-                <a:latin typeface="Arial" panose="020B0604020202020204" pitchFamily="34" charset="0"/>
-                <a:ea typeface="Arial" panose="020B0604020202020204" pitchFamily="34" charset="0"/>
-              </a:rPr>
-              <a:t>Link: </a:t>
-            </a:r>
-            <a:r>
-              <a:rPr lang="en-US" sz="1400" u="sng" dirty="0">
-                <a:solidFill>
-                  <a:srgbClr val="0000FF"/>
-                </a:solidFill>
-                <a:latin typeface="Arial" panose="020B0604020202020204" pitchFamily="34" charset="0"/>
-                <a:ea typeface="Arial" panose="020B0604020202020204" pitchFamily="34" charset="0"/>
-                <a:hlinkClick r:id="rId2"/>
-              </a:rPr>
-              <a:t>https</a:t>
-            </a:r>
-            <a:r>
-              <a:rPr lang="en-US" sz="1400" u="sng" dirty="0" smtClean="0">
-                <a:solidFill>
-                  <a:srgbClr val="0000FF"/>
-                </a:solidFill>
-                <a:latin typeface="Arial" panose="020B0604020202020204" pitchFamily="34" charset="0"/>
-                <a:ea typeface="Arial" panose="020B0604020202020204" pitchFamily="34" charset="0"/>
-                <a:hlinkClick r:id="rId2"/>
-              </a:rPr>
-              <a:t>://</a:t>
-            </a:r>
-            <a:r>
-              <a:rPr lang="en-US" sz="1400" u="sng" dirty="0" smtClean="0">
-                <a:solidFill>
-                  <a:srgbClr val="0000FF"/>
-                </a:solidFill>
-                <a:latin typeface="Arial" panose="020B0604020202020204" pitchFamily="34" charset="0"/>
-                <a:ea typeface="Arial" panose="020B0604020202020204" pitchFamily="34" charset="0"/>
-              </a:rPr>
-              <a:t>anodiam.com/teacher</a:t>
-            </a:r>
-            <a:endParaRPr lang="en-AU" sz="1400" dirty="0"/>
-          </a:p>
-        </p:txBody>
-      </p:sp>
-      <p:pic>
-        <p:nvPicPr>
-          <p:cNvPr id="4" name="Picture 3"/>
-          <p:cNvPicPr>
-            <a:picLocks noChangeAspect="1"/>
-          </p:cNvPicPr>
-          <p:nvPr/>
-        </p:nvPicPr>
-        <p:blipFill>
-          <a:blip r:embed="rId3"/>
-          <a:stretch>
-            <a:fillRect/>
-          </a:stretch>
-        </p:blipFill>
-        <p:spPr>
-          <a:xfrm>
-            <a:off x="2586037" y="1833562"/>
-            <a:ext cx="3971925" cy="3190875"/>
-          </a:xfrm>
-          <a:prstGeom prst="rect">
-            <a:avLst/>
-          </a:prstGeom>
-        </p:spPr>
-      </p:pic>
-    </p:spTree>
-    <p:extLst>
-      <p:ext uri="{BB962C8B-B14F-4D97-AF65-F5344CB8AC3E}">
-        <p14:creationId xmlns:p14="http://schemas.microsoft.com/office/powerpoint/2010/main" val="367692653"/>
-      </p:ext>
-    </p:extLst>
-  </p:cSld>
-  <p:clrMapOvr>
-    <a:masterClrMapping/>
-  </p:clrMapOvr>
-  <p:timing>
-    <p:tnLst>
-      <p:par>
-        <p:cTn id="1" dur="indefinite" restart="never" nodeType="tmRoot"/>
-      </p:par>
-    </p:tnLst>
-  </p:timing>
-</p:sld>
-</file>
-
 <file path=ppt/slides/slide3.xml><?xml version="1.0" encoding="utf-8"?>
 <p:sld xmlns:a="http://schemas.openxmlformats.org/drawingml/2006/main" xmlns:r="http://schemas.openxmlformats.org/officeDocument/2006/relationships" xmlns:p="http://schemas.openxmlformats.org/presentationml/2006/main">
   <p:cSld>
@@ -8063,7 +8227,7 @@
       </p:sp>
       <p:pic>
         <p:nvPicPr>
-          <p:cNvPr id="4" name="Picture 3"/>
+          <p:cNvPr id="5" name="Picture 4"/>
           <p:cNvPicPr>
             <a:picLocks noChangeAspect="1"/>
           </p:cNvPicPr>
@@ -8077,7 +8241,7 @@
         </p:blipFill>
         <p:spPr>
           <a:xfrm>
-            <a:off x="857250" y="1247775"/>
+            <a:off x="857250" y="1730846"/>
             <a:ext cx="7429500" cy="4362450"/>
           </a:xfrm>
           <a:prstGeom prst="rect">
@@ -8261,7 +8425,7 @@
         </p:blipFill>
         <p:spPr>
           <a:xfrm>
-            <a:off x="857250" y="1362075"/>
+            <a:off x="857250" y="1916832"/>
             <a:ext cx="7429500" cy="4133850"/>
           </a:xfrm>
           <a:prstGeom prst="rect">
@@ -8380,7 +8544,7 @@
         </p:blipFill>
         <p:spPr>
           <a:xfrm>
-            <a:off x="881524" y="1414714"/>
+            <a:off x="881524" y="1844824"/>
             <a:ext cx="7380952" cy="4028571"/>
           </a:xfrm>
           <a:prstGeom prst="rect">
@@ -9140,8 +9304,8 @@
         </p:nvSpPr>
         <p:spPr>
           <a:xfrm>
-            <a:off x="1779633" y="332656"/>
-            <a:ext cx="5347361" cy="480901"/>
+            <a:off x="1897452" y="332656"/>
+            <a:ext cx="5111720" cy="517065"/>
           </a:xfrm>
           <a:prstGeom prst="rect">
             <a:avLst/>
@@ -9180,7 +9344,14 @@
                 <a:latin typeface="Arial" panose="020B0604020202020204" pitchFamily="34" charset="0"/>
                 <a:ea typeface="Arial" panose="020B0604020202020204" pitchFamily="34" charset="0"/>
               </a:rPr>
-              <a:t>Personal Profile page</a:t>
+              <a:t>Create Course </a:t>
+            </a:r>
+            <a:r>
+              <a:rPr lang="en-US" sz="2400" b="1" dirty="0" smtClean="0">
+                <a:latin typeface="Arial" panose="020B0604020202020204" pitchFamily="34" charset="0"/>
+                <a:ea typeface="Arial" panose="020B0604020202020204" pitchFamily="34" charset="0"/>
+              </a:rPr>
+              <a:t>page</a:t>
             </a:r>
             <a:endParaRPr lang="en-AU" sz="2400" dirty="0">
               <a:effectLst/>
@@ -9249,39 +9420,15 @@
                 <a:latin typeface="Arial" panose="020B0604020202020204" pitchFamily="34" charset="0"/>
                 <a:ea typeface="Arial" panose="020B0604020202020204" pitchFamily="34" charset="0"/>
               </a:rPr>
-              <a:t>anodiam.com/teacher/myprofile/personal/{userid}</a:t>
-            </a:r>
-          </a:p>
-        </p:txBody>
-      </p:sp>
-      <p:pic>
-        <p:nvPicPr>
-          <p:cNvPr id="4" name="Picture 3"/>
-          <p:cNvPicPr>
-            <a:picLocks noChangeAspect="1"/>
-          </p:cNvPicPr>
-          <p:nvPr/>
-        </p:nvPicPr>
-        <p:blipFill>
-          <a:blip r:embed="rId3"/>
-          <a:stretch>
-            <a:fillRect/>
-          </a:stretch>
-        </p:blipFill>
-        <p:spPr>
-          <a:xfrm>
-            <a:off x="838200" y="1339552"/>
-            <a:ext cx="7467600" cy="5257800"/>
-          </a:xfrm>
-          <a:prstGeom prst="rect">
-            <a:avLst/>
-          </a:prstGeom>
-        </p:spPr>
-      </p:pic>
+              <a:t>anodiam.com/teacher/myhome/{userid}</a:t>
+            </a:r>
+          </a:p>
+        </p:txBody>
+      </p:sp>
     </p:spTree>
     <p:extLst>
       <p:ext uri="{BB962C8B-B14F-4D97-AF65-F5344CB8AC3E}">
-        <p14:creationId xmlns:p14="http://schemas.microsoft.com/office/powerpoint/2010/main" val="729961998"/>
+        <p14:creationId xmlns:p14="http://schemas.microsoft.com/office/powerpoint/2010/main" val="1726590090"/>
       </p:ext>
     </p:extLst>
   </p:cSld>

--- a/ProjectExecution/BA/SpecsWireframes/003TeacherAppWireframes.pptx
+++ b/ProjectExecution/BA/SpecsWireframes/003TeacherAppWireframes.pptx
@@ -127,7 +127,7 @@
   </p:defaultTextStyle>
   <p:extLst>
     <p:ext uri="{EFAFB233-063F-42B5-8137-9DF3F51BA10A}">
-      <p15:sldGuideLst xmlns:p15="http://schemas.microsoft.com/office/powerpoint/2012/main">
+      <p15:sldGuideLst xmlns:p15="http://schemas.microsoft.com/office/powerpoint/2012/main" xmlns="">
         <p15:guide id="1" orient="horz" pos="2160">
           <p15:clr>
             <a:srgbClr val="A4A3A4"/>
@@ -7142,17 +7142,7 @@
                 <a:latin typeface="Arial" panose="020B0604020202020204" pitchFamily="34" charset="0"/>
                 <a:ea typeface="Arial" panose="020B0604020202020204" pitchFamily="34" charset="0"/>
               </a:rPr>
-              <a:t>anodiam.com/teacher/queries/{</a:t>
-            </a:r>
-            <a:r>
-              <a:rPr lang="en-US" sz="1400" u="sng" dirty="0" smtClean="0">
-                <a:solidFill>
-                  <a:srgbClr val="0000FF"/>
-                </a:solidFill>
-                <a:latin typeface="Arial" panose="020B0604020202020204" pitchFamily="34" charset="0"/>
-                <a:ea typeface="Arial" panose="020B0604020202020204" pitchFamily="34" charset="0"/>
-              </a:rPr>
-              <a:t>userid}</a:t>
+              <a:t>anodiam.com/teacher/queries/{userid}</a:t>
             </a:r>
           </a:p>
         </p:txBody>
@@ -7327,17 +7317,7 @@
                 <a:latin typeface="Arial" panose="020B0604020202020204" pitchFamily="34" charset="0"/>
                 <a:ea typeface="Arial" panose="020B0604020202020204" pitchFamily="34" charset="0"/>
               </a:rPr>
-              <a:t>anodiam.com/teacher/query/{queryid</a:t>
-            </a:r>
-            <a:r>
-              <a:rPr lang="en-US" sz="1400" u="sng" dirty="0" smtClean="0">
-                <a:solidFill>
-                  <a:srgbClr val="0000FF"/>
-                </a:solidFill>
-                <a:latin typeface="Arial" panose="020B0604020202020204" pitchFamily="34" charset="0"/>
-                <a:ea typeface="Arial" panose="020B0604020202020204" pitchFamily="34" charset="0"/>
-              </a:rPr>
-              <a:t>}</a:t>
+              <a:t>anodiam.com/teacher/query/{queryid}</a:t>
             </a:r>
           </a:p>
         </p:txBody>

--- a/ProjectExecution/BA/SpecsWireframes/003TeacherAppWireframes.pptx
+++ b/ProjectExecution/BA/SpecsWireframes/003TeacherAppWireframes.pptx
@@ -5,7 +5,7 @@
     <p:sldMasterId id="2147483648" r:id="rId1"/>
   </p:sldMasterIdLst>
   <p:notesMasterIdLst>
-    <p:notesMasterId r:id="rId22"/>
+    <p:notesMasterId r:id="rId28"/>
   </p:notesMasterIdLst>
   <p:sldIdLst>
     <p:sldId id="259" r:id="rId2"/>
@@ -16,18 +16,24 @@
     <p:sldId id="270" r:id="rId7"/>
     <p:sldId id="269" r:id="rId8"/>
     <p:sldId id="271" r:id="rId9"/>
-    <p:sldId id="283" r:id="rId10"/>
-    <p:sldId id="265" r:id="rId11"/>
-    <p:sldId id="273" r:id="rId12"/>
-    <p:sldId id="272" r:id="rId13"/>
-    <p:sldId id="274" r:id="rId14"/>
-    <p:sldId id="275" r:id="rId15"/>
-    <p:sldId id="276" r:id="rId16"/>
-    <p:sldId id="277" r:id="rId17"/>
-    <p:sldId id="279" r:id="rId18"/>
-    <p:sldId id="280" r:id="rId19"/>
-    <p:sldId id="281" r:id="rId20"/>
-    <p:sldId id="282" r:id="rId21"/>
+    <p:sldId id="284" r:id="rId10"/>
+    <p:sldId id="285" r:id="rId11"/>
+    <p:sldId id="293" r:id="rId12"/>
+    <p:sldId id="291" r:id="rId13"/>
+    <p:sldId id="292" r:id="rId14"/>
+    <p:sldId id="294" r:id="rId15"/>
+    <p:sldId id="295" r:id="rId16"/>
+    <p:sldId id="265" r:id="rId17"/>
+    <p:sldId id="273" r:id="rId18"/>
+    <p:sldId id="272" r:id="rId19"/>
+    <p:sldId id="274" r:id="rId20"/>
+    <p:sldId id="275" r:id="rId21"/>
+    <p:sldId id="276" r:id="rId22"/>
+    <p:sldId id="277" r:id="rId23"/>
+    <p:sldId id="279" r:id="rId24"/>
+    <p:sldId id="280" r:id="rId25"/>
+    <p:sldId id="281" r:id="rId26"/>
+    <p:sldId id="282" r:id="rId27"/>
   </p:sldIdLst>
   <p:sldSz cx="9144000" cy="6858000" type="screen4x3"/>
   <p:notesSz cx="6858000" cy="9144000"/>
@@ -227,7 +233,7 @@
           <a:p>
             <a:fld id="{26483215-80E3-4A52-98A5-4C379A79CA39}" type="datetimeFigureOut">
               <a:rPr lang="en-AU" smtClean="0"/>
-              <a:t>19/11/2020</a:t>
+              <a:t>20/11/2020</a:t>
             </a:fld>
             <a:endParaRPr lang="en-AU"/>
           </a:p>
@@ -676,7 +682,7 @@
           <a:p>
             <a:fld id="{BB2A88D7-68F7-4681-80B5-BDD492DE1B81}" type="datetimeFigureOut">
               <a:rPr lang="en-AU" smtClean="0"/>
-              <a:t>19/11/2020</a:t>
+              <a:t>20/11/2020</a:t>
             </a:fld>
             <a:endParaRPr lang="en-AU"/>
           </a:p>
@@ -846,7 +852,7 @@
           <a:p>
             <a:fld id="{BB2A88D7-68F7-4681-80B5-BDD492DE1B81}" type="datetimeFigureOut">
               <a:rPr lang="en-AU" smtClean="0"/>
-              <a:t>19/11/2020</a:t>
+              <a:t>20/11/2020</a:t>
             </a:fld>
             <a:endParaRPr lang="en-AU"/>
           </a:p>
@@ -1026,7 +1032,7 @@
           <a:p>
             <a:fld id="{BB2A88D7-68F7-4681-80B5-BDD492DE1B81}" type="datetimeFigureOut">
               <a:rPr lang="en-AU" smtClean="0"/>
-              <a:t>19/11/2020</a:t>
+              <a:t>20/11/2020</a:t>
             </a:fld>
             <a:endParaRPr lang="en-AU"/>
           </a:p>
@@ -1196,7 +1202,7 @@
           <a:p>
             <a:fld id="{BB2A88D7-68F7-4681-80B5-BDD492DE1B81}" type="datetimeFigureOut">
               <a:rPr lang="en-AU" smtClean="0"/>
-              <a:t>19/11/2020</a:t>
+              <a:t>20/11/2020</a:t>
             </a:fld>
             <a:endParaRPr lang="en-AU"/>
           </a:p>
@@ -1442,7 +1448,7 @@
           <a:p>
             <a:fld id="{BB2A88D7-68F7-4681-80B5-BDD492DE1B81}" type="datetimeFigureOut">
               <a:rPr lang="en-AU" smtClean="0"/>
-              <a:t>19/11/2020</a:t>
+              <a:t>20/11/2020</a:t>
             </a:fld>
             <a:endParaRPr lang="en-AU"/>
           </a:p>
@@ -1730,7 +1736,7 @@
           <a:p>
             <a:fld id="{BB2A88D7-68F7-4681-80B5-BDD492DE1B81}" type="datetimeFigureOut">
               <a:rPr lang="en-AU" smtClean="0"/>
-              <a:t>19/11/2020</a:t>
+              <a:t>20/11/2020</a:t>
             </a:fld>
             <a:endParaRPr lang="en-AU"/>
           </a:p>
@@ -2152,7 +2158,7 @@
           <a:p>
             <a:fld id="{BB2A88D7-68F7-4681-80B5-BDD492DE1B81}" type="datetimeFigureOut">
               <a:rPr lang="en-AU" smtClean="0"/>
-              <a:t>19/11/2020</a:t>
+              <a:t>20/11/2020</a:t>
             </a:fld>
             <a:endParaRPr lang="en-AU"/>
           </a:p>
@@ -2270,7 +2276,7 @@
           <a:p>
             <a:fld id="{BB2A88D7-68F7-4681-80B5-BDD492DE1B81}" type="datetimeFigureOut">
               <a:rPr lang="en-AU" smtClean="0"/>
-              <a:t>19/11/2020</a:t>
+              <a:t>20/11/2020</a:t>
             </a:fld>
             <a:endParaRPr lang="en-AU"/>
           </a:p>
@@ -2365,7 +2371,7 @@
           <a:p>
             <a:fld id="{BB2A88D7-68F7-4681-80B5-BDD492DE1B81}" type="datetimeFigureOut">
               <a:rPr lang="en-AU" smtClean="0"/>
-              <a:t>19/11/2020</a:t>
+              <a:t>20/11/2020</a:t>
             </a:fld>
             <a:endParaRPr lang="en-AU"/>
           </a:p>
@@ -2642,7 +2648,7 @@
           <a:p>
             <a:fld id="{BB2A88D7-68F7-4681-80B5-BDD492DE1B81}" type="datetimeFigureOut">
               <a:rPr lang="en-AU" smtClean="0"/>
-              <a:t>19/11/2020</a:t>
+              <a:t>20/11/2020</a:t>
             </a:fld>
             <a:endParaRPr lang="en-AU"/>
           </a:p>
@@ -2895,7 +2901,7 @@
           <a:p>
             <a:fld id="{BB2A88D7-68F7-4681-80B5-BDD492DE1B81}" type="datetimeFigureOut">
               <a:rPr lang="en-AU" smtClean="0"/>
-              <a:t>19/11/2020</a:t>
+              <a:t>20/11/2020</a:t>
             </a:fld>
             <a:endParaRPr lang="en-AU"/>
           </a:p>
@@ -3108,7 +3114,7 @@
           <a:p>
             <a:fld id="{BB2A88D7-68F7-4681-80B5-BDD492DE1B81}" type="datetimeFigureOut">
               <a:rPr lang="en-AU" smtClean="0"/>
-              <a:t>19/11/2020</a:t>
+              <a:t>20/11/2020</a:t>
             </a:fld>
             <a:endParaRPr lang="en-AU"/>
           </a:p>
@@ -5944,6 +5950,1227 @@
         </p:nvSpPr>
         <p:spPr>
           <a:xfrm>
+            <a:off x="584278" y="-27384"/>
+            <a:ext cx="7738080" cy="729430"/>
+          </a:xfrm>
+          <a:prstGeom prst="rect">
+            <a:avLst/>
+          </a:prstGeom>
+        </p:spPr>
+        <p:txBody>
+          <a:bodyPr wrap="none">
+            <a:spAutoFit/>
+          </a:bodyPr>
+          <a:lstStyle/>
+          <a:p>
+            <a:pPr algn="ctr">
+              <a:lnSpc>
+                <a:spcPct val="115000"/>
+              </a:lnSpc>
+              <a:spcAft>
+                <a:spcPts val="0"/>
+              </a:spcAft>
+            </a:pPr>
+            <a:r>
+              <a:rPr lang="en-US" sz="2400" b="1" dirty="0" smtClean="0">
+                <a:latin typeface="Arial" panose="020B0604020202020204" pitchFamily="34" charset="0"/>
+                <a:ea typeface="Arial" panose="020B0604020202020204" pitchFamily="34" charset="0"/>
+              </a:rPr>
+              <a:t>Teacher App</a:t>
+            </a:r>
+            <a:r>
+              <a:rPr lang="en-US" sz="2400" b="1" dirty="0">
+                <a:latin typeface="Arial" panose="020B0604020202020204" pitchFamily="34" charset="0"/>
+                <a:ea typeface="Arial" panose="020B0604020202020204" pitchFamily="34" charset="0"/>
+              </a:rPr>
+              <a:t>: </a:t>
+            </a:r>
+            <a:r>
+              <a:rPr lang="en-US" sz="2400" b="1" dirty="0" smtClean="0">
+                <a:latin typeface="Arial" panose="020B0604020202020204" pitchFamily="34" charset="0"/>
+                <a:ea typeface="Arial" panose="020B0604020202020204" pitchFamily="34" charset="0"/>
+              </a:rPr>
+              <a:t>View</a:t>
+            </a:r>
+            <a:r>
+              <a:rPr lang="en-US" sz="2400" b="1" dirty="0">
+                <a:latin typeface="Arial" panose="020B0604020202020204" pitchFamily="34" charset="0"/>
+                <a:ea typeface="Arial" panose="020B0604020202020204" pitchFamily="34" charset="0"/>
+              </a:rPr>
+              <a:t>, Update Course page Outline tab</a:t>
+            </a:r>
+            <a:endParaRPr lang="en-US" sz="2400" b="1" dirty="0" smtClean="0">
+              <a:latin typeface="Arial" panose="020B0604020202020204" pitchFamily="34" charset="0"/>
+              <a:ea typeface="Arial" panose="020B0604020202020204" pitchFamily="34" charset="0"/>
+            </a:endParaRPr>
+          </a:p>
+          <a:p>
+            <a:pPr algn="ctr">
+              <a:lnSpc>
+                <a:spcPct val="115000"/>
+              </a:lnSpc>
+              <a:spcAft>
+                <a:spcPts val="0"/>
+              </a:spcAft>
+            </a:pPr>
+            <a:r>
+              <a:rPr lang="en-US" sz="1200" b="1" dirty="0" smtClean="0">
+                <a:effectLst/>
+                <a:latin typeface="Arial" panose="020B0604020202020204" pitchFamily="34" charset="0"/>
+                <a:ea typeface="Arial" panose="020B0604020202020204" pitchFamily="34" charset="0"/>
+              </a:rPr>
+              <a:t>** Only non-active courses can be deleted</a:t>
+            </a:r>
+            <a:endParaRPr lang="en-AU" sz="1200" dirty="0">
+              <a:effectLst/>
+              <a:latin typeface="Arial" panose="020B0604020202020204" pitchFamily="34" charset="0"/>
+              <a:ea typeface="Arial" panose="020B0604020202020204" pitchFamily="34" charset="0"/>
+            </a:endParaRPr>
+          </a:p>
+        </p:txBody>
+      </p:sp>
+      <p:sp>
+        <p:nvSpPr>
+          <p:cNvPr id="3" name="Rectangle 2"/>
+          <p:cNvSpPr/>
+          <p:nvPr/>
+        </p:nvSpPr>
+        <p:spPr>
+          <a:xfrm>
+            <a:off x="431032" y="600943"/>
+            <a:ext cx="8245424" cy="307777"/>
+          </a:xfrm>
+          <a:prstGeom prst="rect">
+            <a:avLst/>
+          </a:prstGeom>
+        </p:spPr>
+        <p:txBody>
+          <a:bodyPr wrap="square">
+            <a:spAutoFit/>
+          </a:bodyPr>
+          <a:lstStyle/>
+          <a:p>
+            <a:pPr algn="ctr"/>
+            <a:r>
+              <a:rPr lang="en-US" sz="1400" dirty="0">
+                <a:latin typeface="Arial" panose="020B0604020202020204" pitchFamily="34" charset="0"/>
+                <a:ea typeface="Arial" panose="020B0604020202020204" pitchFamily="34" charset="0"/>
+              </a:rPr>
+              <a:t>Link: </a:t>
+            </a:r>
+            <a:r>
+              <a:rPr lang="en-US" sz="1400" u="sng" dirty="0">
+                <a:solidFill>
+                  <a:srgbClr val="0000FF"/>
+                </a:solidFill>
+                <a:latin typeface="Arial" panose="020B0604020202020204" pitchFamily="34" charset="0"/>
+                <a:ea typeface="Arial" panose="020B0604020202020204" pitchFamily="34" charset="0"/>
+                <a:hlinkClick r:id="rId2"/>
+              </a:rPr>
+              <a:t>https</a:t>
+            </a:r>
+            <a:r>
+              <a:rPr lang="en-US" sz="1400" u="sng" dirty="0" smtClean="0">
+                <a:solidFill>
+                  <a:srgbClr val="0000FF"/>
+                </a:solidFill>
+                <a:latin typeface="Arial" panose="020B0604020202020204" pitchFamily="34" charset="0"/>
+                <a:ea typeface="Arial" panose="020B0604020202020204" pitchFamily="34" charset="0"/>
+                <a:hlinkClick r:id="rId2"/>
+              </a:rPr>
+              <a:t>://</a:t>
+            </a:r>
+            <a:r>
+              <a:rPr lang="en-US" sz="1400" u="sng" dirty="0" smtClean="0">
+                <a:solidFill>
+                  <a:srgbClr val="0000FF"/>
+                </a:solidFill>
+                <a:latin typeface="Arial" panose="020B0604020202020204" pitchFamily="34" charset="0"/>
+                <a:ea typeface="Arial" panose="020B0604020202020204" pitchFamily="34" charset="0"/>
+              </a:rPr>
+              <a:t>anodiam.com/teacher/addnewcourse/{userid</a:t>
+            </a:r>
+            <a:r>
+              <a:rPr lang="en-US" sz="1400" u="sng" dirty="0" smtClean="0">
+                <a:solidFill>
+                  <a:srgbClr val="0000FF"/>
+                </a:solidFill>
+                <a:latin typeface="Arial" panose="020B0604020202020204" pitchFamily="34" charset="0"/>
+                <a:ea typeface="Arial" panose="020B0604020202020204" pitchFamily="34" charset="0"/>
+              </a:rPr>
+              <a:t>}</a:t>
+            </a:r>
+          </a:p>
+        </p:txBody>
+      </p:sp>
+      <p:pic>
+        <p:nvPicPr>
+          <p:cNvPr id="8" name="Picture 7"/>
+          <p:cNvPicPr>
+            <a:picLocks noChangeAspect="1"/>
+          </p:cNvPicPr>
+          <p:nvPr/>
+        </p:nvPicPr>
+        <p:blipFill>
+          <a:blip r:embed="rId3"/>
+          <a:stretch>
+            <a:fillRect/>
+          </a:stretch>
+        </p:blipFill>
+        <p:spPr>
+          <a:xfrm>
+            <a:off x="838200" y="908720"/>
+            <a:ext cx="7467600" cy="5934075"/>
+          </a:xfrm>
+          <a:prstGeom prst="rect">
+            <a:avLst/>
+          </a:prstGeom>
+        </p:spPr>
+      </p:pic>
+    </p:spTree>
+    <p:extLst>
+      <p:ext uri="{BB962C8B-B14F-4D97-AF65-F5344CB8AC3E}">
+        <p14:creationId xmlns:p14="http://schemas.microsoft.com/office/powerpoint/2010/main" val="754339063"/>
+      </p:ext>
+    </p:extLst>
+  </p:cSld>
+  <p:clrMapOvr>
+    <a:masterClrMapping/>
+  </p:clrMapOvr>
+  <p:timing>
+    <p:tnLst>
+      <p:par>
+        <p:cTn id="1" dur="indefinite" restart="never" nodeType="tmRoot"/>
+      </p:par>
+    </p:tnLst>
+  </p:timing>
+</p:sld>
+</file>
+
+<file path=ppt/slides/slide11.xml><?xml version="1.0" encoding="utf-8"?>
+<p:sld xmlns:a="http://schemas.openxmlformats.org/drawingml/2006/main" xmlns:r="http://schemas.openxmlformats.org/officeDocument/2006/relationships" xmlns:p="http://schemas.openxmlformats.org/presentationml/2006/main">
+  <p:cSld>
+    <p:spTree>
+      <p:nvGrpSpPr>
+        <p:cNvPr id="1" name=""/>
+        <p:cNvGrpSpPr/>
+        <p:nvPr/>
+      </p:nvGrpSpPr>
+      <p:grpSpPr>
+        <a:xfrm>
+          <a:off x="0" y="0"/>
+          <a:ext cx="0" cy="0"/>
+          <a:chOff x="0" y="0"/>
+          <a:chExt cx="0" cy="0"/>
+        </a:xfrm>
+      </p:grpSpPr>
+      <p:sp>
+        <p:nvSpPr>
+          <p:cNvPr id="2" name="Rectangle 1"/>
+          <p:cNvSpPr/>
+          <p:nvPr/>
+        </p:nvSpPr>
+        <p:spPr>
+          <a:xfrm>
+            <a:off x="1439006" y="11870"/>
+            <a:ext cx="6028637" cy="711733"/>
+          </a:xfrm>
+          <a:prstGeom prst="rect">
+            <a:avLst/>
+          </a:prstGeom>
+        </p:spPr>
+        <p:txBody>
+          <a:bodyPr wrap="none">
+            <a:spAutoFit/>
+          </a:bodyPr>
+          <a:lstStyle/>
+          <a:p>
+            <a:pPr algn="ctr">
+              <a:lnSpc>
+                <a:spcPct val="115000"/>
+              </a:lnSpc>
+              <a:spcAft>
+                <a:spcPts val="0"/>
+              </a:spcAft>
+            </a:pPr>
+            <a:r>
+              <a:rPr lang="en-US" sz="2400" b="1" dirty="0" smtClean="0">
+                <a:latin typeface="Arial" panose="020B0604020202020204" pitchFamily="34" charset="0"/>
+                <a:ea typeface="Arial" panose="020B0604020202020204" pitchFamily="34" charset="0"/>
+              </a:rPr>
+              <a:t>Teacher App</a:t>
+            </a:r>
+            <a:r>
+              <a:rPr lang="en-US" sz="2400" b="1" dirty="0">
+                <a:latin typeface="Arial" panose="020B0604020202020204" pitchFamily="34" charset="0"/>
+                <a:ea typeface="Arial" panose="020B0604020202020204" pitchFamily="34" charset="0"/>
+              </a:rPr>
+              <a:t>: </a:t>
+            </a:r>
+            <a:r>
+              <a:rPr lang="en-US" sz="2400" b="1" dirty="0" smtClean="0">
+                <a:latin typeface="Arial" panose="020B0604020202020204" pitchFamily="34" charset="0"/>
+                <a:ea typeface="Arial" panose="020B0604020202020204" pitchFamily="34" charset="0"/>
+              </a:rPr>
+              <a:t>Confir</a:t>
+            </a:r>
+            <a:r>
+              <a:rPr lang="en-US" sz="2400" b="1" dirty="0" smtClean="0">
+                <a:latin typeface="Arial" panose="020B0604020202020204" pitchFamily="34" charset="0"/>
+                <a:ea typeface="Arial" panose="020B0604020202020204" pitchFamily="34" charset="0"/>
+              </a:rPr>
+              <a:t>m Deletion</a:t>
+            </a:r>
+            <a:r>
+              <a:rPr lang="en-US" sz="2400" b="1" dirty="0" smtClean="0">
+                <a:latin typeface="Arial" panose="020B0604020202020204" pitchFamily="34" charset="0"/>
+                <a:ea typeface="Arial" panose="020B0604020202020204" pitchFamily="34" charset="0"/>
+              </a:rPr>
+              <a:t> dialogue</a:t>
+            </a:r>
+          </a:p>
+          <a:p>
+            <a:pPr algn="ctr">
+              <a:lnSpc>
+                <a:spcPct val="115000"/>
+              </a:lnSpc>
+            </a:pPr>
+            <a:r>
+              <a:rPr lang="en-US" sz="1100" b="1" dirty="0">
+                <a:latin typeface="Arial" panose="020B0604020202020204" pitchFamily="34" charset="0"/>
+                <a:ea typeface="Arial" panose="020B0604020202020204" pitchFamily="34" charset="0"/>
+              </a:rPr>
+              <a:t>** Only non-active courses can be </a:t>
+            </a:r>
+            <a:r>
+              <a:rPr lang="en-US" sz="1100" b="1" dirty="0" smtClean="0">
+                <a:latin typeface="Arial" panose="020B0604020202020204" pitchFamily="34" charset="0"/>
+                <a:ea typeface="Arial" panose="020B0604020202020204" pitchFamily="34" charset="0"/>
+              </a:rPr>
+              <a:t>deleted</a:t>
+            </a:r>
+            <a:endParaRPr lang="en-AU" sz="1100" dirty="0">
+              <a:latin typeface="Arial" panose="020B0604020202020204" pitchFamily="34" charset="0"/>
+              <a:ea typeface="Arial" panose="020B0604020202020204" pitchFamily="34" charset="0"/>
+            </a:endParaRPr>
+          </a:p>
+        </p:txBody>
+      </p:sp>
+      <p:sp>
+        <p:nvSpPr>
+          <p:cNvPr id="3" name="Rectangle 2"/>
+          <p:cNvSpPr/>
+          <p:nvPr/>
+        </p:nvSpPr>
+        <p:spPr>
+          <a:xfrm>
+            <a:off x="431032" y="672951"/>
+            <a:ext cx="8245424" cy="307777"/>
+          </a:xfrm>
+          <a:prstGeom prst="rect">
+            <a:avLst/>
+          </a:prstGeom>
+        </p:spPr>
+        <p:txBody>
+          <a:bodyPr wrap="square">
+            <a:spAutoFit/>
+          </a:bodyPr>
+          <a:lstStyle/>
+          <a:p>
+            <a:pPr algn="ctr"/>
+            <a:r>
+              <a:rPr lang="en-US" sz="1400" dirty="0">
+                <a:latin typeface="Arial" panose="020B0604020202020204" pitchFamily="34" charset="0"/>
+                <a:ea typeface="Arial" panose="020B0604020202020204" pitchFamily="34" charset="0"/>
+              </a:rPr>
+              <a:t>Link: </a:t>
+            </a:r>
+            <a:r>
+              <a:rPr lang="en-US" sz="1400" u="sng" dirty="0">
+                <a:solidFill>
+                  <a:srgbClr val="0000FF"/>
+                </a:solidFill>
+                <a:latin typeface="Arial" panose="020B0604020202020204" pitchFamily="34" charset="0"/>
+                <a:ea typeface="Arial" panose="020B0604020202020204" pitchFamily="34" charset="0"/>
+                <a:hlinkClick r:id="rId2"/>
+              </a:rPr>
+              <a:t>https</a:t>
+            </a:r>
+            <a:r>
+              <a:rPr lang="en-US" sz="1400" u="sng" dirty="0" smtClean="0">
+                <a:solidFill>
+                  <a:srgbClr val="0000FF"/>
+                </a:solidFill>
+                <a:latin typeface="Arial" panose="020B0604020202020204" pitchFamily="34" charset="0"/>
+                <a:ea typeface="Arial" panose="020B0604020202020204" pitchFamily="34" charset="0"/>
+                <a:hlinkClick r:id="rId2"/>
+              </a:rPr>
+              <a:t>://</a:t>
+            </a:r>
+            <a:r>
+              <a:rPr lang="en-US" sz="1400" u="sng" dirty="0" smtClean="0">
+                <a:solidFill>
+                  <a:srgbClr val="0000FF"/>
+                </a:solidFill>
+                <a:latin typeface="Arial" panose="020B0604020202020204" pitchFamily="34" charset="0"/>
+                <a:ea typeface="Arial" panose="020B0604020202020204" pitchFamily="34" charset="0"/>
+              </a:rPr>
+              <a:t>anodiam.com/teacher/addnewcourse/{userid</a:t>
+            </a:r>
+            <a:r>
+              <a:rPr lang="en-US" sz="1400" u="sng" dirty="0" smtClean="0">
+                <a:solidFill>
+                  <a:srgbClr val="0000FF"/>
+                </a:solidFill>
+                <a:latin typeface="Arial" panose="020B0604020202020204" pitchFamily="34" charset="0"/>
+                <a:ea typeface="Arial" panose="020B0604020202020204" pitchFamily="34" charset="0"/>
+              </a:rPr>
+              <a:t>}</a:t>
+            </a:r>
+          </a:p>
+        </p:txBody>
+      </p:sp>
+      <p:pic>
+        <p:nvPicPr>
+          <p:cNvPr id="4" name="Picture 3"/>
+          <p:cNvPicPr>
+            <a:picLocks noChangeAspect="1"/>
+          </p:cNvPicPr>
+          <p:nvPr/>
+        </p:nvPicPr>
+        <p:blipFill>
+          <a:blip r:embed="rId3"/>
+          <a:stretch>
+            <a:fillRect/>
+          </a:stretch>
+        </p:blipFill>
+        <p:spPr>
+          <a:xfrm>
+            <a:off x="2628900" y="1847850"/>
+            <a:ext cx="3886200" cy="3162300"/>
+          </a:xfrm>
+          <a:prstGeom prst="rect">
+            <a:avLst/>
+          </a:prstGeom>
+        </p:spPr>
+      </p:pic>
+    </p:spTree>
+    <p:extLst>
+      <p:ext uri="{BB962C8B-B14F-4D97-AF65-F5344CB8AC3E}">
+        <p14:creationId xmlns:p14="http://schemas.microsoft.com/office/powerpoint/2010/main" val="3897379988"/>
+      </p:ext>
+    </p:extLst>
+  </p:cSld>
+  <p:clrMapOvr>
+    <a:masterClrMapping/>
+  </p:clrMapOvr>
+  <p:timing>
+    <p:tnLst>
+      <p:par>
+        <p:cTn id="1" dur="indefinite" restart="never" nodeType="tmRoot"/>
+      </p:par>
+    </p:tnLst>
+  </p:timing>
+</p:sld>
+</file>
+
+<file path=ppt/slides/slide12.xml><?xml version="1.0" encoding="utf-8"?>
+<p:sld xmlns:a="http://schemas.openxmlformats.org/drawingml/2006/main" xmlns:r="http://schemas.openxmlformats.org/officeDocument/2006/relationships" xmlns:p="http://schemas.openxmlformats.org/presentationml/2006/main">
+  <p:cSld>
+    <p:spTree>
+      <p:nvGrpSpPr>
+        <p:cNvPr id="1" name=""/>
+        <p:cNvGrpSpPr/>
+        <p:nvPr/>
+      </p:nvGrpSpPr>
+      <p:grpSpPr>
+        <a:xfrm>
+          <a:off x="0" y="0"/>
+          <a:ext cx="0" cy="0"/>
+          <a:chOff x="0" y="0"/>
+          <a:chExt cx="0" cy="0"/>
+        </a:xfrm>
+      </p:grpSpPr>
+      <p:sp>
+        <p:nvSpPr>
+          <p:cNvPr id="2" name="Rectangle 1"/>
+          <p:cNvSpPr/>
+          <p:nvPr/>
+        </p:nvSpPr>
+        <p:spPr>
+          <a:xfrm>
+            <a:off x="1000578" y="11870"/>
+            <a:ext cx="6905480" cy="517065"/>
+          </a:xfrm>
+          <a:prstGeom prst="rect">
+            <a:avLst/>
+          </a:prstGeom>
+        </p:spPr>
+        <p:txBody>
+          <a:bodyPr wrap="none">
+            <a:spAutoFit/>
+          </a:bodyPr>
+          <a:lstStyle/>
+          <a:p>
+            <a:pPr algn="ctr">
+              <a:lnSpc>
+                <a:spcPct val="115000"/>
+              </a:lnSpc>
+              <a:spcAft>
+                <a:spcPts val="0"/>
+              </a:spcAft>
+            </a:pPr>
+            <a:r>
+              <a:rPr lang="en-US" sz="2400" b="1" dirty="0" smtClean="0">
+                <a:latin typeface="Arial" panose="020B0604020202020204" pitchFamily="34" charset="0"/>
+                <a:ea typeface="Arial" panose="020B0604020202020204" pitchFamily="34" charset="0"/>
+              </a:rPr>
+              <a:t>Teacher App</a:t>
+            </a:r>
+            <a:r>
+              <a:rPr lang="en-US" sz="2400" b="1" dirty="0">
+                <a:latin typeface="Arial" panose="020B0604020202020204" pitchFamily="34" charset="0"/>
+                <a:ea typeface="Arial" panose="020B0604020202020204" pitchFamily="34" charset="0"/>
+              </a:rPr>
+              <a:t>: </a:t>
+            </a:r>
+            <a:r>
+              <a:rPr lang="en-US" sz="2400" b="1" dirty="0" smtClean="0">
+                <a:latin typeface="Arial" panose="020B0604020202020204" pitchFamily="34" charset="0"/>
+                <a:ea typeface="Arial" panose="020B0604020202020204" pitchFamily="34" charset="0"/>
+              </a:rPr>
+              <a:t>Create Course page Content tab</a:t>
+            </a:r>
+            <a:endParaRPr lang="en-AU" sz="2400" dirty="0">
+              <a:effectLst/>
+              <a:latin typeface="Arial" panose="020B0604020202020204" pitchFamily="34" charset="0"/>
+              <a:ea typeface="Arial" panose="020B0604020202020204" pitchFamily="34" charset="0"/>
+            </a:endParaRPr>
+          </a:p>
+        </p:txBody>
+      </p:sp>
+      <p:sp>
+        <p:nvSpPr>
+          <p:cNvPr id="3" name="Rectangle 2"/>
+          <p:cNvSpPr/>
+          <p:nvPr/>
+        </p:nvSpPr>
+        <p:spPr>
+          <a:xfrm>
+            <a:off x="431032" y="528935"/>
+            <a:ext cx="8245424" cy="307777"/>
+          </a:xfrm>
+          <a:prstGeom prst="rect">
+            <a:avLst/>
+          </a:prstGeom>
+        </p:spPr>
+        <p:txBody>
+          <a:bodyPr wrap="square">
+            <a:spAutoFit/>
+          </a:bodyPr>
+          <a:lstStyle/>
+          <a:p>
+            <a:pPr algn="ctr"/>
+            <a:r>
+              <a:rPr lang="en-US" sz="1400" dirty="0">
+                <a:latin typeface="Arial" panose="020B0604020202020204" pitchFamily="34" charset="0"/>
+                <a:ea typeface="Arial" panose="020B0604020202020204" pitchFamily="34" charset="0"/>
+              </a:rPr>
+              <a:t>Link: </a:t>
+            </a:r>
+            <a:r>
+              <a:rPr lang="en-US" sz="1400" u="sng" dirty="0">
+                <a:solidFill>
+                  <a:srgbClr val="0000FF"/>
+                </a:solidFill>
+                <a:latin typeface="Arial" panose="020B0604020202020204" pitchFamily="34" charset="0"/>
+                <a:ea typeface="Arial" panose="020B0604020202020204" pitchFamily="34" charset="0"/>
+                <a:hlinkClick r:id="rId2"/>
+              </a:rPr>
+              <a:t>https</a:t>
+            </a:r>
+            <a:r>
+              <a:rPr lang="en-US" sz="1400" u="sng" dirty="0" smtClean="0">
+                <a:solidFill>
+                  <a:srgbClr val="0000FF"/>
+                </a:solidFill>
+                <a:latin typeface="Arial" panose="020B0604020202020204" pitchFamily="34" charset="0"/>
+                <a:ea typeface="Arial" panose="020B0604020202020204" pitchFamily="34" charset="0"/>
+                <a:hlinkClick r:id="rId2"/>
+              </a:rPr>
+              <a:t>://</a:t>
+            </a:r>
+            <a:r>
+              <a:rPr lang="en-US" sz="1400" u="sng" dirty="0" smtClean="0">
+                <a:solidFill>
+                  <a:srgbClr val="0000FF"/>
+                </a:solidFill>
+                <a:latin typeface="Arial" panose="020B0604020202020204" pitchFamily="34" charset="0"/>
+                <a:ea typeface="Arial" panose="020B0604020202020204" pitchFamily="34" charset="0"/>
+              </a:rPr>
+              <a:t>anodiam.com/teacher/addnewcourse/{userid</a:t>
+            </a:r>
+            <a:r>
+              <a:rPr lang="en-US" sz="1400" u="sng" dirty="0" smtClean="0">
+                <a:solidFill>
+                  <a:srgbClr val="0000FF"/>
+                </a:solidFill>
+                <a:latin typeface="Arial" panose="020B0604020202020204" pitchFamily="34" charset="0"/>
+                <a:ea typeface="Arial" panose="020B0604020202020204" pitchFamily="34" charset="0"/>
+              </a:rPr>
+              <a:t>}</a:t>
+            </a:r>
+          </a:p>
+        </p:txBody>
+      </p:sp>
+      <p:pic>
+        <p:nvPicPr>
+          <p:cNvPr id="8" name="Picture 7"/>
+          <p:cNvPicPr>
+            <a:picLocks noChangeAspect="1"/>
+          </p:cNvPicPr>
+          <p:nvPr/>
+        </p:nvPicPr>
+        <p:blipFill>
+          <a:blip r:embed="rId3"/>
+          <a:stretch>
+            <a:fillRect/>
+          </a:stretch>
+        </p:blipFill>
+        <p:spPr>
+          <a:xfrm>
+            <a:off x="838200" y="908720"/>
+            <a:ext cx="7467600" cy="5934075"/>
+          </a:xfrm>
+          <a:prstGeom prst="rect">
+            <a:avLst/>
+          </a:prstGeom>
+        </p:spPr>
+      </p:pic>
+    </p:spTree>
+    <p:extLst>
+      <p:ext uri="{BB962C8B-B14F-4D97-AF65-F5344CB8AC3E}">
+        <p14:creationId xmlns:p14="http://schemas.microsoft.com/office/powerpoint/2010/main" val="2381912939"/>
+      </p:ext>
+    </p:extLst>
+  </p:cSld>
+  <p:clrMapOvr>
+    <a:masterClrMapping/>
+  </p:clrMapOvr>
+  <p:timing>
+    <p:tnLst>
+      <p:par>
+        <p:cTn id="1" dur="indefinite" restart="never" nodeType="tmRoot"/>
+      </p:par>
+    </p:tnLst>
+  </p:timing>
+</p:sld>
+</file>
+
+<file path=ppt/slides/slide13.xml><?xml version="1.0" encoding="utf-8"?>
+<p:sld xmlns:a="http://schemas.openxmlformats.org/drawingml/2006/main" xmlns:r="http://schemas.openxmlformats.org/officeDocument/2006/relationships" xmlns:p="http://schemas.openxmlformats.org/presentationml/2006/main">
+  <p:cSld>
+    <p:spTree>
+      <p:nvGrpSpPr>
+        <p:cNvPr id="1" name=""/>
+        <p:cNvGrpSpPr/>
+        <p:nvPr/>
+      </p:nvGrpSpPr>
+      <p:grpSpPr>
+        <a:xfrm>
+          <a:off x="0" y="0"/>
+          <a:ext cx="0" cy="0"/>
+          <a:chOff x="0" y="0"/>
+          <a:chExt cx="0" cy="0"/>
+        </a:xfrm>
+      </p:grpSpPr>
+      <p:sp>
+        <p:nvSpPr>
+          <p:cNvPr id="2" name="Rectangle 1"/>
+          <p:cNvSpPr/>
+          <p:nvPr/>
+        </p:nvSpPr>
+        <p:spPr>
+          <a:xfrm>
+            <a:off x="-47775" y="11870"/>
+            <a:ext cx="9002208" cy="480901"/>
+          </a:xfrm>
+          <a:prstGeom prst="rect">
+            <a:avLst/>
+          </a:prstGeom>
+        </p:spPr>
+        <p:txBody>
+          <a:bodyPr wrap="none">
+            <a:spAutoFit/>
+          </a:bodyPr>
+          <a:lstStyle/>
+          <a:p>
+            <a:pPr algn="ctr">
+              <a:lnSpc>
+                <a:spcPct val="115000"/>
+              </a:lnSpc>
+              <a:spcAft>
+                <a:spcPts val="0"/>
+              </a:spcAft>
+            </a:pPr>
+            <a:r>
+              <a:rPr lang="en-US" sz="2400" b="1" dirty="0" smtClean="0">
+                <a:latin typeface="Arial" panose="020B0604020202020204" pitchFamily="34" charset="0"/>
+                <a:ea typeface="Arial" panose="020B0604020202020204" pitchFamily="34" charset="0"/>
+              </a:rPr>
+              <a:t>Teacher App</a:t>
+            </a:r>
+            <a:r>
+              <a:rPr lang="en-US" sz="2400" b="1" dirty="0">
+                <a:latin typeface="Arial" panose="020B0604020202020204" pitchFamily="34" charset="0"/>
+                <a:ea typeface="Arial" panose="020B0604020202020204" pitchFamily="34" charset="0"/>
+              </a:rPr>
+              <a:t>: </a:t>
+            </a:r>
+            <a:r>
+              <a:rPr lang="en-US" sz="2400" b="1" dirty="0" smtClean="0">
+                <a:latin typeface="Arial" panose="020B0604020202020204" pitchFamily="34" charset="0"/>
+                <a:ea typeface="Arial" panose="020B0604020202020204" pitchFamily="34" charset="0"/>
+              </a:rPr>
+              <a:t>Content Detail (Add / Update / Delete) dialogue</a:t>
+            </a:r>
+            <a:endParaRPr lang="en-AU" sz="2400" dirty="0">
+              <a:effectLst/>
+              <a:latin typeface="Arial" panose="020B0604020202020204" pitchFamily="34" charset="0"/>
+              <a:ea typeface="Arial" panose="020B0604020202020204" pitchFamily="34" charset="0"/>
+            </a:endParaRPr>
+          </a:p>
+        </p:txBody>
+      </p:sp>
+      <p:sp>
+        <p:nvSpPr>
+          <p:cNvPr id="3" name="Rectangle 2"/>
+          <p:cNvSpPr/>
+          <p:nvPr/>
+        </p:nvSpPr>
+        <p:spPr>
+          <a:xfrm>
+            <a:off x="431032" y="528935"/>
+            <a:ext cx="8245424" cy="307777"/>
+          </a:xfrm>
+          <a:prstGeom prst="rect">
+            <a:avLst/>
+          </a:prstGeom>
+        </p:spPr>
+        <p:txBody>
+          <a:bodyPr wrap="square">
+            <a:spAutoFit/>
+          </a:bodyPr>
+          <a:lstStyle/>
+          <a:p>
+            <a:pPr algn="ctr"/>
+            <a:r>
+              <a:rPr lang="en-US" sz="1400" dirty="0">
+                <a:latin typeface="Arial" panose="020B0604020202020204" pitchFamily="34" charset="0"/>
+                <a:ea typeface="Arial" panose="020B0604020202020204" pitchFamily="34" charset="0"/>
+              </a:rPr>
+              <a:t>Link: </a:t>
+            </a:r>
+            <a:r>
+              <a:rPr lang="en-US" sz="1400" u="sng" dirty="0">
+                <a:solidFill>
+                  <a:srgbClr val="0000FF"/>
+                </a:solidFill>
+                <a:latin typeface="Arial" panose="020B0604020202020204" pitchFamily="34" charset="0"/>
+                <a:ea typeface="Arial" panose="020B0604020202020204" pitchFamily="34" charset="0"/>
+                <a:hlinkClick r:id="rId2"/>
+              </a:rPr>
+              <a:t>https</a:t>
+            </a:r>
+            <a:r>
+              <a:rPr lang="en-US" sz="1400" u="sng" dirty="0" smtClean="0">
+                <a:solidFill>
+                  <a:srgbClr val="0000FF"/>
+                </a:solidFill>
+                <a:latin typeface="Arial" panose="020B0604020202020204" pitchFamily="34" charset="0"/>
+                <a:ea typeface="Arial" panose="020B0604020202020204" pitchFamily="34" charset="0"/>
+                <a:hlinkClick r:id="rId2"/>
+              </a:rPr>
+              <a:t>://</a:t>
+            </a:r>
+            <a:r>
+              <a:rPr lang="en-US" sz="1400" u="sng" dirty="0" smtClean="0">
+                <a:solidFill>
+                  <a:srgbClr val="0000FF"/>
+                </a:solidFill>
+                <a:latin typeface="Arial" panose="020B0604020202020204" pitchFamily="34" charset="0"/>
+                <a:ea typeface="Arial" panose="020B0604020202020204" pitchFamily="34" charset="0"/>
+              </a:rPr>
+              <a:t>anodiam.com/teacher/addnewcourse/{userid</a:t>
+            </a:r>
+            <a:r>
+              <a:rPr lang="en-US" sz="1400" u="sng" dirty="0" smtClean="0">
+                <a:solidFill>
+                  <a:srgbClr val="0000FF"/>
+                </a:solidFill>
+                <a:latin typeface="Arial" panose="020B0604020202020204" pitchFamily="34" charset="0"/>
+                <a:ea typeface="Arial" panose="020B0604020202020204" pitchFamily="34" charset="0"/>
+              </a:rPr>
+              <a:t>}</a:t>
+            </a:r>
+          </a:p>
+        </p:txBody>
+      </p:sp>
+      <p:pic>
+        <p:nvPicPr>
+          <p:cNvPr id="4" name="Picture 3"/>
+          <p:cNvPicPr>
+            <a:picLocks noChangeAspect="1"/>
+          </p:cNvPicPr>
+          <p:nvPr/>
+        </p:nvPicPr>
+        <p:blipFill>
+          <a:blip r:embed="rId3"/>
+          <a:stretch>
+            <a:fillRect/>
+          </a:stretch>
+        </p:blipFill>
+        <p:spPr>
+          <a:xfrm>
+            <a:off x="1143000" y="1776412"/>
+            <a:ext cx="6858000" cy="3305175"/>
+          </a:xfrm>
+          <a:prstGeom prst="rect">
+            <a:avLst/>
+          </a:prstGeom>
+        </p:spPr>
+      </p:pic>
+    </p:spTree>
+    <p:extLst>
+      <p:ext uri="{BB962C8B-B14F-4D97-AF65-F5344CB8AC3E}">
+        <p14:creationId xmlns:p14="http://schemas.microsoft.com/office/powerpoint/2010/main" val="405991298"/>
+      </p:ext>
+    </p:extLst>
+  </p:cSld>
+  <p:clrMapOvr>
+    <a:masterClrMapping/>
+  </p:clrMapOvr>
+  <p:timing>
+    <p:tnLst>
+      <p:par>
+        <p:cTn id="1" dur="indefinite" restart="never" nodeType="tmRoot"/>
+      </p:par>
+    </p:tnLst>
+  </p:timing>
+</p:sld>
+</file>
+
+<file path=ppt/slides/slide14.xml><?xml version="1.0" encoding="utf-8"?>
+<p:sld xmlns:a="http://schemas.openxmlformats.org/drawingml/2006/main" xmlns:r="http://schemas.openxmlformats.org/officeDocument/2006/relationships" xmlns:p="http://schemas.openxmlformats.org/presentationml/2006/main">
+  <p:cSld>
+    <p:spTree>
+      <p:nvGrpSpPr>
+        <p:cNvPr id="1" name=""/>
+        <p:cNvGrpSpPr/>
+        <p:nvPr/>
+      </p:nvGrpSpPr>
+      <p:grpSpPr>
+        <a:xfrm>
+          <a:off x="0" y="0"/>
+          <a:ext cx="0" cy="0"/>
+          <a:chOff x="0" y="0"/>
+          <a:chExt cx="0" cy="0"/>
+        </a:xfrm>
+      </p:grpSpPr>
+      <p:sp>
+        <p:nvSpPr>
+          <p:cNvPr id="2" name="Rectangle 1"/>
+          <p:cNvSpPr/>
+          <p:nvPr/>
+        </p:nvSpPr>
+        <p:spPr>
+          <a:xfrm>
+            <a:off x="573380" y="11870"/>
+            <a:ext cx="7759881" cy="480901"/>
+          </a:xfrm>
+          <a:prstGeom prst="rect">
+            <a:avLst/>
+          </a:prstGeom>
+        </p:spPr>
+        <p:txBody>
+          <a:bodyPr wrap="none">
+            <a:spAutoFit/>
+          </a:bodyPr>
+          <a:lstStyle/>
+          <a:p>
+            <a:pPr algn="ctr">
+              <a:lnSpc>
+                <a:spcPct val="115000"/>
+              </a:lnSpc>
+              <a:spcAft>
+                <a:spcPts val="0"/>
+              </a:spcAft>
+            </a:pPr>
+            <a:r>
+              <a:rPr lang="en-US" sz="2400" b="1" dirty="0" smtClean="0">
+                <a:latin typeface="Arial" panose="020B0604020202020204" pitchFamily="34" charset="0"/>
+                <a:ea typeface="Arial" panose="020B0604020202020204" pitchFamily="34" charset="0"/>
+              </a:rPr>
+              <a:t>Teacher App</a:t>
+            </a:r>
+            <a:r>
+              <a:rPr lang="en-US" sz="2400" b="1" dirty="0">
+                <a:latin typeface="Arial" panose="020B0604020202020204" pitchFamily="34" charset="0"/>
+                <a:ea typeface="Arial" panose="020B0604020202020204" pitchFamily="34" charset="0"/>
+              </a:rPr>
+              <a:t>: </a:t>
+            </a:r>
+            <a:r>
+              <a:rPr lang="en-US" sz="2400" b="1" dirty="0" smtClean="0">
+                <a:latin typeface="Arial" panose="020B0604020202020204" pitchFamily="34" charset="0"/>
+                <a:ea typeface="Arial" panose="020B0604020202020204" pitchFamily="34" charset="0"/>
+              </a:rPr>
+              <a:t>Create Course page Business Info tab</a:t>
+            </a:r>
+            <a:endParaRPr lang="en-AU" sz="2400" dirty="0">
+              <a:effectLst/>
+              <a:latin typeface="Arial" panose="020B0604020202020204" pitchFamily="34" charset="0"/>
+              <a:ea typeface="Arial" panose="020B0604020202020204" pitchFamily="34" charset="0"/>
+            </a:endParaRPr>
+          </a:p>
+        </p:txBody>
+      </p:sp>
+      <p:sp>
+        <p:nvSpPr>
+          <p:cNvPr id="3" name="Rectangle 2"/>
+          <p:cNvSpPr/>
+          <p:nvPr/>
+        </p:nvSpPr>
+        <p:spPr>
+          <a:xfrm>
+            <a:off x="431032" y="528935"/>
+            <a:ext cx="8245424" cy="307777"/>
+          </a:xfrm>
+          <a:prstGeom prst="rect">
+            <a:avLst/>
+          </a:prstGeom>
+        </p:spPr>
+        <p:txBody>
+          <a:bodyPr wrap="square">
+            <a:spAutoFit/>
+          </a:bodyPr>
+          <a:lstStyle/>
+          <a:p>
+            <a:pPr algn="ctr"/>
+            <a:r>
+              <a:rPr lang="en-US" sz="1400" dirty="0">
+                <a:latin typeface="Arial" panose="020B0604020202020204" pitchFamily="34" charset="0"/>
+                <a:ea typeface="Arial" panose="020B0604020202020204" pitchFamily="34" charset="0"/>
+              </a:rPr>
+              <a:t>Link: </a:t>
+            </a:r>
+            <a:r>
+              <a:rPr lang="en-US" sz="1400" u="sng" dirty="0">
+                <a:solidFill>
+                  <a:srgbClr val="0000FF"/>
+                </a:solidFill>
+                <a:latin typeface="Arial" panose="020B0604020202020204" pitchFamily="34" charset="0"/>
+                <a:ea typeface="Arial" panose="020B0604020202020204" pitchFamily="34" charset="0"/>
+                <a:hlinkClick r:id="rId2"/>
+              </a:rPr>
+              <a:t>https</a:t>
+            </a:r>
+            <a:r>
+              <a:rPr lang="en-US" sz="1400" u="sng" dirty="0" smtClean="0">
+                <a:solidFill>
+                  <a:srgbClr val="0000FF"/>
+                </a:solidFill>
+                <a:latin typeface="Arial" panose="020B0604020202020204" pitchFamily="34" charset="0"/>
+                <a:ea typeface="Arial" panose="020B0604020202020204" pitchFamily="34" charset="0"/>
+                <a:hlinkClick r:id="rId2"/>
+              </a:rPr>
+              <a:t>://</a:t>
+            </a:r>
+            <a:r>
+              <a:rPr lang="en-US" sz="1400" u="sng" dirty="0" smtClean="0">
+                <a:solidFill>
+                  <a:srgbClr val="0000FF"/>
+                </a:solidFill>
+                <a:latin typeface="Arial" panose="020B0604020202020204" pitchFamily="34" charset="0"/>
+                <a:ea typeface="Arial" panose="020B0604020202020204" pitchFamily="34" charset="0"/>
+              </a:rPr>
+              <a:t>anodiam.com/teacher/addnewcourse/{userid</a:t>
+            </a:r>
+            <a:r>
+              <a:rPr lang="en-US" sz="1400" u="sng" dirty="0" smtClean="0">
+                <a:solidFill>
+                  <a:srgbClr val="0000FF"/>
+                </a:solidFill>
+                <a:latin typeface="Arial" panose="020B0604020202020204" pitchFamily="34" charset="0"/>
+                <a:ea typeface="Arial" panose="020B0604020202020204" pitchFamily="34" charset="0"/>
+              </a:rPr>
+              <a:t>}</a:t>
+            </a:r>
+          </a:p>
+        </p:txBody>
+      </p:sp>
+      <p:pic>
+        <p:nvPicPr>
+          <p:cNvPr id="9" name="Picture 8"/>
+          <p:cNvPicPr>
+            <a:picLocks noChangeAspect="1"/>
+          </p:cNvPicPr>
+          <p:nvPr/>
+        </p:nvPicPr>
+        <p:blipFill>
+          <a:blip r:embed="rId3"/>
+          <a:stretch>
+            <a:fillRect/>
+          </a:stretch>
+        </p:blipFill>
+        <p:spPr>
+          <a:xfrm>
+            <a:off x="838666" y="880043"/>
+            <a:ext cx="7466667" cy="5933333"/>
+          </a:xfrm>
+          <a:prstGeom prst="rect">
+            <a:avLst/>
+          </a:prstGeom>
+        </p:spPr>
+      </p:pic>
+    </p:spTree>
+    <p:extLst>
+      <p:ext uri="{BB962C8B-B14F-4D97-AF65-F5344CB8AC3E}">
+        <p14:creationId xmlns:p14="http://schemas.microsoft.com/office/powerpoint/2010/main" val="1838917736"/>
+      </p:ext>
+    </p:extLst>
+  </p:cSld>
+  <p:clrMapOvr>
+    <a:masterClrMapping/>
+  </p:clrMapOvr>
+  <p:timing>
+    <p:tnLst>
+      <p:par>
+        <p:cTn id="1" dur="indefinite" restart="never" nodeType="tmRoot"/>
+      </p:par>
+    </p:tnLst>
+  </p:timing>
+</p:sld>
+</file>
+
+<file path=ppt/slides/slide15.xml><?xml version="1.0" encoding="utf-8"?>
+<p:sld xmlns:a="http://schemas.openxmlformats.org/drawingml/2006/main" xmlns:r="http://schemas.openxmlformats.org/officeDocument/2006/relationships" xmlns:p="http://schemas.openxmlformats.org/presentationml/2006/main">
+  <p:cSld>
+    <p:spTree>
+      <p:nvGrpSpPr>
+        <p:cNvPr id="1" name=""/>
+        <p:cNvGrpSpPr/>
+        <p:nvPr/>
+      </p:nvGrpSpPr>
+      <p:grpSpPr>
+        <a:xfrm>
+          <a:off x="0" y="0"/>
+          <a:ext cx="0" cy="0"/>
+          <a:chOff x="0" y="0"/>
+          <a:chExt cx="0" cy="0"/>
+        </a:xfrm>
+      </p:grpSpPr>
+      <p:sp>
+        <p:nvSpPr>
+          <p:cNvPr id="2" name="Rectangle 1"/>
+          <p:cNvSpPr/>
+          <p:nvPr/>
+        </p:nvSpPr>
+        <p:spPr>
+          <a:xfrm>
+            <a:off x="407570" y="11870"/>
+            <a:ext cx="8091510" cy="517065"/>
+          </a:xfrm>
+          <a:prstGeom prst="rect">
+            <a:avLst/>
+          </a:prstGeom>
+        </p:spPr>
+        <p:txBody>
+          <a:bodyPr wrap="none">
+            <a:spAutoFit/>
+          </a:bodyPr>
+          <a:lstStyle/>
+          <a:p>
+            <a:pPr algn="ctr">
+              <a:lnSpc>
+                <a:spcPct val="115000"/>
+              </a:lnSpc>
+              <a:spcAft>
+                <a:spcPts val="0"/>
+              </a:spcAft>
+            </a:pPr>
+            <a:r>
+              <a:rPr lang="en-US" sz="2400" b="1" dirty="0" smtClean="0">
+                <a:latin typeface="Arial" panose="020B0604020202020204" pitchFamily="34" charset="0"/>
+                <a:ea typeface="Arial" panose="020B0604020202020204" pitchFamily="34" charset="0"/>
+              </a:rPr>
+              <a:t>Teacher App</a:t>
+            </a:r>
+            <a:r>
+              <a:rPr lang="en-US" sz="2400" b="1" dirty="0">
+                <a:latin typeface="Arial" panose="020B0604020202020204" pitchFamily="34" charset="0"/>
+                <a:ea typeface="Arial" panose="020B0604020202020204" pitchFamily="34" charset="0"/>
+              </a:rPr>
+              <a:t>: </a:t>
+            </a:r>
+            <a:r>
+              <a:rPr lang="en-US" sz="2400" b="1" dirty="0" smtClean="0">
+                <a:latin typeface="Arial" panose="020B0604020202020204" pitchFamily="34" charset="0"/>
+                <a:ea typeface="Arial" panose="020B0604020202020204" pitchFamily="34" charset="0"/>
+              </a:rPr>
+              <a:t>Create Course page Approval Status tab</a:t>
+            </a:r>
+            <a:endParaRPr lang="en-AU" sz="2400" dirty="0">
+              <a:effectLst/>
+              <a:latin typeface="Arial" panose="020B0604020202020204" pitchFamily="34" charset="0"/>
+              <a:ea typeface="Arial" panose="020B0604020202020204" pitchFamily="34" charset="0"/>
+            </a:endParaRPr>
+          </a:p>
+        </p:txBody>
+      </p:sp>
+      <p:sp>
+        <p:nvSpPr>
+          <p:cNvPr id="3" name="Rectangle 2"/>
+          <p:cNvSpPr/>
+          <p:nvPr/>
+        </p:nvSpPr>
+        <p:spPr>
+          <a:xfrm>
+            <a:off x="431032" y="528935"/>
+            <a:ext cx="8245424" cy="307777"/>
+          </a:xfrm>
+          <a:prstGeom prst="rect">
+            <a:avLst/>
+          </a:prstGeom>
+        </p:spPr>
+        <p:txBody>
+          <a:bodyPr wrap="square">
+            <a:spAutoFit/>
+          </a:bodyPr>
+          <a:lstStyle/>
+          <a:p>
+            <a:pPr algn="ctr"/>
+            <a:r>
+              <a:rPr lang="en-US" sz="1400" dirty="0">
+                <a:latin typeface="Arial" panose="020B0604020202020204" pitchFamily="34" charset="0"/>
+                <a:ea typeface="Arial" panose="020B0604020202020204" pitchFamily="34" charset="0"/>
+              </a:rPr>
+              <a:t>Link: </a:t>
+            </a:r>
+            <a:r>
+              <a:rPr lang="en-US" sz="1400" u="sng" dirty="0">
+                <a:solidFill>
+                  <a:srgbClr val="0000FF"/>
+                </a:solidFill>
+                <a:latin typeface="Arial" panose="020B0604020202020204" pitchFamily="34" charset="0"/>
+                <a:ea typeface="Arial" panose="020B0604020202020204" pitchFamily="34" charset="0"/>
+                <a:hlinkClick r:id="rId2"/>
+              </a:rPr>
+              <a:t>https</a:t>
+            </a:r>
+            <a:r>
+              <a:rPr lang="en-US" sz="1400" u="sng" dirty="0" smtClean="0">
+                <a:solidFill>
+                  <a:srgbClr val="0000FF"/>
+                </a:solidFill>
+                <a:latin typeface="Arial" panose="020B0604020202020204" pitchFamily="34" charset="0"/>
+                <a:ea typeface="Arial" panose="020B0604020202020204" pitchFamily="34" charset="0"/>
+                <a:hlinkClick r:id="rId2"/>
+              </a:rPr>
+              <a:t>://</a:t>
+            </a:r>
+            <a:r>
+              <a:rPr lang="en-US" sz="1400" u="sng" dirty="0" smtClean="0">
+                <a:solidFill>
+                  <a:srgbClr val="0000FF"/>
+                </a:solidFill>
+                <a:latin typeface="Arial" panose="020B0604020202020204" pitchFamily="34" charset="0"/>
+                <a:ea typeface="Arial" panose="020B0604020202020204" pitchFamily="34" charset="0"/>
+              </a:rPr>
+              <a:t>anodiam.com/teacher/addnewcourse/{userid</a:t>
+            </a:r>
+            <a:r>
+              <a:rPr lang="en-US" sz="1400" u="sng" dirty="0" smtClean="0">
+                <a:solidFill>
+                  <a:srgbClr val="0000FF"/>
+                </a:solidFill>
+                <a:latin typeface="Arial" panose="020B0604020202020204" pitchFamily="34" charset="0"/>
+                <a:ea typeface="Arial" panose="020B0604020202020204" pitchFamily="34" charset="0"/>
+              </a:rPr>
+              <a:t>}</a:t>
+            </a:r>
+          </a:p>
+        </p:txBody>
+      </p:sp>
+      <p:pic>
+        <p:nvPicPr>
+          <p:cNvPr id="5" name="Picture 4"/>
+          <p:cNvPicPr>
+            <a:picLocks noChangeAspect="1"/>
+          </p:cNvPicPr>
+          <p:nvPr/>
+        </p:nvPicPr>
+        <p:blipFill>
+          <a:blip r:embed="rId3"/>
+          <a:stretch>
+            <a:fillRect/>
+          </a:stretch>
+        </p:blipFill>
+        <p:spPr>
+          <a:xfrm>
+            <a:off x="838200" y="879301"/>
+            <a:ext cx="7467600" cy="5934075"/>
+          </a:xfrm>
+          <a:prstGeom prst="rect">
+            <a:avLst/>
+          </a:prstGeom>
+        </p:spPr>
+      </p:pic>
+    </p:spTree>
+    <p:extLst>
+      <p:ext uri="{BB962C8B-B14F-4D97-AF65-F5344CB8AC3E}">
+        <p14:creationId xmlns:p14="http://schemas.microsoft.com/office/powerpoint/2010/main" val="1174313750"/>
+      </p:ext>
+    </p:extLst>
+  </p:cSld>
+  <p:clrMapOvr>
+    <a:masterClrMapping/>
+  </p:clrMapOvr>
+  <p:timing>
+    <p:tnLst>
+      <p:par>
+        <p:cTn id="1" dur="indefinite" restart="never" nodeType="tmRoot"/>
+      </p:par>
+    </p:tnLst>
+  </p:timing>
+</p:sld>
+</file>
+
+<file path=ppt/slides/slide16.xml><?xml version="1.0" encoding="utf-8"?>
+<p:sld xmlns:a="http://schemas.openxmlformats.org/drawingml/2006/main" xmlns:r="http://schemas.openxmlformats.org/officeDocument/2006/relationships" xmlns:p="http://schemas.openxmlformats.org/presentationml/2006/main">
+  <p:cSld>
+    <p:spTree>
+      <p:nvGrpSpPr>
+        <p:cNvPr id="1" name=""/>
+        <p:cNvGrpSpPr/>
+        <p:nvPr/>
+      </p:nvGrpSpPr>
+      <p:grpSpPr>
+        <a:xfrm>
+          <a:off x="0" y="0"/>
+          <a:ext cx="0" cy="0"/>
+          <a:chOff x="0" y="0"/>
+          <a:chExt cx="0" cy="0"/>
+        </a:xfrm>
+      </p:grpSpPr>
+      <p:sp>
+        <p:nvSpPr>
+          <p:cNvPr id="2" name="Rectangle 1"/>
+          <p:cNvSpPr/>
+          <p:nvPr/>
+        </p:nvSpPr>
+        <p:spPr>
+          <a:xfrm>
             <a:off x="1779633" y="332656"/>
             <a:ext cx="5347361" cy="480901"/>
           </a:xfrm>
@@ -6102,7 +7329,7 @@
 </p:sld>
 </file>
 
-<file path=ppt/slides/slide11.xml><?xml version="1.0" encoding="utf-8"?>
+<file path=ppt/slides/slide17.xml><?xml version="1.0" encoding="utf-8"?>
 <p:sld xmlns:a="http://schemas.openxmlformats.org/drawingml/2006/main" xmlns:r="http://schemas.openxmlformats.org/officeDocument/2006/relationships" xmlns:p="http://schemas.openxmlformats.org/presentationml/2006/main">
   <p:cSld>
     <p:spTree>
@@ -6285,7 +7512,7 @@
 </p:sld>
 </file>
 
-<file path=ppt/slides/slide12.xml><?xml version="1.0" encoding="utf-8"?>
+<file path=ppt/slides/slide18.xml><?xml version="1.0" encoding="utf-8"?>
 <p:sld xmlns:a="http://schemas.openxmlformats.org/drawingml/2006/main" xmlns:r="http://schemas.openxmlformats.org/officeDocument/2006/relationships" xmlns:p="http://schemas.openxmlformats.org/presentationml/2006/main">
   <p:cSld>
     <p:spTree>
@@ -6468,7 +7695,7 @@
 </p:sld>
 </file>
 
-<file path=ppt/slides/slide13.xml><?xml version="1.0" encoding="utf-8"?>
+<file path=ppt/slides/slide19.xml><?xml version="1.0" encoding="utf-8"?>
 <p:sld xmlns:a="http://schemas.openxmlformats.org/drawingml/2006/main" xmlns:r="http://schemas.openxmlformats.org/officeDocument/2006/relationships" xmlns:p="http://schemas.openxmlformats.org/presentationml/2006/main">
   <p:cSld>
     <p:spTree>
@@ -6603,189 +7830,6 @@
                 <a:ea typeface="Arial" panose="020B0604020202020204" pitchFamily="34" charset="0"/>
               </a:rPr>
               <a:t>anodiam.com/teacher/myprofile/payouts/{userid}</a:t>
-            </a:r>
-          </a:p>
-        </p:txBody>
-      </p:sp>
-      <p:pic>
-        <p:nvPicPr>
-          <p:cNvPr id="4" name="Picture 3"/>
-          <p:cNvPicPr>
-            <a:picLocks noChangeAspect="1"/>
-          </p:cNvPicPr>
-          <p:nvPr/>
-        </p:nvPicPr>
-        <p:blipFill>
-          <a:blip r:embed="rId3"/>
-          <a:stretch>
-            <a:fillRect/>
-          </a:stretch>
-        </p:blipFill>
-        <p:spPr>
-          <a:xfrm>
-            <a:off x="838200" y="1546820"/>
-            <a:ext cx="7467600" cy="4762500"/>
-          </a:xfrm>
-          <a:prstGeom prst="rect">
-            <a:avLst/>
-          </a:prstGeom>
-        </p:spPr>
-      </p:pic>
-    </p:spTree>
-    <p:extLst>
-      <p:ext uri="{BB962C8B-B14F-4D97-AF65-F5344CB8AC3E}">
-        <p14:creationId xmlns:p14="http://schemas.microsoft.com/office/powerpoint/2010/main" val="3005973504"/>
-      </p:ext>
-    </p:extLst>
-  </p:cSld>
-  <p:clrMapOvr>
-    <a:masterClrMapping/>
-  </p:clrMapOvr>
-  <p:timing>
-    <p:tnLst>
-      <p:par>
-        <p:cTn id="1" dur="indefinite" restart="never" nodeType="tmRoot"/>
-      </p:par>
-    </p:tnLst>
-  </p:timing>
-</p:sld>
-</file>
-
-<file path=ppt/slides/slide14.xml><?xml version="1.0" encoding="utf-8"?>
-<p:sld xmlns:a="http://schemas.openxmlformats.org/drawingml/2006/main" xmlns:r="http://schemas.openxmlformats.org/officeDocument/2006/relationships" xmlns:p="http://schemas.openxmlformats.org/presentationml/2006/main">
-  <p:cSld>
-    <p:spTree>
-      <p:nvGrpSpPr>
-        <p:cNvPr id="1" name=""/>
-        <p:cNvGrpSpPr/>
-        <p:nvPr/>
-      </p:nvGrpSpPr>
-      <p:grpSpPr>
-        <a:xfrm>
-          <a:off x="0" y="0"/>
-          <a:ext cx="0" cy="0"/>
-          <a:chOff x="0" y="0"/>
-          <a:chExt cx="0" cy="0"/>
-        </a:xfrm>
-      </p:grpSpPr>
-      <p:sp>
-        <p:nvSpPr>
-          <p:cNvPr id="2" name="Rectangle 1"/>
-          <p:cNvSpPr/>
-          <p:nvPr/>
-        </p:nvSpPr>
-        <p:spPr>
-          <a:xfrm>
-            <a:off x="2271856" y="332656"/>
-            <a:ext cx="4362926" cy="480901"/>
-          </a:xfrm>
-          <a:prstGeom prst="rect">
-            <a:avLst/>
-          </a:prstGeom>
-        </p:spPr>
-        <p:txBody>
-          <a:bodyPr wrap="none">
-            <a:spAutoFit/>
-          </a:bodyPr>
-          <a:lstStyle/>
-          <a:p>
-            <a:pPr algn="ctr">
-              <a:lnSpc>
-                <a:spcPct val="115000"/>
-              </a:lnSpc>
-              <a:spcAft>
-                <a:spcPts val="0"/>
-              </a:spcAft>
-            </a:pPr>
-            <a:r>
-              <a:rPr lang="en-US" sz="2400" b="1" dirty="0" smtClean="0">
-                <a:latin typeface="Arial" panose="020B0604020202020204" pitchFamily="34" charset="0"/>
-                <a:ea typeface="Arial" panose="020B0604020202020204" pitchFamily="34" charset="0"/>
-              </a:rPr>
-              <a:t>Teacher App</a:t>
-            </a:r>
-            <a:r>
-              <a:rPr lang="en-US" sz="2400" b="1" dirty="0">
-                <a:latin typeface="Arial" panose="020B0604020202020204" pitchFamily="34" charset="0"/>
-                <a:ea typeface="Arial" panose="020B0604020202020204" pitchFamily="34" charset="0"/>
-              </a:rPr>
-              <a:t>: </a:t>
-            </a:r>
-            <a:r>
-              <a:rPr lang="en-US" sz="2400" b="1" dirty="0" smtClean="0">
-                <a:latin typeface="Arial" panose="020B0604020202020204" pitchFamily="34" charset="0"/>
-                <a:ea typeface="Arial" panose="020B0604020202020204" pitchFamily="34" charset="0"/>
-              </a:rPr>
-              <a:t>Analytics page</a:t>
-            </a:r>
-            <a:endParaRPr lang="en-AU" sz="2400" dirty="0">
-              <a:effectLst/>
-              <a:latin typeface="Arial" panose="020B0604020202020204" pitchFamily="34" charset="0"/>
-              <a:ea typeface="Arial" panose="020B0604020202020204" pitchFamily="34" charset="0"/>
-            </a:endParaRPr>
-          </a:p>
-        </p:txBody>
-      </p:sp>
-      <p:sp>
-        <p:nvSpPr>
-          <p:cNvPr id="3" name="Rectangle 2"/>
-          <p:cNvSpPr/>
-          <p:nvPr/>
-        </p:nvSpPr>
-        <p:spPr>
-          <a:xfrm>
-            <a:off x="431032" y="849721"/>
-            <a:ext cx="8245424" cy="307777"/>
-          </a:xfrm>
-          <a:prstGeom prst="rect">
-            <a:avLst/>
-          </a:prstGeom>
-        </p:spPr>
-        <p:txBody>
-          <a:bodyPr wrap="square">
-            <a:spAutoFit/>
-          </a:bodyPr>
-          <a:lstStyle/>
-          <a:p>
-            <a:pPr algn="ctr"/>
-            <a:r>
-              <a:rPr lang="en-US" sz="1400" dirty="0">
-                <a:latin typeface="Arial" panose="020B0604020202020204" pitchFamily="34" charset="0"/>
-                <a:ea typeface="Arial" panose="020B0604020202020204" pitchFamily="34" charset="0"/>
-              </a:rPr>
-              <a:t>Link: </a:t>
-            </a:r>
-            <a:r>
-              <a:rPr lang="en-US" sz="1400" u="sng" dirty="0">
-                <a:solidFill>
-                  <a:srgbClr val="0000FF"/>
-                </a:solidFill>
-                <a:latin typeface="Arial" panose="020B0604020202020204" pitchFamily="34" charset="0"/>
-                <a:ea typeface="Arial" panose="020B0604020202020204" pitchFamily="34" charset="0"/>
-                <a:hlinkClick r:id="rId2"/>
-              </a:rPr>
-              <a:t>https</a:t>
-            </a:r>
-            <a:r>
-              <a:rPr lang="en-US" sz="1400" u="sng" dirty="0" smtClean="0">
-                <a:solidFill>
-                  <a:srgbClr val="0000FF"/>
-                </a:solidFill>
-                <a:latin typeface="Arial" panose="020B0604020202020204" pitchFamily="34" charset="0"/>
-                <a:ea typeface="Arial" panose="020B0604020202020204" pitchFamily="34" charset="0"/>
-                <a:hlinkClick r:id="rId2"/>
-              </a:rPr>
-              <a:t>://</a:t>
-            </a:r>
-            <a:r>
-              <a:rPr lang="en-US" sz="1400" u="sng" dirty="0" smtClean="0">
-                <a:solidFill>
-                  <a:srgbClr val="0000FF"/>
-                </a:solidFill>
-                <a:latin typeface="Arial" panose="020B0604020202020204" pitchFamily="34" charset="0"/>
-                <a:ea typeface="Arial" panose="020B0604020202020204" pitchFamily="34" charset="0"/>
-              </a:rPr>
-              <a:t>anodiam.com/teacher/myprofile/analytics/{userid}</a:t>
             </a:r>
           </a:p>
         </p:txBody>
@@ -6817,906 +7861,7 @@
     </p:spTree>
     <p:extLst>
       <p:ext uri="{BB962C8B-B14F-4D97-AF65-F5344CB8AC3E}">
-        <p14:creationId xmlns:p14="http://schemas.microsoft.com/office/powerpoint/2010/main" val="2724908613"/>
-      </p:ext>
-    </p:extLst>
-  </p:cSld>
-  <p:clrMapOvr>
-    <a:masterClrMapping/>
-  </p:clrMapOvr>
-  <p:timing>
-    <p:tnLst>
-      <p:par>
-        <p:cTn id="1" dur="indefinite" restart="never" nodeType="tmRoot"/>
-      </p:par>
-    </p:tnLst>
-  </p:timing>
-</p:sld>
-</file>
-
-<file path=ppt/slides/slide15.xml><?xml version="1.0" encoding="utf-8"?>
-<p:sld xmlns:a="http://schemas.openxmlformats.org/drawingml/2006/main" xmlns:r="http://schemas.openxmlformats.org/officeDocument/2006/relationships" xmlns:p="http://schemas.openxmlformats.org/presentationml/2006/main">
-  <p:cSld>
-    <p:spTree>
-      <p:nvGrpSpPr>
-        <p:cNvPr id="1" name=""/>
-        <p:cNvGrpSpPr/>
-        <p:nvPr/>
-      </p:nvGrpSpPr>
-      <p:grpSpPr>
-        <a:xfrm>
-          <a:off x="0" y="0"/>
-          <a:ext cx="0" cy="0"/>
-          <a:chOff x="0" y="0"/>
-          <a:chExt cx="0" cy="0"/>
-        </a:xfrm>
-      </p:grpSpPr>
-      <p:sp>
-        <p:nvSpPr>
-          <p:cNvPr id="2" name="Rectangle 1"/>
-          <p:cNvSpPr/>
-          <p:nvPr/>
-        </p:nvSpPr>
-        <p:spPr>
-          <a:xfrm>
-            <a:off x="1434997" y="332656"/>
-            <a:ext cx="6036653" cy="480901"/>
-          </a:xfrm>
-          <a:prstGeom prst="rect">
-            <a:avLst/>
-          </a:prstGeom>
-        </p:spPr>
-        <p:txBody>
-          <a:bodyPr wrap="none">
-            <a:spAutoFit/>
-          </a:bodyPr>
-          <a:lstStyle/>
-          <a:p>
-            <a:pPr algn="ctr">
-              <a:lnSpc>
-                <a:spcPct val="115000"/>
-              </a:lnSpc>
-              <a:spcAft>
-                <a:spcPts val="0"/>
-              </a:spcAft>
-            </a:pPr>
-            <a:r>
-              <a:rPr lang="en-US" sz="2400" b="1" dirty="0" smtClean="0">
-                <a:latin typeface="Arial" panose="020B0604020202020204" pitchFamily="34" charset="0"/>
-                <a:ea typeface="Arial" panose="020B0604020202020204" pitchFamily="34" charset="0"/>
-              </a:rPr>
-              <a:t>Teacher App</a:t>
-            </a:r>
-            <a:r>
-              <a:rPr lang="en-US" sz="2400" b="1" dirty="0">
-                <a:latin typeface="Arial" panose="020B0604020202020204" pitchFamily="34" charset="0"/>
-                <a:ea typeface="Arial" panose="020B0604020202020204" pitchFamily="34" charset="0"/>
-              </a:rPr>
-              <a:t>: </a:t>
-            </a:r>
-            <a:r>
-              <a:rPr lang="en-US" sz="2400" b="1" dirty="0" smtClean="0">
-                <a:latin typeface="Arial" panose="020B0604020202020204" pitchFamily="34" charset="0"/>
-                <a:ea typeface="Arial" panose="020B0604020202020204" pitchFamily="34" charset="0"/>
-              </a:rPr>
-              <a:t>Notifications &gt; Inbox page</a:t>
-            </a:r>
-            <a:endParaRPr lang="en-AU" sz="2400" dirty="0">
-              <a:effectLst/>
-              <a:latin typeface="Arial" panose="020B0604020202020204" pitchFamily="34" charset="0"/>
-              <a:ea typeface="Arial" panose="020B0604020202020204" pitchFamily="34" charset="0"/>
-            </a:endParaRPr>
-          </a:p>
-        </p:txBody>
-      </p:sp>
-      <p:sp>
-        <p:nvSpPr>
-          <p:cNvPr id="3" name="Rectangle 2"/>
-          <p:cNvSpPr/>
-          <p:nvPr/>
-        </p:nvSpPr>
-        <p:spPr>
-          <a:xfrm>
-            <a:off x="431032" y="849721"/>
-            <a:ext cx="8245424" cy="307777"/>
-          </a:xfrm>
-          <a:prstGeom prst="rect">
-            <a:avLst/>
-          </a:prstGeom>
-        </p:spPr>
-        <p:txBody>
-          <a:bodyPr wrap="square">
-            <a:spAutoFit/>
-          </a:bodyPr>
-          <a:lstStyle/>
-          <a:p>
-            <a:pPr algn="ctr"/>
-            <a:r>
-              <a:rPr lang="en-US" sz="1400" dirty="0">
-                <a:latin typeface="Arial" panose="020B0604020202020204" pitchFamily="34" charset="0"/>
-                <a:ea typeface="Arial" panose="020B0604020202020204" pitchFamily="34" charset="0"/>
-              </a:rPr>
-              <a:t>Link: </a:t>
-            </a:r>
-            <a:r>
-              <a:rPr lang="en-US" sz="1400" u="sng" dirty="0">
-                <a:solidFill>
-                  <a:srgbClr val="0000FF"/>
-                </a:solidFill>
-                <a:latin typeface="Arial" panose="020B0604020202020204" pitchFamily="34" charset="0"/>
-                <a:ea typeface="Arial" panose="020B0604020202020204" pitchFamily="34" charset="0"/>
-                <a:hlinkClick r:id="rId2"/>
-              </a:rPr>
-              <a:t>https</a:t>
-            </a:r>
-            <a:r>
-              <a:rPr lang="en-US" sz="1400" u="sng" dirty="0" smtClean="0">
-                <a:solidFill>
-                  <a:srgbClr val="0000FF"/>
-                </a:solidFill>
-                <a:latin typeface="Arial" panose="020B0604020202020204" pitchFamily="34" charset="0"/>
-                <a:ea typeface="Arial" panose="020B0604020202020204" pitchFamily="34" charset="0"/>
-                <a:hlinkClick r:id="rId2"/>
-              </a:rPr>
-              <a:t>://</a:t>
-            </a:r>
-            <a:r>
-              <a:rPr lang="en-US" sz="1400" u="sng" dirty="0" smtClean="0">
-                <a:solidFill>
-                  <a:srgbClr val="0000FF"/>
-                </a:solidFill>
-                <a:latin typeface="Arial" panose="020B0604020202020204" pitchFamily="34" charset="0"/>
-                <a:ea typeface="Arial" panose="020B0604020202020204" pitchFamily="34" charset="0"/>
-              </a:rPr>
-              <a:t>anodiam.com/teacher/inbox/{userid}</a:t>
-            </a:r>
-          </a:p>
-        </p:txBody>
-      </p:sp>
-      <p:pic>
-        <p:nvPicPr>
-          <p:cNvPr id="8" name="Picture 7"/>
-          <p:cNvPicPr>
-            <a:picLocks noChangeAspect="1"/>
-          </p:cNvPicPr>
-          <p:nvPr/>
-        </p:nvPicPr>
-        <p:blipFill>
-          <a:blip r:embed="rId3"/>
-          <a:stretch>
-            <a:fillRect/>
-          </a:stretch>
-        </p:blipFill>
-        <p:spPr>
-          <a:xfrm>
-            <a:off x="838200" y="1835621"/>
-            <a:ext cx="7467600" cy="4257675"/>
-          </a:xfrm>
-          <a:prstGeom prst="rect">
-            <a:avLst/>
-          </a:prstGeom>
-        </p:spPr>
-      </p:pic>
-    </p:spTree>
-    <p:extLst>
-      <p:ext uri="{BB962C8B-B14F-4D97-AF65-F5344CB8AC3E}">
-        <p14:creationId xmlns:p14="http://schemas.microsoft.com/office/powerpoint/2010/main" val="526722271"/>
-      </p:ext>
-    </p:extLst>
-  </p:cSld>
-  <p:clrMapOvr>
-    <a:masterClrMapping/>
-  </p:clrMapOvr>
-  <p:timing>
-    <p:tnLst>
-      <p:par>
-        <p:cTn id="1" dur="indefinite" restart="never" nodeType="tmRoot"/>
-      </p:par>
-    </p:tnLst>
-  </p:timing>
-</p:sld>
-</file>
-
-<file path=ppt/slides/slide16.xml><?xml version="1.0" encoding="utf-8"?>
-<p:sld xmlns:a="http://schemas.openxmlformats.org/drawingml/2006/main" xmlns:r="http://schemas.openxmlformats.org/officeDocument/2006/relationships" xmlns:p="http://schemas.openxmlformats.org/presentationml/2006/main">
-  <p:cSld>
-    <p:spTree>
-      <p:nvGrpSpPr>
-        <p:cNvPr id="1" name=""/>
-        <p:cNvGrpSpPr/>
-        <p:nvPr/>
-      </p:nvGrpSpPr>
-      <p:grpSpPr>
-        <a:xfrm>
-          <a:off x="0" y="0"/>
-          <a:ext cx="0" cy="0"/>
-          <a:chOff x="0" y="0"/>
-          <a:chExt cx="0" cy="0"/>
-        </a:xfrm>
-      </p:grpSpPr>
-      <p:sp>
-        <p:nvSpPr>
-          <p:cNvPr id="2" name="Rectangle 1"/>
-          <p:cNvSpPr/>
-          <p:nvPr/>
-        </p:nvSpPr>
-        <p:spPr>
-          <a:xfrm>
-            <a:off x="609448" y="332656"/>
-            <a:ext cx="7687747" cy="480901"/>
-          </a:xfrm>
-          <a:prstGeom prst="rect">
-            <a:avLst/>
-          </a:prstGeom>
-        </p:spPr>
-        <p:txBody>
-          <a:bodyPr wrap="none">
-            <a:spAutoFit/>
-          </a:bodyPr>
-          <a:lstStyle/>
-          <a:p>
-            <a:pPr algn="ctr">
-              <a:lnSpc>
-                <a:spcPct val="115000"/>
-              </a:lnSpc>
-              <a:spcAft>
-                <a:spcPts val="0"/>
-              </a:spcAft>
-            </a:pPr>
-            <a:r>
-              <a:rPr lang="en-US" sz="2400" b="1" dirty="0">
-                <a:latin typeface="Arial" panose="020B0604020202020204" pitchFamily="34" charset="0"/>
-                <a:ea typeface="Arial" panose="020B0604020202020204" pitchFamily="34" charset="0"/>
-              </a:rPr>
-              <a:t>Teacher App: Notifications &gt; Inbox </a:t>
-            </a:r>
-            <a:r>
-              <a:rPr lang="en-US" sz="2400" b="1" dirty="0" smtClean="0">
-                <a:latin typeface="Arial" panose="020B0604020202020204" pitchFamily="34" charset="0"/>
-                <a:ea typeface="Arial" panose="020B0604020202020204" pitchFamily="34" charset="0"/>
-              </a:rPr>
-              <a:t>&gt; Message page</a:t>
-            </a:r>
-            <a:endParaRPr lang="en-AU" sz="2400" dirty="0">
-              <a:latin typeface="Arial" panose="020B0604020202020204" pitchFamily="34" charset="0"/>
-              <a:ea typeface="Arial" panose="020B0604020202020204" pitchFamily="34" charset="0"/>
-            </a:endParaRPr>
-          </a:p>
-        </p:txBody>
-      </p:sp>
-      <p:sp>
-        <p:nvSpPr>
-          <p:cNvPr id="3" name="Rectangle 2"/>
-          <p:cNvSpPr/>
-          <p:nvPr/>
-        </p:nvSpPr>
-        <p:spPr>
-          <a:xfrm>
-            <a:off x="431032" y="849721"/>
-            <a:ext cx="8245424" cy="307777"/>
-          </a:xfrm>
-          <a:prstGeom prst="rect">
-            <a:avLst/>
-          </a:prstGeom>
-        </p:spPr>
-        <p:txBody>
-          <a:bodyPr wrap="square">
-            <a:spAutoFit/>
-          </a:bodyPr>
-          <a:lstStyle/>
-          <a:p>
-            <a:pPr algn="ctr"/>
-            <a:r>
-              <a:rPr lang="en-US" sz="1400" dirty="0">
-                <a:latin typeface="Arial" panose="020B0604020202020204" pitchFamily="34" charset="0"/>
-                <a:ea typeface="Arial" panose="020B0604020202020204" pitchFamily="34" charset="0"/>
-              </a:rPr>
-              <a:t>Link: </a:t>
-            </a:r>
-            <a:r>
-              <a:rPr lang="en-US" sz="1400" u="sng" dirty="0">
-                <a:solidFill>
-                  <a:srgbClr val="0000FF"/>
-                </a:solidFill>
-                <a:latin typeface="Arial" panose="020B0604020202020204" pitchFamily="34" charset="0"/>
-                <a:ea typeface="Arial" panose="020B0604020202020204" pitchFamily="34" charset="0"/>
-                <a:hlinkClick r:id="rId2"/>
-              </a:rPr>
-              <a:t>https</a:t>
-            </a:r>
-            <a:r>
-              <a:rPr lang="en-US" sz="1400" u="sng" dirty="0" smtClean="0">
-                <a:solidFill>
-                  <a:srgbClr val="0000FF"/>
-                </a:solidFill>
-                <a:latin typeface="Arial" panose="020B0604020202020204" pitchFamily="34" charset="0"/>
-                <a:ea typeface="Arial" panose="020B0604020202020204" pitchFamily="34" charset="0"/>
-                <a:hlinkClick r:id="rId2"/>
-              </a:rPr>
-              <a:t>://</a:t>
-            </a:r>
-            <a:r>
-              <a:rPr lang="en-US" sz="1400" u="sng" dirty="0" smtClean="0">
-                <a:solidFill>
-                  <a:srgbClr val="0000FF"/>
-                </a:solidFill>
-                <a:latin typeface="Arial" panose="020B0604020202020204" pitchFamily="34" charset="0"/>
-                <a:ea typeface="Arial" panose="020B0604020202020204" pitchFamily="34" charset="0"/>
-              </a:rPr>
-              <a:t>anodiam.com/teacher/message/{messageid}</a:t>
-            </a:r>
-          </a:p>
-        </p:txBody>
-      </p:sp>
-      <p:pic>
-        <p:nvPicPr>
-          <p:cNvPr id="4" name="Picture 3"/>
-          <p:cNvPicPr>
-            <a:picLocks noChangeAspect="1"/>
-          </p:cNvPicPr>
-          <p:nvPr/>
-        </p:nvPicPr>
-        <p:blipFill>
-          <a:blip r:embed="rId3"/>
-          <a:stretch>
-            <a:fillRect/>
-          </a:stretch>
-        </p:blipFill>
-        <p:spPr>
-          <a:xfrm>
-            <a:off x="848816" y="1907629"/>
-            <a:ext cx="7467600" cy="4257675"/>
-          </a:xfrm>
-          <a:prstGeom prst="rect">
-            <a:avLst/>
-          </a:prstGeom>
-        </p:spPr>
-      </p:pic>
-    </p:spTree>
-    <p:extLst>
-      <p:ext uri="{BB962C8B-B14F-4D97-AF65-F5344CB8AC3E}">
-        <p14:creationId xmlns:p14="http://schemas.microsoft.com/office/powerpoint/2010/main" val="1743414437"/>
-      </p:ext>
-    </p:extLst>
-  </p:cSld>
-  <p:clrMapOvr>
-    <a:masterClrMapping/>
-  </p:clrMapOvr>
-  <p:timing>
-    <p:tnLst>
-      <p:par>
-        <p:cTn id="1" dur="indefinite" restart="never" nodeType="tmRoot"/>
-      </p:par>
-    </p:tnLst>
-  </p:timing>
-</p:sld>
-</file>
-
-<file path=ppt/slides/slide17.xml><?xml version="1.0" encoding="utf-8"?>
-<p:sld xmlns:a="http://schemas.openxmlformats.org/drawingml/2006/main" xmlns:r="http://schemas.openxmlformats.org/officeDocument/2006/relationships" xmlns:p="http://schemas.openxmlformats.org/presentationml/2006/main">
-  <p:cSld>
-    <p:spTree>
-      <p:nvGrpSpPr>
-        <p:cNvPr id="1" name=""/>
-        <p:cNvGrpSpPr/>
-        <p:nvPr/>
-      </p:nvGrpSpPr>
-      <p:grpSpPr>
-        <a:xfrm>
-          <a:off x="0" y="0"/>
-          <a:ext cx="0" cy="0"/>
-          <a:chOff x="0" y="0"/>
-          <a:chExt cx="0" cy="0"/>
-        </a:xfrm>
-      </p:grpSpPr>
-      <p:sp>
-        <p:nvSpPr>
-          <p:cNvPr id="2" name="Rectangle 1"/>
-          <p:cNvSpPr/>
-          <p:nvPr/>
-        </p:nvSpPr>
-        <p:spPr>
-          <a:xfrm>
-            <a:off x="1271493" y="332656"/>
-            <a:ext cx="6363666" cy="480901"/>
-          </a:xfrm>
-          <a:prstGeom prst="rect">
-            <a:avLst/>
-          </a:prstGeom>
-        </p:spPr>
-        <p:txBody>
-          <a:bodyPr wrap="none">
-            <a:spAutoFit/>
-          </a:bodyPr>
-          <a:lstStyle/>
-          <a:p>
-            <a:pPr algn="ctr">
-              <a:lnSpc>
-                <a:spcPct val="115000"/>
-              </a:lnSpc>
-              <a:spcAft>
-                <a:spcPts val="0"/>
-              </a:spcAft>
-            </a:pPr>
-            <a:r>
-              <a:rPr lang="en-US" sz="2400" b="1" dirty="0" smtClean="0">
-                <a:latin typeface="Arial" panose="020B0604020202020204" pitchFamily="34" charset="0"/>
-                <a:ea typeface="Arial" panose="020B0604020202020204" pitchFamily="34" charset="0"/>
-              </a:rPr>
-              <a:t>Teacher App</a:t>
-            </a:r>
-            <a:r>
-              <a:rPr lang="en-US" sz="2400" b="1" dirty="0">
-                <a:latin typeface="Arial" panose="020B0604020202020204" pitchFamily="34" charset="0"/>
-                <a:ea typeface="Arial" panose="020B0604020202020204" pitchFamily="34" charset="0"/>
-              </a:rPr>
-              <a:t>: </a:t>
-            </a:r>
-            <a:r>
-              <a:rPr lang="en-US" sz="2400" b="1" dirty="0" smtClean="0">
-                <a:latin typeface="Arial" panose="020B0604020202020204" pitchFamily="34" charset="0"/>
-                <a:ea typeface="Arial" panose="020B0604020202020204" pitchFamily="34" charset="0"/>
-              </a:rPr>
-              <a:t>Notifications &gt; Queries page</a:t>
-            </a:r>
-            <a:endParaRPr lang="en-AU" sz="2400" dirty="0">
-              <a:effectLst/>
-              <a:latin typeface="Arial" panose="020B0604020202020204" pitchFamily="34" charset="0"/>
-              <a:ea typeface="Arial" panose="020B0604020202020204" pitchFamily="34" charset="0"/>
-            </a:endParaRPr>
-          </a:p>
-        </p:txBody>
-      </p:sp>
-      <p:sp>
-        <p:nvSpPr>
-          <p:cNvPr id="3" name="Rectangle 2"/>
-          <p:cNvSpPr/>
-          <p:nvPr/>
-        </p:nvSpPr>
-        <p:spPr>
-          <a:xfrm>
-            <a:off x="431032" y="849721"/>
-            <a:ext cx="8245424" cy="307777"/>
-          </a:xfrm>
-          <a:prstGeom prst="rect">
-            <a:avLst/>
-          </a:prstGeom>
-        </p:spPr>
-        <p:txBody>
-          <a:bodyPr wrap="square">
-            <a:spAutoFit/>
-          </a:bodyPr>
-          <a:lstStyle/>
-          <a:p>
-            <a:pPr algn="ctr"/>
-            <a:r>
-              <a:rPr lang="en-US" sz="1400" dirty="0">
-                <a:latin typeface="Arial" panose="020B0604020202020204" pitchFamily="34" charset="0"/>
-                <a:ea typeface="Arial" panose="020B0604020202020204" pitchFamily="34" charset="0"/>
-              </a:rPr>
-              <a:t>Link: </a:t>
-            </a:r>
-            <a:r>
-              <a:rPr lang="en-US" sz="1400" u="sng" dirty="0">
-                <a:solidFill>
-                  <a:srgbClr val="0000FF"/>
-                </a:solidFill>
-                <a:latin typeface="Arial" panose="020B0604020202020204" pitchFamily="34" charset="0"/>
-                <a:ea typeface="Arial" panose="020B0604020202020204" pitchFamily="34" charset="0"/>
-                <a:hlinkClick r:id="rId2"/>
-              </a:rPr>
-              <a:t>https</a:t>
-            </a:r>
-            <a:r>
-              <a:rPr lang="en-US" sz="1400" u="sng" dirty="0" smtClean="0">
-                <a:solidFill>
-                  <a:srgbClr val="0000FF"/>
-                </a:solidFill>
-                <a:latin typeface="Arial" panose="020B0604020202020204" pitchFamily="34" charset="0"/>
-                <a:ea typeface="Arial" panose="020B0604020202020204" pitchFamily="34" charset="0"/>
-                <a:hlinkClick r:id="rId2"/>
-              </a:rPr>
-              <a:t>://</a:t>
-            </a:r>
-            <a:r>
-              <a:rPr lang="en-US" sz="1400" u="sng" dirty="0" smtClean="0">
-                <a:solidFill>
-                  <a:srgbClr val="0000FF"/>
-                </a:solidFill>
-                <a:latin typeface="Arial" panose="020B0604020202020204" pitchFamily="34" charset="0"/>
-                <a:ea typeface="Arial" panose="020B0604020202020204" pitchFamily="34" charset="0"/>
-              </a:rPr>
-              <a:t>anodiam.com/teacher/queries/{userid}</a:t>
-            </a:r>
-          </a:p>
-        </p:txBody>
-      </p:sp>
-      <p:pic>
-        <p:nvPicPr>
-          <p:cNvPr id="4" name="Picture 3"/>
-          <p:cNvPicPr>
-            <a:picLocks noChangeAspect="1"/>
-          </p:cNvPicPr>
-          <p:nvPr/>
-        </p:nvPicPr>
-        <p:blipFill>
-          <a:blip r:embed="rId3"/>
-          <a:stretch>
-            <a:fillRect/>
-          </a:stretch>
-        </p:blipFill>
-        <p:spPr>
-          <a:xfrm>
-            <a:off x="838200" y="1691605"/>
-            <a:ext cx="7467600" cy="4257675"/>
-          </a:xfrm>
-          <a:prstGeom prst="rect">
-            <a:avLst/>
-          </a:prstGeom>
-        </p:spPr>
-      </p:pic>
-    </p:spTree>
-    <p:extLst>
-      <p:ext uri="{BB962C8B-B14F-4D97-AF65-F5344CB8AC3E}">
-        <p14:creationId xmlns:p14="http://schemas.microsoft.com/office/powerpoint/2010/main" val="680381503"/>
-      </p:ext>
-    </p:extLst>
-  </p:cSld>
-  <p:clrMapOvr>
-    <a:masterClrMapping/>
-  </p:clrMapOvr>
-  <p:timing>
-    <p:tnLst>
-      <p:par>
-        <p:cTn id="1" dur="indefinite" restart="never" nodeType="tmRoot"/>
-      </p:par>
-    </p:tnLst>
-  </p:timing>
-</p:sld>
-</file>
-
-<file path=ppt/slides/slide18.xml><?xml version="1.0" encoding="utf-8"?>
-<p:sld xmlns:a="http://schemas.openxmlformats.org/drawingml/2006/main" xmlns:r="http://schemas.openxmlformats.org/officeDocument/2006/relationships" xmlns:p="http://schemas.openxmlformats.org/presentationml/2006/main">
-  <p:cSld>
-    <p:spTree>
-      <p:nvGrpSpPr>
-        <p:cNvPr id="1" name=""/>
-        <p:cNvGrpSpPr/>
-        <p:nvPr/>
-      </p:nvGrpSpPr>
-      <p:grpSpPr>
-        <a:xfrm>
-          <a:off x="0" y="0"/>
-          <a:ext cx="0" cy="0"/>
-          <a:chOff x="0" y="0"/>
-          <a:chExt cx="0" cy="0"/>
-        </a:xfrm>
-      </p:grpSpPr>
-      <p:sp>
-        <p:nvSpPr>
-          <p:cNvPr id="2" name="Rectangle 1"/>
-          <p:cNvSpPr/>
-          <p:nvPr/>
-        </p:nvSpPr>
-        <p:spPr>
-          <a:xfrm>
-            <a:off x="46858" y="332656"/>
-            <a:ext cx="9133654" cy="517065"/>
-          </a:xfrm>
-          <a:prstGeom prst="rect">
-            <a:avLst/>
-          </a:prstGeom>
-        </p:spPr>
-        <p:txBody>
-          <a:bodyPr wrap="none">
-            <a:spAutoFit/>
-          </a:bodyPr>
-          <a:lstStyle/>
-          <a:p>
-            <a:pPr algn="ctr">
-              <a:lnSpc>
-                <a:spcPct val="115000"/>
-              </a:lnSpc>
-              <a:spcAft>
-                <a:spcPts val="0"/>
-              </a:spcAft>
-            </a:pPr>
-            <a:r>
-              <a:rPr lang="en-US" sz="2400" b="1" dirty="0">
-                <a:latin typeface="Arial" panose="020B0604020202020204" pitchFamily="34" charset="0"/>
-                <a:ea typeface="Arial" panose="020B0604020202020204" pitchFamily="34" charset="0"/>
-              </a:rPr>
-              <a:t>Teacher App: Notifications &gt; </a:t>
-            </a:r>
-            <a:r>
-              <a:rPr lang="en-US" sz="2400" b="1" dirty="0" smtClean="0">
-                <a:latin typeface="Arial" panose="020B0604020202020204" pitchFamily="34" charset="0"/>
-                <a:ea typeface="Arial" panose="020B0604020202020204" pitchFamily="34" charset="0"/>
-              </a:rPr>
-              <a:t>Queries &gt; Query &gt; Resolve page</a:t>
-            </a:r>
-            <a:endParaRPr lang="en-AU" sz="2400" dirty="0">
-              <a:latin typeface="Arial" panose="020B0604020202020204" pitchFamily="34" charset="0"/>
-              <a:ea typeface="Arial" panose="020B0604020202020204" pitchFamily="34" charset="0"/>
-            </a:endParaRPr>
-          </a:p>
-        </p:txBody>
-      </p:sp>
-      <p:sp>
-        <p:nvSpPr>
-          <p:cNvPr id="3" name="Rectangle 2"/>
-          <p:cNvSpPr/>
-          <p:nvPr/>
-        </p:nvSpPr>
-        <p:spPr>
-          <a:xfrm>
-            <a:off x="431032" y="849721"/>
-            <a:ext cx="8245424" cy="307777"/>
-          </a:xfrm>
-          <a:prstGeom prst="rect">
-            <a:avLst/>
-          </a:prstGeom>
-        </p:spPr>
-        <p:txBody>
-          <a:bodyPr wrap="square">
-            <a:spAutoFit/>
-          </a:bodyPr>
-          <a:lstStyle/>
-          <a:p>
-            <a:pPr algn="ctr"/>
-            <a:r>
-              <a:rPr lang="en-US" sz="1400" dirty="0">
-                <a:latin typeface="Arial" panose="020B0604020202020204" pitchFamily="34" charset="0"/>
-                <a:ea typeface="Arial" panose="020B0604020202020204" pitchFamily="34" charset="0"/>
-              </a:rPr>
-              <a:t>Link: </a:t>
-            </a:r>
-            <a:r>
-              <a:rPr lang="en-US" sz="1400" u="sng" dirty="0">
-                <a:solidFill>
-                  <a:srgbClr val="0000FF"/>
-                </a:solidFill>
-                <a:latin typeface="Arial" panose="020B0604020202020204" pitchFamily="34" charset="0"/>
-                <a:ea typeface="Arial" panose="020B0604020202020204" pitchFamily="34" charset="0"/>
-                <a:hlinkClick r:id="rId2"/>
-              </a:rPr>
-              <a:t>https</a:t>
-            </a:r>
-            <a:r>
-              <a:rPr lang="en-US" sz="1400" u="sng" dirty="0" smtClean="0">
-                <a:solidFill>
-                  <a:srgbClr val="0000FF"/>
-                </a:solidFill>
-                <a:latin typeface="Arial" panose="020B0604020202020204" pitchFamily="34" charset="0"/>
-                <a:ea typeface="Arial" panose="020B0604020202020204" pitchFamily="34" charset="0"/>
-                <a:hlinkClick r:id="rId2"/>
-              </a:rPr>
-              <a:t>://</a:t>
-            </a:r>
-            <a:r>
-              <a:rPr lang="en-US" sz="1400" u="sng" dirty="0" smtClean="0">
-                <a:solidFill>
-                  <a:srgbClr val="0000FF"/>
-                </a:solidFill>
-                <a:latin typeface="Arial" panose="020B0604020202020204" pitchFamily="34" charset="0"/>
-                <a:ea typeface="Arial" panose="020B0604020202020204" pitchFamily="34" charset="0"/>
-              </a:rPr>
-              <a:t>anodiam.com/teacher/query/{queryid}</a:t>
-            </a:r>
-          </a:p>
-        </p:txBody>
-      </p:sp>
-      <p:pic>
-        <p:nvPicPr>
-          <p:cNvPr id="4" name="Picture 3"/>
-          <p:cNvPicPr>
-            <a:picLocks noChangeAspect="1"/>
-          </p:cNvPicPr>
-          <p:nvPr/>
-        </p:nvPicPr>
-        <p:blipFill>
-          <a:blip r:embed="rId3"/>
-          <a:stretch>
-            <a:fillRect/>
-          </a:stretch>
-        </p:blipFill>
-        <p:spPr>
-          <a:xfrm>
-            <a:off x="879885" y="1556792"/>
-            <a:ext cx="7467600" cy="4257675"/>
-          </a:xfrm>
-          <a:prstGeom prst="rect">
-            <a:avLst/>
-          </a:prstGeom>
-        </p:spPr>
-      </p:pic>
-    </p:spTree>
-    <p:extLst>
-      <p:ext uri="{BB962C8B-B14F-4D97-AF65-F5344CB8AC3E}">
-        <p14:creationId xmlns:p14="http://schemas.microsoft.com/office/powerpoint/2010/main" val="3197739735"/>
-      </p:ext>
-    </p:extLst>
-  </p:cSld>
-  <p:clrMapOvr>
-    <a:masterClrMapping/>
-  </p:clrMapOvr>
-  <p:timing>
-    <p:tnLst>
-      <p:par>
-        <p:cTn id="1" dur="indefinite" restart="never" nodeType="tmRoot"/>
-      </p:par>
-    </p:tnLst>
-  </p:timing>
-</p:sld>
-</file>
-
-<file path=ppt/slides/slide19.xml><?xml version="1.0" encoding="utf-8"?>
-<p:sld xmlns:a="http://schemas.openxmlformats.org/drawingml/2006/main" xmlns:r="http://schemas.openxmlformats.org/officeDocument/2006/relationships" xmlns:p="http://schemas.openxmlformats.org/presentationml/2006/main">
-  <p:cSld>
-    <p:spTree>
-      <p:nvGrpSpPr>
-        <p:cNvPr id="1" name=""/>
-        <p:cNvGrpSpPr/>
-        <p:nvPr/>
-      </p:nvGrpSpPr>
-      <p:grpSpPr>
-        <a:xfrm>
-          <a:off x="0" y="0"/>
-          <a:ext cx="0" cy="0"/>
-          <a:chOff x="0" y="0"/>
-          <a:chExt cx="0" cy="0"/>
-        </a:xfrm>
-      </p:grpSpPr>
-      <p:sp>
-        <p:nvSpPr>
-          <p:cNvPr id="2" name="Rectangle 1"/>
-          <p:cNvSpPr/>
-          <p:nvPr/>
-        </p:nvSpPr>
-        <p:spPr>
-          <a:xfrm>
-            <a:off x="1048678" y="332656"/>
-            <a:ext cx="6809300" cy="480901"/>
-          </a:xfrm>
-          <a:prstGeom prst="rect">
-            <a:avLst/>
-          </a:prstGeom>
-        </p:spPr>
-        <p:txBody>
-          <a:bodyPr wrap="none">
-            <a:spAutoFit/>
-          </a:bodyPr>
-          <a:lstStyle/>
-          <a:p>
-            <a:pPr algn="ctr">
-              <a:lnSpc>
-                <a:spcPct val="115000"/>
-              </a:lnSpc>
-              <a:spcAft>
-                <a:spcPts val="0"/>
-              </a:spcAft>
-            </a:pPr>
-            <a:r>
-              <a:rPr lang="en-US" sz="2400" b="1" dirty="0" smtClean="0">
-                <a:latin typeface="Arial" panose="020B0604020202020204" pitchFamily="34" charset="0"/>
-                <a:ea typeface="Arial" panose="020B0604020202020204" pitchFamily="34" charset="0"/>
-              </a:rPr>
-              <a:t>Teacher App</a:t>
-            </a:r>
-            <a:r>
-              <a:rPr lang="en-US" sz="2400" b="1" dirty="0">
-                <a:latin typeface="Arial" panose="020B0604020202020204" pitchFamily="34" charset="0"/>
-                <a:ea typeface="Arial" panose="020B0604020202020204" pitchFamily="34" charset="0"/>
-              </a:rPr>
-              <a:t>: </a:t>
-            </a:r>
-            <a:r>
-              <a:rPr lang="en-US" sz="2400" b="1" dirty="0" smtClean="0">
-                <a:latin typeface="Arial" panose="020B0604020202020204" pitchFamily="34" charset="0"/>
-                <a:ea typeface="Arial" panose="020B0604020202020204" pitchFamily="34" charset="0"/>
-              </a:rPr>
-              <a:t>Notifications &gt; Comments page</a:t>
-            </a:r>
-            <a:endParaRPr lang="en-AU" sz="2400" dirty="0">
-              <a:effectLst/>
-              <a:latin typeface="Arial" panose="020B0604020202020204" pitchFamily="34" charset="0"/>
-              <a:ea typeface="Arial" panose="020B0604020202020204" pitchFamily="34" charset="0"/>
-            </a:endParaRPr>
-          </a:p>
-        </p:txBody>
-      </p:sp>
-      <p:sp>
-        <p:nvSpPr>
-          <p:cNvPr id="3" name="Rectangle 2"/>
-          <p:cNvSpPr/>
-          <p:nvPr/>
-        </p:nvSpPr>
-        <p:spPr>
-          <a:xfrm>
-            <a:off x="431032" y="849721"/>
-            <a:ext cx="8245424" cy="307777"/>
-          </a:xfrm>
-          <a:prstGeom prst="rect">
-            <a:avLst/>
-          </a:prstGeom>
-        </p:spPr>
-        <p:txBody>
-          <a:bodyPr wrap="square">
-            <a:spAutoFit/>
-          </a:bodyPr>
-          <a:lstStyle/>
-          <a:p>
-            <a:pPr algn="ctr"/>
-            <a:r>
-              <a:rPr lang="en-US" sz="1400" dirty="0">
-                <a:latin typeface="Arial" panose="020B0604020202020204" pitchFamily="34" charset="0"/>
-                <a:ea typeface="Arial" panose="020B0604020202020204" pitchFamily="34" charset="0"/>
-              </a:rPr>
-              <a:t>Link: </a:t>
-            </a:r>
-            <a:r>
-              <a:rPr lang="en-US" sz="1400" u="sng" dirty="0">
-                <a:solidFill>
-                  <a:srgbClr val="0000FF"/>
-                </a:solidFill>
-                <a:latin typeface="Arial" panose="020B0604020202020204" pitchFamily="34" charset="0"/>
-                <a:ea typeface="Arial" panose="020B0604020202020204" pitchFamily="34" charset="0"/>
-                <a:hlinkClick r:id="rId2"/>
-              </a:rPr>
-              <a:t>https</a:t>
-            </a:r>
-            <a:r>
-              <a:rPr lang="en-US" sz="1400" u="sng" dirty="0" smtClean="0">
-                <a:solidFill>
-                  <a:srgbClr val="0000FF"/>
-                </a:solidFill>
-                <a:latin typeface="Arial" panose="020B0604020202020204" pitchFamily="34" charset="0"/>
-                <a:ea typeface="Arial" panose="020B0604020202020204" pitchFamily="34" charset="0"/>
-                <a:hlinkClick r:id="rId2"/>
-              </a:rPr>
-              <a:t>://</a:t>
-            </a:r>
-            <a:r>
-              <a:rPr lang="en-US" sz="1400" u="sng" dirty="0" smtClean="0">
-                <a:solidFill>
-                  <a:srgbClr val="0000FF"/>
-                </a:solidFill>
-                <a:latin typeface="Arial" panose="020B0604020202020204" pitchFamily="34" charset="0"/>
-                <a:ea typeface="Arial" panose="020B0604020202020204" pitchFamily="34" charset="0"/>
-              </a:rPr>
-              <a:t>anodiam.com/teacher/comments/{userid}</a:t>
-            </a:r>
-          </a:p>
-        </p:txBody>
-      </p:sp>
-      <p:pic>
-        <p:nvPicPr>
-          <p:cNvPr id="5" name="Picture 4"/>
-          <p:cNvPicPr>
-            <a:picLocks noChangeAspect="1"/>
-          </p:cNvPicPr>
-          <p:nvPr/>
-        </p:nvPicPr>
-        <p:blipFill>
-          <a:blip r:embed="rId3"/>
-          <a:stretch>
-            <a:fillRect/>
-          </a:stretch>
-        </p:blipFill>
-        <p:spPr>
-          <a:xfrm>
-            <a:off x="838200" y="1763613"/>
-            <a:ext cx="7467600" cy="4257675"/>
-          </a:xfrm>
-          <a:prstGeom prst="rect">
-            <a:avLst/>
-          </a:prstGeom>
-        </p:spPr>
-      </p:pic>
-    </p:spTree>
-    <p:extLst>
-      <p:ext uri="{BB962C8B-B14F-4D97-AF65-F5344CB8AC3E}">
-        <p14:creationId xmlns:p14="http://schemas.microsoft.com/office/powerpoint/2010/main" val="2920446225"/>
+        <p14:creationId xmlns:p14="http://schemas.microsoft.com/office/powerpoint/2010/main" val="3005973504"/>
       </p:ext>
     </p:extLst>
   </p:cSld>
@@ -7935,6 +8080,1088 @@
         </p:nvSpPr>
         <p:spPr>
           <a:xfrm>
+            <a:off x="2271856" y="332656"/>
+            <a:ext cx="4362926" cy="480901"/>
+          </a:xfrm>
+          <a:prstGeom prst="rect">
+            <a:avLst/>
+          </a:prstGeom>
+        </p:spPr>
+        <p:txBody>
+          <a:bodyPr wrap="none">
+            <a:spAutoFit/>
+          </a:bodyPr>
+          <a:lstStyle/>
+          <a:p>
+            <a:pPr algn="ctr">
+              <a:lnSpc>
+                <a:spcPct val="115000"/>
+              </a:lnSpc>
+              <a:spcAft>
+                <a:spcPts val="0"/>
+              </a:spcAft>
+            </a:pPr>
+            <a:r>
+              <a:rPr lang="en-US" sz="2400" b="1" dirty="0" smtClean="0">
+                <a:latin typeface="Arial" panose="020B0604020202020204" pitchFamily="34" charset="0"/>
+                <a:ea typeface="Arial" panose="020B0604020202020204" pitchFamily="34" charset="0"/>
+              </a:rPr>
+              <a:t>Teacher App</a:t>
+            </a:r>
+            <a:r>
+              <a:rPr lang="en-US" sz="2400" b="1" dirty="0">
+                <a:latin typeface="Arial" panose="020B0604020202020204" pitchFamily="34" charset="0"/>
+                <a:ea typeface="Arial" panose="020B0604020202020204" pitchFamily="34" charset="0"/>
+              </a:rPr>
+              <a:t>: </a:t>
+            </a:r>
+            <a:r>
+              <a:rPr lang="en-US" sz="2400" b="1" dirty="0" smtClean="0">
+                <a:latin typeface="Arial" panose="020B0604020202020204" pitchFamily="34" charset="0"/>
+                <a:ea typeface="Arial" panose="020B0604020202020204" pitchFamily="34" charset="0"/>
+              </a:rPr>
+              <a:t>Analytics page</a:t>
+            </a:r>
+            <a:endParaRPr lang="en-AU" sz="2400" dirty="0">
+              <a:effectLst/>
+              <a:latin typeface="Arial" panose="020B0604020202020204" pitchFamily="34" charset="0"/>
+              <a:ea typeface="Arial" panose="020B0604020202020204" pitchFamily="34" charset="0"/>
+            </a:endParaRPr>
+          </a:p>
+        </p:txBody>
+      </p:sp>
+      <p:sp>
+        <p:nvSpPr>
+          <p:cNvPr id="3" name="Rectangle 2"/>
+          <p:cNvSpPr/>
+          <p:nvPr/>
+        </p:nvSpPr>
+        <p:spPr>
+          <a:xfrm>
+            <a:off x="431032" y="849721"/>
+            <a:ext cx="8245424" cy="307777"/>
+          </a:xfrm>
+          <a:prstGeom prst="rect">
+            <a:avLst/>
+          </a:prstGeom>
+        </p:spPr>
+        <p:txBody>
+          <a:bodyPr wrap="square">
+            <a:spAutoFit/>
+          </a:bodyPr>
+          <a:lstStyle/>
+          <a:p>
+            <a:pPr algn="ctr"/>
+            <a:r>
+              <a:rPr lang="en-US" sz="1400" dirty="0">
+                <a:latin typeface="Arial" panose="020B0604020202020204" pitchFamily="34" charset="0"/>
+                <a:ea typeface="Arial" panose="020B0604020202020204" pitchFamily="34" charset="0"/>
+              </a:rPr>
+              <a:t>Link: </a:t>
+            </a:r>
+            <a:r>
+              <a:rPr lang="en-US" sz="1400" u="sng" dirty="0">
+                <a:solidFill>
+                  <a:srgbClr val="0000FF"/>
+                </a:solidFill>
+                <a:latin typeface="Arial" panose="020B0604020202020204" pitchFamily="34" charset="0"/>
+                <a:ea typeface="Arial" panose="020B0604020202020204" pitchFamily="34" charset="0"/>
+                <a:hlinkClick r:id="rId2"/>
+              </a:rPr>
+              <a:t>https</a:t>
+            </a:r>
+            <a:r>
+              <a:rPr lang="en-US" sz="1400" u="sng" dirty="0" smtClean="0">
+                <a:solidFill>
+                  <a:srgbClr val="0000FF"/>
+                </a:solidFill>
+                <a:latin typeface="Arial" panose="020B0604020202020204" pitchFamily="34" charset="0"/>
+                <a:ea typeface="Arial" panose="020B0604020202020204" pitchFamily="34" charset="0"/>
+                <a:hlinkClick r:id="rId2"/>
+              </a:rPr>
+              <a:t>://</a:t>
+            </a:r>
+            <a:r>
+              <a:rPr lang="en-US" sz="1400" u="sng" dirty="0" smtClean="0">
+                <a:solidFill>
+                  <a:srgbClr val="0000FF"/>
+                </a:solidFill>
+                <a:latin typeface="Arial" panose="020B0604020202020204" pitchFamily="34" charset="0"/>
+                <a:ea typeface="Arial" panose="020B0604020202020204" pitchFamily="34" charset="0"/>
+              </a:rPr>
+              <a:t>anodiam.com/teacher/myprofile/analytics/{userid}</a:t>
+            </a:r>
+          </a:p>
+        </p:txBody>
+      </p:sp>
+      <p:pic>
+        <p:nvPicPr>
+          <p:cNvPr id="6" name="Picture 5"/>
+          <p:cNvPicPr>
+            <a:picLocks noChangeAspect="1"/>
+          </p:cNvPicPr>
+          <p:nvPr/>
+        </p:nvPicPr>
+        <p:blipFill>
+          <a:blip r:embed="rId3"/>
+          <a:stretch>
+            <a:fillRect/>
+          </a:stretch>
+        </p:blipFill>
+        <p:spPr>
+          <a:xfrm>
+            <a:off x="838200" y="1330796"/>
+            <a:ext cx="7467600" cy="4762500"/>
+          </a:xfrm>
+          <a:prstGeom prst="rect">
+            <a:avLst/>
+          </a:prstGeom>
+        </p:spPr>
+      </p:pic>
+    </p:spTree>
+    <p:extLst>
+      <p:ext uri="{BB962C8B-B14F-4D97-AF65-F5344CB8AC3E}">
+        <p14:creationId xmlns:p14="http://schemas.microsoft.com/office/powerpoint/2010/main" val="2724908613"/>
+      </p:ext>
+    </p:extLst>
+  </p:cSld>
+  <p:clrMapOvr>
+    <a:masterClrMapping/>
+  </p:clrMapOvr>
+  <p:timing>
+    <p:tnLst>
+      <p:par>
+        <p:cTn id="1" dur="indefinite" restart="never" nodeType="tmRoot"/>
+      </p:par>
+    </p:tnLst>
+  </p:timing>
+</p:sld>
+</file>
+
+<file path=ppt/slides/slide21.xml><?xml version="1.0" encoding="utf-8"?>
+<p:sld xmlns:a="http://schemas.openxmlformats.org/drawingml/2006/main" xmlns:r="http://schemas.openxmlformats.org/officeDocument/2006/relationships" xmlns:p="http://schemas.openxmlformats.org/presentationml/2006/main">
+  <p:cSld>
+    <p:spTree>
+      <p:nvGrpSpPr>
+        <p:cNvPr id="1" name=""/>
+        <p:cNvGrpSpPr/>
+        <p:nvPr/>
+      </p:nvGrpSpPr>
+      <p:grpSpPr>
+        <a:xfrm>
+          <a:off x="0" y="0"/>
+          <a:ext cx="0" cy="0"/>
+          <a:chOff x="0" y="0"/>
+          <a:chExt cx="0" cy="0"/>
+        </a:xfrm>
+      </p:grpSpPr>
+      <p:sp>
+        <p:nvSpPr>
+          <p:cNvPr id="2" name="Rectangle 1"/>
+          <p:cNvSpPr/>
+          <p:nvPr/>
+        </p:nvSpPr>
+        <p:spPr>
+          <a:xfrm>
+            <a:off x="1434997" y="332656"/>
+            <a:ext cx="6036653" cy="480901"/>
+          </a:xfrm>
+          <a:prstGeom prst="rect">
+            <a:avLst/>
+          </a:prstGeom>
+        </p:spPr>
+        <p:txBody>
+          <a:bodyPr wrap="none">
+            <a:spAutoFit/>
+          </a:bodyPr>
+          <a:lstStyle/>
+          <a:p>
+            <a:pPr algn="ctr">
+              <a:lnSpc>
+                <a:spcPct val="115000"/>
+              </a:lnSpc>
+              <a:spcAft>
+                <a:spcPts val="0"/>
+              </a:spcAft>
+            </a:pPr>
+            <a:r>
+              <a:rPr lang="en-US" sz="2400" b="1" dirty="0" smtClean="0">
+                <a:latin typeface="Arial" panose="020B0604020202020204" pitchFamily="34" charset="0"/>
+                <a:ea typeface="Arial" panose="020B0604020202020204" pitchFamily="34" charset="0"/>
+              </a:rPr>
+              <a:t>Teacher App</a:t>
+            </a:r>
+            <a:r>
+              <a:rPr lang="en-US" sz="2400" b="1" dirty="0">
+                <a:latin typeface="Arial" panose="020B0604020202020204" pitchFamily="34" charset="0"/>
+                <a:ea typeface="Arial" panose="020B0604020202020204" pitchFamily="34" charset="0"/>
+              </a:rPr>
+              <a:t>: </a:t>
+            </a:r>
+            <a:r>
+              <a:rPr lang="en-US" sz="2400" b="1" dirty="0" smtClean="0">
+                <a:latin typeface="Arial" panose="020B0604020202020204" pitchFamily="34" charset="0"/>
+                <a:ea typeface="Arial" panose="020B0604020202020204" pitchFamily="34" charset="0"/>
+              </a:rPr>
+              <a:t>Notifications &gt; Inbox page</a:t>
+            </a:r>
+            <a:endParaRPr lang="en-AU" sz="2400" dirty="0">
+              <a:effectLst/>
+              <a:latin typeface="Arial" panose="020B0604020202020204" pitchFamily="34" charset="0"/>
+              <a:ea typeface="Arial" panose="020B0604020202020204" pitchFamily="34" charset="0"/>
+            </a:endParaRPr>
+          </a:p>
+        </p:txBody>
+      </p:sp>
+      <p:sp>
+        <p:nvSpPr>
+          <p:cNvPr id="3" name="Rectangle 2"/>
+          <p:cNvSpPr/>
+          <p:nvPr/>
+        </p:nvSpPr>
+        <p:spPr>
+          <a:xfrm>
+            <a:off x="431032" y="849721"/>
+            <a:ext cx="8245424" cy="307777"/>
+          </a:xfrm>
+          <a:prstGeom prst="rect">
+            <a:avLst/>
+          </a:prstGeom>
+        </p:spPr>
+        <p:txBody>
+          <a:bodyPr wrap="square">
+            <a:spAutoFit/>
+          </a:bodyPr>
+          <a:lstStyle/>
+          <a:p>
+            <a:pPr algn="ctr"/>
+            <a:r>
+              <a:rPr lang="en-US" sz="1400" dirty="0">
+                <a:latin typeface="Arial" panose="020B0604020202020204" pitchFamily="34" charset="0"/>
+                <a:ea typeface="Arial" panose="020B0604020202020204" pitchFamily="34" charset="0"/>
+              </a:rPr>
+              <a:t>Link: </a:t>
+            </a:r>
+            <a:r>
+              <a:rPr lang="en-US" sz="1400" u="sng" dirty="0">
+                <a:solidFill>
+                  <a:srgbClr val="0000FF"/>
+                </a:solidFill>
+                <a:latin typeface="Arial" panose="020B0604020202020204" pitchFamily="34" charset="0"/>
+                <a:ea typeface="Arial" panose="020B0604020202020204" pitchFamily="34" charset="0"/>
+                <a:hlinkClick r:id="rId2"/>
+              </a:rPr>
+              <a:t>https</a:t>
+            </a:r>
+            <a:r>
+              <a:rPr lang="en-US" sz="1400" u="sng" dirty="0" smtClean="0">
+                <a:solidFill>
+                  <a:srgbClr val="0000FF"/>
+                </a:solidFill>
+                <a:latin typeface="Arial" panose="020B0604020202020204" pitchFamily="34" charset="0"/>
+                <a:ea typeface="Arial" panose="020B0604020202020204" pitchFamily="34" charset="0"/>
+                <a:hlinkClick r:id="rId2"/>
+              </a:rPr>
+              <a:t>://</a:t>
+            </a:r>
+            <a:r>
+              <a:rPr lang="en-US" sz="1400" u="sng" dirty="0" smtClean="0">
+                <a:solidFill>
+                  <a:srgbClr val="0000FF"/>
+                </a:solidFill>
+                <a:latin typeface="Arial" panose="020B0604020202020204" pitchFamily="34" charset="0"/>
+                <a:ea typeface="Arial" panose="020B0604020202020204" pitchFamily="34" charset="0"/>
+              </a:rPr>
+              <a:t>anodiam.com/teacher/inbox/{userid}</a:t>
+            </a:r>
+          </a:p>
+        </p:txBody>
+      </p:sp>
+      <p:pic>
+        <p:nvPicPr>
+          <p:cNvPr id="8" name="Picture 7"/>
+          <p:cNvPicPr>
+            <a:picLocks noChangeAspect="1"/>
+          </p:cNvPicPr>
+          <p:nvPr/>
+        </p:nvPicPr>
+        <p:blipFill>
+          <a:blip r:embed="rId3"/>
+          <a:stretch>
+            <a:fillRect/>
+          </a:stretch>
+        </p:blipFill>
+        <p:spPr>
+          <a:xfrm>
+            <a:off x="838200" y="1835621"/>
+            <a:ext cx="7467600" cy="4257675"/>
+          </a:xfrm>
+          <a:prstGeom prst="rect">
+            <a:avLst/>
+          </a:prstGeom>
+        </p:spPr>
+      </p:pic>
+    </p:spTree>
+    <p:extLst>
+      <p:ext uri="{BB962C8B-B14F-4D97-AF65-F5344CB8AC3E}">
+        <p14:creationId xmlns:p14="http://schemas.microsoft.com/office/powerpoint/2010/main" val="526722271"/>
+      </p:ext>
+    </p:extLst>
+  </p:cSld>
+  <p:clrMapOvr>
+    <a:masterClrMapping/>
+  </p:clrMapOvr>
+  <p:timing>
+    <p:tnLst>
+      <p:par>
+        <p:cTn id="1" dur="indefinite" restart="never" nodeType="tmRoot"/>
+      </p:par>
+    </p:tnLst>
+  </p:timing>
+</p:sld>
+</file>
+
+<file path=ppt/slides/slide22.xml><?xml version="1.0" encoding="utf-8"?>
+<p:sld xmlns:a="http://schemas.openxmlformats.org/drawingml/2006/main" xmlns:r="http://schemas.openxmlformats.org/officeDocument/2006/relationships" xmlns:p="http://schemas.openxmlformats.org/presentationml/2006/main">
+  <p:cSld>
+    <p:spTree>
+      <p:nvGrpSpPr>
+        <p:cNvPr id="1" name=""/>
+        <p:cNvGrpSpPr/>
+        <p:nvPr/>
+      </p:nvGrpSpPr>
+      <p:grpSpPr>
+        <a:xfrm>
+          <a:off x="0" y="0"/>
+          <a:ext cx="0" cy="0"/>
+          <a:chOff x="0" y="0"/>
+          <a:chExt cx="0" cy="0"/>
+        </a:xfrm>
+      </p:grpSpPr>
+      <p:sp>
+        <p:nvSpPr>
+          <p:cNvPr id="2" name="Rectangle 1"/>
+          <p:cNvSpPr/>
+          <p:nvPr/>
+        </p:nvSpPr>
+        <p:spPr>
+          <a:xfrm>
+            <a:off x="609448" y="332656"/>
+            <a:ext cx="7687747" cy="480901"/>
+          </a:xfrm>
+          <a:prstGeom prst="rect">
+            <a:avLst/>
+          </a:prstGeom>
+        </p:spPr>
+        <p:txBody>
+          <a:bodyPr wrap="none">
+            <a:spAutoFit/>
+          </a:bodyPr>
+          <a:lstStyle/>
+          <a:p>
+            <a:pPr algn="ctr">
+              <a:lnSpc>
+                <a:spcPct val="115000"/>
+              </a:lnSpc>
+              <a:spcAft>
+                <a:spcPts val="0"/>
+              </a:spcAft>
+            </a:pPr>
+            <a:r>
+              <a:rPr lang="en-US" sz="2400" b="1" dirty="0">
+                <a:latin typeface="Arial" panose="020B0604020202020204" pitchFamily="34" charset="0"/>
+                <a:ea typeface="Arial" panose="020B0604020202020204" pitchFamily="34" charset="0"/>
+              </a:rPr>
+              <a:t>Teacher App: Notifications &gt; Inbox </a:t>
+            </a:r>
+            <a:r>
+              <a:rPr lang="en-US" sz="2400" b="1" dirty="0" smtClean="0">
+                <a:latin typeface="Arial" panose="020B0604020202020204" pitchFamily="34" charset="0"/>
+                <a:ea typeface="Arial" panose="020B0604020202020204" pitchFamily="34" charset="0"/>
+              </a:rPr>
+              <a:t>&gt; Message page</a:t>
+            </a:r>
+            <a:endParaRPr lang="en-AU" sz="2400" dirty="0">
+              <a:latin typeface="Arial" panose="020B0604020202020204" pitchFamily="34" charset="0"/>
+              <a:ea typeface="Arial" panose="020B0604020202020204" pitchFamily="34" charset="0"/>
+            </a:endParaRPr>
+          </a:p>
+        </p:txBody>
+      </p:sp>
+      <p:sp>
+        <p:nvSpPr>
+          <p:cNvPr id="3" name="Rectangle 2"/>
+          <p:cNvSpPr/>
+          <p:nvPr/>
+        </p:nvSpPr>
+        <p:spPr>
+          <a:xfrm>
+            <a:off x="431032" y="849721"/>
+            <a:ext cx="8245424" cy="307777"/>
+          </a:xfrm>
+          <a:prstGeom prst="rect">
+            <a:avLst/>
+          </a:prstGeom>
+        </p:spPr>
+        <p:txBody>
+          <a:bodyPr wrap="square">
+            <a:spAutoFit/>
+          </a:bodyPr>
+          <a:lstStyle/>
+          <a:p>
+            <a:pPr algn="ctr"/>
+            <a:r>
+              <a:rPr lang="en-US" sz="1400" dirty="0">
+                <a:latin typeface="Arial" panose="020B0604020202020204" pitchFamily="34" charset="0"/>
+                <a:ea typeface="Arial" panose="020B0604020202020204" pitchFamily="34" charset="0"/>
+              </a:rPr>
+              <a:t>Link: </a:t>
+            </a:r>
+            <a:r>
+              <a:rPr lang="en-US" sz="1400" u="sng" dirty="0">
+                <a:solidFill>
+                  <a:srgbClr val="0000FF"/>
+                </a:solidFill>
+                <a:latin typeface="Arial" panose="020B0604020202020204" pitchFamily="34" charset="0"/>
+                <a:ea typeface="Arial" panose="020B0604020202020204" pitchFamily="34" charset="0"/>
+                <a:hlinkClick r:id="rId2"/>
+              </a:rPr>
+              <a:t>https</a:t>
+            </a:r>
+            <a:r>
+              <a:rPr lang="en-US" sz="1400" u="sng" dirty="0" smtClean="0">
+                <a:solidFill>
+                  <a:srgbClr val="0000FF"/>
+                </a:solidFill>
+                <a:latin typeface="Arial" panose="020B0604020202020204" pitchFamily="34" charset="0"/>
+                <a:ea typeface="Arial" panose="020B0604020202020204" pitchFamily="34" charset="0"/>
+                <a:hlinkClick r:id="rId2"/>
+              </a:rPr>
+              <a:t>://</a:t>
+            </a:r>
+            <a:r>
+              <a:rPr lang="en-US" sz="1400" u="sng" dirty="0" smtClean="0">
+                <a:solidFill>
+                  <a:srgbClr val="0000FF"/>
+                </a:solidFill>
+                <a:latin typeface="Arial" panose="020B0604020202020204" pitchFamily="34" charset="0"/>
+                <a:ea typeface="Arial" panose="020B0604020202020204" pitchFamily="34" charset="0"/>
+              </a:rPr>
+              <a:t>anodiam.com/teacher/message/{messageid}</a:t>
+            </a:r>
+          </a:p>
+        </p:txBody>
+      </p:sp>
+      <p:pic>
+        <p:nvPicPr>
+          <p:cNvPr id="4" name="Picture 3"/>
+          <p:cNvPicPr>
+            <a:picLocks noChangeAspect="1"/>
+          </p:cNvPicPr>
+          <p:nvPr/>
+        </p:nvPicPr>
+        <p:blipFill>
+          <a:blip r:embed="rId3"/>
+          <a:stretch>
+            <a:fillRect/>
+          </a:stretch>
+        </p:blipFill>
+        <p:spPr>
+          <a:xfrm>
+            <a:off x="848816" y="1907629"/>
+            <a:ext cx="7467600" cy="4257675"/>
+          </a:xfrm>
+          <a:prstGeom prst="rect">
+            <a:avLst/>
+          </a:prstGeom>
+        </p:spPr>
+      </p:pic>
+    </p:spTree>
+    <p:extLst>
+      <p:ext uri="{BB962C8B-B14F-4D97-AF65-F5344CB8AC3E}">
+        <p14:creationId xmlns:p14="http://schemas.microsoft.com/office/powerpoint/2010/main" val="1743414437"/>
+      </p:ext>
+    </p:extLst>
+  </p:cSld>
+  <p:clrMapOvr>
+    <a:masterClrMapping/>
+  </p:clrMapOvr>
+  <p:timing>
+    <p:tnLst>
+      <p:par>
+        <p:cTn id="1" dur="indefinite" restart="never" nodeType="tmRoot"/>
+      </p:par>
+    </p:tnLst>
+  </p:timing>
+</p:sld>
+</file>
+
+<file path=ppt/slides/slide23.xml><?xml version="1.0" encoding="utf-8"?>
+<p:sld xmlns:a="http://schemas.openxmlformats.org/drawingml/2006/main" xmlns:r="http://schemas.openxmlformats.org/officeDocument/2006/relationships" xmlns:p="http://schemas.openxmlformats.org/presentationml/2006/main">
+  <p:cSld>
+    <p:spTree>
+      <p:nvGrpSpPr>
+        <p:cNvPr id="1" name=""/>
+        <p:cNvGrpSpPr/>
+        <p:nvPr/>
+      </p:nvGrpSpPr>
+      <p:grpSpPr>
+        <a:xfrm>
+          <a:off x="0" y="0"/>
+          <a:ext cx="0" cy="0"/>
+          <a:chOff x="0" y="0"/>
+          <a:chExt cx="0" cy="0"/>
+        </a:xfrm>
+      </p:grpSpPr>
+      <p:sp>
+        <p:nvSpPr>
+          <p:cNvPr id="2" name="Rectangle 1"/>
+          <p:cNvSpPr/>
+          <p:nvPr/>
+        </p:nvSpPr>
+        <p:spPr>
+          <a:xfrm>
+            <a:off x="1271493" y="332656"/>
+            <a:ext cx="6363666" cy="480901"/>
+          </a:xfrm>
+          <a:prstGeom prst="rect">
+            <a:avLst/>
+          </a:prstGeom>
+        </p:spPr>
+        <p:txBody>
+          <a:bodyPr wrap="none">
+            <a:spAutoFit/>
+          </a:bodyPr>
+          <a:lstStyle/>
+          <a:p>
+            <a:pPr algn="ctr">
+              <a:lnSpc>
+                <a:spcPct val="115000"/>
+              </a:lnSpc>
+              <a:spcAft>
+                <a:spcPts val="0"/>
+              </a:spcAft>
+            </a:pPr>
+            <a:r>
+              <a:rPr lang="en-US" sz="2400" b="1" dirty="0" smtClean="0">
+                <a:latin typeface="Arial" panose="020B0604020202020204" pitchFamily="34" charset="0"/>
+                <a:ea typeface="Arial" panose="020B0604020202020204" pitchFamily="34" charset="0"/>
+              </a:rPr>
+              <a:t>Teacher App</a:t>
+            </a:r>
+            <a:r>
+              <a:rPr lang="en-US" sz="2400" b="1" dirty="0">
+                <a:latin typeface="Arial" panose="020B0604020202020204" pitchFamily="34" charset="0"/>
+                <a:ea typeface="Arial" panose="020B0604020202020204" pitchFamily="34" charset="0"/>
+              </a:rPr>
+              <a:t>: </a:t>
+            </a:r>
+            <a:r>
+              <a:rPr lang="en-US" sz="2400" b="1" dirty="0" smtClean="0">
+                <a:latin typeface="Arial" panose="020B0604020202020204" pitchFamily="34" charset="0"/>
+                <a:ea typeface="Arial" panose="020B0604020202020204" pitchFamily="34" charset="0"/>
+              </a:rPr>
+              <a:t>Notifications &gt; Queries page</a:t>
+            </a:r>
+            <a:endParaRPr lang="en-AU" sz="2400" dirty="0">
+              <a:effectLst/>
+              <a:latin typeface="Arial" panose="020B0604020202020204" pitchFamily="34" charset="0"/>
+              <a:ea typeface="Arial" panose="020B0604020202020204" pitchFamily="34" charset="0"/>
+            </a:endParaRPr>
+          </a:p>
+        </p:txBody>
+      </p:sp>
+      <p:sp>
+        <p:nvSpPr>
+          <p:cNvPr id="3" name="Rectangle 2"/>
+          <p:cNvSpPr/>
+          <p:nvPr/>
+        </p:nvSpPr>
+        <p:spPr>
+          <a:xfrm>
+            <a:off x="431032" y="849721"/>
+            <a:ext cx="8245424" cy="307777"/>
+          </a:xfrm>
+          <a:prstGeom prst="rect">
+            <a:avLst/>
+          </a:prstGeom>
+        </p:spPr>
+        <p:txBody>
+          <a:bodyPr wrap="square">
+            <a:spAutoFit/>
+          </a:bodyPr>
+          <a:lstStyle/>
+          <a:p>
+            <a:pPr algn="ctr"/>
+            <a:r>
+              <a:rPr lang="en-US" sz="1400" dirty="0">
+                <a:latin typeface="Arial" panose="020B0604020202020204" pitchFamily="34" charset="0"/>
+                <a:ea typeface="Arial" panose="020B0604020202020204" pitchFamily="34" charset="0"/>
+              </a:rPr>
+              <a:t>Link: </a:t>
+            </a:r>
+            <a:r>
+              <a:rPr lang="en-US" sz="1400" u="sng" dirty="0">
+                <a:solidFill>
+                  <a:srgbClr val="0000FF"/>
+                </a:solidFill>
+                <a:latin typeface="Arial" panose="020B0604020202020204" pitchFamily="34" charset="0"/>
+                <a:ea typeface="Arial" panose="020B0604020202020204" pitchFamily="34" charset="0"/>
+                <a:hlinkClick r:id="rId2"/>
+              </a:rPr>
+              <a:t>https</a:t>
+            </a:r>
+            <a:r>
+              <a:rPr lang="en-US" sz="1400" u="sng" dirty="0" smtClean="0">
+                <a:solidFill>
+                  <a:srgbClr val="0000FF"/>
+                </a:solidFill>
+                <a:latin typeface="Arial" panose="020B0604020202020204" pitchFamily="34" charset="0"/>
+                <a:ea typeface="Arial" panose="020B0604020202020204" pitchFamily="34" charset="0"/>
+                <a:hlinkClick r:id="rId2"/>
+              </a:rPr>
+              <a:t>://</a:t>
+            </a:r>
+            <a:r>
+              <a:rPr lang="en-US" sz="1400" u="sng" dirty="0" smtClean="0">
+                <a:solidFill>
+                  <a:srgbClr val="0000FF"/>
+                </a:solidFill>
+                <a:latin typeface="Arial" panose="020B0604020202020204" pitchFamily="34" charset="0"/>
+                <a:ea typeface="Arial" panose="020B0604020202020204" pitchFamily="34" charset="0"/>
+              </a:rPr>
+              <a:t>anodiam.com/teacher/queries/{userid}</a:t>
+            </a:r>
+          </a:p>
+        </p:txBody>
+      </p:sp>
+      <p:pic>
+        <p:nvPicPr>
+          <p:cNvPr id="4" name="Picture 3"/>
+          <p:cNvPicPr>
+            <a:picLocks noChangeAspect="1"/>
+          </p:cNvPicPr>
+          <p:nvPr/>
+        </p:nvPicPr>
+        <p:blipFill>
+          <a:blip r:embed="rId3"/>
+          <a:stretch>
+            <a:fillRect/>
+          </a:stretch>
+        </p:blipFill>
+        <p:spPr>
+          <a:xfrm>
+            <a:off x="838200" y="1691605"/>
+            <a:ext cx="7467600" cy="4257675"/>
+          </a:xfrm>
+          <a:prstGeom prst="rect">
+            <a:avLst/>
+          </a:prstGeom>
+        </p:spPr>
+      </p:pic>
+    </p:spTree>
+    <p:extLst>
+      <p:ext uri="{BB962C8B-B14F-4D97-AF65-F5344CB8AC3E}">
+        <p14:creationId xmlns:p14="http://schemas.microsoft.com/office/powerpoint/2010/main" val="680381503"/>
+      </p:ext>
+    </p:extLst>
+  </p:cSld>
+  <p:clrMapOvr>
+    <a:masterClrMapping/>
+  </p:clrMapOvr>
+  <p:timing>
+    <p:tnLst>
+      <p:par>
+        <p:cTn id="1" dur="indefinite" restart="never" nodeType="tmRoot"/>
+      </p:par>
+    </p:tnLst>
+  </p:timing>
+</p:sld>
+</file>
+
+<file path=ppt/slides/slide24.xml><?xml version="1.0" encoding="utf-8"?>
+<p:sld xmlns:a="http://schemas.openxmlformats.org/drawingml/2006/main" xmlns:r="http://schemas.openxmlformats.org/officeDocument/2006/relationships" xmlns:p="http://schemas.openxmlformats.org/presentationml/2006/main">
+  <p:cSld>
+    <p:spTree>
+      <p:nvGrpSpPr>
+        <p:cNvPr id="1" name=""/>
+        <p:cNvGrpSpPr/>
+        <p:nvPr/>
+      </p:nvGrpSpPr>
+      <p:grpSpPr>
+        <a:xfrm>
+          <a:off x="0" y="0"/>
+          <a:ext cx="0" cy="0"/>
+          <a:chOff x="0" y="0"/>
+          <a:chExt cx="0" cy="0"/>
+        </a:xfrm>
+      </p:grpSpPr>
+      <p:sp>
+        <p:nvSpPr>
+          <p:cNvPr id="2" name="Rectangle 1"/>
+          <p:cNvSpPr/>
+          <p:nvPr/>
+        </p:nvSpPr>
+        <p:spPr>
+          <a:xfrm>
+            <a:off x="46858" y="332656"/>
+            <a:ext cx="9133654" cy="517065"/>
+          </a:xfrm>
+          <a:prstGeom prst="rect">
+            <a:avLst/>
+          </a:prstGeom>
+        </p:spPr>
+        <p:txBody>
+          <a:bodyPr wrap="none">
+            <a:spAutoFit/>
+          </a:bodyPr>
+          <a:lstStyle/>
+          <a:p>
+            <a:pPr algn="ctr">
+              <a:lnSpc>
+                <a:spcPct val="115000"/>
+              </a:lnSpc>
+              <a:spcAft>
+                <a:spcPts val="0"/>
+              </a:spcAft>
+            </a:pPr>
+            <a:r>
+              <a:rPr lang="en-US" sz="2400" b="1" dirty="0">
+                <a:latin typeface="Arial" panose="020B0604020202020204" pitchFamily="34" charset="0"/>
+                <a:ea typeface="Arial" panose="020B0604020202020204" pitchFamily="34" charset="0"/>
+              </a:rPr>
+              <a:t>Teacher App: Notifications &gt; </a:t>
+            </a:r>
+            <a:r>
+              <a:rPr lang="en-US" sz="2400" b="1" dirty="0" smtClean="0">
+                <a:latin typeface="Arial" panose="020B0604020202020204" pitchFamily="34" charset="0"/>
+                <a:ea typeface="Arial" panose="020B0604020202020204" pitchFamily="34" charset="0"/>
+              </a:rPr>
+              <a:t>Queries &gt; Query &gt; Resolve page</a:t>
+            </a:r>
+            <a:endParaRPr lang="en-AU" sz="2400" dirty="0">
+              <a:latin typeface="Arial" panose="020B0604020202020204" pitchFamily="34" charset="0"/>
+              <a:ea typeface="Arial" panose="020B0604020202020204" pitchFamily="34" charset="0"/>
+            </a:endParaRPr>
+          </a:p>
+        </p:txBody>
+      </p:sp>
+      <p:sp>
+        <p:nvSpPr>
+          <p:cNvPr id="3" name="Rectangle 2"/>
+          <p:cNvSpPr/>
+          <p:nvPr/>
+        </p:nvSpPr>
+        <p:spPr>
+          <a:xfrm>
+            <a:off x="431032" y="849721"/>
+            <a:ext cx="8245424" cy="307777"/>
+          </a:xfrm>
+          <a:prstGeom prst="rect">
+            <a:avLst/>
+          </a:prstGeom>
+        </p:spPr>
+        <p:txBody>
+          <a:bodyPr wrap="square">
+            <a:spAutoFit/>
+          </a:bodyPr>
+          <a:lstStyle/>
+          <a:p>
+            <a:pPr algn="ctr"/>
+            <a:r>
+              <a:rPr lang="en-US" sz="1400" dirty="0">
+                <a:latin typeface="Arial" panose="020B0604020202020204" pitchFamily="34" charset="0"/>
+                <a:ea typeface="Arial" panose="020B0604020202020204" pitchFamily="34" charset="0"/>
+              </a:rPr>
+              <a:t>Link: </a:t>
+            </a:r>
+            <a:r>
+              <a:rPr lang="en-US" sz="1400" u="sng" dirty="0">
+                <a:solidFill>
+                  <a:srgbClr val="0000FF"/>
+                </a:solidFill>
+                <a:latin typeface="Arial" panose="020B0604020202020204" pitchFamily="34" charset="0"/>
+                <a:ea typeface="Arial" panose="020B0604020202020204" pitchFamily="34" charset="0"/>
+                <a:hlinkClick r:id="rId2"/>
+              </a:rPr>
+              <a:t>https</a:t>
+            </a:r>
+            <a:r>
+              <a:rPr lang="en-US" sz="1400" u="sng" dirty="0" smtClean="0">
+                <a:solidFill>
+                  <a:srgbClr val="0000FF"/>
+                </a:solidFill>
+                <a:latin typeface="Arial" panose="020B0604020202020204" pitchFamily="34" charset="0"/>
+                <a:ea typeface="Arial" panose="020B0604020202020204" pitchFamily="34" charset="0"/>
+                <a:hlinkClick r:id="rId2"/>
+              </a:rPr>
+              <a:t>://</a:t>
+            </a:r>
+            <a:r>
+              <a:rPr lang="en-US" sz="1400" u="sng" dirty="0" smtClean="0">
+                <a:solidFill>
+                  <a:srgbClr val="0000FF"/>
+                </a:solidFill>
+                <a:latin typeface="Arial" panose="020B0604020202020204" pitchFamily="34" charset="0"/>
+                <a:ea typeface="Arial" panose="020B0604020202020204" pitchFamily="34" charset="0"/>
+              </a:rPr>
+              <a:t>anodiam.com/teacher/query/{queryid}</a:t>
+            </a:r>
+          </a:p>
+        </p:txBody>
+      </p:sp>
+      <p:pic>
+        <p:nvPicPr>
+          <p:cNvPr id="4" name="Picture 3"/>
+          <p:cNvPicPr>
+            <a:picLocks noChangeAspect="1"/>
+          </p:cNvPicPr>
+          <p:nvPr/>
+        </p:nvPicPr>
+        <p:blipFill>
+          <a:blip r:embed="rId3"/>
+          <a:stretch>
+            <a:fillRect/>
+          </a:stretch>
+        </p:blipFill>
+        <p:spPr>
+          <a:xfrm>
+            <a:off x="879885" y="1556792"/>
+            <a:ext cx="7467600" cy="4257675"/>
+          </a:xfrm>
+          <a:prstGeom prst="rect">
+            <a:avLst/>
+          </a:prstGeom>
+        </p:spPr>
+      </p:pic>
+    </p:spTree>
+    <p:extLst>
+      <p:ext uri="{BB962C8B-B14F-4D97-AF65-F5344CB8AC3E}">
+        <p14:creationId xmlns:p14="http://schemas.microsoft.com/office/powerpoint/2010/main" val="3197739735"/>
+      </p:ext>
+    </p:extLst>
+  </p:cSld>
+  <p:clrMapOvr>
+    <a:masterClrMapping/>
+  </p:clrMapOvr>
+  <p:timing>
+    <p:tnLst>
+      <p:par>
+        <p:cTn id="1" dur="indefinite" restart="never" nodeType="tmRoot"/>
+      </p:par>
+    </p:tnLst>
+  </p:timing>
+</p:sld>
+</file>
+
+<file path=ppt/slides/slide25.xml><?xml version="1.0" encoding="utf-8"?>
+<p:sld xmlns:a="http://schemas.openxmlformats.org/drawingml/2006/main" xmlns:r="http://schemas.openxmlformats.org/officeDocument/2006/relationships" xmlns:p="http://schemas.openxmlformats.org/presentationml/2006/main">
+  <p:cSld>
+    <p:spTree>
+      <p:nvGrpSpPr>
+        <p:cNvPr id="1" name=""/>
+        <p:cNvGrpSpPr/>
+        <p:nvPr/>
+      </p:nvGrpSpPr>
+      <p:grpSpPr>
+        <a:xfrm>
+          <a:off x="0" y="0"/>
+          <a:ext cx="0" cy="0"/>
+          <a:chOff x="0" y="0"/>
+          <a:chExt cx="0" cy="0"/>
+        </a:xfrm>
+      </p:grpSpPr>
+      <p:sp>
+        <p:nvSpPr>
+          <p:cNvPr id="2" name="Rectangle 1"/>
+          <p:cNvSpPr/>
+          <p:nvPr/>
+        </p:nvSpPr>
+        <p:spPr>
+          <a:xfrm>
+            <a:off x="1048678" y="332656"/>
+            <a:ext cx="6809300" cy="480901"/>
+          </a:xfrm>
+          <a:prstGeom prst="rect">
+            <a:avLst/>
+          </a:prstGeom>
+        </p:spPr>
+        <p:txBody>
+          <a:bodyPr wrap="none">
+            <a:spAutoFit/>
+          </a:bodyPr>
+          <a:lstStyle/>
+          <a:p>
+            <a:pPr algn="ctr">
+              <a:lnSpc>
+                <a:spcPct val="115000"/>
+              </a:lnSpc>
+              <a:spcAft>
+                <a:spcPts val="0"/>
+              </a:spcAft>
+            </a:pPr>
+            <a:r>
+              <a:rPr lang="en-US" sz="2400" b="1" dirty="0" smtClean="0">
+                <a:latin typeface="Arial" panose="020B0604020202020204" pitchFamily="34" charset="0"/>
+                <a:ea typeface="Arial" panose="020B0604020202020204" pitchFamily="34" charset="0"/>
+              </a:rPr>
+              <a:t>Teacher App</a:t>
+            </a:r>
+            <a:r>
+              <a:rPr lang="en-US" sz="2400" b="1" dirty="0">
+                <a:latin typeface="Arial" panose="020B0604020202020204" pitchFamily="34" charset="0"/>
+                <a:ea typeface="Arial" panose="020B0604020202020204" pitchFamily="34" charset="0"/>
+              </a:rPr>
+              <a:t>: </a:t>
+            </a:r>
+            <a:r>
+              <a:rPr lang="en-US" sz="2400" b="1" dirty="0" smtClean="0">
+                <a:latin typeface="Arial" panose="020B0604020202020204" pitchFamily="34" charset="0"/>
+                <a:ea typeface="Arial" panose="020B0604020202020204" pitchFamily="34" charset="0"/>
+              </a:rPr>
+              <a:t>Notifications &gt; Comments page</a:t>
+            </a:r>
+            <a:endParaRPr lang="en-AU" sz="2400" dirty="0">
+              <a:effectLst/>
+              <a:latin typeface="Arial" panose="020B0604020202020204" pitchFamily="34" charset="0"/>
+              <a:ea typeface="Arial" panose="020B0604020202020204" pitchFamily="34" charset="0"/>
+            </a:endParaRPr>
+          </a:p>
+        </p:txBody>
+      </p:sp>
+      <p:sp>
+        <p:nvSpPr>
+          <p:cNvPr id="3" name="Rectangle 2"/>
+          <p:cNvSpPr/>
+          <p:nvPr/>
+        </p:nvSpPr>
+        <p:spPr>
+          <a:xfrm>
+            <a:off x="431032" y="849721"/>
+            <a:ext cx="8245424" cy="307777"/>
+          </a:xfrm>
+          <a:prstGeom prst="rect">
+            <a:avLst/>
+          </a:prstGeom>
+        </p:spPr>
+        <p:txBody>
+          <a:bodyPr wrap="square">
+            <a:spAutoFit/>
+          </a:bodyPr>
+          <a:lstStyle/>
+          <a:p>
+            <a:pPr algn="ctr"/>
+            <a:r>
+              <a:rPr lang="en-US" sz="1400" dirty="0">
+                <a:latin typeface="Arial" panose="020B0604020202020204" pitchFamily="34" charset="0"/>
+                <a:ea typeface="Arial" panose="020B0604020202020204" pitchFamily="34" charset="0"/>
+              </a:rPr>
+              <a:t>Link: </a:t>
+            </a:r>
+            <a:r>
+              <a:rPr lang="en-US" sz="1400" u="sng" dirty="0">
+                <a:solidFill>
+                  <a:srgbClr val="0000FF"/>
+                </a:solidFill>
+                <a:latin typeface="Arial" panose="020B0604020202020204" pitchFamily="34" charset="0"/>
+                <a:ea typeface="Arial" panose="020B0604020202020204" pitchFamily="34" charset="0"/>
+                <a:hlinkClick r:id="rId2"/>
+              </a:rPr>
+              <a:t>https</a:t>
+            </a:r>
+            <a:r>
+              <a:rPr lang="en-US" sz="1400" u="sng" dirty="0" smtClean="0">
+                <a:solidFill>
+                  <a:srgbClr val="0000FF"/>
+                </a:solidFill>
+                <a:latin typeface="Arial" panose="020B0604020202020204" pitchFamily="34" charset="0"/>
+                <a:ea typeface="Arial" panose="020B0604020202020204" pitchFamily="34" charset="0"/>
+                <a:hlinkClick r:id="rId2"/>
+              </a:rPr>
+              <a:t>://</a:t>
+            </a:r>
+            <a:r>
+              <a:rPr lang="en-US" sz="1400" u="sng" dirty="0" smtClean="0">
+                <a:solidFill>
+                  <a:srgbClr val="0000FF"/>
+                </a:solidFill>
+                <a:latin typeface="Arial" panose="020B0604020202020204" pitchFamily="34" charset="0"/>
+                <a:ea typeface="Arial" panose="020B0604020202020204" pitchFamily="34" charset="0"/>
+              </a:rPr>
+              <a:t>anodiam.com/teacher/comments/{userid}</a:t>
+            </a:r>
+          </a:p>
+        </p:txBody>
+      </p:sp>
+      <p:pic>
+        <p:nvPicPr>
+          <p:cNvPr id="5" name="Picture 4"/>
+          <p:cNvPicPr>
+            <a:picLocks noChangeAspect="1"/>
+          </p:cNvPicPr>
+          <p:nvPr/>
+        </p:nvPicPr>
+        <p:blipFill>
+          <a:blip r:embed="rId3"/>
+          <a:stretch>
+            <a:fillRect/>
+          </a:stretch>
+        </p:blipFill>
+        <p:spPr>
+          <a:xfrm>
+            <a:off x="838200" y="1763613"/>
+            <a:ext cx="7467600" cy="4257675"/>
+          </a:xfrm>
+          <a:prstGeom prst="rect">
+            <a:avLst/>
+          </a:prstGeom>
+        </p:spPr>
+      </p:pic>
+    </p:spTree>
+    <p:extLst>
+      <p:ext uri="{BB962C8B-B14F-4D97-AF65-F5344CB8AC3E}">
+        <p14:creationId xmlns:p14="http://schemas.microsoft.com/office/powerpoint/2010/main" val="2920446225"/>
+      </p:ext>
+    </p:extLst>
+  </p:cSld>
+  <p:clrMapOvr>
+    <a:masterClrMapping/>
+  </p:clrMapOvr>
+  <p:timing>
+    <p:tnLst>
+      <p:par>
+        <p:cTn id="1" dur="indefinite" restart="never" nodeType="tmRoot"/>
+      </p:par>
+    </p:tnLst>
+  </p:timing>
+</p:sld>
+</file>
+
+<file path=ppt/slides/slide26.xml><?xml version="1.0" encoding="utf-8"?>
+<p:sld xmlns:a="http://schemas.openxmlformats.org/drawingml/2006/main" xmlns:r="http://schemas.openxmlformats.org/officeDocument/2006/relationships" xmlns:p="http://schemas.openxmlformats.org/presentationml/2006/main">
+  <p:cSld>
+    <p:spTree>
+      <p:nvGrpSpPr>
+        <p:cNvPr id="1" name=""/>
+        <p:cNvGrpSpPr/>
+        <p:nvPr/>
+      </p:nvGrpSpPr>
+      <p:grpSpPr>
+        <a:xfrm>
+          <a:off x="0" y="0"/>
+          <a:ext cx="0" cy="0"/>
+          <a:chOff x="0" y="0"/>
+          <a:chExt cx="0" cy="0"/>
+        </a:xfrm>
+      </p:grpSpPr>
+      <p:sp>
+        <p:nvSpPr>
+          <p:cNvPr id="2" name="Rectangle 1"/>
+          <p:cNvSpPr/>
+          <p:nvPr/>
+        </p:nvSpPr>
+        <p:spPr>
+          <a:xfrm>
             <a:off x="163819" y="332656"/>
             <a:ext cx="8579015" cy="480901"/>
           </a:xfrm>
@@ -9121,8 +10348,8 @@
         </p:nvSpPr>
         <p:spPr>
           <a:xfrm>
-            <a:off x="1644367" y="332656"/>
-            <a:ext cx="5617885" cy="517065"/>
+            <a:off x="259859" y="332656"/>
+            <a:ext cx="8386911" cy="517065"/>
           </a:xfrm>
           <a:prstGeom prst="rect">
             <a:avLst/>
@@ -9161,7 +10388,21 @@
                 <a:latin typeface="Arial" panose="020B0604020202020204" pitchFamily="34" charset="0"/>
                 <a:ea typeface="Arial" panose="020B0604020202020204" pitchFamily="34" charset="0"/>
               </a:rPr>
-              <a:t>My Teacher Home page</a:t>
+              <a:t>My Teacher </a:t>
+            </a:r>
+            <a:r>
+              <a:rPr lang="en-US" sz="2400" b="1" dirty="0" smtClean="0">
+                <a:latin typeface="Arial" panose="020B0604020202020204" pitchFamily="34" charset="0"/>
+                <a:ea typeface="Arial" panose="020B0604020202020204" pitchFamily="34" charset="0"/>
+              </a:rPr>
+              <a:t>Home / View All Courses </a:t>
+            </a:r>
+            <a:r>
+              <a:rPr lang="en-US" sz="2400" b="1" dirty="0" smtClean="0">
+                <a:latin typeface="Arial" panose="020B0604020202020204" pitchFamily="34" charset="0"/>
+                <a:ea typeface="Arial" panose="020B0604020202020204" pitchFamily="34" charset="0"/>
+              </a:rPr>
+              <a:t>page</a:t>
             </a:r>
             <a:endParaRPr lang="en-AU" sz="2400" dirty="0">
               <a:effectLst/>
@@ -9237,7 +10478,7 @@
       </p:sp>
       <p:pic>
         <p:nvPicPr>
-          <p:cNvPr id="4" name="Picture 3"/>
+          <p:cNvPr id="5" name="Picture 4"/>
           <p:cNvPicPr>
             <a:picLocks noChangeAspect="1"/>
           </p:cNvPicPr>
@@ -9251,7 +10492,7 @@
         </p:blipFill>
         <p:spPr>
           <a:xfrm>
-            <a:off x="838200" y="1763613"/>
+            <a:off x="838200" y="1547589"/>
             <a:ext cx="7467600" cy="4257675"/>
           </a:xfrm>
           <a:prstGeom prst="rect">
@@ -9304,8 +10545,8 @@
         </p:nvSpPr>
         <p:spPr>
           <a:xfrm>
-            <a:off x="1897452" y="332656"/>
-            <a:ext cx="5111720" cy="517065"/>
+            <a:off x="1052676" y="11870"/>
+            <a:ext cx="6801284" cy="711733"/>
           </a:xfrm>
           <a:prstGeom prst="rect">
             <a:avLst/>
@@ -9344,17 +10585,30 @@
                 <a:latin typeface="Arial" panose="020B0604020202020204" pitchFamily="34" charset="0"/>
                 <a:ea typeface="Arial" panose="020B0604020202020204" pitchFamily="34" charset="0"/>
               </a:rPr>
-              <a:t>Create Course </a:t>
-            </a:r>
-            <a:r>
-              <a:rPr lang="en-US" sz="2400" b="1" dirty="0" smtClean="0">
-                <a:latin typeface="Arial" panose="020B0604020202020204" pitchFamily="34" charset="0"/>
-                <a:ea typeface="Arial" panose="020B0604020202020204" pitchFamily="34" charset="0"/>
-              </a:rPr>
-              <a:t>page</a:t>
-            </a:r>
-            <a:endParaRPr lang="en-AU" sz="2400" dirty="0">
-              <a:effectLst/>
+              <a:t>Create Course page Outline tab</a:t>
+            </a:r>
+          </a:p>
+          <a:p>
+            <a:pPr algn="ctr">
+              <a:lnSpc>
+                <a:spcPct val="115000"/>
+              </a:lnSpc>
+            </a:pPr>
+            <a:r>
+              <a:rPr lang="en-US" sz="1100" b="1" dirty="0">
+                <a:latin typeface="Arial" panose="020B0604020202020204" pitchFamily="34" charset="0"/>
+                <a:ea typeface="Arial" panose="020B0604020202020204" pitchFamily="34" charset="0"/>
+              </a:rPr>
+              <a:t>** Only non-active courses can be </a:t>
+            </a:r>
+            <a:r>
+              <a:rPr lang="en-US" sz="1100" b="1" dirty="0" smtClean="0">
+                <a:latin typeface="Arial" panose="020B0604020202020204" pitchFamily="34" charset="0"/>
+                <a:ea typeface="Arial" panose="020B0604020202020204" pitchFamily="34" charset="0"/>
+              </a:rPr>
+              <a:t>deleted</a:t>
+            </a:r>
+            <a:endParaRPr lang="en-AU" sz="1100" dirty="0">
               <a:latin typeface="Arial" panose="020B0604020202020204" pitchFamily="34" charset="0"/>
               <a:ea typeface="Arial" panose="020B0604020202020204" pitchFamily="34" charset="0"/>
             </a:endParaRPr>
@@ -9369,7 +10623,7 @@
         </p:nvSpPr>
         <p:spPr>
           <a:xfrm>
-            <a:off x="431032" y="849721"/>
+            <a:off x="431032" y="620688"/>
             <a:ext cx="8245424" cy="307777"/>
           </a:xfrm>
           <a:prstGeom prst="rect">
@@ -9420,15 +10674,49 @@
                 <a:latin typeface="Arial" panose="020B0604020202020204" pitchFamily="34" charset="0"/>
                 <a:ea typeface="Arial" panose="020B0604020202020204" pitchFamily="34" charset="0"/>
               </a:rPr>
-              <a:t>anodiam.com/teacher/myhome/{userid}</a:t>
-            </a:r>
-          </a:p>
-        </p:txBody>
-      </p:sp>
+              <a:t>anodiam.com/teacher/addnewcourse/{userid</a:t>
+            </a:r>
+            <a:r>
+              <a:rPr lang="en-US" sz="1400" u="sng" dirty="0" smtClean="0">
+                <a:solidFill>
+                  <a:srgbClr val="0000FF"/>
+                </a:solidFill>
+                <a:latin typeface="Arial" panose="020B0604020202020204" pitchFamily="34" charset="0"/>
+                <a:ea typeface="Arial" panose="020B0604020202020204" pitchFamily="34" charset="0"/>
+              </a:rPr>
+              <a:t>}</a:t>
+            </a:r>
+          </a:p>
+        </p:txBody>
+      </p:sp>
+      <p:pic>
+        <p:nvPicPr>
+          <p:cNvPr id="11" name="Picture 10"/>
+          <p:cNvPicPr>
+            <a:picLocks noChangeAspect="1"/>
+          </p:cNvPicPr>
+          <p:nvPr/>
+        </p:nvPicPr>
+        <p:blipFill>
+          <a:blip r:embed="rId3"/>
+          <a:stretch>
+            <a:fillRect/>
+          </a:stretch>
+        </p:blipFill>
+        <p:spPr>
+          <a:xfrm>
+            <a:off x="838200" y="908720"/>
+            <a:ext cx="7467600" cy="5934075"/>
+          </a:xfrm>
+          <a:prstGeom prst="rect">
+            <a:avLst/>
+          </a:prstGeom>
+        </p:spPr>
+      </p:pic>
     </p:spTree>
     <p:extLst>
       <p:ext uri="{BB962C8B-B14F-4D97-AF65-F5344CB8AC3E}">
-        <p14:creationId xmlns:p14="http://schemas.microsoft.com/office/powerpoint/2010/main" val="1726590090"/>
+        <p14:creationId xmlns:p14="http://schemas.microsoft.com/office/powerpoint/2010/main" val="398469580"/>
       </p:ext>
     </p:extLst>
   </p:cSld>

--- a/ProjectExecution/BA/SpecsWireframes/003TeacherAppWireframes.pptx
+++ b/ProjectExecution/BA/SpecsWireframes/003TeacherAppWireframes.pptx
@@ -5,7 +5,7 @@
     <p:sldMasterId id="2147483648" r:id="rId1"/>
   </p:sldMasterIdLst>
   <p:notesMasterIdLst>
-    <p:notesMasterId r:id="rId28"/>
+    <p:notesMasterId r:id="rId29"/>
   </p:notesMasterIdLst>
   <p:sldIdLst>
     <p:sldId id="259" r:id="rId2"/>
@@ -23,17 +23,18 @@
     <p:sldId id="292" r:id="rId14"/>
     <p:sldId id="294" r:id="rId15"/>
     <p:sldId id="295" r:id="rId16"/>
-    <p:sldId id="265" r:id="rId17"/>
-    <p:sldId id="273" r:id="rId18"/>
-    <p:sldId id="272" r:id="rId19"/>
-    <p:sldId id="274" r:id="rId20"/>
-    <p:sldId id="275" r:id="rId21"/>
-    <p:sldId id="276" r:id="rId22"/>
-    <p:sldId id="277" r:id="rId23"/>
-    <p:sldId id="279" r:id="rId24"/>
-    <p:sldId id="280" r:id="rId25"/>
-    <p:sldId id="281" r:id="rId26"/>
-    <p:sldId id="282" r:id="rId27"/>
+    <p:sldId id="296" r:id="rId17"/>
+    <p:sldId id="265" r:id="rId18"/>
+    <p:sldId id="273" r:id="rId19"/>
+    <p:sldId id="272" r:id="rId20"/>
+    <p:sldId id="274" r:id="rId21"/>
+    <p:sldId id="275" r:id="rId22"/>
+    <p:sldId id="276" r:id="rId23"/>
+    <p:sldId id="277" r:id="rId24"/>
+    <p:sldId id="279" r:id="rId25"/>
+    <p:sldId id="280" r:id="rId26"/>
+    <p:sldId id="281" r:id="rId27"/>
+    <p:sldId id="282" r:id="rId28"/>
   </p:sldIdLst>
   <p:sldSz cx="9144000" cy="6858000" type="screen4x3"/>
   <p:notesSz cx="6858000" cy="9144000"/>
@@ -233,7 +234,7 @@
           <a:p>
             <a:fld id="{26483215-80E3-4A52-98A5-4C379A79CA39}" type="datetimeFigureOut">
               <a:rPr lang="en-AU" smtClean="0"/>
-              <a:t>20/11/2020</a:t>
+              <a:t>23/11/2020</a:t>
             </a:fld>
             <a:endParaRPr lang="en-AU"/>
           </a:p>
@@ -682,7 +683,7 @@
           <a:p>
             <a:fld id="{BB2A88D7-68F7-4681-80B5-BDD492DE1B81}" type="datetimeFigureOut">
               <a:rPr lang="en-AU" smtClean="0"/>
-              <a:t>20/11/2020</a:t>
+              <a:t>23/11/2020</a:t>
             </a:fld>
             <a:endParaRPr lang="en-AU"/>
           </a:p>
@@ -852,7 +853,7 @@
           <a:p>
             <a:fld id="{BB2A88D7-68F7-4681-80B5-BDD492DE1B81}" type="datetimeFigureOut">
               <a:rPr lang="en-AU" smtClean="0"/>
-              <a:t>20/11/2020</a:t>
+              <a:t>23/11/2020</a:t>
             </a:fld>
             <a:endParaRPr lang="en-AU"/>
           </a:p>
@@ -1032,7 +1033,7 @@
           <a:p>
             <a:fld id="{BB2A88D7-68F7-4681-80B5-BDD492DE1B81}" type="datetimeFigureOut">
               <a:rPr lang="en-AU" smtClean="0"/>
-              <a:t>20/11/2020</a:t>
+              <a:t>23/11/2020</a:t>
             </a:fld>
             <a:endParaRPr lang="en-AU"/>
           </a:p>
@@ -1202,7 +1203,7 @@
           <a:p>
             <a:fld id="{BB2A88D7-68F7-4681-80B5-BDD492DE1B81}" type="datetimeFigureOut">
               <a:rPr lang="en-AU" smtClean="0"/>
-              <a:t>20/11/2020</a:t>
+              <a:t>23/11/2020</a:t>
             </a:fld>
             <a:endParaRPr lang="en-AU"/>
           </a:p>
@@ -1448,7 +1449,7 @@
           <a:p>
             <a:fld id="{BB2A88D7-68F7-4681-80B5-BDD492DE1B81}" type="datetimeFigureOut">
               <a:rPr lang="en-AU" smtClean="0"/>
-              <a:t>20/11/2020</a:t>
+              <a:t>23/11/2020</a:t>
             </a:fld>
             <a:endParaRPr lang="en-AU"/>
           </a:p>
@@ -1736,7 +1737,7 @@
           <a:p>
             <a:fld id="{BB2A88D7-68F7-4681-80B5-BDD492DE1B81}" type="datetimeFigureOut">
               <a:rPr lang="en-AU" smtClean="0"/>
-              <a:t>20/11/2020</a:t>
+              <a:t>23/11/2020</a:t>
             </a:fld>
             <a:endParaRPr lang="en-AU"/>
           </a:p>
@@ -2158,7 +2159,7 @@
           <a:p>
             <a:fld id="{BB2A88D7-68F7-4681-80B5-BDD492DE1B81}" type="datetimeFigureOut">
               <a:rPr lang="en-AU" smtClean="0"/>
-              <a:t>20/11/2020</a:t>
+              <a:t>23/11/2020</a:t>
             </a:fld>
             <a:endParaRPr lang="en-AU"/>
           </a:p>
@@ -2276,7 +2277,7 @@
           <a:p>
             <a:fld id="{BB2A88D7-68F7-4681-80B5-BDD492DE1B81}" type="datetimeFigureOut">
               <a:rPr lang="en-AU" smtClean="0"/>
-              <a:t>20/11/2020</a:t>
+              <a:t>23/11/2020</a:t>
             </a:fld>
             <a:endParaRPr lang="en-AU"/>
           </a:p>
@@ -2371,7 +2372,7 @@
           <a:p>
             <a:fld id="{BB2A88D7-68F7-4681-80B5-BDD492DE1B81}" type="datetimeFigureOut">
               <a:rPr lang="en-AU" smtClean="0"/>
-              <a:t>20/11/2020</a:t>
+              <a:t>23/11/2020</a:t>
             </a:fld>
             <a:endParaRPr lang="en-AU"/>
           </a:p>
@@ -2648,7 +2649,7 @@
           <a:p>
             <a:fld id="{BB2A88D7-68F7-4681-80B5-BDD492DE1B81}" type="datetimeFigureOut">
               <a:rPr lang="en-AU" smtClean="0"/>
-              <a:t>20/11/2020</a:t>
+              <a:t>23/11/2020</a:t>
             </a:fld>
             <a:endParaRPr lang="en-AU"/>
           </a:p>
@@ -2901,7 +2902,7 @@
           <a:p>
             <a:fld id="{BB2A88D7-68F7-4681-80B5-BDD492DE1B81}" type="datetimeFigureOut">
               <a:rPr lang="en-AU" smtClean="0"/>
-              <a:t>20/11/2020</a:t>
+              <a:t>23/11/2020</a:t>
             </a:fld>
             <a:endParaRPr lang="en-AU"/>
           </a:p>
@@ -3114,7 +3115,7 @@
           <a:p>
             <a:fld id="{BB2A88D7-68F7-4681-80B5-BDD492DE1B81}" type="datetimeFigureOut">
               <a:rPr lang="en-AU" smtClean="0"/>
-              <a:t>20/11/2020</a:t>
+              <a:t>23/11/2020</a:t>
             </a:fld>
             <a:endParaRPr lang="en-AU"/>
           </a:p>
@@ -6088,17 +6089,7 @@
                 <a:latin typeface="Arial" panose="020B0604020202020204" pitchFamily="34" charset="0"/>
                 <a:ea typeface="Arial" panose="020B0604020202020204" pitchFamily="34" charset="0"/>
               </a:rPr>
-              <a:t>anodiam.com/teacher/addnewcourse/{userid</a:t>
-            </a:r>
-            <a:r>
-              <a:rPr lang="en-US" sz="1400" u="sng" dirty="0" smtClean="0">
-                <a:solidFill>
-                  <a:srgbClr val="0000FF"/>
-                </a:solidFill>
-                <a:latin typeface="Arial" panose="020B0604020202020204" pitchFamily="34" charset="0"/>
-                <a:ea typeface="Arial" panose="020B0604020202020204" pitchFamily="34" charset="0"/>
-              </a:rPr>
-              <a:t>}</a:t>
+              <a:t>anodiam.com/teacher/addnewcourse/{userid}</a:t>
             </a:r>
           </a:p>
         </p:txBody>
@@ -6212,21 +6203,7 @@
                 <a:latin typeface="Arial" panose="020B0604020202020204" pitchFamily="34" charset="0"/>
                 <a:ea typeface="Arial" panose="020B0604020202020204" pitchFamily="34" charset="0"/>
               </a:rPr>
-              <a:t>Confir</a:t>
-            </a:r>
-            <a:r>
-              <a:rPr lang="en-US" sz="2400" b="1" dirty="0" smtClean="0">
-                <a:latin typeface="Arial" panose="020B0604020202020204" pitchFamily="34" charset="0"/>
-                <a:ea typeface="Arial" panose="020B0604020202020204" pitchFamily="34" charset="0"/>
-              </a:rPr>
-              <a:t>m Deletion</a:t>
-            </a:r>
-            <a:r>
-              <a:rPr lang="en-US" sz="2400" b="1" dirty="0" smtClean="0">
-                <a:latin typeface="Arial" panose="020B0604020202020204" pitchFamily="34" charset="0"/>
-                <a:ea typeface="Arial" panose="020B0604020202020204" pitchFamily="34" charset="0"/>
-              </a:rPr>
-              <a:t> dialogue</a:t>
+              <a:t>Confirm Deletion dialogue</a:t>
             </a:r>
           </a:p>
           <a:p>
@@ -6315,17 +6292,7 @@
                 <a:latin typeface="Arial" panose="020B0604020202020204" pitchFamily="34" charset="0"/>
                 <a:ea typeface="Arial" panose="020B0604020202020204" pitchFamily="34" charset="0"/>
               </a:rPr>
-              <a:t>anodiam.com/teacher/addnewcourse/{userid</a:t>
-            </a:r>
-            <a:r>
-              <a:rPr lang="en-US" sz="1400" u="sng" dirty="0" smtClean="0">
-                <a:solidFill>
-                  <a:srgbClr val="0000FF"/>
-                </a:solidFill>
-                <a:latin typeface="Arial" panose="020B0604020202020204" pitchFamily="34" charset="0"/>
-                <a:ea typeface="Arial" panose="020B0604020202020204" pitchFamily="34" charset="0"/>
-              </a:rPr>
-              <a:t>}</a:t>
+              <a:t>anodiam.com/teacher/addnewcourse/{userid}</a:t>
             </a:r>
           </a:p>
         </p:txBody>
@@ -6508,17 +6475,7 @@
                 <a:latin typeface="Arial" panose="020B0604020202020204" pitchFamily="34" charset="0"/>
                 <a:ea typeface="Arial" panose="020B0604020202020204" pitchFamily="34" charset="0"/>
               </a:rPr>
-              <a:t>anodiam.com/teacher/addnewcourse/{userid</a:t>
-            </a:r>
-            <a:r>
-              <a:rPr lang="en-US" sz="1400" u="sng" dirty="0" smtClean="0">
-                <a:solidFill>
-                  <a:srgbClr val="0000FF"/>
-                </a:solidFill>
-                <a:latin typeface="Arial" panose="020B0604020202020204" pitchFamily="34" charset="0"/>
-                <a:ea typeface="Arial" panose="020B0604020202020204" pitchFamily="34" charset="0"/>
-              </a:rPr>
-              <a:t>}</a:t>
+              <a:t>anodiam.com/teacher/addnewcourse/{userid}</a:t>
             </a:r>
           </a:p>
         </p:txBody>
@@ -6701,17 +6658,7 @@
                 <a:latin typeface="Arial" panose="020B0604020202020204" pitchFamily="34" charset="0"/>
                 <a:ea typeface="Arial" panose="020B0604020202020204" pitchFamily="34" charset="0"/>
               </a:rPr>
-              <a:t>anodiam.com/teacher/addnewcourse/{userid</a:t>
-            </a:r>
-            <a:r>
-              <a:rPr lang="en-US" sz="1400" u="sng" dirty="0" smtClean="0">
-                <a:solidFill>
-                  <a:srgbClr val="0000FF"/>
-                </a:solidFill>
-                <a:latin typeface="Arial" panose="020B0604020202020204" pitchFamily="34" charset="0"/>
-                <a:ea typeface="Arial" panose="020B0604020202020204" pitchFamily="34" charset="0"/>
-              </a:rPr>
-              <a:t>}</a:t>
+              <a:t>anodiam.com/teacher/addnewcourse/{userid}</a:t>
             </a:r>
           </a:p>
         </p:txBody>
@@ -6894,17 +6841,7 @@
                 <a:latin typeface="Arial" panose="020B0604020202020204" pitchFamily="34" charset="0"/>
                 <a:ea typeface="Arial" panose="020B0604020202020204" pitchFamily="34" charset="0"/>
               </a:rPr>
-              <a:t>anodiam.com/teacher/addnewcourse/{userid</a:t>
-            </a:r>
-            <a:r>
-              <a:rPr lang="en-US" sz="1400" u="sng" dirty="0" smtClean="0">
-                <a:solidFill>
-                  <a:srgbClr val="0000FF"/>
-                </a:solidFill>
-                <a:latin typeface="Arial" panose="020B0604020202020204" pitchFamily="34" charset="0"/>
-                <a:ea typeface="Arial" panose="020B0604020202020204" pitchFamily="34" charset="0"/>
-              </a:rPr>
-              <a:t>}</a:t>
+              <a:t>anodiam.com/teacher/addnewcourse/{userid}</a:t>
             </a:r>
           </a:p>
         </p:txBody>
@@ -7087,24 +7024,14 @@
                 <a:latin typeface="Arial" panose="020B0604020202020204" pitchFamily="34" charset="0"/>
                 <a:ea typeface="Arial" panose="020B0604020202020204" pitchFamily="34" charset="0"/>
               </a:rPr>
-              <a:t>anodiam.com/teacher/addnewcourse/{userid</a:t>
-            </a:r>
-            <a:r>
-              <a:rPr lang="en-US" sz="1400" u="sng" dirty="0" smtClean="0">
-                <a:solidFill>
-                  <a:srgbClr val="0000FF"/>
-                </a:solidFill>
-                <a:latin typeface="Arial" panose="020B0604020202020204" pitchFamily="34" charset="0"/>
-                <a:ea typeface="Arial" panose="020B0604020202020204" pitchFamily="34" charset="0"/>
-              </a:rPr>
-              <a:t>}</a:t>
+              <a:t>anodiam.com/teacher/addnewcourse/{userid}</a:t>
             </a:r>
           </a:p>
         </p:txBody>
       </p:sp>
       <p:pic>
         <p:nvPicPr>
-          <p:cNvPr id="5" name="Picture 4"/>
+          <p:cNvPr id="6" name="Picture 5"/>
           <p:cNvPicPr>
             <a:picLocks noChangeAspect="1"/>
           </p:cNvPicPr>
@@ -7118,7 +7045,7 @@
         </p:blipFill>
         <p:spPr>
           <a:xfrm>
-            <a:off x="838200" y="879301"/>
+            <a:off x="838200" y="836712"/>
             <a:ext cx="7467600" cy="5934075"/>
           </a:xfrm>
           <a:prstGeom prst="rect">
@@ -7171,6 +7098,189 @@
         </p:nvSpPr>
         <p:spPr>
           <a:xfrm>
+            <a:off x="1504030" y="11870"/>
+            <a:ext cx="5898602" cy="480901"/>
+          </a:xfrm>
+          <a:prstGeom prst="rect">
+            <a:avLst/>
+          </a:prstGeom>
+        </p:spPr>
+        <p:txBody>
+          <a:bodyPr wrap="none">
+            <a:spAutoFit/>
+          </a:bodyPr>
+          <a:lstStyle/>
+          <a:p>
+            <a:pPr algn="ctr">
+              <a:lnSpc>
+                <a:spcPct val="115000"/>
+              </a:lnSpc>
+              <a:spcAft>
+                <a:spcPts val="0"/>
+              </a:spcAft>
+            </a:pPr>
+            <a:r>
+              <a:rPr lang="en-US" sz="2400" b="1" dirty="0" smtClean="0">
+                <a:latin typeface="Arial" panose="020B0604020202020204" pitchFamily="34" charset="0"/>
+                <a:ea typeface="Arial" panose="020B0604020202020204" pitchFamily="34" charset="0"/>
+              </a:rPr>
+              <a:t>Teacher App</a:t>
+            </a:r>
+            <a:r>
+              <a:rPr lang="en-US" sz="2400" b="1" dirty="0">
+                <a:latin typeface="Arial" panose="020B0604020202020204" pitchFamily="34" charset="0"/>
+                <a:ea typeface="Arial" panose="020B0604020202020204" pitchFamily="34" charset="0"/>
+              </a:rPr>
+              <a:t>: </a:t>
+            </a:r>
+            <a:r>
+              <a:rPr lang="en-US" sz="2400" b="1" dirty="0" smtClean="0">
+                <a:latin typeface="Arial" panose="020B0604020202020204" pitchFamily="34" charset="0"/>
+                <a:ea typeface="Arial" panose="020B0604020202020204" pitchFamily="34" charset="0"/>
+              </a:rPr>
+              <a:t>Approval Status dialogue</a:t>
+            </a:r>
+            <a:endParaRPr lang="en-AU" sz="2400" dirty="0">
+              <a:effectLst/>
+              <a:latin typeface="Arial" panose="020B0604020202020204" pitchFamily="34" charset="0"/>
+              <a:ea typeface="Arial" panose="020B0604020202020204" pitchFamily="34" charset="0"/>
+            </a:endParaRPr>
+          </a:p>
+        </p:txBody>
+      </p:sp>
+      <p:sp>
+        <p:nvSpPr>
+          <p:cNvPr id="3" name="Rectangle 2"/>
+          <p:cNvSpPr/>
+          <p:nvPr/>
+        </p:nvSpPr>
+        <p:spPr>
+          <a:xfrm>
+            <a:off x="431032" y="528935"/>
+            <a:ext cx="8245424" cy="307777"/>
+          </a:xfrm>
+          <a:prstGeom prst="rect">
+            <a:avLst/>
+          </a:prstGeom>
+        </p:spPr>
+        <p:txBody>
+          <a:bodyPr wrap="square">
+            <a:spAutoFit/>
+          </a:bodyPr>
+          <a:lstStyle/>
+          <a:p>
+            <a:pPr algn="ctr"/>
+            <a:r>
+              <a:rPr lang="en-US" sz="1400" dirty="0">
+                <a:latin typeface="Arial" panose="020B0604020202020204" pitchFamily="34" charset="0"/>
+                <a:ea typeface="Arial" panose="020B0604020202020204" pitchFamily="34" charset="0"/>
+              </a:rPr>
+              <a:t>Link: </a:t>
+            </a:r>
+            <a:r>
+              <a:rPr lang="en-US" sz="1400" u="sng" dirty="0">
+                <a:solidFill>
+                  <a:srgbClr val="0000FF"/>
+                </a:solidFill>
+                <a:latin typeface="Arial" panose="020B0604020202020204" pitchFamily="34" charset="0"/>
+                <a:ea typeface="Arial" panose="020B0604020202020204" pitchFamily="34" charset="0"/>
+                <a:hlinkClick r:id="rId2"/>
+              </a:rPr>
+              <a:t>https</a:t>
+            </a:r>
+            <a:r>
+              <a:rPr lang="en-US" sz="1400" u="sng" dirty="0" smtClean="0">
+                <a:solidFill>
+                  <a:srgbClr val="0000FF"/>
+                </a:solidFill>
+                <a:latin typeface="Arial" panose="020B0604020202020204" pitchFamily="34" charset="0"/>
+                <a:ea typeface="Arial" panose="020B0604020202020204" pitchFamily="34" charset="0"/>
+                <a:hlinkClick r:id="rId2"/>
+              </a:rPr>
+              <a:t>://</a:t>
+            </a:r>
+            <a:r>
+              <a:rPr lang="en-US" sz="1400" u="sng" dirty="0" smtClean="0">
+                <a:solidFill>
+                  <a:srgbClr val="0000FF"/>
+                </a:solidFill>
+                <a:latin typeface="Arial" panose="020B0604020202020204" pitchFamily="34" charset="0"/>
+                <a:ea typeface="Arial" panose="020B0604020202020204" pitchFamily="34" charset="0"/>
+              </a:rPr>
+              <a:t>anodiam.com/teacher/addnewcourse/{userid}</a:t>
+            </a:r>
+          </a:p>
+        </p:txBody>
+      </p:sp>
+      <p:pic>
+        <p:nvPicPr>
+          <p:cNvPr id="5" name="Picture 4"/>
+          <p:cNvPicPr>
+            <a:picLocks noChangeAspect="1"/>
+          </p:cNvPicPr>
+          <p:nvPr/>
+        </p:nvPicPr>
+        <p:blipFill>
+          <a:blip r:embed="rId3"/>
+          <a:stretch>
+            <a:fillRect/>
+          </a:stretch>
+        </p:blipFill>
+        <p:spPr>
+          <a:xfrm>
+            <a:off x="1143000" y="1776412"/>
+            <a:ext cx="6858000" cy="3305175"/>
+          </a:xfrm>
+          <a:prstGeom prst="rect">
+            <a:avLst/>
+          </a:prstGeom>
+        </p:spPr>
+      </p:pic>
+    </p:spTree>
+    <p:extLst>
+      <p:ext uri="{BB962C8B-B14F-4D97-AF65-F5344CB8AC3E}">
+        <p14:creationId xmlns:p14="http://schemas.microsoft.com/office/powerpoint/2010/main" val="3047434953"/>
+      </p:ext>
+    </p:extLst>
+  </p:cSld>
+  <p:clrMapOvr>
+    <a:masterClrMapping/>
+  </p:clrMapOvr>
+  <p:timing>
+    <p:tnLst>
+      <p:par>
+        <p:cTn id="1" dur="indefinite" restart="never" nodeType="tmRoot"/>
+      </p:par>
+    </p:tnLst>
+  </p:timing>
+</p:sld>
+</file>
+
+<file path=ppt/slides/slide17.xml><?xml version="1.0" encoding="utf-8"?>
+<p:sld xmlns:a="http://schemas.openxmlformats.org/drawingml/2006/main" xmlns:r="http://schemas.openxmlformats.org/officeDocument/2006/relationships" xmlns:p="http://schemas.openxmlformats.org/presentationml/2006/main">
+  <p:cSld>
+    <p:spTree>
+      <p:nvGrpSpPr>
+        <p:cNvPr id="1" name=""/>
+        <p:cNvGrpSpPr/>
+        <p:nvPr/>
+      </p:nvGrpSpPr>
+      <p:grpSpPr>
+        <a:xfrm>
+          <a:off x="0" y="0"/>
+          <a:ext cx="0" cy="0"/>
+          <a:chOff x="0" y="0"/>
+          <a:chExt cx="0" cy="0"/>
+        </a:xfrm>
+      </p:grpSpPr>
+      <p:sp>
+        <p:nvSpPr>
+          <p:cNvPr id="2" name="Rectangle 1"/>
+          <p:cNvSpPr/>
+          <p:nvPr/>
+        </p:nvSpPr>
+        <p:spPr>
+          <a:xfrm>
             <a:off x="1779633" y="332656"/>
             <a:ext cx="5347361" cy="480901"/>
           </a:xfrm>
@@ -7329,7 +7439,7 @@
 </p:sld>
 </file>
 
-<file path=ppt/slides/slide17.xml><?xml version="1.0" encoding="utf-8"?>
+<file path=ppt/slides/slide18.xml><?xml version="1.0" encoding="utf-8"?>
 <p:sld xmlns:a="http://schemas.openxmlformats.org/drawingml/2006/main" xmlns:r="http://schemas.openxmlformats.org/officeDocument/2006/relationships" xmlns:p="http://schemas.openxmlformats.org/presentationml/2006/main">
   <p:cSld>
     <p:spTree>
@@ -7512,7 +7622,7 @@
 </p:sld>
 </file>
 
-<file path=ppt/slides/slide18.xml><?xml version="1.0" encoding="utf-8"?>
+<file path=ppt/slides/slide19.xml><?xml version="1.0" encoding="utf-8"?>
 <p:sld xmlns:a="http://schemas.openxmlformats.org/drawingml/2006/main" xmlns:r="http://schemas.openxmlformats.org/officeDocument/2006/relationships" xmlns:p="http://schemas.openxmlformats.org/presentationml/2006/main">
   <p:cSld>
     <p:spTree>
@@ -7679,189 +7789,6 @@
     <p:extLst>
       <p:ext uri="{BB962C8B-B14F-4D97-AF65-F5344CB8AC3E}">
         <p14:creationId xmlns:p14="http://schemas.microsoft.com/office/powerpoint/2010/main" val="3461176707"/>
-      </p:ext>
-    </p:extLst>
-  </p:cSld>
-  <p:clrMapOvr>
-    <a:masterClrMapping/>
-  </p:clrMapOvr>
-  <p:timing>
-    <p:tnLst>
-      <p:par>
-        <p:cTn id="1" dur="indefinite" restart="never" nodeType="tmRoot"/>
-      </p:par>
-    </p:tnLst>
-  </p:timing>
-</p:sld>
-</file>
-
-<file path=ppt/slides/slide19.xml><?xml version="1.0" encoding="utf-8"?>
-<p:sld xmlns:a="http://schemas.openxmlformats.org/drawingml/2006/main" xmlns:r="http://schemas.openxmlformats.org/officeDocument/2006/relationships" xmlns:p="http://schemas.openxmlformats.org/presentationml/2006/main">
-  <p:cSld>
-    <p:spTree>
-      <p:nvGrpSpPr>
-        <p:cNvPr id="1" name=""/>
-        <p:cNvGrpSpPr/>
-        <p:nvPr/>
-      </p:nvGrpSpPr>
-      <p:grpSpPr>
-        <a:xfrm>
-          <a:off x="0" y="0"/>
-          <a:ext cx="0" cy="0"/>
-          <a:chOff x="0" y="0"/>
-          <a:chExt cx="0" cy="0"/>
-        </a:xfrm>
-      </p:grpSpPr>
-      <p:sp>
-        <p:nvSpPr>
-          <p:cNvPr id="2" name="Rectangle 1"/>
-          <p:cNvSpPr/>
-          <p:nvPr/>
-        </p:nvSpPr>
-        <p:spPr>
-          <a:xfrm>
-            <a:off x="1813300" y="332656"/>
-            <a:ext cx="5280035" cy="517065"/>
-          </a:xfrm>
-          <a:prstGeom prst="rect">
-            <a:avLst/>
-          </a:prstGeom>
-        </p:spPr>
-        <p:txBody>
-          <a:bodyPr wrap="none">
-            <a:spAutoFit/>
-          </a:bodyPr>
-          <a:lstStyle/>
-          <a:p>
-            <a:pPr algn="ctr">
-              <a:lnSpc>
-                <a:spcPct val="115000"/>
-              </a:lnSpc>
-              <a:spcAft>
-                <a:spcPts val="0"/>
-              </a:spcAft>
-            </a:pPr>
-            <a:r>
-              <a:rPr lang="en-US" sz="2400" b="1" dirty="0" smtClean="0">
-                <a:latin typeface="Arial" panose="020B0604020202020204" pitchFamily="34" charset="0"/>
-                <a:ea typeface="Arial" panose="020B0604020202020204" pitchFamily="34" charset="0"/>
-              </a:rPr>
-              <a:t>Teacher App</a:t>
-            </a:r>
-            <a:r>
-              <a:rPr lang="en-US" sz="2400" b="1" dirty="0">
-                <a:latin typeface="Arial" panose="020B0604020202020204" pitchFamily="34" charset="0"/>
-                <a:ea typeface="Arial" panose="020B0604020202020204" pitchFamily="34" charset="0"/>
-              </a:rPr>
-              <a:t>: </a:t>
-            </a:r>
-            <a:r>
-              <a:rPr lang="en-US" sz="2400" b="1" dirty="0" smtClean="0">
-                <a:latin typeface="Arial" panose="020B0604020202020204" pitchFamily="34" charset="0"/>
-                <a:ea typeface="Arial" panose="020B0604020202020204" pitchFamily="34" charset="0"/>
-              </a:rPr>
-              <a:t>Payout Reports page</a:t>
-            </a:r>
-            <a:endParaRPr lang="en-AU" sz="2400" dirty="0">
-              <a:effectLst/>
-              <a:latin typeface="Arial" panose="020B0604020202020204" pitchFamily="34" charset="0"/>
-              <a:ea typeface="Arial" panose="020B0604020202020204" pitchFamily="34" charset="0"/>
-            </a:endParaRPr>
-          </a:p>
-        </p:txBody>
-      </p:sp>
-      <p:sp>
-        <p:nvSpPr>
-          <p:cNvPr id="3" name="Rectangle 2"/>
-          <p:cNvSpPr/>
-          <p:nvPr/>
-        </p:nvSpPr>
-        <p:spPr>
-          <a:xfrm>
-            <a:off x="431032" y="849721"/>
-            <a:ext cx="8245424" cy="307777"/>
-          </a:xfrm>
-          <a:prstGeom prst="rect">
-            <a:avLst/>
-          </a:prstGeom>
-        </p:spPr>
-        <p:txBody>
-          <a:bodyPr wrap="square">
-            <a:spAutoFit/>
-          </a:bodyPr>
-          <a:lstStyle/>
-          <a:p>
-            <a:pPr algn="ctr"/>
-            <a:r>
-              <a:rPr lang="en-US" sz="1400" dirty="0">
-                <a:latin typeface="Arial" panose="020B0604020202020204" pitchFamily="34" charset="0"/>
-                <a:ea typeface="Arial" panose="020B0604020202020204" pitchFamily="34" charset="0"/>
-              </a:rPr>
-              <a:t>Link: </a:t>
-            </a:r>
-            <a:r>
-              <a:rPr lang="en-US" sz="1400" u="sng" dirty="0">
-                <a:solidFill>
-                  <a:srgbClr val="0000FF"/>
-                </a:solidFill>
-                <a:latin typeface="Arial" panose="020B0604020202020204" pitchFamily="34" charset="0"/>
-                <a:ea typeface="Arial" panose="020B0604020202020204" pitchFamily="34" charset="0"/>
-                <a:hlinkClick r:id="rId2"/>
-              </a:rPr>
-              <a:t>https</a:t>
-            </a:r>
-            <a:r>
-              <a:rPr lang="en-US" sz="1400" u="sng" dirty="0" smtClean="0">
-                <a:solidFill>
-                  <a:srgbClr val="0000FF"/>
-                </a:solidFill>
-                <a:latin typeface="Arial" panose="020B0604020202020204" pitchFamily="34" charset="0"/>
-                <a:ea typeface="Arial" panose="020B0604020202020204" pitchFamily="34" charset="0"/>
-                <a:hlinkClick r:id="rId2"/>
-              </a:rPr>
-              <a:t>://</a:t>
-            </a:r>
-            <a:r>
-              <a:rPr lang="en-US" sz="1400" u="sng" dirty="0" smtClean="0">
-                <a:solidFill>
-                  <a:srgbClr val="0000FF"/>
-                </a:solidFill>
-                <a:latin typeface="Arial" panose="020B0604020202020204" pitchFamily="34" charset="0"/>
-                <a:ea typeface="Arial" panose="020B0604020202020204" pitchFamily="34" charset="0"/>
-              </a:rPr>
-              <a:t>anodiam.com/teacher/myprofile/payouts/{userid}</a:t>
-            </a:r>
-          </a:p>
-        </p:txBody>
-      </p:sp>
-      <p:pic>
-        <p:nvPicPr>
-          <p:cNvPr id="5" name="Picture 4"/>
-          <p:cNvPicPr>
-            <a:picLocks noChangeAspect="1"/>
-          </p:cNvPicPr>
-          <p:nvPr/>
-        </p:nvPicPr>
-        <p:blipFill>
-          <a:blip r:embed="rId3"/>
-          <a:stretch>
-            <a:fillRect/>
-          </a:stretch>
-        </p:blipFill>
-        <p:spPr>
-          <a:xfrm>
-            <a:off x="838200" y="1546820"/>
-            <a:ext cx="7467600" cy="4762500"/>
-          </a:xfrm>
-          <a:prstGeom prst="rect">
-            <a:avLst/>
-          </a:prstGeom>
-        </p:spPr>
-      </p:pic>
-    </p:spTree>
-    <p:extLst>
-      <p:ext uri="{BB962C8B-B14F-4D97-AF65-F5344CB8AC3E}">
-        <p14:creationId xmlns:p14="http://schemas.microsoft.com/office/powerpoint/2010/main" val="3005973504"/>
       </p:ext>
     </p:extLst>
   </p:cSld>
@@ -8080,6 +8007,189 @@
         </p:nvSpPr>
         <p:spPr>
           <a:xfrm>
+            <a:off x="1813300" y="332656"/>
+            <a:ext cx="5280035" cy="517065"/>
+          </a:xfrm>
+          <a:prstGeom prst="rect">
+            <a:avLst/>
+          </a:prstGeom>
+        </p:spPr>
+        <p:txBody>
+          <a:bodyPr wrap="none">
+            <a:spAutoFit/>
+          </a:bodyPr>
+          <a:lstStyle/>
+          <a:p>
+            <a:pPr algn="ctr">
+              <a:lnSpc>
+                <a:spcPct val="115000"/>
+              </a:lnSpc>
+              <a:spcAft>
+                <a:spcPts val="0"/>
+              </a:spcAft>
+            </a:pPr>
+            <a:r>
+              <a:rPr lang="en-US" sz="2400" b="1" dirty="0" smtClean="0">
+                <a:latin typeface="Arial" panose="020B0604020202020204" pitchFamily="34" charset="0"/>
+                <a:ea typeface="Arial" panose="020B0604020202020204" pitchFamily="34" charset="0"/>
+              </a:rPr>
+              <a:t>Teacher App</a:t>
+            </a:r>
+            <a:r>
+              <a:rPr lang="en-US" sz="2400" b="1" dirty="0">
+                <a:latin typeface="Arial" panose="020B0604020202020204" pitchFamily="34" charset="0"/>
+                <a:ea typeface="Arial" panose="020B0604020202020204" pitchFamily="34" charset="0"/>
+              </a:rPr>
+              <a:t>: </a:t>
+            </a:r>
+            <a:r>
+              <a:rPr lang="en-US" sz="2400" b="1" dirty="0" smtClean="0">
+                <a:latin typeface="Arial" panose="020B0604020202020204" pitchFamily="34" charset="0"/>
+                <a:ea typeface="Arial" panose="020B0604020202020204" pitchFamily="34" charset="0"/>
+              </a:rPr>
+              <a:t>Payout Reports page</a:t>
+            </a:r>
+            <a:endParaRPr lang="en-AU" sz="2400" dirty="0">
+              <a:effectLst/>
+              <a:latin typeface="Arial" panose="020B0604020202020204" pitchFamily="34" charset="0"/>
+              <a:ea typeface="Arial" panose="020B0604020202020204" pitchFamily="34" charset="0"/>
+            </a:endParaRPr>
+          </a:p>
+        </p:txBody>
+      </p:sp>
+      <p:sp>
+        <p:nvSpPr>
+          <p:cNvPr id="3" name="Rectangle 2"/>
+          <p:cNvSpPr/>
+          <p:nvPr/>
+        </p:nvSpPr>
+        <p:spPr>
+          <a:xfrm>
+            <a:off x="431032" y="849721"/>
+            <a:ext cx="8245424" cy="307777"/>
+          </a:xfrm>
+          <a:prstGeom prst="rect">
+            <a:avLst/>
+          </a:prstGeom>
+        </p:spPr>
+        <p:txBody>
+          <a:bodyPr wrap="square">
+            <a:spAutoFit/>
+          </a:bodyPr>
+          <a:lstStyle/>
+          <a:p>
+            <a:pPr algn="ctr"/>
+            <a:r>
+              <a:rPr lang="en-US" sz="1400" dirty="0">
+                <a:latin typeface="Arial" panose="020B0604020202020204" pitchFamily="34" charset="0"/>
+                <a:ea typeface="Arial" panose="020B0604020202020204" pitchFamily="34" charset="0"/>
+              </a:rPr>
+              <a:t>Link: </a:t>
+            </a:r>
+            <a:r>
+              <a:rPr lang="en-US" sz="1400" u="sng" dirty="0">
+                <a:solidFill>
+                  <a:srgbClr val="0000FF"/>
+                </a:solidFill>
+                <a:latin typeface="Arial" panose="020B0604020202020204" pitchFamily="34" charset="0"/>
+                <a:ea typeface="Arial" panose="020B0604020202020204" pitchFamily="34" charset="0"/>
+                <a:hlinkClick r:id="rId2"/>
+              </a:rPr>
+              <a:t>https</a:t>
+            </a:r>
+            <a:r>
+              <a:rPr lang="en-US" sz="1400" u="sng" dirty="0" smtClean="0">
+                <a:solidFill>
+                  <a:srgbClr val="0000FF"/>
+                </a:solidFill>
+                <a:latin typeface="Arial" panose="020B0604020202020204" pitchFamily="34" charset="0"/>
+                <a:ea typeface="Arial" panose="020B0604020202020204" pitchFamily="34" charset="0"/>
+                <a:hlinkClick r:id="rId2"/>
+              </a:rPr>
+              <a:t>://</a:t>
+            </a:r>
+            <a:r>
+              <a:rPr lang="en-US" sz="1400" u="sng" dirty="0" smtClean="0">
+                <a:solidFill>
+                  <a:srgbClr val="0000FF"/>
+                </a:solidFill>
+                <a:latin typeface="Arial" panose="020B0604020202020204" pitchFamily="34" charset="0"/>
+                <a:ea typeface="Arial" panose="020B0604020202020204" pitchFamily="34" charset="0"/>
+              </a:rPr>
+              <a:t>anodiam.com/teacher/myprofile/payouts/{userid}</a:t>
+            </a:r>
+          </a:p>
+        </p:txBody>
+      </p:sp>
+      <p:pic>
+        <p:nvPicPr>
+          <p:cNvPr id="5" name="Picture 4"/>
+          <p:cNvPicPr>
+            <a:picLocks noChangeAspect="1"/>
+          </p:cNvPicPr>
+          <p:nvPr/>
+        </p:nvPicPr>
+        <p:blipFill>
+          <a:blip r:embed="rId3"/>
+          <a:stretch>
+            <a:fillRect/>
+          </a:stretch>
+        </p:blipFill>
+        <p:spPr>
+          <a:xfrm>
+            <a:off x="838200" y="1546820"/>
+            <a:ext cx="7467600" cy="4762500"/>
+          </a:xfrm>
+          <a:prstGeom prst="rect">
+            <a:avLst/>
+          </a:prstGeom>
+        </p:spPr>
+      </p:pic>
+    </p:spTree>
+    <p:extLst>
+      <p:ext uri="{BB962C8B-B14F-4D97-AF65-F5344CB8AC3E}">
+        <p14:creationId xmlns:p14="http://schemas.microsoft.com/office/powerpoint/2010/main" val="3005973504"/>
+      </p:ext>
+    </p:extLst>
+  </p:cSld>
+  <p:clrMapOvr>
+    <a:masterClrMapping/>
+  </p:clrMapOvr>
+  <p:timing>
+    <p:tnLst>
+      <p:par>
+        <p:cTn id="1" dur="indefinite" restart="never" nodeType="tmRoot"/>
+      </p:par>
+    </p:tnLst>
+  </p:timing>
+</p:sld>
+</file>
+
+<file path=ppt/slides/slide21.xml><?xml version="1.0" encoding="utf-8"?>
+<p:sld xmlns:a="http://schemas.openxmlformats.org/drawingml/2006/main" xmlns:r="http://schemas.openxmlformats.org/officeDocument/2006/relationships" xmlns:p="http://schemas.openxmlformats.org/presentationml/2006/main">
+  <p:cSld>
+    <p:spTree>
+      <p:nvGrpSpPr>
+        <p:cNvPr id="1" name=""/>
+        <p:cNvGrpSpPr/>
+        <p:nvPr/>
+      </p:nvGrpSpPr>
+      <p:grpSpPr>
+        <a:xfrm>
+          <a:off x="0" y="0"/>
+          <a:ext cx="0" cy="0"/>
+          <a:chOff x="0" y="0"/>
+          <a:chExt cx="0" cy="0"/>
+        </a:xfrm>
+      </p:grpSpPr>
+      <p:sp>
+        <p:nvSpPr>
+          <p:cNvPr id="2" name="Rectangle 1"/>
+          <p:cNvSpPr/>
+          <p:nvPr/>
+        </p:nvSpPr>
+        <p:spPr>
+          <a:xfrm>
             <a:off x="2271856" y="332656"/>
             <a:ext cx="4362926" cy="480901"/>
           </a:xfrm>
@@ -8238,7 +8348,7 @@
 </p:sld>
 </file>
 
-<file path=ppt/slides/slide21.xml><?xml version="1.0" encoding="utf-8"?>
+<file path=ppt/slides/slide22.xml><?xml version="1.0" encoding="utf-8"?>
 <p:sld xmlns:a="http://schemas.openxmlformats.org/drawingml/2006/main" xmlns:r="http://schemas.openxmlformats.org/officeDocument/2006/relationships" xmlns:p="http://schemas.openxmlformats.org/presentationml/2006/main">
   <p:cSld>
     <p:spTree>
@@ -8421,7 +8531,7 @@
 </p:sld>
 </file>
 
-<file path=ppt/slides/slide22.xml><?xml version="1.0" encoding="utf-8"?>
+<file path=ppt/slides/slide23.xml><?xml version="1.0" encoding="utf-8"?>
 <p:sld xmlns:a="http://schemas.openxmlformats.org/drawingml/2006/main" xmlns:r="http://schemas.openxmlformats.org/officeDocument/2006/relationships" xmlns:p="http://schemas.openxmlformats.org/presentationml/2006/main">
   <p:cSld>
     <p:spTree>
@@ -8596,7 +8706,7 @@
 </p:sld>
 </file>
 
-<file path=ppt/slides/slide23.xml><?xml version="1.0" encoding="utf-8"?>
+<file path=ppt/slides/slide24.xml><?xml version="1.0" encoding="utf-8"?>
 <p:sld xmlns:a="http://schemas.openxmlformats.org/drawingml/2006/main" xmlns:r="http://schemas.openxmlformats.org/officeDocument/2006/relationships" xmlns:p="http://schemas.openxmlformats.org/presentationml/2006/main">
   <p:cSld>
     <p:spTree>
@@ -8779,7 +8889,7 @@
 </p:sld>
 </file>
 
-<file path=ppt/slides/slide24.xml><?xml version="1.0" encoding="utf-8"?>
+<file path=ppt/slides/slide25.xml><?xml version="1.0" encoding="utf-8"?>
 <p:sld xmlns:a="http://schemas.openxmlformats.org/drawingml/2006/main" xmlns:r="http://schemas.openxmlformats.org/officeDocument/2006/relationships" xmlns:p="http://schemas.openxmlformats.org/presentationml/2006/main">
   <p:cSld>
     <p:spTree>
@@ -8954,7 +9064,7 @@
 </p:sld>
 </file>
 
-<file path=ppt/slides/slide25.xml><?xml version="1.0" encoding="utf-8"?>
+<file path=ppt/slides/slide26.xml><?xml version="1.0" encoding="utf-8"?>
 <p:sld xmlns:a="http://schemas.openxmlformats.org/drawingml/2006/main" xmlns:r="http://schemas.openxmlformats.org/officeDocument/2006/relationships" xmlns:p="http://schemas.openxmlformats.org/presentationml/2006/main">
   <p:cSld>
     <p:spTree>
@@ -9137,7 +9247,7 @@
 </p:sld>
 </file>
 
-<file path=ppt/slides/slide26.xml><?xml version="1.0" encoding="utf-8"?>
+<file path=ppt/slides/slide27.xml><?xml version="1.0" encoding="utf-8"?>
 <p:sld xmlns:a="http://schemas.openxmlformats.org/drawingml/2006/main" xmlns:r="http://schemas.openxmlformats.org/officeDocument/2006/relationships" xmlns:p="http://schemas.openxmlformats.org/presentationml/2006/main">
   <p:cSld>
     <p:spTree>
@@ -10388,21 +10498,7 @@
                 <a:latin typeface="Arial" panose="020B0604020202020204" pitchFamily="34" charset="0"/>
                 <a:ea typeface="Arial" panose="020B0604020202020204" pitchFamily="34" charset="0"/>
               </a:rPr>
-              <a:t>My Teacher </a:t>
-            </a:r>
-            <a:r>
-              <a:rPr lang="en-US" sz="2400" b="1" dirty="0" smtClean="0">
-                <a:latin typeface="Arial" panose="020B0604020202020204" pitchFamily="34" charset="0"/>
-                <a:ea typeface="Arial" panose="020B0604020202020204" pitchFamily="34" charset="0"/>
-              </a:rPr>
-              <a:t>Home / View All Courses </a:t>
-            </a:r>
-            <a:r>
-              <a:rPr lang="en-US" sz="2400" b="1" dirty="0" smtClean="0">
-                <a:latin typeface="Arial" panose="020B0604020202020204" pitchFamily="34" charset="0"/>
-                <a:ea typeface="Arial" panose="020B0604020202020204" pitchFamily="34" charset="0"/>
-              </a:rPr>
-              <a:t>page</a:t>
+              <a:t>My Teacher Home / View All Courses page</a:t>
             </a:r>
             <a:endParaRPr lang="en-AU" sz="2400" dirty="0">
               <a:effectLst/>
@@ -10674,17 +10770,7 @@
                 <a:latin typeface="Arial" panose="020B0604020202020204" pitchFamily="34" charset="0"/>
                 <a:ea typeface="Arial" panose="020B0604020202020204" pitchFamily="34" charset="0"/>
               </a:rPr>
-              <a:t>anodiam.com/teacher/addnewcourse/{userid</a:t>
-            </a:r>
-            <a:r>
-              <a:rPr lang="en-US" sz="1400" u="sng" dirty="0" smtClean="0">
-                <a:solidFill>
-                  <a:srgbClr val="0000FF"/>
-                </a:solidFill>
-                <a:latin typeface="Arial" panose="020B0604020202020204" pitchFamily="34" charset="0"/>
-                <a:ea typeface="Arial" panose="020B0604020202020204" pitchFamily="34" charset="0"/>
-              </a:rPr>
-              <a:t>}</a:t>
+              <a:t>anodiam.com/teacher/addnewcourse/{userid}</a:t>
             </a:r>
           </a:p>
         </p:txBody>

--- a/ProjectExecution/BA/SpecsWireframes/003TeacherAppWireframes.pptx
+++ b/ProjectExecution/BA/SpecsWireframes/003TeacherAppWireframes.pptx
@@ -135,7 +135,7 @@
   </p:defaultTextStyle>
   <p:extLst>
     <p:ext uri="{EFAFB233-063F-42B5-8137-9DF3F51BA10A}">
-      <p15:sldGuideLst xmlns:p15="http://schemas.microsoft.com/office/powerpoint/2012/main">
+      <p15:sldGuideLst xmlns:p15="http://schemas.microsoft.com/office/powerpoint/2012/main" xmlns="">
         <p15:guide id="1" orient="horz" pos="2160">
           <p15:clr>
             <a:srgbClr val="A4A3A4"/>
@@ -234,7 +234,7 @@
           <a:p>
             <a:fld id="{26483215-80E3-4A52-98A5-4C379A79CA39}" type="datetimeFigureOut">
               <a:rPr lang="en-AU" smtClean="0"/>
-              <a:t>23/11/2020</a:t>
+              <a:t>24/11/2020</a:t>
             </a:fld>
             <a:endParaRPr lang="en-AU"/>
           </a:p>
@@ -502,6 +502,373 @@
 </p:notesMaster>
 </file>
 
+<file path=ppt/notesSlides/notesSlide1.xml><?xml version="1.0" encoding="utf-8"?>
+<p:notes xmlns:a="http://schemas.openxmlformats.org/drawingml/2006/main" xmlns:r="http://schemas.openxmlformats.org/officeDocument/2006/relationships" xmlns:p="http://schemas.openxmlformats.org/presentationml/2006/main">
+  <p:cSld>
+    <p:spTree>
+      <p:nvGrpSpPr>
+        <p:cNvPr id="1" name=""/>
+        <p:cNvGrpSpPr/>
+        <p:nvPr/>
+      </p:nvGrpSpPr>
+      <p:grpSpPr>
+        <a:xfrm>
+          <a:off x="0" y="0"/>
+          <a:ext cx="0" cy="0"/>
+          <a:chOff x="0" y="0"/>
+          <a:chExt cx="0" cy="0"/>
+        </a:xfrm>
+      </p:grpSpPr>
+      <p:sp>
+        <p:nvSpPr>
+          <p:cNvPr id="2" name="Slide Image Placeholder 1"/>
+          <p:cNvSpPr>
+            <a:spLocks noGrp="1" noRot="1" noChangeAspect="1"/>
+          </p:cNvSpPr>
+          <p:nvPr>
+            <p:ph type="sldImg"/>
+          </p:nvPr>
+        </p:nvSpPr>
+        <p:spPr/>
+      </p:sp>
+      <p:sp>
+        <p:nvSpPr>
+          <p:cNvPr id="3" name="Notes Placeholder 2"/>
+          <p:cNvSpPr>
+            <a:spLocks noGrp="1"/>
+          </p:cNvSpPr>
+          <p:nvPr>
+            <p:ph type="body" idx="1"/>
+          </p:nvPr>
+        </p:nvSpPr>
+        <p:spPr/>
+        <p:txBody>
+          <a:bodyPr/>
+          <a:lstStyle/>
+          <a:p>
+            <a:r>
+              <a:rPr lang="en-AU" dirty="0" smtClean="0"/>
+              <a:t>Add scroll bar to this page </a:t>
+            </a:r>
+          </a:p>
+          <a:p>
+            <a:r>
+              <a:rPr lang="en-AU" dirty="0" smtClean="0"/>
+              <a:t>Help text for teacher</a:t>
+            </a:r>
+            <a:r>
+              <a:rPr lang="en-AU" baseline="0" dirty="0" smtClean="0"/>
+              <a:t> Id and other fields</a:t>
+            </a:r>
+          </a:p>
+          <a:p>
+            <a:r>
+              <a:rPr lang="en-AU" baseline="0" dirty="0" smtClean="0"/>
+              <a:t>Add control to check if Teacher Id exists</a:t>
+            </a:r>
+            <a:endParaRPr lang="en-AU" dirty="0"/>
+          </a:p>
+        </p:txBody>
+      </p:sp>
+      <p:sp>
+        <p:nvSpPr>
+          <p:cNvPr id="4" name="Slide Number Placeholder 3"/>
+          <p:cNvSpPr>
+            <a:spLocks noGrp="1"/>
+          </p:cNvSpPr>
+          <p:nvPr>
+            <p:ph type="sldNum" sz="quarter" idx="10"/>
+          </p:nvPr>
+        </p:nvSpPr>
+        <p:spPr/>
+        <p:txBody>
+          <a:bodyPr/>
+          <a:lstStyle/>
+          <a:p>
+            <a:fld id="{52ABDD3E-57A4-4A7C-8FEE-AE2738C669D0}" type="slidenum">
+              <a:rPr lang="en-AU" smtClean="0"/>
+              <a:t>3</a:t>
+            </a:fld>
+            <a:endParaRPr lang="en-AU"/>
+          </a:p>
+        </p:txBody>
+      </p:sp>
+    </p:spTree>
+    <p:extLst>
+      <p:ext uri="{BB962C8B-B14F-4D97-AF65-F5344CB8AC3E}">
+        <p14:creationId xmlns:p14="http://schemas.microsoft.com/office/powerpoint/2010/main" val="372032296"/>
+      </p:ext>
+    </p:extLst>
+  </p:cSld>
+  <p:clrMapOvr>
+    <a:masterClrMapping/>
+  </p:clrMapOvr>
+</p:notes>
+</file>
+
+<file path=ppt/notesSlides/notesSlide2.xml><?xml version="1.0" encoding="utf-8"?>
+<p:notes xmlns:a="http://schemas.openxmlformats.org/drawingml/2006/main" xmlns:r="http://schemas.openxmlformats.org/officeDocument/2006/relationships" xmlns:p="http://schemas.openxmlformats.org/presentationml/2006/main">
+  <p:cSld>
+    <p:spTree>
+      <p:nvGrpSpPr>
+        <p:cNvPr id="1" name=""/>
+        <p:cNvGrpSpPr/>
+        <p:nvPr/>
+      </p:nvGrpSpPr>
+      <p:grpSpPr>
+        <a:xfrm>
+          <a:off x="0" y="0"/>
+          <a:ext cx="0" cy="0"/>
+          <a:chOff x="0" y="0"/>
+          <a:chExt cx="0" cy="0"/>
+        </a:xfrm>
+      </p:grpSpPr>
+      <p:sp>
+        <p:nvSpPr>
+          <p:cNvPr id="2" name="Slide Image Placeholder 1"/>
+          <p:cNvSpPr>
+            <a:spLocks noGrp="1" noRot="1" noChangeAspect="1"/>
+          </p:cNvSpPr>
+          <p:nvPr>
+            <p:ph type="sldImg"/>
+          </p:nvPr>
+        </p:nvSpPr>
+        <p:spPr/>
+      </p:sp>
+      <p:sp>
+        <p:nvSpPr>
+          <p:cNvPr id="3" name="Notes Placeholder 2"/>
+          <p:cNvSpPr>
+            <a:spLocks noGrp="1"/>
+          </p:cNvSpPr>
+          <p:nvPr>
+            <p:ph type="body" idx="1"/>
+          </p:nvPr>
+        </p:nvSpPr>
+        <p:spPr/>
+        <p:txBody>
+          <a:bodyPr/>
+          <a:lstStyle/>
+          <a:p>
+            <a:r>
+              <a:rPr lang="en-AU" dirty="0" smtClean="0"/>
+              <a:t>Add scroll bar</a:t>
+            </a:r>
+          </a:p>
+          <a:p>
+            <a:r>
+              <a:rPr lang="en-AU" dirty="0" smtClean="0"/>
+              <a:t>Language of Course/s</a:t>
+            </a:r>
+          </a:p>
+          <a:p>
+            <a:r>
+              <a:rPr lang="en-AU" dirty="0" smtClean="0"/>
+              <a:t>Experience “in years”</a:t>
+            </a:r>
+          </a:p>
+          <a:p>
+            <a:r>
+              <a:rPr lang="en-AU" dirty="0" smtClean="0"/>
+              <a:t>Following fields should have balloon</a:t>
+            </a:r>
+            <a:r>
+              <a:rPr lang="en-AU" baseline="0" dirty="0" smtClean="0"/>
+              <a:t> help</a:t>
+            </a:r>
+          </a:p>
+          <a:p>
+            <a:pPr marL="228600" indent="-228600">
+              <a:buAutoNum type="arabicPeriod"/>
+            </a:pPr>
+            <a:r>
+              <a:rPr lang="en-AU" dirty="0" smtClean="0"/>
+              <a:t>Institution</a:t>
+            </a:r>
+          </a:p>
+          <a:p>
+            <a:pPr marL="228600" indent="-228600">
+              <a:buAutoNum type="arabicPeriod"/>
+            </a:pPr>
+            <a:r>
+              <a:rPr lang="en-AU" dirty="0" smtClean="0"/>
+              <a:t>Language</a:t>
+            </a:r>
+            <a:r>
+              <a:rPr lang="en-AU" baseline="0" dirty="0" smtClean="0"/>
+              <a:t> of medium(Language of courses)</a:t>
+            </a:r>
+          </a:p>
+          <a:p>
+            <a:pPr marL="228600" indent="-228600">
+              <a:buAutoNum type="arabicPeriod"/>
+            </a:pPr>
+            <a:r>
+              <a:rPr lang="en-AU" baseline="0" dirty="0" smtClean="0"/>
+              <a:t>Board/University </a:t>
+            </a:r>
+          </a:p>
+          <a:p>
+            <a:pPr marL="0" indent="0">
+              <a:buNone/>
+            </a:pPr>
+            <a:r>
+              <a:rPr lang="en-AU" baseline="0" dirty="0" smtClean="0"/>
+              <a:t>Bank Code : IFSC code or BSB code</a:t>
+            </a:r>
+          </a:p>
+          <a:p>
+            <a:pPr marL="228600" indent="-228600">
+              <a:buAutoNum type="arabicPeriod"/>
+            </a:pPr>
+            <a:endParaRPr lang="en-AU" dirty="0"/>
+          </a:p>
+        </p:txBody>
+      </p:sp>
+      <p:sp>
+        <p:nvSpPr>
+          <p:cNvPr id="4" name="Slide Number Placeholder 3"/>
+          <p:cNvSpPr>
+            <a:spLocks noGrp="1"/>
+          </p:cNvSpPr>
+          <p:nvPr>
+            <p:ph type="sldNum" sz="quarter" idx="10"/>
+          </p:nvPr>
+        </p:nvSpPr>
+        <p:spPr/>
+        <p:txBody>
+          <a:bodyPr/>
+          <a:lstStyle/>
+          <a:p>
+            <a:fld id="{52ABDD3E-57A4-4A7C-8FEE-AE2738C669D0}" type="slidenum">
+              <a:rPr lang="en-AU" smtClean="0"/>
+              <a:t>4</a:t>
+            </a:fld>
+            <a:endParaRPr lang="en-AU"/>
+          </a:p>
+        </p:txBody>
+      </p:sp>
+    </p:spTree>
+    <p:extLst>
+      <p:ext uri="{BB962C8B-B14F-4D97-AF65-F5344CB8AC3E}">
+        <p14:creationId xmlns:p14="http://schemas.microsoft.com/office/powerpoint/2010/main" val="3551597380"/>
+      </p:ext>
+    </p:extLst>
+  </p:cSld>
+  <p:clrMapOvr>
+    <a:masterClrMapping/>
+  </p:clrMapOvr>
+</p:notes>
+</file>
+
+<file path=ppt/notesSlides/notesSlide3.xml><?xml version="1.0" encoding="utf-8"?>
+<p:notes xmlns:a="http://schemas.openxmlformats.org/drawingml/2006/main" xmlns:r="http://schemas.openxmlformats.org/officeDocument/2006/relationships" xmlns:p="http://schemas.openxmlformats.org/presentationml/2006/main">
+  <p:cSld>
+    <p:spTree>
+      <p:nvGrpSpPr>
+        <p:cNvPr id="1" name=""/>
+        <p:cNvGrpSpPr/>
+        <p:nvPr/>
+      </p:nvGrpSpPr>
+      <p:grpSpPr>
+        <a:xfrm>
+          <a:off x="0" y="0"/>
+          <a:ext cx="0" cy="0"/>
+          <a:chOff x="0" y="0"/>
+          <a:chExt cx="0" cy="0"/>
+        </a:xfrm>
+      </p:grpSpPr>
+      <p:sp>
+        <p:nvSpPr>
+          <p:cNvPr id="2" name="Slide Image Placeholder 1"/>
+          <p:cNvSpPr>
+            <a:spLocks noGrp="1" noRot="1" noChangeAspect="1"/>
+          </p:cNvSpPr>
+          <p:nvPr>
+            <p:ph type="sldImg"/>
+          </p:nvPr>
+        </p:nvSpPr>
+        <p:spPr/>
+      </p:sp>
+      <p:sp>
+        <p:nvSpPr>
+          <p:cNvPr id="3" name="Notes Placeholder 2"/>
+          <p:cNvSpPr>
+            <a:spLocks noGrp="1"/>
+          </p:cNvSpPr>
+          <p:nvPr>
+            <p:ph type="body" idx="1"/>
+          </p:nvPr>
+        </p:nvSpPr>
+        <p:spPr/>
+        <p:txBody>
+          <a:bodyPr/>
+          <a:lstStyle/>
+          <a:p>
+            <a:r>
+              <a:rPr lang="en-AU" dirty="0" smtClean="0"/>
+              <a:t>End</a:t>
+            </a:r>
+            <a:r>
+              <a:rPr lang="en-AU" baseline="0" dirty="0" smtClean="0"/>
+              <a:t> of the acceptance of T&amp;C there will be a note saying “</a:t>
+            </a:r>
+            <a:r>
+              <a:rPr lang="en-AU" baseline="0" dirty="0" err="1" smtClean="0"/>
+              <a:t>Anodiam</a:t>
+            </a:r>
+            <a:r>
+              <a:rPr lang="en-AU" baseline="0" dirty="0" smtClean="0"/>
+              <a:t> takes </a:t>
+            </a:r>
+            <a:r>
+              <a:rPr lang="en-AU" baseline="0" dirty="0" err="1" smtClean="0"/>
+              <a:t>t&amp;c</a:t>
+            </a:r>
+            <a:r>
+              <a:rPr lang="en-AU" baseline="0" dirty="0" smtClean="0"/>
+              <a:t> very seriously and any breech of it would lead to cancellation of registration, heavy penalty, legal action or both. Copies of both the terms and conditions will be sent to the teachers in their registered email id for future reference.</a:t>
+            </a:r>
+            <a:endParaRPr lang="en-AU" dirty="0"/>
+          </a:p>
+        </p:txBody>
+      </p:sp>
+      <p:sp>
+        <p:nvSpPr>
+          <p:cNvPr id="4" name="Slide Number Placeholder 3"/>
+          <p:cNvSpPr>
+            <a:spLocks noGrp="1"/>
+          </p:cNvSpPr>
+          <p:nvPr>
+            <p:ph type="sldNum" sz="quarter" idx="10"/>
+          </p:nvPr>
+        </p:nvSpPr>
+        <p:spPr/>
+        <p:txBody>
+          <a:bodyPr/>
+          <a:lstStyle/>
+          <a:p>
+            <a:fld id="{52ABDD3E-57A4-4A7C-8FEE-AE2738C669D0}" type="slidenum">
+              <a:rPr lang="en-AU" smtClean="0"/>
+              <a:t>5</a:t>
+            </a:fld>
+            <a:endParaRPr lang="en-AU"/>
+          </a:p>
+        </p:txBody>
+      </p:sp>
+    </p:spTree>
+    <p:extLst>
+      <p:ext uri="{BB962C8B-B14F-4D97-AF65-F5344CB8AC3E}">
+        <p14:creationId xmlns:p14="http://schemas.microsoft.com/office/powerpoint/2010/main" val="3104212400"/>
+      </p:ext>
+    </p:extLst>
+  </p:cSld>
+  <p:clrMapOvr>
+    <a:masterClrMapping/>
+  </p:clrMapOvr>
+</p:notes>
+</file>
+
 <file path=ppt/slideLayouts/slideLayout1.xml><?xml version="1.0" encoding="utf-8"?>
 <p:sldLayout xmlns:a="http://schemas.openxmlformats.org/drawingml/2006/main" xmlns:r="http://schemas.openxmlformats.org/officeDocument/2006/relationships" xmlns:p="http://schemas.openxmlformats.org/presentationml/2006/main" type="title" preserve="1">
   <p:cSld name="Title Slide">
@@ -683,7 +1050,7 @@
           <a:p>
             <a:fld id="{BB2A88D7-68F7-4681-80B5-BDD492DE1B81}" type="datetimeFigureOut">
               <a:rPr lang="en-AU" smtClean="0"/>
-              <a:t>23/11/2020</a:t>
+              <a:t>24/11/2020</a:t>
             </a:fld>
             <a:endParaRPr lang="en-AU"/>
           </a:p>
@@ -853,7 +1220,7 @@
           <a:p>
             <a:fld id="{BB2A88D7-68F7-4681-80B5-BDD492DE1B81}" type="datetimeFigureOut">
               <a:rPr lang="en-AU" smtClean="0"/>
-              <a:t>23/11/2020</a:t>
+              <a:t>24/11/2020</a:t>
             </a:fld>
             <a:endParaRPr lang="en-AU"/>
           </a:p>
@@ -1033,7 +1400,7 @@
           <a:p>
             <a:fld id="{BB2A88D7-68F7-4681-80B5-BDD492DE1B81}" type="datetimeFigureOut">
               <a:rPr lang="en-AU" smtClean="0"/>
-              <a:t>23/11/2020</a:t>
+              <a:t>24/11/2020</a:t>
             </a:fld>
             <a:endParaRPr lang="en-AU"/>
           </a:p>
@@ -1203,7 +1570,7 @@
           <a:p>
             <a:fld id="{BB2A88D7-68F7-4681-80B5-BDD492DE1B81}" type="datetimeFigureOut">
               <a:rPr lang="en-AU" smtClean="0"/>
-              <a:t>23/11/2020</a:t>
+              <a:t>24/11/2020</a:t>
             </a:fld>
             <a:endParaRPr lang="en-AU"/>
           </a:p>
@@ -1449,7 +1816,7 @@
           <a:p>
             <a:fld id="{BB2A88D7-68F7-4681-80B5-BDD492DE1B81}" type="datetimeFigureOut">
               <a:rPr lang="en-AU" smtClean="0"/>
-              <a:t>23/11/2020</a:t>
+              <a:t>24/11/2020</a:t>
             </a:fld>
             <a:endParaRPr lang="en-AU"/>
           </a:p>
@@ -1737,7 +2104,7 @@
           <a:p>
             <a:fld id="{BB2A88D7-68F7-4681-80B5-BDD492DE1B81}" type="datetimeFigureOut">
               <a:rPr lang="en-AU" smtClean="0"/>
-              <a:t>23/11/2020</a:t>
+              <a:t>24/11/2020</a:t>
             </a:fld>
             <a:endParaRPr lang="en-AU"/>
           </a:p>
@@ -2159,7 +2526,7 @@
           <a:p>
             <a:fld id="{BB2A88D7-68F7-4681-80B5-BDD492DE1B81}" type="datetimeFigureOut">
               <a:rPr lang="en-AU" smtClean="0"/>
-              <a:t>23/11/2020</a:t>
+              <a:t>24/11/2020</a:t>
             </a:fld>
             <a:endParaRPr lang="en-AU"/>
           </a:p>
@@ -2277,7 +2644,7 @@
           <a:p>
             <a:fld id="{BB2A88D7-68F7-4681-80B5-BDD492DE1B81}" type="datetimeFigureOut">
               <a:rPr lang="en-AU" smtClean="0"/>
-              <a:t>23/11/2020</a:t>
+              <a:t>24/11/2020</a:t>
             </a:fld>
             <a:endParaRPr lang="en-AU"/>
           </a:p>
@@ -2372,7 +2739,7 @@
           <a:p>
             <a:fld id="{BB2A88D7-68F7-4681-80B5-BDD492DE1B81}" type="datetimeFigureOut">
               <a:rPr lang="en-AU" smtClean="0"/>
-              <a:t>23/11/2020</a:t>
+              <a:t>24/11/2020</a:t>
             </a:fld>
             <a:endParaRPr lang="en-AU"/>
           </a:p>
@@ -2649,7 +3016,7 @@
           <a:p>
             <a:fld id="{BB2A88D7-68F7-4681-80B5-BDD492DE1B81}" type="datetimeFigureOut">
               <a:rPr lang="en-AU" smtClean="0"/>
-              <a:t>23/11/2020</a:t>
+              <a:t>24/11/2020</a:t>
             </a:fld>
             <a:endParaRPr lang="en-AU"/>
           </a:p>
@@ -2902,7 +3269,7 @@
           <a:p>
             <a:fld id="{BB2A88D7-68F7-4681-80B5-BDD492DE1B81}" type="datetimeFigureOut">
               <a:rPr lang="en-AU" smtClean="0"/>
-              <a:t>23/11/2020</a:t>
+              <a:t>24/11/2020</a:t>
             </a:fld>
             <a:endParaRPr lang="en-AU"/>
           </a:p>
@@ -3115,7 +3482,7 @@
           <a:p>
             <a:fld id="{BB2A88D7-68F7-4681-80B5-BDD492DE1B81}" type="datetimeFigureOut">
               <a:rPr lang="en-AU" smtClean="0"/>
-              <a:t>23/11/2020</a:t>
+              <a:t>24/11/2020</a:t>
             </a:fld>
             <a:endParaRPr lang="en-AU"/>
           </a:p>
@@ -3622,14 +3989,14 @@
           <p:nvPr>
             <p:extLst>
               <p:ext uri="{D42A27DB-BD31-4B8C-83A1-F6EECF244321}">
-                <p14:modId xmlns:p14="http://schemas.microsoft.com/office/powerpoint/2010/main" val="1604833664"/>
+                <p14:modId xmlns:p14="http://schemas.microsoft.com/office/powerpoint/2010/main" val="4115751070"/>
               </p:ext>
             </p:extLst>
           </p:nvPr>
         </p:nvGraphicFramePr>
         <p:xfrm>
           <a:off x="1691680" y="1484784"/>
-          <a:ext cx="5943600" cy="4722368"/>
+          <a:ext cx="5943600" cy="4633153"/>
         </p:xfrm>
         <a:graphic>
           <a:graphicData uri="http://schemas.openxmlformats.org/drawingml/2006/table">
@@ -3962,7 +4329,7 @@
                           <a:latin typeface="Arial" panose="020B0604020202020204" pitchFamily="34" charset="0"/>
                           <a:cs typeface="Arial" panose="020B0604020202020204" pitchFamily="34" charset="0"/>
                         </a:rPr>
-                        <a:t>13/11/2020</a:t>
+                        <a:t>24/11/2020</a:t>
                       </a:r>
                       <a:endParaRPr lang="en-AU" sz="1200" dirty="0">
                         <a:effectLst/>
@@ -9533,7 +9900,7 @@
                 </a:solidFill>
                 <a:latin typeface="Arial" panose="020B0604020202020204" pitchFamily="34" charset="0"/>
                 <a:ea typeface="Arial" panose="020B0604020202020204" pitchFamily="34" charset="0"/>
-                <a:hlinkClick r:id="rId2"/>
+                <a:hlinkClick r:id="rId3"/>
               </a:rPr>
               <a:t>https</a:t>
             </a:r>
@@ -9544,7 +9911,7 @@
                 </a:solidFill>
                 <a:latin typeface="Arial" panose="020B0604020202020204" pitchFamily="34" charset="0"/>
                 <a:ea typeface="Arial" panose="020B0604020202020204" pitchFamily="34" charset="0"/>
-                <a:hlinkClick r:id="rId2"/>
+                <a:hlinkClick r:id="rId3"/>
               </a:rPr>
               <a:t>://</a:t>
             </a:r>
@@ -9571,7 +9938,7 @@
           <p:nvPr/>
         </p:nvPicPr>
         <p:blipFill>
-          <a:blip r:embed="rId3"/>
+          <a:blip r:embed="rId4"/>
           <a:stretch>
             <a:fillRect/>
           </a:stretch>
@@ -9717,7 +10084,7 @@
                 </a:solidFill>
                 <a:latin typeface="Arial" panose="020B0604020202020204" pitchFamily="34" charset="0"/>
                 <a:ea typeface="Arial" panose="020B0604020202020204" pitchFamily="34" charset="0"/>
-                <a:hlinkClick r:id="rId2"/>
+                <a:hlinkClick r:id="rId3"/>
               </a:rPr>
               <a:t>https</a:t>
             </a:r>
@@ -9728,7 +10095,7 @@
                 </a:solidFill>
                 <a:latin typeface="Arial" panose="020B0604020202020204" pitchFamily="34" charset="0"/>
                 <a:ea typeface="Arial" panose="020B0604020202020204" pitchFamily="34" charset="0"/>
-                <a:hlinkClick r:id="rId2"/>
+                <a:hlinkClick r:id="rId3"/>
               </a:rPr>
               <a:t>://</a:t>
             </a:r>
@@ -9755,7 +10122,7 @@
           <p:nvPr/>
         </p:nvPicPr>
         <p:blipFill>
-          <a:blip r:embed="rId3"/>
+          <a:blip r:embed="rId4"/>
           <a:stretch>
             <a:fillRect/>
           </a:stretch>
@@ -9874,7 +10241,7 @@
           <p:nvPr/>
         </p:nvPicPr>
         <p:blipFill>
-          <a:blip r:embed="rId2"/>
+          <a:blip r:embed="rId3"/>
           <a:stretch>
             <a:fillRect/>
           </a:stretch>
@@ -9930,7 +10297,7 @@
                 </a:solidFill>
                 <a:latin typeface="Arial" panose="020B0604020202020204" pitchFamily="34" charset="0"/>
                 <a:ea typeface="Arial" panose="020B0604020202020204" pitchFamily="34" charset="0"/>
-                <a:hlinkClick r:id="rId3"/>
+                <a:hlinkClick r:id="rId4"/>
               </a:rPr>
               <a:t>https</a:t>
             </a:r>
@@ -9941,7 +10308,7 @@
                 </a:solidFill>
                 <a:latin typeface="Arial" panose="020B0604020202020204" pitchFamily="34" charset="0"/>
                 <a:ea typeface="Arial" panose="020B0604020202020204" pitchFamily="34" charset="0"/>
-                <a:hlinkClick r:id="rId3"/>
+                <a:hlinkClick r:id="rId4"/>
               </a:rPr>
               <a:t>://</a:t>
             </a:r>

--- a/ProjectExecution/BA/SpecsWireframes/003TeacherAppWireframes.pptx
+++ b/ProjectExecution/BA/SpecsWireframes/003TeacherAppWireframes.pptx
@@ -135,7 +135,7 @@
   </p:defaultTextStyle>
   <p:extLst>
     <p:ext uri="{EFAFB233-063F-42B5-8137-9DF3F51BA10A}">
-      <p15:sldGuideLst xmlns:p15="http://schemas.microsoft.com/office/powerpoint/2012/main" xmlns="">
+      <p15:sldGuideLst xmlns:p15="http://schemas.microsoft.com/office/powerpoint/2012/main">
         <p15:guide id="1" orient="horz" pos="2160">
           <p15:clr>
             <a:srgbClr val="A4A3A4"/>
@@ -546,26 +546,6 @@
           <a:bodyPr/>
           <a:lstStyle/>
           <a:p>
-            <a:r>
-              <a:rPr lang="en-AU" dirty="0" smtClean="0"/>
-              <a:t>Add scroll bar to this page </a:t>
-            </a:r>
-          </a:p>
-          <a:p>
-            <a:r>
-              <a:rPr lang="en-AU" dirty="0" smtClean="0"/>
-              <a:t>Help text for teacher</a:t>
-            </a:r>
-            <a:r>
-              <a:rPr lang="en-AU" baseline="0" dirty="0" smtClean="0"/>
-              <a:t> Id and other fields</a:t>
-            </a:r>
-          </a:p>
-          <a:p>
-            <a:r>
-              <a:rPr lang="en-AU" baseline="0" dirty="0" smtClean="0"/>
-              <a:t>Add control to check if Teacher Id exists</a:t>
-            </a:r>
             <a:endParaRPr lang="en-AU" dirty="0"/>
           </a:p>
         </p:txBody>
@@ -3996,7 +3976,7 @@
         </p:nvGraphicFramePr>
         <p:xfrm>
           <a:off x="1691680" y="1484784"/>
-          <a:ext cx="5943600" cy="4633153"/>
+          <a:ext cx="5943600" cy="4722368"/>
         </p:xfrm>
         <a:graphic>
           <a:graphicData uri="http://schemas.openxmlformats.org/drawingml/2006/table">
@@ -9931,7 +9911,7 @@
       </p:sp>
       <p:pic>
         <p:nvPicPr>
-          <p:cNvPr id="5" name="Picture 4"/>
+          <p:cNvPr id="4" name="Picture 3"/>
           <p:cNvPicPr>
             <a:picLocks noChangeAspect="1"/>
           </p:cNvPicPr>
@@ -10131,6 +10111,30 @@
           <a:xfrm>
             <a:off x="857250" y="1916832"/>
             <a:ext cx="7429500" cy="4133850"/>
+          </a:xfrm>
+          <a:prstGeom prst="rect">
+            <a:avLst/>
+          </a:prstGeom>
+        </p:spPr>
+      </p:pic>
+      <p:pic>
+        <p:nvPicPr>
+          <p:cNvPr id="3" name="Picture 2"/>
+          <p:cNvPicPr>
+            <a:picLocks noChangeAspect="1"/>
+          </p:cNvPicPr>
+          <p:nvPr/>
+        </p:nvPicPr>
+        <p:blipFill>
+          <a:blip r:embed="rId5"/>
+          <a:stretch>
+            <a:fillRect/>
+          </a:stretch>
+        </p:blipFill>
+        <p:spPr>
+          <a:xfrm>
+            <a:off x="857250" y="1247775"/>
+            <a:ext cx="7429500" cy="4362450"/>
           </a:xfrm>
           <a:prstGeom prst="rect">
             <a:avLst/>

--- a/ProjectExecution/BA/SpecsWireframes/003TeacherAppWireframes.pptx
+++ b/ProjectExecution/BA/SpecsWireframes/003TeacherAppWireframes.pptx
@@ -234,7 +234,7 @@
           <a:p>
             <a:fld id="{26483215-80E3-4A52-98A5-4C379A79CA39}" type="datetimeFigureOut">
               <a:rPr lang="en-AU" smtClean="0"/>
-              <a:t>24/11/2020</a:t>
+              <a:t>25/11/2020</a:t>
             </a:fld>
             <a:endParaRPr lang="en-AU"/>
           </a:p>
@@ -630,76 +630,8 @@
           <a:bodyPr/>
           <a:lstStyle/>
           <a:p>
-            <a:r>
-              <a:rPr lang="en-AU" dirty="0" smtClean="0"/>
-              <a:t>Add scroll bar</a:t>
-            </a:r>
-          </a:p>
-          <a:p>
-            <a:r>
-              <a:rPr lang="en-AU" dirty="0" smtClean="0"/>
-              <a:t>Language of Course/s</a:t>
-            </a:r>
-          </a:p>
-          <a:p>
-            <a:r>
-              <a:rPr lang="en-AU" dirty="0" smtClean="0"/>
-              <a:t>Experience “in years”</a:t>
-            </a:r>
-          </a:p>
-          <a:p>
-            <a:r>
-              <a:rPr lang="en-AU" dirty="0" smtClean="0"/>
-              <a:t>Following fields should have balloon</a:t>
-            </a:r>
-            <a:r>
-              <a:rPr lang="en-AU" baseline="0" dirty="0" smtClean="0"/>
-              <a:t> help</a:t>
-            </a:r>
-          </a:p>
-          <a:p>
-            <a:pPr marL="228600" indent="-228600">
-              <a:buAutoNum type="arabicPeriod"/>
-            </a:pPr>
-            <a:r>
-              <a:rPr lang="en-AU" dirty="0" smtClean="0"/>
-              <a:t>Institution</a:t>
-            </a:r>
-          </a:p>
-          <a:p>
-            <a:pPr marL="228600" indent="-228600">
-              <a:buAutoNum type="arabicPeriod"/>
-            </a:pPr>
-            <a:r>
-              <a:rPr lang="en-AU" dirty="0" smtClean="0"/>
-              <a:t>Language</a:t>
-            </a:r>
-            <a:r>
-              <a:rPr lang="en-AU" baseline="0" dirty="0" smtClean="0"/>
-              <a:t> of medium(Language of courses)</a:t>
-            </a:r>
-          </a:p>
-          <a:p>
-            <a:pPr marL="228600" indent="-228600">
-              <a:buAutoNum type="arabicPeriod"/>
-            </a:pPr>
-            <a:r>
-              <a:rPr lang="en-AU" baseline="0" dirty="0" smtClean="0"/>
-              <a:t>Board/University </a:t>
-            </a:r>
-          </a:p>
-          <a:p>
             <a:pPr marL="0" indent="0">
               <a:buNone/>
-            </a:pPr>
-            <a:r>
-              <a:rPr lang="en-AU" baseline="0" dirty="0" smtClean="0"/>
-              <a:t>Bank Code : IFSC code or BSB code</a:t>
-            </a:r>
-          </a:p>
-          <a:p>
-            <a:pPr marL="228600" indent="-228600">
-              <a:buAutoNum type="arabicPeriod"/>
             </a:pPr>
             <a:endParaRPr lang="en-AU" dirty="0"/>
           </a:p>
@@ -785,30 +717,6 @@
           <a:bodyPr/>
           <a:lstStyle/>
           <a:p>
-            <a:r>
-              <a:rPr lang="en-AU" dirty="0" smtClean="0"/>
-              <a:t>End</a:t>
-            </a:r>
-            <a:r>
-              <a:rPr lang="en-AU" baseline="0" dirty="0" smtClean="0"/>
-              <a:t> of the acceptance of T&amp;C there will be a note saying “</a:t>
-            </a:r>
-            <a:r>
-              <a:rPr lang="en-AU" baseline="0" dirty="0" err="1" smtClean="0"/>
-              <a:t>Anodiam</a:t>
-            </a:r>
-            <a:r>
-              <a:rPr lang="en-AU" baseline="0" dirty="0" smtClean="0"/>
-              <a:t> takes </a:t>
-            </a:r>
-            <a:r>
-              <a:rPr lang="en-AU" baseline="0" dirty="0" err="1" smtClean="0"/>
-              <a:t>t&amp;c</a:t>
-            </a:r>
-            <a:r>
-              <a:rPr lang="en-AU" baseline="0" dirty="0" smtClean="0"/>
-              <a:t> very seriously and any breech of it would lead to cancellation of registration, heavy penalty, legal action or both. Copies of both the terms and conditions will be sent to the teachers in their registered email id for future reference.</a:t>
-            </a:r>
             <a:endParaRPr lang="en-AU" dirty="0"/>
           </a:p>
         </p:txBody>
@@ -1030,7 +938,7 @@
           <a:p>
             <a:fld id="{BB2A88D7-68F7-4681-80B5-BDD492DE1B81}" type="datetimeFigureOut">
               <a:rPr lang="en-AU" smtClean="0"/>
-              <a:t>24/11/2020</a:t>
+              <a:t>25/11/2020</a:t>
             </a:fld>
             <a:endParaRPr lang="en-AU"/>
           </a:p>
@@ -1200,7 +1108,7 @@
           <a:p>
             <a:fld id="{BB2A88D7-68F7-4681-80B5-BDD492DE1B81}" type="datetimeFigureOut">
               <a:rPr lang="en-AU" smtClean="0"/>
-              <a:t>24/11/2020</a:t>
+              <a:t>25/11/2020</a:t>
             </a:fld>
             <a:endParaRPr lang="en-AU"/>
           </a:p>
@@ -1380,7 +1288,7 @@
           <a:p>
             <a:fld id="{BB2A88D7-68F7-4681-80B5-BDD492DE1B81}" type="datetimeFigureOut">
               <a:rPr lang="en-AU" smtClean="0"/>
-              <a:t>24/11/2020</a:t>
+              <a:t>25/11/2020</a:t>
             </a:fld>
             <a:endParaRPr lang="en-AU"/>
           </a:p>
@@ -1550,7 +1458,7 @@
           <a:p>
             <a:fld id="{BB2A88D7-68F7-4681-80B5-BDD492DE1B81}" type="datetimeFigureOut">
               <a:rPr lang="en-AU" smtClean="0"/>
-              <a:t>24/11/2020</a:t>
+              <a:t>25/11/2020</a:t>
             </a:fld>
             <a:endParaRPr lang="en-AU"/>
           </a:p>
@@ -1796,7 +1704,7 @@
           <a:p>
             <a:fld id="{BB2A88D7-68F7-4681-80B5-BDD492DE1B81}" type="datetimeFigureOut">
               <a:rPr lang="en-AU" smtClean="0"/>
-              <a:t>24/11/2020</a:t>
+              <a:t>25/11/2020</a:t>
             </a:fld>
             <a:endParaRPr lang="en-AU"/>
           </a:p>
@@ -2084,7 +1992,7 @@
           <a:p>
             <a:fld id="{BB2A88D7-68F7-4681-80B5-BDD492DE1B81}" type="datetimeFigureOut">
               <a:rPr lang="en-AU" smtClean="0"/>
-              <a:t>24/11/2020</a:t>
+              <a:t>25/11/2020</a:t>
             </a:fld>
             <a:endParaRPr lang="en-AU"/>
           </a:p>
@@ -2506,7 +2414,7 @@
           <a:p>
             <a:fld id="{BB2A88D7-68F7-4681-80B5-BDD492DE1B81}" type="datetimeFigureOut">
               <a:rPr lang="en-AU" smtClean="0"/>
-              <a:t>24/11/2020</a:t>
+              <a:t>25/11/2020</a:t>
             </a:fld>
             <a:endParaRPr lang="en-AU"/>
           </a:p>
@@ -2624,7 +2532,7 @@
           <a:p>
             <a:fld id="{BB2A88D7-68F7-4681-80B5-BDD492DE1B81}" type="datetimeFigureOut">
               <a:rPr lang="en-AU" smtClean="0"/>
-              <a:t>24/11/2020</a:t>
+              <a:t>25/11/2020</a:t>
             </a:fld>
             <a:endParaRPr lang="en-AU"/>
           </a:p>
@@ -2719,7 +2627,7 @@
           <a:p>
             <a:fld id="{BB2A88D7-68F7-4681-80B5-BDD492DE1B81}" type="datetimeFigureOut">
               <a:rPr lang="en-AU" smtClean="0"/>
-              <a:t>24/11/2020</a:t>
+              <a:t>25/11/2020</a:t>
             </a:fld>
             <a:endParaRPr lang="en-AU"/>
           </a:p>
@@ -2996,7 +2904,7 @@
           <a:p>
             <a:fld id="{BB2A88D7-68F7-4681-80B5-BDD492DE1B81}" type="datetimeFigureOut">
               <a:rPr lang="en-AU" smtClean="0"/>
-              <a:t>24/11/2020</a:t>
+              <a:t>25/11/2020</a:t>
             </a:fld>
             <a:endParaRPr lang="en-AU"/>
           </a:p>
@@ -3249,7 +3157,7 @@
           <a:p>
             <a:fld id="{BB2A88D7-68F7-4681-80B5-BDD492DE1B81}" type="datetimeFigureOut">
               <a:rPr lang="en-AU" smtClean="0"/>
-              <a:t>24/11/2020</a:t>
+              <a:t>25/11/2020</a:t>
             </a:fld>
             <a:endParaRPr lang="en-AU"/>
           </a:p>
@@ -3462,7 +3370,7 @@
           <a:p>
             <a:fld id="{BB2A88D7-68F7-4681-80B5-BDD492DE1B81}" type="datetimeFigureOut">
               <a:rPr lang="en-AU" smtClean="0"/>
-              <a:t>24/11/2020</a:t>
+              <a:t>25/11/2020</a:t>
             </a:fld>
             <a:endParaRPr lang="en-AU"/>
           </a:p>
@@ -7195,7 +7103,7 @@
       </p:sp>
       <p:pic>
         <p:nvPicPr>
-          <p:cNvPr id="9" name="Picture 8"/>
+          <p:cNvPr id="4" name="Picture 3"/>
           <p:cNvPicPr>
             <a:picLocks noChangeAspect="1"/>
           </p:cNvPicPr>
@@ -7209,7 +7117,7 @@
         </p:blipFill>
         <p:spPr>
           <a:xfrm>
-            <a:off x="838666" y="880043"/>
+            <a:off x="899592" y="836712"/>
             <a:ext cx="7466667" cy="5933333"/>
           </a:xfrm>
           <a:prstGeom prst="rect">
@@ -9794,8 +9702,8 @@
         </p:nvSpPr>
         <p:spPr>
           <a:xfrm>
-            <a:off x="910993" y="332656"/>
-            <a:ext cx="7084633" cy="517065"/>
+            <a:off x="1117785" y="332656"/>
+            <a:ext cx="6671057" cy="905633"/>
           </a:xfrm>
           <a:prstGeom prst="rect">
             <a:avLst/>
@@ -9834,7 +9742,31 @@
                 <a:latin typeface="Arial" panose="020B0604020202020204" pitchFamily="34" charset="0"/>
                 <a:ea typeface="Arial" panose="020B0604020202020204" pitchFamily="34" charset="0"/>
               </a:rPr>
-              <a:t>Signup – Teacher Details page - 1</a:t>
+              <a:t>Signup – Teacher </a:t>
+            </a:r>
+            <a:r>
+              <a:rPr lang="en-US" sz="2400" b="1" dirty="0" smtClean="0">
+                <a:latin typeface="Arial" panose="020B0604020202020204" pitchFamily="34" charset="0"/>
+                <a:ea typeface="Arial" panose="020B0604020202020204" pitchFamily="34" charset="0"/>
+              </a:rPr>
+              <a:t>Signup page</a:t>
+            </a:r>
+          </a:p>
+          <a:p>
+            <a:pPr algn="ctr">
+              <a:lnSpc>
+                <a:spcPct val="115000"/>
+              </a:lnSpc>
+              <a:spcAft>
+                <a:spcPts val="0"/>
+              </a:spcAft>
+            </a:pPr>
+            <a:r>
+              <a:rPr lang="en-US" sz="2400" b="1" dirty="0" smtClean="0">
+                <a:latin typeface="Arial" panose="020B0604020202020204" pitchFamily="34" charset="0"/>
+                <a:ea typeface="Arial" panose="020B0604020202020204" pitchFamily="34" charset="0"/>
+              </a:rPr>
+              <a:t>Personal details section</a:t>
             </a:r>
             <a:endParaRPr lang="en-AU" sz="2400" dirty="0">
               <a:effectLst/>
@@ -9852,7 +9784,7 @@
         </p:nvSpPr>
         <p:spPr>
           <a:xfrm>
-            <a:off x="431032" y="849721"/>
+            <a:off x="431032" y="1196752"/>
             <a:ext cx="8245424" cy="307777"/>
           </a:xfrm>
           <a:prstGeom prst="rect">
@@ -9972,71 +9904,13 @@
       </p:grpSpPr>
       <p:sp>
         <p:nvSpPr>
-          <p:cNvPr id="2" name="Rectangle 1"/>
-          <p:cNvSpPr/>
-          <p:nvPr/>
-        </p:nvSpPr>
-        <p:spPr>
-          <a:xfrm>
-            <a:off x="407653" y="332656"/>
-            <a:ext cx="8091318" cy="480901"/>
-          </a:xfrm>
-          <a:prstGeom prst="rect">
-            <a:avLst/>
-          </a:prstGeom>
-        </p:spPr>
-        <p:txBody>
-          <a:bodyPr wrap="none">
-            <a:spAutoFit/>
-          </a:bodyPr>
-          <a:lstStyle/>
-          <a:p>
-            <a:pPr algn="ctr">
-              <a:lnSpc>
-                <a:spcPct val="115000"/>
-              </a:lnSpc>
-              <a:spcAft>
-                <a:spcPts val="0"/>
-              </a:spcAft>
-            </a:pPr>
-            <a:r>
-              <a:rPr lang="en-US" sz="2400" b="1" dirty="0" smtClean="0">
-                <a:latin typeface="Arial" panose="020B0604020202020204" pitchFamily="34" charset="0"/>
-                <a:ea typeface="Arial" panose="020B0604020202020204" pitchFamily="34" charset="0"/>
-              </a:rPr>
-              <a:t>Teacher App</a:t>
-            </a:r>
-            <a:r>
-              <a:rPr lang="en-US" sz="2400" b="1" dirty="0">
-                <a:latin typeface="Arial" panose="020B0604020202020204" pitchFamily="34" charset="0"/>
-                <a:ea typeface="Arial" panose="020B0604020202020204" pitchFamily="34" charset="0"/>
-              </a:rPr>
-              <a:t>: </a:t>
-            </a:r>
-            <a:r>
-              <a:rPr lang="en-US" sz="2400" b="1" dirty="0" smtClean="0">
-                <a:latin typeface="Arial" panose="020B0604020202020204" pitchFamily="34" charset="0"/>
-                <a:ea typeface="Arial" panose="020B0604020202020204" pitchFamily="34" charset="0"/>
-              </a:rPr>
-              <a:t>Signup – Teacher Details page contd. - 2</a:t>
-            </a:r>
-            <a:endParaRPr lang="en-AU" sz="2400" dirty="0">
-              <a:effectLst/>
-              <a:latin typeface="Arial" panose="020B0604020202020204" pitchFamily="34" charset="0"/>
-              <a:ea typeface="Arial" panose="020B0604020202020204" pitchFamily="34" charset="0"/>
-            </a:endParaRPr>
-          </a:p>
-        </p:txBody>
-      </p:sp>
-      <p:sp>
-        <p:nvSpPr>
           <p:cNvPr id="6" name="Rectangle 5"/>
           <p:cNvSpPr/>
           <p:nvPr/>
         </p:nvSpPr>
         <p:spPr>
           <a:xfrm>
-            <a:off x="431032" y="849721"/>
+            <a:off x="431032" y="1393031"/>
             <a:ext cx="8245424" cy="307777"/>
           </a:xfrm>
           <a:prstGeom prst="rect">
@@ -10095,7 +9969,7 @@
       </p:sp>
       <p:pic>
         <p:nvPicPr>
-          <p:cNvPr id="5" name="Picture 4"/>
+          <p:cNvPr id="3" name="Picture 2"/>
           <p:cNvPicPr>
             <a:picLocks noChangeAspect="1"/>
           </p:cNvPicPr>
@@ -10109,38 +9983,96 @@
         </p:blipFill>
         <p:spPr>
           <a:xfrm>
-            <a:off x="857250" y="1916832"/>
-            <a:ext cx="7429500" cy="4133850"/>
+            <a:off x="857714" y="2019423"/>
+            <a:ext cx="7428571" cy="4361905"/>
           </a:xfrm>
           <a:prstGeom prst="rect">
             <a:avLst/>
           </a:prstGeom>
         </p:spPr>
       </p:pic>
-      <p:pic>
-        <p:nvPicPr>
-          <p:cNvPr id="3" name="Picture 2"/>
-          <p:cNvPicPr>
-            <a:picLocks noChangeAspect="1"/>
-          </p:cNvPicPr>
+      <p:sp>
+        <p:nvSpPr>
+          <p:cNvPr id="7" name="Rectangle 6"/>
+          <p:cNvSpPr/>
           <p:nvPr/>
-        </p:nvPicPr>
-        <p:blipFill>
-          <a:blip r:embed="rId5"/>
-          <a:stretch>
-            <a:fillRect/>
-          </a:stretch>
-        </p:blipFill>
+        </p:nvSpPr>
         <p:spPr>
           <a:xfrm>
-            <a:off x="857250" y="1247775"/>
-            <a:ext cx="7429500" cy="4362450"/>
+            <a:off x="1117785" y="332656"/>
+            <a:ext cx="6671057" cy="941796"/>
           </a:xfrm>
           <a:prstGeom prst="rect">
             <a:avLst/>
           </a:prstGeom>
         </p:spPr>
-      </p:pic>
+        <p:txBody>
+          <a:bodyPr wrap="none">
+            <a:spAutoFit/>
+          </a:bodyPr>
+          <a:lstStyle/>
+          <a:p>
+            <a:pPr algn="ctr">
+              <a:lnSpc>
+                <a:spcPct val="115000"/>
+              </a:lnSpc>
+              <a:spcAft>
+                <a:spcPts val="0"/>
+              </a:spcAft>
+            </a:pPr>
+            <a:r>
+              <a:rPr lang="en-US" sz="2400" b="1" dirty="0" smtClean="0">
+                <a:latin typeface="Arial" panose="020B0604020202020204" pitchFamily="34" charset="0"/>
+                <a:ea typeface="Arial" panose="020B0604020202020204" pitchFamily="34" charset="0"/>
+              </a:rPr>
+              <a:t>Teacher App</a:t>
+            </a:r>
+            <a:r>
+              <a:rPr lang="en-US" sz="2400" b="1" dirty="0">
+                <a:latin typeface="Arial" panose="020B0604020202020204" pitchFamily="34" charset="0"/>
+                <a:ea typeface="Arial" panose="020B0604020202020204" pitchFamily="34" charset="0"/>
+              </a:rPr>
+              <a:t>: </a:t>
+            </a:r>
+            <a:r>
+              <a:rPr lang="en-US" sz="2400" b="1" dirty="0" smtClean="0">
+                <a:latin typeface="Arial" panose="020B0604020202020204" pitchFamily="34" charset="0"/>
+                <a:ea typeface="Arial" panose="020B0604020202020204" pitchFamily="34" charset="0"/>
+              </a:rPr>
+              <a:t>Signup – Teacher </a:t>
+            </a:r>
+            <a:r>
+              <a:rPr lang="en-US" sz="2400" b="1" dirty="0" smtClean="0">
+                <a:latin typeface="Arial" panose="020B0604020202020204" pitchFamily="34" charset="0"/>
+                <a:ea typeface="Arial" panose="020B0604020202020204" pitchFamily="34" charset="0"/>
+              </a:rPr>
+              <a:t>Signup page</a:t>
+            </a:r>
+          </a:p>
+          <a:p>
+            <a:pPr algn="ctr">
+              <a:lnSpc>
+                <a:spcPct val="115000"/>
+              </a:lnSpc>
+              <a:spcAft>
+                <a:spcPts val="0"/>
+              </a:spcAft>
+            </a:pPr>
+            <a:r>
+              <a:rPr lang="en-US" sz="2400" b="1" dirty="0" smtClean="0">
+                <a:latin typeface="Arial" panose="020B0604020202020204" pitchFamily="34" charset="0"/>
+                <a:ea typeface="Arial" panose="020B0604020202020204" pitchFamily="34" charset="0"/>
+              </a:rPr>
+              <a:t>Professional and Financial details section</a:t>
+            </a:r>
+            <a:endParaRPr lang="en-AU" sz="2400" dirty="0">
+              <a:effectLst/>
+              <a:latin typeface="Arial" panose="020B0604020202020204" pitchFamily="34" charset="0"/>
+              <a:ea typeface="Arial" panose="020B0604020202020204" pitchFamily="34" charset="0"/>
+            </a:endParaRPr>
+          </a:p>
+        </p:txBody>
+      </p:sp>
     </p:spTree>
     <p:extLst>
       <p:ext uri="{BB962C8B-B14F-4D97-AF65-F5344CB8AC3E}">
@@ -10180,14 +10112,79 @@
       </p:grpSpPr>
       <p:sp>
         <p:nvSpPr>
-          <p:cNvPr id="2" name="Rectangle 1"/>
+          <p:cNvPr id="5" name="Rectangle 4"/>
           <p:cNvSpPr/>
           <p:nvPr/>
         </p:nvSpPr>
         <p:spPr>
           <a:xfrm>
-            <a:off x="407653" y="332656"/>
-            <a:ext cx="8091318" cy="480901"/>
+            <a:off x="431032" y="1340768"/>
+            <a:ext cx="8245424" cy="307777"/>
+          </a:xfrm>
+          <a:prstGeom prst="rect">
+            <a:avLst/>
+          </a:prstGeom>
+        </p:spPr>
+        <p:txBody>
+          <a:bodyPr wrap="square">
+            <a:spAutoFit/>
+          </a:bodyPr>
+          <a:lstStyle/>
+          <a:p>
+            <a:pPr algn="ctr"/>
+            <a:r>
+              <a:rPr lang="en-US" sz="1400" dirty="0">
+                <a:latin typeface="Arial" panose="020B0604020202020204" pitchFamily="34" charset="0"/>
+                <a:ea typeface="Arial" panose="020B0604020202020204" pitchFamily="34" charset="0"/>
+              </a:rPr>
+              <a:t>Link: </a:t>
+            </a:r>
+            <a:r>
+              <a:rPr lang="en-US" sz="1400" u="sng" dirty="0">
+                <a:solidFill>
+                  <a:srgbClr val="0000FF"/>
+                </a:solidFill>
+                <a:latin typeface="Arial" panose="020B0604020202020204" pitchFamily="34" charset="0"/>
+                <a:ea typeface="Arial" panose="020B0604020202020204" pitchFamily="34" charset="0"/>
+                <a:hlinkClick r:id="rId3"/>
+              </a:rPr>
+              <a:t>https</a:t>
+            </a:r>
+            <a:r>
+              <a:rPr lang="en-US" sz="1400" u="sng" dirty="0" smtClean="0">
+                <a:solidFill>
+                  <a:srgbClr val="0000FF"/>
+                </a:solidFill>
+                <a:latin typeface="Arial" panose="020B0604020202020204" pitchFamily="34" charset="0"/>
+                <a:ea typeface="Arial" panose="020B0604020202020204" pitchFamily="34" charset="0"/>
+                <a:hlinkClick r:id="rId3"/>
+              </a:rPr>
+              <a:t>://</a:t>
+            </a:r>
+            <a:r>
+              <a:rPr lang="en-US" sz="1400" u="sng" dirty="0" smtClean="0">
+                <a:solidFill>
+                  <a:srgbClr val="0000FF"/>
+                </a:solidFill>
+                <a:latin typeface="Arial" panose="020B0604020202020204" pitchFamily="34" charset="0"/>
+                <a:ea typeface="Arial" panose="020B0604020202020204" pitchFamily="34" charset="0"/>
+              </a:rPr>
+              <a:t>anodiam.com/teacher/signup</a:t>
+            </a:r>
+            <a:endParaRPr lang="en-AU" sz="1400" dirty="0"/>
+          </a:p>
+        </p:txBody>
+      </p:sp>
+      <p:sp>
+        <p:nvSpPr>
+          <p:cNvPr id="6" name="Rectangle 5"/>
+          <p:cNvSpPr/>
+          <p:nvPr/>
+        </p:nvSpPr>
+        <p:spPr>
+          <a:xfrm>
+            <a:off x="1117785" y="332656"/>
+            <a:ext cx="6671057" cy="941796"/>
           </a:xfrm>
           <a:prstGeom prst="rect">
             <a:avLst/>
@@ -10226,7 +10223,38 @@
                 <a:latin typeface="Arial" panose="020B0604020202020204" pitchFamily="34" charset="0"/>
                 <a:ea typeface="Arial" panose="020B0604020202020204" pitchFamily="34" charset="0"/>
               </a:rPr>
-              <a:t>Signup – Teacher Details page contd. - 3</a:t>
+              <a:t>Signup – Teacher </a:t>
+            </a:r>
+            <a:r>
+              <a:rPr lang="en-US" sz="2400" b="1" dirty="0" smtClean="0">
+                <a:latin typeface="Arial" panose="020B0604020202020204" pitchFamily="34" charset="0"/>
+                <a:ea typeface="Arial" panose="020B0604020202020204" pitchFamily="34" charset="0"/>
+              </a:rPr>
+              <a:t>Signup page</a:t>
+            </a:r>
+          </a:p>
+          <a:p>
+            <a:pPr algn="ctr">
+              <a:lnSpc>
+                <a:spcPct val="115000"/>
+              </a:lnSpc>
+              <a:spcAft>
+                <a:spcPts val="0"/>
+              </a:spcAft>
+            </a:pPr>
+            <a:r>
+              <a:rPr lang="en-US" sz="2400" b="1" dirty="0" smtClean="0">
+                <a:latin typeface="Arial" panose="020B0604020202020204" pitchFamily="34" charset="0"/>
+                <a:ea typeface="Arial" panose="020B0604020202020204" pitchFamily="34" charset="0"/>
+              </a:rPr>
+              <a:t>Upload section </a:t>
+            </a:r>
+            <a:r>
+              <a:rPr lang="en-US" sz="2400" b="1" dirty="0" smtClean="0">
+                <a:latin typeface="Arial" panose="020B0604020202020204" pitchFamily="34" charset="0"/>
+                <a:ea typeface="Arial" panose="020B0604020202020204" pitchFamily="34" charset="0"/>
+              </a:rPr>
+              <a:t>and T&amp;C details</a:t>
             </a:r>
             <a:endParaRPr lang="en-AU" sz="2400" dirty="0">
               <a:effectLst/>
@@ -10238,98 +10266,28 @@
       </p:sp>
       <p:pic>
         <p:nvPicPr>
-          <p:cNvPr id="4" name="Picture 3"/>
+          <p:cNvPr id="3" name="Picture 2"/>
           <p:cNvPicPr>
             <a:picLocks noChangeAspect="1"/>
           </p:cNvPicPr>
           <p:nvPr/>
         </p:nvPicPr>
         <p:blipFill>
-          <a:blip r:embed="rId3"/>
+          <a:blip r:embed="rId4"/>
           <a:stretch>
             <a:fillRect/>
           </a:stretch>
         </p:blipFill>
         <p:spPr>
           <a:xfrm>
-            <a:off x="881524" y="1844824"/>
-            <a:ext cx="7380952" cy="4028571"/>
-          </a:xfrm>
-          <a:prstGeom prst="rect">
-            <a:avLst/>
-          </a:prstGeom>
-          <a:ln w="28575">
-            <a:solidFill>
-              <a:srgbClr val="2F2FAF"/>
-            </a:solidFill>
-          </a:ln>
-        </p:spPr>
-      </p:pic>
-      <p:sp>
-        <p:nvSpPr>
-          <p:cNvPr id="5" name="Rectangle 4"/>
-          <p:cNvSpPr/>
-          <p:nvPr/>
-        </p:nvSpPr>
-        <p:spPr>
-          <a:xfrm>
-            <a:off x="431032" y="849721"/>
-            <a:ext cx="8245424" cy="307777"/>
+            <a:off x="857714" y="1818264"/>
+            <a:ext cx="7428571" cy="4419048"/>
           </a:xfrm>
           <a:prstGeom prst="rect">
             <a:avLst/>
           </a:prstGeom>
         </p:spPr>
-        <p:txBody>
-          <a:bodyPr wrap="square">
-            <a:spAutoFit/>
-          </a:bodyPr>
-          <a:lstStyle/>
-          <a:p>
-            <a:pPr algn="ctr"/>
-            <a:r>
-              <a:rPr lang="en-US" sz="1400" dirty="0">
-                <a:latin typeface="Arial" panose="020B0604020202020204" pitchFamily="34" charset="0"/>
-                <a:ea typeface="Arial" panose="020B0604020202020204" pitchFamily="34" charset="0"/>
-              </a:rPr>
-              <a:t>Link: </a:t>
-            </a:r>
-            <a:r>
-              <a:rPr lang="en-US" sz="1400" u="sng" dirty="0">
-                <a:solidFill>
-                  <a:srgbClr val="0000FF"/>
-                </a:solidFill>
-                <a:latin typeface="Arial" panose="020B0604020202020204" pitchFamily="34" charset="0"/>
-                <a:ea typeface="Arial" panose="020B0604020202020204" pitchFamily="34" charset="0"/>
-                <a:hlinkClick r:id="rId4"/>
-              </a:rPr>
-              <a:t>https</a:t>
-            </a:r>
-            <a:r>
-              <a:rPr lang="en-US" sz="1400" u="sng" dirty="0" smtClean="0">
-                <a:solidFill>
-                  <a:srgbClr val="0000FF"/>
-                </a:solidFill>
-                <a:latin typeface="Arial" panose="020B0604020202020204" pitchFamily="34" charset="0"/>
-                <a:ea typeface="Arial" panose="020B0604020202020204" pitchFamily="34" charset="0"/>
-                <a:hlinkClick r:id="rId4"/>
-              </a:rPr>
-              <a:t>://</a:t>
-            </a:r>
-            <a:r>
-              <a:rPr lang="en-US" sz="1400" u="sng" dirty="0" smtClean="0">
-                <a:solidFill>
-                  <a:srgbClr val="0000FF"/>
-                </a:solidFill>
-                <a:latin typeface="Arial" panose="020B0604020202020204" pitchFamily="34" charset="0"/>
-                <a:ea typeface="Arial" panose="020B0604020202020204" pitchFamily="34" charset="0"/>
-              </a:rPr>
-              <a:t>anodiam.com/teacher/signup</a:t>
-            </a:r>
-            <a:endParaRPr lang="en-AU" sz="1400" dirty="0"/>
-          </a:p>
-        </p:txBody>
-      </p:sp>
+      </p:pic>
     </p:spTree>
     <p:extLst>
       <p:ext uri="{BB962C8B-B14F-4D97-AF65-F5344CB8AC3E}">

--- a/ProjectExecution/BA/SpecsWireframes/003TeacherAppWireframes.pptx
+++ b/ProjectExecution/BA/SpecsWireframes/003TeacherAppWireframes.pptx
@@ -6554,7 +6554,7 @@
       </p:sp>
       <p:pic>
         <p:nvPicPr>
-          <p:cNvPr id="4" name="Picture 3"/>
+          <p:cNvPr id="5" name="Picture 4"/>
           <p:cNvPicPr>
             <a:picLocks noChangeAspect="1"/>
           </p:cNvPicPr>
@@ -6568,7 +6568,7 @@
         </p:blipFill>
         <p:spPr>
           <a:xfrm>
-            <a:off x="2628900" y="1847850"/>
+            <a:off x="757808" y="1268760"/>
             <a:ext cx="3886200" cy="3162300"/>
           </a:xfrm>
           <a:prstGeom prst="rect">
@@ -6576,6 +6576,121 @@
           </a:prstGeom>
         </p:spPr>
       </p:pic>
+      <p:pic>
+        <p:nvPicPr>
+          <p:cNvPr id="6" name="Picture 5"/>
+          <p:cNvPicPr>
+            <a:picLocks noChangeAspect="1"/>
+          </p:cNvPicPr>
+          <p:nvPr/>
+        </p:nvPicPr>
+        <p:blipFill>
+          <a:blip r:embed="rId4"/>
+          <a:stretch>
+            <a:fillRect/>
+          </a:stretch>
+        </p:blipFill>
+        <p:spPr>
+          <a:xfrm>
+            <a:off x="4932040" y="2348880"/>
+            <a:ext cx="3886200" cy="3162300"/>
+          </a:xfrm>
+          <a:prstGeom prst="rect">
+            <a:avLst/>
+          </a:prstGeom>
+        </p:spPr>
+      </p:pic>
+      <p:sp>
+        <p:nvSpPr>
+          <p:cNvPr id="8" name="Rectangle 7"/>
+          <p:cNvSpPr/>
+          <p:nvPr/>
+        </p:nvSpPr>
+        <p:spPr>
+          <a:xfrm>
+            <a:off x="2843808" y="3429000"/>
+            <a:ext cx="360040" cy="1728192"/>
+          </a:xfrm>
+          <a:prstGeom prst="rect">
+            <a:avLst/>
+          </a:prstGeom>
+        </p:spPr>
+        <p:style>
+          <a:lnRef idx="2">
+            <a:schemeClr val="accent1">
+              <a:shade val="50000"/>
+            </a:schemeClr>
+          </a:lnRef>
+          <a:fillRef idx="1">
+            <a:schemeClr val="accent1"/>
+          </a:fillRef>
+          <a:effectRef idx="0">
+            <a:schemeClr val="accent1"/>
+          </a:effectRef>
+          <a:fontRef idx="minor">
+            <a:schemeClr val="lt1"/>
+          </a:fontRef>
+        </p:style>
+        <p:txBody>
+          <a:bodyPr rtlCol="0" anchor="ctr"/>
+          <a:lstStyle/>
+          <a:p>
+            <a:pPr algn="ctr"/>
+            <a:endParaRPr lang="en-AU" dirty="0"/>
+          </a:p>
+        </p:txBody>
+      </p:sp>
+      <p:sp>
+        <p:nvSpPr>
+          <p:cNvPr id="9" name="Right Arrow 8"/>
+          <p:cNvSpPr/>
+          <p:nvPr/>
+        </p:nvSpPr>
+        <p:spPr>
+          <a:xfrm>
+            <a:off x="2843808" y="4725144"/>
+            <a:ext cx="2664296" cy="582116"/>
+          </a:xfrm>
+          <a:prstGeom prst="rightArrow">
+            <a:avLst/>
+          </a:prstGeom>
+        </p:spPr>
+        <p:style>
+          <a:lnRef idx="2">
+            <a:schemeClr val="accent1">
+              <a:shade val="50000"/>
+            </a:schemeClr>
+          </a:lnRef>
+          <a:fillRef idx="1">
+            <a:schemeClr val="accent1"/>
+          </a:fillRef>
+          <a:effectRef idx="0">
+            <a:schemeClr val="accent1"/>
+          </a:effectRef>
+          <a:fontRef idx="minor">
+            <a:schemeClr val="lt1"/>
+          </a:fontRef>
+        </p:style>
+        <p:txBody>
+          <a:bodyPr rtlCol="0" anchor="ctr"/>
+          <a:lstStyle/>
+          <a:p>
+            <a:pPr algn="ctr"/>
+            <a:r>
+              <a:rPr lang="en-AU" sz="1000" dirty="0" smtClean="0"/>
+              <a:t>On confirmation of Course / Content name</a:t>
+            </a:r>
+          </a:p>
+          <a:p>
+            <a:pPr algn="ctr"/>
+            <a:r>
+              <a:rPr lang="en-AU" sz="1000" dirty="0" smtClean="0"/>
+              <a:t>Delete button is enabled </a:t>
+            </a:r>
+            <a:endParaRPr lang="en-AU" sz="1000" dirty="0"/>
+          </a:p>
+        </p:txBody>
+      </p:sp>
     </p:spTree>
     <p:extLst>
       <p:ext uri="{BB962C8B-B14F-4D97-AF65-F5344CB8AC3E}">
@@ -7835,7 +7950,7 @@
       </p:sp>
       <p:pic>
         <p:nvPicPr>
-          <p:cNvPr id="4" name="Picture 3"/>
+          <p:cNvPr id="5" name="Picture 4"/>
           <p:cNvPicPr>
             <a:picLocks noChangeAspect="1"/>
           </p:cNvPicPr>
@@ -7849,7 +7964,7 @@
         </p:blipFill>
         <p:spPr>
           <a:xfrm>
-            <a:off x="838200" y="1772816"/>
+            <a:off x="838200" y="1916013"/>
             <a:ext cx="7467600" cy="4105275"/>
           </a:xfrm>
           <a:prstGeom prst="rect">
@@ -8018,7 +8133,7 @@
       </p:sp>
       <p:pic>
         <p:nvPicPr>
-          <p:cNvPr id="4" name="Picture 3"/>
+          <p:cNvPr id="5" name="Picture 4"/>
           <p:cNvPicPr>
             <a:picLocks noChangeAspect="1"/>
           </p:cNvPicPr>
@@ -8032,7 +8147,7 @@
         </p:blipFill>
         <p:spPr>
           <a:xfrm>
-            <a:off x="838200" y="1700808"/>
+            <a:off x="838200" y="1840954"/>
             <a:ext cx="7467600" cy="4324350"/>
           </a:xfrm>
           <a:prstGeom prst="rect">
@@ -9742,14 +9857,7 @@
                 <a:latin typeface="Arial" panose="020B0604020202020204" pitchFamily="34" charset="0"/>
                 <a:ea typeface="Arial" panose="020B0604020202020204" pitchFamily="34" charset="0"/>
               </a:rPr>
-              <a:t>Signup – Teacher </a:t>
-            </a:r>
-            <a:r>
-              <a:rPr lang="en-US" sz="2400" b="1" dirty="0" smtClean="0">
-                <a:latin typeface="Arial" panose="020B0604020202020204" pitchFamily="34" charset="0"/>
-                <a:ea typeface="Arial" panose="020B0604020202020204" pitchFamily="34" charset="0"/>
-              </a:rPr>
-              <a:t>Signup page</a:t>
+              <a:t>Signup – Teacher Signup page</a:t>
             </a:r>
           </a:p>
           <a:p>
@@ -10039,14 +10147,7 @@
                 <a:latin typeface="Arial" panose="020B0604020202020204" pitchFamily="34" charset="0"/>
                 <a:ea typeface="Arial" panose="020B0604020202020204" pitchFamily="34" charset="0"/>
               </a:rPr>
-              <a:t>Signup – Teacher </a:t>
-            </a:r>
-            <a:r>
-              <a:rPr lang="en-US" sz="2400" b="1" dirty="0" smtClean="0">
-                <a:latin typeface="Arial" panose="020B0604020202020204" pitchFamily="34" charset="0"/>
-                <a:ea typeface="Arial" panose="020B0604020202020204" pitchFamily="34" charset="0"/>
-              </a:rPr>
-              <a:t>Signup page</a:t>
+              <a:t>Signup – Teacher Signup page</a:t>
             </a:r>
           </a:p>
           <a:p>
@@ -10223,14 +10324,7 @@
                 <a:latin typeface="Arial" panose="020B0604020202020204" pitchFamily="34" charset="0"/>
                 <a:ea typeface="Arial" panose="020B0604020202020204" pitchFamily="34" charset="0"/>
               </a:rPr>
-              <a:t>Signup – Teacher </a:t>
-            </a:r>
-            <a:r>
-              <a:rPr lang="en-US" sz="2400" b="1" dirty="0" smtClean="0">
-                <a:latin typeface="Arial" panose="020B0604020202020204" pitchFamily="34" charset="0"/>
-                <a:ea typeface="Arial" panose="020B0604020202020204" pitchFamily="34" charset="0"/>
-              </a:rPr>
-              <a:t>Signup page</a:t>
+              <a:t>Signup – Teacher Signup page</a:t>
             </a:r>
           </a:p>
           <a:p>
@@ -10247,14 +10341,7 @@
                 <a:latin typeface="Arial" panose="020B0604020202020204" pitchFamily="34" charset="0"/>
                 <a:ea typeface="Arial" panose="020B0604020202020204" pitchFamily="34" charset="0"/>
               </a:rPr>
-              <a:t>Upload section </a:t>
-            </a:r>
-            <a:r>
-              <a:rPr lang="en-US" sz="2400" b="1" dirty="0" smtClean="0">
-                <a:latin typeface="Arial" panose="020B0604020202020204" pitchFamily="34" charset="0"/>
-                <a:ea typeface="Arial" panose="020B0604020202020204" pitchFamily="34" charset="0"/>
-              </a:rPr>
-              <a:t>and T&amp;C details</a:t>
+              <a:t>Upload section and T&amp;C details</a:t>
             </a:r>
             <a:endParaRPr lang="en-AU" sz="2400" dirty="0">
               <a:effectLst/>
@@ -11106,7 +11193,7 @@
       </p:sp>
       <p:pic>
         <p:nvPicPr>
-          <p:cNvPr id="11" name="Picture 10"/>
+          <p:cNvPr id="4" name="Picture 3"/>
           <p:cNvPicPr>
             <a:picLocks noChangeAspect="1"/>
           </p:cNvPicPr>

--- a/ProjectExecution/BA/SpecsWireframes/003TeacherAppWireframes.pptx
+++ b/ProjectExecution/BA/SpecsWireframes/003TeacherAppWireframes.pptx
@@ -546,6 +546,10 @@
           <a:bodyPr/>
           <a:lstStyle/>
           <a:p>
+            <a:r>
+              <a:rPr lang="en-AU" dirty="0" smtClean="0"/>
+              <a:t>Reorder the fields</a:t>
+            </a:r>
             <a:endParaRPr lang="en-AU" dirty="0"/>
           </a:p>
         </p:txBody>
@@ -633,6 +637,25 @@
             <a:pPr marL="0" indent="0">
               <a:buNone/>
             </a:pPr>
+            <a:r>
+              <a:rPr lang="en-AU" dirty="0" smtClean="0"/>
+              <a:t>Reorder fields: in Financial info</a:t>
+            </a:r>
+          </a:p>
+          <a:p>
+            <a:pPr marL="0" indent="0">
+              <a:buNone/>
+            </a:pPr>
+            <a:endParaRPr lang="en-AU" dirty="0" smtClean="0"/>
+          </a:p>
+          <a:p>
+            <a:pPr marL="0" indent="0">
+              <a:buNone/>
+            </a:pPr>
+            <a:r>
+              <a:rPr lang="en-AU" dirty="0" smtClean="0"/>
+              <a:t>Language should be dropdown, also change help text for language</a:t>
+            </a:r>
             <a:endParaRPr lang="en-AU" dirty="0"/>
           </a:p>
         </p:txBody>
@@ -748,6 +771,190 @@
     <p:extLst>
       <p:ext uri="{BB962C8B-B14F-4D97-AF65-F5344CB8AC3E}">
         <p14:creationId xmlns:p14="http://schemas.microsoft.com/office/powerpoint/2010/main" val="3104212400"/>
+      </p:ext>
+    </p:extLst>
+  </p:cSld>
+  <p:clrMapOvr>
+    <a:masterClrMapping/>
+  </p:clrMapOvr>
+</p:notes>
+</file>
+
+<file path=ppt/notesSlides/notesSlide4.xml><?xml version="1.0" encoding="utf-8"?>
+<p:notes xmlns:a="http://schemas.openxmlformats.org/drawingml/2006/main" xmlns:r="http://schemas.openxmlformats.org/officeDocument/2006/relationships" xmlns:p="http://schemas.openxmlformats.org/presentationml/2006/main">
+  <p:cSld>
+    <p:spTree>
+      <p:nvGrpSpPr>
+        <p:cNvPr id="1" name=""/>
+        <p:cNvGrpSpPr/>
+        <p:nvPr/>
+      </p:nvGrpSpPr>
+      <p:grpSpPr>
+        <a:xfrm>
+          <a:off x="0" y="0"/>
+          <a:ext cx="0" cy="0"/>
+          <a:chOff x="0" y="0"/>
+          <a:chExt cx="0" cy="0"/>
+        </a:xfrm>
+      </p:grpSpPr>
+      <p:sp>
+        <p:nvSpPr>
+          <p:cNvPr id="2" name="Slide Image Placeholder 1"/>
+          <p:cNvSpPr>
+            <a:spLocks noGrp="1" noRot="1" noChangeAspect="1"/>
+          </p:cNvSpPr>
+          <p:nvPr>
+            <p:ph type="sldImg"/>
+          </p:nvPr>
+        </p:nvSpPr>
+        <p:spPr/>
+      </p:sp>
+      <p:sp>
+        <p:nvSpPr>
+          <p:cNvPr id="3" name="Notes Placeholder 2"/>
+          <p:cNvSpPr>
+            <a:spLocks noGrp="1"/>
+          </p:cNvSpPr>
+          <p:nvPr>
+            <p:ph type="body" idx="1"/>
+          </p:nvPr>
+        </p:nvSpPr>
+        <p:spPr/>
+        <p:txBody>
+          <a:bodyPr/>
+          <a:lstStyle/>
+          <a:p>
+            <a:r>
+              <a:rPr lang="en-AU" dirty="0" smtClean="0"/>
+              <a:t>Ordering of fields should correspond to Signup – Teacher Signup page - Personal details section</a:t>
+            </a:r>
+          </a:p>
+          <a:p>
+            <a:endParaRPr lang="en-AU" dirty="0"/>
+          </a:p>
+        </p:txBody>
+      </p:sp>
+      <p:sp>
+        <p:nvSpPr>
+          <p:cNvPr id="4" name="Slide Number Placeholder 3"/>
+          <p:cNvSpPr>
+            <a:spLocks noGrp="1"/>
+          </p:cNvSpPr>
+          <p:nvPr>
+            <p:ph type="sldNum" sz="quarter" idx="10"/>
+          </p:nvPr>
+        </p:nvSpPr>
+        <p:spPr/>
+        <p:txBody>
+          <a:bodyPr/>
+          <a:lstStyle/>
+          <a:p>
+            <a:fld id="{52ABDD3E-57A4-4A7C-8FEE-AE2738C669D0}" type="slidenum">
+              <a:rPr lang="en-AU" smtClean="0"/>
+              <a:t>17</a:t>
+            </a:fld>
+            <a:endParaRPr lang="en-AU"/>
+          </a:p>
+        </p:txBody>
+      </p:sp>
+    </p:spTree>
+    <p:extLst>
+      <p:ext uri="{BB962C8B-B14F-4D97-AF65-F5344CB8AC3E}">
+        <p14:creationId xmlns:p14="http://schemas.microsoft.com/office/powerpoint/2010/main" val="3440668983"/>
+      </p:ext>
+    </p:extLst>
+  </p:cSld>
+  <p:clrMapOvr>
+    <a:masterClrMapping/>
+  </p:clrMapOvr>
+</p:notes>
+</file>
+
+<file path=ppt/notesSlides/notesSlide5.xml><?xml version="1.0" encoding="utf-8"?>
+<p:notes xmlns:a="http://schemas.openxmlformats.org/drawingml/2006/main" xmlns:r="http://schemas.openxmlformats.org/officeDocument/2006/relationships" xmlns:p="http://schemas.openxmlformats.org/presentationml/2006/main">
+  <p:cSld>
+    <p:spTree>
+      <p:nvGrpSpPr>
+        <p:cNvPr id="1" name=""/>
+        <p:cNvGrpSpPr/>
+        <p:nvPr/>
+      </p:nvGrpSpPr>
+      <p:grpSpPr>
+        <a:xfrm>
+          <a:off x="0" y="0"/>
+          <a:ext cx="0" cy="0"/>
+          <a:chOff x="0" y="0"/>
+          <a:chExt cx="0" cy="0"/>
+        </a:xfrm>
+      </p:grpSpPr>
+      <p:sp>
+        <p:nvSpPr>
+          <p:cNvPr id="2" name="Slide Image Placeholder 1"/>
+          <p:cNvSpPr>
+            <a:spLocks noGrp="1" noRot="1" noChangeAspect="1"/>
+          </p:cNvSpPr>
+          <p:nvPr>
+            <p:ph type="sldImg"/>
+          </p:nvPr>
+        </p:nvSpPr>
+        <p:spPr/>
+      </p:sp>
+      <p:sp>
+        <p:nvSpPr>
+          <p:cNvPr id="3" name="Notes Placeholder 2"/>
+          <p:cNvSpPr>
+            <a:spLocks noGrp="1"/>
+          </p:cNvSpPr>
+          <p:nvPr>
+            <p:ph type="body" idx="1"/>
+          </p:nvPr>
+        </p:nvSpPr>
+        <p:spPr/>
+        <p:txBody>
+          <a:bodyPr/>
+          <a:lstStyle/>
+          <a:p>
+            <a:r>
+              <a:rPr lang="en-AU" dirty="0" smtClean="0"/>
+              <a:t>Ordering of fields</a:t>
+            </a:r>
+            <a:r>
+              <a:rPr lang="en-AU" baseline="0" dirty="0" smtClean="0"/>
+              <a:t> should correspond to Signup – Teacher Signup page – Financial details section</a:t>
+            </a:r>
+          </a:p>
+          <a:p>
+            <a:endParaRPr lang="en-AU" dirty="0"/>
+          </a:p>
+        </p:txBody>
+      </p:sp>
+      <p:sp>
+        <p:nvSpPr>
+          <p:cNvPr id="4" name="Slide Number Placeholder 3"/>
+          <p:cNvSpPr>
+            <a:spLocks noGrp="1"/>
+          </p:cNvSpPr>
+          <p:nvPr>
+            <p:ph type="sldNum" sz="quarter" idx="10"/>
+          </p:nvPr>
+        </p:nvSpPr>
+        <p:spPr/>
+        <p:txBody>
+          <a:bodyPr/>
+          <a:lstStyle/>
+          <a:p>
+            <a:fld id="{52ABDD3E-57A4-4A7C-8FEE-AE2738C669D0}" type="slidenum">
+              <a:rPr lang="en-AU" smtClean="0"/>
+              <a:t>19</a:t>
+            </a:fld>
+            <a:endParaRPr lang="en-AU"/>
+          </a:p>
+        </p:txBody>
+      </p:sp>
+    </p:spTree>
+    <p:extLst>
+      <p:ext uri="{BB962C8B-B14F-4D97-AF65-F5344CB8AC3E}">
+        <p14:creationId xmlns:p14="http://schemas.microsoft.com/office/powerpoint/2010/main" val="200093905"/>
       </p:ext>
     </p:extLst>
   </p:cSld>
@@ -7737,7 +7944,7 @@
                 </a:solidFill>
                 <a:latin typeface="Arial" panose="020B0604020202020204" pitchFamily="34" charset="0"/>
                 <a:ea typeface="Arial" panose="020B0604020202020204" pitchFamily="34" charset="0"/>
-                <a:hlinkClick r:id="rId2"/>
+                <a:hlinkClick r:id="rId3"/>
               </a:rPr>
               <a:t>https</a:t>
             </a:r>
@@ -7748,7 +7955,7 @@
                 </a:solidFill>
                 <a:latin typeface="Arial" panose="020B0604020202020204" pitchFamily="34" charset="0"/>
                 <a:ea typeface="Arial" panose="020B0604020202020204" pitchFamily="34" charset="0"/>
-                <a:hlinkClick r:id="rId2"/>
+                <a:hlinkClick r:id="rId3"/>
               </a:rPr>
               <a:t>://</a:t>
             </a:r>
@@ -7774,7 +7981,7 @@
           <p:nvPr/>
         </p:nvPicPr>
         <p:blipFill>
-          <a:blip r:embed="rId3"/>
+          <a:blip r:embed="rId4"/>
           <a:stretch>
             <a:fillRect/>
           </a:stretch>
@@ -8103,7 +8310,7 @@
                 </a:solidFill>
                 <a:latin typeface="Arial" panose="020B0604020202020204" pitchFamily="34" charset="0"/>
                 <a:ea typeface="Arial" panose="020B0604020202020204" pitchFamily="34" charset="0"/>
-                <a:hlinkClick r:id="rId2"/>
+                <a:hlinkClick r:id="rId3"/>
               </a:rPr>
               <a:t>https</a:t>
             </a:r>
@@ -8114,7 +8321,7 @@
                 </a:solidFill>
                 <a:latin typeface="Arial" panose="020B0604020202020204" pitchFamily="34" charset="0"/>
                 <a:ea typeface="Arial" panose="020B0604020202020204" pitchFamily="34" charset="0"/>
-                <a:hlinkClick r:id="rId2"/>
+                <a:hlinkClick r:id="rId3"/>
               </a:rPr>
               <a:t>://</a:t>
             </a:r>
@@ -8140,7 +8347,7 @@
           <p:nvPr/>
         </p:nvPicPr>
         <p:blipFill>
-          <a:blip r:embed="rId3"/>
+          <a:blip r:embed="rId4"/>
           <a:stretch>
             <a:fillRect/>
           </a:stretch>
@@ -9951,7 +10158,7 @@
       </p:sp>
       <p:pic>
         <p:nvPicPr>
-          <p:cNvPr id="4" name="Picture 3"/>
+          <p:cNvPr id="7" name="Picture 6"/>
           <p:cNvPicPr>
             <a:picLocks noChangeAspect="1"/>
           </p:cNvPicPr>
@@ -9965,7 +10172,7 @@
         </p:blipFill>
         <p:spPr>
           <a:xfrm>
-            <a:off x="857250" y="1730846"/>
+            <a:off x="857250" y="1946870"/>
             <a:ext cx="7429500" cy="4362450"/>
           </a:xfrm>
           <a:prstGeom prst="rect">

--- a/ProjectExecution/BA/SpecsWireframes/003TeacherAppWireframes.pptx
+++ b/ProjectExecution/BA/SpecsWireframes/003TeacherAppWireframes.pptx
@@ -234,7 +234,7 @@
           <a:p>
             <a:fld id="{26483215-80E3-4A52-98A5-4C379A79CA39}" type="datetimeFigureOut">
               <a:rPr lang="en-AU" smtClean="0"/>
-              <a:t>25/11/2020</a:t>
+              <a:t>26/11/2020</a:t>
             </a:fld>
             <a:endParaRPr lang="en-AU"/>
           </a:p>
@@ -546,10 +546,6 @@
           <a:bodyPr/>
           <a:lstStyle/>
           <a:p>
-            <a:r>
-              <a:rPr lang="en-AU" dirty="0" smtClean="0"/>
-              <a:t>Reorder the fields</a:t>
-            </a:r>
             <a:endParaRPr lang="en-AU" dirty="0"/>
           </a:p>
         </p:txBody>
@@ -637,25 +633,6 @@
             <a:pPr marL="0" indent="0">
               <a:buNone/>
             </a:pPr>
-            <a:r>
-              <a:rPr lang="en-AU" dirty="0" smtClean="0"/>
-              <a:t>Reorder fields: in Financial info</a:t>
-            </a:r>
-          </a:p>
-          <a:p>
-            <a:pPr marL="0" indent="0">
-              <a:buNone/>
-            </a:pPr>
-            <a:endParaRPr lang="en-AU" dirty="0" smtClean="0"/>
-          </a:p>
-          <a:p>
-            <a:pPr marL="0" indent="0">
-              <a:buNone/>
-            </a:pPr>
-            <a:r>
-              <a:rPr lang="en-AU" dirty="0" smtClean="0"/>
-              <a:t>Language should be dropdown, also change help text for language</a:t>
-            </a:r>
             <a:endParaRPr lang="en-AU" dirty="0"/>
           </a:p>
         </p:txBody>
@@ -824,12 +801,6 @@
           <a:bodyPr/>
           <a:lstStyle/>
           <a:p>
-            <a:r>
-              <a:rPr lang="en-AU" dirty="0" smtClean="0"/>
-              <a:t>Ordering of fields should correspond to Signup – Teacher Signup page - Personal details section</a:t>
-            </a:r>
-          </a:p>
-          <a:p>
             <a:endParaRPr lang="en-AU" dirty="0"/>
           </a:p>
         </p:txBody>
@@ -913,16 +884,6 @@
         <p:txBody>
           <a:bodyPr/>
           <a:lstStyle/>
-          <a:p>
-            <a:r>
-              <a:rPr lang="en-AU" dirty="0" smtClean="0"/>
-              <a:t>Ordering of fields</a:t>
-            </a:r>
-            <a:r>
-              <a:rPr lang="en-AU" baseline="0" dirty="0" smtClean="0"/>
-              <a:t> should correspond to Signup – Teacher Signup page – Financial details section</a:t>
-            </a:r>
-          </a:p>
           <a:p>
             <a:endParaRPr lang="en-AU" dirty="0"/>
           </a:p>
@@ -1145,7 +1106,7 @@
           <a:p>
             <a:fld id="{BB2A88D7-68F7-4681-80B5-BDD492DE1B81}" type="datetimeFigureOut">
               <a:rPr lang="en-AU" smtClean="0"/>
-              <a:t>25/11/2020</a:t>
+              <a:t>26/11/2020</a:t>
             </a:fld>
             <a:endParaRPr lang="en-AU"/>
           </a:p>
@@ -1315,7 +1276,7 @@
           <a:p>
             <a:fld id="{BB2A88D7-68F7-4681-80B5-BDD492DE1B81}" type="datetimeFigureOut">
               <a:rPr lang="en-AU" smtClean="0"/>
-              <a:t>25/11/2020</a:t>
+              <a:t>26/11/2020</a:t>
             </a:fld>
             <a:endParaRPr lang="en-AU"/>
           </a:p>
@@ -1495,7 +1456,7 @@
           <a:p>
             <a:fld id="{BB2A88D7-68F7-4681-80B5-BDD492DE1B81}" type="datetimeFigureOut">
               <a:rPr lang="en-AU" smtClean="0"/>
-              <a:t>25/11/2020</a:t>
+              <a:t>26/11/2020</a:t>
             </a:fld>
             <a:endParaRPr lang="en-AU"/>
           </a:p>
@@ -1665,7 +1626,7 @@
           <a:p>
             <a:fld id="{BB2A88D7-68F7-4681-80B5-BDD492DE1B81}" type="datetimeFigureOut">
               <a:rPr lang="en-AU" smtClean="0"/>
-              <a:t>25/11/2020</a:t>
+              <a:t>26/11/2020</a:t>
             </a:fld>
             <a:endParaRPr lang="en-AU"/>
           </a:p>
@@ -1911,7 +1872,7 @@
           <a:p>
             <a:fld id="{BB2A88D7-68F7-4681-80B5-BDD492DE1B81}" type="datetimeFigureOut">
               <a:rPr lang="en-AU" smtClean="0"/>
-              <a:t>25/11/2020</a:t>
+              <a:t>26/11/2020</a:t>
             </a:fld>
             <a:endParaRPr lang="en-AU"/>
           </a:p>
@@ -2199,7 +2160,7 @@
           <a:p>
             <a:fld id="{BB2A88D7-68F7-4681-80B5-BDD492DE1B81}" type="datetimeFigureOut">
               <a:rPr lang="en-AU" smtClean="0"/>
-              <a:t>25/11/2020</a:t>
+              <a:t>26/11/2020</a:t>
             </a:fld>
             <a:endParaRPr lang="en-AU"/>
           </a:p>
@@ -2621,7 +2582,7 @@
           <a:p>
             <a:fld id="{BB2A88D7-68F7-4681-80B5-BDD492DE1B81}" type="datetimeFigureOut">
               <a:rPr lang="en-AU" smtClean="0"/>
-              <a:t>25/11/2020</a:t>
+              <a:t>26/11/2020</a:t>
             </a:fld>
             <a:endParaRPr lang="en-AU"/>
           </a:p>
@@ -2739,7 +2700,7 @@
           <a:p>
             <a:fld id="{BB2A88D7-68F7-4681-80B5-BDD492DE1B81}" type="datetimeFigureOut">
               <a:rPr lang="en-AU" smtClean="0"/>
-              <a:t>25/11/2020</a:t>
+              <a:t>26/11/2020</a:t>
             </a:fld>
             <a:endParaRPr lang="en-AU"/>
           </a:p>
@@ -2834,7 +2795,7 @@
           <a:p>
             <a:fld id="{BB2A88D7-68F7-4681-80B5-BDD492DE1B81}" type="datetimeFigureOut">
               <a:rPr lang="en-AU" smtClean="0"/>
-              <a:t>25/11/2020</a:t>
+              <a:t>26/11/2020</a:t>
             </a:fld>
             <a:endParaRPr lang="en-AU"/>
           </a:p>
@@ -3111,7 +3072,7 @@
           <a:p>
             <a:fld id="{BB2A88D7-68F7-4681-80B5-BDD492DE1B81}" type="datetimeFigureOut">
               <a:rPr lang="en-AU" smtClean="0"/>
-              <a:t>25/11/2020</a:t>
+              <a:t>26/11/2020</a:t>
             </a:fld>
             <a:endParaRPr lang="en-AU"/>
           </a:p>
@@ -3364,7 +3325,7 @@
           <a:p>
             <a:fld id="{BB2A88D7-68F7-4681-80B5-BDD492DE1B81}" type="datetimeFigureOut">
               <a:rPr lang="en-AU" smtClean="0"/>
-              <a:t>25/11/2020</a:t>
+              <a:t>26/11/2020</a:t>
             </a:fld>
             <a:endParaRPr lang="en-AU"/>
           </a:p>
@@ -3577,7 +3538,7 @@
           <a:p>
             <a:fld id="{BB2A88D7-68F7-4681-80B5-BDD492DE1B81}" type="datetimeFigureOut">
               <a:rPr lang="en-AU" smtClean="0"/>
-              <a:t>25/11/2020</a:t>
+              <a:t>26/11/2020</a:t>
             </a:fld>
             <a:endParaRPr lang="en-AU"/>
           </a:p>
@@ -4084,7 +4045,7 @@
           <p:nvPr>
             <p:extLst>
               <p:ext uri="{D42A27DB-BD31-4B8C-83A1-F6EECF244321}">
-                <p14:modId xmlns:p14="http://schemas.microsoft.com/office/powerpoint/2010/main" val="4115751070"/>
+                <p14:modId xmlns:p14="http://schemas.microsoft.com/office/powerpoint/2010/main" val="373029962"/>
               </p:ext>
             </p:extLst>
           </p:nvPr>
@@ -4424,7 +4385,7 @@
                           <a:latin typeface="Arial" panose="020B0604020202020204" pitchFamily="34" charset="0"/>
                           <a:cs typeface="Arial" panose="020B0604020202020204" pitchFamily="34" charset="0"/>
                         </a:rPr>
-                        <a:t>24/11/2020</a:t>
+                        <a:t>26/11/2020</a:t>
                       </a:r>
                       <a:endParaRPr lang="en-AU" sz="1200" dirty="0">
                         <a:effectLst/>
@@ -4943,14 +4904,14 @@
                         </a:spcAft>
                       </a:pPr>
                       <a:r>
-                        <a:rPr lang="en-US" sz="1200">
+                        <a:rPr lang="en-US" sz="1200" dirty="0">
                           <a:effectLst/>
                           <a:latin typeface="Arial" panose="020B0604020202020204" pitchFamily="34" charset="0"/>
                           <a:cs typeface="Arial" panose="020B0604020202020204" pitchFamily="34" charset="0"/>
                         </a:rPr>
                         <a:t> </a:t>
                       </a:r>
-                      <a:endParaRPr lang="en-AU" sz="1200">
+                      <a:endParaRPr lang="en-AU" sz="1200" dirty="0">
                         <a:effectLst/>
                         <a:latin typeface="Arial" panose="020B0604020202020204" pitchFamily="34" charset="0"/>
                         <a:ea typeface="Arial" panose="020B0604020202020204" pitchFamily="34" charset="0"/>
@@ -6551,7 +6512,17 @@
                 <a:latin typeface="Arial" panose="020B0604020202020204" pitchFamily="34" charset="0"/>
                 <a:ea typeface="Arial" panose="020B0604020202020204" pitchFamily="34" charset="0"/>
               </a:rPr>
-              <a:t>anodiam.com/teacher/addnewcourse/{userid}</a:t>
+              <a:t>anodiam.com/teacher/course/{courseid</a:t>
+            </a:r>
+            <a:r>
+              <a:rPr lang="en-US" sz="1400" u="sng" dirty="0" smtClean="0">
+                <a:solidFill>
+                  <a:srgbClr val="0000FF"/>
+                </a:solidFill>
+                <a:latin typeface="Arial" panose="020B0604020202020204" pitchFamily="34" charset="0"/>
+                <a:ea typeface="Arial" panose="020B0604020202020204" pitchFamily="34" charset="0"/>
+              </a:rPr>
+              <a:t>}</a:t>
             </a:r>
           </a:p>
         </p:txBody>
@@ -6754,7 +6725,17 @@
                 <a:latin typeface="Arial" panose="020B0604020202020204" pitchFamily="34" charset="0"/>
                 <a:ea typeface="Arial" panose="020B0604020202020204" pitchFamily="34" charset="0"/>
               </a:rPr>
-              <a:t>anodiam.com/teacher/addnewcourse/{userid}</a:t>
+              <a:t>anodiam.com/teacher/deletecourse/{courseid</a:t>
+            </a:r>
+            <a:r>
+              <a:rPr lang="en-US" sz="1400" u="sng" dirty="0" smtClean="0">
+                <a:solidFill>
+                  <a:srgbClr val="0000FF"/>
+                </a:solidFill>
+                <a:latin typeface="Arial" panose="020B0604020202020204" pitchFamily="34" charset="0"/>
+                <a:ea typeface="Arial" panose="020B0604020202020204" pitchFamily="34" charset="0"/>
+              </a:rPr>
+              <a:t>}</a:t>
             </a:r>
           </a:p>
         </p:txBody>
@@ -7001,8 +6982,8 @@
         </p:nvSpPr>
         <p:spPr>
           <a:xfrm>
-            <a:off x="431032" y="528935"/>
-            <a:ext cx="8245424" cy="307777"/>
+            <a:off x="449288" y="409468"/>
+            <a:ext cx="8245424" cy="523220"/>
           </a:xfrm>
           <a:prstGeom prst="rect">
             <a:avLst/>
@@ -7051,9 +7032,48 @@
                 </a:solidFill>
                 <a:latin typeface="Arial" panose="020B0604020202020204" pitchFamily="34" charset="0"/>
                 <a:ea typeface="Arial" panose="020B0604020202020204" pitchFamily="34" charset="0"/>
-              </a:rPr>
-              <a:t>anodiam.com/teacher/addnewcourse/{userid}</a:t>
-            </a:r>
+                <a:hlinkClick r:id="rId2"/>
+              </a:rPr>
+              <a:t>anodiam.com/teacher/addnewcourse</a:t>
+            </a:r>
+            <a:endParaRPr lang="en-US" sz="1400" u="sng" dirty="0" smtClean="0">
+              <a:solidFill>
+                <a:srgbClr val="0000FF"/>
+              </a:solidFill>
+              <a:latin typeface="Arial" panose="020B0604020202020204" pitchFamily="34" charset="0"/>
+              <a:ea typeface="Arial" panose="020B0604020202020204" pitchFamily="34" charset="0"/>
+            </a:endParaRPr>
+          </a:p>
+          <a:p>
+            <a:pPr algn="ctr"/>
+            <a:r>
+              <a:rPr lang="en-US" sz="1400" u="sng" dirty="0">
+                <a:solidFill>
+                  <a:srgbClr val="0000FF"/>
+                </a:solidFill>
+                <a:latin typeface="Arial" panose="020B0604020202020204" pitchFamily="34" charset="0"/>
+                <a:ea typeface="Arial" panose="020B0604020202020204" pitchFamily="34" charset="0"/>
+                <a:hlinkClick r:id="rId3"/>
+              </a:rPr>
+              <a:t>https://</a:t>
+            </a:r>
+            <a:r>
+              <a:rPr lang="en-US" sz="1400" u="sng" dirty="0">
+                <a:solidFill>
+                  <a:srgbClr val="0000FF"/>
+                </a:solidFill>
+                <a:latin typeface="Arial" panose="020B0604020202020204" pitchFamily="34" charset="0"/>
+                <a:ea typeface="Arial" panose="020B0604020202020204" pitchFamily="34" charset="0"/>
+              </a:rPr>
+              <a:t>anodiam.com/teacher/course/{courseid}</a:t>
+            </a:r>
+            <a:endParaRPr lang="en-US" sz="1400" u="sng" dirty="0" smtClean="0">
+              <a:solidFill>
+                <a:srgbClr val="0000FF"/>
+              </a:solidFill>
+              <a:latin typeface="Arial" panose="020B0604020202020204" pitchFamily="34" charset="0"/>
+              <a:ea typeface="Arial" panose="020B0604020202020204" pitchFamily="34" charset="0"/>
+            </a:endParaRPr>
           </a:p>
         </p:txBody>
       </p:sp>
@@ -7066,7 +7086,7 @@
           <p:nvPr/>
         </p:nvPicPr>
         <p:blipFill>
-          <a:blip r:embed="rId3"/>
+          <a:blip r:embed="rId4"/>
           <a:stretch>
             <a:fillRect/>
           </a:stretch>
@@ -7185,7 +7205,7 @@
         <p:spPr>
           <a:xfrm>
             <a:off x="431032" y="528935"/>
-            <a:ext cx="8245424" cy="307777"/>
+            <a:ext cx="8245424" cy="523220"/>
           </a:xfrm>
           <a:prstGeom prst="rect">
             <a:avLst/>
@@ -7234,9 +7254,90 @@
                 </a:solidFill>
                 <a:latin typeface="Arial" panose="020B0604020202020204" pitchFamily="34" charset="0"/>
                 <a:ea typeface="Arial" panose="020B0604020202020204" pitchFamily="34" charset="0"/>
-              </a:rPr>
-              <a:t>anodiam.com/teacher/addnewcourse/{userid}</a:t>
-            </a:r>
+                <a:hlinkClick r:id="rId2"/>
+              </a:rPr>
+              <a:t>anodiam.com/teacher/addnewcontent</a:t>
+            </a:r>
+            <a:endParaRPr lang="en-US" sz="1400" u="sng" dirty="0" smtClean="0">
+              <a:solidFill>
+                <a:srgbClr val="0000FF"/>
+              </a:solidFill>
+              <a:latin typeface="Arial" panose="020B0604020202020204" pitchFamily="34" charset="0"/>
+              <a:ea typeface="Arial" panose="020B0604020202020204" pitchFamily="34" charset="0"/>
+            </a:endParaRPr>
+          </a:p>
+          <a:p>
+            <a:pPr algn="ctr"/>
+            <a:r>
+              <a:rPr lang="en-US" sz="1400" u="sng" dirty="0">
+                <a:solidFill>
+                  <a:srgbClr val="0000FF"/>
+                </a:solidFill>
+                <a:latin typeface="Arial" panose="020B0604020202020204" pitchFamily="34" charset="0"/>
+                <a:ea typeface="Arial" panose="020B0604020202020204" pitchFamily="34" charset="0"/>
+                <a:hlinkClick r:id="rId3"/>
+              </a:rPr>
+              <a:t>https://</a:t>
+            </a:r>
+            <a:r>
+              <a:rPr lang="en-US" sz="1400" u="sng" dirty="0" smtClean="0">
+                <a:solidFill>
+                  <a:srgbClr val="0000FF"/>
+                </a:solidFill>
+                <a:latin typeface="Arial" panose="020B0604020202020204" pitchFamily="34" charset="0"/>
+                <a:ea typeface="Arial" panose="020B0604020202020204" pitchFamily="34" charset="0"/>
+              </a:rPr>
+              <a:t>anodiam.com/teacher/</a:t>
+            </a:r>
+            <a:r>
+              <a:rPr lang="en-US" sz="1400" u="sng" dirty="0">
+                <a:solidFill>
+                  <a:srgbClr val="0000FF"/>
+                </a:solidFill>
+                <a:latin typeface="Arial" panose="020B0604020202020204" pitchFamily="34" charset="0"/>
+                <a:ea typeface="Arial" panose="020B0604020202020204" pitchFamily="34" charset="0"/>
+                <a:hlinkClick r:id="rId2"/>
+              </a:rPr>
+              <a:t>content</a:t>
+            </a:r>
+            <a:r>
+              <a:rPr lang="en-US" sz="1400" u="sng" dirty="0" smtClean="0">
+                <a:solidFill>
+                  <a:srgbClr val="0000FF"/>
+                </a:solidFill>
+                <a:latin typeface="Arial" panose="020B0604020202020204" pitchFamily="34" charset="0"/>
+                <a:ea typeface="Arial" panose="020B0604020202020204" pitchFamily="34" charset="0"/>
+              </a:rPr>
+              <a:t>/{</a:t>
+            </a:r>
+            <a:r>
+              <a:rPr lang="en-US" sz="1400" u="sng" dirty="0">
+                <a:solidFill>
+                  <a:srgbClr val="0000FF"/>
+                </a:solidFill>
+                <a:latin typeface="Arial" panose="020B0604020202020204" pitchFamily="34" charset="0"/>
+                <a:ea typeface="Arial" panose="020B0604020202020204" pitchFamily="34" charset="0"/>
+                <a:hlinkClick r:id="rId2"/>
+              </a:rPr>
+              <a:t>content</a:t>
+            </a:r>
+            <a:r>
+              <a:rPr lang="en-US" sz="1400" u="sng" dirty="0" smtClean="0">
+                <a:solidFill>
+                  <a:srgbClr val="0000FF"/>
+                </a:solidFill>
+                <a:latin typeface="Arial" panose="020B0604020202020204" pitchFamily="34" charset="0"/>
+                <a:ea typeface="Arial" panose="020B0604020202020204" pitchFamily="34" charset="0"/>
+              </a:rPr>
+              <a:t>id}</a:t>
+            </a:r>
+            <a:endParaRPr lang="en-US" sz="1400" u="sng" dirty="0">
+              <a:solidFill>
+                <a:srgbClr val="0000FF"/>
+              </a:solidFill>
+              <a:latin typeface="Arial" panose="020B0604020202020204" pitchFamily="34" charset="0"/>
+              <a:ea typeface="Arial" panose="020B0604020202020204" pitchFamily="34" charset="0"/>
+            </a:endParaRPr>
           </a:p>
         </p:txBody>
       </p:sp>
@@ -7249,7 +7350,7 @@
           <p:nvPr/>
         </p:nvPicPr>
         <p:blipFill>
-          <a:blip r:embed="rId3"/>
+          <a:blip r:embed="rId4"/>
           <a:stretch>
             <a:fillRect/>
           </a:stretch>
@@ -7359,70 +7460,6 @@
           </a:p>
         </p:txBody>
       </p:sp>
-      <p:sp>
-        <p:nvSpPr>
-          <p:cNvPr id="3" name="Rectangle 2"/>
-          <p:cNvSpPr/>
-          <p:nvPr/>
-        </p:nvSpPr>
-        <p:spPr>
-          <a:xfrm>
-            <a:off x="431032" y="528935"/>
-            <a:ext cx="8245424" cy="307777"/>
-          </a:xfrm>
-          <a:prstGeom prst="rect">
-            <a:avLst/>
-          </a:prstGeom>
-        </p:spPr>
-        <p:txBody>
-          <a:bodyPr wrap="square">
-            <a:spAutoFit/>
-          </a:bodyPr>
-          <a:lstStyle/>
-          <a:p>
-            <a:pPr algn="ctr"/>
-            <a:r>
-              <a:rPr lang="en-US" sz="1400" dirty="0">
-                <a:latin typeface="Arial" panose="020B0604020202020204" pitchFamily="34" charset="0"/>
-                <a:ea typeface="Arial" panose="020B0604020202020204" pitchFamily="34" charset="0"/>
-              </a:rPr>
-              <a:t>Link: </a:t>
-            </a:r>
-            <a:r>
-              <a:rPr lang="en-US" sz="1400" u="sng" dirty="0">
-                <a:solidFill>
-                  <a:srgbClr val="0000FF"/>
-                </a:solidFill>
-                <a:latin typeface="Arial" panose="020B0604020202020204" pitchFamily="34" charset="0"/>
-                <a:ea typeface="Arial" panose="020B0604020202020204" pitchFamily="34" charset="0"/>
-                <a:hlinkClick r:id="rId2"/>
-              </a:rPr>
-              <a:t>https</a:t>
-            </a:r>
-            <a:r>
-              <a:rPr lang="en-US" sz="1400" u="sng" dirty="0" smtClean="0">
-                <a:solidFill>
-                  <a:srgbClr val="0000FF"/>
-                </a:solidFill>
-                <a:latin typeface="Arial" panose="020B0604020202020204" pitchFamily="34" charset="0"/>
-                <a:ea typeface="Arial" panose="020B0604020202020204" pitchFamily="34" charset="0"/>
-                <a:hlinkClick r:id="rId2"/>
-              </a:rPr>
-              <a:t>://</a:t>
-            </a:r>
-            <a:r>
-              <a:rPr lang="en-US" sz="1400" u="sng" dirty="0" smtClean="0">
-                <a:solidFill>
-                  <a:srgbClr val="0000FF"/>
-                </a:solidFill>
-                <a:latin typeface="Arial" panose="020B0604020202020204" pitchFamily="34" charset="0"/>
-                <a:ea typeface="Arial" panose="020B0604020202020204" pitchFamily="34" charset="0"/>
-              </a:rPr>
-              <a:t>anodiam.com/teacher/addnewcourse/{userid}</a:t>
-            </a:r>
-          </a:p>
-        </p:txBody>
-      </p:sp>
       <p:pic>
         <p:nvPicPr>
           <p:cNvPr id="4" name="Picture 3"/>
@@ -7432,14 +7469,14 @@
           <p:nvPr/>
         </p:nvPicPr>
         <p:blipFill>
-          <a:blip r:embed="rId3"/>
+          <a:blip r:embed="rId2"/>
           <a:stretch>
             <a:fillRect/>
           </a:stretch>
         </p:blipFill>
         <p:spPr>
           <a:xfrm>
-            <a:off x="899592" y="836712"/>
+            <a:off x="899592" y="908720"/>
             <a:ext cx="7466667" cy="5933333"/>
           </a:xfrm>
           <a:prstGeom prst="rect">
@@ -7447,6 +7484,109 @@
           </a:prstGeom>
         </p:spPr>
       </p:pic>
+      <p:sp>
+        <p:nvSpPr>
+          <p:cNvPr id="5" name="Rectangle 4"/>
+          <p:cNvSpPr/>
+          <p:nvPr/>
+        </p:nvSpPr>
+        <p:spPr>
+          <a:xfrm>
+            <a:off x="449288" y="409468"/>
+            <a:ext cx="8245424" cy="523220"/>
+          </a:xfrm>
+          <a:prstGeom prst="rect">
+            <a:avLst/>
+          </a:prstGeom>
+        </p:spPr>
+        <p:txBody>
+          <a:bodyPr wrap="square">
+            <a:spAutoFit/>
+          </a:bodyPr>
+          <a:lstStyle/>
+          <a:p>
+            <a:pPr algn="ctr"/>
+            <a:r>
+              <a:rPr lang="en-US" sz="1400" dirty="0">
+                <a:latin typeface="Arial" panose="020B0604020202020204" pitchFamily="34" charset="0"/>
+                <a:ea typeface="Arial" panose="020B0604020202020204" pitchFamily="34" charset="0"/>
+              </a:rPr>
+              <a:t>Link: </a:t>
+            </a:r>
+            <a:r>
+              <a:rPr lang="en-US" sz="1400" u="sng" dirty="0">
+                <a:solidFill>
+                  <a:srgbClr val="0000FF"/>
+                </a:solidFill>
+                <a:latin typeface="Arial" panose="020B0604020202020204" pitchFamily="34" charset="0"/>
+                <a:ea typeface="Arial" panose="020B0604020202020204" pitchFamily="34" charset="0"/>
+                <a:hlinkClick r:id="rId3"/>
+              </a:rPr>
+              <a:t>https</a:t>
+            </a:r>
+            <a:r>
+              <a:rPr lang="en-US" sz="1400" u="sng" dirty="0" smtClean="0">
+                <a:solidFill>
+                  <a:srgbClr val="0000FF"/>
+                </a:solidFill>
+                <a:latin typeface="Arial" panose="020B0604020202020204" pitchFamily="34" charset="0"/>
+                <a:ea typeface="Arial" panose="020B0604020202020204" pitchFamily="34" charset="0"/>
+                <a:hlinkClick r:id="rId3"/>
+              </a:rPr>
+              <a:t>://</a:t>
+            </a:r>
+            <a:r>
+              <a:rPr lang="en-US" sz="1400" u="sng" dirty="0" smtClean="0">
+                <a:solidFill>
+                  <a:srgbClr val="0000FF"/>
+                </a:solidFill>
+                <a:latin typeface="Arial" panose="020B0604020202020204" pitchFamily="34" charset="0"/>
+                <a:ea typeface="Arial" panose="020B0604020202020204" pitchFamily="34" charset="0"/>
+                <a:hlinkClick r:id="rId3"/>
+              </a:rPr>
+              <a:t>anodiam.com/teacher/addnewcourse</a:t>
+            </a:r>
+            <a:endParaRPr lang="en-US" sz="1400" u="sng" dirty="0" smtClean="0">
+              <a:solidFill>
+                <a:srgbClr val="0000FF"/>
+              </a:solidFill>
+              <a:latin typeface="Arial" panose="020B0604020202020204" pitchFamily="34" charset="0"/>
+              <a:ea typeface="Arial" panose="020B0604020202020204" pitchFamily="34" charset="0"/>
+            </a:endParaRPr>
+          </a:p>
+          <a:p>
+            <a:pPr algn="ctr"/>
+            <a:r>
+              <a:rPr lang="en-US" sz="1400" u="sng" dirty="0">
+                <a:solidFill>
+                  <a:srgbClr val="0000FF"/>
+                </a:solidFill>
+                <a:latin typeface="Arial" panose="020B0604020202020204" pitchFamily="34" charset="0"/>
+                <a:ea typeface="Arial" panose="020B0604020202020204" pitchFamily="34" charset="0"/>
+                <a:hlinkClick r:id="rId4"/>
+              </a:rPr>
+              <a:t>https://</a:t>
+            </a:r>
+            <a:r>
+              <a:rPr lang="en-US" sz="1400" u="sng" dirty="0">
+                <a:solidFill>
+                  <a:srgbClr val="0000FF"/>
+                </a:solidFill>
+                <a:latin typeface="Arial" panose="020B0604020202020204" pitchFamily="34" charset="0"/>
+                <a:ea typeface="Arial" panose="020B0604020202020204" pitchFamily="34" charset="0"/>
+              </a:rPr>
+              <a:t>anodiam.com/teacher/course/{courseid}</a:t>
+            </a:r>
+            <a:endParaRPr lang="en-US" sz="1400" u="sng" dirty="0" smtClean="0">
+              <a:solidFill>
+                <a:srgbClr val="0000FF"/>
+              </a:solidFill>
+              <a:latin typeface="Arial" panose="020B0604020202020204" pitchFamily="34" charset="0"/>
+              <a:ea typeface="Arial" panose="020B0604020202020204" pitchFamily="34" charset="0"/>
+            </a:endParaRPr>
+          </a:p>
+        </p:txBody>
+      </p:sp>
     </p:spTree>
     <p:extLst>
       <p:ext uri="{BB962C8B-B14F-4D97-AF65-F5344CB8AC3E}">
@@ -7542,70 +7682,6 @@
           </a:p>
         </p:txBody>
       </p:sp>
-      <p:sp>
-        <p:nvSpPr>
-          <p:cNvPr id="3" name="Rectangle 2"/>
-          <p:cNvSpPr/>
-          <p:nvPr/>
-        </p:nvSpPr>
-        <p:spPr>
-          <a:xfrm>
-            <a:off x="431032" y="528935"/>
-            <a:ext cx="8245424" cy="307777"/>
-          </a:xfrm>
-          <a:prstGeom prst="rect">
-            <a:avLst/>
-          </a:prstGeom>
-        </p:spPr>
-        <p:txBody>
-          <a:bodyPr wrap="square">
-            <a:spAutoFit/>
-          </a:bodyPr>
-          <a:lstStyle/>
-          <a:p>
-            <a:pPr algn="ctr"/>
-            <a:r>
-              <a:rPr lang="en-US" sz="1400" dirty="0">
-                <a:latin typeface="Arial" panose="020B0604020202020204" pitchFamily="34" charset="0"/>
-                <a:ea typeface="Arial" panose="020B0604020202020204" pitchFamily="34" charset="0"/>
-              </a:rPr>
-              <a:t>Link: </a:t>
-            </a:r>
-            <a:r>
-              <a:rPr lang="en-US" sz="1400" u="sng" dirty="0">
-                <a:solidFill>
-                  <a:srgbClr val="0000FF"/>
-                </a:solidFill>
-                <a:latin typeface="Arial" panose="020B0604020202020204" pitchFamily="34" charset="0"/>
-                <a:ea typeface="Arial" panose="020B0604020202020204" pitchFamily="34" charset="0"/>
-                <a:hlinkClick r:id="rId2"/>
-              </a:rPr>
-              <a:t>https</a:t>
-            </a:r>
-            <a:r>
-              <a:rPr lang="en-US" sz="1400" u="sng" dirty="0" smtClean="0">
-                <a:solidFill>
-                  <a:srgbClr val="0000FF"/>
-                </a:solidFill>
-                <a:latin typeface="Arial" panose="020B0604020202020204" pitchFamily="34" charset="0"/>
-                <a:ea typeface="Arial" panose="020B0604020202020204" pitchFamily="34" charset="0"/>
-                <a:hlinkClick r:id="rId2"/>
-              </a:rPr>
-              <a:t>://</a:t>
-            </a:r>
-            <a:r>
-              <a:rPr lang="en-US" sz="1400" u="sng" dirty="0" smtClean="0">
-                <a:solidFill>
-                  <a:srgbClr val="0000FF"/>
-                </a:solidFill>
-                <a:latin typeface="Arial" panose="020B0604020202020204" pitchFamily="34" charset="0"/>
-                <a:ea typeface="Arial" panose="020B0604020202020204" pitchFamily="34" charset="0"/>
-              </a:rPr>
-              <a:t>anodiam.com/teacher/addnewcourse/{userid}</a:t>
-            </a:r>
-          </a:p>
-        </p:txBody>
-      </p:sp>
       <p:pic>
         <p:nvPicPr>
           <p:cNvPr id="6" name="Picture 5"/>
@@ -7615,14 +7691,14 @@
           <p:nvPr/>
         </p:nvPicPr>
         <p:blipFill>
-          <a:blip r:embed="rId3"/>
+          <a:blip r:embed="rId2"/>
           <a:stretch>
             <a:fillRect/>
           </a:stretch>
         </p:blipFill>
         <p:spPr>
           <a:xfrm>
-            <a:off x="838200" y="836712"/>
+            <a:off x="838200" y="908720"/>
             <a:ext cx="7467600" cy="5934075"/>
           </a:xfrm>
           <a:prstGeom prst="rect">
@@ -7630,6 +7706,109 @@
           </a:prstGeom>
         </p:spPr>
       </p:pic>
+      <p:sp>
+        <p:nvSpPr>
+          <p:cNvPr id="5" name="Rectangle 4"/>
+          <p:cNvSpPr/>
+          <p:nvPr/>
+        </p:nvSpPr>
+        <p:spPr>
+          <a:xfrm>
+            <a:off x="449288" y="385500"/>
+            <a:ext cx="8245424" cy="523220"/>
+          </a:xfrm>
+          <a:prstGeom prst="rect">
+            <a:avLst/>
+          </a:prstGeom>
+        </p:spPr>
+        <p:txBody>
+          <a:bodyPr wrap="square">
+            <a:spAutoFit/>
+          </a:bodyPr>
+          <a:lstStyle/>
+          <a:p>
+            <a:pPr algn="ctr"/>
+            <a:r>
+              <a:rPr lang="en-US" sz="1400" dirty="0">
+                <a:latin typeface="Arial" panose="020B0604020202020204" pitchFamily="34" charset="0"/>
+                <a:ea typeface="Arial" panose="020B0604020202020204" pitchFamily="34" charset="0"/>
+              </a:rPr>
+              <a:t>Link: </a:t>
+            </a:r>
+            <a:r>
+              <a:rPr lang="en-US" sz="1400" u="sng" dirty="0">
+                <a:solidFill>
+                  <a:srgbClr val="0000FF"/>
+                </a:solidFill>
+                <a:latin typeface="Arial" panose="020B0604020202020204" pitchFamily="34" charset="0"/>
+                <a:ea typeface="Arial" panose="020B0604020202020204" pitchFamily="34" charset="0"/>
+                <a:hlinkClick r:id="rId3"/>
+              </a:rPr>
+              <a:t>https</a:t>
+            </a:r>
+            <a:r>
+              <a:rPr lang="en-US" sz="1400" u="sng" dirty="0" smtClean="0">
+                <a:solidFill>
+                  <a:srgbClr val="0000FF"/>
+                </a:solidFill>
+                <a:latin typeface="Arial" panose="020B0604020202020204" pitchFamily="34" charset="0"/>
+                <a:ea typeface="Arial" panose="020B0604020202020204" pitchFamily="34" charset="0"/>
+                <a:hlinkClick r:id="rId3"/>
+              </a:rPr>
+              <a:t>://</a:t>
+            </a:r>
+            <a:r>
+              <a:rPr lang="en-US" sz="1400" u="sng" dirty="0" smtClean="0">
+                <a:solidFill>
+                  <a:srgbClr val="0000FF"/>
+                </a:solidFill>
+                <a:latin typeface="Arial" panose="020B0604020202020204" pitchFamily="34" charset="0"/>
+                <a:ea typeface="Arial" panose="020B0604020202020204" pitchFamily="34" charset="0"/>
+                <a:hlinkClick r:id="rId3"/>
+              </a:rPr>
+              <a:t>anodiam.com/teacher/addnewcourse</a:t>
+            </a:r>
+            <a:endParaRPr lang="en-US" sz="1400" u="sng" dirty="0" smtClean="0">
+              <a:solidFill>
+                <a:srgbClr val="0000FF"/>
+              </a:solidFill>
+              <a:latin typeface="Arial" panose="020B0604020202020204" pitchFamily="34" charset="0"/>
+              <a:ea typeface="Arial" panose="020B0604020202020204" pitchFamily="34" charset="0"/>
+            </a:endParaRPr>
+          </a:p>
+          <a:p>
+            <a:pPr algn="ctr"/>
+            <a:r>
+              <a:rPr lang="en-US" sz="1400" u="sng" dirty="0">
+                <a:solidFill>
+                  <a:srgbClr val="0000FF"/>
+                </a:solidFill>
+                <a:latin typeface="Arial" panose="020B0604020202020204" pitchFamily="34" charset="0"/>
+                <a:ea typeface="Arial" panose="020B0604020202020204" pitchFamily="34" charset="0"/>
+                <a:hlinkClick r:id="rId4"/>
+              </a:rPr>
+              <a:t>https://</a:t>
+            </a:r>
+            <a:r>
+              <a:rPr lang="en-US" sz="1400" u="sng" dirty="0">
+                <a:solidFill>
+                  <a:srgbClr val="0000FF"/>
+                </a:solidFill>
+                <a:latin typeface="Arial" panose="020B0604020202020204" pitchFamily="34" charset="0"/>
+                <a:ea typeface="Arial" panose="020B0604020202020204" pitchFamily="34" charset="0"/>
+              </a:rPr>
+              <a:t>anodiam.com/teacher/course/{courseid}</a:t>
+            </a:r>
+            <a:endParaRPr lang="en-US" sz="1400" u="sng" dirty="0" smtClean="0">
+              <a:solidFill>
+                <a:srgbClr val="0000FF"/>
+              </a:solidFill>
+              <a:latin typeface="Arial" panose="020B0604020202020204" pitchFamily="34" charset="0"/>
+              <a:ea typeface="Arial" panose="020B0604020202020204" pitchFamily="34" charset="0"/>
+            </a:endParaRPr>
+          </a:p>
+        </p:txBody>
+      </p:sp>
     </p:spTree>
     <p:extLst>
       <p:ext uri="{BB962C8B-B14F-4D97-AF65-F5344CB8AC3E}">
@@ -7783,9 +7962,17 @@
                 </a:solidFill>
                 <a:latin typeface="Arial" panose="020B0604020202020204" pitchFamily="34" charset="0"/>
                 <a:ea typeface="Arial" panose="020B0604020202020204" pitchFamily="34" charset="0"/>
-              </a:rPr>
-              <a:t>anodiam.com/teacher/addnewcourse/{userid}</a:t>
-            </a:r>
+                <a:hlinkClick r:id="rId2"/>
+              </a:rPr>
+              <a:t>anodiam.com/teacher/addnewstatus</a:t>
+            </a:r>
+            <a:endParaRPr lang="en-US" sz="1400" u="sng" dirty="0" smtClean="0">
+              <a:solidFill>
+                <a:srgbClr val="0000FF"/>
+              </a:solidFill>
+              <a:latin typeface="Arial" panose="020B0604020202020204" pitchFamily="34" charset="0"/>
+              <a:ea typeface="Arial" panose="020B0604020202020204" pitchFamily="34" charset="0"/>
+            </a:endParaRPr>
           </a:p>
         </p:txBody>
       </p:sp>
@@ -7967,14 +8154,24 @@
                 <a:latin typeface="Arial" panose="020B0604020202020204" pitchFamily="34" charset="0"/>
                 <a:ea typeface="Arial" panose="020B0604020202020204" pitchFamily="34" charset="0"/>
               </a:rPr>
-              <a:t>anodiam.com/teacher/myprofile/personal/{userid}</a:t>
+              <a:t>anodiam.com/teacher/myprofile/{</a:t>
+            </a:r>
+            <a:r>
+              <a:rPr lang="en-US" sz="1400" u="sng" dirty="0" smtClean="0">
+                <a:solidFill>
+                  <a:srgbClr val="0000FF"/>
+                </a:solidFill>
+                <a:latin typeface="Arial" panose="020B0604020202020204" pitchFamily="34" charset="0"/>
+                <a:ea typeface="Arial" panose="020B0604020202020204" pitchFamily="34" charset="0"/>
+              </a:rPr>
+              <a:t>userid}</a:t>
             </a:r>
           </a:p>
         </p:txBody>
       </p:sp>
       <p:pic>
         <p:nvPicPr>
-          <p:cNvPr id="4" name="Picture 3"/>
+          <p:cNvPr id="5" name="Picture 4"/>
           <p:cNvPicPr>
             <a:picLocks noChangeAspect="1"/>
           </p:cNvPicPr>
@@ -7988,7 +8185,7 @@
         </p:blipFill>
         <p:spPr>
           <a:xfrm>
-            <a:off x="838200" y="1339552"/>
+            <a:off x="838200" y="1340768"/>
             <a:ext cx="7467600" cy="5257800"/>
           </a:xfrm>
           <a:prstGeom prst="rect">
@@ -8150,7 +8347,17 @@
                 <a:latin typeface="Arial" panose="020B0604020202020204" pitchFamily="34" charset="0"/>
                 <a:ea typeface="Arial" panose="020B0604020202020204" pitchFamily="34" charset="0"/>
               </a:rPr>
-              <a:t>anodiam.com/teacher/myprofile/professional/{userid}</a:t>
+              <a:t>anodiam.com/teacher/myprofile/{</a:t>
+            </a:r>
+            <a:r>
+              <a:rPr lang="en-US" sz="1400" u="sng" dirty="0" smtClean="0">
+                <a:solidFill>
+                  <a:srgbClr val="0000FF"/>
+                </a:solidFill>
+                <a:latin typeface="Arial" panose="020B0604020202020204" pitchFamily="34" charset="0"/>
+                <a:ea typeface="Arial" panose="020B0604020202020204" pitchFamily="34" charset="0"/>
+              </a:rPr>
+              <a:t>userid}</a:t>
             </a:r>
           </a:p>
         </p:txBody>
@@ -8333,14 +8540,24 @@
                 <a:latin typeface="Arial" panose="020B0604020202020204" pitchFamily="34" charset="0"/>
                 <a:ea typeface="Arial" panose="020B0604020202020204" pitchFamily="34" charset="0"/>
               </a:rPr>
-              <a:t>anodiam.com/teacher/myprofile/financial/{userid}</a:t>
+              <a:t>anodiam.com/teacher/myprofile/{</a:t>
+            </a:r>
+            <a:r>
+              <a:rPr lang="en-US" sz="1400" u="sng" dirty="0" smtClean="0">
+                <a:solidFill>
+                  <a:srgbClr val="0000FF"/>
+                </a:solidFill>
+                <a:latin typeface="Arial" panose="020B0604020202020204" pitchFamily="34" charset="0"/>
+                <a:ea typeface="Arial" panose="020B0604020202020204" pitchFamily="34" charset="0"/>
+              </a:rPr>
+              <a:t>userid}</a:t>
             </a:r>
           </a:p>
         </p:txBody>
       </p:sp>
       <p:pic>
         <p:nvPicPr>
-          <p:cNvPr id="5" name="Picture 4"/>
+          <p:cNvPr id="6" name="Picture 5"/>
           <p:cNvPicPr>
             <a:picLocks noChangeAspect="1"/>
           </p:cNvPicPr>
@@ -8354,7 +8571,7 @@
         </p:blipFill>
         <p:spPr>
           <a:xfrm>
-            <a:off x="838200" y="1840954"/>
+            <a:off x="838200" y="1696938"/>
             <a:ext cx="7467600" cy="4324350"/>
           </a:xfrm>
           <a:prstGeom prst="rect">
@@ -8693,7 +8910,17 @@
                 <a:latin typeface="Arial" panose="020B0604020202020204" pitchFamily="34" charset="0"/>
                 <a:ea typeface="Arial" panose="020B0604020202020204" pitchFamily="34" charset="0"/>
               </a:rPr>
-              <a:t>anodiam.com/teacher/myprofile/payouts/{userid}</a:t>
+              <a:t>anodiam.com/teacher/payouts</a:t>
+            </a:r>
+            <a:r>
+              <a:rPr lang="en-US" sz="1400" u="sng" dirty="0" smtClean="0">
+                <a:solidFill>
+                  <a:srgbClr val="0000FF"/>
+                </a:solidFill>
+                <a:latin typeface="Arial" panose="020B0604020202020204" pitchFamily="34" charset="0"/>
+                <a:ea typeface="Arial" panose="020B0604020202020204" pitchFamily="34" charset="0"/>
+              </a:rPr>
+              <a:t>/{userid}</a:t>
             </a:r>
           </a:p>
         </p:txBody>
@@ -8876,7 +9103,17 @@
                 <a:latin typeface="Arial" panose="020B0604020202020204" pitchFamily="34" charset="0"/>
                 <a:ea typeface="Arial" panose="020B0604020202020204" pitchFamily="34" charset="0"/>
               </a:rPr>
-              <a:t>anodiam.com/teacher/myprofile/analytics/{userid}</a:t>
+              <a:t>anodiam.com/teacher/analytics</a:t>
+            </a:r>
+            <a:r>
+              <a:rPr lang="en-US" sz="1400" u="sng" dirty="0" smtClean="0">
+                <a:solidFill>
+                  <a:srgbClr val="0000FF"/>
+                </a:solidFill>
+                <a:latin typeface="Arial" panose="020B0604020202020204" pitchFamily="34" charset="0"/>
+                <a:ea typeface="Arial" panose="020B0604020202020204" pitchFamily="34" charset="0"/>
+              </a:rPr>
+              <a:t>/{userid}</a:t>
             </a:r>
           </a:p>
         </p:txBody>
@@ -9059,7 +9296,17 @@
                 <a:latin typeface="Arial" panose="020B0604020202020204" pitchFamily="34" charset="0"/>
                 <a:ea typeface="Arial" panose="020B0604020202020204" pitchFamily="34" charset="0"/>
               </a:rPr>
-              <a:t>anodiam.com/teacher/inbox/{userid}</a:t>
+              <a:t>anodiam.com/teacher/messages/{</a:t>
+            </a:r>
+            <a:r>
+              <a:rPr lang="en-US" sz="1400" u="sng" dirty="0" smtClean="0">
+                <a:solidFill>
+                  <a:srgbClr val="0000FF"/>
+                </a:solidFill>
+                <a:latin typeface="Arial" panose="020B0604020202020204" pitchFamily="34" charset="0"/>
+                <a:ea typeface="Arial" panose="020B0604020202020204" pitchFamily="34" charset="0"/>
+              </a:rPr>
+              <a:t>userid}</a:t>
             </a:r>
           </a:p>
         </p:txBody>
@@ -10158,7 +10405,7 @@
       </p:sp>
       <p:pic>
         <p:nvPicPr>
-          <p:cNvPr id="7" name="Picture 6"/>
+          <p:cNvPr id="4" name="Picture 3"/>
           <p:cNvPicPr>
             <a:picLocks noChangeAspect="1"/>
           </p:cNvPicPr>
@@ -10172,8 +10419,8 @@
         </p:blipFill>
         <p:spPr>
           <a:xfrm>
-            <a:off x="857250" y="1946870"/>
-            <a:ext cx="7429500" cy="4362450"/>
+            <a:off x="857250" y="1628800"/>
+            <a:ext cx="7429500" cy="4076700"/>
           </a:xfrm>
           <a:prstGeom prst="rect">
             <a:avLst/>
@@ -10282,9 +10529,84 @@
           </a:p>
         </p:txBody>
       </p:sp>
+      <p:sp>
+        <p:nvSpPr>
+          <p:cNvPr id="7" name="Rectangle 6"/>
+          <p:cNvSpPr/>
+          <p:nvPr/>
+        </p:nvSpPr>
+        <p:spPr>
+          <a:xfrm>
+            <a:off x="1117785" y="332656"/>
+            <a:ext cx="6671057" cy="941796"/>
+          </a:xfrm>
+          <a:prstGeom prst="rect">
+            <a:avLst/>
+          </a:prstGeom>
+        </p:spPr>
+        <p:txBody>
+          <a:bodyPr wrap="none">
+            <a:spAutoFit/>
+          </a:bodyPr>
+          <a:lstStyle/>
+          <a:p>
+            <a:pPr algn="ctr">
+              <a:lnSpc>
+                <a:spcPct val="115000"/>
+              </a:lnSpc>
+              <a:spcAft>
+                <a:spcPts val="0"/>
+              </a:spcAft>
+            </a:pPr>
+            <a:r>
+              <a:rPr lang="en-US" sz="2400" b="1" dirty="0" smtClean="0">
+                <a:latin typeface="Arial" panose="020B0604020202020204" pitchFamily="34" charset="0"/>
+                <a:ea typeface="Arial" panose="020B0604020202020204" pitchFamily="34" charset="0"/>
+              </a:rPr>
+              <a:t>Teacher App</a:t>
+            </a:r>
+            <a:r>
+              <a:rPr lang="en-US" sz="2400" b="1" dirty="0">
+                <a:latin typeface="Arial" panose="020B0604020202020204" pitchFamily="34" charset="0"/>
+                <a:ea typeface="Arial" panose="020B0604020202020204" pitchFamily="34" charset="0"/>
+              </a:rPr>
+              <a:t>: </a:t>
+            </a:r>
+            <a:r>
+              <a:rPr lang="en-US" sz="2400" b="1" dirty="0" smtClean="0">
+                <a:latin typeface="Arial" panose="020B0604020202020204" pitchFamily="34" charset="0"/>
+                <a:ea typeface="Arial" panose="020B0604020202020204" pitchFamily="34" charset="0"/>
+              </a:rPr>
+              <a:t>Signup – Teacher Signup page</a:t>
+            </a:r>
+          </a:p>
+          <a:p>
+            <a:pPr algn="ctr">
+              <a:lnSpc>
+                <a:spcPct val="115000"/>
+              </a:lnSpc>
+              <a:spcAft>
+                <a:spcPts val="0"/>
+              </a:spcAft>
+            </a:pPr>
+            <a:r>
+              <a:rPr lang="en-US" sz="2400" b="1" dirty="0" smtClean="0">
+                <a:latin typeface="Arial" panose="020B0604020202020204" pitchFamily="34" charset="0"/>
+                <a:ea typeface="Arial" panose="020B0604020202020204" pitchFamily="34" charset="0"/>
+              </a:rPr>
+              <a:t>Professional and Financial details section</a:t>
+            </a:r>
+            <a:endParaRPr lang="en-AU" sz="2400" dirty="0">
+              <a:effectLst/>
+              <a:latin typeface="Arial" panose="020B0604020202020204" pitchFamily="34" charset="0"/>
+              <a:ea typeface="Arial" panose="020B0604020202020204" pitchFamily="34" charset="0"/>
+            </a:endParaRPr>
+          </a:p>
+        </p:txBody>
+      </p:sp>
       <p:pic>
         <p:nvPicPr>
-          <p:cNvPr id="3" name="Picture 2"/>
+          <p:cNvPr id="4" name="Picture 3"/>
           <p:cNvPicPr>
             <a:picLocks noChangeAspect="1"/>
           </p:cNvPicPr>
@@ -10298,89 +10620,14 @@
         </p:blipFill>
         <p:spPr>
           <a:xfrm>
-            <a:off x="857714" y="2019423"/>
-            <a:ext cx="7428571" cy="4361905"/>
+            <a:off x="857250" y="1907629"/>
+            <a:ext cx="7429500" cy="4257675"/>
           </a:xfrm>
           <a:prstGeom prst="rect">
             <a:avLst/>
           </a:prstGeom>
         </p:spPr>
       </p:pic>
-      <p:sp>
-        <p:nvSpPr>
-          <p:cNvPr id="7" name="Rectangle 6"/>
-          <p:cNvSpPr/>
-          <p:nvPr/>
-        </p:nvSpPr>
-        <p:spPr>
-          <a:xfrm>
-            <a:off x="1117785" y="332656"/>
-            <a:ext cx="6671057" cy="941796"/>
-          </a:xfrm>
-          <a:prstGeom prst="rect">
-            <a:avLst/>
-          </a:prstGeom>
-        </p:spPr>
-        <p:txBody>
-          <a:bodyPr wrap="none">
-            <a:spAutoFit/>
-          </a:bodyPr>
-          <a:lstStyle/>
-          <a:p>
-            <a:pPr algn="ctr">
-              <a:lnSpc>
-                <a:spcPct val="115000"/>
-              </a:lnSpc>
-              <a:spcAft>
-                <a:spcPts val="0"/>
-              </a:spcAft>
-            </a:pPr>
-            <a:r>
-              <a:rPr lang="en-US" sz="2400" b="1" dirty="0" smtClean="0">
-                <a:latin typeface="Arial" panose="020B0604020202020204" pitchFamily="34" charset="0"/>
-                <a:ea typeface="Arial" panose="020B0604020202020204" pitchFamily="34" charset="0"/>
-              </a:rPr>
-              <a:t>Teacher App</a:t>
-            </a:r>
-            <a:r>
-              <a:rPr lang="en-US" sz="2400" b="1" dirty="0">
-                <a:latin typeface="Arial" panose="020B0604020202020204" pitchFamily="34" charset="0"/>
-                <a:ea typeface="Arial" panose="020B0604020202020204" pitchFamily="34" charset="0"/>
-              </a:rPr>
-              <a:t>: </a:t>
-            </a:r>
-            <a:r>
-              <a:rPr lang="en-US" sz="2400" b="1" dirty="0" smtClean="0">
-                <a:latin typeface="Arial" panose="020B0604020202020204" pitchFamily="34" charset="0"/>
-                <a:ea typeface="Arial" panose="020B0604020202020204" pitchFamily="34" charset="0"/>
-              </a:rPr>
-              <a:t>Signup – Teacher Signup page</a:t>
-            </a:r>
-          </a:p>
-          <a:p>
-            <a:pPr algn="ctr">
-              <a:lnSpc>
-                <a:spcPct val="115000"/>
-              </a:lnSpc>
-              <a:spcAft>
-                <a:spcPts val="0"/>
-              </a:spcAft>
-            </a:pPr>
-            <a:r>
-              <a:rPr lang="en-US" sz="2400" b="1" dirty="0" smtClean="0">
-                <a:latin typeface="Arial" panose="020B0604020202020204" pitchFamily="34" charset="0"/>
-                <a:ea typeface="Arial" panose="020B0604020202020204" pitchFamily="34" charset="0"/>
-              </a:rPr>
-              <a:t>Professional and Financial details section</a:t>
-            </a:r>
-            <a:endParaRPr lang="en-AU" sz="2400" dirty="0">
-              <a:effectLst/>
-              <a:latin typeface="Arial" panose="020B0604020202020204" pitchFamily="34" charset="0"/>
-              <a:ea typeface="Arial" panose="020B0604020202020204" pitchFamily="34" charset="0"/>
-            </a:endParaRPr>
-          </a:p>
-        </p:txBody>
-      </p:sp>
     </p:spTree>
     <p:extLst>
       <p:ext uri="{BB962C8B-B14F-4D97-AF65-F5344CB8AC3E}">
@@ -11006,7 +11253,17 @@
                 <a:latin typeface="Arial" panose="020B0604020202020204" pitchFamily="34" charset="0"/>
                 <a:ea typeface="Arial" panose="020B0604020202020204" pitchFamily="34" charset="0"/>
               </a:rPr>
-              <a:t>anodiam.com/teacher/changepassword/{userid)</a:t>
+              <a:t>anodiam.com/teacher/changepassword/{</a:t>
+            </a:r>
+            <a:r>
+              <a:rPr lang="en-US" sz="1400" u="sng" dirty="0" smtClean="0">
+                <a:solidFill>
+                  <a:srgbClr val="0000FF"/>
+                </a:solidFill>
+                <a:latin typeface="Arial" panose="020B0604020202020204" pitchFamily="34" charset="0"/>
+                <a:ea typeface="Arial" panose="020B0604020202020204" pitchFamily="34" charset="0"/>
+              </a:rPr>
+              <a:t>userid}</a:t>
             </a:r>
             <a:endParaRPr lang="en-AU" sz="1400" dirty="0"/>
           </a:p>
@@ -11393,8 +11650,15 @@
                 <a:latin typeface="Arial" panose="020B0604020202020204" pitchFamily="34" charset="0"/>
                 <a:ea typeface="Arial" panose="020B0604020202020204" pitchFamily="34" charset="0"/>
               </a:rPr>
-              <a:t>anodiam.com/teacher/addnewcourse/{userid}</a:t>
-            </a:r>
+              <a:t>anodiam.com/teacher/addnewcourse</a:t>
+            </a:r>
+            <a:endParaRPr lang="en-US" sz="1400" u="sng" dirty="0" smtClean="0">
+              <a:solidFill>
+                <a:srgbClr val="0000FF"/>
+              </a:solidFill>
+              <a:latin typeface="Arial" panose="020B0604020202020204" pitchFamily="34" charset="0"/>
+              <a:ea typeface="Arial" panose="020B0604020202020204" pitchFamily="34" charset="0"/>
+            </a:endParaRPr>
           </a:p>
         </p:txBody>
       </p:sp>

--- a/ProjectExecution/BA/SpecsWireframes/003TeacherAppWireframes.pptx
+++ b/ProjectExecution/BA/SpecsWireframes/003TeacherAppWireframes.pptx
@@ -6512,24 +6512,14 @@
                 <a:latin typeface="Arial" panose="020B0604020202020204" pitchFamily="34" charset="0"/>
                 <a:ea typeface="Arial" panose="020B0604020202020204" pitchFamily="34" charset="0"/>
               </a:rPr>
-              <a:t>anodiam.com/teacher/course/{courseid</a:t>
-            </a:r>
-            <a:r>
-              <a:rPr lang="en-US" sz="1400" u="sng" dirty="0" smtClean="0">
-                <a:solidFill>
-                  <a:srgbClr val="0000FF"/>
-                </a:solidFill>
-                <a:latin typeface="Arial" panose="020B0604020202020204" pitchFamily="34" charset="0"/>
-                <a:ea typeface="Arial" panose="020B0604020202020204" pitchFamily="34" charset="0"/>
-              </a:rPr>
-              <a:t>}</a:t>
+              <a:t>anodiam.com/teacher/course/{courseid}</a:t>
             </a:r>
           </a:p>
         </p:txBody>
       </p:sp>
       <p:pic>
         <p:nvPicPr>
-          <p:cNvPr id="8" name="Picture 7"/>
+          <p:cNvPr id="5" name="Picture 4"/>
           <p:cNvPicPr>
             <a:picLocks noChangeAspect="1"/>
           </p:cNvPicPr>
@@ -6543,7 +6533,7 @@
         </p:blipFill>
         <p:spPr>
           <a:xfrm>
-            <a:off x="838200" y="908720"/>
+            <a:off x="838200" y="879301"/>
             <a:ext cx="7467600" cy="5934075"/>
           </a:xfrm>
           <a:prstGeom prst="rect">
@@ -6725,17 +6715,7 @@
                 <a:latin typeface="Arial" panose="020B0604020202020204" pitchFamily="34" charset="0"/>
                 <a:ea typeface="Arial" panose="020B0604020202020204" pitchFamily="34" charset="0"/>
               </a:rPr>
-              <a:t>anodiam.com/teacher/deletecourse/{courseid</a:t>
-            </a:r>
-            <a:r>
-              <a:rPr lang="en-US" sz="1400" u="sng" dirty="0" smtClean="0">
-                <a:solidFill>
-                  <a:srgbClr val="0000FF"/>
-                </a:solidFill>
-                <a:latin typeface="Arial" panose="020B0604020202020204" pitchFamily="34" charset="0"/>
-                <a:ea typeface="Arial" panose="020B0604020202020204" pitchFamily="34" charset="0"/>
-              </a:rPr>
-              <a:t>}</a:t>
+              <a:t>anodiam.com/teacher/deletecourse/{courseid}</a:t>
             </a:r>
           </a:p>
         </p:txBody>
@@ -7023,18 +7003,7 @@
                 <a:ea typeface="Arial" panose="020B0604020202020204" pitchFamily="34" charset="0"/>
                 <a:hlinkClick r:id="rId2"/>
               </a:rPr>
-              <a:t>://</a:t>
-            </a:r>
-            <a:r>
-              <a:rPr lang="en-US" sz="1400" u="sng" dirty="0" smtClean="0">
-                <a:solidFill>
-                  <a:srgbClr val="0000FF"/>
-                </a:solidFill>
-                <a:latin typeface="Arial" panose="020B0604020202020204" pitchFamily="34" charset="0"/>
-                <a:ea typeface="Arial" panose="020B0604020202020204" pitchFamily="34" charset="0"/>
-                <a:hlinkClick r:id="rId2"/>
-              </a:rPr>
-              <a:t>anodiam.com/teacher/addnewcourse</a:t>
+              <a:t>://anodiam.com/teacher/addnewcourse</a:t>
             </a:r>
             <a:endParaRPr lang="en-US" sz="1400" u="sng" dirty="0" smtClean="0">
               <a:solidFill>
@@ -7245,18 +7214,7 @@
                 <a:ea typeface="Arial" panose="020B0604020202020204" pitchFamily="34" charset="0"/>
                 <a:hlinkClick r:id="rId2"/>
               </a:rPr>
-              <a:t>://</a:t>
-            </a:r>
-            <a:r>
-              <a:rPr lang="en-US" sz="1400" u="sng" dirty="0" smtClean="0">
-                <a:solidFill>
-                  <a:srgbClr val="0000FF"/>
-                </a:solidFill>
-                <a:latin typeface="Arial" panose="020B0604020202020204" pitchFamily="34" charset="0"/>
-                <a:ea typeface="Arial" panose="020B0604020202020204" pitchFamily="34" charset="0"/>
-                <a:hlinkClick r:id="rId2"/>
-              </a:rPr>
-              <a:t>anodiam.com/teacher/addnewcontent</a:t>
+              <a:t>://anodiam.com/teacher/addnewcontent</a:t>
             </a:r>
             <a:endParaRPr lang="en-US" sz="1400" u="sng" dirty="0" smtClean="0">
               <a:solidFill>
@@ -7533,18 +7491,7 @@
                 <a:ea typeface="Arial" panose="020B0604020202020204" pitchFamily="34" charset="0"/>
                 <a:hlinkClick r:id="rId3"/>
               </a:rPr>
-              <a:t>://</a:t>
-            </a:r>
-            <a:r>
-              <a:rPr lang="en-US" sz="1400" u="sng" dirty="0" smtClean="0">
-                <a:solidFill>
-                  <a:srgbClr val="0000FF"/>
-                </a:solidFill>
-                <a:latin typeface="Arial" panose="020B0604020202020204" pitchFamily="34" charset="0"/>
-                <a:ea typeface="Arial" panose="020B0604020202020204" pitchFamily="34" charset="0"/>
-                <a:hlinkClick r:id="rId3"/>
-              </a:rPr>
-              <a:t>anodiam.com/teacher/addnewcourse</a:t>
+              <a:t>://anodiam.com/teacher/addnewcourse</a:t>
             </a:r>
             <a:endParaRPr lang="en-US" sz="1400" u="sng" dirty="0" smtClean="0">
               <a:solidFill>
@@ -7755,18 +7702,7 @@
                 <a:ea typeface="Arial" panose="020B0604020202020204" pitchFamily="34" charset="0"/>
                 <a:hlinkClick r:id="rId3"/>
               </a:rPr>
-              <a:t>://</a:t>
-            </a:r>
-            <a:r>
-              <a:rPr lang="en-US" sz="1400" u="sng" dirty="0" smtClean="0">
-                <a:solidFill>
-                  <a:srgbClr val="0000FF"/>
-                </a:solidFill>
-                <a:latin typeface="Arial" panose="020B0604020202020204" pitchFamily="34" charset="0"/>
-                <a:ea typeface="Arial" panose="020B0604020202020204" pitchFamily="34" charset="0"/>
-                <a:hlinkClick r:id="rId3"/>
-              </a:rPr>
-              <a:t>anodiam.com/teacher/addnewcourse</a:t>
+              <a:t>://anodiam.com/teacher/addnewcourse</a:t>
             </a:r>
             <a:endParaRPr lang="en-US" sz="1400" u="sng" dirty="0" smtClean="0">
               <a:solidFill>
@@ -7953,18 +7889,7 @@
                 <a:ea typeface="Arial" panose="020B0604020202020204" pitchFamily="34" charset="0"/>
                 <a:hlinkClick r:id="rId2"/>
               </a:rPr>
-              <a:t>://</a:t>
-            </a:r>
-            <a:r>
-              <a:rPr lang="en-US" sz="1400" u="sng" dirty="0" smtClean="0">
-                <a:solidFill>
-                  <a:srgbClr val="0000FF"/>
-                </a:solidFill>
-                <a:latin typeface="Arial" panose="020B0604020202020204" pitchFamily="34" charset="0"/>
-                <a:ea typeface="Arial" panose="020B0604020202020204" pitchFamily="34" charset="0"/>
-                <a:hlinkClick r:id="rId2"/>
-              </a:rPr>
-              <a:t>anodiam.com/teacher/addnewstatus</a:t>
+              <a:t>://anodiam.com/teacher/addnewstatus</a:t>
             </a:r>
             <a:endParaRPr lang="en-US" sz="1400" u="sng" dirty="0" smtClean="0">
               <a:solidFill>
@@ -8154,17 +8079,7 @@
                 <a:latin typeface="Arial" panose="020B0604020202020204" pitchFamily="34" charset="0"/>
                 <a:ea typeface="Arial" panose="020B0604020202020204" pitchFamily="34" charset="0"/>
               </a:rPr>
-              <a:t>anodiam.com/teacher/myprofile/{</a:t>
-            </a:r>
-            <a:r>
-              <a:rPr lang="en-US" sz="1400" u="sng" dirty="0" smtClean="0">
-                <a:solidFill>
-                  <a:srgbClr val="0000FF"/>
-                </a:solidFill>
-                <a:latin typeface="Arial" panose="020B0604020202020204" pitchFamily="34" charset="0"/>
-                <a:ea typeface="Arial" panose="020B0604020202020204" pitchFamily="34" charset="0"/>
-              </a:rPr>
-              <a:t>userid}</a:t>
+              <a:t>anodiam.com/teacher/myprofile/{userid}</a:t>
             </a:r>
           </a:p>
         </p:txBody>
@@ -8347,17 +8262,7 @@
                 <a:latin typeface="Arial" panose="020B0604020202020204" pitchFamily="34" charset="0"/>
                 <a:ea typeface="Arial" panose="020B0604020202020204" pitchFamily="34" charset="0"/>
               </a:rPr>
-              <a:t>anodiam.com/teacher/myprofile/{</a:t>
-            </a:r>
-            <a:r>
-              <a:rPr lang="en-US" sz="1400" u="sng" dirty="0" smtClean="0">
-                <a:solidFill>
-                  <a:srgbClr val="0000FF"/>
-                </a:solidFill>
-                <a:latin typeface="Arial" panose="020B0604020202020204" pitchFamily="34" charset="0"/>
-                <a:ea typeface="Arial" panose="020B0604020202020204" pitchFamily="34" charset="0"/>
-              </a:rPr>
-              <a:t>userid}</a:t>
+              <a:t>anodiam.com/teacher/myprofile/{userid}</a:t>
             </a:r>
           </a:p>
         </p:txBody>
@@ -8540,17 +8445,7 @@
                 <a:latin typeface="Arial" panose="020B0604020202020204" pitchFamily="34" charset="0"/>
                 <a:ea typeface="Arial" panose="020B0604020202020204" pitchFamily="34" charset="0"/>
               </a:rPr>
-              <a:t>anodiam.com/teacher/myprofile/{</a:t>
-            </a:r>
-            <a:r>
-              <a:rPr lang="en-US" sz="1400" u="sng" dirty="0" smtClean="0">
-                <a:solidFill>
-                  <a:srgbClr val="0000FF"/>
-                </a:solidFill>
-                <a:latin typeface="Arial" panose="020B0604020202020204" pitchFamily="34" charset="0"/>
-                <a:ea typeface="Arial" panose="020B0604020202020204" pitchFamily="34" charset="0"/>
-              </a:rPr>
-              <a:t>userid}</a:t>
+              <a:t>anodiam.com/teacher/myprofile/{userid}</a:t>
             </a:r>
           </a:p>
         </p:txBody>
@@ -8910,17 +8805,7 @@
                 <a:latin typeface="Arial" panose="020B0604020202020204" pitchFamily="34" charset="0"/>
                 <a:ea typeface="Arial" panose="020B0604020202020204" pitchFamily="34" charset="0"/>
               </a:rPr>
-              <a:t>anodiam.com/teacher/payouts</a:t>
-            </a:r>
-            <a:r>
-              <a:rPr lang="en-US" sz="1400" u="sng" dirty="0" smtClean="0">
-                <a:solidFill>
-                  <a:srgbClr val="0000FF"/>
-                </a:solidFill>
-                <a:latin typeface="Arial" panose="020B0604020202020204" pitchFamily="34" charset="0"/>
-                <a:ea typeface="Arial" panose="020B0604020202020204" pitchFamily="34" charset="0"/>
-              </a:rPr>
-              <a:t>/{userid}</a:t>
+              <a:t>anodiam.com/teacher/payouts/{userid}</a:t>
             </a:r>
           </a:p>
         </p:txBody>
@@ -9103,17 +8988,7 @@
                 <a:latin typeface="Arial" panose="020B0604020202020204" pitchFamily="34" charset="0"/>
                 <a:ea typeface="Arial" panose="020B0604020202020204" pitchFamily="34" charset="0"/>
               </a:rPr>
-              <a:t>anodiam.com/teacher/analytics</a:t>
-            </a:r>
-            <a:r>
-              <a:rPr lang="en-US" sz="1400" u="sng" dirty="0" smtClean="0">
-                <a:solidFill>
-                  <a:srgbClr val="0000FF"/>
-                </a:solidFill>
-                <a:latin typeface="Arial" panose="020B0604020202020204" pitchFamily="34" charset="0"/>
-                <a:ea typeface="Arial" panose="020B0604020202020204" pitchFamily="34" charset="0"/>
-              </a:rPr>
-              <a:t>/{userid}</a:t>
+              <a:t>anodiam.com/teacher/analytics/{userid}</a:t>
             </a:r>
           </a:p>
         </p:txBody>
@@ -9296,17 +9171,7 @@
                 <a:latin typeface="Arial" panose="020B0604020202020204" pitchFamily="34" charset="0"/>
                 <a:ea typeface="Arial" panose="020B0604020202020204" pitchFamily="34" charset="0"/>
               </a:rPr>
-              <a:t>anodiam.com/teacher/messages/{</a:t>
-            </a:r>
-            <a:r>
-              <a:rPr lang="en-US" sz="1400" u="sng" dirty="0" smtClean="0">
-                <a:solidFill>
-                  <a:srgbClr val="0000FF"/>
-                </a:solidFill>
-                <a:latin typeface="Arial" panose="020B0604020202020204" pitchFamily="34" charset="0"/>
-                <a:ea typeface="Arial" panose="020B0604020202020204" pitchFamily="34" charset="0"/>
-              </a:rPr>
-              <a:t>userid}</a:t>
+              <a:t>anodiam.com/teacher/messages/{userid}</a:t>
             </a:r>
           </a:p>
         </p:txBody>
@@ -11253,17 +11118,7 @@
                 <a:latin typeface="Arial" panose="020B0604020202020204" pitchFamily="34" charset="0"/>
                 <a:ea typeface="Arial" panose="020B0604020202020204" pitchFamily="34" charset="0"/>
               </a:rPr>
-              <a:t>anodiam.com/teacher/changepassword/{</a:t>
-            </a:r>
-            <a:r>
-              <a:rPr lang="en-US" sz="1400" u="sng" dirty="0" smtClean="0">
-                <a:solidFill>
-                  <a:srgbClr val="0000FF"/>
-                </a:solidFill>
-                <a:latin typeface="Arial" panose="020B0604020202020204" pitchFamily="34" charset="0"/>
-                <a:ea typeface="Arial" panose="020B0604020202020204" pitchFamily="34" charset="0"/>
-              </a:rPr>
-              <a:t>userid}</a:t>
+              <a:t>anodiam.com/teacher/changepassword/{userid}</a:t>
             </a:r>
             <a:endParaRPr lang="en-AU" sz="1400" dirty="0"/>
           </a:p>
@@ -11652,19 +11507,12 @@
               </a:rPr>
               <a:t>anodiam.com/teacher/addnewcourse</a:t>
             </a:r>
-            <a:endParaRPr lang="en-US" sz="1400" u="sng" dirty="0" smtClean="0">
-              <a:solidFill>
-                <a:srgbClr val="0000FF"/>
-              </a:solidFill>
-              <a:latin typeface="Arial" panose="020B0604020202020204" pitchFamily="34" charset="0"/>
-              <a:ea typeface="Arial" panose="020B0604020202020204" pitchFamily="34" charset="0"/>
-            </a:endParaRPr>
           </a:p>
         </p:txBody>
       </p:sp>
       <p:pic>
         <p:nvPicPr>
-          <p:cNvPr id="4" name="Picture 3"/>
+          <p:cNvPr id="5" name="Picture 4"/>
           <p:cNvPicPr>
             <a:picLocks noChangeAspect="1"/>
           </p:cNvPicPr>

--- a/ProjectExecution/BA/SpecsWireframes/003TeacherAppWireframes.pptx
+++ b/ProjectExecution/BA/SpecsWireframes/003TeacherAppWireframes.pptx
@@ -24,17 +24,17 @@
     <p:sldId id="294" r:id="rId15"/>
     <p:sldId id="295" r:id="rId16"/>
     <p:sldId id="296" r:id="rId17"/>
-    <p:sldId id="265" r:id="rId18"/>
-    <p:sldId id="273" r:id="rId19"/>
-    <p:sldId id="272" r:id="rId20"/>
-    <p:sldId id="274" r:id="rId21"/>
-    <p:sldId id="275" r:id="rId22"/>
-    <p:sldId id="276" r:id="rId23"/>
-    <p:sldId id="277" r:id="rId24"/>
-    <p:sldId id="279" r:id="rId25"/>
-    <p:sldId id="280" r:id="rId26"/>
-    <p:sldId id="281" r:id="rId27"/>
-    <p:sldId id="282" r:id="rId28"/>
+    <p:sldId id="297" r:id="rId18"/>
+    <p:sldId id="265" r:id="rId19"/>
+    <p:sldId id="273" r:id="rId20"/>
+    <p:sldId id="272" r:id="rId21"/>
+    <p:sldId id="274" r:id="rId22"/>
+    <p:sldId id="275" r:id="rId23"/>
+    <p:sldId id="276" r:id="rId24"/>
+    <p:sldId id="277" r:id="rId25"/>
+    <p:sldId id="279" r:id="rId26"/>
+    <p:sldId id="280" r:id="rId27"/>
+    <p:sldId id="281" r:id="rId28"/>
   </p:sldIdLst>
   <p:sldSz cx="9144000" cy="6858000" type="screen4x3"/>
   <p:notesSz cx="6858000" cy="9144000"/>
@@ -234,7 +234,7 @@
           <a:p>
             <a:fld id="{26483215-80E3-4A52-98A5-4C379A79CA39}" type="datetimeFigureOut">
               <a:rPr lang="en-AU" smtClean="0"/>
-              <a:t>26/11/2020</a:t>
+              <a:t>27/11/2020</a:t>
             </a:fld>
             <a:endParaRPr lang="en-AU"/>
           </a:p>
@@ -822,7 +822,7 @@
           <a:p>
             <a:fld id="{52ABDD3E-57A4-4A7C-8FEE-AE2738C669D0}" type="slidenum">
               <a:rPr lang="en-AU" smtClean="0"/>
-              <a:t>17</a:t>
+              <a:t>18</a:t>
             </a:fld>
             <a:endParaRPr lang="en-AU"/>
           </a:p>
@@ -906,7 +906,7 @@
           <a:p>
             <a:fld id="{52ABDD3E-57A4-4A7C-8FEE-AE2738C669D0}" type="slidenum">
               <a:rPr lang="en-AU" smtClean="0"/>
-              <a:t>19</a:t>
+              <a:t>20</a:t>
             </a:fld>
             <a:endParaRPr lang="en-AU"/>
           </a:p>
@@ -1106,7 +1106,7 @@
           <a:p>
             <a:fld id="{BB2A88D7-68F7-4681-80B5-BDD492DE1B81}" type="datetimeFigureOut">
               <a:rPr lang="en-AU" smtClean="0"/>
-              <a:t>26/11/2020</a:t>
+              <a:t>27/11/2020</a:t>
             </a:fld>
             <a:endParaRPr lang="en-AU"/>
           </a:p>
@@ -1276,7 +1276,7 @@
           <a:p>
             <a:fld id="{BB2A88D7-68F7-4681-80B5-BDD492DE1B81}" type="datetimeFigureOut">
               <a:rPr lang="en-AU" smtClean="0"/>
-              <a:t>26/11/2020</a:t>
+              <a:t>27/11/2020</a:t>
             </a:fld>
             <a:endParaRPr lang="en-AU"/>
           </a:p>
@@ -1456,7 +1456,7 @@
           <a:p>
             <a:fld id="{BB2A88D7-68F7-4681-80B5-BDD492DE1B81}" type="datetimeFigureOut">
               <a:rPr lang="en-AU" smtClean="0"/>
-              <a:t>26/11/2020</a:t>
+              <a:t>27/11/2020</a:t>
             </a:fld>
             <a:endParaRPr lang="en-AU"/>
           </a:p>
@@ -1626,7 +1626,7 @@
           <a:p>
             <a:fld id="{BB2A88D7-68F7-4681-80B5-BDD492DE1B81}" type="datetimeFigureOut">
               <a:rPr lang="en-AU" smtClean="0"/>
-              <a:t>26/11/2020</a:t>
+              <a:t>27/11/2020</a:t>
             </a:fld>
             <a:endParaRPr lang="en-AU"/>
           </a:p>
@@ -1872,7 +1872,7 @@
           <a:p>
             <a:fld id="{BB2A88D7-68F7-4681-80B5-BDD492DE1B81}" type="datetimeFigureOut">
               <a:rPr lang="en-AU" smtClean="0"/>
-              <a:t>26/11/2020</a:t>
+              <a:t>27/11/2020</a:t>
             </a:fld>
             <a:endParaRPr lang="en-AU"/>
           </a:p>
@@ -2160,7 +2160,7 @@
           <a:p>
             <a:fld id="{BB2A88D7-68F7-4681-80B5-BDD492DE1B81}" type="datetimeFigureOut">
               <a:rPr lang="en-AU" smtClean="0"/>
-              <a:t>26/11/2020</a:t>
+              <a:t>27/11/2020</a:t>
             </a:fld>
             <a:endParaRPr lang="en-AU"/>
           </a:p>
@@ -2582,7 +2582,7 @@
           <a:p>
             <a:fld id="{BB2A88D7-68F7-4681-80B5-BDD492DE1B81}" type="datetimeFigureOut">
               <a:rPr lang="en-AU" smtClean="0"/>
-              <a:t>26/11/2020</a:t>
+              <a:t>27/11/2020</a:t>
             </a:fld>
             <a:endParaRPr lang="en-AU"/>
           </a:p>
@@ -2700,7 +2700,7 @@
           <a:p>
             <a:fld id="{BB2A88D7-68F7-4681-80B5-BDD492DE1B81}" type="datetimeFigureOut">
               <a:rPr lang="en-AU" smtClean="0"/>
-              <a:t>26/11/2020</a:t>
+              <a:t>27/11/2020</a:t>
             </a:fld>
             <a:endParaRPr lang="en-AU"/>
           </a:p>
@@ -2795,7 +2795,7 @@
           <a:p>
             <a:fld id="{BB2A88D7-68F7-4681-80B5-BDD492DE1B81}" type="datetimeFigureOut">
               <a:rPr lang="en-AU" smtClean="0"/>
-              <a:t>26/11/2020</a:t>
+              <a:t>27/11/2020</a:t>
             </a:fld>
             <a:endParaRPr lang="en-AU"/>
           </a:p>
@@ -3072,7 +3072,7 @@
           <a:p>
             <a:fld id="{BB2A88D7-68F7-4681-80B5-BDD492DE1B81}" type="datetimeFigureOut">
               <a:rPr lang="en-AU" smtClean="0"/>
-              <a:t>26/11/2020</a:t>
+              <a:t>27/11/2020</a:t>
             </a:fld>
             <a:endParaRPr lang="en-AU"/>
           </a:p>
@@ -3325,7 +3325,7 @@
           <a:p>
             <a:fld id="{BB2A88D7-68F7-4681-80B5-BDD492DE1B81}" type="datetimeFigureOut">
               <a:rPr lang="en-AU" smtClean="0"/>
-              <a:t>26/11/2020</a:t>
+              <a:t>27/11/2020</a:t>
             </a:fld>
             <a:endParaRPr lang="en-AU"/>
           </a:p>
@@ -3538,7 +3538,7 @@
           <a:p>
             <a:fld id="{BB2A88D7-68F7-4681-80B5-BDD492DE1B81}" type="datetimeFigureOut">
               <a:rPr lang="en-AU" smtClean="0"/>
-              <a:t>26/11/2020</a:t>
+              <a:t>27/11/2020</a:t>
             </a:fld>
             <a:endParaRPr lang="en-AU"/>
           </a:p>
@@ -6519,7 +6519,7 @@
       </p:sp>
       <p:pic>
         <p:nvPicPr>
-          <p:cNvPr id="5" name="Picture 4"/>
+          <p:cNvPr id="6" name="Picture 5"/>
           <p:cNvPicPr>
             <a:picLocks noChangeAspect="1"/>
           </p:cNvPicPr>
@@ -6904,8 +6904,8 @@
         </p:nvSpPr>
         <p:spPr>
           <a:xfrm>
-            <a:off x="1000578" y="11870"/>
-            <a:ext cx="6905480" cy="517065"/>
+            <a:off x="582996" y="11870"/>
+            <a:ext cx="7740645" cy="517065"/>
           </a:xfrm>
           <a:prstGeom prst="rect">
             <a:avLst/>
@@ -6944,7 +6944,21 @@
                 <a:latin typeface="Arial" panose="020B0604020202020204" pitchFamily="34" charset="0"/>
                 <a:ea typeface="Arial" panose="020B0604020202020204" pitchFamily="34" charset="0"/>
               </a:rPr>
-              <a:t>Create Course page Content tab</a:t>
+              <a:t>Create </a:t>
+            </a:r>
+            <a:r>
+              <a:rPr lang="en-US" sz="2400" b="1" dirty="0" smtClean="0">
+                <a:latin typeface="Arial" panose="020B0604020202020204" pitchFamily="34" charset="0"/>
+                <a:ea typeface="Arial" panose="020B0604020202020204" pitchFamily="34" charset="0"/>
+              </a:rPr>
+              <a:t>/ Edit Course </a:t>
+            </a:r>
+            <a:r>
+              <a:rPr lang="en-US" sz="2400" b="1" dirty="0" smtClean="0">
+                <a:latin typeface="Arial" panose="020B0604020202020204" pitchFamily="34" charset="0"/>
+                <a:ea typeface="Arial" panose="020B0604020202020204" pitchFamily="34" charset="0"/>
+              </a:rPr>
+              <a:t>page Content tab</a:t>
             </a:r>
             <a:endParaRPr lang="en-AU" sz="2400" dirty="0">
               <a:effectLst/>
@@ -7048,7 +7062,7 @@
       </p:sp>
       <p:pic>
         <p:nvPicPr>
-          <p:cNvPr id="8" name="Picture 7"/>
+          <p:cNvPr id="5" name="Picture 4"/>
           <p:cNvPicPr>
             <a:picLocks noChangeAspect="1"/>
           </p:cNvPicPr>
@@ -7301,7 +7315,7 @@
       </p:sp>
       <p:pic>
         <p:nvPicPr>
-          <p:cNvPr id="4" name="Picture 3"/>
+          <p:cNvPr id="5" name="Picture 4"/>
           <p:cNvPicPr>
             <a:picLocks noChangeAspect="1"/>
           </p:cNvPicPr>
@@ -7368,8 +7382,8 @@
         </p:nvSpPr>
         <p:spPr>
           <a:xfrm>
-            <a:off x="573380" y="11870"/>
-            <a:ext cx="7759881" cy="480901"/>
+            <a:off x="155798" y="11870"/>
+            <a:ext cx="8595046" cy="517065"/>
           </a:xfrm>
           <a:prstGeom prst="rect">
             <a:avLst/>
@@ -7408,7 +7422,21 @@
                 <a:latin typeface="Arial" panose="020B0604020202020204" pitchFamily="34" charset="0"/>
                 <a:ea typeface="Arial" panose="020B0604020202020204" pitchFamily="34" charset="0"/>
               </a:rPr>
-              <a:t>Create Course page Business Info tab</a:t>
+              <a:t>Create </a:t>
+            </a:r>
+            <a:r>
+              <a:rPr lang="en-US" sz="2400" b="1" dirty="0">
+                <a:latin typeface="Arial" panose="020B0604020202020204" pitchFamily="34" charset="0"/>
+                <a:ea typeface="Arial" panose="020B0604020202020204" pitchFamily="34" charset="0"/>
+              </a:rPr>
+              <a:t>/ Edit Course </a:t>
+            </a:r>
+            <a:r>
+              <a:rPr lang="en-US" sz="2400" b="1" dirty="0" smtClean="0">
+                <a:latin typeface="Arial" panose="020B0604020202020204" pitchFamily="34" charset="0"/>
+                <a:ea typeface="Arial" panose="020B0604020202020204" pitchFamily="34" charset="0"/>
+              </a:rPr>
+              <a:t>page Business Info tab</a:t>
             </a:r>
             <a:endParaRPr lang="en-AU" sz="2400" dirty="0">
               <a:effectLst/>
@@ -7418,30 +7446,6 @@
           </a:p>
         </p:txBody>
       </p:sp>
-      <p:pic>
-        <p:nvPicPr>
-          <p:cNvPr id="4" name="Picture 3"/>
-          <p:cNvPicPr>
-            <a:picLocks noChangeAspect="1"/>
-          </p:cNvPicPr>
-          <p:nvPr/>
-        </p:nvPicPr>
-        <p:blipFill>
-          <a:blip r:embed="rId2"/>
-          <a:stretch>
-            <a:fillRect/>
-          </a:stretch>
-        </p:blipFill>
-        <p:spPr>
-          <a:xfrm>
-            <a:off x="899592" y="908720"/>
-            <a:ext cx="7466667" cy="5933333"/>
-          </a:xfrm>
-          <a:prstGeom prst="rect">
-            <a:avLst/>
-          </a:prstGeom>
-        </p:spPr>
-      </p:pic>
       <p:sp>
         <p:nvSpPr>
           <p:cNvPr id="5" name="Rectangle 4"/>
@@ -7478,7 +7482,7 @@
                 </a:solidFill>
                 <a:latin typeface="Arial" panose="020B0604020202020204" pitchFamily="34" charset="0"/>
                 <a:ea typeface="Arial" panose="020B0604020202020204" pitchFamily="34" charset="0"/>
-                <a:hlinkClick r:id="rId3"/>
+                <a:hlinkClick r:id="rId2"/>
               </a:rPr>
               <a:t>https</a:t>
             </a:r>
@@ -7489,7 +7493,7 @@
                 </a:solidFill>
                 <a:latin typeface="Arial" panose="020B0604020202020204" pitchFamily="34" charset="0"/>
                 <a:ea typeface="Arial" panose="020B0604020202020204" pitchFamily="34" charset="0"/>
-                <a:hlinkClick r:id="rId3"/>
+                <a:hlinkClick r:id="rId2"/>
               </a:rPr>
               <a:t>://anodiam.com/teacher/addnewcourse</a:t>
             </a:r>
@@ -7510,7 +7514,7 @@
                 </a:solidFill>
                 <a:latin typeface="Arial" panose="020B0604020202020204" pitchFamily="34" charset="0"/>
                 <a:ea typeface="Arial" panose="020B0604020202020204" pitchFamily="34" charset="0"/>
-                <a:hlinkClick r:id="rId4"/>
+                <a:hlinkClick r:id="rId3"/>
               </a:rPr>
               <a:t>https://</a:t>
             </a:r>
@@ -7534,6 +7538,30 @@
           </a:p>
         </p:txBody>
       </p:sp>
+      <p:pic>
+        <p:nvPicPr>
+          <p:cNvPr id="6" name="Picture 5"/>
+          <p:cNvPicPr>
+            <a:picLocks noChangeAspect="1"/>
+          </p:cNvPicPr>
+          <p:nvPr/>
+        </p:nvPicPr>
+        <p:blipFill>
+          <a:blip r:embed="rId4"/>
+          <a:stretch>
+            <a:fillRect/>
+          </a:stretch>
+        </p:blipFill>
+        <p:spPr>
+          <a:xfrm>
+            <a:off x="838200" y="908720"/>
+            <a:ext cx="7467600" cy="5934075"/>
+          </a:xfrm>
+          <a:prstGeom prst="rect">
+            <a:avLst/>
+          </a:prstGeom>
+        </p:spPr>
+      </p:pic>
     </p:spTree>
     <p:extLst>
       <p:ext uri="{BB962C8B-B14F-4D97-AF65-F5344CB8AC3E}">
@@ -7579,8 +7607,8 @@
         </p:nvSpPr>
         <p:spPr>
           <a:xfrm>
-            <a:off x="407570" y="11870"/>
-            <a:ext cx="8091510" cy="517065"/>
+            <a:off x="-10012" y="11870"/>
+            <a:ext cx="8926674" cy="517065"/>
           </a:xfrm>
           <a:prstGeom prst="rect">
             <a:avLst/>
@@ -7619,7 +7647,21 @@
                 <a:latin typeface="Arial" panose="020B0604020202020204" pitchFamily="34" charset="0"/>
                 <a:ea typeface="Arial" panose="020B0604020202020204" pitchFamily="34" charset="0"/>
               </a:rPr>
-              <a:t>Create Course page Approval Status tab</a:t>
+              <a:t>Create </a:t>
+            </a:r>
+            <a:r>
+              <a:rPr lang="en-US" sz="2400" b="1" dirty="0">
+                <a:latin typeface="Arial" panose="020B0604020202020204" pitchFamily="34" charset="0"/>
+                <a:ea typeface="Arial" panose="020B0604020202020204" pitchFamily="34" charset="0"/>
+              </a:rPr>
+              <a:t>/ Edit Course </a:t>
+            </a:r>
+            <a:r>
+              <a:rPr lang="en-US" sz="2400" b="1" dirty="0" smtClean="0">
+                <a:latin typeface="Arial" panose="020B0604020202020204" pitchFamily="34" charset="0"/>
+                <a:ea typeface="Arial" panose="020B0604020202020204" pitchFamily="34" charset="0"/>
+              </a:rPr>
+              <a:t>page Approval Status tab</a:t>
             </a:r>
             <a:endParaRPr lang="en-AU" sz="2400" dirty="0">
               <a:effectLst/>
@@ -7629,16 +7671,108 @@
           </a:p>
         </p:txBody>
       </p:sp>
+      <p:sp>
+        <p:nvSpPr>
+          <p:cNvPr id="5" name="Rectangle 4"/>
+          <p:cNvSpPr/>
+          <p:nvPr/>
+        </p:nvSpPr>
+        <p:spPr>
+          <a:xfrm>
+            <a:off x="449288" y="385500"/>
+            <a:ext cx="8245424" cy="523220"/>
+          </a:xfrm>
+          <a:prstGeom prst="rect">
+            <a:avLst/>
+          </a:prstGeom>
+        </p:spPr>
+        <p:txBody>
+          <a:bodyPr wrap="square">
+            <a:spAutoFit/>
+          </a:bodyPr>
+          <a:lstStyle/>
+          <a:p>
+            <a:pPr algn="ctr"/>
+            <a:r>
+              <a:rPr lang="en-US" sz="1400" dirty="0">
+                <a:latin typeface="Arial" panose="020B0604020202020204" pitchFamily="34" charset="0"/>
+                <a:ea typeface="Arial" panose="020B0604020202020204" pitchFamily="34" charset="0"/>
+              </a:rPr>
+              <a:t>Link: </a:t>
+            </a:r>
+            <a:r>
+              <a:rPr lang="en-US" sz="1400" u="sng" dirty="0">
+                <a:solidFill>
+                  <a:srgbClr val="0000FF"/>
+                </a:solidFill>
+                <a:latin typeface="Arial" panose="020B0604020202020204" pitchFamily="34" charset="0"/>
+                <a:ea typeface="Arial" panose="020B0604020202020204" pitchFamily="34" charset="0"/>
+                <a:hlinkClick r:id="rId2"/>
+              </a:rPr>
+              <a:t>https</a:t>
+            </a:r>
+            <a:r>
+              <a:rPr lang="en-US" sz="1400" u="sng" dirty="0" smtClean="0">
+                <a:solidFill>
+                  <a:srgbClr val="0000FF"/>
+                </a:solidFill>
+                <a:latin typeface="Arial" panose="020B0604020202020204" pitchFamily="34" charset="0"/>
+                <a:ea typeface="Arial" panose="020B0604020202020204" pitchFamily="34" charset="0"/>
+                <a:hlinkClick r:id="rId2"/>
+              </a:rPr>
+              <a:t>://anodiam.com/teacher/addnewcourse</a:t>
+            </a:r>
+            <a:endParaRPr lang="en-US" sz="1400" u="sng" dirty="0" smtClean="0">
+              <a:solidFill>
+                <a:srgbClr val="0000FF"/>
+              </a:solidFill>
+              <a:latin typeface="Arial" panose="020B0604020202020204" pitchFamily="34" charset="0"/>
+              <a:ea typeface="Arial" panose="020B0604020202020204" pitchFamily="34" charset="0"/>
+            </a:endParaRPr>
+          </a:p>
+          <a:p>
+            <a:pPr algn="ctr"/>
+            <a:r>
+              <a:rPr lang="en-US" sz="1400" u="sng" dirty="0">
+                <a:solidFill>
+                  <a:srgbClr val="0000FF"/>
+                </a:solidFill>
+                <a:latin typeface="Arial" panose="020B0604020202020204" pitchFamily="34" charset="0"/>
+                <a:ea typeface="Arial" panose="020B0604020202020204" pitchFamily="34" charset="0"/>
+                <a:hlinkClick r:id="rId3"/>
+              </a:rPr>
+              <a:t>https://</a:t>
+            </a:r>
+            <a:r>
+              <a:rPr lang="en-US" sz="1400" u="sng" dirty="0">
+                <a:solidFill>
+                  <a:srgbClr val="0000FF"/>
+                </a:solidFill>
+                <a:latin typeface="Arial" panose="020B0604020202020204" pitchFamily="34" charset="0"/>
+                <a:ea typeface="Arial" panose="020B0604020202020204" pitchFamily="34" charset="0"/>
+              </a:rPr>
+              <a:t>anodiam.com/teacher/course/{courseid}</a:t>
+            </a:r>
+            <a:endParaRPr lang="en-US" sz="1400" u="sng" dirty="0" smtClean="0">
+              <a:solidFill>
+                <a:srgbClr val="0000FF"/>
+              </a:solidFill>
+              <a:latin typeface="Arial" panose="020B0604020202020204" pitchFamily="34" charset="0"/>
+              <a:ea typeface="Arial" panose="020B0604020202020204" pitchFamily="34" charset="0"/>
+            </a:endParaRPr>
+          </a:p>
+        </p:txBody>
+      </p:sp>
       <p:pic>
         <p:nvPicPr>
-          <p:cNvPr id="6" name="Picture 5"/>
+          <p:cNvPr id="4" name="Picture 3"/>
           <p:cNvPicPr>
             <a:picLocks noChangeAspect="1"/>
           </p:cNvPicPr>
           <p:nvPr/>
         </p:nvPicPr>
         <p:blipFill>
-          <a:blip r:embed="rId2"/>
+          <a:blip r:embed="rId4"/>
           <a:stretch>
             <a:fillRect/>
           </a:stretch>
@@ -7653,98 +7787,6 @@
           </a:prstGeom>
         </p:spPr>
       </p:pic>
-      <p:sp>
-        <p:nvSpPr>
-          <p:cNvPr id="5" name="Rectangle 4"/>
-          <p:cNvSpPr/>
-          <p:nvPr/>
-        </p:nvSpPr>
-        <p:spPr>
-          <a:xfrm>
-            <a:off x="449288" y="385500"/>
-            <a:ext cx="8245424" cy="523220"/>
-          </a:xfrm>
-          <a:prstGeom prst="rect">
-            <a:avLst/>
-          </a:prstGeom>
-        </p:spPr>
-        <p:txBody>
-          <a:bodyPr wrap="square">
-            <a:spAutoFit/>
-          </a:bodyPr>
-          <a:lstStyle/>
-          <a:p>
-            <a:pPr algn="ctr"/>
-            <a:r>
-              <a:rPr lang="en-US" sz="1400" dirty="0">
-                <a:latin typeface="Arial" panose="020B0604020202020204" pitchFamily="34" charset="0"/>
-                <a:ea typeface="Arial" panose="020B0604020202020204" pitchFamily="34" charset="0"/>
-              </a:rPr>
-              <a:t>Link: </a:t>
-            </a:r>
-            <a:r>
-              <a:rPr lang="en-US" sz="1400" u="sng" dirty="0">
-                <a:solidFill>
-                  <a:srgbClr val="0000FF"/>
-                </a:solidFill>
-                <a:latin typeface="Arial" panose="020B0604020202020204" pitchFamily="34" charset="0"/>
-                <a:ea typeface="Arial" panose="020B0604020202020204" pitchFamily="34" charset="0"/>
-                <a:hlinkClick r:id="rId3"/>
-              </a:rPr>
-              <a:t>https</a:t>
-            </a:r>
-            <a:r>
-              <a:rPr lang="en-US" sz="1400" u="sng" dirty="0" smtClean="0">
-                <a:solidFill>
-                  <a:srgbClr val="0000FF"/>
-                </a:solidFill>
-                <a:latin typeface="Arial" panose="020B0604020202020204" pitchFamily="34" charset="0"/>
-                <a:ea typeface="Arial" panose="020B0604020202020204" pitchFamily="34" charset="0"/>
-                <a:hlinkClick r:id="rId3"/>
-              </a:rPr>
-              <a:t>://anodiam.com/teacher/addnewcourse</a:t>
-            </a:r>
-            <a:endParaRPr lang="en-US" sz="1400" u="sng" dirty="0" smtClean="0">
-              <a:solidFill>
-                <a:srgbClr val="0000FF"/>
-              </a:solidFill>
-              <a:latin typeface="Arial" panose="020B0604020202020204" pitchFamily="34" charset="0"/>
-              <a:ea typeface="Arial" panose="020B0604020202020204" pitchFamily="34" charset="0"/>
-            </a:endParaRPr>
-          </a:p>
-          <a:p>
-            <a:pPr algn="ctr"/>
-            <a:r>
-              <a:rPr lang="en-US" sz="1400" u="sng" dirty="0">
-                <a:solidFill>
-                  <a:srgbClr val="0000FF"/>
-                </a:solidFill>
-                <a:latin typeface="Arial" panose="020B0604020202020204" pitchFamily="34" charset="0"/>
-                <a:ea typeface="Arial" panose="020B0604020202020204" pitchFamily="34" charset="0"/>
-                <a:hlinkClick r:id="rId4"/>
-              </a:rPr>
-              <a:t>https://</a:t>
-            </a:r>
-            <a:r>
-              <a:rPr lang="en-US" sz="1400" u="sng" dirty="0">
-                <a:solidFill>
-                  <a:srgbClr val="0000FF"/>
-                </a:solidFill>
-                <a:latin typeface="Arial" panose="020B0604020202020204" pitchFamily="34" charset="0"/>
-                <a:ea typeface="Arial" panose="020B0604020202020204" pitchFamily="34" charset="0"/>
-              </a:rPr>
-              <a:t>anodiam.com/teacher/course/{courseid}</a:t>
-            </a:r>
-            <a:endParaRPr lang="en-US" sz="1400" u="sng" dirty="0" smtClean="0">
-              <a:solidFill>
-                <a:srgbClr val="0000FF"/>
-              </a:solidFill>
-              <a:latin typeface="Arial" panose="020B0604020202020204" pitchFamily="34" charset="0"/>
-              <a:ea typeface="Arial" panose="020B0604020202020204" pitchFamily="34" charset="0"/>
-            </a:endParaRPr>
-          </a:p>
-        </p:txBody>
-      </p:sp>
     </p:spTree>
     <p:extLst>
       <p:ext uri="{BB962C8B-B14F-4D97-AF65-F5344CB8AC3E}">
@@ -7903,7 +7945,7 @@
       </p:sp>
       <p:pic>
         <p:nvPicPr>
-          <p:cNvPr id="5" name="Picture 4"/>
+          <p:cNvPr id="4" name="Picture 3"/>
           <p:cNvPicPr>
             <a:picLocks noChangeAspect="1"/>
           </p:cNvPicPr>
@@ -7962,6 +8004,54 @@
           <a:chExt cx="0" cy="0"/>
         </a:xfrm>
       </p:grpSpPr>
+      <p:pic>
+        <p:nvPicPr>
+          <p:cNvPr id="7" name="Picture 6"/>
+          <p:cNvPicPr>
+            <a:picLocks noChangeAspect="1"/>
+          </p:cNvPicPr>
+          <p:nvPr/>
+        </p:nvPicPr>
+        <p:blipFill>
+          <a:blip r:embed="rId2"/>
+          <a:stretch>
+            <a:fillRect/>
+          </a:stretch>
+        </p:blipFill>
+        <p:spPr>
+          <a:xfrm>
+            <a:off x="4806280" y="2786980"/>
+            <a:ext cx="3886200" cy="3162300"/>
+          </a:xfrm>
+          <a:prstGeom prst="rect">
+            <a:avLst/>
+          </a:prstGeom>
+        </p:spPr>
+      </p:pic>
+      <p:pic>
+        <p:nvPicPr>
+          <p:cNvPr id="4" name="Picture 3"/>
+          <p:cNvPicPr>
+            <a:picLocks noChangeAspect="1"/>
+          </p:cNvPicPr>
+          <p:nvPr/>
+        </p:nvPicPr>
+        <p:blipFill>
+          <a:blip r:embed="rId3"/>
+          <a:stretch>
+            <a:fillRect/>
+          </a:stretch>
+        </p:blipFill>
+        <p:spPr>
+          <a:xfrm>
+            <a:off x="539552" y="1703834"/>
+            <a:ext cx="3886200" cy="3162300"/>
+          </a:xfrm>
+          <a:prstGeom prst="rect">
+            <a:avLst/>
+          </a:prstGeom>
+        </p:spPr>
+      </p:pic>
       <p:sp>
         <p:nvSpPr>
           <p:cNvPr id="2" name="Rectangle 1"/>
@@ -7970,8 +8060,8 @@
         </p:nvSpPr>
         <p:spPr>
           <a:xfrm>
-            <a:off x="1779633" y="332656"/>
-            <a:ext cx="5347361" cy="480901"/>
+            <a:off x="618273" y="11870"/>
+            <a:ext cx="7670113" cy="711733"/>
           </a:xfrm>
           <a:prstGeom prst="rect">
             <a:avLst/>
@@ -8010,10 +8100,58 @@
                 <a:latin typeface="Arial" panose="020B0604020202020204" pitchFamily="34" charset="0"/>
                 <a:ea typeface="Arial" panose="020B0604020202020204" pitchFamily="34" charset="0"/>
               </a:rPr>
-              <a:t>Personal Profile page</a:t>
-            </a:r>
-            <a:endParaRPr lang="en-AU" sz="2400" dirty="0">
-              <a:effectLst/>
+              <a:t>Confirm </a:t>
+            </a:r>
+            <a:r>
+              <a:rPr lang="en-US" sz="2400" b="1" dirty="0" smtClean="0">
+                <a:latin typeface="Arial" panose="020B0604020202020204" pitchFamily="34" charset="0"/>
+                <a:ea typeface="Arial" panose="020B0604020202020204" pitchFamily="34" charset="0"/>
+              </a:rPr>
+              <a:t>Course Inactivation </a:t>
+            </a:r>
+            <a:r>
+              <a:rPr lang="en-US" sz="2400" b="1" dirty="0" smtClean="0">
+                <a:latin typeface="Arial" panose="020B0604020202020204" pitchFamily="34" charset="0"/>
+                <a:ea typeface="Arial" panose="020B0604020202020204" pitchFamily="34" charset="0"/>
+              </a:rPr>
+              <a:t>dialogue</a:t>
+            </a:r>
+          </a:p>
+          <a:p>
+            <a:pPr algn="ctr">
+              <a:lnSpc>
+                <a:spcPct val="115000"/>
+              </a:lnSpc>
+            </a:pPr>
+            <a:r>
+              <a:rPr lang="en-US" sz="1100" b="1" dirty="0">
+                <a:latin typeface="Arial" panose="020B0604020202020204" pitchFamily="34" charset="0"/>
+                <a:ea typeface="Arial" panose="020B0604020202020204" pitchFamily="34" charset="0"/>
+              </a:rPr>
+              <a:t>** Only </a:t>
+            </a:r>
+            <a:r>
+              <a:rPr lang="en-US" sz="1100" b="1" dirty="0" smtClean="0">
+                <a:latin typeface="Arial" panose="020B0604020202020204" pitchFamily="34" charset="0"/>
+                <a:ea typeface="Arial" panose="020B0604020202020204" pitchFamily="34" charset="0"/>
+              </a:rPr>
+              <a:t>active </a:t>
+            </a:r>
+            <a:r>
+              <a:rPr lang="en-US" sz="1100" b="1" dirty="0">
+                <a:latin typeface="Arial" panose="020B0604020202020204" pitchFamily="34" charset="0"/>
+                <a:ea typeface="Arial" panose="020B0604020202020204" pitchFamily="34" charset="0"/>
+              </a:rPr>
+              <a:t>courses can be </a:t>
+            </a:r>
+            <a:r>
+              <a:rPr lang="en-US" sz="1100" b="1" dirty="0" smtClean="0">
+                <a:latin typeface="Arial" panose="020B0604020202020204" pitchFamily="34" charset="0"/>
+                <a:ea typeface="Arial" panose="020B0604020202020204" pitchFamily="34" charset="0"/>
+              </a:rPr>
+              <a:t>inactivated</a:t>
+            </a:r>
+            <a:endParaRPr lang="en-AU" sz="1100" dirty="0">
               <a:latin typeface="Arial" panose="020B0604020202020204" pitchFamily="34" charset="0"/>
               <a:ea typeface="Arial" panose="020B0604020202020204" pitchFamily="34" charset="0"/>
             </a:endParaRPr>
@@ -8028,7 +8166,7 @@
         </p:nvSpPr>
         <p:spPr>
           <a:xfrm>
-            <a:off x="431032" y="849721"/>
+            <a:off x="431032" y="672951"/>
             <a:ext cx="8245424" cy="307777"/>
           </a:xfrm>
           <a:prstGeom prst="rect">
@@ -8056,7 +8194,7 @@
                 </a:solidFill>
                 <a:latin typeface="Arial" panose="020B0604020202020204" pitchFamily="34" charset="0"/>
                 <a:ea typeface="Arial" panose="020B0604020202020204" pitchFamily="34" charset="0"/>
-                <a:hlinkClick r:id="rId3"/>
+                <a:hlinkClick r:id="rId4"/>
               </a:rPr>
               <a:t>https</a:t>
             </a:r>
@@ -8067,7 +8205,7 @@
                 </a:solidFill>
                 <a:latin typeface="Arial" panose="020B0604020202020204" pitchFamily="34" charset="0"/>
                 <a:ea typeface="Arial" panose="020B0604020202020204" pitchFamily="34" charset="0"/>
-                <a:hlinkClick r:id="rId3"/>
+                <a:hlinkClick r:id="rId4"/>
               </a:rPr>
               <a:t>://</a:t>
             </a:r>
@@ -8079,39 +8217,125 @@
                 <a:latin typeface="Arial" panose="020B0604020202020204" pitchFamily="34" charset="0"/>
                 <a:ea typeface="Arial" panose="020B0604020202020204" pitchFamily="34" charset="0"/>
               </a:rPr>
-              <a:t>anodiam.com/teacher/myprofile/{userid}</a:t>
-            </a:r>
-          </a:p>
-        </p:txBody>
-      </p:sp>
-      <p:pic>
-        <p:nvPicPr>
-          <p:cNvPr id="5" name="Picture 4"/>
-          <p:cNvPicPr>
-            <a:picLocks noChangeAspect="1"/>
-          </p:cNvPicPr>
+              <a:t>anodiam.com/teacher/inactivatecourse</a:t>
+            </a:r>
+            <a:r>
+              <a:rPr lang="en-US" sz="1400" u="sng" dirty="0" smtClean="0">
+                <a:solidFill>
+                  <a:srgbClr val="0000FF"/>
+                </a:solidFill>
+                <a:latin typeface="Arial" panose="020B0604020202020204" pitchFamily="34" charset="0"/>
+                <a:ea typeface="Arial" panose="020B0604020202020204" pitchFamily="34" charset="0"/>
+              </a:rPr>
+              <a:t>/{courseid}</a:t>
+            </a:r>
+          </a:p>
+        </p:txBody>
+      </p:sp>
+      <p:sp>
+        <p:nvSpPr>
+          <p:cNvPr id="8" name="Rectangle 7"/>
+          <p:cNvSpPr/>
           <p:nvPr/>
-        </p:nvPicPr>
-        <p:blipFill>
-          <a:blip r:embed="rId4"/>
-          <a:stretch>
-            <a:fillRect/>
-          </a:stretch>
-        </p:blipFill>
+        </p:nvSpPr>
         <p:spPr>
           <a:xfrm>
-            <a:off x="838200" y="1340768"/>
-            <a:ext cx="7467600" cy="5257800"/>
+            <a:off x="2715816" y="4866134"/>
+            <a:ext cx="360040" cy="723106"/>
           </a:xfrm>
           <a:prstGeom prst="rect">
             <a:avLst/>
           </a:prstGeom>
         </p:spPr>
-      </p:pic>
+        <p:style>
+          <a:lnRef idx="2">
+            <a:schemeClr val="accent1">
+              <a:shade val="50000"/>
+            </a:schemeClr>
+          </a:lnRef>
+          <a:fillRef idx="1">
+            <a:schemeClr val="accent1"/>
+          </a:fillRef>
+          <a:effectRef idx="0">
+            <a:schemeClr val="accent1"/>
+          </a:effectRef>
+          <a:fontRef idx="minor">
+            <a:schemeClr val="lt1"/>
+          </a:fontRef>
+        </p:style>
+        <p:txBody>
+          <a:bodyPr rtlCol="0" anchor="ctr"/>
+          <a:lstStyle/>
+          <a:p>
+            <a:pPr algn="ctr"/>
+            <a:endParaRPr lang="en-AU" dirty="0"/>
+          </a:p>
+        </p:txBody>
+      </p:sp>
+      <p:sp>
+        <p:nvSpPr>
+          <p:cNvPr id="9" name="Right Arrow 8"/>
+          <p:cNvSpPr/>
+          <p:nvPr/>
+        </p:nvSpPr>
+        <p:spPr>
+          <a:xfrm>
+            <a:off x="2715816" y="5157192"/>
+            <a:ext cx="2664296" cy="582116"/>
+          </a:xfrm>
+          <a:prstGeom prst="rightArrow">
+            <a:avLst/>
+          </a:prstGeom>
+        </p:spPr>
+        <p:style>
+          <a:lnRef idx="2">
+            <a:schemeClr val="accent1">
+              <a:shade val="50000"/>
+            </a:schemeClr>
+          </a:lnRef>
+          <a:fillRef idx="1">
+            <a:schemeClr val="accent1"/>
+          </a:fillRef>
+          <a:effectRef idx="0">
+            <a:schemeClr val="accent1"/>
+          </a:effectRef>
+          <a:fontRef idx="minor">
+            <a:schemeClr val="lt1"/>
+          </a:fontRef>
+        </p:style>
+        <p:txBody>
+          <a:bodyPr rtlCol="0" anchor="ctr"/>
+          <a:lstStyle/>
+          <a:p>
+            <a:pPr algn="ctr"/>
+            <a:r>
+              <a:rPr lang="en-AU" sz="1000" dirty="0" smtClean="0"/>
+              <a:t>On </a:t>
+            </a:r>
+            <a:r>
+              <a:rPr lang="en-AU" sz="1000" dirty="0" smtClean="0"/>
+              <a:t>confirmation and T&amp;C acceptance, Inactivate</a:t>
+            </a:r>
+            <a:r>
+              <a:rPr lang="en-AU" sz="1000" dirty="0"/>
+              <a:t> </a:t>
+            </a:r>
+            <a:r>
+              <a:rPr lang="en-AU" sz="1000" dirty="0" smtClean="0"/>
+              <a:t>button </a:t>
+            </a:r>
+            <a:r>
+              <a:rPr lang="en-AU" sz="1000" dirty="0" smtClean="0"/>
+              <a:t>is enabled </a:t>
+            </a:r>
+            <a:endParaRPr lang="en-AU" sz="1000" dirty="0"/>
+          </a:p>
+        </p:txBody>
+      </p:sp>
     </p:spTree>
     <p:extLst>
       <p:ext uri="{BB962C8B-B14F-4D97-AF65-F5344CB8AC3E}">
-        <p14:creationId xmlns:p14="http://schemas.microsoft.com/office/powerpoint/2010/main" val="729961998"/>
+        <p14:creationId xmlns:p14="http://schemas.microsoft.com/office/powerpoint/2010/main" val="704741565"/>
       </p:ext>
     </p:extLst>
   </p:cSld>
@@ -8153,8 +8377,8 @@
         </p:nvSpPr>
         <p:spPr>
           <a:xfrm>
-            <a:off x="1506323" y="332656"/>
-            <a:ext cx="5893986" cy="480901"/>
+            <a:off x="1779633" y="332656"/>
+            <a:ext cx="5347361" cy="480901"/>
           </a:xfrm>
           <a:prstGeom prst="rect">
             <a:avLst/>
@@ -8193,7 +8417,7 @@
                 <a:latin typeface="Arial" panose="020B0604020202020204" pitchFamily="34" charset="0"/>
                 <a:ea typeface="Arial" panose="020B0604020202020204" pitchFamily="34" charset="0"/>
               </a:rPr>
-              <a:t>Professional Profile page</a:t>
+              <a:t>Personal Profile page</a:t>
             </a:r>
             <a:endParaRPr lang="en-AU" sz="2400" dirty="0">
               <a:effectLst/>
@@ -8239,7 +8463,7 @@
                 </a:solidFill>
                 <a:latin typeface="Arial" panose="020B0604020202020204" pitchFamily="34" charset="0"/>
                 <a:ea typeface="Arial" panose="020B0604020202020204" pitchFamily="34" charset="0"/>
-                <a:hlinkClick r:id="rId2"/>
+                <a:hlinkClick r:id="rId3"/>
               </a:rPr>
               <a:t>https</a:t>
             </a:r>
@@ -8250,7 +8474,7 @@
                 </a:solidFill>
                 <a:latin typeface="Arial" panose="020B0604020202020204" pitchFamily="34" charset="0"/>
                 <a:ea typeface="Arial" panose="020B0604020202020204" pitchFamily="34" charset="0"/>
-                <a:hlinkClick r:id="rId2"/>
+                <a:hlinkClick r:id="rId3"/>
               </a:rPr>
               <a:t>://</a:t>
             </a:r>
@@ -8269,22 +8493,22 @@
       </p:sp>
       <p:pic>
         <p:nvPicPr>
-          <p:cNvPr id="5" name="Picture 4"/>
+          <p:cNvPr id="4" name="Picture 3"/>
           <p:cNvPicPr>
             <a:picLocks noChangeAspect="1"/>
           </p:cNvPicPr>
           <p:nvPr/>
         </p:nvPicPr>
         <p:blipFill>
-          <a:blip r:embed="rId3"/>
+          <a:blip r:embed="rId4"/>
           <a:stretch>
             <a:fillRect/>
           </a:stretch>
         </p:blipFill>
         <p:spPr>
           <a:xfrm>
-            <a:off x="838200" y="1916013"/>
-            <a:ext cx="7467600" cy="4105275"/>
+            <a:off x="838200" y="1267544"/>
+            <a:ext cx="7467600" cy="5257800"/>
           </a:xfrm>
           <a:prstGeom prst="rect">
             <a:avLst/>
@@ -8294,7 +8518,7 @@
     </p:spTree>
     <p:extLst>
       <p:ext uri="{BB962C8B-B14F-4D97-AF65-F5344CB8AC3E}">
-        <p14:creationId xmlns:p14="http://schemas.microsoft.com/office/powerpoint/2010/main" val="1687650685"/>
+        <p14:creationId xmlns:p14="http://schemas.microsoft.com/office/powerpoint/2010/main" val="729961998"/>
       </p:ext>
     </p:extLst>
   </p:cSld>
@@ -8336,8 +8560,8 @@
         </p:nvSpPr>
         <p:spPr>
           <a:xfrm>
-            <a:off x="1763604" y="332656"/>
-            <a:ext cx="5379421" cy="480901"/>
+            <a:off x="1506323" y="332656"/>
+            <a:ext cx="5893986" cy="480901"/>
           </a:xfrm>
           <a:prstGeom prst="rect">
             <a:avLst/>
@@ -8376,7 +8600,7 @@
                 <a:latin typeface="Arial" panose="020B0604020202020204" pitchFamily="34" charset="0"/>
                 <a:ea typeface="Arial" panose="020B0604020202020204" pitchFamily="34" charset="0"/>
               </a:rPr>
-              <a:t>Financial Profile page</a:t>
+              <a:t>Professional Profile page</a:t>
             </a:r>
             <a:endParaRPr lang="en-AU" sz="2400" dirty="0">
               <a:effectLst/>
@@ -8422,7 +8646,7 @@
                 </a:solidFill>
                 <a:latin typeface="Arial" panose="020B0604020202020204" pitchFamily="34" charset="0"/>
                 <a:ea typeface="Arial" panose="020B0604020202020204" pitchFamily="34" charset="0"/>
-                <a:hlinkClick r:id="rId3"/>
+                <a:hlinkClick r:id="rId2"/>
               </a:rPr>
               <a:t>https</a:t>
             </a:r>
@@ -8433,7 +8657,7 @@
                 </a:solidFill>
                 <a:latin typeface="Arial" panose="020B0604020202020204" pitchFamily="34" charset="0"/>
                 <a:ea typeface="Arial" panose="020B0604020202020204" pitchFamily="34" charset="0"/>
-                <a:hlinkClick r:id="rId3"/>
+                <a:hlinkClick r:id="rId2"/>
               </a:rPr>
               <a:t>://</a:t>
             </a:r>
@@ -8452,22 +8676,22 @@
       </p:sp>
       <p:pic>
         <p:nvPicPr>
-          <p:cNvPr id="6" name="Picture 5"/>
+          <p:cNvPr id="4" name="Picture 3"/>
           <p:cNvPicPr>
             <a:picLocks noChangeAspect="1"/>
           </p:cNvPicPr>
           <p:nvPr/>
         </p:nvPicPr>
         <p:blipFill>
-          <a:blip r:embed="rId4"/>
+          <a:blip r:embed="rId3"/>
           <a:stretch>
             <a:fillRect/>
           </a:stretch>
         </p:blipFill>
         <p:spPr>
           <a:xfrm>
-            <a:off x="838200" y="1696938"/>
-            <a:ext cx="7467600" cy="4324350"/>
+            <a:off x="838200" y="1844824"/>
+            <a:ext cx="7467600" cy="4105275"/>
           </a:xfrm>
           <a:prstGeom prst="rect">
             <a:avLst/>
@@ -8477,7 +8701,7 @@
     </p:spTree>
     <p:extLst>
       <p:ext uri="{BB962C8B-B14F-4D97-AF65-F5344CB8AC3E}">
-        <p14:creationId xmlns:p14="http://schemas.microsoft.com/office/powerpoint/2010/main" val="3461176707"/>
+        <p14:creationId xmlns:p14="http://schemas.microsoft.com/office/powerpoint/2010/main" val="1687650685"/>
       </p:ext>
     </p:extLst>
   </p:cSld>
@@ -8696,8 +8920,8 @@
         </p:nvSpPr>
         <p:spPr>
           <a:xfrm>
-            <a:off x="1813300" y="332656"/>
-            <a:ext cx="5280035" cy="517065"/>
+            <a:off x="1763604" y="332656"/>
+            <a:ext cx="5379421" cy="480901"/>
           </a:xfrm>
           <a:prstGeom prst="rect">
             <a:avLst/>
@@ -8736,7 +8960,7 @@
                 <a:latin typeface="Arial" panose="020B0604020202020204" pitchFamily="34" charset="0"/>
                 <a:ea typeface="Arial" panose="020B0604020202020204" pitchFamily="34" charset="0"/>
               </a:rPr>
-              <a:t>Payout Reports page</a:t>
+              <a:t>Financial Profile page</a:t>
             </a:r>
             <a:endParaRPr lang="en-AU" sz="2400" dirty="0">
               <a:effectLst/>
@@ -8782,7 +9006,7 @@
                 </a:solidFill>
                 <a:latin typeface="Arial" panose="020B0604020202020204" pitchFamily="34" charset="0"/>
                 <a:ea typeface="Arial" panose="020B0604020202020204" pitchFamily="34" charset="0"/>
-                <a:hlinkClick r:id="rId2"/>
+                <a:hlinkClick r:id="rId3"/>
               </a:rPr>
               <a:t>https</a:t>
             </a:r>
@@ -8793,7 +9017,7 @@
                 </a:solidFill>
                 <a:latin typeface="Arial" panose="020B0604020202020204" pitchFamily="34" charset="0"/>
                 <a:ea typeface="Arial" panose="020B0604020202020204" pitchFamily="34" charset="0"/>
-                <a:hlinkClick r:id="rId2"/>
+                <a:hlinkClick r:id="rId3"/>
               </a:rPr>
               <a:t>://</a:t>
             </a:r>
@@ -8805,29 +9029,29 @@
                 <a:latin typeface="Arial" panose="020B0604020202020204" pitchFamily="34" charset="0"/>
                 <a:ea typeface="Arial" panose="020B0604020202020204" pitchFamily="34" charset="0"/>
               </a:rPr>
-              <a:t>anodiam.com/teacher/payouts/{userid}</a:t>
+              <a:t>anodiam.com/teacher/myprofile/{userid}</a:t>
             </a:r>
           </a:p>
         </p:txBody>
       </p:sp>
       <p:pic>
         <p:nvPicPr>
-          <p:cNvPr id="5" name="Picture 4"/>
+          <p:cNvPr id="4" name="Picture 3"/>
           <p:cNvPicPr>
             <a:picLocks noChangeAspect="1"/>
           </p:cNvPicPr>
           <p:nvPr/>
         </p:nvPicPr>
         <p:blipFill>
-          <a:blip r:embed="rId3"/>
+          <a:blip r:embed="rId4"/>
           <a:stretch>
             <a:fillRect/>
           </a:stretch>
         </p:blipFill>
         <p:spPr>
           <a:xfrm>
-            <a:off x="838200" y="1546820"/>
-            <a:ext cx="7467600" cy="4762500"/>
+            <a:off x="838200" y="1696938"/>
+            <a:ext cx="7467600" cy="4324350"/>
           </a:xfrm>
           <a:prstGeom prst="rect">
             <a:avLst/>
@@ -8837,7 +9061,7 @@
     </p:spTree>
     <p:extLst>
       <p:ext uri="{BB962C8B-B14F-4D97-AF65-F5344CB8AC3E}">
-        <p14:creationId xmlns:p14="http://schemas.microsoft.com/office/powerpoint/2010/main" val="3005973504"/>
+        <p14:creationId xmlns:p14="http://schemas.microsoft.com/office/powerpoint/2010/main" val="3461176707"/>
       </p:ext>
     </p:extLst>
   </p:cSld>
@@ -8879,8 +9103,8 @@
         </p:nvSpPr>
         <p:spPr>
           <a:xfrm>
-            <a:off x="2271856" y="332656"/>
-            <a:ext cx="4362926" cy="480901"/>
+            <a:off x="1813300" y="332656"/>
+            <a:ext cx="5280035" cy="517065"/>
           </a:xfrm>
           <a:prstGeom prst="rect">
             <a:avLst/>
@@ -8919,7 +9143,7 @@
                 <a:latin typeface="Arial" panose="020B0604020202020204" pitchFamily="34" charset="0"/>
                 <a:ea typeface="Arial" panose="020B0604020202020204" pitchFamily="34" charset="0"/>
               </a:rPr>
-              <a:t>Analytics page</a:t>
+              <a:t>Payout Reports page</a:t>
             </a:r>
             <a:endParaRPr lang="en-AU" sz="2400" dirty="0">
               <a:effectLst/>
@@ -8988,14 +9212,14 @@
                 <a:latin typeface="Arial" panose="020B0604020202020204" pitchFamily="34" charset="0"/>
                 <a:ea typeface="Arial" panose="020B0604020202020204" pitchFamily="34" charset="0"/>
               </a:rPr>
-              <a:t>anodiam.com/teacher/analytics/{userid}</a:t>
+              <a:t>anodiam.com/teacher/payouts/{userid}</a:t>
             </a:r>
           </a:p>
         </p:txBody>
       </p:sp>
       <p:pic>
         <p:nvPicPr>
-          <p:cNvPr id="6" name="Picture 5"/>
+          <p:cNvPr id="7" name="Picture 6"/>
           <p:cNvPicPr>
             <a:picLocks noChangeAspect="1"/>
           </p:cNvPicPr>
@@ -9009,7 +9233,7 @@
         </p:blipFill>
         <p:spPr>
           <a:xfrm>
-            <a:off x="838200" y="1330796"/>
+            <a:off x="819944" y="1340768"/>
             <a:ext cx="7467600" cy="4762500"/>
           </a:xfrm>
           <a:prstGeom prst="rect">
@@ -9020,7 +9244,7 @@
     </p:spTree>
     <p:extLst>
       <p:ext uri="{BB962C8B-B14F-4D97-AF65-F5344CB8AC3E}">
-        <p14:creationId xmlns:p14="http://schemas.microsoft.com/office/powerpoint/2010/main" val="2724908613"/>
+        <p14:creationId xmlns:p14="http://schemas.microsoft.com/office/powerpoint/2010/main" val="3005973504"/>
       </p:ext>
     </p:extLst>
   </p:cSld>
@@ -9062,8 +9286,8 @@
         </p:nvSpPr>
         <p:spPr>
           <a:xfrm>
-            <a:off x="1434997" y="332656"/>
-            <a:ext cx="6036653" cy="480901"/>
+            <a:off x="2271856" y="332656"/>
+            <a:ext cx="4362926" cy="480901"/>
           </a:xfrm>
           <a:prstGeom prst="rect">
             <a:avLst/>
@@ -9102,7 +9326,7 @@
                 <a:latin typeface="Arial" panose="020B0604020202020204" pitchFamily="34" charset="0"/>
                 <a:ea typeface="Arial" panose="020B0604020202020204" pitchFamily="34" charset="0"/>
               </a:rPr>
-              <a:t>Notifications &gt; Inbox page</a:t>
+              <a:t>Analytics page</a:t>
             </a:r>
             <a:endParaRPr lang="en-AU" sz="2400" dirty="0">
               <a:effectLst/>
@@ -9171,14 +9395,14 @@
                 <a:latin typeface="Arial" panose="020B0604020202020204" pitchFamily="34" charset="0"/>
                 <a:ea typeface="Arial" panose="020B0604020202020204" pitchFamily="34" charset="0"/>
               </a:rPr>
-              <a:t>anodiam.com/teacher/messages/{userid}</a:t>
+              <a:t>anodiam.com/teacher/analytics/{userid}</a:t>
             </a:r>
           </a:p>
         </p:txBody>
       </p:sp>
       <p:pic>
         <p:nvPicPr>
-          <p:cNvPr id="8" name="Picture 7"/>
+          <p:cNvPr id="5" name="Picture 4"/>
           <p:cNvPicPr>
             <a:picLocks noChangeAspect="1"/>
           </p:cNvPicPr>
@@ -9192,8 +9416,8 @@
         </p:blipFill>
         <p:spPr>
           <a:xfrm>
-            <a:off x="838200" y="1835621"/>
-            <a:ext cx="7467600" cy="4257675"/>
+            <a:off x="838200" y="1474812"/>
+            <a:ext cx="7467600" cy="4762500"/>
           </a:xfrm>
           <a:prstGeom prst="rect">
             <a:avLst/>
@@ -9203,7 +9427,7 @@
     </p:spTree>
     <p:extLst>
       <p:ext uri="{BB962C8B-B14F-4D97-AF65-F5344CB8AC3E}">
-        <p14:creationId xmlns:p14="http://schemas.microsoft.com/office/powerpoint/2010/main" val="526722271"/>
+        <p14:creationId xmlns:p14="http://schemas.microsoft.com/office/powerpoint/2010/main" val="2724908613"/>
       </p:ext>
     </p:extLst>
   </p:cSld>
@@ -9245,8 +9469,8 @@
         </p:nvSpPr>
         <p:spPr>
           <a:xfrm>
-            <a:off x="609448" y="332656"/>
-            <a:ext cx="7687747" cy="480901"/>
+            <a:off x="1434997" y="332656"/>
+            <a:ext cx="6036653" cy="480901"/>
           </a:xfrm>
           <a:prstGeom prst="rect">
             <a:avLst/>
@@ -9267,20 +9491,28 @@
               </a:spcAft>
             </a:pPr>
             <a:r>
+              <a:rPr lang="en-US" sz="2400" b="1" dirty="0" smtClean="0">
+                <a:latin typeface="Arial" panose="020B0604020202020204" pitchFamily="34" charset="0"/>
+                <a:ea typeface="Arial" panose="020B0604020202020204" pitchFamily="34" charset="0"/>
+              </a:rPr>
+              <a:t>Teacher App</a:t>
+            </a:r>
+            <a:r>
               <a:rPr lang="en-US" sz="2400" b="1" dirty="0">
                 <a:latin typeface="Arial" panose="020B0604020202020204" pitchFamily="34" charset="0"/>
                 <a:ea typeface="Arial" panose="020B0604020202020204" pitchFamily="34" charset="0"/>
               </a:rPr>
-              <a:t>Teacher App: Notifications &gt; Inbox </a:t>
+              <a:t>: </a:t>
             </a:r>
             <a:r>
               <a:rPr lang="en-US" sz="2400" b="1" dirty="0" smtClean="0">
                 <a:latin typeface="Arial" panose="020B0604020202020204" pitchFamily="34" charset="0"/>
                 <a:ea typeface="Arial" panose="020B0604020202020204" pitchFamily="34" charset="0"/>
               </a:rPr>
-              <a:t>&gt; Message page</a:t>
+              <a:t>Notifications &gt; Inbox page</a:t>
             </a:r>
             <a:endParaRPr lang="en-AU" sz="2400" dirty="0">
+              <a:effectLst/>
               <a:latin typeface="Arial" panose="020B0604020202020204" pitchFamily="34" charset="0"/>
               <a:ea typeface="Arial" panose="020B0604020202020204" pitchFamily="34" charset="0"/>
             </a:endParaRPr>
@@ -9346,7 +9578,7 @@
                 <a:latin typeface="Arial" panose="020B0604020202020204" pitchFamily="34" charset="0"/>
                 <a:ea typeface="Arial" panose="020B0604020202020204" pitchFamily="34" charset="0"/>
               </a:rPr>
-              <a:t>anodiam.com/teacher/message/{messageid}</a:t>
+              <a:t>anodiam.com/teacher/messages/{userid}</a:t>
             </a:r>
           </a:p>
         </p:txBody>
@@ -9367,7 +9599,7 @@
         </p:blipFill>
         <p:spPr>
           <a:xfrm>
-            <a:off x="848816" y="1907629"/>
+            <a:off x="838200" y="1691605"/>
             <a:ext cx="7467600" cy="4257675"/>
           </a:xfrm>
           <a:prstGeom prst="rect">
@@ -9378,7 +9610,7 @@
     </p:spTree>
     <p:extLst>
       <p:ext uri="{BB962C8B-B14F-4D97-AF65-F5344CB8AC3E}">
-        <p14:creationId xmlns:p14="http://schemas.microsoft.com/office/powerpoint/2010/main" val="1743414437"/>
+        <p14:creationId xmlns:p14="http://schemas.microsoft.com/office/powerpoint/2010/main" val="526722271"/>
       </p:ext>
     </p:extLst>
   </p:cSld>
@@ -9420,8 +9652,8 @@
         </p:nvSpPr>
         <p:spPr>
           <a:xfrm>
-            <a:off x="1271493" y="332656"/>
-            <a:ext cx="6363666" cy="480901"/>
+            <a:off x="609448" y="332656"/>
+            <a:ext cx="7687747" cy="480901"/>
           </a:xfrm>
           <a:prstGeom prst="rect">
             <a:avLst/>
@@ -9442,28 +9674,20 @@
               </a:spcAft>
             </a:pPr>
             <a:r>
+              <a:rPr lang="en-US" sz="2400" b="1" dirty="0">
+                <a:latin typeface="Arial" panose="020B0604020202020204" pitchFamily="34" charset="0"/>
+                <a:ea typeface="Arial" panose="020B0604020202020204" pitchFamily="34" charset="0"/>
+              </a:rPr>
+              <a:t>Teacher App: Notifications &gt; Inbox </a:t>
+            </a:r>
+            <a:r>
               <a:rPr lang="en-US" sz="2400" b="1" dirty="0" smtClean="0">
                 <a:latin typeface="Arial" panose="020B0604020202020204" pitchFamily="34" charset="0"/>
                 <a:ea typeface="Arial" panose="020B0604020202020204" pitchFamily="34" charset="0"/>
               </a:rPr>
-              <a:t>Teacher App</a:t>
-            </a:r>
-            <a:r>
-              <a:rPr lang="en-US" sz="2400" b="1" dirty="0">
-                <a:latin typeface="Arial" panose="020B0604020202020204" pitchFamily="34" charset="0"/>
-                <a:ea typeface="Arial" panose="020B0604020202020204" pitchFamily="34" charset="0"/>
-              </a:rPr>
-              <a:t>: </a:t>
-            </a:r>
-            <a:r>
-              <a:rPr lang="en-US" sz="2400" b="1" dirty="0" smtClean="0">
-                <a:latin typeface="Arial" panose="020B0604020202020204" pitchFamily="34" charset="0"/>
-                <a:ea typeface="Arial" panose="020B0604020202020204" pitchFamily="34" charset="0"/>
-              </a:rPr>
-              <a:t>Notifications &gt; Queries page</a:t>
+              <a:t>&gt; Message page</a:t>
             </a:r>
             <a:endParaRPr lang="en-AU" sz="2400" dirty="0">
-              <a:effectLst/>
               <a:latin typeface="Arial" panose="020B0604020202020204" pitchFamily="34" charset="0"/>
               <a:ea typeface="Arial" panose="020B0604020202020204" pitchFamily="34" charset="0"/>
             </a:endParaRPr>
@@ -9529,14 +9753,14 @@
                 <a:latin typeface="Arial" panose="020B0604020202020204" pitchFamily="34" charset="0"/>
                 <a:ea typeface="Arial" panose="020B0604020202020204" pitchFamily="34" charset="0"/>
               </a:rPr>
-              <a:t>anodiam.com/teacher/queries/{userid}</a:t>
+              <a:t>anodiam.com/teacher/message/{messageid}</a:t>
             </a:r>
           </a:p>
         </p:txBody>
       </p:sp>
       <p:pic>
         <p:nvPicPr>
-          <p:cNvPr id="4" name="Picture 3"/>
+          <p:cNvPr id="5" name="Picture 4"/>
           <p:cNvPicPr>
             <a:picLocks noChangeAspect="1"/>
           </p:cNvPicPr>
@@ -9550,7 +9774,7 @@
         </p:blipFill>
         <p:spPr>
           <a:xfrm>
-            <a:off x="838200" y="1691605"/>
+            <a:off x="838200" y="1300162"/>
             <a:ext cx="7467600" cy="4257675"/>
           </a:xfrm>
           <a:prstGeom prst="rect">
@@ -9561,7 +9785,7 @@
     </p:spTree>
     <p:extLst>
       <p:ext uri="{BB962C8B-B14F-4D97-AF65-F5344CB8AC3E}">
-        <p14:creationId xmlns:p14="http://schemas.microsoft.com/office/powerpoint/2010/main" val="680381503"/>
+        <p14:creationId xmlns:p14="http://schemas.microsoft.com/office/powerpoint/2010/main" val="1743414437"/>
       </p:ext>
     </p:extLst>
   </p:cSld>
@@ -9603,8 +9827,8 @@
         </p:nvSpPr>
         <p:spPr>
           <a:xfrm>
-            <a:off x="46858" y="332656"/>
-            <a:ext cx="9133654" cy="517065"/>
+            <a:off x="1271493" y="332656"/>
+            <a:ext cx="6363666" cy="480901"/>
           </a:xfrm>
           <a:prstGeom prst="rect">
             <a:avLst/>
@@ -9625,20 +9849,28 @@
               </a:spcAft>
             </a:pPr>
             <a:r>
+              <a:rPr lang="en-US" sz="2400" b="1" dirty="0" smtClean="0">
+                <a:latin typeface="Arial" panose="020B0604020202020204" pitchFamily="34" charset="0"/>
+                <a:ea typeface="Arial" panose="020B0604020202020204" pitchFamily="34" charset="0"/>
+              </a:rPr>
+              <a:t>Teacher App</a:t>
+            </a:r>
+            <a:r>
               <a:rPr lang="en-US" sz="2400" b="1" dirty="0">
                 <a:latin typeface="Arial" panose="020B0604020202020204" pitchFamily="34" charset="0"/>
                 <a:ea typeface="Arial" panose="020B0604020202020204" pitchFamily="34" charset="0"/>
               </a:rPr>
-              <a:t>Teacher App: Notifications &gt; </a:t>
+              <a:t>: </a:t>
             </a:r>
             <a:r>
               <a:rPr lang="en-US" sz="2400" b="1" dirty="0" smtClean="0">
                 <a:latin typeface="Arial" panose="020B0604020202020204" pitchFamily="34" charset="0"/>
                 <a:ea typeface="Arial" panose="020B0604020202020204" pitchFamily="34" charset="0"/>
               </a:rPr>
-              <a:t>Queries &gt; Query &gt; Resolve page</a:t>
+              <a:t>Notifications &gt; Queries page</a:t>
             </a:r>
             <a:endParaRPr lang="en-AU" sz="2400" dirty="0">
+              <a:effectLst/>
               <a:latin typeface="Arial" panose="020B0604020202020204" pitchFamily="34" charset="0"/>
               <a:ea typeface="Arial" panose="020B0604020202020204" pitchFamily="34" charset="0"/>
             </a:endParaRPr>
@@ -9704,14 +9936,14 @@
                 <a:latin typeface="Arial" panose="020B0604020202020204" pitchFamily="34" charset="0"/>
                 <a:ea typeface="Arial" panose="020B0604020202020204" pitchFamily="34" charset="0"/>
               </a:rPr>
-              <a:t>anodiam.com/teacher/query/{queryid}</a:t>
+              <a:t>anodiam.com/teacher/queries/{userid}</a:t>
             </a:r>
           </a:p>
         </p:txBody>
       </p:sp>
       <p:pic>
         <p:nvPicPr>
-          <p:cNvPr id="4" name="Picture 3"/>
+          <p:cNvPr id="6" name="Picture 5"/>
           <p:cNvPicPr>
             <a:picLocks noChangeAspect="1"/>
           </p:cNvPicPr>
@@ -9725,7 +9957,7 @@
         </p:blipFill>
         <p:spPr>
           <a:xfrm>
-            <a:off x="879885" y="1556792"/>
+            <a:off x="838200" y="1700808"/>
             <a:ext cx="7467600" cy="4257675"/>
           </a:xfrm>
           <a:prstGeom prst="rect">
@@ -9736,7 +9968,7 @@
     </p:spTree>
     <p:extLst>
       <p:ext uri="{BB962C8B-B14F-4D97-AF65-F5344CB8AC3E}">
-        <p14:creationId xmlns:p14="http://schemas.microsoft.com/office/powerpoint/2010/main" val="3197739735"/>
+        <p14:creationId xmlns:p14="http://schemas.microsoft.com/office/powerpoint/2010/main" val="680381503"/>
       </p:ext>
     </p:extLst>
   </p:cSld>
@@ -9778,8 +10010,8 @@
         </p:nvSpPr>
         <p:spPr>
           <a:xfrm>
-            <a:off x="1048678" y="332656"/>
-            <a:ext cx="6809300" cy="480901"/>
+            <a:off x="591077" y="332656"/>
+            <a:ext cx="8045216" cy="480901"/>
           </a:xfrm>
           <a:prstGeom prst="rect">
             <a:avLst/>
@@ -9800,28 +10032,41 @@
               </a:spcAft>
             </a:pPr>
             <a:r>
+              <a:rPr lang="en-US" sz="2400" b="1" dirty="0">
+                <a:latin typeface="Arial" panose="020B0604020202020204" pitchFamily="34" charset="0"/>
+                <a:ea typeface="Arial" panose="020B0604020202020204" pitchFamily="34" charset="0"/>
+              </a:rPr>
+              <a:t>Teacher App: Notifications &gt; </a:t>
+            </a:r>
+            <a:r>
               <a:rPr lang="en-US" sz="2400" b="1" dirty="0" smtClean="0">
                 <a:latin typeface="Arial" panose="020B0604020202020204" pitchFamily="34" charset="0"/>
                 <a:ea typeface="Arial" panose="020B0604020202020204" pitchFamily="34" charset="0"/>
               </a:rPr>
-              <a:t>Teacher App</a:t>
-            </a:r>
-            <a:r>
-              <a:rPr lang="en-US" sz="2400" b="1" dirty="0">
-                <a:latin typeface="Arial" panose="020B0604020202020204" pitchFamily="34" charset="0"/>
-                <a:ea typeface="Arial" panose="020B0604020202020204" pitchFamily="34" charset="0"/>
-              </a:rPr>
-              <a:t>: </a:t>
+              <a:t>Query </a:t>
             </a:r>
             <a:r>
               <a:rPr lang="en-US" sz="2400" b="1" dirty="0" smtClean="0">
                 <a:latin typeface="Arial" panose="020B0604020202020204" pitchFamily="34" charset="0"/>
                 <a:ea typeface="Arial" panose="020B0604020202020204" pitchFamily="34" charset="0"/>
               </a:rPr>
-              <a:t>Notifications &gt; Comments page</a:t>
+              <a:t>&gt; </a:t>
+            </a:r>
+            <a:r>
+              <a:rPr lang="en-US" sz="2400" b="1" dirty="0" smtClean="0">
+                <a:latin typeface="Arial" panose="020B0604020202020204" pitchFamily="34" charset="0"/>
+                <a:ea typeface="Arial" panose="020B0604020202020204" pitchFamily="34" charset="0"/>
+              </a:rPr>
+              <a:t>Resolution </a:t>
+            </a:r>
+            <a:r>
+              <a:rPr lang="en-US" sz="2400" b="1" dirty="0" smtClean="0">
+                <a:latin typeface="Arial" panose="020B0604020202020204" pitchFamily="34" charset="0"/>
+                <a:ea typeface="Arial" panose="020B0604020202020204" pitchFamily="34" charset="0"/>
+              </a:rPr>
+              <a:t>page</a:t>
             </a:r>
             <a:endParaRPr lang="en-AU" sz="2400" dirty="0">
-              <a:effectLst/>
               <a:latin typeface="Arial" panose="020B0604020202020204" pitchFamily="34" charset="0"/>
               <a:ea typeface="Arial" panose="020B0604020202020204" pitchFamily="34" charset="0"/>
             </a:endParaRPr>
@@ -9887,14 +10132,14 @@
                 <a:latin typeface="Arial" panose="020B0604020202020204" pitchFamily="34" charset="0"/>
                 <a:ea typeface="Arial" panose="020B0604020202020204" pitchFamily="34" charset="0"/>
               </a:rPr>
-              <a:t>anodiam.com/teacher/comments/{userid}</a:t>
+              <a:t>anodiam.com/teacher/query/{queryid}</a:t>
             </a:r>
           </a:p>
         </p:txBody>
       </p:sp>
       <p:pic>
         <p:nvPicPr>
-          <p:cNvPr id="5" name="Picture 4"/>
+          <p:cNvPr id="7" name="Picture 6"/>
           <p:cNvPicPr>
             <a:picLocks noChangeAspect="1"/>
           </p:cNvPicPr>
@@ -9908,7 +10153,7 @@
         </p:blipFill>
         <p:spPr>
           <a:xfrm>
-            <a:off x="838200" y="1763613"/>
+            <a:off x="838200" y="1619597"/>
             <a:ext cx="7467600" cy="4257675"/>
           </a:xfrm>
           <a:prstGeom prst="rect">
@@ -9919,7 +10164,7 @@
     </p:spTree>
     <p:extLst>
       <p:ext uri="{BB962C8B-B14F-4D97-AF65-F5344CB8AC3E}">
-        <p14:creationId xmlns:p14="http://schemas.microsoft.com/office/powerpoint/2010/main" val="2920446225"/>
+        <p14:creationId xmlns:p14="http://schemas.microsoft.com/office/powerpoint/2010/main" val="3197739735"/>
       </p:ext>
     </p:extLst>
   </p:cSld>
@@ -9961,8 +10206,8 @@
         </p:nvSpPr>
         <p:spPr>
           <a:xfrm>
-            <a:off x="163819" y="332656"/>
-            <a:ext cx="8579015" cy="480901"/>
+            <a:off x="1048678" y="332656"/>
+            <a:ext cx="6809300" cy="480901"/>
           </a:xfrm>
           <a:prstGeom prst="rect">
             <a:avLst/>
@@ -9983,20 +10228,28 @@
               </a:spcAft>
             </a:pPr>
             <a:r>
+              <a:rPr lang="en-US" sz="2400" b="1" dirty="0" smtClean="0">
+                <a:latin typeface="Arial" panose="020B0604020202020204" pitchFamily="34" charset="0"/>
+                <a:ea typeface="Arial" panose="020B0604020202020204" pitchFamily="34" charset="0"/>
+              </a:rPr>
+              <a:t>Teacher App</a:t>
+            </a:r>
+            <a:r>
               <a:rPr lang="en-US" sz="2400" b="1" dirty="0">
                 <a:latin typeface="Arial" panose="020B0604020202020204" pitchFamily="34" charset="0"/>
                 <a:ea typeface="Arial" panose="020B0604020202020204" pitchFamily="34" charset="0"/>
               </a:rPr>
-              <a:t>Teacher App: Notifications &gt; </a:t>
+              <a:t>: </a:t>
             </a:r>
             <a:r>
               <a:rPr lang="en-US" sz="2400" b="1" dirty="0" smtClean="0">
                 <a:latin typeface="Arial" panose="020B0604020202020204" pitchFamily="34" charset="0"/>
                 <a:ea typeface="Arial" panose="020B0604020202020204" pitchFamily="34" charset="0"/>
               </a:rPr>
-              <a:t>Comments &gt; Comment page</a:t>
+              <a:t>Notifications &gt; Comments page</a:t>
             </a:r>
             <a:endParaRPr lang="en-AU" sz="2400" dirty="0">
+              <a:effectLst/>
               <a:latin typeface="Arial" panose="020B0604020202020204" pitchFamily="34" charset="0"/>
               <a:ea typeface="Arial" panose="020B0604020202020204" pitchFamily="34" charset="0"/>
             </a:endParaRPr>
@@ -10062,14 +10315,14 @@
                 <a:latin typeface="Arial" panose="020B0604020202020204" pitchFamily="34" charset="0"/>
                 <a:ea typeface="Arial" panose="020B0604020202020204" pitchFamily="34" charset="0"/>
               </a:rPr>
-              <a:t>anodiam.com/teacher/comment/{commentid}</a:t>
+              <a:t>anodiam.com/teacher/comments/{userid}</a:t>
             </a:r>
           </a:p>
         </p:txBody>
       </p:sp>
       <p:pic>
         <p:nvPicPr>
-          <p:cNvPr id="4" name="Picture 3"/>
+          <p:cNvPr id="6" name="Picture 5"/>
           <p:cNvPicPr>
             <a:picLocks noChangeAspect="1"/>
           </p:cNvPicPr>
@@ -10083,7 +10336,7 @@
         </p:blipFill>
         <p:spPr>
           <a:xfrm>
-            <a:off x="838200" y="1979637"/>
+            <a:off x="838200" y="1628800"/>
             <a:ext cx="7467600" cy="4257675"/>
           </a:xfrm>
           <a:prstGeom prst="rect">
@@ -10094,7 +10347,7 @@
     </p:spTree>
     <p:extLst>
       <p:ext uri="{BB962C8B-B14F-4D97-AF65-F5344CB8AC3E}">
-        <p14:creationId xmlns:p14="http://schemas.microsoft.com/office/powerpoint/2010/main" val="2071753737"/>
+        <p14:creationId xmlns:p14="http://schemas.microsoft.com/office/powerpoint/2010/main" val="2920446225"/>
       </p:ext>
     </p:extLst>
   </p:cSld>
@@ -10672,7 +10925,7 @@
       </p:sp>
       <p:pic>
         <p:nvPicPr>
-          <p:cNvPr id="3" name="Picture 2"/>
+          <p:cNvPr id="2" name="Picture 1"/>
           <p:cNvPicPr>
             <a:picLocks noChangeAspect="1"/>
           </p:cNvPicPr>
@@ -10686,8 +10939,8 @@
         </p:blipFill>
         <p:spPr>
           <a:xfrm>
-            <a:off x="857714" y="1818264"/>
-            <a:ext cx="7428571" cy="4419048"/>
+            <a:off x="857250" y="1817712"/>
+            <a:ext cx="7429500" cy="4419600"/>
           </a:xfrm>
           <a:prstGeom prst="rect">
             <a:avLst/>
@@ -11309,7 +11562,7 @@
       </p:sp>
       <p:pic>
         <p:nvPicPr>
-          <p:cNvPr id="5" name="Picture 4"/>
+          <p:cNvPr id="6" name="Picture 5"/>
           <p:cNvPicPr>
             <a:picLocks noChangeAspect="1"/>
           </p:cNvPicPr>
@@ -11323,8 +11576,8 @@
         </p:blipFill>
         <p:spPr>
           <a:xfrm>
-            <a:off x="838200" y="1547589"/>
-            <a:ext cx="7467600" cy="4257675"/>
+            <a:off x="838200" y="1390650"/>
+            <a:ext cx="7467600" cy="4076700"/>
           </a:xfrm>
           <a:prstGeom prst="rect">
             <a:avLst/>
@@ -11512,7 +11765,7 @@
       </p:sp>
       <p:pic>
         <p:nvPicPr>
-          <p:cNvPr id="5" name="Picture 4"/>
+          <p:cNvPr id="6" name="Picture 5"/>
           <p:cNvPicPr>
             <a:picLocks noChangeAspect="1"/>
           </p:cNvPicPr>

--- a/ProjectExecution/BA/SpecsWireframes/003TeacherAppWireframes.pptx
+++ b/ProjectExecution/BA/SpecsWireframes/003TeacherAppWireframes.pptx
@@ -234,7 +234,7 @@
           <a:p>
             <a:fld id="{26483215-80E3-4A52-98A5-4C379A79CA39}" type="datetimeFigureOut">
               <a:rPr lang="en-AU" smtClean="0"/>
-              <a:t>27/11/2020</a:t>
+              <a:t>28/11/2020</a:t>
             </a:fld>
             <a:endParaRPr lang="en-AU"/>
           </a:p>
@@ -1106,7 +1106,7 @@
           <a:p>
             <a:fld id="{BB2A88D7-68F7-4681-80B5-BDD492DE1B81}" type="datetimeFigureOut">
               <a:rPr lang="en-AU" smtClean="0"/>
-              <a:t>27/11/2020</a:t>
+              <a:t>28/11/2020</a:t>
             </a:fld>
             <a:endParaRPr lang="en-AU"/>
           </a:p>
@@ -1276,7 +1276,7 @@
           <a:p>
             <a:fld id="{BB2A88D7-68F7-4681-80B5-BDD492DE1B81}" type="datetimeFigureOut">
               <a:rPr lang="en-AU" smtClean="0"/>
-              <a:t>27/11/2020</a:t>
+              <a:t>28/11/2020</a:t>
             </a:fld>
             <a:endParaRPr lang="en-AU"/>
           </a:p>
@@ -1456,7 +1456,7 @@
           <a:p>
             <a:fld id="{BB2A88D7-68F7-4681-80B5-BDD492DE1B81}" type="datetimeFigureOut">
               <a:rPr lang="en-AU" smtClean="0"/>
-              <a:t>27/11/2020</a:t>
+              <a:t>28/11/2020</a:t>
             </a:fld>
             <a:endParaRPr lang="en-AU"/>
           </a:p>
@@ -1626,7 +1626,7 @@
           <a:p>
             <a:fld id="{BB2A88D7-68F7-4681-80B5-BDD492DE1B81}" type="datetimeFigureOut">
               <a:rPr lang="en-AU" smtClean="0"/>
-              <a:t>27/11/2020</a:t>
+              <a:t>28/11/2020</a:t>
             </a:fld>
             <a:endParaRPr lang="en-AU"/>
           </a:p>
@@ -1872,7 +1872,7 @@
           <a:p>
             <a:fld id="{BB2A88D7-68F7-4681-80B5-BDD492DE1B81}" type="datetimeFigureOut">
               <a:rPr lang="en-AU" smtClean="0"/>
-              <a:t>27/11/2020</a:t>
+              <a:t>28/11/2020</a:t>
             </a:fld>
             <a:endParaRPr lang="en-AU"/>
           </a:p>
@@ -2160,7 +2160,7 @@
           <a:p>
             <a:fld id="{BB2A88D7-68F7-4681-80B5-BDD492DE1B81}" type="datetimeFigureOut">
               <a:rPr lang="en-AU" smtClean="0"/>
-              <a:t>27/11/2020</a:t>
+              <a:t>28/11/2020</a:t>
             </a:fld>
             <a:endParaRPr lang="en-AU"/>
           </a:p>
@@ -2582,7 +2582,7 @@
           <a:p>
             <a:fld id="{BB2A88D7-68F7-4681-80B5-BDD492DE1B81}" type="datetimeFigureOut">
               <a:rPr lang="en-AU" smtClean="0"/>
-              <a:t>27/11/2020</a:t>
+              <a:t>28/11/2020</a:t>
             </a:fld>
             <a:endParaRPr lang="en-AU"/>
           </a:p>
@@ -2700,7 +2700,7 @@
           <a:p>
             <a:fld id="{BB2A88D7-68F7-4681-80B5-BDD492DE1B81}" type="datetimeFigureOut">
               <a:rPr lang="en-AU" smtClean="0"/>
-              <a:t>27/11/2020</a:t>
+              <a:t>28/11/2020</a:t>
             </a:fld>
             <a:endParaRPr lang="en-AU"/>
           </a:p>
@@ -2795,7 +2795,7 @@
           <a:p>
             <a:fld id="{BB2A88D7-68F7-4681-80B5-BDD492DE1B81}" type="datetimeFigureOut">
               <a:rPr lang="en-AU" smtClean="0"/>
-              <a:t>27/11/2020</a:t>
+              <a:t>28/11/2020</a:t>
             </a:fld>
             <a:endParaRPr lang="en-AU"/>
           </a:p>
@@ -3072,7 +3072,7 @@
           <a:p>
             <a:fld id="{BB2A88D7-68F7-4681-80B5-BDD492DE1B81}" type="datetimeFigureOut">
               <a:rPr lang="en-AU" smtClean="0"/>
-              <a:t>27/11/2020</a:t>
+              <a:t>28/11/2020</a:t>
             </a:fld>
             <a:endParaRPr lang="en-AU"/>
           </a:p>
@@ -3325,7 +3325,7 @@
           <a:p>
             <a:fld id="{BB2A88D7-68F7-4681-80B5-BDD492DE1B81}" type="datetimeFigureOut">
               <a:rPr lang="en-AU" smtClean="0"/>
-              <a:t>27/11/2020</a:t>
+              <a:t>28/11/2020</a:t>
             </a:fld>
             <a:endParaRPr lang="en-AU"/>
           </a:p>
@@ -3538,7 +3538,7 @@
           <a:p>
             <a:fld id="{BB2A88D7-68F7-4681-80B5-BDD492DE1B81}" type="datetimeFigureOut">
               <a:rPr lang="en-AU" smtClean="0"/>
-              <a:t>27/11/2020</a:t>
+              <a:t>28/11/2020</a:t>
             </a:fld>
             <a:endParaRPr lang="en-AU"/>
           </a:p>
@@ -6944,21 +6944,7 @@
                 <a:latin typeface="Arial" panose="020B0604020202020204" pitchFamily="34" charset="0"/>
                 <a:ea typeface="Arial" panose="020B0604020202020204" pitchFamily="34" charset="0"/>
               </a:rPr>
-              <a:t>Create </a:t>
-            </a:r>
-            <a:r>
-              <a:rPr lang="en-US" sz="2400" b="1" dirty="0" smtClean="0">
-                <a:latin typeface="Arial" panose="020B0604020202020204" pitchFamily="34" charset="0"/>
-                <a:ea typeface="Arial" panose="020B0604020202020204" pitchFamily="34" charset="0"/>
-              </a:rPr>
-              <a:t>/ Edit Course </a:t>
-            </a:r>
-            <a:r>
-              <a:rPr lang="en-US" sz="2400" b="1" dirty="0" smtClean="0">
-                <a:latin typeface="Arial" panose="020B0604020202020204" pitchFamily="34" charset="0"/>
-                <a:ea typeface="Arial" panose="020B0604020202020204" pitchFamily="34" charset="0"/>
-              </a:rPr>
-              <a:t>page Content tab</a:t>
+              <a:t>Create / Edit Course page Content tab</a:t>
             </a:r>
             <a:endParaRPr lang="en-AU" sz="2400" dirty="0">
               <a:effectLst/>
@@ -8100,21 +8086,7 @@
                 <a:latin typeface="Arial" panose="020B0604020202020204" pitchFamily="34" charset="0"/>
                 <a:ea typeface="Arial" panose="020B0604020202020204" pitchFamily="34" charset="0"/>
               </a:rPr>
-              <a:t>Confirm </a:t>
-            </a:r>
-            <a:r>
-              <a:rPr lang="en-US" sz="2400" b="1" dirty="0" smtClean="0">
-                <a:latin typeface="Arial" panose="020B0604020202020204" pitchFamily="34" charset="0"/>
-                <a:ea typeface="Arial" panose="020B0604020202020204" pitchFamily="34" charset="0"/>
-              </a:rPr>
-              <a:t>Course Inactivation </a:t>
-            </a:r>
-            <a:r>
-              <a:rPr lang="en-US" sz="2400" b="1" dirty="0" smtClean="0">
-                <a:latin typeface="Arial" panose="020B0604020202020204" pitchFamily="34" charset="0"/>
-                <a:ea typeface="Arial" panose="020B0604020202020204" pitchFamily="34" charset="0"/>
-              </a:rPr>
-              <a:t>dialogue</a:t>
+              <a:t>Confirm Course Inactivation dialogue</a:t>
             </a:r>
           </a:p>
           <a:p>
@@ -8217,17 +8189,7 @@
                 <a:latin typeface="Arial" panose="020B0604020202020204" pitchFamily="34" charset="0"/>
                 <a:ea typeface="Arial" panose="020B0604020202020204" pitchFamily="34" charset="0"/>
               </a:rPr>
-              <a:t>anodiam.com/teacher/inactivatecourse</a:t>
-            </a:r>
-            <a:r>
-              <a:rPr lang="en-US" sz="1400" u="sng" dirty="0" smtClean="0">
-                <a:solidFill>
-                  <a:srgbClr val="0000FF"/>
-                </a:solidFill>
-                <a:latin typeface="Arial" panose="020B0604020202020204" pitchFamily="34" charset="0"/>
-                <a:ea typeface="Arial" panose="020B0604020202020204" pitchFamily="34" charset="0"/>
-              </a:rPr>
-              <a:t>/{courseid}</a:t>
+              <a:t>anodiam.com/teacher/inactivatecourse/{courseid}</a:t>
             </a:r>
           </a:p>
         </p:txBody>
@@ -8310,11 +8272,7 @@
             <a:pPr algn="ctr"/>
             <a:r>
               <a:rPr lang="en-AU" sz="1000" dirty="0" smtClean="0"/>
-              <a:t>On </a:t>
-            </a:r>
-            <a:r>
-              <a:rPr lang="en-AU" sz="1000" dirty="0" smtClean="0"/>
-              <a:t>confirmation and T&amp;C acceptance, Inactivate</a:t>
+              <a:t>On confirmation and T&amp;C acceptance, Inactivate</a:t>
             </a:r>
             <a:r>
               <a:rPr lang="en-AU" sz="1000" dirty="0"/>
@@ -8322,11 +8280,7 @@
             </a:r>
             <a:r>
               <a:rPr lang="en-AU" sz="1000" dirty="0" smtClean="0"/>
-              <a:t>button </a:t>
-            </a:r>
-            <a:r>
-              <a:rPr lang="en-AU" sz="1000" dirty="0" smtClean="0"/>
-              <a:t>is enabled </a:t>
+              <a:t>button is enabled </a:t>
             </a:r>
             <a:endParaRPr lang="en-AU" sz="1000" dirty="0"/>
           </a:p>
@@ -10043,28 +9997,7 @@
                 <a:latin typeface="Arial" panose="020B0604020202020204" pitchFamily="34" charset="0"/>
                 <a:ea typeface="Arial" panose="020B0604020202020204" pitchFamily="34" charset="0"/>
               </a:rPr>
-              <a:t>Query </a:t>
-            </a:r>
-            <a:r>
-              <a:rPr lang="en-US" sz="2400" b="1" dirty="0" smtClean="0">
-                <a:latin typeface="Arial" panose="020B0604020202020204" pitchFamily="34" charset="0"/>
-                <a:ea typeface="Arial" panose="020B0604020202020204" pitchFamily="34" charset="0"/>
-              </a:rPr>
-              <a:t>&gt; </a:t>
-            </a:r>
-            <a:r>
-              <a:rPr lang="en-US" sz="2400" b="1" dirty="0" smtClean="0">
-                <a:latin typeface="Arial" panose="020B0604020202020204" pitchFamily="34" charset="0"/>
-                <a:ea typeface="Arial" panose="020B0604020202020204" pitchFamily="34" charset="0"/>
-              </a:rPr>
-              <a:t>Resolution </a:t>
-            </a:r>
-            <a:r>
-              <a:rPr lang="en-US" sz="2400" b="1" dirty="0" smtClean="0">
-                <a:latin typeface="Arial" panose="020B0604020202020204" pitchFamily="34" charset="0"/>
-                <a:ea typeface="Arial" panose="020B0604020202020204" pitchFamily="34" charset="0"/>
-              </a:rPr>
-              <a:t>page</a:t>
+              <a:t>Query &gt; Resolution page</a:t>
             </a:r>
             <a:endParaRPr lang="en-AU" sz="2400" dirty="0">
               <a:latin typeface="Arial" panose="020B0604020202020204" pitchFamily="34" charset="0"/>

--- a/ProjectExecution/BA/SpecsWireframes/003TeacherAppWireframes.pptx
+++ b/ProjectExecution/BA/SpecsWireframes/003TeacherAppWireframes.pptx
@@ -135,7 +135,7 @@
   </p:defaultTextStyle>
   <p:extLst>
     <p:ext uri="{EFAFB233-063F-42B5-8137-9DF3F51BA10A}">
-      <p15:sldGuideLst xmlns:p15="http://schemas.microsoft.com/office/powerpoint/2012/main">
+      <p15:sldGuideLst xmlns:p15="http://schemas.microsoft.com/office/powerpoint/2012/main" xmlns="">
         <p15:guide id="1" orient="horz" pos="2160">
           <p15:clr>
             <a:srgbClr val="A4A3A4"/>
@@ -234,7 +234,7 @@
           <a:p>
             <a:fld id="{26483215-80E3-4A52-98A5-4C379A79CA39}" type="datetimeFigureOut">
               <a:rPr lang="en-AU" smtClean="0"/>
-              <a:t>28/11/2020</a:t>
+              <a:t>29/11/2020</a:t>
             </a:fld>
             <a:endParaRPr lang="en-AU"/>
           </a:p>
@@ -1106,7 +1106,7 @@
           <a:p>
             <a:fld id="{BB2A88D7-68F7-4681-80B5-BDD492DE1B81}" type="datetimeFigureOut">
               <a:rPr lang="en-AU" smtClean="0"/>
-              <a:t>28/11/2020</a:t>
+              <a:t>29/11/2020</a:t>
             </a:fld>
             <a:endParaRPr lang="en-AU"/>
           </a:p>
@@ -1276,7 +1276,7 @@
           <a:p>
             <a:fld id="{BB2A88D7-68F7-4681-80B5-BDD492DE1B81}" type="datetimeFigureOut">
               <a:rPr lang="en-AU" smtClean="0"/>
-              <a:t>28/11/2020</a:t>
+              <a:t>29/11/2020</a:t>
             </a:fld>
             <a:endParaRPr lang="en-AU"/>
           </a:p>
@@ -1456,7 +1456,7 @@
           <a:p>
             <a:fld id="{BB2A88D7-68F7-4681-80B5-BDD492DE1B81}" type="datetimeFigureOut">
               <a:rPr lang="en-AU" smtClean="0"/>
-              <a:t>28/11/2020</a:t>
+              <a:t>29/11/2020</a:t>
             </a:fld>
             <a:endParaRPr lang="en-AU"/>
           </a:p>
@@ -1626,7 +1626,7 @@
           <a:p>
             <a:fld id="{BB2A88D7-68F7-4681-80B5-BDD492DE1B81}" type="datetimeFigureOut">
               <a:rPr lang="en-AU" smtClean="0"/>
-              <a:t>28/11/2020</a:t>
+              <a:t>29/11/2020</a:t>
             </a:fld>
             <a:endParaRPr lang="en-AU"/>
           </a:p>
@@ -1872,7 +1872,7 @@
           <a:p>
             <a:fld id="{BB2A88D7-68F7-4681-80B5-BDD492DE1B81}" type="datetimeFigureOut">
               <a:rPr lang="en-AU" smtClean="0"/>
-              <a:t>28/11/2020</a:t>
+              <a:t>29/11/2020</a:t>
             </a:fld>
             <a:endParaRPr lang="en-AU"/>
           </a:p>
@@ -2160,7 +2160,7 @@
           <a:p>
             <a:fld id="{BB2A88D7-68F7-4681-80B5-BDD492DE1B81}" type="datetimeFigureOut">
               <a:rPr lang="en-AU" smtClean="0"/>
-              <a:t>28/11/2020</a:t>
+              <a:t>29/11/2020</a:t>
             </a:fld>
             <a:endParaRPr lang="en-AU"/>
           </a:p>
@@ -2582,7 +2582,7 @@
           <a:p>
             <a:fld id="{BB2A88D7-68F7-4681-80B5-BDD492DE1B81}" type="datetimeFigureOut">
               <a:rPr lang="en-AU" smtClean="0"/>
-              <a:t>28/11/2020</a:t>
+              <a:t>29/11/2020</a:t>
             </a:fld>
             <a:endParaRPr lang="en-AU"/>
           </a:p>
@@ -2700,7 +2700,7 @@
           <a:p>
             <a:fld id="{BB2A88D7-68F7-4681-80B5-BDD492DE1B81}" type="datetimeFigureOut">
               <a:rPr lang="en-AU" smtClean="0"/>
-              <a:t>28/11/2020</a:t>
+              <a:t>29/11/2020</a:t>
             </a:fld>
             <a:endParaRPr lang="en-AU"/>
           </a:p>
@@ -2795,7 +2795,7 @@
           <a:p>
             <a:fld id="{BB2A88D7-68F7-4681-80B5-BDD492DE1B81}" type="datetimeFigureOut">
               <a:rPr lang="en-AU" smtClean="0"/>
-              <a:t>28/11/2020</a:t>
+              <a:t>29/11/2020</a:t>
             </a:fld>
             <a:endParaRPr lang="en-AU"/>
           </a:p>
@@ -3072,7 +3072,7 @@
           <a:p>
             <a:fld id="{BB2A88D7-68F7-4681-80B5-BDD492DE1B81}" type="datetimeFigureOut">
               <a:rPr lang="en-AU" smtClean="0"/>
-              <a:t>28/11/2020</a:t>
+              <a:t>29/11/2020</a:t>
             </a:fld>
             <a:endParaRPr lang="en-AU"/>
           </a:p>
@@ -3325,7 +3325,7 @@
           <a:p>
             <a:fld id="{BB2A88D7-68F7-4681-80B5-BDD492DE1B81}" type="datetimeFigureOut">
               <a:rPr lang="en-AU" smtClean="0"/>
-              <a:t>28/11/2020</a:t>
+              <a:t>29/11/2020</a:t>
             </a:fld>
             <a:endParaRPr lang="en-AU"/>
           </a:p>
@@ -3538,7 +3538,7 @@
           <a:p>
             <a:fld id="{BB2A88D7-68F7-4681-80B5-BDD492DE1B81}" type="datetimeFigureOut">
               <a:rPr lang="en-AU" smtClean="0"/>
-              <a:t>28/11/2020</a:t>
+              <a:t>29/11/2020</a:t>
             </a:fld>
             <a:endParaRPr lang="en-AU"/>
           </a:p>
@@ -8821,7 +8821,7 @@
         </p:blipFill>
         <p:spPr>
           <a:xfrm>
-            <a:off x="2586037" y="1833562"/>
+            <a:off x="2586037" y="1894309"/>
             <a:ext cx="3971925" cy="3190875"/>
           </a:xfrm>
           <a:prstGeom prst="rect">

--- a/ProjectExecution/BA/SpecsWireframes/003TeacherAppWireframes.pptx
+++ b/ProjectExecution/BA/SpecsWireframes/003TeacherAppWireframes.pptx
@@ -5,36 +5,35 @@
     <p:sldMasterId id="2147483648" r:id="rId1"/>
   </p:sldMasterIdLst>
   <p:notesMasterIdLst>
-    <p:notesMasterId r:id="rId29"/>
+    <p:notesMasterId r:id="rId28"/>
   </p:notesMasterIdLst>
   <p:sldIdLst>
     <p:sldId id="259" r:id="rId2"/>
     <p:sldId id="263" r:id="rId3"/>
     <p:sldId id="264" r:id="rId4"/>
     <p:sldId id="267" r:id="rId5"/>
-    <p:sldId id="268" r:id="rId6"/>
-    <p:sldId id="270" r:id="rId7"/>
-    <p:sldId id="269" r:id="rId8"/>
-    <p:sldId id="271" r:id="rId9"/>
-    <p:sldId id="284" r:id="rId10"/>
-    <p:sldId id="285" r:id="rId11"/>
-    <p:sldId id="293" r:id="rId12"/>
-    <p:sldId id="291" r:id="rId13"/>
-    <p:sldId id="292" r:id="rId14"/>
-    <p:sldId id="294" r:id="rId15"/>
-    <p:sldId id="295" r:id="rId16"/>
-    <p:sldId id="296" r:id="rId17"/>
-    <p:sldId id="297" r:id="rId18"/>
-    <p:sldId id="265" r:id="rId19"/>
-    <p:sldId id="273" r:id="rId20"/>
-    <p:sldId id="272" r:id="rId21"/>
-    <p:sldId id="274" r:id="rId22"/>
-    <p:sldId id="275" r:id="rId23"/>
-    <p:sldId id="276" r:id="rId24"/>
-    <p:sldId id="277" r:id="rId25"/>
-    <p:sldId id="279" r:id="rId26"/>
-    <p:sldId id="280" r:id="rId27"/>
-    <p:sldId id="281" r:id="rId28"/>
+    <p:sldId id="269" r:id="rId6"/>
+    <p:sldId id="298" r:id="rId7"/>
+    <p:sldId id="271" r:id="rId8"/>
+    <p:sldId id="284" r:id="rId9"/>
+    <p:sldId id="285" r:id="rId10"/>
+    <p:sldId id="293" r:id="rId11"/>
+    <p:sldId id="291" r:id="rId12"/>
+    <p:sldId id="292" r:id="rId13"/>
+    <p:sldId id="294" r:id="rId14"/>
+    <p:sldId id="295" r:id="rId15"/>
+    <p:sldId id="296" r:id="rId16"/>
+    <p:sldId id="297" r:id="rId17"/>
+    <p:sldId id="265" r:id="rId18"/>
+    <p:sldId id="273" r:id="rId19"/>
+    <p:sldId id="272" r:id="rId20"/>
+    <p:sldId id="274" r:id="rId21"/>
+    <p:sldId id="275" r:id="rId22"/>
+    <p:sldId id="276" r:id="rId23"/>
+    <p:sldId id="277" r:id="rId24"/>
+    <p:sldId id="279" r:id="rId25"/>
+    <p:sldId id="280" r:id="rId26"/>
+    <p:sldId id="281" r:id="rId27"/>
   </p:sldIdLst>
   <p:sldSz cx="9144000" cy="6858000" type="screen4x3"/>
   <p:notesSz cx="6858000" cy="9144000"/>
@@ -135,7 +134,7 @@
   </p:defaultTextStyle>
   <p:extLst>
     <p:ext uri="{EFAFB233-063F-42B5-8137-9DF3F51BA10A}">
-      <p15:sldGuideLst xmlns:p15="http://schemas.microsoft.com/office/powerpoint/2012/main" xmlns="">
+      <p15:sldGuideLst xmlns:p15="http://schemas.microsoft.com/office/powerpoint/2012/main">
         <p15:guide id="1" orient="horz" pos="2160">
           <p15:clr>
             <a:srgbClr val="A4A3A4"/>
@@ -234,7 +233,7 @@
           <a:p>
             <a:fld id="{26483215-80E3-4A52-98A5-4C379A79CA39}" type="datetimeFigureOut">
               <a:rPr lang="en-AU" smtClean="0"/>
-              <a:t>29/11/2020</a:t>
+              <a:t>22/12/2020</a:t>
             </a:fld>
             <a:endParaRPr lang="en-AU"/>
           </a:p>
@@ -738,7 +737,7 @@
           <a:p>
             <a:fld id="{52ABDD3E-57A4-4A7C-8FEE-AE2738C669D0}" type="slidenum">
               <a:rPr lang="en-AU" smtClean="0"/>
-              <a:t>5</a:t>
+              <a:t>17</a:t>
             </a:fld>
             <a:endParaRPr lang="en-AU"/>
           </a:p>
@@ -747,7 +746,7 @@
     </p:spTree>
     <p:extLst>
       <p:ext uri="{BB962C8B-B14F-4D97-AF65-F5344CB8AC3E}">
-        <p14:creationId xmlns:p14="http://schemas.microsoft.com/office/powerpoint/2010/main" val="3104212400"/>
+        <p14:creationId xmlns:p14="http://schemas.microsoft.com/office/powerpoint/2010/main" val="3440668983"/>
       </p:ext>
     </p:extLst>
   </p:cSld>
@@ -822,91 +821,7 @@
           <a:p>
             <a:fld id="{52ABDD3E-57A4-4A7C-8FEE-AE2738C669D0}" type="slidenum">
               <a:rPr lang="en-AU" smtClean="0"/>
-              <a:t>18</a:t>
-            </a:fld>
-            <a:endParaRPr lang="en-AU"/>
-          </a:p>
-        </p:txBody>
-      </p:sp>
-    </p:spTree>
-    <p:extLst>
-      <p:ext uri="{BB962C8B-B14F-4D97-AF65-F5344CB8AC3E}">
-        <p14:creationId xmlns:p14="http://schemas.microsoft.com/office/powerpoint/2010/main" val="3440668983"/>
-      </p:ext>
-    </p:extLst>
-  </p:cSld>
-  <p:clrMapOvr>
-    <a:masterClrMapping/>
-  </p:clrMapOvr>
-</p:notes>
-</file>
-
-<file path=ppt/notesSlides/notesSlide5.xml><?xml version="1.0" encoding="utf-8"?>
-<p:notes xmlns:a="http://schemas.openxmlformats.org/drawingml/2006/main" xmlns:r="http://schemas.openxmlformats.org/officeDocument/2006/relationships" xmlns:p="http://schemas.openxmlformats.org/presentationml/2006/main">
-  <p:cSld>
-    <p:spTree>
-      <p:nvGrpSpPr>
-        <p:cNvPr id="1" name=""/>
-        <p:cNvGrpSpPr/>
-        <p:nvPr/>
-      </p:nvGrpSpPr>
-      <p:grpSpPr>
-        <a:xfrm>
-          <a:off x="0" y="0"/>
-          <a:ext cx="0" cy="0"/>
-          <a:chOff x="0" y="0"/>
-          <a:chExt cx="0" cy="0"/>
-        </a:xfrm>
-      </p:grpSpPr>
-      <p:sp>
-        <p:nvSpPr>
-          <p:cNvPr id="2" name="Slide Image Placeholder 1"/>
-          <p:cNvSpPr>
-            <a:spLocks noGrp="1" noRot="1" noChangeAspect="1"/>
-          </p:cNvSpPr>
-          <p:nvPr>
-            <p:ph type="sldImg"/>
-          </p:nvPr>
-        </p:nvSpPr>
-        <p:spPr/>
-      </p:sp>
-      <p:sp>
-        <p:nvSpPr>
-          <p:cNvPr id="3" name="Notes Placeholder 2"/>
-          <p:cNvSpPr>
-            <a:spLocks noGrp="1"/>
-          </p:cNvSpPr>
-          <p:nvPr>
-            <p:ph type="body" idx="1"/>
-          </p:nvPr>
-        </p:nvSpPr>
-        <p:spPr/>
-        <p:txBody>
-          <a:bodyPr/>
-          <a:lstStyle/>
-          <a:p>
-            <a:endParaRPr lang="en-AU" dirty="0"/>
-          </a:p>
-        </p:txBody>
-      </p:sp>
-      <p:sp>
-        <p:nvSpPr>
-          <p:cNvPr id="4" name="Slide Number Placeholder 3"/>
-          <p:cNvSpPr>
-            <a:spLocks noGrp="1"/>
-          </p:cNvSpPr>
-          <p:nvPr>
-            <p:ph type="sldNum" sz="quarter" idx="10"/>
-          </p:nvPr>
-        </p:nvSpPr>
-        <p:spPr/>
-        <p:txBody>
-          <a:bodyPr/>
-          <a:lstStyle/>
-          <a:p>
-            <a:fld id="{52ABDD3E-57A4-4A7C-8FEE-AE2738C669D0}" type="slidenum">
-              <a:rPr lang="en-AU" smtClean="0"/>
-              <a:t>20</a:t>
+              <a:t>19</a:t>
             </a:fld>
             <a:endParaRPr lang="en-AU"/>
           </a:p>
@@ -1106,7 +1021,7 @@
           <a:p>
             <a:fld id="{BB2A88D7-68F7-4681-80B5-BDD492DE1B81}" type="datetimeFigureOut">
               <a:rPr lang="en-AU" smtClean="0"/>
-              <a:t>29/11/2020</a:t>
+              <a:t>22/12/2020</a:t>
             </a:fld>
             <a:endParaRPr lang="en-AU"/>
           </a:p>
@@ -1276,7 +1191,7 @@
           <a:p>
             <a:fld id="{BB2A88D7-68F7-4681-80B5-BDD492DE1B81}" type="datetimeFigureOut">
               <a:rPr lang="en-AU" smtClean="0"/>
-              <a:t>29/11/2020</a:t>
+              <a:t>22/12/2020</a:t>
             </a:fld>
             <a:endParaRPr lang="en-AU"/>
           </a:p>
@@ -1456,7 +1371,7 @@
           <a:p>
             <a:fld id="{BB2A88D7-68F7-4681-80B5-BDD492DE1B81}" type="datetimeFigureOut">
               <a:rPr lang="en-AU" smtClean="0"/>
-              <a:t>29/11/2020</a:t>
+              <a:t>22/12/2020</a:t>
             </a:fld>
             <a:endParaRPr lang="en-AU"/>
           </a:p>
@@ -1626,7 +1541,7 @@
           <a:p>
             <a:fld id="{BB2A88D7-68F7-4681-80B5-BDD492DE1B81}" type="datetimeFigureOut">
               <a:rPr lang="en-AU" smtClean="0"/>
-              <a:t>29/11/2020</a:t>
+              <a:t>22/12/2020</a:t>
             </a:fld>
             <a:endParaRPr lang="en-AU"/>
           </a:p>
@@ -1872,7 +1787,7 @@
           <a:p>
             <a:fld id="{BB2A88D7-68F7-4681-80B5-BDD492DE1B81}" type="datetimeFigureOut">
               <a:rPr lang="en-AU" smtClean="0"/>
-              <a:t>29/11/2020</a:t>
+              <a:t>22/12/2020</a:t>
             </a:fld>
             <a:endParaRPr lang="en-AU"/>
           </a:p>
@@ -2160,7 +2075,7 @@
           <a:p>
             <a:fld id="{BB2A88D7-68F7-4681-80B5-BDD492DE1B81}" type="datetimeFigureOut">
               <a:rPr lang="en-AU" smtClean="0"/>
-              <a:t>29/11/2020</a:t>
+              <a:t>22/12/2020</a:t>
             </a:fld>
             <a:endParaRPr lang="en-AU"/>
           </a:p>
@@ -2582,7 +2497,7 @@
           <a:p>
             <a:fld id="{BB2A88D7-68F7-4681-80B5-BDD492DE1B81}" type="datetimeFigureOut">
               <a:rPr lang="en-AU" smtClean="0"/>
-              <a:t>29/11/2020</a:t>
+              <a:t>22/12/2020</a:t>
             </a:fld>
             <a:endParaRPr lang="en-AU"/>
           </a:p>
@@ -2700,7 +2615,7 @@
           <a:p>
             <a:fld id="{BB2A88D7-68F7-4681-80B5-BDD492DE1B81}" type="datetimeFigureOut">
               <a:rPr lang="en-AU" smtClean="0"/>
-              <a:t>29/11/2020</a:t>
+              <a:t>22/12/2020</a:t>
             </a:fld>
             <a:endParaRPr lang="en-AU"/>
           </a:p>
@@ -2795,7 +2710,7 @@
           <a:p>
             <a:fld id="{BB2A88D7-68F7-4681-80B5-BDD492DE1B81}" type="datetimeFigureOut">
               <a:rPr lang="en-AU" smtClean="0"/>
-              <a:t>29/11/2020</a:t>
+              <a:t>22/12/2020</a:t>
             </a:fld>
             <a:endParaRPr lang="en-AU"/>
           </a:p>
@@ -3072,7 +2987,7 @@
           <a:p>
             <a:fld id="{BB2A88D7-68F7-4681-80B5-BDD492DE1B81}" type="datetimeFigureOut">
               <a:rPr lang="en-AU" smtClean="0"/>
-              <a:t>29/11/2020</a:t>
+              <a:t>22/12/2020</a:t>
             </a:fld>
             <a:endParaRPr lang="en-AU"/>
           </a:p>
@@ -3325,7 +3240,7 @@
           <a:p>
             <a:fld id="{BB2A88D7-68F7-4681-80B5-BDD492DE1B81}" type="datetimeFigureOut">
               <a:rPr lang="en-AU" smtClean="0"/>
-              <a:t>29/11/2020</a:t>
+              <a:t>22/12/2020</a:t>
             </a:fld>
             <a:endParaRPr lang="en-AU"/>
           </a:p>
@@ -3538,7 +3453,7 @@
           <a:p>
             <a:fld id="{BB2A88D7-68F7-4681-80B5-BDD492DE1B81}" type="datetimeFigureOut">
               <a:rPr lang="en-AU" smtClean="0"/>
-              <a:t>29/11/2020</a:t>
+              <a:t>22/12/2020</a:t>
             </a:fld>
             <a:endParaRPr lang="en-AU"/>
           </a:p>
@@ -6374,218 +6289,6 @@
         </p:nvSpPr>
         <p:spPr>
           <a:xfrm>
-            <a:off x="584278" y="-27384"/>
-            <a:ext cx="7738080" cy="729430"/>
-          </a:xfrm>
-          <a:prstGeom prst="rect">
-            <a:avLst/>
-          </a:prstGeom>
-        </p:spPr>
-        <p:txBody>
-          <a:bodyPr wrap="none">
-            <a:spAutoFit/>
-          </a:bodyPr>
-          <a:lstStyle/>
-          <a:p>
-            <a:pPr algn="ctr">
-              <a:lnSpc>
-                <a:spcPct val="115000"/>
-              </a:lnSpc>
-              <a:spcAft>
-                <a:spcPts val="0"/>
-              </a:spcAft>
-            </a:pPr>
-            <a:r>
-              <a:rPr lang="en-US" sz="2400" b="1" dirty="0" smtClean="0">
-                <a:latin typeface="Arial" panose="020B0604020202020204" pitchFamily="34" charset="0"/>
-                <a:ea typeface="Arial" panose="020B0604020202020204" pitchFamily="34" charset="0"/>
-              </a:rPr>
-              <a:t>Teacher App</a:t>
-            </a:r>
-            <a:r>
-              <a:rPr lang="en-US" sz="2400" b="1" dirty="0">
-                <a:latin typeface="Arial" panose="020B0604020202020204" pitchFamily="34" charset="0"/>
-                <a:ea typeface="Arial" panose="020B0604020202020204" pitchFamily="34" charset="0"/>
-              </a:rPr>
-              <a:t>: </a:t>
-            </a:r>
-            <a:r>
-              <a:rPr lang="en-US" sz="2400" b="1" dirty="0" smtClean="0">
-                <a:latin typeface="Arial" panose="020B0604020202020204" pitchFamily="34" charset="0"/>
-                <a:ea typeface="Arial" panose="020B0604020202020204" pitchFamily="34" charset="0"/>
-              </a:rPr>
-              <a:t>View</a:t>
-            </a:r>
-            <a:r>
-              <a:rPr lang="en-US" sz="2400" b="1" dirty="0">
-                <a:latin typeface="Arial" panose="020B0604020202020204" pitchFamily="34" charset="0"/>
-                <a:ea typeface="Arial" panose="020B0604020202020204" pitchFamily="34" charset="0"/>
-              </a:rPr>
-              <a:t>, Update Course page Outline tab</a:t>
-            </a:r>
-            <a:endParaRPr lang="en-US" sz="2400" b="1" dirty="0" smtClean="0">
-              <a:latin typeface="Arial" panose="020B0604020202020204" pitchFamily="34" charset="0"/>
-              <a:ea typeface="Arial" panose="020B0604020202020204" pitchFamily="34" charset="0"/>
-            </a:endParaRPr>
-          </a:p>
-          <a:p>
-            <a:pPr algn="ctr">
-              <a:lnSpc>
-                <a:spcPct val="115000"/>
-              </a:lnSpc>
-              <a:spcAft>
-                <a:spcPts val="0"/>
-              </a:spcAft>
-            </a:pPr>
-            <a:r>
-              <a:rPr lang="en-US" sz="1200" b="1" dirty="0" smtClean="0">
-                <a:effectLst/>
-                <a:latin typeface="Arial" panose="020B0604020202020204" pitchFamily="34" charset="0"/>
-                <a:ea typeface="Arial" panose="020B0604020202020204" pitchFamily="34" charset="0"/>
-              </a:rPr>
-              <a:t>** Only non-active courses can be deleted</a:t>
-            </a:r>
-            <a:endParaRPr lang="en-AU" sz="1200" dirty="0">
-              <a:effectLst/>
-              <a:latin typeface="Arial" panose="020B0604020202020204" pitchFamily="34" charset="0"/>
-              <a:ea typeface="Arial" panose="020B0604020202020204" pitchFamily="34" charset="0"/>
-            </a:endParaRPr>
-          </a:p>
-        </p:txBody>
-      </p:sp>
-      <p:sp>
-        <p:nvSpPr>
-          <p:cNvPr id="3" name="Rectangle 2"/>
-          <p:cNvSpPr/>
-          <p:nvPr/>
-        </p:nvSpPr>
-        <p:spPr>
-          <a:xfrm>
-            <a:off x="431032" y="600943"/>
-            <a:ext cx="8245424" cy="307777"/>
-          </a:xfrm>
-          <a:prstGeom prst="rect">
-            <a:avLst/>
-          </a:prstGeom>
-        </p:spPr>
-        <p:txBody>
-          <a:bodyPr wrap="square">
-            <a:spAutoFit/>
-          </a:bodyPr>
-          <a:lstStyle/>
-          <a:p>
-            <a:pPr algn="ctr"/>
-            <a:r>
-              <a:rPr lang="en-US" sz="1400" dirty="0">
-                <a:latin typeface="Arial" panose="020B0604020202020204" pitchFamily="34" charset="0"/>
-                <a:ea typeface="Arial" panose="020B0604020202020204" pitchFamily="34" charset="0"/>
-              </a:rPr>
-              <a:t>Link: </a:t>
-            </a:r>
-            <a:r>
-              <a:rPr lang="en-US" sz="1400" u="sng" dirty="0">
-                <a:solidFill>
-                  <a:srgbClr val="0000FF"/>
-                </a:solidFill>
-                <a:latin typeface="Arial" panose="020B0604020202020204" pitchFamily="34" charset="0"/>
-                <a:ea typeface="Arial" panose="020B0604020202020204" pitchFamily="34" charset="0"/>
-                <a:hlinkClick r:id="rId2"/>
-              </a:rPr>
-              <a:t>https</a:t>
-            </a:r>
-            <a:r>
-              <a:rPr lang="en-US" sz="1400" u="sng" dirty="0" smtClean="0">
-                <a:solidFill>
-                  <a:srgbClr val="0000FF"/>
-                </a:solidFill>
-                <a:latin typeface="Arial" panose="020B0604020202020204" pitchFamily="34" charset="0"/>
-                <a:ea typeface="Arial" panose="020B0604020202020204" pitchFamily="34" charset="0"/>
-                <a:hlinkClick r:id="rId2"/>
-              </a:rPr>
-              <a:t>://</a:t>
-            </a:r>
-            <a:r>
-              <a:rPr lang="en-US" sz="1400" u="sng" dirty="0" smtClean="0">
-                <a:solidFill>
-                  <a:srgbClr val="0000FF"/>
-                </a:solidFill>
-                <a:latin typeface="Arial" panose="020B0604020202020204" pitchFamily="34" charset="0"/>
-                <a:ea typeface="Arial" panose="020B0604020202020204" pitchFamily="34" charset="0"/>
-              </a:rPr>
-              <a:t>anodiam.com/teacher/course/{courseid}</a:t>
-            </a:r>
-          </a:p>
-        </p:txBody>
-      </p:sp>
-      <p:pic>
-        <p:nvPicPr>
-          <p:cNvPr id="6" name="Picture 5"/>
-          <p:cNvPicPr>
-            <a:picLocks noChangeAspect="1"/>
-          </p:cNvPicPr>
-          <p:nvPr/>
-        </p:nvPicPr>
-        <p:blipFill>
-          <a:blip r:embed="rId3"/>
-          <a:stretch>
-            <a:fillRect/>
-          </a:stretch>
-        </p:blipFill>
-        <p:spPr>
-          <a:xfrm>
-            <a:off x="838200" y="879301"/>
-            <a:ext cx="7467600" cy="5934075"/>
-          </a:xfrm>
-          <a:prstGeom prst="rect">
-            <a:avLst/>
-          </a:prstGeom>
-        </p:spPr>
-      </p:pic>
-    </p:spTree>
-    <p:extLst>
-      <p:ext uri="{BB962C8B-B14F-4D97-AF65-F5344CB8AC3E}">
-        <p14:creationId xmlns:p14="http://schemas.microsoft.com/office/powerpoint/2010/main" val="754339063"/>
-      </p:ext>
-    </p:extLst>
-  </p:cSld>
-  <p:clrMapOvr>
-    <a:masterClrMapping/>
-  </p:clrMapOvr>
-  <p:timing>
-    <p:tnLst>
-      <p:par>
-        <p:cTn id="1" dur="indefinite" restart="never" nodeType="tmRoot"/>
-      </p:par>
-    </p:tnLst>
-  </p:timing>
-</p:sld>
-</file>
-
-<file path=ppt/slides/slide11.xml><?xml version="1.0" encoding="utf-8"?>
-<p:sld xmlns:a="http://schemas.openxmlformats.org/drawingml/2006/main" xmlns:r="http://schemas.openxmlformats.org/officeDocument/2006/relationships" xmlns:p="http://schemas.openxmlformats.org/presentationml/2006/main">
-  <p:cSld>
-    <p:spTree>
-      <p:nvGrpSpPr>
-        <p:cNvPr id="1" name=""/>
-        <p:cNvGrpSpPr/>
-        <p:nvPr/>
-      </p:nvGrpSpPr>
-      <p:grpSpPr>
-        <a:xfrm>
-          <a:off x="0" y="0"/>
-          <a:ext cx="0" cy="0"/>
-          <a:chOff x="0" y="0"/>
-          <a:chExt cx="0" cy="0"/>
-        </a:xfrm>
-      </p:grpSpPr>
-      <p:sp>
-        <p:nvSpPr>
-          <p:cNvPr id="2" name="Rectangle 1"/>
-          <p:cNvSpPr/>
-          <p:nvPr/>
-        </p:nvSpPr>
-        <p:spPr>
-          <a:xfrm>
             <a:off x="1439006" y="11870"/>
             <a:ext cx="6028637" cy="711733"/>
           </a:xfrm>
@@ -6879,7 +6582,7 @@
 </p:sld>
 </file>
 
-<file path=ppt/slides/slide12.xml><?xml version="1.0" encoding="utf-8"?>
+<file path=ppt/slides/slide11.xml><?xml version="1.0" encoding="utf-8"?>
 <p:sld xmlns:a="http://schemas.openxmlformats.org/drawingml/2006/main" xmlns:r="http://schemas.openxmlformats.org/officeDocument/2006/relationships" xmlns:p="http://schemas.openxmlformats.org/presentationml/2006/main">
   <p:cSld>
     <p:spTree>
@@ -7048,7 +6751,7 @@
       </p:sp>
       <p:pic>
         <p:nvPicPr>
-          <p:cNvPr id="5" name="Picture 4"/>
+          <p:cNvPr id="4" name="Picture 3"/>
           <p:cNvPicPr>
             <a:picLocks noChangeAspect="1"/>
           </p:cNvPicPr>
@@ -7090,7 +6793,7 @@
 </p:sld>
 </file>
 
-<file path=ppt/slides/slide13.xml><?xml version="1.0" encoding="utf-8"?>
+<file path=ppt/slides/slide12.xml><?xml version="1.0" encoding="utf-8"?>
 <p:sld xmlns:a="http://schemas.openxmlformats.org/drawingml/2006/main" xmlns:r="http://schemas.openxmlformats.org/officeDocument/2006/relationships" xmlns:p="http://schemas.openxmlformats.org/presentationml/2006/main">
   <p:cSld>
     <p:spTree>
@@ -7343,7 +7046,7 @@
 </p:sld>
 </file>
 
-<file path=ppt/slides/slide14.xml><?xml version="1.0" encoding="utf-8"?>
+<file path=ppt/slides/slide13.xml><?xml version="1.0" encoding="utf-8"?>
 <p:sld xmlns:a="http://schemas.openxmlformats.org/drawingml/2006/main" xmlns:r="http://schemas.openxmlformats.org/officeDocument/2006/relationships" xmlns:p="http://schemas.openxmlformats.org/presentationml/2006/main">
   <p:cSld>
     <p:spTree>
@@ -7526,7 +7229,7 @@
       </p:sp>
       <p:pic>
         <p:nvPicPr>
-          <p:cNvPr id="6" name="Picture 5"/>
+          <p:cNvPr id="3" name="Picture 2"/>
           <p:cNvPicPr>
             <a:picLocks noChangeAspect="1"/>
           </p:cNvPicPr>
@@ -7568,7 +7271,7 @@
 </p:sld>
 </file>
 
-<file path=ppt/slides/slide15.xml><?xml version="1.0" encoding="utf-8"?>
+<file path=ppt/slides/slide14.xml><?xml version="1.0" encoding="utf-8"?>
 <p:sld xmlns:a="http://schemas.openxmlformats.org/drawingml/2006/main" xmlns:r="http://schemas.openxmlformats.org/officeDocument/2006/relationships" xmlns:p="http://schemas.openxmlformats.org/presentationml/2006/main">
   <p:cSld>
     <p:spTree>
@@ -7751,7 +7454,7 @@
       </p:sp>
       <p:pic>
         <p:nvPicPr>
-          <p:cNvPr id="4" name="Picture 3"/>
+          <p:cNvPr id="3" name="Picture 2"/>
           <p:cNvPicPr>
             <a:picLocks noChangeAspect="1"/>
           </p:cNvPicPr>
@@ -7765,7 +7468,7 @@
         </p:blipFill>
         <p:spPr>
           <a:xfrm>
-            <a:off x="838200" y="908720"/>
+            <a:off x="838200" y="879301"/>
             <a:ext cx="7467600" cy="5934075"/>
           </a:xfrm>
           <a:prstGeom prst="rect">
@@ -7793,7 +7496,7 @@
 </p:sld>
 </file>
 
-<file path=ppt/slides/slide16.xml><?xml version="1.0" encoding="utf-8"?>
+<file path=ppt/slides/slide15.xml><?xml version="1.0" encoding="utf-8"?>
 <p:sld xmlns:a="http://schemas.openxmlformats.org/drawingml/2006/main" xmlns:r="http://schemas.openxmlformats.org/officeDocument/2006/relationships" xmlns:p="http://schemas.openxmlformats.org/presentationml/2006/main">
   <p:cSld>
     <p:spTree>
@@ -7973,7 +7676,7 @@
 </p:sld>
 </file>
 
-<file path=ppt/slides/slide17.xml><?xml version="1.0" encoding="utf-8"?>
+<file path=ppt/slides/slide16.xml><?xml version="1.0" encoding="utf-8"?>
 <p:sld xmlns:a="http://schemas.openxmlformats.org/drawingml/2006/main" xmlns:r="http://schemas.openxmlformats.org/officeDocument/2006/relationships" xmlns:p="http://schemas.openxmlformats.org/presentationml/2006/main">
   <p:cSld>
     <p:spTree>
@@ -8306,6 +8009,189 @@
 </p:sld>
 </file>
 
+<file path=ppt/slides/slide17.xml><?xml version="1.0" encoding="utf-8"?>
+<p:sld xmlns:a="http://schemas.openxmlformats.org/drawingml/2006/main" xmlns:r="http://schemas.openxmlformats.org/officeDocument/2006/relationships" xmlns:p="http://schemas.openxmlformats.org/presentationml/2006/main">
+  <p:cSld>
+    <p:spTree>
+      <p:nvGrpSpPr>
+        <p:cNvPr id="1" name=""/>
+        <p:cNvGrpSpPr/>
+        <p:nvPr/>
+      </p:nvGrpSpPr>
+      <p:grpSpPr>
+        <a:xfrm>
+          <a:off x="0" y="0"/>
+          <a:ext cx="0" cy="0"/>
+          <a:chOff x="0" y="0"/>
+          <a:chExt cx="0" cy="0"/>
+        </a:xfrm>
+      </p:grpSpPr>
+      <p:sp>
+        <p:nvSpPr>
+          <p:cNvPr id="2" name="Rectangle 1"/>
+          <p:cNvSpPr/>
+          <p:nvPr/>
+        </p:nvSpPr>
+        <p:spPr>
+          <a:xfrm>
+            <a:off x="1779633" y="332656"/>
+            <a:ext cx="5347361" cy="480901"/>
+          </a:xfrm>
+          <a:prstGeom prst="rect">
+            <a:avLst/>
+          </a:prstGeom>
+        </p:spPr>
+        <p:txBody>
+          <a:bodyPr wrap="none">
+            <a:spAutoFit/>
+          </a:bodyPr>
+          <a:lstStyle/>
+          <a:p>
+            <a:pPr algn="ctr">
+              <a:lnSpc>
+                <a:spcPct val="115000"/>
+              </a:lnSpc>
+              <a:spcAft>
+                <a:spcPts val="0"/>
+              </a:spcAft>
+            </a:pPr>
+            <a:r>
+              <a:rPr lang="en-US" sz="2400" b="1" dirty="0" smtClean="0">
+                <a:latin typeface="Arial" panose="020B0604020202020204" pitchFamily="34" charset="0"/>
+                <a:ea typeface="Arial" panose="020B0604020202020204" pitchFamily="34" charset="0"/>
+              </a:rPr>
+              <a:t>Teacher App</a:t>
+            </a:r>
+            <a:r>
+              <a:rPr lang="en-US" sz="2400" b="1" dirty="0">
+                <a:latin typeface="Arial" panose="020B0604020202020204" pitchFamily="34" charset="0"/>
+                <a:ea typeface="Arial" panose="020B0604020202020204" pitchFamily="34" charset="0"/>
+              </a:rPr>
+              <a:t>: </a:t>
+            </a:r>
+            <a:r>
+              <a:rPr lang="en-US" sz="2400" b="1" dirty="0" smtClean="0">
+                <a:latin typeface="Arial" panose="020B0604020202020204" pitchFamily="34" charset="0"/>
+                <a:ea typeface="Arial" panose="020B0604020202020204" pitchFamily="34" charset="0"/>
+              </a:rPr>
+              <a:t>Personal Profile page</a:t>
+            </a:r>
+            <a:endParaRPr lang="en-AU" sz="2400" dirty="0">
+              <a:effectLst/>
+              <a:latin typeface="Arial" panose="020B0604020202020204" pitchFamily="34" charset="0"/>
+              <a:ea typeface="Arial" panose="020B0604020202020204" pitchFamily="34" charset="0"/>
+            </a:endParaRPr>
+          </a:p>
+        </p:txBody>
+      </p:sp>
+      <p:sp>
+        <p:nvSpPr>
+          <p:cNvPr id="3" name="Rectangle 2"/>
+          <p:cNvSpPr/>
+          <p:nvPr/>
+        </p:nvSpPr>
+        <p:spPr>
+          <a:xfrm>
+            <a:off x="431032" y="849721"/>
+            <a:ext cx="8245424" cy="307777"/>
+          </a:xfrm>
+          <a:prstGeom prst="rect">
+            <a:avLst/>
+          </a:prstGeom>
+        </p:spPr>
+        <p:txBody>
+          <a:bodyPr wrap="square">
+            <a:spAutoFit/>
+          </a:bodyPr>
+          <a:lstStyle/>
+          <a:p>
+            <a:pPr algn="ctr"/>
+            <a:r>
+              <a:rPr lang="en-US" sz="1400" dirty="0">
+                <a:latin typeface="Arial" panose="020B0604020202020204" pitchFamily="34" charset="0"/>
+                <a:ea typeface="Arial" panose="020B0604020202020204" pitchFamily="34" charset="0"/>
+              </a:rPr>
+              <a:t>Link: </a:t>
+            </a:r>
+            <a:r>
+              <a:rPr lang="en-US" sz="1400" u="sng" dirty="0">
+                <a:solidFill>
+                  <a:srgbClr val="0000FF"/>
+                </a:solidFill>
+                <a:latin typeface="Arial" panose="020B0604020202020204" pitchFamily="34" charset="0"/>
+                <a:ea typeface="Arial" panose="020B0604020202020204" pitchFamily="34" charset="0"/>
+                <a:hlinkClick r:id="rId3"/>
+              </a:rPr>
+              <a:t>https</a:t>
+            </a:r>
+            <a:r>
+              <a:rPr lang="en-US" sz="1400" u="sng" dirty="0" smtClean="0">
+                <a:solidFill>
+                  <a:srgbClr val="0000FF"/>
+                </a:solidFill>
+                <a:latin typeface="Arial" panose="020B0604020202020204" pitchFamily="34" charset="0"/>
+                <a:ea typeface="Arial" panose="020B0604020202020204" pitchFamily="34" charset="0"/>
+                <a:hlinkClick r:id="rId3"/>
+              </a:rPr>
+              <a:t>://</a:t>
+            </a:r>
+            <a:r>
+              <a:rPr lang="en-US" sz="1400" u="sng" dirty="0" smtClean="0">
+                <a:solidFill>
+                  <a:srgbClr val="0000FF"/>
+                </a:solidFill>
+                <a:latin typeface="Arial" panose="020B0604020202020204" pitchFamily="34" charset="0"/>
+                <a:ea typeface="Arial" panose="020B0604020202020204" pitchFamily="34" charset="0"/>
+              </a:rPr>
+              <a:t>anodiam.com/teacher/myprofile/{userid}</a:t>
+            </a:r>
+          </a:p>
+        </p:txBody>
+      </p:sp>
+      <p:pic>
+        <p:nvPicPr>
+          <p:cNvPr id="5" name="Picture 4"/>
+          <p:cNvPicPr>
+            <a:picLocks noChangeAspect="1"/>
+          </p:cNvPicPr>
+          <p:nvPr/>
+        </p:nvPicPr>
+        <p:blipFill>
+          <a:blip r:embed="rId4"/>
+          <a:stretch>
+            <a:fillRect/>
+          </a:stretch>
+        </p:blipFill>
+        <p:spPr>
+          <a:xfrm>
+            <a:off x="838200" y="1196752"/>
+            <a:ext cx="7467600" cy="5257800"/>
+          </a:xfrm>
+          <a:prstGeom prst="rect">
+            <a:avLst/>
+          </a:prstGeom>
+        </p:spPr>
+      </p:pic>
+    </p:spTree>
+    <p:extLst>
+      <p:ext uri="{BB962C8B-B14F-4D97-AF65-F5344CB8AC3E}">
+        <p14:creationId xmlns:p14="http://schemas.microsoft.com/office/powerpoint/2010/main" val="729961998"/>
+      </p:ext>
+    </p:extLst>
+  </p:cSld>
+  <p:clrMapOvr>
+    <a:masterClrMapping/>
+  </p:clrMapOvr>
+  <p:timing>
+    <p:tnLst>
+      <p:par>
+        <p:cTn id="1" dur="indefinite" restart="never" nodeType="tmRoot"/>
+      </p:par>
+    </p:tnLst>
+  </p:timing>
+</p:sld>
+</file>
+
 <file path=ppt/slides/slide18.xml><?xml version="1.0" encoding="utf-8"?>
 <p:sld xmlns:a="http://schemas.openxmlformats.org/drawingml/2006/main" xmlns:r="http://schemas.openxmlformats.org/officeDocument/2006/relationships" xmlns:p="http://schemas.openxmlformats.org/presentationml/2006/main">
   <p:cSld>
@@ -8331,8 +8217,8 @@
         </p:nvSpPr>
         <p:spPr>
           <a:xfrm>
-            <a:off x="1779633" y="332656"/>
-            <a:ext cx="5347361" cy="480901"/>
+            <a:off x="1506323" y="332656"/>
+            <a:ext cx="5893986" cy="480901"/>
           </a:xfrm>
           <a:prstGeom prst="rect">
             <a:avLst/>
@@ -8371,7 +8257,7 @@
                 <a:latin typeface="Arial" panose="020B0604020202020204" pitchFamily="34" charset="0"/>
                 <a:ea typeface="Arial" panose="020B0604020202020204" pitchFamily="34" charset="0"/>
               </a:rPr>
-              <a:t>Personal Profile page</a:t>
+              <a:t>Professional Profile page</a:t>
             </a:r>
             <a:endParaRPr lang="en-AU" sz="2400" dirty="0">
               <a:effectLst/>
@@ -8417,7 +8303,7 @@
                 </a:solidFill>
                 <a:latin typeface="Arial" panose="020B0604020202020204" pitchFamily="34" charset="0"/>
                 <a:ea typeface="Arial" panose="020B0604020202020204" pitchFamily="34" charset="0"/>
-                <a:hlinkClick r:id="rId3"/>
+                <a:hlinkClick r:id="rId2"/>
               </a:rPr>
               <a:t>https</a:t>
             </a:r>
@@ -8428,7 +8314,7 @@
                 </a:solidFill>
                 <a:latin typeface="Arial" panose="020B0604020202020204" pitchFamily="34" charset="0"/>
                 <a:ea typeface="Arial" panose="020B0604020202020204" pitchFamily="34" charset="0"/>
-                <a:hlinkClick r:id="rId3"/>
+                <a:hlinkClick r:id="rId2"/>
               </a:rPr>
               <a:t>://</a:t>
             </a:r>
@@ -8447,22 +8333,22 @@
       </p:sp>
       <p:pic>
         <p:nvPicPr>
-          <p:cNvPr id="4" name="Picture 3"/>
+          <p:cNvPr id="5" name="Picture 4"/>
           <p:cNvPicPr>
             <a:picLocks noChangeAspect="1"/>
           </p:cNvPicPr>
           <p:nvPr/>
         </p:nvPicPr>
         <p:blipFill>
-          <a:blip r:embed="rId4"/>
+          <a:blip r:embed="rId3"/>
           <a:stretch>
             <a:fillRect/>
           </a:stretch>
         </p:blipFill>
         <p:spPr>
           <a:xfrm>
-            <a:off x="838200" y="1267544"/>
-            <a:ext cx="7467600" cy="5257800"/>
+            <a:off x="838200" y="1376362"/>
+            <a:ext cx="7467600" cy="4105275"/>
           </a:xfrm>
           <a:prstGeom prst="rect">
             <a:avLst/>
@@ -8472,7 +8358,7 @@
     </p:spTree>
     <p:extLst>
       <p:ext uri="{BB962C8B-B14F-4D97-AF65-F5344CB8AC3E}">
-        <p14:creationId xmlns:p14="http://schemas.microsoft.com/office/powerpoint/2010/main" val="729961998"/>
+        <p14:creationId xmlns:p14="http://schemas.microsoft.com/office/powerpoint/2010/main" val="1687650685"/>
       </p:ext>
     </p:extLst>
   </p:cSld>
@@ -8514,8 +8400,8 @@
         </p:nvSpPr>
         <p:spPr>
           <a:xfrm>
-            <a:off x="1506323" y="332656"/>
-            <a:ext cx="5893986" cy="480901"/>
+            <a:off x="1763604" y="332656"/>
+            <a:ext cx="5379421" cy="480901"/>
           </a:xfrm>
           <a:prstGeom prst="rect">
             <a:avLst/>
@@ -8554,7 +8440,7 @@
                 <a:latin typeface="Arial" panose="020B0604020202020204" pitchFamily="34" charset="0"/>
                 <a:ea typeface="Arial" panose="020B0604020202020204" pitchFamily="34" charset="0"/>
               </a:rPr>
-              <a:t>Professional Profile page</a:t>
+              <a:t>Financial Profile page</a:t>
             </a:r>
             <a:endParaRPr lang="en-AU" sz="2400" dirty="0">
               <a:effectLst/>
@@ -8600,7 +8486,7 @@
                 </a:solidFill>
                 <a:latin typeface="Arial" panose="020B0604020202020204" pitchFamily="34" charset="0"/>
                 <a:ea typeface="Arial" panose="020B0604020202020204" pitchFamily="34" charset="0"/>
-                <a:hlinkClick r:id="rId2"/>
+                <a:hlinkClick r:id="rId3"/>
               </a:rPr>
               <a:t>https</a:t>
             </a:r>
@@ -8611,7 +8497,7 @@
                 </a:solidFill>
                 <a:latin typeface="Arial" panose="020B0604020202020204" pitchFamily="34" charset="0"/>
                 <a:ea typeface="Arial" panose="020B0604020202020204" pitchFamily="34" charset="0"/>
-                <a:hlinkClick r:id="rId2"/>
+                <a:hlinkClick r:id="rId3"/>
               </a:rPr>
               <a:t>://</a:t>
             </a:r>
@@ -8630,22 +8516,22 @@
       </p:sp>
       <p:pic>
         <p:nvPicPr>
-          <p:cNvPr id="4" name="Picture 3"/>
+          <p:cNvPr id="5" name="Picture 4"/>
           <p:cNvPicPr>
             <a:picLocks noChangeAspect="1"/>
           </p:cNvPicPr>
           <p:nvPr/>
         </p:nvPicPr>
         <p:blipFill>
-          <a:blip r:embed="rId3"/>
+          <a:blip r:embed="rId4"/>
           <a:stretch>
             <a:fillRect/>
           </a:stretch>
         </p:blipFill>
         <p:spPr>
           <a:xfrm>
-            <a:off x="838200" y="1844824"/>
-            <a:ext cx="7467600" cy="4105275"/>
+            <a:off x="838200" y="1768946"/>
+            <a:ext cx="7467600" cy="4324350"/>
           </a:xfrm>
           <a:prstGeom prst="rect">
             <a:avLst/>
@@ -8655,7 +8541,7 @@
     </p:spTree>
     <p:extLst>
       <p:ext uri="{BB962C8B-B14F-4D97-AF65-F5344CB8AC3E}">
-        <p14:creationId xmlns:p14="http://schemas.microsoft.com/office/powerpoint/2010/main" val="1687650685"/>
+        <p14:creationId xmlns:p14="http://schemas.microsoft.com/office/powerpoint/2010/main" val="3461176707"/>
       </p:ext>
     </p:extLst>
   </p:cSld>
@@ -8874,8 +8760,8 @@
         </p:nvSpPr>
         <p:spPr>
           <a:xfrm>
-            <a:off x="1763604" y="332656"/>
-            <a:ext cx="5379421" cy="480901"/>
+            <a:off x="1813300" y="332656"/>
+            <a:ext cx="5280035" cy="517065"/>
           </a:xfrm>
           <a:prstGeom prst="rect">
             <a:avLst/>
@@ -8914,7 +8800,7 @@
                 <a:latin typeface="Arial" panose="020B0604020202020204" pitchFamily="34" charset="0"/>
                 <a:ea typeface="Arial" panose="020B0604020202020204" pitchFamily="34" charset="0"/>
               </a:rPr>
-              <a:t>Financial Profile page</a:t>
+              <a:t>Payout Reports page</a:t>
             </a:r>
             <a:endParaRPr lang="en-AU" sz="2400" dirty="0">
               <a:effectLst/>
@@ -8960,7 +8846,7 @@
                 </a:solidFill>
                 <a:latin typeface="Arial" panose="020B0604020202020204" pitchFamily="34" charset="0"/>
                 <a:ea typeface="Arial" panose="020B0604020202020204" pitchFamily="34" charset="0"/>
-                <a:hlinkClick r:id="rId3"/>
+                <a:hlinkClick r:id="rId2"/>
               </a:rPr>
               <a:t>https</a:t>
             </a:r>
@@ -8971,7 +8857,7 @@
                 </a:solidFill>
                 <a:latin typeface="Arial" panose="020B0604020202020204" pitchFamily="34" charset="0"/>
                 <a:ea typeface="Arial" panose="020B0604020202020204" pitchFamily="34" charset="0"/>
-                <a:hlinkClick r:id="rId3"/>
+                <a:hlinkClick r:id="rId2"/>
               </a:rPr>
               <a:t>://</a:t>
             </a:r>
@@ -8983,7 +8869,7 @@
                 <a:latin typeface="Arial" panose="020B0604020202020204" pitchFamily="34" charset="0"/>
                 <a:ea typeface="Arial" panose="020B0604020202020204" pitchFamily="34" charset="0"/>
               </a:rPr>
-              <a:t>anodiam.com/teacher/myprofile/{userid}</a:t>
+              <a:t>anodiam.com/teacher/payouts/{userid}</a:t>
             </a:r>
           </a:p>
         </p:txBody>
@@ -8997,15 +8883,15 @@
           <p:nvPr/>
         </p:nvPicPr>
         <p:blipFill>
-          <a:blip r:embed="rId4"/>
+          <a:blip r:embed="rId3"/>
           <a:stretch>
             <a:fillRect/>
           </a:stretch>
         </p:blipFill>
         <p:spPr>
           <a:xfrm>
-            <a:off x="838200" y="1696938"/>
-            <a:ext cx="7467600" cy="4324350"/>
+            <a:off x="838200" y="1412776"/>
+            <a:ext cx="7467600" cy="4762500"/>
           </a:xfrm>
           <a:prstGeom prst="rect">
             <a:avLst/>
@@ -9015,7 +8901,7 @@
     </p:spTree>
     <p:extLst>
       <p:ext uri="{BB962C8B-B14F-4D97-AF65-F5344CB8AC3E}">
-        <p14:creationId xmlns:p14="http://schemas.microsoft.com/office/powerpoint/2010/main" val="3461176707"/>
+        <p14:creationId xmlns:p14="http://schemas.microsoft.com/office/powerpoint/2010/main" val="3005973504"/>
       </p:ext>
     </p:extLst>
   </p:cSld>
@@ -9057,8 +8943,8 @@
         </p:nvSpPr>
         <p:spPr>
           <a:xfrm>
-            <a:off x="1813300" y="332656"/>
-            <a:ext cx="5280035" cy="517065"/>
+            <a:off x="2271856" y="332656"/>
+            <a:ext cx="4362926" cy="480901"/>
           </a:xfrm>
           <a:prstGeom prst="rect">
             <a:avLst/>
@@ -9097,7 +8983,7 @@
                 <a:latin typeface="Arial" panose="020B0604020202020204" pitchFamily="34" charset="0"/>
                 <a:ea typeface="Arial" panose="020B0604020202020204" pitchFamily="34" charset="0"/>
               </a:rPr>
-              <a:t>Payout Reports page</a:t>
+              <a:t>Analytics page</a:t>
             </a:r>
             <a:endParaRPr lang="en-AU" sz="2400" dirty="0">
               <a:effectLst/>
@@ -9166,14 +9052,14 @@
                 <a:latin typeface="Arial" panose="020B0604020202020204" pitchFamily="34" charset="0"/>
                 <a:ea typeface="Arial" panose="020B0604020202020204" pitchFamily="34" charset="0"/>
               </a:rPr>
-              <a:t>anodiam.com/teacher/payouts/{userid}</a:t>
+              <a:t>anodiam.com/teacher/analytics/{userid}</a:t>
             </a:r>
           </a:p>
         </p:txBody>
       </p:sp>
       <p:pic>
         <p:nvPicPr>
-          <p:cNvPr id="7" name="Picture 6"/>
+          <p:cNvPr id="4" name="Picture 3"/>
           <p:cNvPicPr>
             <a:picLocks noChangeAspect="1"/>
           </p:cNvPicPr>
@@ -9187,7 +9073,7 @@
         </p:blipFill>
         <p:spPr>
           <a:xfrm>
-            <a:off x="819944" y="1340768"/>
+            <a:off x="838200" y="1330796"/>
             <a:ext cx="7467600" cy="4762500"/>
           </a:xfrm>
           <a:prstGeom prst="rect">
@@ -9198,7 +9084,7 @@
     </p:spTree>
     <p:extLst>
       <p:ext uri="{BB962C8B-B14F-4D97-AF65-F5344CB8AC3E}">
-        <p14:creationId xmlns:p14="http://schemas.microsoft.com/office/powerpoint/2010/main" val="3005973504"/>
+        <p14:creationId xmlns:p14="http://schemas.microsoft.com/office/powerpoint/2010/main" val="2724908613"/>
       </p:ext>
     </p:extLst>
   </p:cSld>
@@ -9240,8 +9126,8 @@
         </p:nvSpPr>
         <p:spPr>
           <a:xfrm>
-            <a:off x="2271856" y="332656"/>
-            <a:ext cx="4362926" cy="480901"/>
+            <a:off x="1434997" y="332656"/>
+            <a:ext cx="6036653" cy="480901"/>
           </a:xfrm>
           <a:prstGeom prst="rect">
             <a:avLst/>
@@ -9280,7 +9166,7 @@
                 <a:latin typeface="Arial" panose="020B0604020202020204" pitchFamily="34" charset="0"/>
                 <a:ea typeface="Arial" panose="020B0604020202020204" pitchFamily="34" charset="0"/>
               </a:rPr>
-              <a:t>Analytics page</a:t>
+              <a:t>Notifications &gt; Inbox page</a:t>
             </a:r>
             <a:endParaRPr lang="en-AU" sz="2400" dirty="0">
               <a:effectLst/>
@@ -9349,7 +9235,7 @@
                 <a:latin typeface="Arial" panose="020B0604020202020204" pitchFamily="34" charset="0"/>
                 <a:ea typeface="Arial" panose="020B0604020202020204" pitchFamily="34" charset="0"/>
               </a:rPr>
-              <a:t>anodiam.com/teacher/analytics/{userid}</a:t>
+              <a:t>anodiam.com/teacher/messages/{userid}</a:t>
             </a:r>
           </a:p>
         </p:txBody>
@@ -9370,8 +9256,8 @@
         </p:blipFill>
         <p:spPr>
           <a:xfrm>
-            <a:off x="838200" y="1474812"/>
-            <a:ext cx="7467600" cy="4762500"/>
+            <a:off x="838200" y="1835621"/>
+            <a:ext cx="7467600" cy="4257675"/>
           </a:xfrm>
           <a:prstGeom prst="rect">
             <a:avLst/>
@@ -9381,7 +9267,7 @@
     </p:spTree>
     <p:extLst>
       <p:ext uri="{BB962C8B-B14F-4D97-AF65-F5344CB8AC3E}">
-        <p14:creationId xmlns:p14="http://schemas.microsoft.com/office/powerpoint/2010/main" val="2724908613"/>
+        <p14:creationId xmlns:p14="http://schemas.microsoft.com/office/powerpoint/2010/main" val="526722271"/>
       </p:ext>
     </p:extLst>
   </p:cSld>
@@ -9423,8 +9309,8 @@
         </p:nvSpPr>
         <p:spPr>
           <a:xfrm>
-            <a:off x="1434997" y="332656"/>
-            <a:ext cx="6036653" cy="480901"/>
+            <a:off x="609448" y="332656"/>
+            <a:ext cx="7687747" cy="480901"/>
           </a:xfrm>
           <a:prstGeom prst="rect">
             <a:avLst/>
@@ -9445,28 +9331,20 @@
               </a:spcAft>
             </a:pPr>
             <a:r>
+              <a:rPr lang="en-US" sz="2400" b="1" dirty="0">
+                <a:latin typeface="Arial" panose="020B0604020202020204" pitchFamily="34" charset="0"/>
+                <a:ea typeface="Arial" panose="020B0604020202020204" pitchFamily="34" charset="0"/>
+              </a:rPr>
+              <a:t>Teacher App: Notifications &gt; Inbox </a:t>
+            </a:r>
+            <a:r>
               <a:rPr lang="en-US" sz="2400" b="1" dirty="0" smtClean="0">
                 <a:latin typeface="Arial" panose="020B0604020202020204" pitchFamily="34" charset="0"/>
                 <a:ea typeface="Arial" panose="020B0604020202020204" pitchFamily="34" charset="0"/>
               </a:rPr>
-              <a:t>Teacher App</a:t>
-            </a:r>
-            <a:r>
-              <a:rPr lang="en-US" sz="2400" b="1" dirty="0">
-                <a:latin typeface="Arial" panose="020B0604020202020204" pitchFamily="34" charset="0"/>
-                <a:ea typeface="Arial" panose="020B0604020202020204" pitchFamily="34" charset="0"/>
-              </a:rPr>
-              <a:t>: </a:t>
-            </a:r>
-            <a:r>
-              <a:rPr lang="en-US" sz="2400" b="1" dirty="0" smtClean="0">
-                <a:latin typeface="Arial" panose="020B0604020202020204" pitchFamily="34" charset="0"/>
-                <a:ea typeface="Arial" panose="020B0604020202020204" pitchFamily="34" charset="0"/>
-              </a:rPr>
-              <a:t>Notifications &gt; Inbox page</a:t>
+              <a:t>&gt; Message page</a:t>
             </a:r>
             <a:endParaRPr lang="en-AU" sz="2400" dirty="0">
-              <a:effectLst/>
               <a:latin typeface="Arial" panose="020B0604020202020204" pitchFamily="34" charset="0"/>
               <a:ea typeface="Arial" panose="020B0604020202020204" pitchFamily="34" charset="0"/>
             </a:endParaRPr>
@@ -9532,7 +9410,7 @@
                 <a:latin typeface="Arial" panose="020B0604020202020204" pitchFamily="34" charset="0"/>
                 <a:ea typeface="Arial" panose="020B0604020202020204" pitchFamily="34" charset="0"/>
               </a:rPr>
-              <a:t>anodiam.com/teacher/messages/{userid}</a:t>
+              <a:t>anodiam.com/teacher/message/{messageid}</a:t>
             </a:r>
           </a:p>
         </p:txBody>
@@ -9564,7 +9442,7 @@
     </p:spTree>
     <p:extLst>
       <p:ext uri="{BB962C8B-B14F-4D97-AF65-F5344CB8AC3E}">
-        <p14:creationId xmlns:p14="http://schemas.microsoft.com/office/powerpoint/2010/main" val="526722271"/>
+        <p14:creationId xmlns:p14="http://schemas.microsoft.com/office/powerpoint/2010/main" val="1743414437"/>
       </p:ext>
     </p:extLst>
   </p:cSld>
@@ -9606,8 +9484,8 @@
         </p:nvSpPr>
         <p:spPr>
           <a:xfrm>
-            <a:off x="609448" y="332656"/>
-            <a:ext cx="7687747" cy="480901"/>
+            <a:off x="1271493" y="332656"/>
+            <a:ext cx="6363666" cy="480901"/>
           </a:xfrm>
           <a:prstGeom prst="rect">
             <a:avLst/>
@@ -9628,20 +9506,28 @@
               </a:spcAft>
             </a:pPr>
             <a:r>
+              <a:rPr lang="en-US" sz="2400" b="1" dirty="0" smtClean="0">
+                <a:latin typeface="Arial" panose="020B0604020202020204" pitchFamily="34" charset="0"/>
+                <a:ea typeface="Arial" panose="020B0604020202020204" pitchFamily="34" charset="0"/>
+              </a:rPr>
+              <a:t>Teacher App</a:t>
+            </a:r>
+            <a:r>
               <a:rPr lang="en-US" sz="2400" b="1" dirty="0">
                 <a:latin typeface="Arial" panose="020B0604020202020204" pitchFamily="34" charset="0"/>
                 <a:ea typeface="Arial" panose="020B0604020202020204" pitchFamily="34" charset="0"/>
               </a:rPr>
-              <a:t>Teacher App: Notifications &gt; Inbox </a:t>
+              <a:t>: </a:t>
             </a:r>
             <a:r>
               <a:rPr lang="en-US" sz="2400" b="1" dirty="0" smtClean="0">
                 <a:latin typeface="Arial" panose="020B0604020202020204" pitchFamily="34" charset="0"/>
                 <a:ea typeface="Arial" panose="020B0604020202020204" pitchFamily="34" charset="0"/>
               </a:rPr>
-              <a:t>&gt; Message page</a:t>
+              <a:t>Notifications &gt; Queries page</a:t>
             </a:r>
             <a:endParaRPr lang="en-AU" sz="2400" dirty="0">
+              <a:effectLst/>
               <a:latin typeface="Arial" panose="020B0604020202020204" pitchFamily="34" charset="0"/>
               <a:ea typeface="Arial" panose="020B0604020202020204" pitchFamily="34" charset="0"/>
             </a:endParaRPr>
@@ -9707,14 +9593,14 @@
                 <a:latin typeface="Arial" panose="020B0604020202020204" pitchFamily="34" charset="0"/>
                 <a:ea typeface="Arial" panose="020B0604020202020204" pitchFamily="34" charset="0"/>
               </a:rPr>
-              <a:t>anodiam.com/teacher/message/{messageid}</a:t>
+              <a:t>anodiam.com/teacher/queries/{userid}</a:t>
             </a:r>
           </a:p>
         </p:txBody>
       </p:sp>
       <p:pic>
         <p:nvPicPr>
-          <p:cNvPr id="5" name="Picture 4"/>
+          <p:cNvPr id="4" name="Picture 3"/>
           <p:cNvPicPr>
             <a:picLocks noChangeAspect="1"/>
           </p:cNvPicPr>
@@ -9728,7 +9614,7 @@
         </p:blipFill>
         <p:spPr>
           <a:xfrm>
-            <a:off x="838200" y="1300162"/>
+            <a:off x="838200" y="1979637"/>
             <a:ext cx="7467600" cy="4257675"/>
           </a:xfrm>
           <a:prstGeom prst="rect">
@@ -9739,7 +9625,7 @@
     </p:spTree>
     <p:extLst>
       <p:ext uri="{BB962C8B-B14F-4D97-AF65-F5344CB8AC3E}">
-        <p14:creationId xmlns:p14="http://schemas.microsoft.com/office/powerpoint/2010/main" val="1743414437"/>
+        <p14:creationId xmlns:p14="http://schemas.microsoft.com/office/powerpoint/2010/main" val="680381503"/>
       </p:ext>
     </p:extLst>
   </p:cSld>
@@ -9781,8 +9667,8 @@
         </p:nvSpPr>
         <p:spPr>
           <a:xfrm>
-            <a:off x="1271493" y="332656"/>
-            <a:ext cx="6363666" cy="480901"/>
+            <a:off x="591077" y="332656"/>
+            <a:ext cx="8045216" cy="480901"/>
           </a:xfrm>
           <a:prstGeom prst="rect">
             <a:avLst/>
@@ -9803,28 +9689,20 @@
               </a:spcAft>
             </a:pPr>
             <a:r>
+              <a:rPr lang="en-US" sz="2400" b="1" dirty="0">
+                <a:latin typeface="Arial" panose="020B0604020202020204" pitchFamily="34" charset="0"/>
+                <a:ea typeface="Arial" panose="020B0604020202020204" pitchFamily="34" charset="0"/>
+              </a:rPr>
+              <a:t>Teacher App: Notifications &gt; </a:t>
+            </a:r>
+            <a:r>
               <a:rPr lang="en-US" sz="2400" b="1" dirty="0" smtClean="0">
                 <a:latin typeface="Arial" panose="020B0604020202020204" pitchFamily="34" charset="0"/>
                 <a:ea typeface="Arial" panose="020B0604020202020204" pitchFamily="34" charset="0"/>
               </a:rPr>
-              <a:t>Teacher App</a:t>
-            </a:r>
-            <a:r>
-              <a:rPr lang="en-US" sz="2400" b="1" dirty="0">
-                <a:latin typeface="Arial" panose="020B0604020202020204" pitchFamily="34" charset="0"/>
-                <a:ea typeface="Arial" panose="020B0604020202020204" pitchFamily="34" charset="0"/>
-              </a:rPr>
-              <a:t>: </a:t>
-            </a:r>
-            <a:r>
-              <a:rPr lang="en-US" sz="2400" b="1" dirty="0" smtClean="0">
-                <a:latin typeface="Arial" panose="020B0604020202020204" pitchFamily="34" charset="0"/>
-                <a:ea typeface="Arial" panose="020B0604020202020204" pitchFamily="34" charset="0"/>
-              </a:rPr>
-              <a:t>Notifications &gt; Queries page</a:t>
+              <a:t>Query &gt; Resolution page</a:t>
             </a:r>
             <a:endParaRPr lang="en-AU" sz="2400" dirty="0">
-              <a:effectLst/>
               <a:latin typeface="Arial" panose="020B0604020202020204" pitchFamily="34" charset="0"/>
               <a:ea typeface="Arial" panose="020B0604020202020204" pitchFamily="34" charset="0"/>
             </a:endParaRPr>
@@ -9890,14 +9768,14 @@
                 <a:latin typeface="Arial" panose="020B0604020202020204" pitchFamily="34" charset="0"/>
                 <a:ea typeface="Arial" panose="020B0604020202020204" pitchFamily="34" charset="0"/>
               </a:rPr>
-              <a:t>anodiam.com/teacher/queries/{userid}</a:t>
+              <a:t>anodiam.com/teacher/query/{queryid}</a:t>
             </a:r>
           </a:p>
         </p:txBody>
       </p:sp>
       <p:pic>
         <p:nvPicPr>
-          <p:cNvPr id="6" name="Picture 5"/>
+          <p:cNvPr id="4" name="Picture 3"/>
           <p:cNvPicPr>
             <a:picLocks noChangeAspect="1"/>
           </p:cNvPicPr>
@@ -9911,7 +9789,7 @@
         </p:blipFill>
         <p:spPr>
           <a:xfrm>
-            <a:off x="838200" y="1700808"/>
+            <a:off x="838200" y="1835621"/>
             <a:ext cx="7467600" cy="4257675"/>
           </a:xfrm>
           <a:prstGeom prst="rect">
@@ -9922,7 +9800,7 @@
     </p:spTree>
     <p:extLst>
       <p:ext uri="{BB962C8B-B14F-4D97-AF65-F5344CB8AC3E}">
-        <p14:creationId xmlns:p14="http://schemas.microsoft.com/office/powerpoint/2010/main" val="680381503"/>
+        <p14:creationId xmlns:p14="http://schemas.microsoft.com/office/powerpoint/2010/main" val="3197739735"/>
       </p:ext>
     </p:extLst>
   </p:cSld>
@@ -9964,8 +9842,8 @@
         </p:nvSpPr>
         <p:spPr>
           <a:xfrm>
-            <a:off x="591077" y="332656"/>
-            <a:ext cx="8045216" cy="480901"/>
+            <a:off x="1048678" y="332656"/>
+            <a:ext cx="6809300" cy="480901"/>
           </a:xfrm>
           <a:prstGeom prst="rect">
             <a:avLst/>
@@ -9986,20 +9864,28 @@
               </a:spcAft>
             </a:pPr>
             <a:r>
+              <a:rPr lang="en-US" sz="2400" b="1" dirty="0" smtClean="0">
+                <a:latin typeface="Arial" panose="020B0604020202020204" pitchFamily="34" charset="0"/>
+                <a:ea typeface="Arial" panose="020B0604020202020204" pitchFamily="34" charset="0"/>
+              </a:rPr>
+              <a:t>Teacher App</a:t>
+            </a:r>
+            <a:r>
               <a:rPr lang="en-US" sz="2400" b="1" dirty="0">
                 <a:latin typeface="Arial" panose="020B0604020202020204" pitchFamily="34" charset="0"/>
                 <a:ea typeface="Arial" panose="020B0604020202020204" pitchFamily="34" charset="0"/>
               </a:rPr>
-              <a:t>Teacher App: Notifications &gt; </a:t>
+              <a:t>: </a:t>
             </a:r>
             <a:r>
               <a:rPr lang="en-US" sz="2400" b="1" dirty="0" smtClean="0">
                 <a:latin typeface="Arial" panose="020B0604020202020204" pitchFamily="34" charset="0"/>
                 <a:ea typeface="Arial" panose="020B0604020202020204" pitchFamily="34" charset="0"/>
               </a:rPr>
-              <a:t>Query &gt; Resolution page</a:t>
+              <a:t>Notifications &gt; Comments page</a:t>
             </a:r>
             <a:endParaRPr lang="en-AU" sz="2400" dirty="0">
+              <a:effectLst/>
               <a:latin typeface="Arial" panose="020B0604020202020204" pitchFamily="34" charset="0"/>
               <a:ea typeface="Arial" panose="020B0604020202020204" pitchFamily="34" charset="0"/>
             </a:endParaRPr>
@@ -10065,14 +9951,14 @@
                 <a:latin typeface="Arial" panose="020B0604020202020204" pitchFamily="34" charset="0"/>
                 <a:ea typeface="Arial" panose="020B0604020202020204" pitchFamily="34" charset="0"/>
               </a:rPr>
-              <a:t>anodiam.com/teacher/query/{queryid}</a:t>
+              <a:t>anodiam.com/teacher/comments/{userid}</a:t>
             </a:r>
           </a:p>
         </p:txBody>
       </p:sp>
       <p:pic>
         <p:nvPicPr>
-          <p:cNvPr id="7" name="Picture 6"/>
+          <p:cNvPr id="4" name="Picture 3"/>
           <p:cNvPicPr>
             <a:picLocks noChangeAspect="1"/>
           </p:cNvPicPr>
@@ -10086,190 +9972,7 @@
         </p:blipFill>
         <p:spPr>
           <a:xfrm>
-            <a:off x="838200" y="1619597"/>
-            <a:ext cx="7467600" cy="4257675"/>
-          </a:xfrm>
-          <a:prstGeom prst="rect">
-            <a:avLst/>
-          </a:prstGeom>
-        </p:spPr>
-      </p:pic>
-    </p:spTree>
-    <p:extLst>
-      <p:ext uri="{BB962C8B-B14F-4D97-AF65-F5344CB8AC3E}">
-        <p14:creationId xmlns:p14="http://schemas.microsoft.com/office/powerpoint/2010/main" val="3197739735"/>
-      </p:ext>
-    </p:extLst>
-  </p:cSld>
-  <p:clrMapOvr>
-    <a:masterClrMapping/>
-  </p:clrMapOvr>
-  <p:timing>
-    <p:tnLst>
-      <p:par>
-        <p:cTn id="1" dur="indefinite" restart="never" nodeType="tmRoot"/>
-      </p:par>
-    </p:tnLst>
-  </p:timing>
-</p:sld>
-</file>
-
-<file path=ppt/slides/slide27.xml><?xml version="1.0" encoding="utf-8"?>
-<p:sld xmlns:a="http://schemas.openxmlformats.org/drawingml/2006/main" xmlns:r="http://schemas.openxmlformats.org/officeDocument/2006/relationships" xmlns:p="http://schemas.openxmlformats.org/presentationml/2006/main">
-  <p:cSld>
-    <p:spTree>
-      <p:nvGrpSpPr>
-        <p:cNvPr id="1" name=""/>
-        <p:cNvGrpSpPr/>
-        <p:nvPr/>
-      </p:nvGrpSpPr>
-      <p:grpSpPr>
-        <a:xfrm>
-          <a:off x="0" y="0"/>
-          <a:ext cx="0" cy="0"/>
-          <a:chOff x="0" y="0"/>
-          <a:chExt cx="0" cy="0"/>
-        </a:xfrm>
-      </p:grpSpPr>
-      <p:sp>
-        <p:nvSpPr>
-          <p:cNvPr id="2" name="Rectangle 1"/>
-          <p:cNvSpPr/>
-          <p:nvPr/>
-        </p:nvSpPr>
-        <p:spPr>
-          <a:xfrm>
-            <a:off x="1048678" y="332656"/>
-            <a:ext cx="6809300" cy="480901"/>
-          </a:xfrm>
-          <a:prstGeom prst="rect">
-            <a:avLst/>
-          </a:prstGeom>
-        </p:spPr>
-        <p:txBody>
-          <a:bodyPr wrap="none">
-            <a:spAutoFit/>
-          </a:bodyPr>
-          <a:lstStyle/>
-          <a:p>
-            <a:pPr algn="ctr">
-              <a:lnSpc>
-                <a:spcPct val="115000"/>
-              </a:lnSpc>
-              <a:spcAft>
-                <a:spcPts val="0"/>
-              </a:spcAft>
-            </a:pPr>
-            <a:r>
-              <a:rPr lang="en-US" sz="2400" b="1" dirty="0" smtClean="0">
-                <a:latin typeface="Arial" panose="020B0604020202020204" pitchFamily="34" charset="0"/>
-                <a:ea typeface="Arial" panose="020B0604020202020204" pitchFamily="34" charset="0"/>
-              </a:rPr>
-              <a:t>Teacher App</a:t>
-            </a:r>
-            <a:r>
-              <a:rPr lang="en-US" sz="2400" b="1" dirty="0">
-                <a:latin typeface="Arial" panose="020B0604020202020204" pitchFamily="34" charset="0"/>
-                <a:ea typeface="Arial" panose="020B0604020202020204" pitchFamily="34" charset="0"/>
-              </a:rPr>
-              <a:t>: </a:t>
-            </a:r>
-            <a:r>
-              <a:rPr lang="en-US" sz="2400" b="1" dirty="0" smtClean="0">
-                <a:latin typeface="Arial" panose="020B0604020202020204" pitchFamily="34" charset="0"/>
-                <a:ea typeface="Arial" panose="020B0604020202020204" pitchFamily="34" charset="0"/>
-              </a:rPr>
-              <a:t>Notifications &gt; Comments page</a:t>
-            </a:r>
-            <a:endParaRPr lang="en-AU" sz="2400" dirty="0">
-              <a:effectLst/>
-              <a:latin typeface="Arial" panose="020B0604020202020204" pitchFamily="34" charset="0"/>
-              <a:ea typeface="Arial" panose="020B0604020202020204" pitchFamily="34" charset="0"/>
-            </a:endParaRPr>
-          </a:p>
-        </p:txBody>
-      </p:sp>
-      <p:sp>
-        <p:nvSpPr>
-          <p:cNvPr id="3" name="Rectangle 2"/>
-          <p:cNvSpPr/>
-          <p:nvPr/>
-        </p:nvSpPr>
-        <p:spPr>
-          <a:xfrm>
-            <a:off x="431032" y="849721"/>
-            <a:ext cx="8245424" cy="307777"/>
-          </a:xfrm>
-          <a:prstGeom prst="rect">
-            <a:avLst/>
-          </a:prstGeom>
-        </p:spPr>
-        <p:txBody>
-          <a:bodyPr wrap="square">
-            <a:spAutoFit/>
-          </a:bodyPr>
-          <a:lstStyle/>
-          <a:p>
-            <a:pPr algn="ctr"/>
-            <a:r>
-              <a:rPr lang="en-US" sz="1400" dirty="0">
-                <a:latin typeface="Arial" panose="020B0604020202020204" pitchFamily="34" charset="0"/>
-                <a:ea typeface="Arial" panose="020B0604020202020204" pitchFamily="34" charset="0"/>
-              </a:rPr>
-              <a:t>Link: </a:t>
-            </a:r>
-            <a:r>
-              <a:rPr lang="en-US" sz="1400" u="sng" dirty="0">
-                <a:solidFill>
-                  <a:srgbClr val="0000FF"/>
-                </a:solidFill>
-                <a:latin typeface="Arial" panose="020B0604020202020204" pitchFamily="34" charset="0"/>
-                <a:ea typeface="Arial" panose="020B0604020202020204" pitchFamily="34" charset="0"/>
-                <a:hlinkClick r:id="rId2"/>
-              </a:rPr>
-              <a:t>https</a:t>
-            </a:r>
-            <a:r>
-              <a:rPr lang="en-US" sz="1400" u="sng" dirty="0" smtClean="0">
-                <a:solidFill>
-                  <a:srgbClr val="0000FF"/>
-                </a:solidFill>
-                <a:latin typeface="Arial" panose="020B0604020202020204" pitchFamily="34" charset="0"/>
-                <a:ea typeface="Arial" panose="020B0604020202020204" pitchFamily="34" charset="0"/>
-                <a:hlinkClick r:id="rId2"/>
-              </a:rPr>
-              <a:t>://</a:t>
-            </a:r>
-            <a:r>
-              <a:rPr lang="en-US" sz="1400" u="sng" dirty="0" smtClean="0">
-                <a:solidFill>
-                  <a:srgbClr val="0000FF"/>
-                </a:solidFill>
-                <a:latin typeface="Arial" panose="020B0604020202020204" pitchFamily="34" charset="0"/>
-                <a:ea typeface="Arial" panose="020B0604020202020204" pitchFamily="34" charset="0"/>
-              </a:rPr>
-              <a:t>anodiam.com/teacher/comments/{userid}</a:t>
-            </a:r>
-          </a:p>
-        </p:txBody>
-      </p:sp>
-      <p:pic>
-        <p:nvPicPr>
-          <p:cNvPr id="6" name="Picture 5"/>
-          <p:cNvPicPr>
-            <a:picLocks noChangeAspect="1"/>
-          </p:cNvPicPr>
-          <p:nvPr/>
-        </p:nvPicPr>
-        <p:blipFill>
-          <a:blip r:embed="rId3"/>
-          <a:stretch>
-            <a:fillRect/>
-          </a:stretch>
-        </p:blipFill>
-        <p:spPr>
-          <a:xfrm>
-            <a:off x="838200" y="1628800"/>
+            <a:off x="838200" y="1300162"/>
             <a:ext cx="7467600" cy="4257675"/>
           </a:xfrm>
           <a:prstGeom prst="rect">
@@ -10323,7 +10026,7 @@
         <p:spPr>
           <a:xfrm>
             <a:off x="1117785" y="332656"/>
-            <a:ext cx="6671057" cy="905633"/>
+            <a:ext cx="6671057" cy="480901"/>
           </a:xfrm>
           <a:prstGeom prst="rect">
             <a:avLst/>
@@ -10364,28 +10067,6 @@
               </a:rPr>
               <a:t>Signup – Teacher Signup page</a:t>
             </a:r>
-          </a:p>
-          <a:p>
-            <a:pPr algn="ctr">
-              <a:lnSpc>
-                <a:spcPct val="115000"/>
-              </a:lnSpc>
-              <a:spcAft>
-                <a:spcPts val="0"/>
-              </a:spcAft>
-            </a:pPr>
-            <a:r>
-              <a:rPr lang="en-US" sz="2400" b="1" dirty="0" smtClean="0">
-                <a:latin typeface="Arial" panose="020B0604020202020204" pitchFamily="34" charset="0"/>
-                <a:ea typeface="Arial" panose="020B0604020202020204" pitchFamily="34" charset="0"/>
-              </a:rPr>
-              <a:t>Personal details section</a:t>
-            </a:r>
-            <a:endParaRPr lang="en-AU" sz="2400" dirty="0">
-              <a:effectLst/>
-              <a:latin typeface="Arial" panose="020B0604020202020204" pitchFamily="34" charset="0"/>
-              <a:ea typeface="Arial" panose="020B0604020202020204" pitchFamily="34" charset="0"/>
-            </a:endParaRPr>
           </a:p>
         </p:txBody>
       </p:sp>
@@ -10456,7 +10137,7 @@
       </p:sp>
       <p:pic>
         <p:nvPicPr>
-          <p:cNvPr id="4" name="Picture 3"/>
+          <p:cNvPr id="5" name="Picture 4"/>
           <p:cNvPicPr>
             <a:picLocks noChangeAspect="1"/>
           </p:cNvPicPr>
@@ -10470,8 +10151,8 @@
         </p:blipFill>
         <p:spPr>
           <a:xfrm>
-            <a:off x="857250" y="1628800"/>
-            <a:ext cx="7429500" cy="4076700"/>
+            <a:off x="857250" y="1799803"/>
+            <a:ext cx="7429500" cy="4581525"/>
           </a:xfrm>
           <a:prstGeom prst="rect">
             <a:avLst/>
@@ -10523,7 +10204,7 @@
         </p:nvSpPr>
         <p:spPr>
           <a:xfrm>
-            <a:off x="431032" y="1393031"/>
+            <a:off x="431032" y="764704"/>
             <a:ext cx="8245424" cy="307777"/>
           </a:xfrm>
           <a:prstGeom prst="rect">
@@ -10588,8 +10269,8 @@
         </p:nvSpPr>
         <p:spPr>
           <a:xfrm>
-            <a:off x="1117785" y="332656"/>
-            <a:ext cx="6671057" cy="941796"/>
+            <a:off x="238541" y="332656"/>
+            <a:ext cx="8429552" cy="517065"/>
           </a:xfrm>
           <a:prstGeom prst="rect">
             <a:avLst/>
@@ -10628,36 +10309,14 @@
                 <a:latin typeface="Arial" panose="020B0604020202020204" pitchFamily="34" charset="0"/>
                 <a:ea typeface="Arial" panose="020B0604020202020204" pitchFamily="34" charset="0"/>
               </a:rPr>
-              <a:t>Signup – Teacher Signup page</a:t>
-            </a:r>
-          </a:p>
-          <a:p>
-            <a:pPr algn="ctr">
-              <a:lnSpc>
-                <a:spcPct val="115000"/>
-              </a:lnSpc>
-              <a:spcAft>
-                <a:spcPts val="0"/>
-              </a:spcAft>
-            </a:pPr>
-            <a:r>
-              <a:rPr lang="en-US" sz="2400" b="1" dirty="0" smtClean="0">
-                <a:latin typeface="Arial" panose="020B0604020202020204" pitchFamily="34" charset="0"/>
-                <a:ea typeface="Arial" panose="020B0604020202020204" pitchFamily="34" charset="0"/>
-              </a:rPr>
-              <a:t>Professional and Financial details section</a:t>
-            </a:r>
-            <a:endParaRPr lang="en-AU" sz="2400" dirty="0">
-              <a:effectLst/>
-              <a:latin typeface="Arial" panose="020B0604020202020204" pitchFamily="34" charset="0"/>
-              <a:ea typeface="Arial" panose="020B0604020202020204" pitchFamily="34" charset="0"/>
-            </a:endParaRPr>
+              <a:t>Signup – Teacher Signup page (continued)</a:t>
+            </a:r>
           </a:p>
         </p:txBody>
       </p:sp>
       <p:pic>
         <p:nvPicPr>
-          <p:cNvPr id="4" name="Picture 3"/>
+          <p:cNvPr id="5" name="Picture 4"/>
           <p:cNvPicPr>
             <a:picLocks noChangeAspect="1"/>
           </p:cNvPicPr>
@@ -10671,8 +10330,8 @@
         </p:blipFill>
         <p:spPr>
           <a:xfrm>
-            <a:off x="857250" y="1907629"/>
-            <a:ext cx="7429500" cy="4257675"/>
+            <a:off x="857250" y="1124744"/>
+            <a:ext cx="7429500" cy="5619750"/>
           </a:xfrm>
           <a:prstGeom prst="rect">
             <a:avLst/>
@@ -10700,477 +10359,6 @@
 </file>
 
 <file path=ppt/slides/slide5.xml><?xml version="1.0" encoding="utf-8"?>
-<p:sld xmlns:a="http://schemas.openxmlformats.org/drawingml/2006/main" xmlns:r="http://schemas.openxmlformats.org/officeDocument/2006/relationships" xmlns:p="http://schemas.openxmlformats.org/presentationml/2006/main">
-  <p:cSld>
-    <p:spTree>
-      <p:nvGrpSpPr>
-        <p:cNvPr id="1" name=""/>
-        <p:cNvGrpSpPr/>
-        <p:nvPr/>
-      </p:nvGrpSpPr>
-      <p:grpSpPr>
-        <a:xfrm>
-          <a:off x="0" y="0"/>
-          <a:ext cx="0" cy="0"/>
-          <a:chOff x="0" y="0"/>
-          <a:chExt cx="0" cy="0"/>
-        </a:xfrm>
-      </p:grpSpPr>
-      <p:sp>
-        <p:nvSpPr>
-          <p:cNvPr id="5" name="Rectangle 4"/>
-          <p:cNvSpPr/>
-          <p:nvPr/>
-        </p:nvSpPr>
-        <p:spPr>
-          <a:xfrm>
-            <a:off x="431032" y="1340768"/>
-            <a:ext cx="8245424" cy="307777"/>
-          </a:xfrm>
-          <a:prstGeom prst="rect">
-            <a:avLst/>
-          </a:prstGeom>
-        </p:spPr>
-        <p:txBody>
-          <a:bodyPr wrap="square">
-            <a:spAutoFit/>
-          </a:bodyPr>
-          <a:lstStyle/>
-          <a:p>
-            <a:pPr algn="ctr"/>
-            <a:r>
-              <a:rPr lang="en-US" sz="1400" dirty="0">
-                <a:latin typeface="Arial" panose="020B0604020202020204" pitchFamily="34" charset="0"/>
-                <a:ea typeface="Arial" panose="020B0604020202020204" pitchFamily="34" charset="0"/>
-              </a:rPr>
-              <a:t>Link: </a:t>
-            </a:r>
-            <a:r>
-              <a:rPr lang="en-US" sz="1400" u="sng" dirty="0">
-                <a:solidFill>
-                  <a:srgbClr val="0000FF"/>
-                </a:solidFill>
-                <a:latin typeface="Arial" panose="020B0604020202020204" pitchFamily="34" charset="0"/>
-                <a:ea typeface="Arial" panose="020B0604020202020204" pitchFamily="34" charset="0"/>
-                <a:hlinkClick r:id="rId3"/>
-              </a:rPr>
-              <a:t>https</a:t>
-            </a:r>
-            <a:r>
-              <a:rPr lang="en-US" sz="1400" u="sng" dirty="0" smtClean="0">
-                <a:solidFill>
-                  <a:srgbClr val="0000FF"/>
-                </a:solidFill>
-                <a:latin typeface="Arial" panose="020B0604020202020204" pitchFamily="34" charset="0"/>
-                <a:ea typeface="Arial" panose="020B0604020202020204" pitchFamily="34" charset="0"/>
-                <a:hlinkClick r:id="rId3"/>
-              </a:rPr>
-              <a:t>://</a:t>
-            </a:r>
-            <a:r>
-              <a:rPr lang="en-US" sz="1400" u="sng" dirty="0" smtClean="0">
-                <a:solidFill>
-                  <a:srgbClr val="0000FF"/>
-                </a:solidFill>
-                <a:latin typeface="Arial" panose="020B0604020202020204" pitchFamily="34" charset="0"/>
-                <a:ea typeface="Arial" panose="020B0604020202020204" pitchFamily="34" charset="0"/>
-              </a:rPr>
-              <a:t>anodiam.com/teacher/signup</a:t>
-            </a:r>
-            <a:endParaRPr lang="en-AU" sz="1400" dirty="0"/>
-          </a:p>
-        </p:txBody>
-      </p:sp>
-      <p:sp>
-        <p:nvSpPr>
-          <p:cNvPr id="6" name="Rectangle 5"/>
-          <p:cNvSpPr/>
-          <p:nvPr/>
-        </p:nvSpPr>
-        <p:spPr>
-          <a:xfrm>
-            <a:off x="1117785" y="332656"/>
-            <a:ext cx="6671057" cy="941796"/>
-          </a:xfrm>
-          <a:prstGeom prst="rect">
-            <a:avLst/>
-          </a:prstGeom>
-        </p:spPr>
-        <p:txBody>
-          <a:bodyPr wrap="none">
-            <a:spAutoFit/>
-          </a:bodyPr>
-          <a:lstStyle/>
-          <a:p>
-            <a:pPr algn="ctr">
-              <a:lnSpc>
-                <a:spcPct val="115000"/>
-              </a:lnSpc>
-              <a:spcAft>
-                <a:spcPts val="0"/>
-              </a:spcAft>
-            </a:pPr>
-            <a:r>
-              <a:rPr lang="en-US" sz="2400" b="1" dirty="0" smtClean="0">
-                <a:latin typeface="Arial" panose="020B0604020202020204" pitchFamily="34" charset="0"/>
-                <a:ea typeface="Arial" panose="020B0604020202020204" pitchFamily="34" charset="0"/>
-              </a:rPr>
-              <a:t>Teacher App</a:t>
-            </a:r>
-            <a:r>
-              <a:rPr lang="en-US" sz="2400" b="1" dirty="0">
-                <a:latin typeface="Arial" panose="020B0604020202020204" pitchFamily="34" charset="0"/>
-                <a:ea typeface="Arial" panose="020B0604020202020204" pitchFamily="34" charset="0"/>
-              </a:rPr>
-              <a:t>: </a:t>
-            </a:r>
-            <a:r>
-              <a:rPr lang="en-US" sz="2400" b="1" dirty="0" smtClean="0">
-                <a:latin typeface="Arial" panose="020B0604020202020204" pitchFamily="34" charset="0"/>
-                <a:ea typeface="Arial" panose="020B0604020202020204" pitchFamily="34" charset="0"/>
-              </a:rPr>
-              <a:t>Signup – Teacher Signup page</a:t>
-            </a:r>
-          </a:p>
-          <a:p>
-            <a:pPr algn="ctr">
-              <a:lnSpc>
-                <a:spcPct val="115000"/>
-              </a:lnSpc>
-              <a:spcAft>
-                <a:spcPts val="0"/>
-              </a:spcAft>
-            </a:pPr>
-            <a:r>
-              <a:rPr lang="en-US" sz="2400" b="1" dirty="0" smtClean="0">
-                <a:latin typeface="Arial" panose="020B0604020202020204" pitchFamily="34" charset="0"/>
-                <a:ea typeface="Arial" panose="020B0604020202020204" pitchFamily="34" charset="0"/>
-              </a:rPr>
-              <a:t>Upload section and T&amp;C details</a:t>
-            </a:r>
-            <a:endParaRPr lang="en-AU" sz="2400" dirty="0">
-              <a:effectLst/>
-              <a:latin typeface="Arial" panose="020B0604020202020204" pitchFamily="34" charset="0"/>
-              <a:ea typeface="Arial" panose="020B0604020202020204" pitchFamily="34" charset="0"/>
-            </a:endParaRPr>
-          </a:p>
-        </p:txBody>
-      </p:sp>
-      <p:pic>
-        <p:nvPicPr>
-          <p:cNvPr id="2" name="Picture 1"/>
-          <p:cNvPicPr>
-            <a:picLocks noChangeAspect="1"/>
-          </p:cNvPicPr>
-          <p:nvPr/>
-        </p:nvPicPr>
-        <p:blipFill>
-          <a:blip r:embed="rId4"/>
-          <a:stretch>
-            <a:fillRect/>
-          </a:stretch>
-        </p:blipFill>
-        <p:spPr>
-          <a:xfrm>
-            <a:off x="857250" y="1817712"/>
-            <a:ext cx="7429500" cy="4419600"/>
-          </a:xfrm>
-          <a:prstGeom prst="rect">
-            <a:avLst/>
-          </a:prstGeom>
-        </p:spPr>
-      </p:pic>
-    </p:spTree>
-    <p:extLst>
-      <p:ext uri="{BB962C8B-B14F-4D97-AF65-F5344CB8AC3E}">
-        <p14:creationId xmlns:p14="http://schemas.microsoft.com/office/powerpoint/2010/main" val="701133185"/>
-      </p:ext>
-    </p:extLst>
-  </p:cSld>
-  <p:clrMapOvr>
-    <a:masterClrMapping/>
-  </p:clrMapOvr>
-  <p:timing>
-    <p:tnLst>
-      <p:par>
-        <p:cTn id="1" dur="indefinite" restart="never" nodeType="tmRoot"/>
-      </p:par>
-    </p:tnLst>
-  </p:timing>
-</p:sld>
-</file>
-
-<file path=ppt/slides/slide6.xml><?xml version="1.0" encoding="utf-8"?>
-<p:sld xmlns:a="http://schemas.openxmlformats.org/drawingml/2006/main" xmlns:r="http://schemas.openxmlformats.org/officeDocument/2006/relationships" xmlns:p="http://schemas.openxmlformats.org/presentationml/2006/main">
-  <p:cSld>
-    <p:spTree>
-      <p:nvGrpSpPr>
-        <p:cNvPr id="1" name=""/>
-        <p:cNvGrpSpPr/>
-        <p:nvPr/>
-      </p:nvGrpSpPr>
-      <p:grpSpPr>
-        <a:xfrm>
-          <a:off x="0" y="0"/>
-          <a:ext cx="0" cy="0"/>
-          <a:chOff x="0" y="0"/>
-          <a:chExt cx="0" cy="0"/>
-        </a:xfrm>
-      </p:grpSpPr>
-      <p:pic>
-        <p:nvPicPr>
-          <p:cNvPr id="6" name="Picture 5"/>
-          <p:cNvPicPr>
-            <a:picLocks noChangeAspect="1"/>
-          </p:cNvPicPr>
-          <p:nvPr/>
-        </p:nvPicPr>
-        <p:blipFill>
-          <a:blip r:embed="rId2"/>
-          <a:stretch>
-            <a:fillRect/>
-          </a:stretch>
-        </p:blipFill>
-        <p:spPr>
-          <a:xfrm>
-            <a:off x="4644008" y="3722712"/>
-            <a:ext cx="3886200" cy="2514600"/>
-          </a:xfrm>
-          <a:prstGeom prst="rect">
-            <a:avLst/>
-          </a:prstGeom>
-        </p:spPr>
-      </p:pic>
-      <p:sp>
-        <p:nvSpPr>
-          <p:cNvPr id="2" name="Rectangle 1"/>
-          <p:cNvSpPr/>
-          <p:nvPr/>
-        </p:nvSpPr>
-        <p:spPr>
-          <a:xfrm>
-            <a:off x="1010186" y="332656"/>
-            <a:ext cx="6886245" cy="517065"/>
-          </a:xfrm>
-          <a:prstGeom prst="rect">
-            <a:avLst/>
-          </a:prstGeom>
-        </p:spPr>
-        <p:txBody>
-          <a:bodyPr wrap="none">
-            <a:spAutoFit/>
-          </a:bodyPr>
-          <a:lstStyle/>
-          <a:p>
-            <a:pPr algn="ctr">
-              <a:lnSpc>
-                <a:spcPct val="115000"/>
-              </a:lnSpc>
-              <a:spcAft>
-                <a:spcPts val="0"/>
-              </a:spcAft>
-            </a:pPr>
-            <a:r>
-              <a:rPr lang="en-US" sz="2400" b="1" dirty="0" smtClean="0">
-                <a:latin typeface="Arial" panose="020B0604020202020204" pitchFamily="34" charset="0"/>
-                <a:ea typeface="Arial" panose="020B0604020202020204" pitchFamily="34" charset="0"/>
-              </a:rPr>
-              <a:t>Teacher App</a:t>
-            </a:r>
-            <a:r>
-              <a:rPr lang="en-US" sz="2400" b="1" dirty="0">
-                <a:latin typeface="Arial" panose="020B0604020202020204" pitchFamily="34" charset="0"/>
-                <a:ea typeface="Arial" panose="020B0604020202020204" pitchFamily="34" charset="0"/>
-              </a:rPr>
-              <a:t>: </a:t>
-            </a:r>
-            <a:r>
-              <a:rPr lang="en-US" sz="2400" b="1" dirty="0" smtClean="0">
-                <a:latin typeface="Arial" panose="020B0604020202020204" pitchFamily="34" charset="0"/>
-                <a:ea typeface="Arial" panose="020B0604020202020204" pitchFamily="34" charset="0"/>
-              </a:rPr>
-              <a:t>Signup – Create Password page</a:t>
-            </a:r>
-            <a:endParaRPr lang="en-AU" sz="2400" dirty="0">
-              <a:effectLst/>
-              <a:latin typeface="Arial" panose="020B0604020202020204" pitchFamily="34" charset="0"/>
-              <a:ea typeface="Arial" panose="020B0604020202020204" pitchFamily="34" charset="0"/>
-            </a:endParaRPr>
-          </a:p>
-        </p:txBody>
-      </p:sp>
-      <p:sp>
-        <p:nvSpPr>
-          <p:cNvPr id="3" name="Rectangle 2"/>
-          <p:cNvSpPr/>
-          <p:nvPr/>
-        </p:nvSpPr>
-        <p:spPr>
-          <a:xfrm>
-            <a:off x="431032" y="849721"/>
-            <a:ext cx="8245424" cy="307777"/>
-          </a:xfrm>
-          <a:prstGeom prst="rect">
-            <a:avLst/>
-          </a:prstGeom>
-        </p:spPr>
-        <p:txBody>
-          <a:bodyPr wrap="square">
-            <a:spAutoFit/>
-          </a:bodyPr>
-          <a:lstStyle/>
-          <a:p>
-            <a:pPr algn="ctr"/>
-            <a:r>
-              <a:rPr lang="en-US" sz="1400" dirty="0">
-                <a:latin typeface="Arial" panose="020B0604020202020204" pitchFamily="34" charset="0"/>
-                <a:ea typeface="Arial" panose="020B0604020202020204" pitchFamily="34" charset="0"/>
-              </a:rPr>
-              <a:t>Link: </a:t>
-            </a:r>
-            <a:r>
-              <a:rPr lang="en-US" sz="1400" u="sng" dirty="0">
-                <a:solidFill>
-                  <a:srgbClr val="0000FF"/>
-                </a:solidFill>
-                <a:latin typeface="Arial" panose="020B0604020202020204" pitchFamily="34" charset="0"/>
-                <a:ea typeface="Arial" panose="020B0604020202020204" pitchFamily="34" charset="0"/>
-                <a:hlinkClick r:id="rId3"/>
-              </a:rPr>
-              <a:t>https</a:t>
-            </a:r>
-            <a:r>
-              <a:rPr lang="en-US" sz="1400" u="sng" dirty="0" smtClean="0">
-                <a:solidFill>
-                  <a:srgbClr val="0000FF"/>
-                </a:solidFill>
-                <a:latin typeface="Arial" panose="020B0604020202020204" pitchFamily="34" charset="0"/>
-                <a:ea typeface="Arial" panose="020B0604020202020204" pitchFamily="34" charset="0"/>
-                <a:hlinkClick r:id="rId3"/>
-              </a:rPr>
-              <a:t>://</a:t>
-            </a:r>
-            <a:r>
-              <a:rPr lang="en-US" sz="1400" u="sng" dirty="0" smtClean="0">
-                <a:solidFill>
-                  <a:srgbClr val="0000FF"/>
-                </a:solidFill>
-                <a:latin typeface="Arial" panose="020B0604020202020204" pitchFamily="34" charset="0"/>
-                <a:ea typeface="Arial" panose="020B0604020202020204" pitchFamily="34" charset="0"/>
-              </a:rPr>
-              <a:t>anodiam.com/teacher/createpassword/{userid}</a:t>
-            </a:r>
-            <a:endParaRPr lang="en-AU" sz="1400" dirty="0"/>
-          </a:p>
-        </p:txBody>
-      </p:sp>
-      <p:pic>
-        <p:nvPicPr>
-          <p:cNvPr id="4" name="Picture 3"/>
-          <p:cNvPicPr>
-            <a:picLocks noChangeAspect="1"/>
-          </p:cNvPicPr>
-          <p:nvPr/>
-        </p:nvPicPr>
-        <p:blipFill>
-          <a:blip r:embed="rId4"/>
-          <a:stretch>
-            <a:fillRect/>
-          </a:stretch>
-        </p:blipFill>
-        <p:spPr>
-          <a:xfrm>
-            <a:off x="567594" y="1552347"/>
-            <a:ext cx="3885714" cy="2514286"/>
-          </a:xfrm>
-          <a:prstGeom prst="rect">
-            <a:avLst/>
-          </a:prstGeom>
-        </p:spPr>
-      </p:pic>
-      <p:sp>
-        <p:nvSpPr>
-          <p:cNvPr id="5" name="Right Arrow 4"/>
-          <p:cNvSpPr/>
-          <p:nvPr/>
-        </p:nvSpPr>
-        <p:spPr>
-          <a:xfrm>
-            <a:off x="3563888" y="3450800"/>
-            <a:ext cx="1728192" cy="543825"/>
-          </a:xfrm>
-          <a:prstGeom prst="rightArrow">
-            <a:avLst/>
-          </a:prstGeom>
-        </p:spPr>
-        <p:style>
-          <a:lnRef idx="2">
-            <a:schemeClr val="accent1">
-              <a:shade val="50000"/>
-            </a:schemeClr>
-          </a:lnRef>
-          <a:fillRef idx="1">
-            <a:schemeClr val="accent1"/>
-          </a:fillRef>
-          <a:effectRef idx="0">
-            <a:schemeClr val="accent1"/>
-          </a:effectRef>
-          <a:fontRef idx="minor">
-            <a:schemeClr val="lt1"/>
-          </a:fontRef>
-        </p:style>
-        <p:txBody>
-          <a:bodyPr rtlCol="0" anchor="ctr"/>
-          <a:lstStyle/>
-          <a:p>
-            <a:pPr algn="ctr"/>
-            <a:r>
-              <a:rPr lang="en-AU" sz="1600" dirty="0" smtClean="0">
-                <a:ln>
-                  <a:solidFill>
-                    <a:schemeClr val="bg1"/>
-                  </a:solidFill>
-                </a:ln>
-                <a:solidFill>
-                  <a:schemeClr val="bg1"/>
-                </a:solidFill>
-              </a:rPr>
-              <a:t>On Click</a:t>
-            </a:r>
-            <a:endParaRPr lang="en-AU" sz="1600" dirty="0">
-              <a:ln>
-                <a:solidFill>
-                  <a:schemeClr val="bg1"/>
-                </a:solidFill>
-              </a:ln>
-              <a:solidFill>
-                <a:schemeClr val="bg1"/>
-              </a:solidFill>
-            </a:endParaRPr>
-          </a:p>
-        </p:txBody>
-      </p:sp>
-    </p:spTree>
-    <p:extLst>
-      <p:ext uri="{BB962C8B-B14F-4D97-AF65-F5344CB8AC3E}">
-        <p14:creationId xmlns:p14="http://schemas.microsoft.com/office/powerpoint/2010/main" val="1660166950"/>
-      </p:ext>
-    </p:extLst>
-  </p:cSld>
-  <p:clrMapOvr>
-    <a:masterClrMapping/>
-  </p:clrMapOvr>
-  <p:timing>
-    <p:tnLst>
-      <p:par>
-        <p:cTn id="1" dur="indefinite" restart="never" nodeType="tmRoot"/>
-      </p:par>
-    </p:tnLst>
-  </p:timing>
-</p:sld>
-</file>
-
-<file path=ppt/slides/slide7.xml><?xml version="1.0" encoding="utf-8"?>
 <p:sld xmlns:a="http://schemas.openxmlformats.org/drawingml/2006/main" xmlns:r="http://schemas.openxmlformats.org/officeDocument/2006/relationships" xmlns:p="http://schemas.openxmlformats.org/presentationml/2006/main">
   <p:cSld>
     <p:spTree>
@@ -11354,7 +10542,7 @@
 </p:sld>
 </file>
 
-<file path=ppt/slides/slide8.xml><?xml version="1.0" encoding="utf-8"?>
+<file path=ppt/slides/slide6.xml><?xml version="1.0" encoding="utf-8"?>
 <p:sld xmlns:a="http://schemas.openxmlformats.org/drawingml/2006/main" xmlns:r="http://schemas.openxmlformats.org/officeDocument/2006/relationships" xmlns:p="http://schemas.openxmlformats.org/presentationml/2006/main">
   <p:cSld>
     <p:spTree>
@@ -11379,8 +10567,8 @@
         </p:nvSpPr>
         <p:spPr>
           <a:xfrm>
-            <a:off x="259859" y="332656"/>
-            <a:ext cx="8386911" cy="517065"/>
+            <a:off x="651119" y="332656"/>
+            <a:ext cx="7604389" cy="517065"/>
           </a:xfrm>
           <a:prstGeom prst="rect">
             <a:avLst/>
@@ -11419,7 +10607,21 @@
                 <a:latin typeface="Arial" panose="020B0604020202020204" pitchFamily="34" charset="0"/>
                 <a:ea typeface="Arial" panose="020B0604020202020204" pitchFamily="34" charset="0"/>
               </a:rPr>
-              <a:t>My Teacher Home / View All Courses page</a:t>
+              <a:t>Signup – </a:t>
+            </a:r>
+            <a:r>
+              <a:rPr lang="en-US" sz="2400" b="1" dirty="0" smtClean="0">
+                <a:latin typeface="Arial" panose="020B0604020202020204" pitchFamily="34" charset="0"/>
+                <a:ea typeface="Arial" panose="020B0604020202020204" pitchFamily="34" charset="0"/>
+              </a:rPr>
+              <a:t>Create New </a:t>
+            </a:r>
+            <a:r>
+              <a:rPr lang="en-US" sz="2400" b="1" dirty="0" smtClean="0">
+                <a:latin typeface="Arial" panose="020B0604020202020204" pitchFamily="34" charset="0"/>
+                <a:ea typeface="Arial" panose="020B0604020202020204" pitchFamily="34" charset="0"/>
+              </a:rPr>
+              <a:t>Password page</a:t>
             </a:r>
             <a:endParaRPr lang="en-AU" sz="2400" dirty="0">
               <a:effectLst/>
@@ -11488,14 +10690,208 @@
                 <a:latin typeface="Arial" panose="020B0604020202020204" pitchFamily="34" charset="0"/>
                 <a:ea typeface="Arial" panose="020B0604020202020204" pitchFamily="34" charset="0"/>
               </a:rPr>
-              <a:t>anodiam.com/teacher/myhome/{userid}</a:t>
-            </a:r>
+              <a:t>anodiam.com/teacher/createpassword</a:t>
+            </a:r>
+            <a:r>
+              <a:rPr lang="en-US" sz="1400" u="sng" dirty="0" smtClean="0">
+                <a:solidFill>
+                  <a:srgbClr val="0000FF"/>
+                </a:solidFill>
+                <a:latin typeface="Arial" panose="020B0604020202020204" pitchFamily="34" charset="0"/>
+                <a:ea typeface="Arial" panose="020B0604020202020204" pitchFamily="34" charset="0"/>
+              </a:rPr>
+              <a:t>/{userid}</a:t>
+            </a:r>
+            <a:endParaRPr lang="en-AU" sz="1400" dirty="0"/>
           </a:p>
         </p:txBody>
       </p:sp>
       <p:pic>
         <p:nvPicPr>
-          <p:cNvPr id="6" name="Picture 5"/>
+          <p:cNvPr id="5" name="Picture 4"/>
+          <p:cNvPicPr>
+            <a:picLocks noChangeAspect="1"/>
+          </p:cNvPicPr>
+          <p:nvPr/>
+        </p:nvPicPr>
+        <p:blipFill>
+          <a:blip r:embed="rId3"/>
+          <a:stretch>
+            <a:fillRect/>
+          </a:stretch>
+        </p:blipFill>
+        <p:spPr>
+          <a:xfrm>
+            <a:off x="2628900" y="1847850"/>
+            <a:ext cx="3886200" cy="3162300"/>
+          </a:xfrm>
+          <a:prstGeom prst="rect">
+            <a:avLst/>
+          </a:prstGeom>
+        </p:spPr>
+      </p:pic>
+    </p:spTree>
+    <p:extLst>
+      <p:ext uri="{BB962C8B-B14F-4D97-AF65-F5344CB8AC3E}">
+        <p14:creationId xmlns:p14="http://schemas.microsoft.com/office/powerpoint/2010/main" val="3970846613"/>
+      </p:ext>
+    </p:extLst>
+  </p:cSld>
+  <p:clrMapOvr>
+    <a:masterClrMapping/>
+  </p:clrMapOvr>
+  <p:timing>
+    <p:tnLst>
+      <p:par>
+        <p:cTn id="1" dur="indefinite" restart="never" nodeType="tmRoot"/>
+      </p:par>
+    </p:tnLst>
+  </p:timing>
+</p:sld>
+</file>
+
+<file path=ppt/slides/slide7.xml><?xml version="1.0" encoding="utf-8"?>
+<p:sld xmlns:a="http://schemas.openxmlformats.org/drawingml/2006/main" xmlns:r="http://schemas.openxmlformats.org/officeDocument/2006/relationships" xmlns:p="http://schemas.openxmlformats.org/presentationml/2006/main">
+  <p:cSld>
+    <p:spTree>
+      <p:nvGrpSpPr>
+        <p:cNvPr id="1" name=""/>
+        <p:cNvGrpSpPr/>
+        <p:nvPr/>
+      </p:nvGrpSpPr>
+      <p:grpSpPr>
+        <a:xfrm>
+          <a:off x="0" y="0"/>
+          <a:ext cx="0" cy="0"/>
+          <a:chOff x="0" y="0"/>
+          <a:chExt cx="0" cy="0"/>
+        </a:xfrm>
+      </p:grpSpPr>
+      <p:sp>
+        <p:nvSpPr>
+          <p:cNvPr id="2" name="Rectangle 1"/>
+          <p:cNvSpPr/>
+          <p:nvPr/>
+        </p:nvSpPr>
+        <p:spPr>
+          <a:xfrm>
+            <a:off x="259859" y="332656"/>
+            <a:ext cx="8386911" cy="517065"/>
+          </a:xfrm>
+          <a:prstGeom prst="rect">
+            <a:avLst/>
+          </a:prstGeom>
+        </p:spPr>
+        <p:txBody>
+          <a:bodyPr wrap="none">
+            <a:spAutoFit/>
+          </a:bodyPr>
+          <a:lstStyle/>
+          <a:p>
+            <a:pPr algn="ctr">
+              <a:lnSpc>
+                <a:spcPct val="115000"/>
+              </a:lnSpc>
+              <a:spcAft>
+                <a:spcPts val="0"/>
+              </a:spcAft>
+            </a:pPr>
+            <a:r>
+              <a:rPr lang="en-US" sz="2400" b="1" dirty="0" smtClean="0">
+                <a:latin typeface="Arial" panose="020B0604020202020204" pitchFamily="34" charset="0"/>
+                <a:ea typeface="Arial" panose="020B0604020202020204" pitchFamily="34" charset="0"/>
+              </a:rPr>
+              <a:t>Teacher App</a:t>
+            </a:r>
+            <a:r>
+              <a:rPr lang="en-US" sz="2400" b="1" dirty="0">
+                <a:latin typeface="Arial" panose="020B0604020202020204" pitchFamily="34" charset="0"/>
+                <a:ea typeface="Arial" panose="020B0604020202020204" pitchFamily="34" charset="0"/>
+              </a:rPr>
+              <a:t>: </a:t>
+            </a:r>
+            <a:r>
+              <a:rPr lang="en-US" sz="2400" b="1" dirty="0" smtClean="0">
+                <a:latin typeface="Arial" panose="020B0604020202020204" pitchFamily="34" charset="0"/>
+                <a:ea typeface="Arial" panose="020B0604020202020204" pitchFamily="34" charset="0"/>
+              </a:rPr>
+              <a:t>My Teacher Home / View All Courses page</a:t>
+            </a:r>
+            <a:endParaRPr lang="en-AU" sz="2400" dirty="0">
+              <a:effectLst/>
+              <a:latin typeface="Arial" panose="020B0604020202020204" pitchFamily="34" charset="0"/>
+              <a:ea typeface="Arial" panose="020B0604020202020204" pitchFamily="34" charset="0"/>
+            </a:endParaRPr>
+          </a:p>
+        </p:txBody>
+      </p:sp>
+      <p:sp>
+        <p:nvSpPr>
+          <p:cNvPr id="3" name="Rectangle 2"/>
+          <p:cNvSpPr/>
+          <p:nvPr/>
+        </p:nvSpPr>
+        <p:spPr>
+          <a:xfrm>
+            <a:off x="431032" y="849721"/>
+            <a:ext cx="8245424" cy="307777"/>
+          </a:xfrm>
+          <a:prstGeom prst="rect">
+            <a:avLst/>
+          </a:prstGeom>
+        </p:spPr>
+        <p:txBody>
+          <a:bodyPr wrap="square">
+            <a:spAutoFit/>
+          </a:bodyPr>
+          <a:lstStyle/>
+          <a:p>
+            <a:pPr algn="ctr"/>
+            <a:r>
+              <a:rPr lang="en-US" sz="1400" dirty="0">
+                <a:latin typeface="Arial" panose="020B0604020202020204" pitchFamily="34" charset="0"/>
+                <a:ea typeface="Arial" panose="020B0604020202020204" pitchFamily="34" charset="0"/>
+              </a:rPr>
+              <a:t>Link: </a:t>
+            </a:r>
+            <a:r>
+              <a:rPr lang="en-US" sz="1400" u="sng" dirty="0">
+                <a:solidFill>
+                  <a:srgbClr val="0000FF"/>
+                </a:solidFill>
+                <a:latin typeface="Arial" panose="020B0604020202020204" pitchFamily="34" charset="0"/>
+                <a:ea typeface="Arial" panose="020B0604020202020204" pitchFamily="34" charset="0"/>
+                <a:hlinkClick r:id="rId2"/>
+              </a:rPr>
+              <a:t>https</a:t>
+            </a:r>
+            <a:r>
+              <a:rPr lang="en-US" sz="1400" u="sng" dirty="0" smtClean="0">
+                <a:solidFill>
+                  <a:srgbClr val="0000FF"/>
+                </a:solidFill>
+                <a:latin typeface="Arial" panose="020B0604020202020204" pitchFamily="34" charset="0"/>
+                <a:ea typeface="Arial" panose="020B0604020202020204" pitchFamily="34" charset="0"/>
+                <a:hlinkClick r:id="rId2"/>
+              </a:rPr>
+              <a:t>://</a:t>
+            </a:r>
+            <a:r>
+              <a:rPr lang="en-US" sz="1400" u="sng" dirty="0" smtClean="0">
+                <a:solidFill>
+                  <a:srgbClr val="0000FF"/>
+                </a:solidFill>
+                <a:latin typeface="Arial" panose="020B0604020202020204" pitchFamily="34" charset="0"/>
+                <a:ea typeface="Arial" panose="020B0604020202020204" pitchFamily="34" charset="0"/>
+              </a:rPr>
+              <a:t>anodiam.com/teacher/myhome/{userid}</a:t>
+            </a:r>
+          </a:p>
+        </p:txBody>
+      </p:sp>
+      <p:pic>
+        <p:nvPicPr>
+          <p:cNvPr id="4" name="Picture 3"/>
           <p:cNvPicPr>
             <a:picLocks noChangeAspect="1"/>
           </p:cNvPicPr>
@@ -11537,7 +10933,7 @@
 </p:sld>
 </file>
 
-<file path=ppt/slides/slide9.xml><?xml version="1.0" encoding="utf-8"?>
+<file path=ppt/slides/slide8.xml><?xml version="1.0" encoding="utf-8"?>
 <p:sld xmlns:a="http://schemas.openxmlformats.org/drawingml/2006/main" xmlns:r="http://schemas.openxmlformats.org/officeDocument/2006/relationships" xmlns:p="http://schemas.openxmlformats.org/presentationml/2006/main">
   <p:cSld>
     <p:spTree>
@@ -11698,7 +11094,7 @@
       </p:sp>
       <p:pic>
         <p:nvPicPr>
-          <p:cNvPr id="6" name="Picture 5"/>
+          <p:cNvPr id="4" name="Picture 3"/>
           <p:cNvPicPr>
             <a:picLocks noChangeAspect="1"/>
           </p:cNvPicPr>
@@ -11724,6 +11120,218 @@
     <p:extLst>
       <p:ext uri="{BB962C8B-B14F-4D97-AF65-F5344CB8AC3E}">
         <p14:creationId xmlns:p14="http://schemas.microsoft.com/office/powerpoint/2010/main" val="398469580"/>
+      </p:ext>
+    </p:extLst>
+  </p:cSld>
+  <p:clrMapOvr>
+    <a:masterClrMapping/>
+  </p:clrMapOvr>
+  <p:timing>
+    <p:tnLst>
+      <p:par>
+        <p:cTn id="1" dur="indefinite" restart="never" nodeType="tmRoot"/>
+      </p:par>
+    </p:tnLst>
+  </p:timing>
+</p:sld>
+</file>
+
+<file path=ppt/slides/slide9.xml><?xml version="1.0" encoding="utf-8"?>
+<p:sld xmlns:a="http://schemas.openxmlformats.org/drawingml/2006/main" xmlns:r="http://schemas.openxmlformats.org/officeDocument/2006/relationships" xmlns:p="http://schemas.openxmlformats.org/presentationml/2006/main">
+  <p:cSld>
+    <p:spTree>
+      <p:nvGrpSpPr>
+        <p:cNvPr id="1" name=""/>
+        <p:cNvGrpSpPr/>
+        <p:nvPr/>
+      </p:nvGrpSpPr>
+      <p:grpSpPr>
+        <a:xfrm>
+          <a:off x="0" y="0"/>
+          <a:ext cx="0" cy="0"/>
+          <a:chOff x="0" y="0"/>
+          <a:chExt cx="0" cy="0"/>
+        </a:xfrm>
+      </p:grpSpPr>
+      <p:sp>
+        <p:nvSpPr>
+          <p:cNvPr id="2" name="Rectangle 1"/>
+          <p:cNvSpPr/>
+          <p:nvPr/>
+        </p:nvSpPr>
+        <p:spPr>
+          <a:xfrm>
+            <a:off x="584278" y="-27384"/>
+            <a:ext cx="7738080" cy="729430"/>
+          </a:xfrm>
+          <a:prstGeom prst="rect">
+            <a:avLst/>
+          </a:prstGeom>
+        </p:spPr>
+        <p:txBody>
+          <a:bodyPr wrap="none">
+            <a:spAutoFit/>
+          </a:bodyPr>
+          <a:lstStyle/>
+          <a:p>
+            <a:pPr algn="ctr">
+              <a:lnSpc>
+                <a:spcPct val="115000"/>
+              </a:lnSpc>
+              <a:spcAft>
+                <a:spcPts val="0"/>
+              </a:spcAft>
+            </a:pPr>
+            <a:r>
+              <a:rPr lang="en-US" sz="2400" b="1" dirty="0" smtClean="0">
+                <a:latin typeface="Arial" panose="020B0604020202020204" pitchFamily="34" charset="0"/>
+                <a:ea typeface="Arial" panose="020B0604020202020204" pitchFamily="34" charset="0"/>
+              </a:rPr>
+              <a:t>Teacher App</a:t>
+            </a:r>
+            <a:r>
+              <a:rPr lang="en-US" sz="2400" b="1" dirty="0">
+                <a:latin typeface="Arial" panose="020B0604020202020204" pitchFamily="34" charset="0"/>
+                <a:ea typeface="Arial" panose="020B0604020202020204" pitchFamily="34" charset="0"/>
+              </a:rPr>
+              <a:t>: </a:t>
+            </a:r>
+            <a:r>
+              <a:rPr lang="en-US" sz="2400" b="1" dirty="0" smtClean="0">
+                <a:latin typeface="Arial" panose="020B0604020202020204" pitchFamily="34" charset="0"/>
+                <a:ea typeface="Arial" panose="020B0604020202020204" pitchFamily="34" charset="0"/>
+              </a:rPr>
+              <a:t>View</a:t>
+            </a:r>
+            <a:r>
+              <a:rPr lang="en-US" sz="2400" b="1" dirty="0">
+                <a:latin typeface="Arial" panose="020B0604020202020204" pitchFamily="34" charset="0"/>
+                <a:ea typeface="Arial" panose="020B0604020202020204" pitchFamily="34" charset="0"/>
+              </a:rPr>
+              <a:t>, Update Course page Outline tab</a:t>
+            </a:r>
+            <a:endParaRPr lang="en-US" sz="2400" b="1" dirty="0" smtClean="0">
+              <a:latin typeface="Arial" panose="020B0604020202020204" pitchFamily="34" charset="0"/>
+              <a:ea typeface="Arial" panose="020B0604020202020204" pitchFamily="34" charset="0"/>
+            </a:endParaRPr>
+          </a:p>
+          <a:p>
+            <a:pPr algn="ctr">
+              <a:lnSpc>
+                <a:spcPct val="115000"/>
+              </a:lnSpc>
+              <a:spcAft>
+                <a:spcPts val="0"/>
+              </a:spcAft>
+            </a:pPr>
+            <a:r>
+              <a:rPr lang="en-US" sz="1200" b="1" dirty="0" smtClean="0">
+                <a:effectLst/>
+                <a:latin typeface="Arial" panose="020B0604020202020204" pitchFamily="34" charset="0"/>
+                <a:ea typeface="Arial" panose="020B0604020202020204" pitchFamily="34" charset="0"/>
+              </a:rPr>
+              <a:t>** Only non-active courses can be deleted</a:t>
+            </a:r>
+            <a:endParaRPr lang="en-AU" sz="1200" dirty="0">
+              <a:effectLst/>
+              <a:latin typeface="Arial" panose="020B0604020202020204" pitchFamily="34" charset="0"/>
+              <a:ea typeface="Arial" panose="020B0604020202020204" pitchFamily="34" charset="0"/>
+            </a:endParaRPr>
+          </a:p>
+        </p:txBody>
+      </p:sp>
+      <p:sp>
+        <p:nvSpPr>
+          <p:cNvPr id="3" name="Rectangle 2"/>
+          <p:cNvSpPr/>
+          <p:nvPr/>
+        </p:nvSpPr>
+        <p:spPr>
+          <a:xfrm>
+            <a:off x="431032" y="600943"/>
+            <a:ext cx="8245424" cy="307777"/>
+          </a:xfrm>
+          <a:prstGeom prst="rect">
+            <a:avLst/>
+          </a:prstGeom>
+        </p:spPr>
+        <p:txBody>
+          <a:bodyPr wrap="square">
+            <a:spAutoFit/>
+          </a:bodyPr>
+          <a:lstStyle/>
+          <a:p>
+            <a:pPr algn="ctr"/>
+            <a:r>
+              <a:rPr lang="en-US" sz="1400" dirty="0">
+                <a:latin typeface="Arial" panose="020B0604020202020204" pitchFamily="34" charset="0"/>
+                <a:ea typeface="Arial" panose="020B0604020202020204" pitchFamily="34" charset="0"/>
+              </a:rPr>
+              <a:t>Link: </a:t>
+            </a:r>
+            <a:r>
+              <a:rPr lang="en-US" sz="1400" u="sng" dirty="0">
+                <a:solidFill>
+                  <a:srgbClr val="0000FF"/>
+                </a:solidFill>
+                <a:latin typeface="Arial" panose="020B0604020202020204" pitchFamily="34" charset="0"/>
+                <a:ea typeface="Arial" panose="020B0604020202020204" pitchFamily="34" charset="0"/>
+                <a:hlinkClick r:id="rId2"/>
+              </a:rPr>
+              <a:t>https</a:t>
+            </a:r>
+            <a:r>
+              <a:rPr lang="en-US" sz="1400" u="sng" dirty="0" smtClean="0">
+                <a:solidFill>
+                  <a:srgbClr val="0000FF"/>
+                </a:solidFill>
+                <a:latin typeface="Arial" panose="020B0604020202020204" pitchFamily="34" charset="0"/>
+                <a:ea typeface="Arial" panose="020B0604020202020204" pitchFamily="34" charset="0"/>
+                <a:hlinkClick r:id="rId2"/>
+              </a:rPr>
+              <a:t>://</a:t>
+            </a:r>
+            <a:r>
+              <a:rPr lang="en-US" sz="1400" u="sng" dirty="0" smtClean="0">
+                <a:solidFill>
+                  <a:srgbClr val="0000FF"/>
+                </a:solidFill>
+                <a:latin typeface="Arial" panose="020B0604020202020204" pitchFamily="34" charset="0"/>
+                <a:ea typeface="Arial" panose="020B0604020202020204" pitchFamily="34" charset="0"/>
+              </a:rPr>
+              <a:t>anodiam.com/teacher/course/{courseid}</a:t>
+            </a:r>
+          </a:p>
+        </p:txBody>
+      </p:sp>
+      <p:pic>
+        <p:nvPicPr>
+          <p:cNvPr id="4" name="Picture 3"/>
+          <p:cNvPicPr>
+            <a:picLocks noChangeAspect="1"/>
+          </p:cNvPicPr>
+          <p:nvPr/>
+        </p:nvPicPr>
+        <p:blipFill>
+          <a:blip r:embed="rId3"/>
+          <a:stretch>
+            <a:fillRect/>
+          </a:stretch>
+        </p:blipFill>
+        <p:spPr>
+          <a:xfrm>
+            <a:off x="838200" y="879301"/>
+            <a:ext cx="7467600" cy="5934075"/>
+          </a:xfrm>
+          <a:prstGeom prst="rect">
+            <a:avLst/>
+          </a:prstGeom>
+        </p:spPr>
+      </p:pic>
+    </p:spTree>
+    <p:extLst>
+      <p:ext uri="{BB962C8B-B14F-4D97-AF65-F5344CB8AC3E}">
+        <p14:creationId xmlns:p14="http://schemas.microsoft.com/office/powerpoint/2010/main" val="754339063"/>
       </p:ext>
     </p:extLst>
   </p:cSld>

--- a/ProjectExecution/BA/SpecsWireframes/003TeacherAppWireframes.pptx
+++ b/ProjectExecution/BA/SpecsWireframes/003TeacherAppWireframes.pptx
@@ -233,7 +233,7 @@
           <a:p>
             <a:fld id="{26483215-80E3-4A52-98A5-4C379A79CA39}" type="datetimeFigureOut">
               <a:rPr lang="en-AU" smtClean="0"/>
-              <a:t>22/12/2020</a:t>
+              <a:t>3/01/2021</a:t>
             </a:fld>
             <a:endParaRPr lang="en-AU"/>
           </a:p>
@@ -1021,7 +1021,7 @@
           <a:p>
             <a:fld id="{BB2A88D7-68F7-4681-80B5-BDD492DE1B81}" type="datetimeFigureOut">
               <a:rPr lang="en-AU" smtClean="0"/>
-              <a:t>22/12/2020</a:t>
+              <a:t>3/01/2021</a:t>
             </a:fld>
             <a:endParaRPr lang="en-AU"/>
           </a:p>
@@ -1191,7 +1191,7 @@
           <a:p>
             <a:fld id="{BB2A88D7-68F7-4681-80B5-BDD492DE1B81}" type="datetimeFigureOut">
               <a:rPr lang="en-AU" smtClean="0"/>
-              <a:t>22/12/2020</a:t>
+              <a:t>3/01/2021</a:t>
             </a:fld>
             <a:endParaRPr lang="en-AU"/>
           </a:p>
@@ -1371,7 +1371,7 @@
           <a:p>
             <a:fld id="{BB2A88D7-68F7-4681-80B5-BDD492DE1B81}" type="datetimeFigureOut">
               <a:rPr lang="en-AU" smtClean="0"/>
-              <a:t>22/12/2020</a:t>
+              <a:t>3/01/2021</a:t>
             </a:fld>
             <a:endParaRPr lang="en-AU"/>
           </a:p>
@@ -1541,7 +1541,7 @@
           <a:p>
             <a:fld id="{BB2A88D7-68F7-4681-80B5-BDD492DE1B81}" type="datetimeFigureOut">
               <a:rPr lang="en-AU" smtClean="0"/>
-              <a:t>22/12/2020</a:t>
+              <a:t>3/01/2021</a:t>
             </a:fld>
             <a:endParaRPr lang="en-AU"/>
           </a:p>
@@ -1787,7 +1787,7 @@
           <a:p>
             <a:fld id="{BB2A88D7-68F7-4681-80B5-BDD492DE1B81}" type="datetimeFigureOut">
               <a:rPr lang="en-AU" smtClean="0"/>
-              <a:t>22/12/2020</a:t>
+              <a:t>3/01/2021</a:t>
             </a:fld>
             <a:endParaRPr lang="en-AU"/>
           </a:p>
@@ -2075,7 +2075,7 @@
           <a:p>
             <a:fld id="{BB2A88D7-68F7-4681-80B5-BDD492DE1B81}" type="datetimeFigureOut">
               <a:rPr lang="en-AU" smtClean="0"/>
-              <a:t>22/12/2020</a:t>
+              <a:t>3/01/2021</a:t>
             </a:fld>
             <a:endParaRPr lang="en-AU"/>
           </a:p>
@@ -2497,7 +2497,7 @@
           <a:p>
             <a:fld id="{BB2A88D7-68F7-4681-80B5-BDD492DE1B81}" type="datetimeFigureOut">
               <a:rPr lang="en-AU" smtClean="0"/>
-              <a:t>22/12/2020</a:t>
+              <a:t>3/01/2021</a:t>
             </a:fld>
             <a:endParaRPr lang="en-AU"/>
           </a:p>
@@ -2615,7 +2615,7 @@
           <a:p>
             <a:fld id="{BB2A88D7-68F7-4681-80B5-BDD492DE1B81}" type="datetimeFigureOut">
               <a:rPr lang="en-AU" smtClean="0"/>
-              <a:t>22/12/2020</a:t>
+              <a:t>3/01/2021</a:t>
             </a:fld>
             <a:endParaRPr lang="en-AU"/>
           </a:p>
@@ -2710,7 +2710,7 @@
           <a:p>
             <a:fld id="{BB2A88D7-68F7-4681-80B5-BDD492DE1B81}" type="datetimeFigureOut">
               <a:rPr lang="en-AU" smtClean="0"/>
-              <a:t>22/12/2020</a:t>
+              <a:t>3/01/2021</a:t>
             </a:fld>
             <a:endParaRPr lang="en-AU"/>
           </a:p>
@@ -2987,7 +2987,7 @@
           <a:p>
             <a:fld id="{BB2A88D7-68F7-4681-80B5-BDD492DE1B81}" type="datetimeFigureOut">
               <a:rPr lang="en-AU" smtClean="0"/>
-              <a:t>22/12/2020</a:t>
+              <a:t>3/01/2021</a:t>
             </a:fld>
             <a:endParaRPr lang="en-AU"/>
           </a:p>
@@ -3240,7 +3240,7 @@
           <a:p>
             <a:fld id="{BB2A88D7-68F7-4681-80B5-BDD492DE1B81}" type="datetimeFigureOut">
               <a:rPr lang="en-AU" smtClean="0"/>
-              <a:t>22/12/2020</a:t>
+              <a:t>3/01/2021</a:t>
             </a:fld>
             <a:endParaRPr lang="en-AU"/>
           </a:p>
@@ -3453,7 +3453,7 @@
           <a:p>
             <a:fld id="{BB2A88D7-68F7-4681-80B5-BDD492DE1B81}" type="datetimeFigureOut">
               <a:rPr lang="en-AU" smtClean="0"/>
-              <a:t>22/12/2020</a:t>
+              <a:t>3/01/2021</a:t>
             </a:fld>
             <a:endParaRPr lang="en-AU"/>
           </a:p>
@@ -10607,21 +10607,7 @@
                 <a:latin typeface="Arial" panose="020B0604020202020204" pitchFamily="34" charset="0"/>
                 <a:ea typeface="Arial" panose="020B0604020202020204" pitchFamily="34" charset="0"/>
               </a:rPr>
-              <a:t>Signup – </a:t>
-            </a:r>
-            <a:r>
-              <a:rPr lang="en-US" sz="2400" b="1" dirty="0" smtClean="0">
-                <a:latin typeface="Arial" panose="020B0604020202020204" pitchFamily="34" charset="0"/>
-                <a:ea typeface="Arial" panose="020B0604020202020204" pitchFamily="34" charset="0"/>
-              </a:rPr>
-              <a:t>Create New </a:t>
-            </a:r>
-            <a:r>
-              <a:rPr lang="en-US" sz="2400" b="1" dirty="0" smtClean="0">
-                <a:latin typeface="Arial" panose="020B0604020202020204" pitchFamily="34" charset="0"/>
-                <a:ea typeface="Arial" panose="020B0604020202020204" pitchFamily="34" charset="0"/>
-              </a:rPr>
-              <a:t>Password page</a:t>
+              <a:t>Signup – Create New Password page</a:t>
             </a:r>
             <a:endParaRPr lang="en-AU" sz="2400" dirty="0">
               <a:effectLst/>
@@ -10690,17 +10676,7 @@
                 <a:latin typeface="Arial" panose="020B0604020202020204" pitchFamily="34" charset="0"/>
                 <a:ea typeface="Arial" panose="020B0604020202020204" pitchFamily="34" charset="0"/>
               </a:rPr>
-              <a:t>anodiam.com/teacher/createpassword</a:t>
-            </a:r>
-            <a:r>
-              <a:rPr lang="en-US" sz="1400" u="sng" dirty="0" smtClean="0">
-                <a:solidFill>
-                  <a:srgbClr val="0000FF"/>
-                </a:solidFill>
-                <a:latin typeface="Arial" panose="020B0604020202020204" pitchFamily="34" charset="0"/>
-                <a:ea typeface="Arial" panose="020B0604020202020204" pitchFamily="34" charset="0"/>
-              </a:rPr>
-              <a:t>/{userid}</a:t>
+              <a:t>anodiam.com/teacher/createpassword/{userid}</a:t>
             </a:r>
             <a:endParaRPr lang="en-AU" sz="1400" dirty="0"/>
           </a:p>
